--- a/졸작 기획서.pptx
+++ b/졸작 기획서.pptx
@@ -2,8 +2,8 @@
 <file path=ppt/presentation.xml><?xml version="1.0" encoding="utf-8"?>
 <p:presentation xmlns:r="http://schemas.openxmlformats.org/officeDocument/2006/relationships" xmlns:c="http://schemas.openxmlformats.org/drawingml/2006/chart" xmlns:a="http://schemas.openxmlformats.org/drawingml/2006/main" xmlns:dgm="http://schemas.openxmlformats.org/drawingml/2006/diagram" xmlns:dsp="http://schemas.microsoft.com/office/drawing/2008/diagram" xmlns:p="http://schemas.openxmlformats.org/presentationml/2006/main" saveSubsetFonts="1">
   <p:sldMasterIdLst>
-    <p:sldMasterId id="2147483728" r:id="rId1"/>
-    <p:sldMasterId id="2147483729" r:id="rId2"/>
+    <p:sldMasterId id="2147483760" r:id="rId1"/>
+    <p:sldMasterId id="2147483761" r:id="rId2"/>
   </p:sldMasterIdLst>
   <p:sldIdLst>
     <p:sldId id="256" r:id="rId3"/>
@@ -41,6 +41,10 @@
     <p:sldId id="288" r:id="rId35"/>
     <p:sldId id="289" r:id="rId36"/>
     <p:sldId id="290" r:id="rId37"/>
+    <p:sldId id="291" r:id="rId38"/>
+    <p:sldId id="292" r:id="rId39"/>
+    <p:sldId id="293" r:id="rId40"/>
+    <p:sldId id="294" r:id="rId41"/>
   </p:sldIdLst>
   <p:sldSz cx="12192000" cy="6858000"/>
   <p:notesSz cx="6858000" cy="9144000"/>
@@ -15580,7 +15584,7 @@
               <a:defRPr/>
             </a:pPr>
             <a:r>
-              <a:rPr kumimoji="0" lang="ko-KR" altLang="en-US" sz="1945" b="0" i="0" u="none" strike="noStrike" kern="1200" cap="none" spc="0" normalizeH="0" baseline="0" dirty="0">
+              <a:rPr kumimoji="0" lang="ko-KR" altLang="en-US" sz="1945" b="0" i="0" u="none" strike="noStrike" kern="1200" cap="none" spc="0" normalizeH="0" baseline="0">
                 <a:solidFill>
                   <a:schemeClr val="tx1"/>
                 </a:solidFill>
@@ -15590,7 +15594,7 @@
               <a:t>시술예약 </a:t>
             </a:r>
             <a:r>
-              <a:rPr kumimoji="0" lang="en-US" altLang="ko-KR" sz="1945" b="0" i="0" u="none" strike="noStrike" kern="1200" cap="none" spc="0" normalizeH="0" baseline="0" dirty="0">
+              <a:rPr kumimoji="0" lang="en-US" altLang="ko-KR" sz="1945" b="0" i="0" u="none" strike="noStrike" kern="1200" cap="none" spc="0" normalizeH="0" baseline="0">
                 <a:solidFill>
                   <a:schemeClr val="tx1"/>
                 </a:solidFill>
@@ -15600,7 +15604,7 @@
               <a:t>-</a:t>
             </a:r>
             <a:r>
-              <a:rPr kumimoji="0" lang="ko-KR" altLang="en-US" sz="1945" b="0" i="0" u="none" strike="noStrike" kern="1200" cap="none" spc="0" normalizeH="0" baseline="0" dirty="0">
+              <a:rPr kumimoji="0" lang="ko-KR" altLang="en-US" sz="1945" b="0" i="0" u="none" strike="noStrike" kern="1200" cap="none" spc="0" normalizeH="0" baseline="0">
                 <a:solidFill>
                   <a:schemeClr val="tx1"/>
                 </a:solidFill>
@@ -15610,7 +15614,7 @@
               <a:t> 예약확인</a:t>
             </a:r>
             <a:r>
-              <a:rPr kumimoji="0" lang="en-US" altLang="ko-KR" sz="1945" b="0" i="0" u="none" strike="noStrike" kern="1200" cap="none" spc="0" normalizeH="0" baseline="0" dirty="0">
+              <a:rPr kumimoji="0" lang="en-US" altLang="ko-KR" sz="1945" b="0" i="0" u="none" strike="noStrike" kern="1200" cap="none" spc="0" normalizeH="0" baseline="0">
                 <a:solidFill>
                   <a:schemeClr val="tx1"/>
                 </a:solidFill>
@@ -15620,7 +15624,7 @@
               <a:t>/</a:t>
             </a:r>
             <a:r>
-              <a:rPr kumimoji="0" lang="ko-KR" altLang="en-US" sz="1945" b="0" i="0" u="none" strike="noStrike" kern="1200" cap="none" spc="0" normalizeH="0" baseline="0" dirty="0">
+              <a:rPr kumimoji="0" lang="ko-KR" altLang="en-US" sz="1945" b="0" i="0" u="none" strike="noStrike" kern="1200" cap="none" spc="0" normalizeH="0" baseline="0">
                 <a:solidFill>
                   <a:schemeClr val="tx1"/>
                 </a:solidFill>
@@ -15630,7 +15634,7 @@
               <a:t>변경</a:t>
             </a:r>
             <a:r>
-              <a:rPr kumimoji="0" lang="en-US" altLang="ko-KR" sz="1945" b="0" i="0" u="none" strike="noStrike" kern="1200" cap="none" spc="0" normalizeH="0" baseline="0" dirty="0">
+              <a:rPr kumimoji="0" lang="en-US" altLang="ko-KR" sz="1945" b="0" i="0" u="none" strike="noStrike" kern="1200" cap="none" spc="0" normalizeH="0" baseline="0">
                 <a:solidFill>
                   <a:schemeClr val="tx1"/>
                 </a:solidFill>
@@ -15640,7 +15644,7 @@
               <a:t>/</a:t>
             </a:r>
             <a:r>
-              <a:rPr kumimoji="0" lang="ko-KR" altLang="en-US" sz="1945" b="0" i="0" u="none" strike="noStrike" kern="1200" cap="none" spc="0" normalizeH="0" baseline="0" dirty="0">
+              <a:rPr kumimoji="0" lang="ko-KR" altLang="en-US" sz="1945" b="0" i="0" u="none" strike="noStrike" kern="1200" cap="none" spc="0" normalizeH="0" baseline="0">
                 <a:solidFill>
                   <a:schemeClr val="tx1"/>
                 </a:solidFill>
@@ -15665,7 +15669,7 @@
               <a:buNone/>
               <a:defRPr/>
             </a:pPr>
-            <a:endParaRPr kumimoji="0" lang="ko-KR" altLang="en-US" sz="2235" b="0" i="0" u="none" strike="noStrike" kern="1200" cap="none" spc="0" normalizeH="0" baseline="0" dirty="0">
+            <a:endParaRPr kumimoji="0" lang="ko-KR" altLang="en-US" sz="2235" b="0" i="0" u="none" strike="noStrike" kern="1200" cap="none" spc="0" normalizeH="0" baseline="0">
               <a:solidFill>
                 <a:schemeClr val="tx1"/>
               </a:solidFill>
@@ -15688,7 +15692,7 @@
               <a:buNone/>
               <a:defRPr/>
             </a:pPr>
-            <a:endParaRPr kumimoji="0" lang="ko-KR" altLang="en-US" sz="2600" b="0" i="0" u="none" strike="noStrike" kern="1200" cap="none" spc="0" normalizeH="0" baseline="0" dirty="0">
+            <a:endParaRPr kumimoji="0" lang="ko-KR" altLang="en-US" sz="2600" b="0" i="0" u="none" strike="noStrike" kern="1200" cap="none" spc="0" normalizeH="0" baseline="0">
               <a:solidFill>
                 <a:schemeClr val="tx1"/>
               </a:solidFill>
@@ -15711,7 +15715,7 @@
               <a:buNone/>
               <a:defRPr/>
             </a:pPr>
-            <a:endParaRPr kumimoji="0" lang="ko-KR" altLang="en-US" sz="2600" b="0" i="0" u="none" strike="noStrike" kern="1200" cap="none" spc="0" normalizeH="0" baseline="0" dirty="0">
+            <a:endParaRPr kumimoji="0" lang="ko-KR" altLang="en-US" sz="2600" b="0" i="0" u="none" strike="noStrike" kern="1200" cap="none" spc="0" normalizeH="0" baseline="0">
               <a:solidFill>
                 <a:schemeClr val="tx1"/>
               </a:solidFill>
@@ -15734,7 +15738,7 @@
               <a:buNone/>
               <a:defRPr/>
             </a:pPr>
-            <a:endParaRPr kumimoji="0" lang="ko-KR" altLang="en-US" sz="2600" b="0" i="0" u="none" strike="noStrike" kern="1200" cap="none" spc="0" normalizeH="0" baseline="0" dirty="0">
+            <a:endParaRPr kumimoji="0" lang="ko-KR" altLang="en-US" sz="2600" b="0" i="0" u="none" strike="noStrike" kern="1200" cap="none" spc="0" normalizeH="0" baseline="0">
               <a:solidFill>
                 <a:schemeClr val="tx1"/>
               </a:solidFill>
@@ -16096,10 +16100,10 @@
       </p:sp>
       <p:pic>
         <p:nvPicPr>
-          <p:cNvPr id="4" name="그림 3">
+          <p:cNvPr id="4" name="그림 3" descr="텍스트이(가) 표시된 사진&#10;&#10;자동 생성된 설명">
             <a:extLst>
               <a:ext uri="{FF2B5EF4-FFF2-40B4-BE49-F238E27FC236}">
-                <a16:creationId xmlns:a16="http://schemas.microsoft.com/office/drawing/2014/main" id="{7D76E44D-6A65-4E24-97F2-1DB7194CCCBE}"/>
+                <a16:creationId xmlns:a16="http://schemas.microsoft.com/office/drawing/2014/main" id="{674AAA40-348A-4065-A44D-60855B83641A}"/>
               </a:ext>
             </a:extLst>
           </p:cNvPr>
@@ -16122,8 +16126,8 @@
         </p:blipFill>
         <p:spPr>
           <a:xfrm>
-            <a:off x="995263" y="2160724"/>
-            <a:ext cx="4758727" cy="4090984"/>
+            <a:off x="1009415" y="2214942"/>
+            <a:ext cx="4767413" cy="3936473"/>
           </a:xfrm>
           <a:prstGeom prst="rect">
             <a:avLst/>
@@ -16131,18 +16135,16 @@
         </p:spPr>
       </p:pic>
     </p:spTree>
+    <p:extLst>
+      <p:ext uri="{BB962C8B-B14F-4D97-AF65-F5344CB8AC3E}">
+        <p14:creationId xmlns:p14="http://schemas.microsoft.com/office/powerpoint/2010/main" val="3893120379"/>
+      </p:ext>
+    </p:extLst>
   </p:cSld>
   <p:clrMapOvr>
     <a:masterClrMapping/>
   </p:clrMapOvr>
-  <mc:AlternateContent xmlns:mc="http://schemas.openxmlformats.org/markup-compatibility/2006" xmlns:p14="http://schemas.microsoft.com/office/powerpoint/2010/main">
-    <mc:Choice Requires="p14">
-      <p:transition/>
-    </mc:Choice>
-    <mc:Fallback xmlns:dsp="http://schemas.microsoft.com/office/drawing/2008/diagram" xmlns:dgm="http://schemas.openxmlformats.org/drawingml/2006/diagram" xmlns:c="http://schemas.openxmlformats.org/drawingml/2006/chart" xmlns="">
-      <p:transition/>
-    </mc:Fallback>
-  </mc:AlternateContent>
+  <p:transition/>
 </p:sld>
 </file>
 
@@ -17234,10 +17236,10 @@
       </p:sp>
       <p:pic>
         <p:nvPicPr>
-          <p:cNvPr id="4" name="그림 3" descr="텍스트이(가) 표시된 사진&#10;&#10;자동 생성된 설명">
+          <p:cNvPr id="4" name="그림 3" descr="테이블이(가) 표시된 사진&#10;&#10;자동 생성된 설명">
             <a:extLst>
               <a:ext uri="{FF2B5EF4-FFF2-40B4-BE49-F238E27FC236}">
-                <a16:creationId xmlns:a16="http://schemas.microsoft.com/office/drawing/2014/main" id="{674AAA40-348A-4065-A44D-60855B83641A}"/>
+                <a16:creationId xmlns:a16="http://schemas.microsoft.com/office/drawing/2014/main" id="{ECBDDBDE-7F94-4A6F-ACD7-42526B63C79A}"/>
               </a:ext>
             </a:extLst>
           </p:cNvPr>
@@ -17260,8 +17262,8 @@
         </p:blipFill>
         <p:spPr>
           <a:xfrm>
-            <a:off x="1009415" y="2214942"/>
-            <a:ext cx="4767413" cy="3936473"/>
+            <a:off x="1853575" y="2072040"/>
+            <a:ext cx="2817476" cy="4350661"/>
           </a:xfrm>
           <a:prstGeom prst="rect">
             <a:avLst/>
@@ -17271,7 +17273,7 @@
     </p:spTree>
     <p:extLst>
       <p:ext uri="{BB962C8B-B14F-4D97-AF65-F5344CB8AC3E}">
-        <p14:creationId xmlns:p14="http://schemas.microsoft.com/office/powerpoint/2010/main" val="3893120379"/>
+        <p14:creationId xmlns:p14="http://schemas.microsoft.com/office/powerpoint/2010/main" val="4170116857"/>
       </p:ext>
     </p:extLst>
   </p:cSld>
@@ -17835,7 +17837,7 @@
         </p:spPr>
         <p:txBody>
           <a:bodyPr vert="horz" lIns="91440" tIns="45720" rIns="91440" bIns="45720">
-            <a:normAutofit fontScale="85000" lnSpcReduction="10000"/>
+            <a:normAutofit fontScale="92500" lnSpcReduction="20000"/>
           </a:bodyPr>
           <a:lstStyle/>
           <a:p>
@@ -17881,47 +17883,7 @@
                 <a:latin typeface="1훈정글북 Regular"/>
                 <a:ea typeface="1훈정글북 Regular"/>
               </a:rPr>
-              <a:t> 예약확인</a:t>
-            </a:r>
-            <a:r>
-              <a:rPr kumimoji="0" lang="en-US" altLang="ko-KR" sz="1945" b="0" i="0" u="none" strike="noStrike" kern="1200" cap="none" spc="0" normalizeH="0" baseline="0">
-                <a:solidFill>
-                  <a:schemeClr val="tx1"/>
-                </a:solidFill>
-                <a:latin typeface="1훈정글북 Regular"/>
-                <a:ea typeface="1훈정글북 Regular"/>
-              </a:rPr>
-              <a:t>/</a:t>
-            </a:r>
-            <a:r>
-              <a:rPr kumimoji="0" lang="ko-KR" altLang="en-US" sz="1945" b="0" i="0" u="none" strike="noStrike" kern="1200" cap="none" spc="0" normalizeH="0" baseline="0">
-                <a:solidFill>
-                  <a:schemeClr val="tx1"/>
-                </a:solidFill>
-                <a:latin typeface="1훈정글북 Regular"/>
-                <a:ea typeface="1훈정글북 Regular"/>
-              </a:rPr>
-              <a:t>변경</a:t>
-            </a:r>
-            <a:r>
-              <a:rPr kumimoji="0" lang="en-US" altLang="ko-KR" sz="1945" b="0" i="0" u="none" strike="noStrike" kern="1200" cap="none" spc="0" normalizeH="0" baseline="0">
-                <a:solidFill>
-                  <a:schemeClr val="tx1"/>
-                </a:solidFill>
-                <a:latin typeface="1훈정글북 Regular"/>
-                <a:ea typeface="1훈정글북 Regular"/>
-              </a:rPr>
-              <a:t>/</a:t>
-            </a:r>
-            <a:r>
-              <a:rPr kumimoji="0" lang="ko-KR" altLang="en-US" sz="1945" b="0" i="0" u="none" strike="noStrike" kern="1200" cap="none" spc="0" normalizeH="0" baseline="0">
-                <a:solidFill>
-                  <a:schemeClr val="tx1"/>
-                </a:solidFill>
-                <a:latin typeface="1훈정글북 Regular"/>
-                <a:ea typeface="1훈정글북 Regular"/>
-              </a:rPr>
-              <a:t>취소</a:t>
+              <a:t> 최근 본 시술</a:t>
             </a:r>
           </a:p>
           <a:p>
@@ -18028,7 +17990,7 @@
         </p:nvSpPr>
         <p:spPr>
           <a:xfrm>
-            <a:off x="6248400" y="2349854"/>
+            <a:off x="6200775" y="2283179"/>
             <a:ext cx="5291291" cy="3621785"/>
           </a:xfrm>
           <a:prstGeom prst="rect">
@@ -18063,7 +18025,7 @@
                 <a:latin typeface="1훈정글북 Regular"/>
                 <a:ea typeface="1훈정글북 Regular"/>
               </a:rPr>
-              <a:t>선택한 시술 </a:t>
+              <a:t>최근 본 시술 </a:t>
             </a:r>
             <a:r>
               <a:rPr kumimoji="0" lang="en-US" altLang="ko-KR" b="0" i="0" u="none" strike="noStrike" kern="1200" cap="none" spc="0" normalizeH="0" baseline="0" dirty="0">
@@ -18083,7 +18045,27 @@
                 <a:latin typeface="1훈정글북 Regular"/>
                 <a:ea typeface="1훈정글북 Regular"/>
               </a:rPr>
-              <a:t> 부분</a:t>
+              <a:t> 상세보기 </a:t>
+            </a:r>
+            <a:r>
+              <a:rPr kumimoji="0" lang="ko-KR" altLang="en-US" b="0" i="0" u="none" strike="noStrike" kern="1200" cap="none" spc="0" normalizeH="0" baseline="0" dirty="0" err="1">
+                <a:solidFill>
+                  <a:schemeClr val="tx1"/>
+                </a:solidFill>
+                <a:latin typeface="1훈정글북 Regular"/>
+                <a:ea typeface="1훈정글북 Regular"/>
+              </a:rPr>
+              <a:t>클릭시</a:t>
+            </a:r>
+            <a:r>
+              <a:rPr kumimoji="0" lang="ko-KR" altLang="en-US" b="0" i="0" u="none" strike="noStrike" kern="1200" cap="none" spc="0" normalizeH="0" baseline="0" dirty="0">
+                <a:solidFill>
+                  <a:schemeClr val="tx1"/>
+                </a:solidFill>
+                <a:latin typeface="1훈정글북 Regular"/>
+                <a:ea typeface="1훈정글북 Regular"/>
+              </a:rPr>
+              <a:t> 시술 상세페이지로 이동</a:t>
             </a:r>
             <a:r>
               <a:rPr kumimoji="0" lang="en-US" altLang="ko-KR" b="0" i="0" u="none" strike="noStrike" kern="1200" cap="none" spc="0" normalizeH="0" baseline="0" dirty="0">
@@ -18093,7 +18075,7 @@
                 <a:latin typeface="1훈정글북 Regular"/>
                 <a:ea typeface="1훈정글북 Regular"/>
               </a:rPr>
-              <a:t>/</a:t>
+              <a:t>,</a:t>
             </a:r>
             <a:r>
               <a:rPr kumimoji="0" lang="ko-KR" altLang="en-US" b="0" i="0" u="none" strike="noStrike" kern="1200" cap="none" spc="0" normalizeH="0" baseline="0" dirty="0">
@@ -18103,24 +18085,8 @@
                 <a:latin typeface="1훈정글북 Regular"/>
                 <a:ea typeface="1훈정글북 Regular"/>
               </a:rPr>
-              <a:t>전체 예약취소 가능</a:t>
-            </a:r>
-          </a:p>
-          <a:p>
-            <a:pPr marL="0" indent="0" defTabSz="914400" rtl="0" eaLnBrk="1" latinLnBrk="1" hangingPunct="1">
-              <a:lnSpc>
-                <a:spcPct val="90000"/>
-              </a:lnSpc>
-              <a:spcBef>
-                <a:spcPts val="1000"/>
-              </a:spcBef>
-              <a:spcAft>
-                <a:spcPts val="0"/>
-              </a:spcAft>
-              <a:buFont typeface="Arial"/>
-              <a:buNone/>
-              <a:defRPr/>
-            </a:pPr>
+              <a:t> 상세보기 </a:t>
+            </a:r>
             <a:r>
               <a:rPr kumimoji="0" lang="ko-KR" altLang="en-US" b="0" i="0" u="none" strike="noStrike" kern="1200" cap="none" spc="0" normalizeH="0" baseline="0" dirty="0" err="1">
                 <a:solidFill>
@@ -18129,7 +18095,7 @@
                 <a:latin typeface="1훈정글북 Regular"/>
                 <a:ea typeface="1훈정글북 Regular"/>
               </a:rPr>
-              <a:t>예약폼</a:t>
+              <a:t>호버시</a:t>
             </a:r>
             <a:r>
               <a:rPr kumimoji="0" lang="ko-KR" altLang="en-US" b="0" i="0" u="none" strike="noStrike" kern="1200" cap="none" spc="0" normalizeH="0" baseline="0" dirty="0">
@@ -18139,117 +18105,8 @@
                 <a:latin typeface="1훈정글북 Regular"/>
                 <a:ea typeface="1훈정글북 Regular"/>
               </a:rPr>
-              <a:t> </a:t>
-            </a:r>
-            <a:r>
-              <a:rPr kumimoji="0" lang="en-US" altLang="ko-KR" b="0" i="0" u="none" strike="noStrike" kern="1200" cap="none" spc="0" normalizeH="0" baseline="0" dirty="0">
-                <a:solidFill>
-                  <a:schemeClr val="tx1"/>
-                </a:solidFill>
-                <a:latin typeface="1훈정글북 Regular"/>
-                <a:ea typeface="1훈정글북 Regular"/>
-              </a:rPr>
-              <a:t>-</a:t>
-            </a:r>
-            <a:r>
-              <a:rPr kumimoji="0" lang="ko-KR" altLang="en-US" b="0" i="0" u="none" strike="noStrike" kern="1200" cap="none" spc="0" normalizeH="0" baseline="0" dirty="0">
-                <a:solidFill>
-                  <a:schemeClr val="tx1"/>
-                </a:solidFill>
-                <a:latin typeface="1훈정글북 Regular"/>
-                <a:ea typeface="1훈정글북 Regular"/>
-              </a:rPr>
-              <a:t> 예약 가능한 날짜와 시간이 표시</a:t>
-            </a:r>
-            <a:r>
-              <a:rPr kumimoji="0" lang="en-US" altLang="ko-KR" b="0" i="0" u="none" strike="noStrike" kern="1200" cap="none" spc="0" normalizeH="0" baseline="0" dirty="0">
-                <a:solidFill>
-                  <a:schemeClr val="tx1"/>
-                </a:solidFill>
-                <a:latin typeface="1훈정글북 Regular"/>
-                <a:ea typeface="1훈정글북 Regular"/>
-              </a:rPr>
-              <a:t>,</a:t>
-            </a:r>
-            <a:r>
-              <a:rPr kumimoji="0" lang="ko-KR" altLang="en-US" b="0" i="0" u="none" strike="noStrike" kern="1200" cap="none" spc="0" normalizeH="0" baseline="0" dirty="0">
-                <a:solidFill>
-                  <a:schemeClr val="tx1"/>
-                </a:solidFill>
-                <a:latin typeface="1훈정글북 Regular"/>
-                <a:ea typeface="1훈정글북 Regular"/>
-              </a:rPr>
-              <a:t> 원하는 날짜와 시간 변경 가능</a:t>
-            </a:r>
-          </a:p>
-          <a:p>
-            <a:pPr marL="0" indent="0" defTabSz="914400" rtl="0" eaLnBrk="1" latinLnBrk="1" hangingPunct="1">
-              <a:lnSpc>
-                <a:spcPct val="90000"/>
-              </a:lnSpc>
-              <a:spcBef>
-                <a:spcPts val="1000"/>
-              </a:spcBef>
-              <a:spcAft>
-                <a:spcPts val="0"/>
-              </a:spcAft>
-              <a:buFont typeface="Arial"/>
-              <a:buNone/>
-              <a:defRPr/>
-            </a:pPr>
-            <a:r>
-              <a:rPr kumimoji="0" lang="ko-KR" altLang="en-US" b="0" i="0" u="none" strike="noStrike" kern="1200" cap="none" spc="0" normalizeH="0" baseline="0" dirty="0">
-                <a:solidFill>
-                  <a:schemeClr val="tx1"/>
-                </a:solidFill>
-                <a:latin typeface="1훈정글북 Regular"/>
-                <a:ea typeface="1훈정글북 Regular"/>
-              </a:rPr>
-              <a:t>고객정보 </a:t>
-            </a:r>
-            <a:r>
-              <a:rPr kumimoji="0" lang="en-US" altLang="ko-KR" b="0" i="0" u="none" strike="noStrike" kern="1200" cap="none" spc="0" normalizeH="0" baseline="0" dirty="0">
-                <a:solidFill>
-                  <a:schemeClr val="tx1"/>
-                </a:solidFill>
-                <a:latin typeface="1훈정글북 Regular"/>
-                <a:ea typeface="1훈정글북 Regular"/>
-              </a:rPr>
-              <a:t>-</a:t>
-            </a:r>
-            <a:r>
-              <a:rPr kumimoji="0" lang="ko-KR" altLang="en-US" b="0" i="0" u="none" strike="noStrike" kern="1200" cap="none" spc="0" normalizeH="0" baseline="0" dirty="0">
-                <a:solidFill>
-                  <a:schemeClr val="tx1"/>
-                </a:solidFill>
-                <a:latin typeface="1훈정글북 Regular"/>
-                <a:ea typeface="1훈정글북 Regular"/>
-              </a:rPr>
-              <a:t> 고객 정보 입력 후 예약 변경 가능</a:t>
-            </a:r>
-          </a:p>
-          <a:p>
-            <a:pPr marL="0" indent="0" defTabSz="914400" rtl="0" eaLnBrk="1" latinLnBrk="1" hangingPunct="1">
-              <a:lnSpc>
-                <a:spcPct val="90000"/>
-              </a:lnSpc>
-              <a:spcBef>
-                <a:spcPts val="1000"/>
-              </a:spcBef>
-              <a:spcAft>
-                <a:spcPts val="0"/>
-              </a:spcAft>
-              <a:buFont typeface="Arial"/>
-              <a:buNone/>
-              <a:defRPr/>
-            </a:pPr>
-            <a:endParaRPr kumimoji="0" lang="ko-KR" altLang="en-US" b="0" i="0" u="none" strike="noStrike" kern="1200" cap="none" spc="0" normalizeH="0" baseline="0" dirty="0">
-              <a:solidFill>
-                <a:schemeClr val="tx1"/>
-              </a:solidFill>
-              <a:latin typeface="1훈정글북 Regular"/>
-              <a:ea typeface="1훈정글북 Regular"/>
-            </a:endParaRPr>
+              <a:t> 버튼 색상 변경</a:t>
+            </a:r>
           </a:p>
           <a:p>
             <a:pPr marL="0" indent="0" defTabSz="914400" rtl="0" eaLnBrk="1" latinLnBrk="1" hangingPunct="1">
@@ -18370,10 +18227,10 @@
       </p:sp>
       <p:pic>
         <p:nvPicPr>
-          <p:cNvPr id="4" name="그림 3" descr="테이블이(가) 표시된 사진&#10;&#10;자동 생성된 설명">
+          <p:cNvPr id="4" name="그림 3">
             <a:extLst>
               <a:ext uri="{FF2B5EF4-FFF2-40B4-BE49-F238E27FC236}">
-                <a16:creationId xmlns:a16="http://schemas.microsoft.com/office/drawing/2014/main" id="{ECBDDBDE-7F94-4A6F-ACD7-42526B63C79A}"/>
+                <a16:creationId xmlns:a16="http://schemas.microsoft.com/office/drawing/2014/main" id="{51E0923C-1107-412B-90AD-DF46F66EB90B}"/>
               </a:ext>
             </a:extLst>
           </p:cNvPr>
@@ -18396,8 +18253,8 @@
         </p:blipFill>
         <p:spPr>
           <a:xfrm>
-            <a:off x="1853575" y="2072040"/>
-            <a:ext cx="2817476" cy="4350661"/>
+            <a:off x="1306578" y="1948736"/>
+            <a:ext cx="4222836" cy="4433977"/>
           </a:xfrm>
           <a:prstGeom prst="rect">
             <a:avLst/>
@@ -18405,16 +18262,18 @@
         </p:spPr>
       </p:pic>
     </p:spTree>
-    <p:extLst>
-      <p:ext uri="{BB962C8B-B14F-4D97-AF65-F5344CB8AC3E}">
-        <p14:creationId xmlns:p14="http://schemas.microsoft.com/office/powerpoint/2010/main" val="4170116857"/>
-      </p:ext>
-    </p:extLst>
   </p:cSld>
   <p:clrMapOvr>
     <a:masterClrMapping/>
   </p:clrMapOvr>
-  <p:transition/>
+  <mc:AlternateContent xmlns:mc="http://schemas.openxmlformats.org/markup-compatibility/2006" xmlns:p14="http://schemas.microsoft.com/office/powerpoint/2010/main">
+    <mc:Choice Requires="p14">
+      <p:transition/>
+    </mc:Choice>
+    <mc:Fallback xmlns:dsp="http://schemas.microsoft.com/office/drawing/2008/diagram" xmlns:dgm="http://schemas.openxmlformats.org/drawingml/2006/diagram" xmlns:c="http://schemas.openxmlformats.org/drawingml/2006/chart" xmlns="">
+      <p:transition/>
+    </mc:Fallback>
+  </mc:AlternateContent>
 </p:sld>
 </file>
 
@@ -19472,27 +19331,7 @@
                 <a:latin typeface="1훈정글북 Regular"/>
                 <a:ea typeface="1훈정글북 Regular"/>
               </a:rPr>
-              <a:t>시술예약 </a:t>
-            </a:r>
-            <a:r>
-              <a:rPr kumimoji="0" lang="en-US" altLang="ko-KR" sz="1945" b="0" i="0" u="none" strike="noStrike" kern="1200" cap="none" spc="0" normalizeH="0" baseline="0">
-                <a:solidFill>
-                  <a:schemeClr val="tx1"/>
-                </a:solidFill>
-                <a:latin typeface="1훈정글북 Regular"/>
-                <a:ea typeface="1훈정글북 Regular"/>
-              </a:rPr>
-              <a:t>-</a:t>
-            </a:r>
-            <a:r>
-              <a:rPr kumimoji="0" lang="ko-KR" altLang="en-US" sz="1945" b="0" i="0" u="none" strike="noStrike" kern="1200" cap="none" spc="0" normalizeH="0" baseline="0">
-                <a:solidFill>
-                  <a:schemeClr val="tx1"/>
-                </a:solidFill>
-                <a:latin typeface="1훈정글북 Regular"/>
-                <a:ea typeface="1훈정글북 Regular"/>
-              </a:rPr>
-              <a:t> 최근 본 시술</a:t>
+              <a:t>전후사진</a:t>
             </a:r>
           </a:p>
           <a:p>
@@ -19627,17 +19466,17 @@
               <a:defRPr/>
             </a:pPr>
             <a:r>
-              <a:rPr kumimoji="0" lang="ko-KR" altLang="en-US" b="0" i="0" u="none" strike="noStrike" kern="1200" cap="none" spc="0" normalizeH="0" baseline="0" dirty="0">
+              <a:rPr kumimoji="0" lang="ko-KR" altLang="en-US" b="0" i="0" u="none" strike="noStrike" kern="1200" cap="none" spc="0" normalizeH="0" baseline="0">
                 <a:solidFill>
                   <a:schemeClr val="tx1"/>
                 </a:solidFill>
                 <a:latin typeface="1훈정글북 Regular"/>
                 <a:ea typeface="1훈정글북 Regular"/>
               </a:rPr>
-              <a:t>최근 본 시술 </a:t>
-            </a:r>
-            <a:r>
-              <a:rPr kumimoji="0" lang="en-US" altLang="ko-KR" b="0" i="0" u="none" strike="noStrike" kern="1200" cap="none" spc="0" normalizeH="0" baseline="0" dirty="0">
+              <a:t>전후 사진 </a:t>
+            </a:r>
+            <a:r>
+              <a:rPr kumimoji="0" lang="en-US" altLang="ko-KR" b="0" i="0" u="none" strike="noStrike" kern="1200" cap="none" spc="0" normalizeH="0" baseline="0">
                 <a:solidFill>
                   <a:schemeClr val="tx1"/>
                 </a:solidFill>
@@ -19647,92 +19486,32 @@
               <a:t>-</a:t>
             </a:r>
             <a:r>
-              <a:rPr kumimoji="0" lang="ko-KR" altLang="en-US" b="0" i="0" u="none" strike="noStrike" kern="1200" cap="none" spc="0" normalizeH="0" baseline="0" dirty="0">
+              <a:rPr kumimoji="0" lang="ko-KR" altLang="en-US" b="0" i="0" u="none" strike="noStrike" kern="1200" cap="none" spc="0" normalizeH="0" baseline="0">
                 <a:solidFill>
                   <a:schemeClr val="tx1"/>
                 </a:solidFill>
                 <a:latin typeface="1훈정글북 Regular"/>
                 <a:ea typeface="1훈정글북 Regular"/>
               </a:rPr>
-              <a:t> 상세보기 </a:t>
-            </a:r>
-            <a:r>
-              <a:rPr kumimoji="0" lang="ko-KR" altLang="en-US" b="0" i="0" u="none" strike="noStrike" kern="1200" cap="none" spc="0" normalizeH="0" baseline="0" dirty="0" err="1">
-                <a:solidFill>
-                  <a:schemeClr val="tx1"/>
-                </a:solidFill>
-                <a:latin typeface="1훈정글북 Regular"/>
-                <a:ea typeface="1훈정글북 Regular"/>
-              </a:rPr>
-              <a:t>클릭시</a:t>
-            </a:r>
-            <a:r>
-              <a:rPr kumimoji="0" lang="ko-KR" altLang="en-US" b="0" i="0" u="none" strike="noStrike" kern="1200" cap="none" spc="0" normalizeH="0" baseline="0" dirty="0">
-                <a:solidFill>
-                  <a:schemeClr val="tx1"/>
-                </a:solidFill>
-                <a:latin typeface="1훈정글북 Regular"/>
-                <a:ea typeface="1훈정글북 Regular"/>
-              </a:rPr>
-              <a:t> 시술 상세페이지로 이동</a:t>
-            </a:r>
-            <a:r>
-              <a:rPr kumimoji="0" lang="en-US" altLang="ko-KR" b="0" i="0" u="none" strike="noStrike" kern="1200" cap="none" spc="0" normalizeH="0" baseline="0" dirty="0">
-                <a:solidFill>
-                  <a:schemeClr val="tx1"/>
-                </a:solidFill>
-                <a:latin typeface="1훈정글북 Regular"/>
-                <a:ea typeface="1훈정글북 Regular"/>
-              </a:rPr>
-              <a:t>,</a:t>
-            </a:r>
-            <a:r>
-              <a:rPr kumimoji="0" lang="ko-KR" altLang="en-US" b="0" i="0" u="none" strike="noStrike" kern="1200" cap="none" spc="0" normalizeH="0" baseline="0" dirty="0">
-                <a:solidFill>
-                  <a:schemeClr val="tx1"/>
-                </a:solidFill>
-                <a:latin typeface="1훈정글북 Regular"/>
-                <a:ea typeface="1훈정글북 Regular"/>
-              </a:rPr>
-              <a:t> 상세보기 </a:t>
-            </a:r>
-            <a:r>
-              <a:rPr kumimoji="0" lang="ko-KR" altLang="en-US" b="0" i="0" u="none" strike="noStrike" kern="1200" cap="none" spc="0" normalizeH="0" baseline="0" dirty="0" err="1">
-                <a:solidFill>
-                  <a:schemeClr val="tx1"/>
-                </a:solidFill>
-                <a:latin typeface="1훈정글북 Regular"/>
-                <a:ea typeface="1훈정글북 Regular"/>
-              </a:rPr>
-              <a:t>호버시</a:t>
-            </a:r>
-            <a:r>
-              <a:rPr kumimoji="0" lang="ko-KR" altLang="en-US" b="0" i="0" u="none" strike="noStrike" kern="1200" cap="none" spc="0" normalizeH="0" baseline="0" dirty="0">
-                <a:solidFill>
-                  <a:schemeClr val="tx1"/>
-                </a:solidFill>
-                <a:latin typeface="1훈정글북 Regular"/>
-                <a:ea typeface="1훈정글북 Regular"/>
-              </a:rPr>
-              <a:t> 버튼 색상 변경</a:t>
-            </a:r>
-          </a:p>
-          <a:p>
-            <a:pPr marL="0" indent="0" defTabSz="914400" rtl="0" eaLnBrk="1" latinLnBrk="1" hangingPunct="1">
-              <a:lnSpc>
-                <a:spcPct val="90000"/>
-              </a:lnSpc>
-              <a:spcBef>
-                <a:spcPts val="1000"/>
-              </a:spcBef>
-              <a:spcAft>
-                <a:spcPts val="0"/>
-              </a:spcAft>
-              <a:buFont typeface="Arial"/>
-              <a:buNone/>
-              <a:defRPr/>
-            </a:pPr>
-            <a:endParaRPr kumimoji="0" lang="ko-KR" altLang="en-US" b="0" i="0" u="none" strike="noStrike" kern="1200" cap="none" spc="0" normalizeH="0" baseline="0" dirty="0">
+              <a:t> 박스 호버시 선명한 이미지 표시</a:t>
+            </a:r>
+          </a:p>
+          <a:p>
+            <a:pPr marL="0" indent="0" defTabSz="914400" rtl="0" eaLnBrk="1" latinLnBrk="1" hangingPunct="1">
+              <a:lnSpc>
+                <a:spcPct val="90000"/>
+              </a:lnSpc>
+              <a:spcBef>
+                <a:spcPts val="1000"/>
+              </a:spcBef>
+              <a:spcAft>
+                <a:spcPts val="0"/>
+              </a:spcAft>
+              <a:buFont typeface="Arial"/>
+              <a:buNone/>
+              <a:defRPr/>
+            </a:pPr>
+            <a:endParaRPr kumimoji="0" lang="ko-KR" altLang="en-US" b="0" i="0" u="none" strike="noStrike" kern="1200" cap="none" spc="0" normalizeH="0" baseline="0">
               <a:solidFill>
                 <a:schemeClr val="tx1"/>
               </a:solidFill>
@@ -19755,7 +19534,7 @@
               <a:buNone/>
               <a:defRPr/>
             </a:pPr>
-            <a:endParaRPr kumimoji="0" lang="ko-KR" altLang="en-US" sz="2600" b="0" i="0" u="none" strike="noStrike" kern="1200" cap="none" spc="0" normalizeH="0" baseline="0" dirty="0">
+            <a:endParaRPr kumimoji="0" lang="ko-KR" altLang="en-US" sz="2600" b="0" i="0" u="none" strike="noStrike" kern="1200" cap="none" spc="0" normalizeH="0" baseline="0">
               <a:solidFill>
                 <a:schemeClr val="tx1"/>
               </a:solidFill>
@@ -19778,7 +19557,7 @@
               <a:buNone/>
               <a:defRPr/>
             </a:pPr>
-            <a:endParaRPr kumimoji="0" lang="ko-KR" altLang="en-US" sz="2600" b="0" i="0" u="none" strike="noStrike" kern="1200" cap="none" spc="0" normalizeH="0" baseline="0" dirty="0">
+            <a:endParaRPr kumimoji="0" lang="ko-KR" altLang="en-US" sz="2600" b="0" i="0" u="none" strike="noStrike" kern="1200" cap="none" spc="0" normalizeH="0" baseline="0">
               <a:solidFill>
                 <a:schemeClr val="tx1"/>
               </a:solidFill>
@@ -19801,7 +19580,7 @@
               <a:buNone/>
               <a:defRPr/>
             </a:pPr>
-            <a:endParaRPr kumimoji="0" lang="ko-KR" altLang="en-US" sz="2600" b="0" i="0" u="none" strike="noStrike" kern="1200" cap="none" spc="0" normalizeH="0" baseline="0" dirty="0">
+            <a:endParaRPr kumimoji="0" lang="ko-KR" altLang="en-US" sz="2600" b="0" i="0" u="none" strike="noStrike" kern="1200" cap="none" spc="0" normalizeH="0" baseline="0">
               <a:solidFill>
                 <a:schemeClr val="tx1"/>
               </a:solidFill>
@@ -19824,7 +19603,7 @@
               <a:buNone/>
               <a:defRPr/>
             </a:pPr>
-            <a:endParaRPr kumimoji="0" lang="ko-KR" altLang="en-US" sz="2600" b="0" i="0" u="none" strike="noStrike" kern="1200" cap="none" spc="0" normalizeH="0" baseline="0" dirty="0">
+            <a:endParaRPr kumimoji="0" lang="ko-KR" altLang="en-US" sz="2600" b="0" i="0" u="none" strike="noStrike" kern="1200" cap="none" spc="0" normalizeH="0" baseline="0">
               <a:solidFill>
                 <a:schemeClr val="tx1"/>
               </a:solidFill>
@@ -19839,7 +19618,7 @@
           <p:cNvPr id="4" name="그림 3">
             <a:extLst>
               <a:ext uri="{FF2B5EF4-FFF2-40B4-BE49-F238E27FC236}">
-                <a16:creationId xmlns:a16="http://schemas.microsoft.com/office/drawing/2014/main" id="{51E0923C-1107-412B-90AD-DF46F66EB90B}"/>
+                <a16:creationId xmlns:a16="http://schemas.microsoft.com/office/drawing/2014/main" id="{F3E0A0BF-6E54-419D-802D-E5F05042C12D}"/>
               </a:ext>
             </a:extLst>
           </p:cNvPr>
@@ -19862,8 +19641,8 @@
         </p:blipFill>
         <p:spPr>
           <a:xfrm>
-            <a:off x="1306578" y="1948736"/>
-            <a:ext cx="4222836" cy="4433977"/>
+            <a:off x="1752601" y="1900291"/>
+            <a:ext cx="3095325" cy="4441356"/>
           </a:xfrm>
           <a:prstGeom prst="rect">
             <a:avLst/>
@@ -20465,7 +20244,27 @@
                 <a:latin typeface="1훈정글북 Regular"/>
                 <a:ea typeface="1훈정글북 Regular"/>
               </a:rPr>
-              <a:t>전후사진</a:t>
+              <a:t>커뮤니티 </a:t>
+            </a:r>
+            <a:r>
+              <a:rPr kumimoji="0" lang="en-US" altLang="ko-KR" sz="1945" b="0" i="0" u="none" strike="noStrike" kern="1200" cap="none" spc="0" normalizeH="0" baseline="0">
+                <a:solidFill>
+                  <a:schemeClr val="tx1"/>
+                </a:solidFill>
+                <a:latin typeface="1훈정글북 Regular"/>
+                <a:ea typeface="1훈정글북 Regular"/>
+              </a:rPr>
+              <a:t>-</a:t>
+            </a:r>
+            <a:r>
+              <a:rPr kumimoji="0" lang="ko-KR" altLang="en-US" sz="1945" b="0" i="0" u="none" strike="noStrike" kern="1200" cap="none" spc="0" normalizeH="0" baseline="0">
+                <a:solidFill>
+                  <a:schemeClr val="tx1"/>
+                </a:solidFill>
+                <a:latin typeface="1훈정글북 Regular"/>
+                <a:ea typeface="1훈정글북 Regular"/>
+              </a:rPr>
+              <a:t> 공지사항</a:t>
             </a:r>
           </a:p>
           <a:p>
@@ -20572,7 +20371,7 @@
         </p:nvSpPr>
         <p:spPr>
           <a:xfrm>
-            <a:off x="6200775" y="2283179"/>
+            <a:off x="6237587" y="2373280"/>
             <a:ext cx="5291291" cy="3621785"/>
           </a:xfrm>
           <a:prstGeom prst="rect">
@@ -20587,7 +20386,7 @@
           <a:p>
             <a:pPr marL="0" indent="0" defTabSz="914400" rtl="0" eaLnBrk="1" latinLnBrk="1" hangingPunct="1">
               <a:lnSpc>
-                <a:spcPct val="90000"/>
+                <a:spcPct val="70000"/>
               </a:lnSpc>
               <a:spcBef>
                 <a:spcPts val="1000"/>
@@ -20607,7 +20406,7 @@
                 <a:latin typeface="1훈정글북 Regular"/>
                 <a:ea typeface="1훈정글북 Regular"/>
               </a:rPr>
-              <a:t>전후 사진 </a:t>
+              <a:t>공지사항 </a:t>
             </a:r>
             <a:r>
               <a:rPr kumimoji="0" lang="en-US" altLang="ko-KR" b="0" i="0" u="none" strike="noStrike" kern="1200" cap="none" spc="0" normalizeH="0" baseline="0">
@@ -20627,7 +20426,79 @@
                 <a:latin typeface="1훈정글북 Regular"/>
                 <a:ea typeface="1훈정글북 Regular"/>
               </a:rPr>
-              <a:t> 박스 호버시 선명한 이미지 표시</a:t>
+              <a:t> 알리고자 하는 게시물들을 게시판 형식</a:t>
+            </a:r>
+          </a:p>
+          <a:p>
+            <a:pPr marL="0" indent="0" defTabSz="914400" rtl="0" eaLnBrk="1" latinLnBrk="1" hangingPunct="1">
+              <a:lnSpc>
+                <a:spcPct val="70000"/>
+              </a:lnSpc>
+              <a:spcBef>
+                <a:spcPts val="1000"/>
+              </a:spcBef>
+              <a:spcAft>
+                <a:spcPts val="0"/>
+              </a:spcAft>
+              <a:buFont typeface="Arial"/>
+              <a:buNone/>
+              <a:defRPr/>
+            </a:pPr>
+            <a:r>
+              <a:rPr kumimoji="0" lang="ko-KR" altLang="en-US" b="0" i="0" u="none" strike="noStrike" kern="1200" cap="none" spc="0" normalizeH="0" baseline="0">
+                <a:solidFill>
+                  <a:schemeClr val="tx1"/>
+                </a:solidFill>
+                <a:latin typeface="1훈정글북 Regular"/>
+                <a:ea typeface="1훈정글북 Regular"/>
+              </a:rPr>
+              <a:t>으로 표현</a:t>
+            </a:r>
+            <a:r>
+              <a:rPr kumimoji="0" lang="en-US" altLang="ko-KR" b="0" i="0" u="none" strike="noStrike" kern="1200" cap="none" spc="0" normalizeH="0" baseline="0">
+                <a:solidFill>
+                  <a:schemeClr val="tx1"/>
+                </a:solidFill>
+                <a:latin typeface="1훈정글북 Regular"/>
+                <a:ea typeface="1훈정글북 Regular"/>
+              </a:rPr>
+              <a:t>,</a:t>
+            </a:r>
+            <a:r>
+              <a:rPr kumimoji="0" lang="ko-KR" altLang="en-US" b="0" i="0" u="none" strike="noStrike" kern="1200" cap="none" spc="0" normalizeH="0" baseline="0">
+                <a:solidFill>
+                  <a:schemeClr val="tx1"/>
+                </a:solidFill>
+                <a:latin typeface="1훈정글북 Regular"/>
+                <a:ea typeface="1훈정글북 Regular"/>
+              </a:rPr>
+              <a:t> 확인하고자 하는 게시물에 마우스 호버</a:t>
+            </a:r>
+          </a:p>
+          <a:p>
+            <a:pPr marL="0" indent="0" defTabSz="914400" rtl="0" eaLnBrk="1" latinLnBrk="1" hangingPunct="1">
+              <a:lnSpc>
+                <a:spcPct val="70000"/>
+              </a:lnSpc>
+              <a:spcBef>
+                <a:spcPts val="1000"/>
+              </a:spcBef>
+              <a:spcAft>
+                <a:spcPts val="0"/>
+              </a:spcAft>
+              <a:buFont typeface="Arial"/>
+              <a:buNone/>
+              <a:defRPr/>
+            </a:pPr>
+            <a:r>
+              <a:rPr kumimoji="0" lang="ko-KR" altLang="en-US" b="0" i="0" u="none" strike="noStrike" kern="1200" cap="none" spc="0" normalizeH="0" baseline="0">
+                <a:solidFill>
+                  <a:schemeClr val="tx1"/>
+                </a:solidFill>
+                <a:latin typeface="1훈정글북 Regular"/>
+                <a:ea typeface="1훈정글북 Regular"/>
+              </a:rPr>
+              <a:t>시 배경색이 변함</a:t>
             </a:r>
           </a:p>
           <a:p>
@@ -20752,7 +20623,7 @@
           <p:cNvPr id="4" name="그림 3">
             <a:extLst>
               <a:ext uri="{FF2B5EF4-FFF2-40B4-BE49-F238E27FC236}">
-                <a16:creationId xmlns:a16="http://schemas.microsoft.com/office/drawing/2014/main" id="{F3E0A0BF-6E54-419D-802D-E5F05042C12D}"/>
+                <a16:creationId xmlns:a16="http://schemas.microsoft.com/office/drawing/2014/main" id="{EA8824A6-8BF5-4D0D-A523-ABB016D16857}"/>
               </a:ext>
             </a:extLst>
           </p:cNvPr>
@@ -20775,8 +20646,8 @@
         </p:blipFill>
         <p:spPr>
           <a:xfrm>
-            <a:off x="1752601" y="1900291"/>
-            <a:ext cx="3095325" cy="4441356"/>
+            <a:off x="800098" y="2047608"/>
+            <a:ext cx="5119536" cy="4150975"/>
           </a:xfrm>
           <a:prstGeom prst="rect">
             <a:avLst/>
@@ -21398,7 +21269,27 @@
                 <a:latin typeface="1훈정글북 Regular"/>
                 <a:ea typeface="1훈정글북 Regular"/>
               </a:rPr>
-              <a:t> 공지사항</a:t>
+              <a:t> </a:t>
+            </a:r>
+            <a:r>
+              <a:rPr kumimoji="0" lang="en-US" altLang="ko-KR" sz="1945" b="0" i="0" u="none" strike="noStrike" kern="1200" cap="none" spc="0" normalizeH="0" baseline="0">
+                <a:solidFill>
+                  <a:schemeClr val="tx1"/>
+                </a:solidFill>
+                <a:latin typeface="1훈정글북 Regular"/>
+                <a:ea typeface="1훈정글북 Regular"/>
+              </a:rPr>
+              <a:t>1:1</a:t>
+            </a:r>
+            <a:r>
+              <a:rPr kumimoji="0" lang="ko-KR" altLang="en-US" sz="1945" b="0" i="0" u="none" strike="noStrike" kern="1200" cap="none" spc="0" normalizeH="0" baseline="0">
+                <a:solidFill>
+                  <a:schemeClr val="tx1"/>
+                </a:solidFill>
+                <a:latin typeface="1훈정글북 Regular"/>
+                <a:ea typeface="1훈정글북 Regular"/>
+              </a:rPr>
+              <a:t>문의</a:t>
             </a:r>
           </a:p>
           <a:p>
@@ -21533,6 +21424,16 @@
               <a:defRPr/>
             </a:pPr>
             <a:r>
+              <a:rPr kumimoji="0" lang="en-US" altLang="ko-KR" b="0" i="0" u="none" strike="noStrike" kern="1200" cap="none" spc="0" normalizeH="0" baseline="0">
+                <a:solidFill>
+                  <a:schemeClr val="tx1"/>
+                </a:solidFill>
+                <a:latin typeface="1훈정글북 Regular"/>
+                <a:ea typeface="1훈정글북 Regular"/>
+              </a:rPr>
+              <a:t>1:1</a:t>
+            </a:r>
+            <a:r>
               <a:rPr kumimoji="0" lang="ko-KR" altLang="en-US" b="0" i="0" u="none" strike="noStrike" kern="1200" cap="none" spc="0" normalizeH="0" baseline="0">
                 <a:solidFill>
                   <a:schemeClr val="tx1"/>
@@ -21540,7 +21441,7 @@
                 <a:latin typeface="1훈정글북 Regular"/>
                 <a:ea typeface="1훈정글북 Regular"/>
               </a:rPr>
-              <a:t>공지사항 </a:t>
+              <a:t>문의 </a:t>
             </a:r>
             <a:r>
               <a:rPr kumimoji="0" lang="en-US" altLang="ko-KR" b="0" i="0" u="none" strike="noStrike" kern="1200" cap="none" spc="0" normalizeH="0" baseline="0">
@@ -21611,9 +21512,6 @@
           </a:p>
           <a:p>
             <a:pPr marL="0" indent="0" defTabSz="914400" rtl="0" eaLnBrk="1" latinLnBrk="1" hangingPunct="1">
-              <a:lnSpc>
-                <a:spcPct val="70000"/>
-              </a:lnSpc>
               <a:spcBef>
                 <a:spcPts val="1000"/>
               </a:spcBef>
@@ -21633,6 +21531,112 @@
                 <a:ea typeface="1훈정글북 Regular"/>
               </a:rPr>
               <a:t>시 배경색이 변함</a:t>
+            </a:r>
+          </a:p>
+          <a:p>
+            <a:pPr marL="0" indent="0" defTabSz="914400" rtl="0" eaLnBrk="1" latinLnBrk="1" hangingPunct="1">
+              <a:spcBef>
+                <a:spcPts val="1000"/>
+              </a:spcBef>
+              <a:spcAft>
+                <a:spcPts val="0"/>
+              </a:spcAft>
+              <a:buFont typeface="Arial"/>
+              <a:buNone/>
+              <a:defRPr/>
+            </a:pPr>
+            <a:r>
+              <a:rPr kumimoji="0" lang="ko-KR" altLang="en-US" b="0" i="0" u="none" strike="noStrike" kern="1200" cap="none" spc="0" normalizeH="0" baseline="0">
+                <a:solidFill>
+                  <a:schemeClr val="tx1"/>
+                </a:solidFill>
+                <a:latin typeface="1훈정글북 Regular"/>
+                <a:ea typeface="1훈정글북 Regular"/>
+              </a:rPr>
+              <a:t>문의하기 </a:t>
+            </a:r>
+            <a:r>
+              <a:rPr kumimoji="0" lang="en-US" altLang="ko-KR" b="0" i="0" u="none" strike="noStrike" kern="1200" cap="none" spc="0" normalizeH="0" baseline="0">
+                <a:solidFill>
+                  <a:schemeClr val="tx1"/>
+                </a:solidFill>
+                <a:latin typeface="1훈정글북 Regular"/>
+                <a:ea typeface="1훈정글북 Regular"/>
+              </a:rPr>
+              <a:t>-</a:t>
+            </a:r>
+            <a:r>
+              <a:rPr kumimoji="0" lang="ko-KR" altLang="en-US" b="0" i="0" u="none" strike="noStrike" kern="1200" cap="none" spc="0" normalizeH="0" baseline="0">
+                <a:solidFill>
+                  <a:schemeClr val="tx1"/>
+                </a:solidFill>
+                <a:latin typeface="1훈정글북 Regular"/>
+                <a:ea typeface="1훈정글북 Regular"/>
+              </a:rPr>
+              <a:t> 버튼 클릭시 문의 작성페이지로 이동</a:t>
+            </a:r>
+          </a:p>
+          <a:p>
+            <a:pPr marL="0" indent="0" defTabSz="914400" rtl="0" eaLnBrk="1" latinLnBrk="1" hangingPunct="1">
+              <a:spcBef>
+                <a:spcPts val="1000"/>
+              </a:spcBef>
+              <a:spcAft>
+                <a:spcPts val="0"/>
+              </a:spcAft>
+              <a:buFont typeface="Arial"/>
+              <a:buNone/>
+              <a:defRPr/>
+            </a:pPr>
+            <a:r>
+              <a:rPr kumimoji="0" lang="ko-KR" altLang="en-US" b="0" i="0" u="none" strike="noStrike" kern="1200" cap="none" spc="0" normalizeH="0" baseline="0">
+                <a:solidFill>
+                  <a:schemeClr val="tx1"/>
+                </a:solidFill>
+                <a:latin typeface="1훈정글북 Regular"/>
+                <a:ea typeface="1훈정글북 Regular"/>
+              </a:rPr>
+              <a:t>문의내역 </a:t>
+            </a:r>
+            <a:r>
+              <a:rPr kumimoji="0" lang="en-US" altLang="ko-KR" b="0" i="0" u="none" strike="noStrike" kern="1200" cap="none" spc="0" normalizeH="0" baseline="0">
+                <a:solidFill>
+                  <a:schemeClr val="tx1"/>
+                </a:solidFill>
+                <a:latin typeface="1훈정글북 Regular"/>
+                <a:ea typeface="1훈정글북 Regular"/>
+              </a:rPr>
+              <a:t>-</a:t>
+            </a:r>
+            <a:r>
+              <a:rPr kumimoji="0" lang="ko-KR" altLang="en-US" b="0" i="0" u="none" strike="noStrike" kern="1200" cap="none" spc="0" normalizeH="0" baseline="0">
+                <a:solidFill>
+                  <a:schemeClr val="tx1"/>
+                </a:solidFill>
+                <a:latin typeface="1훈정글북 Regular"/>
+                <a:ea typeface="1훈정글북 Regular"/>
+              </a:rPr>
+              <a:t> 버튼 클릭시 자신이 작성한 문의 글</a:t>
+            </a:r>
+            <a:r>
+              <a:rPr kumimoji="0" lang="en-US" altLang="ko-KR" b="0" i="0" u="none" strike="noStrike" kern="1200" cap="none" spc="0" normalizeH="0" baseline="0">
+                <a:solidFill>
+                  <a:schemeClr val="tx1"/>
+                </a:solidFill>
+                <a:latin typeface="1훈정글북 Regular"/>
+                <a:ea typeface="1훈정글북 Regular"/>
+              </a:rPr>
+              <a:t>,</a:t>
+            </a:r>
+            <a:r>
+              <a:rPr kumimoji="0" lang="ko-KR" altLang="en-US" b="0" i="0" u="none" strike="noStrike" kern="1200" cap="none" spc="0" normalizeH="0" baseline="0">
+                <a:solidFill>
+                  <a:schemeClr val="tx1"/>
+                </a:solidFill>
+                <a:latin typeface="1훈정글북 Regular"/>
+                <a:ea typeface="1훈정글북 Regular"/>
+              </a:rPr>
+              <a:t> 답변 확인 가능</a:t>
             </a:r>
           </a:p>
           <a:p>
@@ -21757,7 +21761,7 @@
           <p:cNvPr id="4" name="그림 3">
             <a:extLst>
               <a:ext uri="{FF2B5EF4-FFF2-40B4-BE49-F238E27FC236}">
-                <a16:creationId xmlns:a16="http://schemas.microsoft.com/office/drawing/2014/main" id="{EA8824A6-8BF5-4D0D-A523-ABB016D16857}"/>
+                <a16:creationId xmlns:a16="http://schemas.microsoft.com/office/drawing/2014/main" id="{5BBE02C9-31E2-4DDC-BA78-165CE583C176}"/>
               </a:ext>
             </a:extLst>
           </p:cNvPr>
@@ -21780,8 +21784,8 @@
         </p:blipFill>
         <p:spPr>
           <a:xfrm>
-            <a:off x="800098" y="2047608"/>
-            <a:ext cx="5119536" cy="4150975"/>
+            <a:off x="840355" y="1923514"/>
+            <a:ext cx="5112368" cy="4339382"/>
           </a:xfrm>
           <a:prstGeom prst="rect">
             <a:avLst/>
@@ -22403,1144 +22407,6 @@
                 <a:latin typeface="1훈정글북 Regular"/>
                 <a:ea typeface="1훈정글북 Regular"/>
               </a:rPr>
-              <a:t> </a:t>
-            </a:r>
-            <a:r>
-              <a:rPr kumimoji="0" lang="en-US" altLang="ko-KR" sz="1945" b="0" i="0" u="none" strike="noStrike" kern="1200" cap="none" spc="0" normalizeH="0" baseline="0">
-                <a:solidFill>
-                  <a:schemeClr val="tx1"/>
-                </a:solidFill>
-                <a:latin typeface="1훈정글북 Regular"/>
-                <a:ea typeface="1훈정글북 Regular"/>
-              </a:rPr>
-              <a:t>1:1</a:t>
-            </a:r>
-            <a:r>
-              <a:rPr kumimoji="0" lang="ko-KR" altLang="en-US" sz="1945" b="0" i="0" u="none" strike="noStrike" kern="1200" cap="none" spc="0" normalizeH="0" baseline="0">
-                <a:solidFill>
-                  <a:schemeClr val="tx1"/>
-                </a:solidFill>
-                <a:latin typeface="1훈정글북 Regular"/>
-                <a:ea typeface="1훈정글북 Regular"/>
-              </a:rPr>
-              <a:t>문의</a:t>
-            </a:r>
-          </a:p>
-          <a:p>
-            <a:pPr marL="0" indent="0" defTabSz="914400" rtl="0" eaLnBrk="1" latinLnBrk="1" hangingPunct="1">
-              <a:lnSpc>
-                <a:spcPct val="90000"/>
-              </a:lnSpc>
-              <a:spcBef>
-                <a:spcPts val="1000"/>
-              </a:spcBef>
-              <a:spcAft>
-                <a:spcPts val="0"/>
-              </a:spcAft>
-              <a:buFont typeface="Arial"/>
-              <a:buNone/>
-              <a:defRPr/>
-            </a:pPr>
-            <a:endParaRPr kumimoji="0" lang="ko-KR" altLang="en-US" sz="2235" b="0" i="0" u="none" strike="noStrike" kern="1200" cap="none" spc="0" normalizeH="0" baseline="0">
-              <a:solidFill>
-                <a:schemeClr val="tx1"/>
-              </a:solidFill>
-              <a:latin typeface="1훈정글북 Regular"/>
-              <a:ea typeface="1훈정글북 Regular"/>
-            </a:endParaRPr>
-          </a:p>
-          <a:p>
-            <a:pPr marL="0" indent="0" defTabSz="914400" rtl="0" eaLnBrk="1" latinLnBrk="1" hangingPunct="1">
-              <a:lnSpc>
-                <a:spcPct val="90000"/>
-              </a:lnSpc>
-              <a:spcBef>
-                <a:spcPts val="1000"/>
-              </a:spcBef>
-              <a:spcAft>
-                <a:spcPts val="0"/>
-              </a:spcAft>
-              <a:buFont typeface="Arial"/>
-              <a:buNone/>
-              <a:defRPr/>
-            </a:pPr>
-            <a:endParaRPr kumimoji="0" lang="ko-KR" altLang="en-US" sz="2600" b="0" i="0" u="none" strike="noStrike" kern="1200" cap="none" spc="0" normalizeH="0" baseline="0">
-              <a:solidFill>
-                <a:schemeClr val="tx1"/>
-              </a:solidFill>
-              <a:latin typeface="1훈정글북 Regular"/>
-              <a:ea typeface="1훈정글북 Regular"/>
-            </a:endParaRPr>
-          </a:p>
-          <a:p>
-            <a:pPr marL="0" indent="0" defTabSz="914400" rtl="0" eaLnBrk="1" latinLnBrk="1" hangingPunct="1">
-              <a:lnSpc>
-                <a:spcPct val="90000"/>
-              </a:lnSpc>
-              <a:spcBef>
-                <a:spcPts val="1000"/>
-              </a:spcBef>
-              <a:spcAft>
-                <a:spcPts val="0"/>
-              </a:spcAft>
-              <a:buFont typeface="Arial"/>
-              <a:buNone/>
-              <a:defRPr/>
-            </a:pPr>
-            <a:endParaRPr kumimoji="0" lang="ko-KR" altLang="en-US" sz="2600" b="0" i="0" u="none" strike="noStrike" kern="1200" cap="none" spc="0" normalizeH="0" baseline="0">
-              <a:solidFill>
-                <a:schemeClr val="tx1"/>
-              </a:solidFill>
-              <a:latin typeface="1훈정글북 Regular"/>
-              <a:ea typeface="1훈정글북 Regular"/>
-            </a:endParaRPr>
-          </a:p>
-          <a:p>
-            <a:pPr marL="0" indent="0" defTabSz="914400" rtl="0" eaLnBrk="1" latinLnBrk="1" hangingPunct="1">
-              <a:lnSpc>
-                <a:spcPct val="90000"/>
-              </a:lnSpc>
-              <a:spcBef>
-                <a:spcPts val="1000"/>
-              </a:spcBef>
-              <a:spcAft>
-                <a:spcPts val="0"/>
-              </a:spcAft>
-              <a:buFont typeface="Arial"/>
-              <a:buNone/>
-              <a:defRPr/>
-            </a:pPr>
-            <a:endParaRPr kumimoji="0" lang="ko-KR" altLang="en-US" sz="2600" b="0" i="0" u="none" strike="noStrike" kern="1200" cap="none" spc="0" normalizeH="0" baseline="0">
-              <a:solidFill>
-                <a:schemeClr val="tx1"/>
-              </a:solidFill>
-              <a:latin typeface="1훈정글북 Regular"/>
-              <a:ea typeface="1훈정글북 Regular"/>
-            </a:endParaRPr>
-          </a:p>
-        </p:txBody>
-      </p:sp>
-      <p:sp>
-        <p:nvSpPr>
-          <p:cNvPr id="73" name="부제목 2"/>
-          <p:cNvSpPr>
-            <a:spLocks noGrp="1"/>
-          </p:cNvSpPr>
-          <p:nvPr/>
-        </p:nvSpPr>
-        <p:spPr>
-          <a:xfrm>
-            <a:off x="6237587" y="2373280"/>
-            <a:ext cx="5291291" cy="3621785"/>
-          </a:xfrm>
-          <a:prstGeom prst="rect">
-            <a:avLst/>
-          </a:prstGeom>
-        </p:spPr>
-        <p:txBody>
-          <a:bodyPr vert="horz" lIns="91440" tIns="45720" rIns="91440" bIns="45720">
-            <a:noAutofit/>
-          </a:bodyPr>
-          <a:lstStyle/>
-          <a:p>
-            <a:pPr marL="0" indent="0" defTabSz="914400" rtl="0" eaLnBrk="1" latinLnBrk="1" hangingPunct="1">
-              <a:lnSpc>
-                <a:spcPct val="70000"/>
-              </a:lnSpc>
-              <a:spcBef>
-                <a:spcPts val="1000"/>
-              </a:spcBef>
-              <a:spcAft>
-                <a:spcPts val="0"/>
-              </a:spcAft>
-              <a:buFont typeface="Arial"/>
-              <a:buNone/>
-              <a:defRPr/>
-            </a:pPr>
-            <a:r>
-              <a:rPr kumimoji="0" lang="en-US" altLang="ko-KR" b="0" i="0" u="none" strike="noStrike" kern="1200" cap="none" spc="0" normalizeH="0" baseline="0">
-                <a:solidFill>
-                  <a:schemeClr val="tx1"/>
-                </a:solidFill>
-                <a:latin typeface="1훈정글북 Regular"/>
-                <a:ea typeface="1훈정글북 Regular"/>
-              </a:rPr>
-              <a:t>1:1</a:t>
-            </a:r>
-            <a:r>
-              <a:rPr kumimoji="0" lang="ko-KR" altLang="en-US" b="0" i="0" u="none" strike="noStrike" kern="1200" cap="none" spc="0" normalizeH="0" baseline="0">
-                <a:solidFill>
-                  <a:schemeClr val="tx1"/>
-                </a:solidFill>
-                <a:latin typeface="1훈정글북 Regular"/>
-                <a:ea typeface="1훈정글북 Regular"/>
-              </a:rPr>
-              <a:t>문의 </a:t>
-            </a:r>
-            <a:r>
-              <a:rPr kumimoji="0" lang="en-US" altLang="ko-KR" b="0" i="0" u="none" strike="noStrike" kern="1200" cap="none" spc="0" normalizeH="0" baseline="0">
-                <a:solidFill>
-                  <a:schemeClr val="tx1"/>
-                </a:solidFill>
-                <a:latin typeface="1훈정글북 Regular"/>
-                <a:ea typeface="1훈정글북 Regular"/>
-              </a:rPr>
-              <a:t>-</a:t>
-            </a:r>
-            <a:r>
-              <a:rPr kumimoji="0" lang="ko-KR" altLang="en-US" b="0" i="0" u="none" strike="noStrike" kern="1200" cap="none" spc="0" normalizeH="0" baseline="0">
-                <a:solidFill>
-                  <a:schemeClr val="tx1"/>
-                </a:solidFill>
-                <a:latin typeface="1훈정글북 Regular"/>
-                <a:ea typeface="1훈정글북 Regular"/>
-              </a:rPr>
-              <a:t> 알리고자 하는 게시물들을 게시판 형식</a:t>
-            </a:r>
-          </a:p>
-          <a:p>
-            <a:pPr marL="0" indent="0" defTabSz="914400" rtl="0" eaLnBrk="1" latinLnBrk="1" hangingPunct="1">
-              <a:lnSpc>
-                <a:spcPct val="70000"/>
-              </a:lnSpc>
-              <a:spcBef>
-                <a:spcPts val="1000"/>
-              </a:spcBef>
-              <a:spcAft>
-                <a:spcPts val="0"/>
-              </a:spcAft>
-              <a:buFont typeface="Arial"/>
-              <a:buNone/>
-              <a:defRPr/>
-            </a:pPr>
-            <a:r>
-              <a:rPr kumimoji="0" lang="ko-KR" altLang="en-US" b="0" i="0" u="none" strike="noStrike" kern="1200" cap="none" spc="0" normalizeH="0" baseline="0">
-                <a:solidFill>
-                  <a:schemeClr val="tx1"/>
-                </a:solidFill>
-                <a:latin typeface="1훈정글북 Regular"/>
-                <a:ea typeface="1훈정글북 Regular"/>
-              </a:rPr>
-              <a:t>으로 표현</a:t>
-            </a:r>
-            <a:r>
-              <a:rPr kumimoji="0" lang="en-US" altLang="ko-KR" b="0" i="0" u="none" strike="noStrike" kern="1200" cap="none" spc="0" normalizeH="0" baseline="0">
-                <a:solidFill>
-                  <a:schemeClr val="tx1"/>
-                </a:solidFill>
-                <a:latin typeface="1훈정글북 Regular"/>
-                <a:ea typeface="1훈정글북 Regular"/>
-              </a:rPr>
-              <a:t>,</a:t>
-            </a:r>
-            <a:r>
-              <a:rPr kumimoji="0" lang="ko-KR" altLang="en-US" b="0" i="0" u="none" strike="noStrike" kern="1200" cap="none" spc="0" normalizeH="0" baseline="0">
-                <a:solidFill>
-                  <a:schemeClr val="tx1"/>
-                </a:solidFill>
-                <a:latin typeface="1훈정글북 Regular"/>
-                <a:ea typeface="1훈정글북 Regular"/>
-              </a:rPr>
-              <a:t> 확인하고자 하는 게시물에 마우스 호버</a:t>
-            </a:r>
-          </a:p>
-          <a:p>
-            <a:pPr marL="0" indent="0" defTabSz="914400" rtl="0" eaLnBrk="1" latinLnBrk="1" hangingPunct="1">
-              <a:spcBef>
-                <a:spcPts val="1000"/>
-              </a:spcBef>
-              <a:spcAft>
-                <a:spcPts val="0"/>
-              </a:spcAft>
-              <a:buFont typeface="Arial"/>
-              <a:buNone/>
-              <a:defRPr/>
-            </a:pPr>
-            <a:r>
-              <a:rPr kumimoji="0" lang="ko-KR" altLang="en-US" b="0" i="0" u="none" strike="noStrike" kern="1200" cap="none" spc="0" normalizeH="0" baseline="0">
-                <a:solidFill>
-                  <a:schemeClr val="tx1"/>
-                </a:solidFill>
-                <a:latin typeface="1훈정글북 Regular"/>
-                <a:ea typeface="1훈정글북 Regular"/>
-              </a:rPr>
-              <a:t>시 배경색이 변함</a:t>
-            </a:r>
-          </a:p>
-          <a:p>
-            <a:pPr marL="0" indent="0" defTabSz="914400" rtl="0" eaLnBrk="1" latinLnBrk="1" hangingPunct="1">
-              <a:spcBef>
-                <a:spcPts val="1000"/>
-              </a:spcBef>
-              <a:spcAft>
-                <a:spcPts val="0"/>
-              </a:spcAft>
-              <a:buFont typeface="Arial"/>
-              <a:buNone/>
-              <a:defRPr/>
-            </a:pPr>
-            <a:r>
-              <a:rPr kumimoji="0" lang="ko-KR" altLang="en-US" b="0" i="0" u="none" strike="noStrike" kern="1200" cap="none" spc="0" normalizeH="0" baseline="0">
-                <a:solidFill>
-                  <a:schemeClr val="tx1"/>
-                </a:solidFill>
-                <a:latin typeface="1훈정글북 Regular"/>
-                <a:ea typeface="1훈정글북 Regular"/>
-              </a:rPr>
-              <a:t>문의하기 </a:t>
-            </a:r>
-            <a:r>
-              <a:rPr kumimoji="0" lang="en-US" altLang="ko-KR" b="0" i="0" u="none" strike="noStrike" kern="1200" cap="none" spc="0" normalizeH="0" baseline="0">
-                <a:solidFill>
-                  <a:schemeClr val="tx1"/>
-                </a:solidFill>
-                <a:latin typeface="1훈정글북 Regular"/>
-                <a:ea typeface="1훈정글북 Regular"/>
-              </a:rPr>
-              <a:t>-</a:t>
-            </a:r>
-            <a:r>
-              <a:rPr kumimoji="0" lang="ko-KR" altLang="en-US" b="0" i="0" u="none" strike="noStrike" kern="1200" cap="none" spc="0" normalizeH="0" baseline="0">
-                <a:solidFill>
-                  <a:schemeClr val="tx1"/>
-                </a:solidFill>
-                <a:latin typeface="1훈정글북 Regular"/>
-                <a:ea typeface="1훈정글북 Regular"/>
-              </a:rPr>
-              <a:t> 버튼 클릭시 문의 작성페이지로 이동</a:t>
-            </a:r>
-          </a:p>
-          <a:p>
-            <a:pPr marL="0" indent="0" defTabSz="914400" rtl="0" eaLnBrk="1" latinLnBrk="1" hangingPunct="1">
-              <a:spcBef>
-                <a:spcPts val="1000"/>
-              </a:spcBef>
-              <a:spcAft>
-                <a:spcPts val="0"/>
-              </a:spcAft>
-              <a:buFont typeface="Arial"/>
-              <a:buNone/>
-              <a:defRPr/>
-            </a:pPr>
-            <a:r>
-              <a:rPr kumimoji="0" lang="ko-KR" altLang="en-US" b="0" i="0" u="none" strike="noStrike" kern="1200" cap="none" spc="0" normalizeH="0" baseline="0">
-                <a:solidFill>
-                  <a:schemeClr val="tx1"/>
-                </a:solidFill>
-                <a:latin typeface="1훈정글북 Regular"/>
-                <a:ea typeface="1훈정글북 Regular"/>
-              </a:rPr>
-              <a:t>문의내역 </a:t>
-            </a:r>
-            <a:r>
-              <a:rPr kumimoji="0" lang="en-US" altLang="ko-KR" b="0" i="0" u="none" strike="noStrike" kern="1200" cap="none" spc="0" normalizeH="0" baseline="0">
-                <a:solidFill>
-                  <a:schemeClr val="tx1"/>
-                </a:solidFill>
-                <a:latin typeface="1훈정글북 Regular"/>
-                <a:ea typeface="1훈정글북 Regular"/>
-              </a:rPr>
-              <a:t>-</a:t>
-            </a:r>
-            <a:r>
-              <a:rPr kumimoji="0" lang="ko-KR" altLang="en-US" b="0" i="0" u="none" strike="noStrike" kern="1200" cap="none" spc="0" normalizeH="0" baseline="0">
-                <a:solidFill>
-                  <a:schemeClr val="tx1"/>
-                </a:solidFill>
-                <a:latin typeface="1훈정글북 Regular"/>
-                <a:ea typeface="1훈정글북 Regular"/>
-              </a:rPr>
-              <a:t> 버튼 클릭시 자신이 작성한 문의 글</a:t>
-            </a:r>
-            <a:r>
-              <a:rPr kumimoji="0" lang="en-US" altLang="ko-KR" b="0" i="0" u="none" strike="noStrike" kern="1200" cap="none" spc="0" normalizeH="0" baseline="0">
-                <a:solidFill>
-                  <a:schemeClr val="tx1"/>
-                </a:solidFill>
-                <a:latin typeface="1훈정글북 Regular"/>
-                <a:ea typeface="1훈정글북 Regular"/>
-              </a:rPr>
-              <a:t>,</a:t>
-            </a:r>
-            <a:r>
-              <a:rPr kumimoji="0" lang="ko-KR" altLang="en-US" b="0" i="0" u="none" strike="noStrike" kern="1200" cap="none" spc="0" normalizeH="0" baseline="0">
-                <a:solidFill>
-                  <a:schemeClr val="tx1"/>
-                </a:solidFill>
-                <a:latin typeface="1훈정글북 Regular"/>
-                <a:ea typeface="1훈정글북 Regular"/>
-              </a:rPr>
-              <a:t> 답변 확인 가능</a:t>
-            </a:r>
-          </a:p>
-          <a:p>
-            <a:pPr marL="0" indent="0" defTabSz="914400" rtl="0" eaLnBrk="1" latinLnBrk="1" hangingPunct="1">
-              <a:lnSpc>
-                <a:spcPct val="90000"/>
-              </a:lnSpc>
-              <a:spcBef>
-                <a:spcPts val="1000"/>
-              </a:spcBef>
-              <a:spcAft>
-                <a:spcPts val="0"/>
-              </a:spcAft>
-              <a:buFont typeface="Arial"/>
-              <a:buNone/>
-              <a:defRPr/>
-            </a:pPr>
-            <a:endParaRPr kumimoji="0" lang="ko-KR" altLang="en-US" b="0" i="0" u="none" strike="noStrike" kern="1200" cap="none" spc="0" normalizeH="0" baseline="0">
-              <a:solidFill>
-                <a:schemeClr val="tx1"/>
-              </a:solidFill>
-              <a:latin typeface="1훈정글북 Regular"/>
-              <a:ea typeface="1훈정글북 Regular"/>
-            </a:endParaRPr>
-          </a:p>
-          <a:p>
-            <a:pPr marL="0" indent="0" defTabSz="914400" rtl="0" eaLnBrk="1" latinLnBrk="1" hangingPunct="1">
-              <a:lnSpc>
-                <a:spcPct val="90000"/>
-              </a:lnSpc>
-              <a:spcBef>
-                <a:spcPts val="1000"/>
-              </a:spcBef>
-              <a:spcAft>
-                <a:spcPts val="0"/>
-              </a:spcAft>
-              <a:buFont typeface="Arial"/>
-              <a:buNone/>
-              <a:defRPr/>
-            </a:pPr>
-            <a:endParaRPr kumimoji="0" lang="ko-KR" altLang="en-US" sz="2600" b="0" i="0" u="none" strike="noStrike" kern="1200" cap="none" spc="0" normalizeH="0" baseline="0">
-              <a:solidFill>
-                <a:schemeClr val="tx1"/>
-              </a:solidFill>
-              <a:latin typeface="1훈정글북 Regular"/>
-              <a:ea typeface="1훈정글북 Regular"/>
-            </a:endParaRPr>
-          </a:p>
-          <a:p>
-            <a:pPr marL="0" indent="0" defTabSz="914400" rtl="0" eaLnBrk="1" latinLnBrk="1" hangingPunct="1">
-              <a:lnSpc>
-                <a:spcPct val="90000"/>
-              </a:lnSpc>
-              <a:spcBef>
-                <a:spcPts val="1000"/>
-              </a:spcBef>
-              <a:spcAft>
-                <a:spcPts val="0"/>
-              </a:spcAft>
-              <a:buFont typeface="Arial"/>
-              <a:buNone/>
-              <a:defRPr/>
-            </a:pPr>
-            <a:endParaRPr kumimoji="0" lang="ko-KR" altLang="en-US" sz="2600" b="0" i="0" u="none" strike="noStrike" kern="1200" cap="none" spc="0" normalizeH="0" baseline="0">
-              <a:solidFill>
-                <a:schemeClr val="tx1"/>
-              </a:solidFill>
-              <a:latin typeface="1훈정글북 Regular"/>
-              <a:ea typeface="1훈정글북 Regular"/>
-            </a:endParaRPr>
-          </a:p>
-          <a:p>
-            <a:pPr marL="0" indent="0" defTabSz="914400" rtl="0" eaLnBrk="1" latinLnBrk="1" hangingPunct="1">
-              <a:lnSpc>
-                <a:spcPct val="90000"/>
-              </a:lnSpc>
-              <a:spcBef>
-                <a:spcPts val="1000"/>
-              </a:spcBef>
-              <a:spcAft>
-                <a:spcPts val="0"/>
-              </a:spcAft>
-              <a:buFont typeface="Arial"/>
-              <a:buNone/>
-              <a:defRPr/>
-            </a:pPr>
-            <a:endParaRPr kumimoji="0" lang="ko-KR" altLang="en-US" sz="2600" b="0" i="0" u="none" strike="noStrike" kern="1200" cap="none" spc="0" normalizeH="0" baseline="0">
-              <a:solidFill>
-                <a:schemeClr val="tx1"/>
-              </a:solidFill>
-              <a:latin typeface="1훈정글북 Regular"/>
-              <a:ea typeface="1훈정글북 Regular"/>
-            </a:endParaRPr>
-          </a:p>
-          <a:p>
-            <a:pPr marL="0" indent="0" defTabSz="914400" rtl="0" eaLnBrk="1" latinLnBrk="1" hangingPunct="1">
-              <a:lnSpc>
-                <a:spcPct val="90000"/>
-              </a:lnSpc>
-              <a:spcBef>
-                <a:spcPts val="1000"/>
-              </a:spcBef>
-              <a:spcAft>
-                <a:spcPts val="0"/>
-              </a:spcAft>
-              <a:buFont typeface="Arial"/>
-              <a:buNone/>
-              <a:defRPr/>
-            </a:pPr>
-            <a:endParaRPr kumimoji="0" lang="ko-KR" altLang="en-US" sz="2600" b="0" i="0" u="none" strike="noStrike" kern="1200" cap="none" spc="0" normalizeH="0" baseline="0">
-              <a:solidFill>
-                <a:schemeClr val="tx1"/>
-              </a:solidFill>
-              <a:latin typeface="1훈정글북 Regular"/>
-              <a:ea typeface="1훈정글북 Regular"/>
-            </a:endParaRPr>
-          </a:p>
-        </p:txBody>
-      </p:sp>
-      <p:pic>
-        <p:nvPicPr>
-          <p:cNvPr id="4" name="그림 3">
-            <a:extLst>
-              <a:ext uri="{FF2B5EF4-FFF2-40B4-BE49-F238E27FC236}">
-                <a16:creationId xmlns:a16="http://schemas.microsoft.com/office/drawing/2014/main" id="{5BBE02C9-31E2-4DDC-BA78-165CE583C176}"/>
-              </a:ext>
-            </a:extLst>
-          </p:cNvPr>
-          <p:cNvPicPr>
-            <a:picLocks noChangeAspect="1"/>
-          </p:cNvPicPr>
-          <p:nvPr/>
-        </p:nvPicPr>
-        <p:blipFill>
-          <a:blip r:embed="rId2">
-            <a:extLst>
-              <a:ext uri="{28A0092B-C50C-407E-A947-70E740481C1C}">
-                <a14:useLocalDpi xmlns:a14="http://schemas.microsoft.com/office/drawing/2010/main" val="0"/>
-              </a:ext>
-            </a:extLst>
-          </a:blip>
-          <a:stretch>
-            <a:fillRect/>
-          </a:stretch>
-        </p:blipFill>
-        <p:spPr>
-          <a:xfrm>
-            <a:off x="840355" y="1923514"/>
-            <a:ext cx="5112368" cy="4339382"/>
-          </a:xfrm>
-          <a:prstGeom prst="rect">
-            <a:avLst/>
-          </a:prstGeom>
-        </p:spPr>
-      </p:pic>
-    </p:spTree>
-  </p:cSld>
-  <p:clrMapOvr>
-    <a:masterClrMapping/>
-  </p:clrMapOvr>
-  <mc:AlternateContent xmlns:mc="http://schemas.openxmlformats.org/markup-compatibility/2006" xmlns:p14="http://schemas.microsoft.com/office/powerpoint/2010/main">
-    <mc:Choice Requires="p14">
-      <p:transition/>
-    </mc:Choice>
-    <mc:Fallback xmlns:dsp="http://schemas.microsoft.com/office/drawing/2008/diagram" xmlns:dgm="http://schemas.openxmlformats.org/drawingml/2006/diagram" xmlns:c="http://schemas.openxmlformats.org/drawingml/2006/chart" xmlns="">
-      <p:transition/>
-    </mc:Fallback>
-  </mc:AlternateContent>
-</p:sld>
-</file>
-
-<file path=ppt/slides/slide24.xml><?xml version="1.0" encoding="utf-8"?>
-<p:sld xmlns:a="http://schemas.openxmlformats.org/drawingml/2006/main" xmlns:r="http://schemas.openxmlformats.org/officeDocument/2006/relationships" xmlns:p="http://schemas.openxmlformats.org/presentationml/2006/main">
-  <p:cSld>
-    <p:bg>
-      <p:bgPr>
-        <a:gradFill>
-          <a:gsLst>
-            <a:gs pos="50000">
-              <a:srgbClr val="B3ACB3"/>
-            </a:gs>
-            <a:gs pos="50000">
-              <a:srgbClr val="F8E9E8"/>
-            </a:gs>
-          </a:gsLst>
-          <a:lin ang="6600000" scaled="0"/>
-        </a:gradFill>
-        <a:effectLst/>
-      </p:bgPr>
-    </p:bg>
-    <p:spTree>
-      <p:nvGrpSpPr>
-        <p:cNvPr id="1" name=""/>
-        <p:cNvGrpSpPr/>
-        <p:nvPr/>
-      </p:nvGrpSpPr>
-      <p:grpSpPr>
-        <a:xfrm>
-          <a:off x="0" y="0"/>
-          <a:ext cx="0" cy="0"/>
-          <a:chOff x="0" y="0"/>
-          <a:chExt cx="0" cy="0"/>
-        </a:xfrm>
-      </p:grpSpPr>
-      <p:sp>
-        <p:nvSpPr>
-          <p:cNvPr id="3" name="직사각형 2"/>
-          <p:cNvSpPr/>
-          <p:nvPr/>
-        </p:nvSpPr>
-        <p:spPr>
-          <a:xfrm>
-            <a:off x="428625" y="419993"/>
-            <a:ext cx="11372850" cy="6018014"/>
-          </a:xfrm>
-          <a:prstGeom prst="rect">
-            <a:avLst/>
-          </a:prstGeom>
-          <a:solidFill>
-            <a:schemeClr val="bg1"/>
-          </a:solidFill>
-          <a:ln w="187325">
-            <a:gradFill>
-              <a:gsLst>
-                <a:gs pos="50000">
-                  <a:srgbClr val="EFCCCA"/>
-                </a:gs>
-                <a:gs pos="50000">
-                  <a:schemeClr val="bg1">
-                    <a:lumMod val="85000"/>
-                  </a:schemeClr>
-                </a:gs>
-              </a:gsLst>
-              <a:lin ang="6600000" scaled="0"/>
-            </a:gradFill>
-          </a:ln>
-          <a:effectLst>
-            <a:outerShdw blurRad="431800" dist="241300" dir="5400000" sx="97000" sy="97000" algn="t" rotWithShape="0">
-              <a:prstClr val="black">
-                <a:alpha val="31000"/>
-              </a:prstClr>
-            </a:outerShdw>
-          </a:effectLst>
-        </p:spPr>
-        <p:style>
-          <a:lnRef idx="2">
-            <a:schemeClr val="accent1">
-              <a:shade val="50000"/>
-            </a:schemeClr>
-          </a:lnRef>
-          <a:fillRef idx="1">
-            <a:schemeClr val="accent1"/>
-          </a:fillRef>
-          <a:effectRef idx="0">
-            <a:schemeClr val="accent1"/>
-          </a:effectRef>
-          <a:fontRef idx="minor">
-            <a:schemeClr val="lt1"/>
-          </a:fontRef>
-        </p:style>
-        <p:txBody>
-          <a:bodyPr anchor="t"/>
-          <a:lstStyle/>
-          <a:p>
-            <a:pPr algn="ctr" latinLnBrk="0">
-              <a:lnSpc>
-                <a:spcPct val="150000"/>
-              </a:lnSpc>
-              <a:defRPr/>
-            </a:pPr>
-            <a:endParaRPr lang="ko-KR" altLang="en-US" sz="2800" b="1" i="1" kern="0">
-              <a:solidFill>
-                <a:prstClr val="black">
-                  <a:lumMod val="50000"/>
-                  <a:lumOff val="50000"/>
-                </a:prstClr>
-              </a:solidFill>
-            </a:endParaRPr>
-          </a:p>
-        </p:txBody>
-      </p:sp>
-      <p:sp>
-        <p:nvSpPr>
-          <p:cNvPr id="56" name="직사각형 55"/>
-          <p:cNvSpPr/>
-          <p:nvPr/>
-        </p:nvSpPr>
-        <p:spPr>
-          <a:xfrm>
-            <a:off x="653251" y="677277"/>
-            <a:ext cx="10885496" cy="720993"/>
-          </a:xfrm>
-          <a:prstGeom prst="rect">
-            <a:avLst/>
-          </a:prstGeom>
-        </p:spPr>
-        <p:txBody>
-          <a:bodyPr wrap="square">
-            <a:spAutoFit/>
-          </a:bodyPr>
-          <a:lstStyle/>
-          <a:p>
-            <a:pPr lvl="0">
-              <a:defRPr/>
-            </a:pPr>
-            <a:r>
-              <a:rPr lang="ko-KR" altLang="en-US" sz="4200" b="1" i="1">
-                <a:solidFill>
-                  <a:srgbClr val="FF9999"/>
-                </a:solidFill>
-              </a:rPr>
-              <a:t>주요 메뉴별 서브페이지 구성</a:t>
-            </a:r>
-          </a:p>
-        </p:txBody>
-      </p:sp>
-      <p:sp>
-        <p:nvSpPr>
-          <p:cNvPr id="64" name="부제목 2"/>
-          <p:cNvSpPr>
-            <a:spLocks noGrp="1"/>
-          </p:cNvSpPr>
-          <p:nvPr/>
-        </p:nvSpPr>
-        <p:spPr>
-          <a:xfrm>
-            <a:off x="800098" y="1559281"/>
-            <a:ext cx="1533523" cy="446086"/>
-          </a:xfrm>
-          <a:prstGeom prst="rect">
-            <a:avLst/>
-          </a:prstGeom>
-        </p:spPr>
-        <p:txBody>
-          <a:bodyPr vert="horz" lIns="91440" tIns="45720" rIns="91440" bIns="45720">
-            <a:normAutofit/>
-          </a:bodyPr>
-          <a:lstStyle/>
-          <a:p>
-            <a:pPr marL="0" indent="0" defTabSz="914400" rtl="0" eaLnBrk="1" latinLnBrk="1" hangingPunct="1">
-              <a:lnSpc>
-                <a:spcPct val="90000"/>
-              </a:lnSpc>
-              <a:spcBef>
-                <a:spcPts val="1000"/>
-              </a:spcBef>
-              <a:spcAft>
-                <a:spcPts val="0"/>
-              </a:spcAft>
-              <a:buFont typeface="Arial"/>
-              <a:buNone/>
-              <a:defRPr/>
-            </a:pPr>
-            <a:r>
-              <a:rPr kumimoji="0" lang="ko-KR" altLang="en-US" sz="2000" b="0" i="0" u="none" strike="noStrike" kern="1200" cap="none" spc="0" normalizeH="0" baseline="0">
-                <a:solidFill>
-                  <a:schemeClr val="tx1"/>
-                </a:solidFill>
-                <a:latin typeface="1훈정글북 Regular"/>
-                <a:ea typeface="1훈정글북 Regular"/>
-              </a:rPr>
-              <a:t>페이지 주제</a:t>
-            </a:r>
-          </a:p>
-          <a:p>
-            <a:pPr marL="0" indent="0" defTabSz="914400" rtl="0" eaLnBrk="1" latinLnBrk="1" hangingPunct="1">
-              <a:lnSpc>
-                <a:spcPct val="90000"/>
-              </a:lnSpc>
-              <a:spcBef>
-                <a:spcPts val="1000"/>
-              </a:spcBef>
-              <a:spcAft>
-                <a:spcPts val="0"/>
-              </a:spcAft>
-              <a:buFont typeface="Arial"/>
-              <a:buNone/>
-              <a:defRPr/>
-            </a:pPr>
-            <a:endParaRPr kumimoji="0" lang="ko-KR" altLang="en-US" sz="2000" b="0" i="0" u="none" strike="noStrike" kern="1200" cap="none" spc="0" normalizeH="0" baseline="0">
-              <a:solidFill>
-                <a:schemeClr val="tx1"/>
-              </a:solidFill>
-              <a:latin typeface="1훈정글북 Regular"/>
-              <a:ea typeface="1훈정글북 Regular"/>
-            </a:endParaRPr>
-          </a:p>
-          <a:p>
-            <a:pPr marL="0" indent="0" defTabSz="914400" rtl="0" eaLnBrk="1" latinLnBrk="1" hangingPunct="1">
-              <a:lnSpc>
-                <a:spcPct val="90000"/>
-              </a:lnSpc>
-              <a:spcBef>
-                <a:spcPts val="1000"/>
-              </a:spcBef>
-              <a:spcAft>
-                <a:spcPts val="0"/>
-              </a:spcAft>
-              <a:buFont typeface="Arial"/>
-              <a:buNone/>
-              <a:defRPr/>
-            </a:pPr>
-            <a:endParaRPr kumimoji="0" lang="ko-KR" altLang="en-US" sz="2000" b="0" i="0" u="none" strike="noStrike" kern="1200" cap="none" spc="0" normalizeH="0" baseline="0">
-              <a:solidFill>
-                <a:schemeClr val="tx1"/>
-              </a:solidFill>
-              <a:latin typeface="1훈정글북 Regular"/>
-              <a:ea typeface="1훈정글북 Regular"/>
-            </a:endParaRPr>
-          </a:p>
-          <a:p>
-            <a:pPr marL="0" indent="0" defTabSz="914400" rtl="0" eaLnBrk="1" latinLnBrk="1" hangingPunct="1">
-              <a:lnSpc>
-                <a:spcPct val="90000"/>
-              </a:lnSpc>
-              <a:spcBef>
-                <a:spcPts val="1000"/>
-              </a:spcBef>
-              <a:spcAft>
-                <a:spcPts val="0"/>
-              </a:spcAft>
-              <a:buFont typeface="Arial"/>
-              <a:buNone/>
-              <a:defRPr/>
-            </a:pPr>
-            <a:endParaRPr kumimoji="0" lang="ko-KR" altLang="en-US" sz="2000" b="0" i="0" u="none" strike="noStrike" kern="1200" cap="none" spc="0" normalizeH="0" baseline="0">
-              <a:solidFill>
-                <a:schemeClr val="tx1"/>
-              </a:solidFill>
-              <a:latin typeface="1훈정글북 Regular"/>
-              <a:ea typeface="1훈정글북 Regular"/>
-            </a:endParaRPr>
-          </a:p>
-          <a:p>
-            <a:pPr marL="0" indent="0" defTabSz="914400" rtl="0" eaLnBrk="1" latinLnBrk="1" hangingPunct="1">
-              <a:lnSpc>
-                <a:spcPct val="90000"/>
-              </a:lnSpc>
-              <a:spcBef>
-                <a:spcPts val="1000"/>
-              </a:spcBef>
-              <a:spcAft>
-                <a:spcPts val="0"/>
-              </a:spcAft>
-              <a:buFont typeface="Arial"/>
-              <a:buNone/>
-              <a:defRPr/>
-            </a:pPr>
-            <a:endParaRPr kumimoji="0" lang="en-US" altLang="ko-KR" sz="2000" b="0" i="0" u="none" strike="noStrike" kern="1200" cap="none" spc="0" normalizeH="0" baseline="0">
-              <a:solidFill>
-                <a:schemeClr val="tx1"/>
-              </a:solidFill>
-              <a:latin typeface="1훈정글북 Regular"/>
-              <a:ea typeface="1훈정글북 Regular"/>
-            </a:endParaRPr>
-          </a:p>
-        </p:txBody>
-      </p:sp>
-      <p:cxnSp>
-        <p:nvCxnSpPr>
-          <p:cNvPr id="66" name="직선 연결선 65"/>
-          <p:cNvCxnSpPr/>
-          <p:nvPr/>
-        </p:nvCxnSpPr>
-        <p:spPr>
-          <a:xfrm>
-            <a:off x="871905" y="2110154"/>
-            <a:ext cx="10185697" cy="0"/>
-          </a:xfrm>
-          <a:prstGeom prst="line">
-            <a:avLst/>
-          </a:prstGeom>
-          <a:ln>
-            <a:solidFill>
-              <a:schemeClr val="dk1"/>
-            </a:solidFill>
-          </a:ln>
-        </p:spPr>
-        <p:style>
-          <a:lnRef idx="1">
-            <a:schemeClr val="accent1"/>
-          </a:lnRef>
-          <a:fillRef idx="0">
-            <a:schemeClr val="accent1"/>
-          </a:fillRef>
-          <a:effectRef idx="0">
-            <a:schemeClr val="accent1"/>
-          </a:effectRef>
-          <a:fontRef idx="minor">
-            <a:schemeClr val="tx1"/>
-          </a:fontRef>
-        </p:style>
-      </p:cxnSp>
-      <p:cxnSp>
-        <p:nvCxnSpPr>
-          <p:cNvPr id="67" name="직선 연결선 66"/>
-          <p:cNvCxnSpPr/>
-          <p:nvPr/>
-        </p:nvCxnSpPr>
-        <p:spPr>
-          <a:xfrm rot="16200000" flipH="1">
-            <a:off x="3692016" y="3794597"/>
-            <a:ext cx="4807971" cy="0"/>
-          </a:xfrm>
-          <a:prstGeom prst="line">
-            <a:avLst/>
-          </a:prstGeom>
-          <a:ln>
-            <a:solidFill>
-              <a:schemeClr val="dk1"/>
-            </a:solidFill>
-          </a:ln>
-        </p:spPr>
-        <p:style>
-          <a:lnRef idx="1">
-            <a:schemeClr val="accent1"/>
-          </a:lnRef>
-          <a:fillRef idx="0">
-            <a:schemeClr val="accent1"/>
-          </a:fillRef>
-          <a:effectRef idx="0">
-            <a:schemeClr val="accent1"/>
-          </a:effectRef>
-          <a:fontRef idx="minor">
-            <a:schemeClr val="tx1"/>
-          </a:fontRef>
-        </p:style>
-      </p:cxnSp>
-      <p:cxnSp>
-        <p:nvCxnSpPr>
-          <p:cNvPr id="68" name="직선 연결선 67"/>
-          <p:cNvCxnSpPr/>
-          <p:nvPr/>
-        </p:nvCxnSpPr>
-        <p:spPr>
-          <a:xfrm rot="16200000" flipH="1">
-            <a:off x="1899819" y="1785584"/>
-            <a:ext cx="658069" cy="0"/>
-          </a:xfrm>
-          <a:prstGeom prst="line">
-            <a:avLst/>
-          </a:prstGeom>
-          <a:ln>
-            <a:solidFill>
-              <a:schemeClr val="dk1"/>
-            </a:solidFill>
-          </a:ln>
-        </p:spPr>
-        <p:style>
-          <a:lnRef idx="1">
-            <a:schemeClr val="accent1"/>
-          </a:lnRef>
-          <a:fillRef idx="0">
-            <a:schemeClr val="accent1"/>
-          </a:fillRef>
-          <a:effectRef idx="0">
-            <a:schemeClr val="accent1"/>
-          </a:effectRef>
-          <a:fontRef idx="minor">
-            <a:schemeClr val="tx1"/>
-          </a:fontRef>
-        </p:style>
-      </p:cxnSp>
-      <p:sp>
-        <p:nvSpPr>
-          <p:cNvPr id="69" name="부제목 2"/>
-          <p:cNvSpPr>
-            <a:spLocks noGrp="1"/>
-          </p:cNvSpPr>
-          <p:nvPr/>
-        </p:nvSpPr>
-        <p:spPr>
-          <a:xfrm>
-            <a:off x="6096000" y="1625954"/>
-            <a:ext cx="1262215" cy="297560"/>
-          </a:xfrm>
-          <a:prstGeom prst="rect">
-            <a:avLst/>
-          </a:prstGeom>
-        </p:spPr>
-        <p:txBody>
-          <a:bodyPr vert="horz" lIns="91440" tIns="45720" rIns="91440" bIns="45720">
-            <a:normAutofit fontScale="70000" lnSpcReduction="20000"/>
-          </a:bodyPr>
-          <a:lstStyle/>
-          <a:p>
-            <a:pPr marL="0" indent="0" defTabSz="914400" rtl="0" eaLnBrk="1" latinLnBrk="1" hangingPunct="1">
-              <a:lnSpc>
-                <a:spcPct val="90000"/>
-              </a:lnSpc>
-              <a:spcBef>
-                <a:spcPts val="1000"/>
-              </a:spcBef>
-              <a:spcAft>
-                <a:spcPts val="0"/>
-              </a:spcAft>
-              <a:buFont typeface="Arial"/>
-              <a:buNone/>
-              <a:defRPr/>
-            </a:pPr>
-            <a:r>
-              <a:rPr kumimoji="0" lang="ko-KR" altLang="en-US" sz="2600" b="0" i="0" u="none" strike="noStrike" kern="1200" cap="none" spc="0" normalizeH="0" baseline="0">
-                <a:solidFill>
-                  <a:schemeClr val="tx1"/>
-                </a:solidFill>
-                <a:latin typeface="1훈정글북 Regular"/>
-                <a:ea typeface="1훈정글북 Regular"/>
-              </a:rPr>
-              <a:t>화면 기능</a:t>
-            </a:r>
-          </a:p>
-          <a:p>
-            <a:pPr marL="0" indent="0" defTabSz="914400" rtl="0" eaLnBrk="1" latinLnBrk="1" hangingPunct="1">
-              <a:lnSpc>
-                <a:spcPct val="90000"/>
-              </a:lnSpc>
-              <a:spcBef>
-                <a:spcPts val="1000"/>
-              </a:spcBef>
-              <a:spcAft>
-                <a:spcPts val="0"/>
-              </a:spcAft>
-              <a:buFont typeface="Arial"/>
-              <a:buNone/>
-              <a:defRPr/>
-            </a:pPr>
-            <a:endParaRPr kumimoji="0" lang="ko-KR" altLang="en-US" sz="2600" b="0" i="0" u="none" strike="noStrike" kern="1200" cap="none" spc="0" normalizeH="0" baseline="0">
-              <a:solidFill>
-                <a:schemeClr val="tx1"/>
-              </a:solidFill>
-              <a:latin typeface="1훈정글북 Regular"/>
-              <a:ea typeface="1훈정글북 Regular"/>
-            </a:endParaRPr>
-          </a:p>
-          <a:p>
-            <a:pPr marL="0" indent="0" defTabSz="914400" rtl="0" eaLnBrk="1" latinLnBrk="1" hangingPunct="1">
-              <a:lnSpc>
-                <a:spcPct val="90000"/>
-              </a:lnSpc>
-              <a:spcBef>
-                <a:spcPts val="1000"/>
-              </a:spcBef>
-              <a:spcAft>
-                <a:spcPts val="0"/>
-              </a:spcAft>
-              <a:buFont typeface="Arial"/>
-              <a:buNone/>
-              <a:defRPr/>
-            </a:pPr>
-            <a:endParaRPr kumimoji="0" lang="ko-KR" altLang="en-US" sz="2600" b="0" i="0" u="none" strike="noStrike" kern="1200" cap="none" spc="0" normalizeH="0" baseline="0">
-              <a:solidFill>
-                <a:schemeClr val="tx1"/>
-              </a:solidFill>
-              <a:latin typeface="1훈정글북 Regular"/>
-              <a:ea typeface="1훈정글북 Regular"/>
-            </a:endParaRPr>
-          </a:p>
-          <a:p>
-            <a:pPr marL="0" indent="0" defTabSz="914400" rtl="0" eaLnBrk="1" latinLnBrk="1" hangingPunct="1">
-              <a:lnSpc>
-                <a:spcPct val="90000"/>
-              </a:lnSpc>
-              <a:spcBef>
-                <a:spcPts val="1000"/>
-              </a:spcBef>
-              <a:spcAft>
-                <a:spcPts val="0"/>
-              </a:spcAft>
-              <a:buFont typeface="Arial"/>
-              <a:buNone/>
-              <a:defRPr/>
-            </a:pPr>
-            <a:endParaRPr kumimoji="0" lang="ko-KR" altLang="en-US" sz="2600" b="0" i="0" u="none" strike="noStrike" kern="1200" cap="none" spc="0" normalizeH="0" baseline="0">
-              <a:solidFill>
-                <a:schemeClr val="tx1"/>
-              </a:solidFill>
-              <a:latin typeface="1훈정글북 Regular"/>
-              <a:ea typeface="1훈정글북 Regular"/>
-            </a:endParaRPr>
-          </a:p>
-          <a:p>
-            <a:pPr marL="0" indent="0" defTabSz="914400" rtl="0" eaLnBrk="1" latinLnBrk="1" hangingPunct="1">
-              <a:lnSpc>
-                <a:spcPct val="90000"/>
-              </a:lnSpc>
-              <a:spcBef>
-                <a:spcPts val="1000"/>
-              </a:spcBef>
-              <a:spcAft>
-                <a:spcPts val="0"/>
-              </a:spcAft>
-              <a:buFont typeface="Arial"/>
-              <a:buNone/>
-              <a:defRPr/>
-            </a:pPr>
-            <a:endParaRPr kumimoji="0" lang="ko-KR" altLang="en-US" sz="2600" b="0" i="0" u="none" strike="noStrike" kern="1200" cap="none" spc="0" normalizeH="0" baseline="0">
-              <a:solidFill>
-                <a:schemeClr val="tx1"/>
-              </a:solidFill>
-              <a:latin typeface="1훈정글북 Regular"/>
-              <a:ea typeface="1훈정글북 Regular"/>
-            </a:endParaRPr>
-          </a:p>
-        </p:txBody>
-      </p:sp>
-      <p:sp>
-        <p:nvSpPr>
-          <p:cNvPr id="72" name="부제목 2"/>
-          <p:cNvSpPr>
-            <a:spLocks noGrp="1"/>
-          </p:cNvSpPr>
-          <p:nvPr/>
-        </p:nvSpPr>
-        <p:spPr>
-          <a:xfrm>
-            <a:off x="2305049" y="1625954"/>
-            <a:ext cx="3224365" cy="307086"/>
-          </a:xfrm>
-          <a:prstGeom prst="rect">
-            <a:avLst/>
-          </a:prstGeom>
-        </p:spPr>
-        <p:txBody>
-          <a:bodyPr vert="horz" lIns="91440" tIns="45720" rIns="91440" bIns="45720">
-            <a:normAutofit fontScale="92500" lnSpcReduction="20000"/>
-          </a:bodyPr>
-          <a:lstStyle/>
-          <a:p>
-            <a:pPr marL="0" indent="0" defTabSz="914400" rtl="0" eaLnBrk="1" latinLnBrk="1" hangingPunct="1">
-              <a:lnSpc>
-                <a:spcPct val="90000"/>
-              </a:lnSpc>
-              <a:spcBef>
-                <a:spcPts val="1000"/>
-              </a:spcBef>
-              <a:spcAft>
-                <a:spcPts val="0"/>
-              </a:spcAft>
-              <a:buFont typeface="Arial"/>
-              <a:buNone/>
-              <a:defRPr/>
-            </a:pPr>
-            <a:r>
-              <a:rPr kumimoji="0" lang="ko-KR" altLang="en-US" sz="1945" b="0" i="0" u="none" strike="noStrike" kern="1200" cap="none" spc="0" normalizeH="0" baseline="0">
-                <a:solidFill>
-                  <a:schemeClr val="tx1"/>
-                </a:solidFill>
-                <a:latin typeface="1훈정글북 Regular"/>
-                <a:ea typeface="1훈정글북 Regular"/>
-              </a:rPr>
-              <a:t>커뮤니티 </a:t>
-            </a:r>
-            <a:r>
-              <a:rPr kumimoji="0" lang="en-US" altLang="ko-KR" sz="1945" b="0" i="0" u="none" strike="noStrike" kern="1200" cap="none" spc="0" normalizeH="0" baseline="0">
-                <a:solidFill>
-                  <a:schemeClr val="tx1"/>
-                </a:solidFill>
-                <a:latin typeface="1훈정글북 Regular"/>
-                <a:ea typeface="1훈정글북 Regular"/>
-              </a:rPr>
-              <a:t>-</a:t>
-            </a:r>
-            <a:r>
-              <a:rPr kumimoji="0" lang="ko-KR" altLang="en-US" sz="1945" b="0" i="0" u="none" strike="noStrike" kern="1200" cap="none" spc="0" normalizeH="0" baseline="0">
-                <a:solidFill>
-                  <a:schemeClr val="tx1"/>
-                </a:solidFill>
-                <a:latin typeface="1훈정글북 Regular"/>
-                <a:ea typeface="1훈정글북 Regular"/>
-              </a:rPr>
               <a:t> 이벤트</a:t>
             </a:r>
           </a:p>
@@ -23872,7 +22738,7 @@
 </p:sld>
 </file>
 
-<file path=ppt/slides/slide25.xml><?xml version="1.0" encoding="utf-8"?>
+<file path=ppt/slides/slide24.xml><?xml version="1.0" encoding="utf-8"?>
 <p:sld xmlns:a="http://schemas.openxmlformats.org/drawingml/2006/main" xmlns:r="http://schemas.openxmlformats.org/officeDocument/2006/relationships" xmlns:p="http://schemas.openxmlformats.org/presentationml/2006/main">
   <p:cSld>
     <p:bg>
@@ -25022,23 +23888,22 @@
 </p:sld>
 </file>
 
-<file path=ppt/slides/slide26.xml><?xml version="1.0" encoding="utf-8"?>
-<p:sld xmlns:a="http://schemas.openxmlformats.org/drawingml/2006/main" xmlns:r="http://schemas.openxmlformats.org/officeDocument/2006/relationships" xmlns:p="http://schemas.openxmlformats.org/presentationml/2006/main">
+<file path=ppt/slides/slide25.xml><?xml version="1.0" encoding="utf-8"?>
+<p:sld xmlns:r="http://schemas.openxmlformats.org/officeDocument/2006/relationships" xmlns:c="http://schemas.openxmlformats.org/drawingml/2006/chart" xmlns:a="http://schemas.openxmlformats.org/drawingml/2006/main" xmlns:dgm="http://schemas.openxmlformats.org/drawingml/2006/diagram" xmlns:dsp="http://schemas.microsoft.com/office/drawing/2008/diagram" xmlns:p="http://schemas.openxmlformats.org/presentationml/2006/main">
   <p:cSld>
     <p:bg>
-      <p:bgPr>
+      <p:bgPr shadeToTitle="0">
         <a:gradFill>
           <a:gsLst>
             <a:gs pos="50000">
-              <a:srgbClr val="B3ACB3"/>
+              <a:srgbClr val="b3acb3"/>
             </a:gs>
             <a:gs pos="50000">
-              <a:srgbClr val="F8E9E8"/>
+              <a:srgbClr val="f8e9e8"/>
             </a:gs>
           </a:gsLst>
           <a:lin ang="6600000" scaled="0"/>
         </a:gradFill>
-        <a:effectLst/>
       </p:bgPr>
     </p:bg>
     <p:spTree>
@@ -25076,7 +23941,7 @@
             <a:gradFill>
               <a:gsLst>
                 <a:gs pos="50000">
-                  <a:srgbClr val="EFCCCA"/>
+                  <a:srgbClr val="efccca"/>
                 </a:gs>
                 <a:gs pos="50000">
                   <a:schemeClr val="bg1">
@@ -25159,11 +24024,16 @@
             <a:r>
               <a:rPr lang="ko-KR" altLang="en-US" sz="4200" b="1" i="1">
                 <a:solidFill>
-                  <a:srgbClr val="FF9999"/>
+                  <a:srgbClr val="ff9999"/>
                 </a:solidFill>
               </a:rPr>
               <a:t>주요 메뉴별 서브페이지 구성</a:t>
             </a:r>
+            <a:endParaRPr lang="ko-KR" altLang="en-US" sz="4200" b="1" i="1">
+              <a:solidFill>
+                <a:srgbClr val="ff9999"/>
+              </a:solidFill>
+            </a:endParaRPr>
           </a:p>
         </p:txBody>
       </p:sp>
@@ -25214,6 +24084,13 @@
               </a:rPr>
               <a:t>페이지 주제</a:t>
             </a:r>
+            <a:endParaRPr kumimoji="0" lang="ko-KR" altLang="en-US" sz="2000" b="0" i="0" u="none" strike="noStrike" kern="1200" cap="none" spc="0" normalizeH="0" baseline="0">
+              <a:solidFill>
+                <a:schemeClr val="tx1"/>
+              </a:solidFill>
+              <a:latin typeface="1훈정글북 Regular"/>
+              <a:ea typeface="1훈정글북 Regular"/>
+            </a:endParaRPr>
           </a:p>
           <a:p>
             <a:pPr marL="0" indent="0" defTabSz="914400" rtl="0" eaLnBrk="1" latinLnBrk="1" hangingPunct="1">
@@ -25433,7 +24310,7 @@
         </p:spPr>
         <p:txBody>
           <a:bodyPr vert="horz" lIns="91440" tIns="45720" rIns="91440" bIns="45720">
-            <a:normAutofit fontScale="70000" lnSpcReduction="20000"/>
+            <a:normAutofit fontScale="77500" lnSpcReduction="20000"/>
           </a:bodyPr>
           <a:lstStyle/>
           <a:p>
@@ -25461,6 +24338,13 @@
               </a:rPr>
               <a:t>화면 기능</a:t>
             </a:r>
+            <a:endParaRPr kumimoji="0" lang="ko-KR" altLang="en-US" sz="2600" b="0" i="0" u="none" strike="noStrike" kern="1200" cap="none" spc="0" normalizeH="0" baseline="0">
+              <a:solidFill>
+                <a:schemeClr val="tx1"/>
+              </a:solidFill>
+              <a:latin typeface="1훈정글북 Regular"/>
+              <a:ea typeface="1훈정글북 Regular"/>
+            </a:endParaRPr>
           </a:p>
           <a:p>
             <a:pPr marL="0" indent="0" defTabSz="914400" rtl="0" eaLnBrk="1" latinLnBrk="1" hangingPunct="1">
@@ -25603,6 +24487,13 @@
               </a:rPr>
               <a:t>마이페이지</a:t>
             </a:r>
+            <a:endParaRPr kumimoji="0" lang="ko-KR" altLang="en-US" sz="1945" b="0" i="0" u="none" strike="noStrike" kern="1200" cap="none" spc="0" normalizeH="0" baseline="0">
+              <a:solidFill>
+                <a:schemeClr val="tx1"/>
+              </a:solidFill>
+              <a:latin typeface="1훈정글북 Regular"/>
+              <a:ea typeface="1훈정글북 Regular"/>
+            </a:endParaRPr>
           </a:p>
           <a:p>
             <a:pPr marL="0" indent="0" defTabSz="914400" rtl="0" eaLnBrk="1" latinLnBrk="1" hangingPunct="1">
@@ -25745,6 +24636,13 @@
               </a:rPr>
               <a:t>로</a:t>
             </a:r>
+            <a:endParaRPr kumimoji="0" lang="ko-KR" altLang="en-US" b="0" i="0" u="none" strike="noStrike" kern="1200" cap="none" spc="0" normalizeH="0" baseline="0">
+              <a:solidFill>
+                <a:schemeClr val="tx1"/>
+              </a:solidFill>
+              <a:latin typeface="1훈정글북 Regular"/>
+              <a:ea typeface="1훈정글북 Regular"/>
+            </a:endParaRPr>
           </a:p>
           <a:p>
             <a:pPr marL="0" indent="0" defTabSz="914400" rtl="0" eaLnBrk="1" latinLnBrk="1" hangingPunct="1">
@@ -25819,34 +24717,22 @@
       </p:sp>
       <p:pic>
         <p:nvPicPr>
-          <p:cNvPr id="4" name="그림 3">
-            <a:extLst>
-              <a:ext uri="{FF2B5EF4-FFF2-40B4-BE49-F238E27FC236}">
-                <a16:creationId xmlns:a16="http://schemas.microsoft.com/office/drawing/2014/main" id="{07718E69-79DF-4008-87B5-1DDE6D7D2CA8}"/>
-              </a:ext>
-            </a:extLst>
-          </p:cNvPr>
+          <p:cNvPr id="4" name="그림 3"/>
           <p:cNvPicPr>
             <a:picLocks noChangeAspect="1"/>
           </p:cNvPicPr>
           <p:nvPr/>
         </p:nvPicPr>
-        <p:blipFill>
-          <a:blip r:embed="rId2">
-            <a:extLst>
-              <a:ext uri="{28A0092B-C50C-407E-A947-70E740481C1C}">
-                <a14:useLocalDpi xmlns:a14="http://schemas.microsoft.com/office/drawing/2010/main" val="0"/>
-              </a:ext>
-            </a:extLst>
-          </a:blip>
+        <p:blipFill rotWithShape="1">
+          <a:blip r:embed="rId2"/>
           <a:stretch>
             <a:fillRect/>
           </a:stretch>
         </p:blipFill>
         <p:spPr>
           <a:xfrm>
-            <a:off x="1245383" y="1965989"/>
-            <a:ext cx="4258486" cy="4390845"/>
+            <a:off x="1245383" y="2162410"/>
+            <a:ext cx="4067985" cy="4194424"/>
           </a:xfrm>
           <a:prstGeom prst="rect">
             <a:avLst/>
@@ -25858,34 +24744,33 @@
   <p:clrMapOvr>
     <a:masterClrMapping/>
   </p:clrMapOvr>
-  <mc:AlternateContent xmlns:mc="http://schemas.openxmlformats.org/markup-compatibility/2006" xmlns:p14="http://schemas.microsoft.com/office/powerpoint/2010/main">
-    <mc:Choice Requires="p14">
-      <p:transition/>
+  <mc:AlternateContent xmlns:mc="http://schemas.openxmlformats.org/markup-compatibility/2006">
+    <mc:Choice xmlns:p14="http://schemas.microsoft.com/office/powerpoint/2010/main" Requires="p14">
+      <p:transition xmlns:mc="http://schemas.openxmlformats.org/markup-compatibility/2006" xmlns:p14="http://schemas.microsoft.com/office/powerpoint/2010/main" mc:Ignorable="p14" p14:dur="500"/>
     </mc:Choice>
-    <mc:Fallback xmlns:dsp="http://schemas.microsoft.com/office/drawing/2008/diagram" xmlns:dgm="http://schemas.openxmlformats.org/drawingml/2006/diagram" xmlns:c="http://schemas.openxmlformats.org/drawingml/2006/chart" xmlns="">
+    <mc:Fallback>
       <p:transition/>
     </mc:Fallback>
   </mc:AlternateContent>
 </p:sld>
 </file>
 
-<file path=ppt/slides/slide27.xml><?xml version="1.0" encoding="utf-8"?>
-<p:sld xmlns:a="http://schemas.openxmlformats.org/drawingml/2006/main" xmlns:r="http://schemas.openxmlformats.org/officeDocument/2006/relationships" xmlns:p="http://schemas.openxmlformats.org/presentationml/2006/main">
+<file path=ppt/slides/slide26.xml><?xml version="1.0" encoding="utf-8"?>
+<p:sld xmlns:r="http://schemas.openxmlformats.org/officeDocument/2006/relationships" xmlns:c="http://schemas.openxmlformats.org/drawingml/2006/chart" xmlns:a="http://schemas.openxmlformats.org/drawingml/2006/main" xmlns:dgm="http://schemas.openxmlformats.org/drawingml/2006/diagram" xmlns:dsp="http://schemas.microsoft.com/office/drawing/2008/diagram" xmlns:p="http://schemas.openxmlformats.org/presentationml/2006/main">
   <p:cSld>
     <p:bg>
-      <p:bgPr>
+      <p:bgPr shadeToTitle="0">
         <a:gradFill>
           <a:gsLst>
             <a:gs pos="50000">
-              <a:srgbClr val="B3ACB3"/>
+              <a:srgbClr val="b3acb3"/>
             </a:gs>
             <a:gs pos="50000">
-              <a:srgbClr val="F8E9E8"/>
+              <a:srgbClr val="f8e9e8"/>
             </a:gs>
           </a:gsLst>
           <a:lin ang="6600000" scaled="0"/>
         </a:gradFill>
-        <a:effectLst/>
       </p:bgPr>
     </p:bg>
     <p:spTree>
@@ -25923,7 +24808,7 @@
             <a:gradFill>
               <a:gsLst>
                 <a:gs pos="50000">
-                  <a:srgbClr val="EFCCCA"/>
+                  <a:srgbClr val="efccca"/>
                 </a:gs>
                 <a:gs pos="50000">
                   <a:schemeClr val="bg1">
@@ -26006,683 +24891,111 @@
             <a:r>
               <a:rPr lang="ko-KR" altLang="en-US" sz="4200" b="1" i="1">
                 <a:solidFill>
-                  <a:srgbClr val="FF9999"/>
-                </a:solidFill>
-              </a:rPr>
-              <a:t>주요 메뉴별 서브페이지 구성</a:t>
-            </a:r>
+                  <a:srgbClr val="ff9999"/>
+                </a:solidFill>
+              </a:rPr>
+              <a:t>사이트맵</a:t>
+            </a:r>
+            <a:endParaRPr lang="ko-KR" altLang="en-US" sz="4200" b="1" i="1">
+              <a:solidFill>
+                <a:srgbClr val="ff9999"/>
+              </a:solidFill>
+            </a:endParaRPr>
           </a:p>
         </p:txBody>
       </p:sp>
+    </p:spTree>
+  </p:cSld>
+  <p:clrMapOvr>
+    <a:masterClrMapping/>
+  </p:clrMapOvr>
+  <mc:AlternateContent xmlns:mc="http://schemas.openxmlformats.org/markup-compatibility/2006">
+    <mc:Choice xmlns:p14="http://schemas.microsoft.com/office/powerpoint/2010/main" Requires="p14">
+      <p:transition xmlns:mc="http://schemas.openxmlformats.org/markup-compatibility/2006" xmlns:p14="http://schemas.microsoft.com/office/powerpoint/2010/main" mc:Ignorable="p14" p14:dur="500"/>
+    </mc:Choice>
+    <mc:Fallback>
+      <p:transition/>
+    </mc:Fallback>
+  </mc:AlternateContent>
+</p:sld>
+</file>
+
+<file path=ppt/slides/slide27.xml><?xml version="1.0" encoding="utf-8"?>
+<p:sld xmlns:r="http://schemas.openxmlformats.org/officeDocument/2006/relationships" xmlns:c="http://schemas.openxmlformats.org/drawingml/2006/chart" xmlns:a="http://schemas.openxmlformats.org/drawingml/2006/main" xmlns:dgm="http://schemas.openxmlformats.org/drawingml/2006/diagram" xmlns:dsp="http://schemas.microsoft.com/office/drawing/2008/diagram" xmlns:p="http://schemas.openxmlformats.org/presentationml/2006/main">
+  <p:cSld>
+    <p:bg>
+      <p:bgPr shadeToTitle="0">
+        <a:gradFill>
+          <a:gsLst>
+            <a:gs pos="50000">
+              <a:srgbClr val="b3acb3"/>
+            </a:gs>
+            <a:gs pos="50000">
+              <a:srgbClr val="f8e9e8"/>
+            </a:gs>
+          </a:gsLst>
+          <a:lin ang="6600000" scaled="0"/>
+        </a:gradFill>
+      </p:bgPr>
+    </p:bg>
+    <p:spTree>
+      <p:nvGrpSpPr>
+        <p:cNvPr id="1" name=""/>
+        <p:cNvGrpSpPr/>
+        <p:nvPr/>
+      </p:nvGrpSpPr>
+      <p:grpSpPr>
+        <a:xfrm>
+          <a:off x="0" y="0"/>
+          <a:ext cx="0" cy="0"/>
+          <a:chOff x="0" y="0"/>
+          <a:chExt cx="0" cy="0"/>
+        </a:xfrm>
+      </p:grpSpPr>
       <p:sp>
         <p:nvSpPr>
-          <p:cNvPr id="64" name="부제목 2"/>
-          <p:cNvSpPr>
-            <a:spLocks noGrp="1"/>
-          </p:cNvSpPr>
-          <p:nvPr/>
-        </p:nvSpPr>
-        <p:spPr>
-          <a:xfrm>
-            <a:off x="800098" y="1559281"/>
-            <a:ext cx="1533523" cy="446086"/>
-          </a:xfrm>
-          <a:prstGeom prst="rect">
-            <a:avLst/>
-          </a:prstGeom>
-        </p:spPr>
-        <p:txBody>
-          <a:bodyPr vert="horz" lIns="91440" tIns="45720" rIns="91440" bIns="45720">
-            <a:normAutofit/>
-          </a:bodyPr>
-          <a:lstStyle/>
-          <a:p>
-            <a:pPr marL="0" indent="0" defTabSz="914400" rtl="0" eaLnBrk="1" latinLnBrk="1" hangingPunct="1">
-              <a:lnSpc>
-                <a:spcPct val="90000"/>
-              </a:lnSpc>
-              <a:spcBef>
-                <a:spcPts val="1000"/>
-              </a:spcBef>
-              <a:spcAft>
-                <a:spcPts val="0"/>
-              </a:spcAft>
-              <a:buFont typeface="Arial"/>
-              <a:buNone/>
-              <a:defRPr/>
-            </a:pPr>
-            <a:r>
-              <a:rPr kumimoji="0" lang="ko-KR" altLang="en-US" sz="2000" b="0" i="0" u="none" strike="noStrike" kern="1200" cap="none" spc="0" normalizeH="0" baseline="0">
-                <a:solidFill>
-                  <a:schemeClr val="tx1"/>
-                </a:solidFill>
-                <a:latin typeface="1훈정글북 Regular"/>
-                <a:ea typeface="1훈정글북 Regular"/>
-              </a:rPr>
-              <a:t>페이지 주제</a:t>
-            </a:r>
-          </a:p>
-          <a:p>
-            <a:pPr marL="0" indent="0" defTabSz="914400" rtl="0" eaLnBrk="1" latinLnBrk="1" hangingPunct="1">
-              <a:lnSpc>
-                <a:spcPct val="90000"/>
-              </a:lnSpc>
-              <a:spcBef>
-                <a:spcPts val="1000"/>
-              </a:spcBef>
-              <a:spcAft>
-                <a:spcPts val="0"/>
-              </a:spcAft>
-              <a:buFont typeface="Arial"/>
-              <a:buNone/>
-              <a:defRPr/>
-            </a:pPr>
-            <a:endParaRPr kumimoji="0" lang="ko-KR" altLang="en-US" sz="2000" b="0" i="0" u="none" strike="noStrike" kern="1200" cap="none" spc="0" normalizeH="0" baseline="0">
-              <a:solidFill>
-                <a:schemeClr val="tx1"/>
-              </a:solidFill>
-              <a:latin typeface="1훈정글북 Regular"/>
-              <a:ea typeface="1훈정글북 Regular"/>
-            </a:endParaRPr>
-          </a:p>
-          <a:p>
-            <a:pPr marL="0" indent="0" defTabSz="914400" rtl="0" eaLnBrk="1" latinLnBrk="1" hangingPunct="1">
-              <a:lnSpc>
-                <a:spcPct val="90000"/>
-              </a:lnSpc>
-              <a:spcBef>
-                <a:spcPts val="1000"/>
-              </a:spcBef>
-              <a:spcAft>
-                <a:spcPts val="0"/>
-              </a:spcAft>
-              <a:buFont typeface="Arial"/>
-              <a:buNone/>
-              <a:defRPr/>
-            </a:pPr>
-            <a:endParaRPr kumimoji="0" lang="ko-KR" altLang="en-US" sz="2000" b="0" i="0" u="none" strike="noStrike" kern="1200" cap="none" spc="0" normalizeH="0" baseline="0">
-              <a:solidFill>
-                <a:schemeClr val="tx1"/>
-              </a:solidFill>
-              <a:latin typeface="1훈정글북 Regular"/>
-              <a:ea typeface="1훈정글북 Regular"/>
-            </a:endParaRPr>
-          </a:p>
-          <a:p>
-            <a:pPr marL="0" indent="0" defTabSz="914400" rtl="0" eaLnBrk="1" latinLnBrk="1" hangingPunct="1">
-              <a:lnSpc>
-                <a:spcPct val="90000"/>
-              </a:lnSpc>
-              <a:spcBef>
-                <a:spcPts val="1000"/>
-              </a:spcBef>
-              <a:spcAft>
-                <a:spcPts val="0"/>
-              </a:spcAft>
-              <a:buFont typeface="Arial"/>
-              <a:buNone/>
-              <a:defRPr/>
-            </a:pPr>
-            <a:endParaRPr kumimoji="0" lang="ko-KR" altLang="en-US" sz="2000" b="0" i="0" u="none" strike="noStrike" kern="1200" cap="none" spc="0" normalizeH="0" baseline="0">
-              <a:solidFill>
-                <a:schemeClr val="tx1"/>
-              </a:solidFill>
-              <a:latin typeface="1훈정글북 Regular"/>
-              <a:ea typeface="1훈정글북 Regular"/>
-            </a:endParaRPr>
-          </a:p>
-          <a:p>
-            <a:pPr marL="0" indent="0" defTabSz="914400" rtl="0" eaLnBrk="1" latinLnBrk="1" hangingPunct="1">
-              <a:lnSpc>
-                <a:spcPct val="90000"/>
-              </a:lnSpc>
-              <a:spcBef>
-                <a:spcPts val="1000"/>
-              </a:spcBef>
-              <a:spcAft>
-                <a:spcPts val="0"/>
-              </a:spcAft>
-              <a:buFont typeface="Arial"/>
-              <a:buNone/>
-              <a:defRPr/>
-            </a:pPr>
-            <a:endParaRPr kumimoji="0" lang="en-US" altLang="ko-KR" sz="2000" b="0" i="0" u="none" strike="noStrike" kern="1200" cap="none" spc="0" normalizeH="0" baseline="0">
-              <a:solidFill>
-                <a:schemeClr val="tx1"/>
-              </a:solidFill>
-              <a:latin typeface="1훈정글북 Regular"/>
-              <a:ea typeface="1훈정글북 Regular"/>
-            </a:endParaRPr>
-          </a:p>
-        </p:txBody>
-      </p:sp>
-      <p:cxnSp>
-        <p:nvCxnSpPr>
-          <p:cNvPr id="66" name="직선 연결선 65"/>
-          <p:cNvCxnSpPr/>
-          <p:nvPr/>
-        </p:nvCxnSpPr>
-        <p:spPr>
-          <a:xfrm>
-            <a:off x="871905" y="2110154"/>
-            <a:ext cx="10185697" cy="0"/>
-          </a:xfrm>
-          <a:prstGeom prst="line">
-            <a:avLst/>
-          </a:prstGeom>
-          <a:ln>
-            <a:solidFill>
-              <a:schemeClr val="dk1"/>
-            </a:solidFill>
-          </a:ln>
-        </p:spPr>
-        <p:style>
-          <a:lnRef idx="1">
-            <a:schemeClr val="accent1"/>
-          </a:lnRef>
-          <a:fillRef idx="0">
-            <a:schemeClr val="accent1"/>
-          </a:fillRef>
-          <a:effectRef idx="0">
-            <a:schemeClr val="accent1"/>
-          </a:effectRef>
-          <a:fontRef idx="minor">
-            <a:schemeClr val="tx1"/>
-          </a:fontRef>
-        </p:style>
-      </p:cxnSp>
-      <p:cxnSp>
-        <p:nvCxnSpPr>
-          <p:cNvPr id="67" name="직선 연결선 66"/>
-          <p:cNvCxnSpPr/>
-          <p:nvPr/>
-        </p:nvCxnSpPr>
-        <p:spPr>
-          <a:xfrm rot="16200000" flipH="1">
-            <a:off x="3692016" y="3794597"/>
-            <a:ext cx="4807971" cy="0"/>
-          </a:xfrm>
-          <a:prstGeom prst="line">
-            <a:avLst/>
-          </a:prstGeom>
-          <a:ln>
-            <a:solidFill>
-              <a:schemeClr val="dk1"/>
-            </a:solidFill>
-          </a:ln>
-        </p:spPr>
-        <p:style>
-          <a:lnRef idx="1">
-            <a:schemeClr val="accent1"/>
-          </a:lnRef>
-          <a:fillRef idx="0">
-            <a:schemeClr val="accent1"/>
-          </a:fillRef>
-          <a:effectRef idx="0">
-            <a:schemeClr val="accent1"/>
-          </a:effectRef>
-          <a:fontRef idx="minor">
-            <a:schemeClr val="tx1"/>
-          </a:fontRef>
-        </p:style>
-      </p:cxnSp>
-      <p:cxnSp>
-        <p:nvCxnSpPr>
-          <p:cNvPr id="68" name="직선 연결선 67"/>
-          <p:cNvCxnSpPr/>
-          <p:nvPr/>
-        </p:nvCxnSpPr>
-        <p:spPr>
-          <a:xfrm rot="16200000" flipH="1">
-            <a:off x="1899819" y="1785584"/>
-            <a:ext cx="658069" cy="0"/>
-          </a:xfrm>
-          <a:prstGeom prst="line">
-            <a:avLst/>
-          </a:prstGeom>
-          <a:ln>
-            <a:solidFill>
-              <a:schemeClr val="dk1"/>
-            </a:solidFill>
-          </a:ln>
-        </p:spPr>
-        <p:style>
-          <a:lnRef idx="1">
-            <a:schemeClr val="accent1"/>
-          </a:lnRef>
-          <a:fillRef idx="0">
-            <a:schemeClr val="accent1"/>
-          </a:fillRef>
-          <a:effectRef idx="0">
-            <a:schemeClr val="accent1"/>
-          </a:effectRef>
-          <a:fontRef idx="minor">
-            <a:schemeClr val="tx1"/>
-          </a:fontRef>
-        </p:style>
-      </p:cxnSp>
-      <p:sp>
-        <p:nvSpPr>
-          <p:cNvPr id="69" name="부제목 2"/>
-          <p:cNvSpPr>
-            <a:spLocks noGrp="1"/>
-          </p:cNvSpPr>
-          <p:nvPr/>
-        </p:nvSpPr>
-        <p:spPr>
-          <a:xfrm>
-            <a:off x="6096000" y="1625954"/>
-            <a:ext cx="1262215" cy="297560"/>
-          </a:xfrm>
-          <a:prstGeom prst="rect">
-            <a:avLst/>
-          </a:prstGeom>
-        </p:spPr>
-        <p:txBody>
-          <a:bodyPr vert="horz" lIns="91440" tIns="45720" rIns="91440" bIns="45720">
-            <a:normAutofit fontScale="70000" lnSpcReduction="20000"/>
-          </a:bodyPr>
-          <a:lstStyle/>
-          <a:p>
-            <a:pPr marL="0" indent="0" defTabSz="914400" rtl="0" eaLnBrk="1" latinLnBrk="1" hangingPunct="1">
-              <a:lnSpc>
-                <a:spcPct val="90000"/>
-              </a:lnSpc>
-              <a:spcBef>
-                <a:spcPts val="1000"/>
-              </a:spcBef>
-              <a:spcAft>
-                <a:spcPts val="0"/>
-              </a:spcAft>
-              <a:buFont typeface="Arial"/>
-              <a:buNone/>
-              <a:defRPr/>
-            </a:pPr>
-            <a:r>
-              <a:rPr kumimoji="0" lang="ko-KR" altLang="en-US" sz="2600" b="0" i="0" u="none" strike="noStrike" kern="1200" cap="none" spc="0" normalizeH="0" baseline="0">
-                <a:solidFill>
-                  <a:schemeClr val="tx1"/>
-                </a:solidFill>
-                <a:latin typeface="1훈정글북 Regular"/>
-                <a:ea typeface="1훈정글북 Regular"/>
-              </a:rPr>
-              <a:t>화면 기능</a:t>
-            </a:r>
-          </a:p>
-          <a:p>
-            <a:pPr marL="0" indent="0" defTabSz="914400" rtl="0" eaLnBrk="1" latinLnBrk="1" hangingPunct="1">
-              <a:lnSpc>
-                <a:spcPct val="90000"/>
-              </a:lnSpc>
-              <a:spcBef>
-                <a:spcPts val="1000"/>
-              </a:spcBef>
-              <a:spcAft>
-                <a:spcPts val="0"/>
-              </a:spcAft>
-              <a:buFont typeface="Arial"/>
-              <a:buNone/>
-              <a:defRPr/>
-            </a:pPr>
-            <a:endParaRPr kumimoji="0" lang="ko-KR" altLang="en-US" sz="2600" b="0" i="0" u="none" strike="noStrike" kern="1200" cap="none" spc="0" normalizeH="0" baseline="0">
-              <a:solidFill>
-                <a:schemeClr val="tx1"/>
-              </a:solidFill>
-              <a:latin typeface="1훈정글북 Regular"/>
-              <a:ea typeface="1훈정글북 Regular"/>
-            </a:endParaRPr>
-          </a:p>
-          <a:p>
-            <a:pPr marL="0" indent="0" defTabSz="914400" rtl="0" eaLnBrk="1" latinLnBrk="1" hangingPunct="1">
-              <a:lnSpc>
-                <a:spcPct val="90000"/>
-              </a:lnSpc>
-              <a:spcBef>
-                <a:spcPts val="1000"/>
-              </a:spcBef>
-              <a:spcAft>
-                <a:spcPts val="0"/>
-              </a:spcAft>
-              <a:buFont typeface="Arial"/>
-              <a:buNone/>
-              <a:defRPr/>
-            </a:pPr>
-            <a:endParaRPr kumimoji="0" lang="ko-KR" altLang="en-US" sz="2600" b="0" i="0" u="none" strike="noStrike" kern="1200" cap="none" spc="0" normalizeH="0" baseline="0">
-              <a:solidFill>
-                <a:schemeClr val="tx1"/>
-              </a:solidFill>
-              <a:latin typeface="1훈정글북 Regular"/>
-              <a:ea typeface="1훈정글북 Regular"/>
-            </a:endParaRPr>
-          </a:p>
-          <a:p>
-            <a:pPr marL="0" indent="0" defTabSz="914400" rtl="0" eaLnBrk="1" latinLnBrk="1" hangingPunct="1">
-              <a:lnSpc>
-                <a:spcPct val="90000"/>
-              </a:lnSpc>
-              <a:spcBef>
-                <a:spcPts val="1000"/>
-              </a:spcBef>
-              <a:spcAft>
-                <a:spcPts val="0"/>
-              </a:spcAft>
-              <a:buFont typeface="Arial"/>
-              <a:buNone/>
-              <a:defRPr/>
-            </a:pPr>
-            <a:endParaRPr kumimoji="0" lang="ko-KR" altLang="en-US" sz="2600" b="0" i="0" u="none" strike="noStrike" kern="1200" cap="none" spc="0" normalizeH="0" baseline="0">
-              <a:solidFill>
-                <a:schemeClr val="tx1"/>
-              </a:solidFill>
-              <a:latin typeface="1훈정글북 Regular"/>
-              <a:ea typeface="1훈정글북 Regular"/>
-            </a:endParaRPr>
-          </a:p>
-          <a:p>
-            <a:pPr marL="0" indent="0" defTabSz="914400" rtl="0" eaLnBrk="1" latinLnBrk="1" hangingPunct="1">
-              <a:lnSpc>
-                <a:spcPct val="90000"/>
-              </a:lnSpc>
-              <a:spcBef>
-                <a:spcPts val="1000"/>
-              </a:spcBef>
-              <a:spcAft>
-                <a:spcPts val="0"/>
-              </a:spcAft>
-              <a:buFont typeface="Arial"/>
-              <a:buNone/>
-              <a:defRPr/>
-            </a:pPr>
-            <a:endParaRPr kumimoji="0" lang="ko-KR" altLang="en-US" sz="2600" b="0" i="0" u="none" strike="noStrike" kern="1200" cap="none" spc="0" normalizeH="0" baseline="0">
-              <a:solidFill>
-                <a:schemeClr val="tx1"/>
-              </a:solidFill>
-              <a:latin typeface="1훈정글북 Regular"/>
-              <a:ea typeface="1훈정글북 Regular"/>
-            </a:endParaRPr>
-          </a:p>
-        </p:txBody>
-      </p:sp>
-      <p:sp>
-        <p:nvSpPr>
-          <p:cNvPr id="72" name="부제목 2"/>
-          <p:cNvSpPr>
-            <a:spLocks noGrp="1"/>
-          </p:cNvSpPr>
-          <p:nvPr/>
-        </p:nvSpPr>
-        <p:spPr>
-          <a:xfrm>
-            <a:off x="2227295" y="1625954"/>
-            <a:ext cx="4053374" cy="307086"/>
-          </a:xfrm>
-          <a:prstGeom prst="rect">
-            <a:avLst/>
-          </a:prstGeom>
-        </p:spPr>
-        <p:txBody>
-          <a:bodyPr vert="horz" lIns="91440" tIns="45720" rIns="91440" bIns="45720">
-            <a:normAutofit fontScale="92500" lnSpcReduction="20000"/>
-          </a:bodyPr>
-          <a:lstStyle/>
-          <a:p>
-            <a:pPr marL="0" indent="0" defTabSz="914400" rtl="0" eaLnBrk="1" latinLnBrk="1" hangingPunct="1">
-              <a:lnSpc>
-                <a:spcPct val="90000"/>
-              </a:lnSpc>
-              <a:spcBef>
-                <a:spcPts val="1000"/>
-              </a:spcBef>
-              <a:spcAft>
-                <a:spcPts val="0"/>
-              </a:spcAft>
-              <a:buFont typeface="Arial"/>
-              <a:buNone/>
-              <a:defRPr/>
-            </a:pPr>
-            <a:r>
-              <a:rPr kumimoji="0" lang="ko-KR" altLang="en-US" sz="1945" b="0" i="0" u="none" strike="noStrike" kern="1200" cap="none" spc="0" normalizeH="0" baseline="0" dirty="0">
-                <a:solidFill>
-                  <a:schemeClr val="tx1"/>
-                </a:solidFill>
-                <a:latin typeface="1훈정글북 Regular"/>
-                <a:ea typeface="1훈정글북 Regular"/>
-              </a:rPr>
-              <a:t>마이페이지</a:t>
-            </a:r>
-          </a:p>
-          <a:p>
-            <a:pPr marL="0" indent="0" defTabSz="914400" rtl="0" eaLnBrk="1" latinLnBrk="1" hangingPunct="1">
-              <a:lnSpc>
-                <a:spcPct val="90000"/>
-              </a:lnSpc>
-              <a:spcBef>
-                <a:spcPts val="1000"/>
-              </a:spcBef>
-              <a:spcAft>
-                <a:spcPts val="0"/>
-              </a:spcAft>
-              <a:buFont typeface="Arial"/>
-              <a:buNone/>
-              <a:defRPr/>
-            </a:pPr>
-            <a:endParaRPr kumimoji="0" lang="ko-KR" altLang="en-US" sz="2235" b="0" i="0" u="none" strike="noStrike" kern="1200" cap="none" spc="0" normalizeH="0" baseline="0" dirty="0">
-              <a:solidFill>
-                <a:schemeClr val="tx1"/>
-              </a:solidFill>
-              <a:latin typeface="1훈정글북 Regular"/>
-              <a:ea typeface="1훈정글북 Regular"/>
-            </a:endParaRPr>
-          </a:p>
-          <a:p>
-            <a:pPr marL="0" indent="0" defTabSz="914400" rtl="0" eaLnBrk="1" latinLnBrk="1" hangingPunct="1">
-              <a:lnSpc>
-                <a:spcPct val="90000"/>
-              </a:lnSpc>
-              <a:spcBef>
-                <a:spcPts val="1000"/>
-              </a:spcBef>
-              <a:spcAft>
-                <a:spcPts val="0"/>
-              </a:spcAft>
-              <a:buFont typeface="Arial"/>
-              <a:buNone/>
-              <a:defRPr/>
-            </a:pPr>
-            <a:endParaRPr kumimoji="0" lang="ko-KR" altLang="en-US" sz="2600" b="0" i="0" u="none" strike="noStrike" kern="1200" cap="none" spc="0" normalizeH="0" baseline="0" dirty="0">
-              <a:solidFill>
-                <a:schemeClr val="tx1"/>
-              </a:solidFill>
-              <a:latin typeface="1훈정글북 Regular"/>
-              <a:ea typeface="1훈정글북 Regular"/>
-            </a:endParaRPr>
-          </a:p>
-          <a:p>
-            <a:pPr marL="0" indent="0" defTabSz="914400" rtl="0" eaLnBrk="1" latinLnBrk="1" hangingPunct="1">
-              <a:lnSpc>
-                <a:spcPct val="90000"/>
-              </a:lnSpc>
-              <a:spcBef>
-                <a:spcPts val="1000"/>
-              </a:spcBef>
-              <a:spcAft>
-                <a:spcPts val="0"/>
-              </a:spcAft>
-              <a:buFont typeface="Arial"/>
-              <a:buNone/>
-              <a:defRPr/>
-            </a:pPr>
-            <a:endParaRPr kumimoji="0" lang="ko-KR" altLang="en-US" sz="2600" b="0" i="0" u="none" strike="noStrike" kern="1200" cap="none" spc="0" normalizeH="0" baseline="0" dirty="0">
-              <a:solidFill>
-                <a:schemeClr val="tx1"/>
-              </a:solidFill>
-              <a:latin typeface="1훈정글북 Regular"/>
-              <a:ea typeface="1훈정글북 Regular"/>
-            </a:endParaRPr>
-          </a:p>
-          <a:p>
-            <a:pPr marL="0" indent="0" defTabSz="914400" rtl="0" eaLnBrk="1" latinLnBrk="1" hangingPunct="1">
-              <a:lnSpc>
-                <a:spcPct val="90000"/>
-              </a:lnSpc>
-              <a:spcBef>
-                <a:spcPts val="1000"/>
-              </a:spcBef>
-              <a:spcAft>
-                <a:spcPts val="0"/>
-              </a:spcAft>
-              <a:buFont typeface="Arial"/>
-              <a:buNone/>
-              <a:defRPr/>
-            </a:pPr>
-            <a:endParaRPr kumimoji="0" lang="ko-KR" altLang="en-US" sz="2600" b="0" i="0" u="none" strike="noStrike" kern="1200" cap="none" spc="0" normalizeH="0" baseline="0" dirty="0">
-              <a:solidFill>
-                <a:schemeClr val="tx1"/>
-              </a:solidFill>
-              <a:latin typeface="1훈정글북 Regular"/>
-              <a:ea typeface="1훈정글북 Regular"/>
-            </a:endParaRPr>
-          </a:p>
-        </p:txBody>
-      </p:sp>
-      <p:sp>
-        <p:nvSpPr>
-          <p:cNvPr id="73" name="부제목 2"/>
-          <p:cNvSpPr>
-            <a:spLocks noGrp="1"/>
-          </p:cNvSpPr>
-          <p:nvPr/>
-        </p:nvSpPr>
-        <p:spPr>
-          <a:xfrm>
-            <a:off x="6237587" y="2373280"/>
-            <a:ext cx="5291291" cy="3621785"/>
-          </a:xfrm>
-          <a:prstGeom prst="rect">
-            <a:avLst/>
-          </a:prstGeom>
-        </p:spPr>
-        <p:txBody>
-          <a:bodyPr vert="horz" lIns="91440" tIns="45720" rIns="91440" bIns="45720">
-            <a:noAutofit/>
-          </a:bodyPr>
-          <a:lstStyle/>
-          <a:p>
-            <a:pPr marL="0" indent="0" defTabSz="914400" rtl="0" eaLnBrk="1" latinLnBrk="1" hangingPunct="1">
-              <a:lnSpc>
-                <a:spcPct val="90000"/>
-              </a:lnSpc>
-              <a:spcBef>
-                <a:spcPts val="1000"/>
-              </a:spcBef>
-              <a:spcAft>
-                <a:spcPts val="0"/>
-              </a:spcAft>
-              <a:buFont typeface="Arial"/>
-              <a:buNone/>
-              <a:defRPr/>
-            </a:pPr>
-            <a:r>
-              <a:rPr kumimoji="0" lang="ko-KR" altLang="en-US" b="0" i="0" u="none" strike="noStrike" kern="1200" cap="none" spc="0" normalizeH="0" baseline="0">
-                <a:solidFill>
-                  <a:schemeClr val="tx1"/>
-                </a:solidFill>
-                <a:latin typeface="1훈정글북 Regular"/>
-                <a:ea typeface="1훈정글북 Regular"/>
-              </a:rPr>
-              <a:t>로</a:t>
-            </a:r>
-          </a:p>
-          <a:p>
-            <a:pPr marL="0" indent="0" defTabSz="914400" rtl="0" eaLnBrk="1" latinLnBrk="1" hangingPunct="1">
-              <a:lnSpc>
-                <a:spcPct val="90000"/>
-              </a:lnSpc>
-              <a:spcBef>
-                <a:spcPts val="1000"/>
-              </a:spcBef>
-              <a:spcAft>
-                <a:spcPts val="0"/>
-              </a:spcAft>
-              <a:buFont typeface="Arial"/>
-              <a:buNone/>
-              <a:defRPr/>
-            </a:pPr>
-            <a:endParaRPr kumimoji="0" lang="ko-KR" altLang="en-US" sz="2600" b="0" i="0" u="none" strike="noStrike" kern="1200" cap="none" spc="0" normalizeH="0" baseline="0">
-              <a:solidFill>
-                <a:schemeClr val="tx1"/>
-              </a:solidFill>
-              <a:latin typeface="1훈정글북 Regular"/>
-              <a:ea typeface="1훈정글북 Regular"/>
-            </a:endParaRPr>
-          </a:p>
-          <a:p>
-            <a:pPr marL="0" indent="0" defTabSz="914400" rtl="0" eaLnBrk="1" latinLnBrk="1" hangingPunct="1">
-              <a:lnSpc>
-                <a:spcPct val="90000"/>
-              </a:lnSpc>
-              <a:spcBef>
-                <a:spcPts val="1000"/>
-              </a:spcBef>
-              <a:spcAft>
-                <a:spcPts val="0"/>
-              </a:spcAft>
-              <a:buFont typeface="Arial"/>
-              <a:buNone/>
-              <a:defRPr/>
-            </a:pPr>
-            <a:endParaRPr kumimoji="0" lang="ko-KR" altLang="en-US" sz="2600" b="0" i="0" u="none" strike="noStrike" kern="1200" cap="none" spc="0" normalizeH="0" baseline="0">
-              <a:solidFill>
-                <a:schemeClr val="tx1"/>
-              </a:solidFill>
-              <a:latin typeface="1훈정글북 Regular"/>
-              <a:ea typeface="1훈정글북 Regular"/>
-            </a:endParaRPr>
-          </a:p>
-          <a:p>
-            <a:pPr marL="0" indent="0" defTabSz="914400" rtl="0" eaLnBrk="1" latinLnBrk="1" hangingPunct="1">
-              <a:lnSpc>
-                <a:spcPct val="90000"/>
-              </a:lnSpc>
-              <a:spcBef>
-                <a:spcPts val="1000"/>
-              </a:spcBef>
-              <a:spcAft>
-                <a:spcPts val="0"/>
-              </a:spcAft>
-              <a:buFont typeface="Arial"/>
-              <a:buNone/>
-              <a:defRPr/>
-            </a:pPr>
-            <a:endParaRPr kumimoji="0" lang="ko-KR" altLang="en-US" sz="2600" b="0" i="0" u="none" strike="noStrike" kern="1200" cap="none" spc="0" normalizeH="0" baseline="0">
-              <a:solidFill>
-                <a:schemeClr val="tx1"/>
-              </a:solidFill>
-              <a:latin typeface="1훈정글북 Regular"/>
-              <a:ea typeface="1훈정글북 Regular"/>
-            </a:endParaRPr>
-          </a:p>
-        </p:txBody>
-      </p:sp>
-      <p:sp>
-        <p:nvSpPr>
-          <p:cNvPr id="74" name="직사각형 73"/>
+          <p:cNvPr id="3" name="직사각형 2"/>
           <p:cNvSpPr/>
           <p:nvPr/>
         </p:nvSpPr>
         <p:spPr>
           <a:xfrm>
-            <a:off x="1505775" y="2337273"/>
-            <a:ext cx="9709668" cy="3897474"/>
+            <a:off x="428625" y="419993"/>
+            <a:ext cx="11372850" cy="6018014"/>
           </a:xfrm>
           <a:prstGeom prst="rect">
             <a:avLst/>
           </a:prstGeom>
+          <a:solidFill>
+            <a:schemeClr val="bg1"/>
+          </a:solidFill>
+          <a:ln w="187325">
+            <a:gradFill>
+              <a:gsLst>
+                <a:gs pos="50000">
+                  <a:srgbClr val="efccca"/>
+                </a:gs>
+                <a:gs pos="50000">
+                  <a:schemeClr val="bg1">
+                    <a:lumMod val="85000"/>
+                  </a:schemeClr>
+                </a:gs>
+              </a:gsLst>
+              <a:lin ang="6600000" scaled="0"/>
+            </a:gradFill>
+          </a:ln>
+          <a:effectLst>
+            <a:outerShdw blurRad="431800" dist="241300" dir="5400000" sx="97000" sy="97000" algn="t" rotWithShape="0">
+              <a:prstClr val="black">
+                <a:alpha val="31000"/>
+              </a:prstClr>
+            </a:outerShdw>
+          </a:effectLst>
         </p:spPr>
         <p:style>
           <a:lnRef idx="2">
             <a:schemeClr val="accent1">
-              <a:shade val="20000"/>
+              <a:shade val="50000"/>
             </a:schemeClr>
           </a:lnRef>
           <a:fillRef idx="1">
@@ -26696,16 +25009,63 @@
           </a:fontRef>
         </p:style>
         <p:txBody>
-          <a:bodyPr anchor="ctr"/>
+          <a:bodyPr anchor="t"/>
           <a:lstStyle/>
           <a:p>
-            <a:pPr algn="ctr">
-              <a:defRPr/>
-            </a:pPr>
-            <a:r>
-              <a:rPr lang="ko-KR" altLang="en-US"/>
-              <a:t>미정</a:t>
-            </a:r>
+            <a:pPr algn="ctr" latinLnBrk="0">
+              <a:lnSpc>
+                <a:spcPct val="150000"/>
+              </a:lnSpc>
+              <a:defRPr/>
+            </a:pPr>
+            <a:endParaRPr lang="ko-KR" altLang="en-US" sz="2800" b="1" i="1" kern="0">
+              <a:solidFill>
+                <a:prstClr val="black">
+                  <a:lumMod val="50000"/>
+                  <a:lumOff val="50000"/>
+                </a:prstClr>
+              </a:solidFill>
+            </a:endParaRPr>
+          </a:p>
+        </p:txBody>
+      </p:sp>
+      <p:sp>
+        <p:nvSpPr>
+          <p:cNvPr id="56" name="직사각형 55"/>
+          <p:cNvSpPr/>
+          <p:nvPr/>
+        </p:nvSpPr>
+        <p:spPr>
+          <a:xfrm>
+            <a:off x="653251" y="677277"/>
+            <a:ext cx="10885496" cy="720993"/>
+          </a:xfrm>
+          <a:prstGeom prst="rect">
+            <a:avLst/>
+          </a:prstGeom>
+        </p:spPr>
+        <p:txBody>
+          <a:bodyPr wrap="square">
+            <a:spAutoFit/>
+          </a:bodyPr>
+          <a:lstStyle/>
+          <a:p>
+            <a:pPr lvl="0">
+              <a:defRPr/>
+            </a:pPr>
+            <a:r>
+              <a:rPr lang="ko-KR" altLang="en-US" sz="4200" b="1" i="1">
+                <a:solidFill>
+                  <a:srgbClr val="ff9999"/>
+                </a:solidFill>
+              </a:rPr>
+              <a:t>모든 메뉴별 소개 및 설명 </a:t>
+            </a:r>
+            <a:endParaRPr lang="ko-KR" altLang="en-US" sz="4200" b="1" i="1">
+              <a:solidFill>
+                <a:srgbClr val="ff9999"/>
+              </a:solidFill>
+            </a:endParaRPr>
           </a:p>
         </p:txBody>
       </p:sp>
@@ -26714,11 +25074,11 @@
   <p:clrMapOvr>
     <a:masterClrMapping/>
   </p:clrMapOvr>
-  <mc:AlternateContent xmlns:mc="http://schemas.openxmlformats.org/markup-compatibility/2006" xmlns:p14="http://schemas.microsoft.com/office/powerpoint/2010/main">
-    <mc:Choice Requires="p14">
-      <p:transition/>
+  <mc:AlternateContent xmlns:mc="http://schemas.openxmlformats.org/markup-compatibility/2006">
+    <mc:Choice xmlns:p14="http://schemas.microsoft.com/office/powerpoint/2010/main" Requires="p14">
+      <p:transition xmlns:mc="http://schemas.openxmlformats.org/markup-compatibility/2006" xmlns:p14="http://schemas.microsoft.com/office/powerpoint/2010/main" mc:Ignorable="p14" p14:dur="500"/>
     </mc:Choice>
-    <mc:Fallback xmlns:dsp="http://schemas.microsoft.com/office/drawing/2008/diagram" xmlns:dgm="http://schemas.openxmlformats.org/drawingml/2006/diagram" xmlns:c="http://schemas.openxmlformats.org/drawingml/2006/chart" xmlns="">
+    <mc:Fallback>
       <p:transition/>
     </mc:Fallback>
   </mc:AlternateContent>
@@ -27164,7 +25524,17 @@
               <a:buNone/>
               <a:defRPr/>
             </a:pPr>
-            <a:endParaRPr kumimoji="0" lang="ko-KR" altLang="en-US" sz="2600" b="0" i="0" u="none" strike="noStrike" kern="1200" cap="none" spc="0" normalizeH="0" baseline="0">
+            <a:r>
+              <a:rPr kumimoji="0" lang="en-US" altLang="ko-KR" sz="2600" b="0" i="0" u="none" strike="noStrike" kern="1200" cap="none" spc="0" normalizeH="0" baseline="0">
+                <a:solidFill>
+                  <a:schemeClr val="tx1"/>
+                </a:solidFill>
+                <a:latin typeface="1훈정글북 Regular"/>
+                <a:ea typeface="1훈정글북 Regular"/>
+              </a:rPr>
+              <a:t>);</a:t>
+            </a:r>
+            <a:endParaRPr kumimoji="0" lang="en-US" altLang="ko-KR" sz="2600" b="0" i="0" u="none" strike="noStrike" kern="1200" cap="none" spc="0" normalizeH="0" baseline="0">
               <a:solidFill>
                 <a:schemeClr val="tx1"/>
               </a:solidFill>
@@ -28571,6 +26941,29 @@
               </a:rPr>
               <a:t> 포인트</a:t>
             </a:r>
+            <a:endParaRPr kumimoji="0" lang="en-US" altLang="ko-KR" sz="1200" b="0" i="0" u="none" strike="noStrike" kern="1200" cap="none" spc="0" normalizeH="0" baseline="0">
+              <a:solidFill>
+                <a:schemeClr val="dk1"/>
+              </a:solidFill>
+              <a:latin typeface="1훈정글북 Regular"/>
+              <a:ea typeface="1훈정글북 Regular"/>
+            </a:endParaRPr>
+          </a:p>
+          <a:p>
+            <a:pPr marL="0" indent="0" defTabSz="914400" rtl="0" eaLnBrk="1" latinLnBrk="1" hangingPunct="1">
+              <a:lnSpc>
+                <a:spcPct val="90000"/>
+              </a:lnSpc>
+              <a:spcBef>
+                <a:spcPts val="1000"/>
+              </a:spcBef>
+              <a:spcAft>
+                <a:spcPts val="0"/>
+              </a:spcAft>
+              <a:buFont typeface="Arial"/>
+              <a:buNone/>
+              <a:defRPr/>
+            </a:pPr>
             <a:r>
               <a:rPr kumimoji="0" lang="en-US" altLang="ko-KR" sz="1200" b="0" i="0" u="none" strike="noStrike" kern="1200" cap="none" spc="0" normalizeH="0" baseline="0">
                 <a:solidFill>
@@ -28579,7 +26972,7 @@
                 <a:latin typeface="1훈정글북 Regular"/>
                 <a:ea typeface="1훈정글북 Regular"/>
               </a:rPr>
-              <a:t>		</a:t>
+              <a:t>);		</a:t>
             </a:r>
             <a:endParaRPr kumimoji="0" lang="en-US" altLang="ko-KR" sz="1200" b="0" i="0" u="none" strike="noStrike" kern="1200" cap="none" spc="0" normalizeH="0" baseline="0">
               <a:solidFill>
@@ -29192,8 +27585,8 @@
         </p:nvSpPr>
         <p:spPr>
           <a:xfrm>
-            <a:off x="1227473" y="1649380"/>
-            <a:ext cx="10478019" cy="4400384"/>
+            <a:off x="1256781" y="1693341"/>
+            <a:ext cx="9217787" cy="5836461"/>
           </a:xfrm>
           <a:prstGeom prst="rect">
             <a:avLst/>
@@ -29227,7 +27620,7 @@
                 <a:latin typeface="1훈정글북 Regular"/>
                 <a:ea typeface="1훈정글북 Regular"/>
               </a:rPr>
-              <a:t>&lt;cart </a:t>
+              <a:t>&lt;cl_zipcodet </a:t>
             </a:r>
             <a:r>
               <a:rPr kumimoji="0" lang="ko-KR" altLang="en-US" sz="2700" b="0" i="0" u="none" strike="noStrike" kern="1200" cap="none" spc="0" normalizeH="0" baseline="0">
@@ -29277,7 +27670,7 @@
                 <a:latin typeface="1훈정글북 Regular"/>
                 <a:ea typeface="1훈정글북 Regular"/>
               </a:rPr>
-              <a:t> 장바구니</a:t>
+              <a:t> 우편번호</a:t>
             </a:r>
             <a:endParaRPr kumimoji="0" lang="ko-KR" altLang="en-US" sz="2700" b="0" i="0" u="none" strike="noStrike" kern="1200" cap="none" spc="0" normalizeH="0" baseline="0">
               <a:solidFill>
@@ -29356,7 +27749,7 @@
                 <a:latin typeface="1훈정글북 Regular"/>
                 <a:ea typeface="1훈정글북 Regular"/>
               </a:rPr>
-              <a:t>Create table cart (</a:t>
+              <a:t>Create table cl_zipcodet(</a:t>
             </a:r>
             <a:endParaRPr kumimoji="0" lang="en-US" altLang="ko-KR" sz="2400" b="0" i="0" u="none" strike="noStrike" kern="1200" cap="none" spc="0" normalizeH="0" baseline="0">
               <a:solidFill>
@@ -29399,19 +27792,9 @@
                 <a:latin typeface="1훈정글북 Regular"/>
                 <a:ea typeface="1훈정글북 Regular"/>
               </a:rPr>
-              <a:t>ctNo		char(40),	// </a:t>
-            </a:r>
-            <a:r>
-              <a:rPr kumimoji="0" lang="ko-KR" altLang="en-US" sz="2400" b="0" i="0" u="none" strike="noStrike" kern="1200" cap="none" spc="0" normalizeH="0" baseline="0">
-                <a:solidFill>
-                  <a:schemeClr val="dk1"/>
-                </a:solidFill>
-                <a:latin typeface="1훈정글북 Regular"/>
-                <a:ea typeface="1훈정글북 Regular"/>
-              </a:rPr>
-              <a:t>장바구니 번호</a:t>
-            </a:r>
-            <a:endParaRPr kumimoji="0" lang="ko-KR" altLang="en-US" sz="2400" b="0" i="0" u="none" strike="noStrike" kern="1200" cap="none" spc="0" normalizeH="0" baseline="0">
+              <a:t>zipcode	varchar(7)	not null,</a:t>
+            </a:r>
+            <a:endParaRPr kumimoji="0" lang="en-US" altLang="ko-KR" sz="2400" b="0" i="0" u="none" strike="noStrike" kern="1200" cap="none" spc="0" normalizeH="0" baseline="0">
               <a:solidFill>
                 <a:schemeClr val="dk1"/>
               </a:solidFill>
@@ -29442,19 +27825,9 @@
                 <a:latin typeface="1훈정글북 Regular"/>
                 <a:ea typeface="1훈정글북 Regular"/>
               </a:rPr>
-              <a:t>	prdNo		char(10),	//</a:t>
-            </a:r>
-            <a:r>
-              <a:rPr kumimoji="0" lang="ko-KR" altLang="en-US" sz="2400" b="0" i="0" u="none" strike="noStrike" kern="1200" cap="none" spc="0" normalizeH="0" baseline="0">
-                <a:solidFill>
-                  <a:schemeClr val="dk1"/>
-                </a:solidFill>
-                <a:latin typeface="1훈정글북 Regular"/>
-                <a:ea typeface="1훈정글북 Regular"/>
-              </a:rPr>
-              <a:t> 상품 번호</a:t>
-            </a:r>
-            <a:endParaRPr kumimoji="0" lang="ko-KR" altLang="en-US" sz="2400" b="0" i="0" u="none" strike="noStrike" kern="1200" cap="none" spc="0" normalizeH="0" baseline="0">
+              <a:t>	sido		varchar(4)	not null,</a:t>
+            </a:r>
+            <a:endParaRPr kumimoji="0" lang="en-US" altLang="ko-KR" sz="2400" b="0" i="0" u="none" strike="noStrike" kern="1200" cap="none" spc="0" normalizeH="0" baseline="0">
               <a:solidFill>
                 <a:schemeClr val="dk1"/>
               </a:solidFill>
@@ -29485,19 +27858,9 @@
                 <a:latin typeface="1훈정글북 Regular"/>
                 <a:ea typeface="1훈정글북 Regular"/>
               </a:rPr>
-              <a:t>	ctQty		int		// </a:t>
-            </a:r>
-            <a:r>
-              <a:rPr kumimoji="0" lang="ko-KR" altLang="en-US" sz="2400" b="0" i="0" u="none" strike="noStrike" kern="1200" cap="none" spc="0" normalizeH="0" baseline="0">
-                <a:solidFill>
-                  <a:schemeClr val="dk1"/>
-                </a:solidFill>
-                <a:latin typeface="1훈정글북 Regular"/>
-                <a:ea typeface="1훈정글북 Regular"/>
-              </a:rPr>
-              <a:t>주문 수량</a:t>
-            </a:r>
-            <a:endParaRPr kumimoji="0" lang="ko-KR" altLang="en-US" sz="2400" b="0" i="0" u="none" strike="noStrike" kern="1200" cap="none" spc="0" normalizeH="0" baseline="0">
+              <a:t>	gugun		varchar(13)	not null,</a:t>
+            </a:r>
+            <a:endParaRPr kumimoji="0" lang="en-US" altLang="ko-KR" sz="2400" b="0" i="0" u="none" strike="noStrike" kern="1200" cap="none" spc="0" normalizeH="0" baseline="0">
               <a:solidFill>
                 <a:schemeClr val="dk1"/>
               </a:solidFill>
@@ -29521,14 +27884,14 @@
               <a:defRPr/>
             </a:pPr>
             <a:r>
-              <a:rPr kumimoji="0" lang="ko-KR" altLang="en-US" sz="2400" b="0" i="0" u="none" strike="noStrike" kern="1200" cap="none" spc="0" normalizeH="0" baseline="0">
+              <a:rPr kumimoji="0" lang="en-US" altLang="ko-KR" sz="2400" b="0" i="0" u="none" strike="noStrike" kern="1200" cap="none" spc="0" normalizeH="0" baseline="0">
                 <a:solidFill>
                   <a:schemeClr val="dk1"/>
                 </a:solidFill>
                 <a:latin typeface="1훈정글북 Regular"/>
                 <a:ea typeface="1훈정글북 Regular"/>
               </a:rPr>
-              <a:t>	</a:t>
+              <a:t>	dong		varchar(43)	not null,</a:t>
             </a:r>
             <a:endParaRPr kumimoji="0" lang="en-US" altLang="ko-KR" sz="2400" b="0" i="0" u="none" strike="noStrike" kern="1200" cap="none" spc="0" normalizeH="0" baseline="0">
               <a:solidFill>
@@ -29553,7 +27916,106 @@
               <a:buNone/>
               <a:defRPr/>
             </a:pPr>
-            <a:endParaRPr kumimoji="0" lang="ko-KR" altLang="en-US" sz="1200" b="0" i="0" u="none" strike="noStrike" kern="1200" cap="none" spc="0" normalizeH="0" baseline="0">
+            <a:r>
+              <a:rPr kumimoji="0" lang="en-US" altLang="ko-KR" sz="2400" b="0" i="0" u="none" strike="noStrike" kern="1200" cap="none" spc="0" normalizeH="0" baseline="0">
+                <a:solidFill>
+                  <a:schemeClr val="dk1"/>
+                </a:solidFill>
+                <a:latin typeface="1훈정글북 Regular"/>
+                <a:ea typeface="1훈정글북 Regular"/>
+              </a:rPr>
+              <a:t>	bunji		varchar(17)	not null,</a:t>
+            </a:r>
+            <a:endParaRPr kumimoji="0" lang="en-US" altLang="ko-KR" sz="2400" b="0" i="0" u="none" strike="noStrike" kern="1200" cap="none" spc="0" normalizeH="0" baseline="0">
+              <a:solidFill>
+                <a:schemeClr val="dk1"/>
+              </a:solidFill>
+              <a:latin typeface="1훈정글북 Regular"/>
+              <a:ea typeface="1훈정글북 Regular"/>
+            </a:endParaRPr>
+          </a:p>
+          <a:p>
+            <a:pPr marL="0" indent="0" defTabSz="914400" rtl="0" eaLnBrk="1" latinLnBrk="1" hangingPunct="1">
+              <a:lnSpc>
+                <a:spcPct val="90000"/>
+              </a:lnSpc>
+              <a:spcBef>
+                <a:spcPts val="1000"/>
+              </a:spcBef>
+              <a:spcAft>
+                <a:spcPts val="0"/>
+              </a:spcAft>
+              <a:buFont typeface="Arial"/>
+              <a:buNone/>
+              <a:defRPr/>
+            </a:pPr>
+            <a:r>
+              <a:rPr kumimoji="0" lang="en-US" altLang="ko-KR" sz="2400" b="0" i="0" u="none" strike="noStrike" kern="1200" cap="none" spc="0" normalizeH="0" baseline="0">
+                <a:solidFill>
+                  <a:schemeClr val="dk1"/>
+                </a:solidFill>
+                <a:latin typeface="1훈정글북 Regular"/>
+                <a:ea typeface="1훈정글북 Regular"/>
+              </a:rPr>
+              <a:t>	seq		varchar(5)	not null	primary key</a:t>
+            </a:r>
+            <a:endParaRPr kumimoji="0" lang="en-US" altLang="ko-KR" sz="2400" b="0" i="0" u="none" strike="noStrike" kern="1200" cap="none" spc="0" normalizeH="0" baseline="0">
+              <a:solidFill>
+                <a:schemeClr val="dk1"/>
+              </a:solidFill>
+              <a:latin typeface="1훈정글북 Regular"/>
+              <a:ea typeface="1훈정글북 Regular"/>
+            </a:endParaRPr>
+          </a:p>
+          <a:p>
+            <a:pPr marL="0" indent="0" defTabSz="914400" rtl="0" eaLnBrk="1" latinLnBrk="1" hangingPunct="1">
+              <a:lnSpc>
+                <a:spcPct val="90000"/>
+              </a:lnSpc>
+              <a:spcBef>
+                <a:spcPts val="1000"/>
+              </a:spcBef>
+              <a:spcAft>
+                <a:spcPts val="0"/>
+              </a:spcAft>
+              <a:buFont typeface="Arial"/>
+              <a:buNone/>
+              <a:defRPr/>
+            </a:pPr>
+            <a:r>
+              <a:rPr kumimoji="0" lang="en-US" altLang="ko-KR" sz="2400" b="0" i="0" u="none" strike="noStrike" kern="1200" cap="none" spc="0" normalizeH="0" baseline="0">
+                <a:solidFill>
+                  <a:schemeClr val="dk1"/>
+                </a:solidFill>
+                <a:latin typeface="1훈정글북 Regular"/>
+                <a:ea typeface="1훈정글북 Regular"/>
+              </a:rPr>
+              <a:t>);</a:t>
+            </a:r>
+            <a:endParaRPr kumimoji="0" lang="en-US" altLang="ko-KR" sz="2400" b="0" i="0" u="none" strike="noStrike" kern="1200" cap="none" spc="0" normalizeH="0" baseline="0">
+              <a:solidFill>
+                <a:schemeClr val="dk1"/>
+              </a:solidFill>
+              <a:latin typeface="1훈정글북 Regular"/>
+              <a:ea typeface="1훈정글북 Regular"/>
+            </a:endParaRPr>
+          </a:p>
+          <a:p>
+            <a:pPr marL="0" indent="0" defTabSz="914400" rtl="0" eaLnBrk="1" latinLnBrk="1" hangingPunct="1">
+              <a:lnSpc>
+                <a:spcPct val="90000"/>
+              </a:lnSpc>
+              <a:spcBef>
+                <a:spcPts val="1000"/>
+              </a:spcBef>
+              <a:spcAft>
+                <a:spcPts val="0"/>
+              </a:spcAft>
+              <a:buFont typeface="Arial"/>
+              <a:buNone/>
+              <a:defRPr/>
+            </a:pPr>
+            <a:endParaRPr kumimoji="0" lang="ko-KR" altLang="en-US" sz="2500" b="0" i="0" u="none" strike="noStrike" kern="1200" cap="none" spc="0" normalizeH="0" baseline="0">
               <a:solidFill>
                 <a:schemeClr val="tx1"/>
               </a:solidFill>
@@ -29804,7 +28266,7 @@
                 <a:latin typeface="1훈정글북 Regular"/>
                 <a:ea typeface="1훈정글북 Regular"/>
               </a:rPr>
-              <a:t>&lt;tempcart </a:t>
+              <a:t>&lt;cart </a:t>
             </a:r>
             <a:r>
               <a:rPr kumimoji="0" lang="ko-KR" altLang="en-US" sz="2700" b="0" i="0" u="none" strike="noStrike" kern="1200" cap="none" spc="0" normalizeH="0" baseline="0">
@@ -29854,7 +28316,7 @@
                 <a:latin typeface="1훈정글북 Regular"/>
                 <a:ea typeface="1훈정글북 Regular"/>
               </a:rPr>
-              <a:t> 임시 장바구니</a:t>
+              <a:t> 장바구니</a:t>
             </a:r>
             <a:endParaRPr kumimoji="0" lang="ko-KR" altLang="en-US" sz="2700" b="0" i="0" u="none" strike="noStrike" kern="1200" cap="none" spc="0" normalizeH="0" baseline="0">
               <a:solidFill>
@@ -29933,7 +28395,7 @@
                 <a:latin typeface="1훈정글북 Regular"/>
                 <a:ea typeface="1훈정글북 Regular"/>
               </a:rPr>
-              <a:t>Create table tempcart (</a:t>
+              <a:t>Create table cart (</a:t>
             </a:r>
             <a:endParaRPr kumimoji="0" lang="en-US" altLang="ko-KR" sz="2400" b="0" i="0" u="none" strike="noStrike" kern="1200" cap="none" spc="0" normalizeH="0" baseline="0">
               <a:solidFill>
@@ -30075,6 +28537,39 @@
               <a:t>주문 수량</a:t>
             </a:r>
             <a:endParaRPr kumimoji="0" lang="ko-KR" altLang="en-US" sz="2400" b="0" i="0" u="none" strike="noStrike" kern="1200" cap="none" spc="0" normalizeH="0" baseline="0">
+              <a:solidFill>
+                <a:schemeClr val="dk1"/>
+              </a:solidFill>
+              <a:latin typeface="1훈정글북 Regular"/>
+              <a:ea typeface="1훈정글북 Regular"/>
+            </a:endParaRPr>
+          </a:p>
+          <a:p>
+            <a:pPr marL="0" indent="0" defTabSz="914400" rtl="0" eaLnBrk="1" latinLnBrk="1" hangingPunct="1">
+              <a:lnSpc>
+                <a:spcPct val="90000"/>
+              </a:lnSpc>
+              <a:spcBef>
+                <a:spcPts val="1000"/>
+              </a:spcBef>
+              <a:spcAft>
+                <a:spcPts val="0"/>
+              </a:spcAft>
+              <a:buFont typeface="Arial"/>
+              <a:buNone/>
+              <a:defRPr/>
+            </a:pPr>
+            <a:r>
+              <a:rPr kumimoji="0" lang="en-US" altLang="ko-KR" sz="2400" b="0" i="0" u="none" strike="noStrike" kern="1200" cap="none" spc="0" normalizeH="0" baseline="0">
+                <a:solidFill>
+                  <a:schemeClr val="dk1"/>
+                </a:solidFill>
+                <a:latin typeface="1훈정글북 Regular"/>
+                <a:ea typeface="1훈정글북 Regular"/>
+              </a:rPr>
+              <a:t>);</a:t>
+            </a:r>
+            <a:endParaRPr kumimoji="0" lang="en-US" altLang="ko-KR" sz="2400" b="0" i="0" u="none" strike="noStrike" kern="1200" cap="none" spc="0" normalizeH="0" baseline="0">
               <a:solidFill>
                 <a:schemeClr val="dk1"/>
               </a:solidFill>
@@ -30381,7 +28876,7 @@
                 <a:latin typeface="1훈정글북 Regular"/>
                 <a:ea typeface="1훈정글북 Regular"/>
               </a:rPr>
-              <a:t>&lt;surgery </a:t>
+              <a:t>&lt;tempcart </a:t>
             </a:r>
             <a:r>
               <a:rPr kumimoji="0" lang="ko-KR" altLang="en-US" sz="2700" b="0" i="0" u="none" strike="noStrike" kern="1200" cap="none" spc="0" normalizeH="0" baseline="0">
@@ -30431,7 +28926,7 @@
                 <a:latin typeface="1훈정글북 Regular"/>
                 <a:ea typeface="1훈정글북 Regular"/>
               </a:rPr>
-              <a:t> 모든 시술 정보 관리</a:t>
+              <a:t> 임시 장바구니</a:t>
             </a:r>
             <a:endParaRPr kumimoji="0" lang="ko-KR" altLang="en-US" sz="2700" b="0" i="0" u="none" strike="noStrike" kern="1200" cap="none" spc="0" normalizeH="0" baseline="0">
               <a:solidFill>
@@ -30503,16 +28998,16 @@
               <a:defRPr/>
             </a:pPr>
             <a:r>
-              <a:rPr kumimoji="0" lang="en-US" altLang="ko-KR" sz="1900" b="0" i="0" u="none" strike="noStrike" kern="1200" cap="none" spc="0" normalizeH="0" baseline="0">
+              <a:rPr kumimoji="0" lang="en-US" altLang="ko-KR" sz="2400" b="0" i="0" u="none" strike="noStrike" kern="1200" cap="none" spc="0" normalizeH="0" baseline="0">
                 <a:solidFill>
                   <a:schemeClr val="dk1"/>
                 </a:solidFill>
                 <a:latin typeface="1훈정글북 Regular"/>
                 <a:ea typeface="1훈정글북 Regular"/>
               </a:rPr>
-              <a:t>Create table surgery (</a:t>
-            </a:r>
-            <a:endParaRPr kumimoji="0" lang="en-US" altLang="ko-KR" sz="1900" b="0" i="0" u="none" strike="noStrike" kern="1200" cap="none" spc="0" normalizeH="0" baseline="0">
+              <a:t>Create table tempcart (</a:t>
+            </a:r>
+            <a:endParaRPr kumimoji="0" lang="en-US" altLang="ko-KR" sz="2400" b="0" i="0" u="none" strike="noStrike" kern="1200" cap="none" spc="0" normalizeH="0" baseline="0">
               <a:solidFill>
                 <a:schemeClr val="dk1"/>
               </a:solidFill>
@@ -30536,7 +29031,7 @@
               <a:defRPr/>
             </a:pPr>
             <a:r>
-              <a:rPr kumimoji="0" lang="en-US" altLang="ko-KR" sz="1900" b="0" i="0" u="none" strike="noStrike" kern="1200" cap="none" spc="0" normalizeH="0" baseline="0">
+              <a:rPr kumimoji="0" lang="en-US" altLang="ko-KR" sz="2400" b="0" i="0" u="none" strike="noStrike" kern="1200" cap="none" spc="0" normalizeH="0" baseline="0">
                 <a:solidFill>
                   <a:srgbClr val="ff0000"/>
                 </a:solidFill>
@@ -30546,26 +29041,26 @@
               <a:t>	</a:t>
             </a:r>
             <a:r>
-              <a:rPr kumimoji="0" lang="en-US" altLang="ko-KR" sz="1900" b="0" i="0" u="none" strike="noStrike" kern="1200" cap="none" spc="0" normalizeH="0" baseline="0">
+              <a:rPr kumimoji="0" lang="en-US" altLang="ko-KR" sz="2400" b="0" i="0" u="none" strike="noStrike" kern="1200" cap="none" spc="0" normalizeH="0" baseline="0">
                 <a:solidFill>
                   <a:schemeClr val="dk1"/>
                 </a:solidFill>
                 <a:latin typeface="1훈정글북 Regular"/>
                 <a:ea typeface="1훈정글북 Regular"/>
               </a:rPr>
-              <a:t>ctgType		char(15),					//</a:t>
-            </a:r>
-            <a:r>
-              <a:rPr kumimoji="0" lang="ko-KR" altLang="en-US" sz="1900" b="0" i="0" u="none" strike="noStrike" kern="1200" cap="none" spc="0" normalizeH="0" baseline="0">
+              <a:t>ctNo		char(40),	// </a:t>
+            </a:r>
+            <a:r>
+              <a:rPr kumimoji="0" lang="ko-KR" altLang="en-US" sz="2400" b="0" i="0" u="none" strike="noStrike" kern="1200" cap="none" spc="0" normalizeH="0" baseline="0">
                 <a:solidFill>
                   <a:schemeClr val="dk1"/>
                 </a:solidFill>
                 <a:latin typeface="1훈정글북 Regular"/>
                 <a:ea typeface="1훈정글북 Regular"/>
               </a:rPr>
-              <a:t> 카테고리 타입</a:t>
-            </a:r>
-            <a:endParaRPr kumimoji="0" lang="ko-KR" altLang="en-US" sz="1900" b="0" i="0" u="none" strike="noStrike" kern="1200" cap="none" spc="0" normalizeH="0" baseline="0">
+              <a:t>장바구니 번호</a:t>
+            </a:r>
+            <a:endParaRPr kumimoji="0" lang="ko-KR" altLang="en-US" sz="2400" b="0" i="0" u="none" strike="noStrike" kern="1200" cap="none" spc="0" normalizeH="0" baseline="0">
               <a:solidFill>
                 <a:schemeClr val="dk1"/>
               </a:solidFill>
@@ -30589,26 +29084,26 @@
               <a:defRPr/>
             </a:pPr>
             <a:r>
-              <a:rPr kumimoji="0" lang="en-US" altLang="ko-KR" sz="1900" b="0" i="0" u="none" strike="noStrike" kern="1200" cap="none" spc="0" normalizeH="0" baseline="0">
+              <a:rPr kumimoji="0" lang="en-US" altLang="ko-KR" sz="2400" b="0" i="0" u="none" strike="noStrike" kern="1200" cap="none" spc="0" normalizeH="0" baseline="0">
                 <a:solidFill>
                   <a:schemeClr val="dk1"/>
                 </a:solidFill>
                 <a:latin typeface="1훈정글북 Regular"/>
                 <a:ea typeface="1훈정글북 Regular"/>
               </a:rPr>
-              <a:t>	prdNo		char(10)		not null		primary key,	//</a:t>
-            </a:r>
-            <a:r>
-              <a:rPr kumimoji="0" lang="ko-KR" altLang="en-US" sz="1900" b="0" i="0" u="none" strike="noStrike" kern="1200" cap="none" spc="0" normalizeH="0" baseline="0">
+              <a:t>	prdNo		char(10),	//</a:t>
+            </a:r>
+            <a:r>
+              <a:rPr kumimoji="0" lang="ko-KR" altLang="en-US" sz="2400" b="0" i="0" u="none" strike="noStrike" kern="1200" cap="none" spc="0" normalizeH="0" baseline="0">
                 <a:solidFill>
                   <a:schemeClr val="dk1"/>
                 </a:solidFill>
                 <a:latin typeface="1훈정글북 Regular"/>
                 <a:ea typeface="1훈정글북 Regular"/>
               </a:rPr>
-              <a:t> 시술 번호</a:t>
-            </a:r>
-            <a:endParaRPr kumimoji="0" lang="ko-KR" altLang="en-US" sz="1900" b="0" i="0" u="none" strike="noStrike" kern="1200" cap="none" spc="0" normalizeH="0" baseline="0">
+              <a:t> 상품 번호</a:t>
+            </a:r>
+            <a:endParaRPr kumimoji="0" lang="ko-KR" altLang="en-US" sz="2400" b="0" i="0" u="none" strike="noStrike" kern="1200" cap="none" spc="0" normalizeH="0" baseline="0">
               <a:solidFill>
                 <a:schemeClr val="dk1"/>
               </a:solidFill>
@@ -30632,26 +29127,26 @@
               <a:defRPr/>
             </a:pPr>
             <a:r>
-              <a:rPr kumimoji="0" lang="en-US" altLang="ko-KR" sz="1900" b="0" i="0" u="none" strike="noStrike" kern="1200" cap="none" spc="0" normalizeH="0" baseline="0">
+              <a:rPr kumimoji="0" lang="en-US" altLang="ko-KR" sz="2400" b="0" i="0" u="none" strike="noStrike" kern="1200" cap="none" spc="0" normalizeH="0" baseline="0">
                 <a:solidFill>
                   <a:schemeClr val="dk1"/>
                 </a:solidFill>
                 <a:latin typeface="1훈정글북 Regular"/>
                 <a:ea typeface="1훈정글북 Regular"/>
               </a:rPr>
-              <a:t>	prdName	char(20)		not null,				//</a:t>
-            </a:r>
-            <a:r>
-              <a:rPr kumimoji="0" lang="ko-KR" altLang="en-US" sz="1900" b="0" i="0" u="none" strike="noStrike" kern="1200" cap="none" spc="0" normalizeH="0" baseline="0">
+              <a:t>	ctQty		int		// </a:t>
+            </a:r>
+            <a:r>
+              <a:rPr kumimoji="0" lang="ko-KR" altLang="en-US" sz="2400" b="0" i="0" u="none" strike="noStrike" kern="1200" cap="none" spc="0" normalizeH="0" baseline="0">
                 <a:solidFill>
                   <a:schemeClr val="dk1"/>
                 </a:solidFill>
                 <a:latin typeface="1훈정글북 Regular"/>
                 <a:ea typeface="1훈정글북 Regular"/>
               </a:rPr>
-              <a:t> 시술 이름</a:t>
-            </a:r>
-            <a:endParaRPr kumimoji="0" lang="en-US" altLang="ko-KR" sz="1900" b="0" i="0" u="none" strike="noStrike" kern="1200" cap="none" spc="0" normalizeH="0" baseline="0">
+              <a:t>주문 수량</a:t>
+            </a:r>
+            <a:endParaRPr kumimoji="0" lang="ko-KR" altLang="en-US" sz="2400" b="0" i="0" u="none" strike="noStrike" kern="1200" cap="none" spc="0" normalizeH="0" baseline="0">
               <a:solidFill>
                 <a:schemeClr val="dk1"/>
               </a:solidFill>
@@ -30675,26 +29170,16 @@
               <a:defRPr/>
             </a:pPr>
             <a:r>
-              <a:rPr kumimoji="0" lang="en-US" altLang="ko-KR" sz="1900" b="0" i="0" u="none" strike="noStrike" kern="1200" cap="none" spc="0" normalizeH="0" baseline="0">
+              <a:rPr kumimoji="0" lang="en-US" altLang="ko-KR" sz="2400" b="0" i="0" u="none" strike="noStrike" kern="1200" cap="none" spc="0" normalizeH="0" baseline="0">
                 <a:solidFill>
                   <a:schemeClr val="dk1"/>
                 </a:solidFill>
                 <a:latin typeface="1훈정글북 Regular"/>
                 <a:ea typeface="1훈정글북 Regular"/>
               </a:rPr>
-              <a:t>	prdPrice		int		not null,				//</a:t>
-            </a:r>
-            <a:r>
-              <a:rPr kumimoji="0" lang="ko-KR" altLang="en-US" sz="1900" b="0" i="0" u="none" strike="noStrike" kern="1200" cap="none" spc="0" normalizeH="0" baseline="0">
-                <a:solidFill>
-                  <a:schemeClr val="dk1"/>
-                </a:solidFill>
-                <a:latin typeface="1훈정글북 Regular"/>
-                <a:ea typeface="1훈정글북 Regular"/>
-              </a:rPr>
-              <a:t> 시술 가격</a:t>
-            </a:r>
-            <a:endParaRPr kumimoji="0" lang="ko-KR" altLang="en-US" sz="1900" b="0" i="0" u="none" strike="noStrike" kern="1200" cap="none" spc="0" normalizeH="0" baseline="0">
+              <a:t>);</a:t>
+            </a:r>
+            <a:endParaRPr kumimoji="0" lang="en-US" altLang="ko-KR" sz="2400" b="0" i="0" u="none" strike="noStrike" kern="1200" cap="none" spc="0" normalizeH="0" baseline="0">
               <a:solidFill>
                 <a:schemeClr val="dk1"/>
               </a:solidFill>
@@ -30718,7 +29203,7 @@
               <a:defRPr/>
             </a:pPr>
             <a:r>
-              <a:rPr kumimoji="0" lang="ko-KR" altLang="en-US" sz="1900" b="0" i="0" u="none" strike="noStrike" kern="1200" cap="none" spc="0" normalizeH="0" baseline="0">
+              <a:rPr kumimoji="0" lang="ko-KR" altLang="en-US" sz="2400" b="0" i="0" u="none" strike="noStrike" kern="1200" cap="none" spc="0" normalizeH="0" baseline="0">
                 <a:solidFill>
                   <a:schemeClr val="dk1"/>
                 </a:solidFill>
@@ -30727,27 +29212,7 @@
               </a:rPr>
               <a:t>	</a:t>
             </a:r>
-            <a:r>
-              <a:rPr kumimoji="0" lang="en-US" altLang="ko-KR" sz="1900" b="0" i="0" u="none" strike="noStrike" kern="1200" cap="none" spc="0" normalizeH="0" baseline="0">
-                <a:solidFill>
-                  <a:schemeClr val="dk1"/>
-                </a:solidFill>
-                <a:latin typeface="1훈정글북 Regular"/>
-                <a:ea typeface="1훈정글북 Regular"/>
-              </a:rPr>
-              <a:t>prdMemo	char(100)					// </a:t>
-            </a:r>
-            <a:r>
-              <a:rPr kumimoji="0" lang="ko-KR" altLang="en-US" sz="1900" b="0" i="0" u="none" strike="noStrike" kern="1200" cap="none" spc="0" normalizeH="0" baseline="0">
-                <a:solidFill>
-                  <a:schemeClr val="dk1"/>
-                </a:solidFill>
-                <a:latin typeface="1훈정글북 Regular"/>
-                <a:ea typeface="1훈정글북 Regular"/>
-              </a:rPr>
-              <a:t>시술 설명</a:t>
-            </a:r>
-            <a:endParaRPr kumimoji="0" lang="ko-KR" altLang="en-US" sz="1900" b="0" i="0" u="none" strike="noStrike" kern="1200" cap="none" spc="0" normalizeH="0" baseline="0">
+            <a:endParaRPr kumimoji="0" lang="en-US" altLang="ko-KR" sz="2400" b="0" i="0" u="none" strike="noStrike" kern="1200" cap="none" spc="0" normalizeH="0" baseline="0">
               <a:solidFill>
                 <a:schemeClr val="dk1"/>
               </a:solidFill>
@@ -30820,6 +29285,2896 @@
 </file>
 
 <file path=ppt/slides/slide33.xml><?xml version="1.0" encoding="utf-8"?>
+<p:sld xmlns:r="http://schemas.openxmlformats.org/officeDocument/2006/relationships" xmlns:c="http://schemas.openxmlformats.org/drawingml/2006/chart" xmlns:a="http://schemas.openxmlformats.org/drawingml/2006/main" xmlns:dgm="http://schemas.openxmlformats.org/drawingml/2006/diagram" xmlns:dsp="http://schemas.microsoft.com/office/drawing/2008/diagram" xmlns:p="http://schemas.openxmlformats.org/presentationml/2006/main">
+  <p:cSld>
+    <p:bg>
+      <p:bgPr shadeToTitle="0">
+        <a:gradFill>
+          <a:gsLst>
+            <a:gs pos="50000">
+              <a:srgbClr val="b3acb3"/>
+            </a:gs>
+            <a:gs pos="50000">
+              <a:srgbClr val="f8e9e8"/>
+            </a:gs>
+          </a:gsLst>
+          <a:lin ang="6600000" scaled="0"/>
+        </a:gradFill>
+      </p:bgPr>
+    </p:bg>
+    <p:spTree>
+      <p:nvGrpSpPr>
+        <p:cNvPr id="1" name=""/>
+        <p:cNvGrpSpPr/>
+        <p:nvPr/>
+      </p:nvGrpSpPr>
+      <p:grpSpPr>
+        <a:xfrm>
+          <a:off x="0" y="0"/>
+          <a:ext cx="0" cy="0"/>
+          <a:chOff x="0" y="0"/>
+          <a:chExt cx="0" cy="0"/>
+        </a:xfrm>
+      </p:grpSpPr>
+      <p:sp>
+        <p:nvSpPr>
+          <p:cNvPr id="3" name="직사각형 2"/>
+          <p:cNvSpPr/>
+          <p:nvPr/>
+        </p:nvSpPr>
+        <p:spPr>
+          <a:xfrm>
+            <a:off x="428625" y="419993"/>
+            <a:ext cx="11372850" cy="6018014"/>
+          </a:xfrm>
+          <a:prstGeom prst="rect">
+            <a:avLst/>
+          </a:prstGeom>
+          <a:solidFill>
+            <a:schemeClr val="bg1"/>
+          </a:solidFill>
+          <a:ln w="187325">
+            <a:gradFill>
+              <a:gsLst>
+                <a:gs pos="50000">
+                  <a:srgbClr val="efccca"/>
+                </a:gs>
+                <a:gs pos="50000">
+                  <a:schemeClr val="bg1">
+                    <a:lumMod val="85000"/>
+                  </a:schemeClr>
+                </a:gs>
+              </a:gsLst>
+              <a:lin ang="6600000" scaled="0"/>
+            </a:gradFill>
+          </a:ln>
+          <a:effectLst>
+            <a:outerShdw blurRad="431800" dist="241300" dir="5400000" sx="97000" sy="97000" algn="t" rotWithShape="0">
+              <a:prstClr val="black">
+                <a:alpha val="31000"/>
+              </a:prstClr>
+            </a:outerShdw>
+          </a:effectLst>
+        </p:spPr>
+        <p:style>
+          <a:lnRef idx="2">
+            <a:schemeClr val="accent1">
+              <a:shade val="50000"/>
+            </a:schemeClr>
+          </a:lnRef>
+          <a:fillRef idx="1">
+            <a:schemeClr val="accent1"/>
+          </a:fillRef>
+          <a:effectRef idx="0">
+            <a:schemeClr val="accent1"/>
+          </a:effectRef>
+          <a:fontRef idx="minor">
+            <a:schemeClr val="lt1"/>
+          </a:fontRef>
+        </p:style>
+        <p:txBody>
+          <a:bodyPr anchor="t"/>
+          <a:lstStyle/>
+          <a:p>
+            <a:pPr algn="ctr" latinLnBrk="0">
+              <a:lnSpc>
+                <a:spcPct val="150000"/>
+              </a:lnSpc>
+              <a:defRPr/>
+            </a:pPr>
+            <a:endParaRPr lang="ko-KR" altLang="en-US" sz="2800" b="1" i="1" kern="0">
+              <a:solidFill>
+                <a:prstClr val="black">
+                  <a:lumMod val="50000"/>
+                  <a:lumOff val="50000"/>
+                </a:prstClr>
+              </a:solidFill>
+            </a:endParaRPr>
+          </a:p>
+        </p:txBody>
+      </p:sp>
+      <p:sp>
+        <p:nvSpPr>
+          <p:cNvPr id="56" name="직사각형 55"/>
+          <p:cNvSpPr/>
+          <p:nvPr/>
+        </p:nvSpPr>
+        <p:spPr>
+          <a:xfrm>
+            <a:off x="653251" y="677277"/>
+            <a:ext cx="10885496" cy="720993"/>
+          </a:xfrm>
+          <a:prstGeom prst="rect">
+            <a:avLst/>
+          </a:prstGeom>
+        </p:spPr>
+        <p:txBody>
+          <a:bodyPr wrap="square">
+            <a:spAutoFit/>
+          </a:bodyPr>
+          <a:lstStyle/>
+          <a:p>
+            <a:pPr lvl="0">
+              <a:defRPr/>
+            </a:pPr>
+            <a:r>
+              <a:rPr lang="en-US" altLang="ko-KR" sz="4200" b="1" i="1">
+                <a:solidFill>
+                  <a:srgbClr val="ff9999"/>
+                </a:solidFill>
+              </a:rPr>
+              <a:t>DB</a:t>
+            </a:r>
+            <a:r>
+              <a:rPr lang="ko-KR" altLang="en-US" sz="4200" b="1" i="1">
+                <a:solidFill>
+                  <a:srgbClr val="ff9999"/>
+                </a:solidFill>
+              </a:rPr>
+              <a:t>구성 및 설명</a:t>
+            </a:r>
+            <a:endParaRPr lang="ko-KR" altLang="en-US" sz="4200" b="1" i="1">
+              <a:solidFill>
+                <a:srgbClr val="ff9999"/>
+              </a:solidFill>
+            </a:endParaRPr>
+          </a:p>
+        </p:txBody>
+      </p:sp>
+      <p:sp>
+        <p:nvSpPr>
+          <p:cNvPr id="75" name="부제목 2"/>
+          <p:cNvSpPr>
+            <a:spLocks noGrp="1"/>
+          </p:cNvSpPr>
+          <p:nvPr/>
+        </p:nvSpPr>
+        <p:spPr>
+          <a:xfrm>
+            <a:off x="1227473" y="1649380"/>
+            <a:ext cx="10478019" cy="4400384"/>
+          </a:xfrm>
+          <a:prstGeom prst="rect">
+            <a:avLst/>
+          </a:prstGeom>
+        </p:spPr>
+        <p:txBody>
+          <a:bodyPr vert="horz" lIns="91440" tIns="45720" rIns="91440" bIns="45720">
+            <a:noAutofit/>
+          </a:bodyPr>
+          <a:lstStyle/>
+          <a:p>
+            <a:pPr marL="0" indent="0" defTabSz="914400" rtl="0" eaLnBrk="1" latinLnBrk="1" hangingPunct="1">
+              <a:lnSpc>
+                <a:spcPct val="90000"/>
+              </a:lnSpc>
+              <a:spcBef>
+                <a:spcPts val="1000"/>
+              </a:spcBef>
+              <a:spcAft>
+                <a:spcPts val="0"/>
+              </a:spcAft>
+              <a:buFont typeface="Arial"/>
+              <a:buNone/>
+              <a:defRPr/>
+            </a:pPr>
+            <a:r>
+              <a:rPr kumimoji="0" lang="en-US" altLang="ko-KR" sz="2700" b="0" i="0" u="none" strike="noStrike" kern="1200" cap="none" spc="0" normalizeH="0" baseline="0">
+                <a:solidFill>
+                  <a:srgbClr val="ff0000"/>
+                </a:solidFill>
+                <a:latin typeface="1훈정글북 Regular"/>
+                <a:ea typeface="1훈정글북 Regular"/>
+              </a:rPr>
+              <a:t>&lt;surgery </a:t>
+            </a:r>
+            <a:r>
+              <a:rPr kumimoji="0" lang="ko-KR" altLang="en-US" sz="2700" b="0" i="0" u="none" strike="noStrike" kern="1200" cap="none" spc="0" normalizeH="0" baseline="0">
+                <a:solidFill>
+                  <a:srgbClr val="ff0000"/>
+                </a:solidFill>
+                <a:latin typeface="1훈정글북 Regular"/>
+                <a:ea typeface="1훈정글북 Regular"/>
+              </a:rPr>
+              <a:t>테이블</a:t>
+            </a:r>
+            <a:r>
+              <a:rPr kumimoji="0" lang="en-US" altLang="ko-KR" sz="2700" b="0" i="0" u="none" strike="noStrike" kern="1200" cap="none" spc="0" normalizeH="0" baseline="0">
+                <a:solidFill>
+                  <a:srgbClr val="ff0000"/>
+                </a:solidFill>
+                <a:latin typeface="1훈정글북 Regular"/>
+                <a:ea typeface="1훈정글북 Regular"/>
+              </a:rPr>
+              <a:t>&gt;</a:t>
+            </a:r>
+            <a:r>
+              <a:rPr kumimoji="0" lang="ko-KR" altLang="en-US" sz="2700" b="0" i="0" u="none" strike="noStrike" kern="1200" cap="none" spc="0" normalizeH="0" baseline="0">
+                <a:solidFill>
+                  <a:srgbClr val="ff0000"/>
+                </a:solidFill>
+                <a:latin typeface="1훈정글북 Regular"/>
+                <a:ea typeface="1훈정글북 Regular"/>
+              </a:rPr>
+              <a:t> </a:t>
+            </a:r>
+            <a:r>
+              <a:rPr kumimoji="0" lang="en-US" altLang="ko-KR" sz="2700" b="0" i="0" u="none" strike="noStrike" kern="1200" cap="none" spc="0" normalizeH="0" baseline="0">
+                <a:solidFill>
+                  <a:srgbClr val="ff0000"/>
+                </a:solidFill>
+                <a:latin typeface="1훈정글북 Regular"/>
+                <a:ea typeface="1훈정글북 Regular"/>
+              </a:rPr>
+              <a:t>:</a:t>
+            </a:r>
+            <a:r>
+              <a:rPr kumimoji="0" lang="ko-KR" altLang="en-US" sz="2700" b="0" i="0" u="none" strike="noStrike" kern="1200" cap="none" spc="0" normalizeH="0" baseline="0">
+                <a:solidFill>
+                  <a:srgbClr val="ff0000"/>
+                </a:solidFill>
+                <a:latin typeface="1훈정글북 Regular"/>
+                <a:ea typeface="1훈정글북 Regular"/>
+              </a:rPr>
+              <a:t> 모든 시술 정보 관리</a:t>
+            </a:r>
+            <a:endParaRPr kumimoji="0" lang="ko-KR" altLang="en-US" sz="2700" b="0" i="0" u="none" strike="noStrike" kern="1200" cap="none" spc="0" normalizeH="0" baseline="0">
+              <a:solidFill>
+                <a:srgbClr val="ff0000"/>
+              </a:solidFill>
+              <a:latin typeface="1훈정글북 Regular"/>
+              <a:ea typeface="1훈정글북 Regular"/>
+            </a:endParaRPr>
+          </a:p>
+          <a:p>
+            <a:pPr marL="0" indent="0" defTabSz="914400" rtl="0" eaLnBrk="1" latinLnBrk="1" hangingPunct="1">
+              <a:lnSpc>
+                <a:spcPct val="90000"/>
+              </a:lnSpc>
+              <a:spcBef>
+                <a:spcPts val="1000"/>
+              </a:spcBef>
+              <a:spcAft>
+                <a:spcPts val="0"/>
+              </a:spcAft>
+              <a:buFont typeface="Arial"/>
+              <a:buNone/>
+              <a:defRPr/>
+            </a:pPr>
+            <a:endParaRPr kumimoji="0" lang="ko-KR" altLang="en-US" sz="2700" b="0" i="0" u="none" strike="noStrike" kern="1200" cap="none" spc="0" normalizeH="0" baseline="0">
+              <a:solidFill>
+                <a:srgbClr val="ff0000"/>
+              </a:solidFill>
+              <a:latin typeface="1훈정글북 Regular"/>
+              <a:ea typeface="1훈정글북 Regular"/>
+            </a:endParaRPr>
+          </a:p>
+          <a:p>
+            <a:pPr marL="0" indent="0" defTabSz="914400" rtl="0" eaLnBrk="1" latinLnBrk="1" hangingPunct="1">
+              <a:lnSpc>
+                <a:spcPct val="30000"/>
+              </a:lnSpc>
+              <a:spcBef>
+                <a:spcPts val="1000"/>
+              </a:spcBef>
+              <a:spcAft>
+                <a:spcPts val="0"/>
+              </a:spcAft>
+              <a:buFont typeface="Arial"/>
+              <a:buNone/>
+              <a:defRPr/>
+            </a:pPr>
+            <a:endParaRPr kumimoji="0" lang="en-US" altLang="ko-KR" sz="1700" b="0" i="0" u="none" strike="noStrike" kern="1200" cap="none" spc="0" normalizeH="0" baseline="0">
+              <a:solidFill>
+                <a:schemeClr val="dk1"/>
+              </a:solidFill>
+              <a:latin typeface="1훈정글북 Regular"/>
+              <a:ea typeface="1훈정글북 Regular"/>
+            </a:endParaRPr>
+          </a:p>
+          <a:p>
+            <a:pPr marL="0" indent="0" defTabSz="914400" rtl="0" eaLnBrk="1" latinLnBrk="1" hangingPunct="1">
+              <a:lnSpc>
+                <a:spcPct val="30000"/>
+              </a:lnSpc>
+              <a:spcBef>
+                <a:spcPts val="1000"/>
+              </a:spcBef>
+              <a:spcAft>
+                <a:spcPts val="0"/>
+              </a:spcAft>
+              <a:buFont typeface="Arial"/>
+              <a:buNone/>
+              <a:defRPr/>
+            </a:pPr>
+            <a:r>
+              <a:rPr kumimoji="0" lang="en-US" altLang="ko-KR" sz="1900" b="0" i="0" u="none" strike="noStrike" kern="1200" cap="none" spc="0" normalizeH="0" baseline="0">
+                <a:solidFill>
+                  <a:schemeClr val="dk1"/>
+                </a:solidFill>
+                <a:latin typeface="1훈정글북 Regular"/>
+                <a:ea typeface="1훈정글북 Regular"/>
+              </a:rPr>
+              <a:t>Create table surgery (</a:t>
+            </a:r>
+            <a:endParaRPr kumimoji="0" lang="en-US" altLang="ko-KR" sz="1900" b="0" i="0" u="none" strike="noStrike" kern="1200" cap="none" spc="0" normalizeH="0" baseline="0">
+              <a:solidFill>
+                <a:schemeClr val="dk1"/>
+              </a:solidFill>
+              <a:latin typeface="1훈정글북 Regular"/>
+              <a:ea typeface="1훈정글북 Regular"/>
+            </a:endParaRPr>
+          </a:p>
+          <a:p>
+            <a:pPr marL="0" indent="0" defTabSz="914400" rtl="0" eaLnBrk="1" latinLnBrk="1" hangingPunct="1">
+              <a:lnSpc>
+                <a:spcPct val="90000"/>
+              </a:lnSpc>
+              <a:spcBef>
+                <a:spcPts val="1000"/>
+              </a:spcBef>
+              <a:spcAft>
+                <a:spcPts val="0"/>
+              </a:spcAft>
+              <a:buFont typeface="Arial"/>
+              <a:buNone/>
+              <a:defRPr/>
+            </a:pPr>
+            <a:r>
+              <a:rPr kumimoji="0" lang="en-US" altLang="ko-KR" sz="1900" b="0" i="0" u="none" strike="noStrike" kern="1200" cap="none" spc="0" normalizeH="0" baseline="0">
+                <a:solidFill>
+                  <a:srgbClr val="ff0000"/>
+                </a:solidFill>
+                <a:latin typeface="1훈정글북 Regular"/>
+                <a:ea typeface="1훈정글북 Regular"/>
+              </a:rPr>
+              <a:t>	</a:t>
+            </a:r>
+            <a:r>
+              <a:rPr kumimoji="0" lang="en-US" altLang="ko-KR" sz="1900" b="0" i="0" u="none" strike="noStrike" kern="1200" cap="none" spc="0" normalizeH="0" baseline="0">
+                <a:solidFill>
+                  <a:schemeClr val="dk1"/>
+                </a:solidFill>
+                <a:latin typeface="1훈정글북 Regular"/>
+                <a:ea typeface="1훈정글북 Regular"/>
+              </a:rPr>
+              <a:t>ctgType		char(15),					//</a:t>
+            </a:r>
+            <a:r>
+              <a:rPr kumimoji="0" lang="ko-KR" altLang="en-US" sz="1900" b="0" i="0" u="none" strike="noStrike" kern="1200" cap="none" spc="0" normalizeH="0" baseline="0">
+                <a:solidFill>
+                  <a:schemeClr val="dk1"/>
+                </a:solidFill>
+                <a:latin typeface="1훈정글북 Regular"/>
+                <a:ea typeface="1훈정글북 Regular"/>
+              </a:rPr>
+              <a:t> 카테고리 타입</a:t>
+            </a:r>
+            <a:endParaRPr kumimoji="0" lang="ko-KR" altLang="en-US" sz="1900" b="0" i="0" u="none" strike="noStrike" kern="1200" cap="none" spc="0" normalizeH="0" baseline="0">
+              <a:solidFill>
+                <a:schemeClr val="dk1"/>
+              </a:solidFill>
+              <a:latin typeface="1훈정글북 Regular"/>
+              <a:ea typeface="1훈정글북 Regular"/>
+            </a:endParaRPr>
+          </a:p>
+          <a:p>
+            <a:pPr marL="0" indent="0" defTabSz="914400" rtl="0" eaLnBrk="1" latinLnBrk="1" hangingPunct="1">
+              <a:lnSpc>
+                <a:spcPct val="90000"/>
+              </a:lnSpc>
+              <a:spcBef>
+                <a:spcPts val="1000"/>
+              </a:spcBef>
+              <a:spcAft>
+                <a:spcPts val="0"/>
+              </a:spcAft>
+              <a:buFont typeface="Arial"/>
+              <a:buNone/>
+              <a:defRPr/>
+            </a:pPr>
+            <a:r>
+              <a:rPr kumimoji="0" lang="en-US" altLang="ko-KR" sz="1900" b="0" i="0" u="none" strike="noStrike" kern="1200" cap="none" spc="0" normalizeH="0" baseline="0">
+                <a:solidFill>
+                  <a:schemeClr val="dk1"/>
+                </a:solidFill>
+                <a:latin typeface="1훈정글북 Regular"/>
+                <a:ea typeface="1훈정글북 Regular"/>
+              </a:rPr>
+              <a:t>	prdNo		char(10)		not null		primary key,	//</a:t>
+            </a:r>
+            <a:r>
+              <a:rPr kumimoji="0" lang="ko-KR" altLang="en-US" sz="1900" b="0" i="0" u="none" strike="noStrike" kern="1200" cap="none" spc="0" normalizeH="0" baseline="0">
+                <a:solidFill>
+                  <a:schemeClr val="dk1"/>
+                </a:solidFill>
+                <a:latin typeface="1훈정글북 Regular"/>
+                <a:ea typeface="1훈정글북 Regular"/>
+              </a:rPr>
+              <a:t> 시술 번호</a:t>
+            </a:r>
+            <a:endParaRPr kumimoji="0" lang="ko-KR" altLang="en-US" sz="1900" b="0" i="0" u="none" strike="noStrike" kern="1200" cap="none" spc="0" normalizeH="0" baseline="0">
+              <a:solidFill>
+                <a:schemeClr val="dk1"/>
+              </a:solidFill>
+              <a:latin typeface="1훈정글북 Regular"/>
+              <a:ea typeface="1훈정글북 Regular"/>
+            </a:endParaRPr>
+          </a:p>
+          <a:p>
+            <a:pPr marL="0" indent="0" defTabSz="914400" rtl="0" eaLnBrk="1" latinLnBrk="1" hangingPunct="1">
+              <a:lnSpc>
+                <a:spcPct val="90000"/>
+              </a:lnSpc>
+              <a:spcBef>
+                <a:spcPts val="1000"/>
+              </a:spcBef>
+              <a:spcAft>
+                <a:spcPts val="0"/>
+              </a:spcAft>
+              <a:buFont typeface="Arial"/>
+              <a:buNone/>
+              <a:defRPr/>
+            </a:pPr>
+            <a:r>
+              <a:rPr kumimoji="0" lang="en-US" altLang="ko-KR" sz="1900" b="0" i="0" u="none" strike="noStrike" kern="1200" cap="none" spc="0" normalizeH="0" baseline="0">
+                <a:solidFill>
+                  <a:schemeClr val="dk1"/>
+                </a:solidFill>
+                <a:latin typeface="1훈정글북 Regular"/>
+                <a:ea typeface="1훈정글북 Regular"/>
+              </a:rPr>
+              <a:t>	prdName	char(20)		not null,				//</a:t>
+            </a:r>
+            <a:r>
+              <a:rPr kumimoji="0" lang="ko-KR" altLang="en-US" sz="1900" b="0" i="0" u="none" strike="noStrike" kern="1200" cap="none" spc="0" normalizeH="0" baseline="0">
+                <a:solidFill>
+                  <a:schemeClr val="dk1"/>
+                </a:solidFill>
+                <a:latin typeface="1훈정글북 Regular"/>
+                <a:ea typeface="1훈정글북 Regular"/>
+              </a:rPr>
+              <a:t> 시술 이름</a:t>
+            </a:r>
+            <a:endParaRPr kumimoji="0" lang="en-US" altLang="ko-KR" sz="1900" b="0" i="0" u="none" strike="noStrike" kern="1200" cap="none" spc="0" normalizeH="0" baseline="0">
+              <a:solidFill>
+                <a:schemeClr val="dk1"/>
+              </a:solidFill>
+              <a:latin typeface="1훈정글북 Regular"/>
+              <a:ea typeface="1훈정글북 Regular"/>
+            </a:endParaRPr>
+          </a:p>
+          <a:p>
+            <a:pPr marL="0" indent="0" defTabSz="914400" rtl="0" eaLnBrk="1" latinLnBrk="1" hangingPunct="1">
+              <a:lnSpc>
+                <a:spcPct val="90000"/>
+              </a:lnSpc>
+              <a:spcBef>
+                <a:spcPts val="1000"/>
+              </a:spcBef>
+              <a:spcAft>
+                <a:spcPts val="0"/>
+              </a:spcAft>
+              <a:buFont typeface="Arial"/>
+              <a:buNone/>
+              <a:defRPr/>
+            </a:pPr>
+            <a:r>
+              <a:rPr kumimoji="0" lang="en-US" altLang="ko-KR" sz="1900" b="0" i="0" u="none" strike="noStrike" kern="1200" cap="none" spc="0" normalizeH="0" baseline="0">
+                <a:solidFill>
+                  <a:schemeClr val="dk1"/>
+                </a:solidFill>
+                <a:latin typeface="1훈정글북 Regular"/>
+                <a:ea typeface="1훈정글북 Regular"/>
+              </a:rPr>
+              <a:t>	prdPrice		int		not null,				//</a:t>
+            </a:r>
+            <a:r>
+              <a:rPr kumimoji="0" lang="ko-KR" altLang="en-US" sz="1900" b="0" i="0" u="none" strike="noStrike" kern="1200" cap="none" spc="0" normalizeH="0" baseline="0">
+                <a:solidFill>
+                  <a:schemeClr val="dk1"/>
+                </a:solidFill>
+                <a:latin typeface="1훈정글북 Regular"/>
+                <a:ea typeface="1훈정글북 Regular"/>
+              </a:rPr>
+              <a:t> 시술 가격</a:t>
+            </a:r>
+            <a:endParaRPr kumimoji="0" lang="ko-KR" altLang="en-US" sz="1900" b="0" i="0" u="none" strike="noStrike" kern="1200" cap="none" spc="0" normalizeH="0" baseline="0">
+              <a:solidFill>
+                <a:schemeClr val="dk1"/>
+              </a:solidFill>
+              <a:latin typeface="1훈정글북 Regular"/>
+              <a:ea typeface="1훈정글북 Regular"/>
+            </a:endParaRPr>
+          </a:p>
+          <a:p>
+            <a:pPr marL="0" indent="0" defTabSz="914400" rtl="0" eaLnBrk="1" latinLnBrk="1" hangingPunct="1">
+              <a:lnSpc>
+                <a:spcPct val="90000"/>
+              </a:lnSpc>
+              <a:spcBef>
+                <a:spcPts val="1000"/>
+              </a:spcBef>
+              <a:spcAft>
+                <a:spcPts val="0"/>
+              </a:spcAft>
+              <a:buFont typeface="Arial"/>
+              <a:buNone/>
+              <a:defRPr/>
+            </a:pPr>
+            <a:r>
+              <a:rPr kumimoji="0" lang="ko-KR" altLang="en-US" sz="1900" b="0" i="0" u="none" strike="noStrike" kern="1200" cap="none" spc="0" normalizeH="0" baseline="0">
+                <a:solidFill>
+                  <a:schemeClr val="dk1"/>
+                </a:solidFill>
+                <a:latin typeface="1훈정글북 Regular"/>
+                <a:ea typeface="1훈정글북 Regular"/>
+              </a:rPr>
+              <a:t>	</a:t>
+            </a:r>
+            <a:r>
+              <a:rPr kumimoji="0" lang="en-US" altLang="ko-KR" sz="1900" b="0" i="0" u="none" strike="noStrike" kern="1200" cap="none" spc="0" normalizeH="0" baseline="0">
+                <a:solidFill>
+                  <a:schemeClr val="dk1"/>
+                </a:solidFill>
+                <a:latin typeface="1훈정글북 Regular"/>
+                <a:ea typeface="1훈정글북 Regular"/>
+              </a:rPr>
+              <a:t>prdMemo	char(100)					// </a:t>
+            </a:r>
+            <a:r>
+              <a:rPr kumimoji="0" lang="ko-KR" altLang="en-US" sz="1900" b="0" i="0" u="none" strike="noStrike" kern="1200" cap="none" spc="0" normalizeH="0" baseline="0">
+                <a:solidFill>
+                  <a:schemeClr val="dk1"/>
+                </a:solidFill>
+                <a:latin typeface="1훈정글북 Regular"/>
+                <a:ea typeface="1훈정글북 Regular"/>
+              </a:rPr>
+              <a:t>시술 설명</a:t>
+            </a:r>
+            <a:endParaRPr kumimoji="0" lang="ko-KR" altLang="en-US" sz="1900" b="0" i="0" u="none" strike="noStrike" kern="1200" cap="none" spc="0" normalizeH="0" baseline="0">
+              <a:solidFill>
+                <a:schemeClr val="dk1"/>
+              </a:solidFill>
+              <a:latin typeface="1훈정글북 Regular"/>
+              <a:ea typeface="1훈정글북 Regular"/>
+            </a:endParaRPr>
+          </a:p>
+          <a:p>
+            <a:pPr marL="0" indent="0" defTabSz="914400" rtl="0" eaLnBrk="1" latinLnBrk="1" hangingPunct="1">
+              <a:lnSpc>
+                <a:spcPct val="90000"/>
+              </a:lnSpc>
+              <a:spcBef>
+                <a:spcPts val="1000"/>
+              </a:spcBef>
+              <a:spcAft>
+                <a:spcPts val="0"/>
+              </a:spcAft>
+              <a:buFont typeface="Arial"/>
+              <a:buNone/>
+              <a:defRPr/>
+            </a:pPr>
+            <a:r>
+              <a:rPr kumimoji="0" lang="en-US" altLang="ko-KR" sz="1900" b="0" i="0" u="none" strike="noStrike" kern="1200" cap="none" spc="0" normalizeH="0" baseline="0">
+                <a:solidFill>
+                  <a:schemeClr val="dk1"/>
+                </a:solidFill>
+                <a:latin typeface="1훈정글북 Regular"/>
+                <a:ea typeface="1훈정글북 Regular"/>
+              </a:rPr>
+              <a:t>);</a:t>
+            </a:r>
+            <a:endParaRPr kumimoji="0" lang="en-US" altLang="ko-KR" sz="1900" b="0" i="0" u="none" strike="noStrike" kern="1200" cap="none" spc="0" normalizeH="0" baseline="0">
+              <a:solidFill>
+                <a:schemeClr val="dk1"/>
+              </a:solidFill>
+              <a:latin typeface="1훈정글북 Regular"/>
+              <a:ea typeface="1훈정글북 Regular"/>
+            </a:endParaRPr>
+          </a:p>
+          <a:p>
+            <a:pPr marL="0" indent="0" defTabSz="914400" rtl="0" eaLnBrk="1" latinLnBrk="1" hangingPunct="1">
+              <a:lnSpc>
+                <a:spcPct val="90000"/>
+              </a:lnSpc>
+              <a:spcBef>
+                <a:spcPts val="1000"/>
+              </a:spcBef>
+              <a:spcAft>
+                <a:spcPts val="0"/>
+              </a:spcAft>
+              <a:buFont typeface="Arial"/>
+              <a:buNone/>
+              <a:defRPr/>
+            </a:pPr>
+            <a:endParaRPr kumimoji="0" lang="ko-KR" altLang="en-US" sz="1200" b="0" i="0" u="none" strike="noStrike" kern="1200" cap="none" spc="0" normalizeH="0" baseline="0">
+              <a:solidFill>
+                <a:schemeClr val="tx1"/>
+              </a:solidFill>
+              <a:latin typeface="1훈정글북 Regular"/>
+              <a:ea typeface="1훈정글북 Regular"/>
+            </a:endParaRPr>
+          </a:p>
+          <a:p>
+            <a:pPr marL="0" indent="0" defTabSz="914400" rtl="0" eaLnBrk="1" latinLnBrk="1" hangingPunct="1">
+              <a:lnSpc>
+                <a:spcPct val="90000"/>
+              </a:lnSpc>
+              <a:spcBef>
+                <a:spcPts val="1000"/>
+              </a:spcBef>
+              <a:spcAft>
+                <a:spcPts val="0"/>
+              </a:spcAft>
+              <a:buFont typeface="Arial"/>
+              <a:buNone/>
+              <a:defRPr/>
+            </a:pPr>
+            <a:endParaRPr kumimoji="0" lang="ko-KR" altLang="en-US" sz="1200" b="0" i="0" u="none" strike="noStrike" kern="1200" cap="none" spc="0" normalizeH="0" baseline="0">
+              <a:solidFill>
+                <a:schemeClr val="tx1"/>
+              </a:solidFill>
+              <a:latin typeface="1훈정글북 Regular"/>
+              <a:ea typeface="1훈정글북 Regular"/>
+            </a:endParaRPr>
+          </a:p>
+        </p:txBody>
+      </p:sp>
+    </p:spTree>
+  </p:cSld>
+  <p:clrMapOvr>
+    <a:masterClrMapping/>
+  </p:clrMapOvr>
+  <mc:AlternateContent xmlns:mc="http://schemas.openxmlformats.org/markup-compatibility/2006">
+    <mc:Choice xmlns:p14="http://schemas.microsoft.com/office/powerpoint/2010/main" Requires="p14">
+      <p:transition xmlns:mc="http://schemas.openxmlformats.org/markup-compatibility/2006" xmlns:p14="http://schemas.microsoft.com/office/powerpoint/2010/main" mc:Ignorable="p14" p14:dur="500"/>
+    </mc:Choice>
+    <mc:Fallback>
+      <p:transition/>
+    </mc:Fallback>
+  </mc:AlternateContent>
+</p:sld>
+</file>
+
+<file path=ppt/slides/slide34.xml><?xml version="1.0" encoding="utf-8"?>
+<p:sld xmlns:r="http://schemas.openxmlformats.org/officeDocument/2006/relationships" xmlns:c="http://schemas.openxmlformats.org/drawingml/2006/chart" xmlns:a="http://schemas.openxmlformats.org/drawingml/2006/main" xmlns:dgm="http://schemas.openxmlformats.org/drawingml/2006/diagram" xmlns:dsp="http://schemas.microsoft.com/office/drawing/2008/diagram" xmlns:p="http://schemas.openxmlformats.org/presentationml/2006/main">
+  <p:cSld>
+    <p:bg>
+      <p:bgPr shadeToTitle="0">
+        <a:gradFill>
+          <a:gsLst>
+            <a:gs pos="50000">
+              <a:srgbClr val="b3acb3"/>
+            </a:gs>
+            <a:gs pos="50000">
+              <a:srgbClr val="f8e9e8"/>
+            </a:gs>
+          </a:gsLst>
+          <a:lin ang="6600000" scaled="0"/>
+        </a:gradFill>
+      </p:bgPr>
+    </p:bg>
+    <p:spTree>
+      <p:nvGrpSpPr>
+        <p:cNvPr id="1" name=""/>
+        <p:cNvGrpSpPr/>
+        <p:nvPr/>
+      </p:nvGrpSpPr>
+      <p:grpSpPr>
+        <a:xfrm>
+          <a:off x="0" y="0"/>
+          <a:ext cx="0" cy="0"/>
+          <a:chOff x="0" y="0"/>
+          <a:chExt cx="0" cy="0"/>
+        </a:xfrm>
+      </p:grpSpPr>
+      <p:sp>
+        <p:nvSpPr>
+          <p:cNvPr id="3" name="직사각형 2"/>
+          <p:cNvSpPr/>
+          <p:nvPr/>
+        </p:nvSpPr>
+        <p:spPr>
+          <a:xfrm>
+            <a:off x="428625" y="419993"/>
+            <a:ext cx="11372850" cy="6018014"/>
+          </a:xfrm>
+          <a:prstGeom prst="rect">
+            <a:avLst/>
+          </a:prstGeom>
+          <a:solidFill>
+            <a:schemeClr val="bg1"/>
+          </a:solidFill>
+          <a:ln w="187325">
+            <a:gradFill>
+              <a:gsLst>
+                <a:gs pos="50000">
+                  <a:srgbClr val="efccca"/>
+                </a:gs>
+                <a:gs pos="50000">
+                  <a:schemeClr val="bg1">
+                    <a:lumMod val="85000"/>
+                  </a:schemeClr>
+                </a:gs>
+              </a:gsLst>
+              <a:lin ang="6600000" scaled="0"/>
+            </a:gradFill>
+          </a:ln>
+          <a:effectLst>
+            <a:outerShdw blurRad="431800" dist="241300" dir="5400000" sx="97000" sy="97000" algn="t" rotWithShape="0">
+              <a:prstClr val="black">
+                <a:alpha val="31000"/>
+              </a:prstClr>
+            </a:outerShdw>
+          </a:effectLst>
+        </p:spPr>
+        <p:style>
+          <a:lnRef idx="2">
+            <a:schemeClr val="accent1">
+              <a:shade val="50000"/>
+            </a:schemeClr>
+          </a:lnRef>
+          <a:fillRef idx="1">
+            <a:schemeClr val="accent1"/>
+          </a:fillRef>
+          <a:effectRef idx="0">
+            <a:schemeClr val="accent1"/>
+          </a:effectRef>
+          <a:fontRef idx="minor">
+            <a:schemeClr val="lt1"/>
+          </a:fontRef>
+        </p:style>
+        <p:txBody>
+          <a:bodyPr anchor="t"/>
+          <a:lstStyle/>
+          <a:p>
+            <a:pPr algn="ctr" latinLnBrk="0">
+              <a:lnSpc>
+                <a:spcPct val="150000"/>
+              </a:lnSpc>
+              <a:defRPr/>
+            </a:pPr>
+            <a:endParaRPr lang="ko-KR" altLang="en-US" sz="2800" b="1" i="1" kern="0">
+              <a:solidFill>
+                <a:prstClr val="black">
+                  <a:lumMod val="50000"/>
+                  <a:lumOff val="50000"/>
+                </a:prstClr>
+              </a:solidFill>
+            </a:endParaRPr>
+          </a:p>
+        </p:txBody>
+      </p:sp>
+      <p:sp>
+        <p:nvSpPr>
+          <p:cNvPr id="56" name="직사각형 55"/>
+          <p:cNvSpPr/>
+          <p:nvPr/>
+        </p:nvSpPr>
+        <p:spPr>
+          <a:xfrm>
+            <a:off x="653251" y="677277"/>
+            <a:ext cx="10885496" cy="720993"/>
+          </a:xfrm>
+          <a:prstGeom prst="rect">
+            <a:avLst/>
+          </a:prstGeom>
+        </p:spPr>
+        <p:txBody>
+          <a:bodyPr wrap="square">
+            <a:spAutoFit/>
+          </a:bodyPr>
+          <a:lstStyle/>
+          <a:p>
+            <a:pPr lvl="0">
+              <a:defRPr/>
+            </a:pPr>
+            <a:r>
+              <a:rPr lang="en-US" altLang="ko-KR" sz="4200" b="1" i="1">
+                <a:solidFill>
+                  <a:srgbClr val="ff9999"/>
+                </a:solidFill>
+              </a:rPr>
+              <a:t>DB</a:t>
+            </a:r>
+            <a:r>
+              <a:rPr lang="ko-KR" altLang="en-US" sz="4200" b="1" i="1">
+                <a:solidFill>
+                  <a:srgbClr val="ff9999"/>
+                </a:solidFill>
+              </a:rPr>
+              <a:t>구성 및 설명</a:t>
+            </a:r>
+            <a:endParaRPr lang="ko-KR" altLang="en-US" sz="4200" b="1" i="1">
+              <a:solidFill>
+                <a:srgbClr val="ff9999"/>
+              </a:solidFill>
+            </a:endParaRPr>
+          </a:p>
+        </p:txBody>
+      </p:sp>
+      <p:sp>
+        <p:nvSpPr>
+          <p:cNvPr id="75" name="부제목 2"/>
+          <p:cNvSpPr>
+            <a:spLocks noGrp="1"/>
+          </p:cNvSpPr>
+          <p:nvPr/>
+        </p:nvSpPr>
+        <p:spPr>
+          <a:xfrm>
+            <a:off x="613736" y="1634726"/>
+            <a:ext cx="10964527" cy="5396846"/>
+          </a:xfrm>
+          <a:prstGeom prst="rect">
+            <a:avLst/>
+          </a:prstGeom>
+        </p:spPr>
+        <p:txBody>
+          <a:bodyPr vert="horz" lIns="91440" tIns="45720" rIns="91440" bIns="45720">
+            <a:noAutofit/>
+          </a:bodyPr>
+          <a:lstStyle/>
+          <a:p>
+            <a:pPr marL="0" indent="0" defTabSz="914400" rtl="0" eaLnBrk="1" latinLnBrk="1" hangingPunct="1">
+              <a:lnSpc>
+                <a:spcPct val="90000"/>
+              </a:lnSpc>
+              <a:spcBef>
+                <a:spcPts val="1000"/>
+              </a:spcBef>
+              <a:spcAft>
+                <a:spcPts val="0"/>
+              </a:spcAft>
+              <a:buFont typeface="Arial"/>
+              <a:buNone/>
+              <a:defRPr/>
+            </a:pPr>
+            <a:r>
+              <a:rPr kumimoji="0" lang="en-US" altLang="ko-KR" sz="2700" b="0" i="0" u="none" strike="noStrike" kern="1200" cap="none" spc="0" normalizeH="0" baseline="0">
+                <a:solidFill>
+                  <a:srgbClr val="ff0000"/>
+                </a:solidFill>
+                <a:latin typeface="1훈정글북 Regular"/>
+                <a:ea typeface="1훈정글북 Regular"/>
+              </a:rPr>
+              <a:t>&lt;rezInfo </a:t>
+            </a:r>
+            <a:r>
+              <a:rPr kumimoji="0" lang="ko-KR" altLang="en-US" sz="2700" b="0" i="0" u="none" strike="noStrike" kern="1200" cap="none" spc="0" normalizeH="0" baseline="0">
+                <a:solidFill>
+                  <a:srgbClr val="ff0000"/>
+                </a:solidFill>
+                <a:latin typeface="1훈정글북 Regular"/>
+                <a:ea typeface="1훈정글북 Regular"/>
+              </a:rPr>
+              <a:t>테이블</a:t>
+            </a:r>
+            <a:r>
+              <a:rPr kumimoji="0" lang="en-US" altLang="ko-KR" sz="2700" b="0" i="0" u="none" strike="noStrike" kern="1200" cap="none" spc="0" normalizeH="0" baseline="0">
+                <a:solidFill>
+                  <a:srgbClr val="ff0000"/>
+                </a:solidFill>
+                <a:latin typeface="1훈정글북 Regular"/>
+                <a:ea typeface="1훈정글북 Regular"/>
+              </a:rPr>
+              <a:t>&gt;</a:t>
+            </a:r>
+            <a:r>
+              <a:rPr kumimoji="0" lang="ko-KR" altLang="en-US" sz="2700" b="0" i="0" u="none" strike="noStrike" kern="1200" cap="none" spc="0" normalizeH="0" baseline="0">
+                <a:solidFill>
+                  <a:srgbClr val="ff0000"/>
+                </a:solidFill>
+                <a:latin typeface="1훈정글북 Regular"/>
+                <a:ea typeface="1훈정글북 Regular"/>
+              </a:rPr>
+              <a:t> </a:t>
+            </a:r>
+            <a:r>
+              <a:rPr kumimoji="0" lang="en-US" altLang="ko-KR" sz="2700" b="0" i="0" u="none" strike="noStrike" kern="1200" cap="none" spc="0" normalizeH="0" baseline="0">
+                <a:solidFill>
+                  <a:srgbClr val="ff0000"/>
+                </a:solidFill>
+                <a:latin typeface="1훈정글북 Regular"/>
+                <a:ea typeface="1훈정글북 Regular"/>
+              </a:rPr>
+              <a:t>:</a:t>
+            </a:r>
+            <a:r>
+              <a:rPr kumimoji="0" lang="ko-KR" altLang="en-US" sz="2700" b="0" i="0" u="none" strike="noStrike" kern="1200" cap="none" spc="0" normalizeH="0" baseline="0">
+                <a:solidFill>
+                  <a:srgbClr val="ff0000"/>
+                </a:solidFill>
+                <a:latin typeface="1훈정글북 Regular"/>
+                <a:ea typeface="1훈정글북 Regular"/>
+              </a:rPr>
+              <a:t> 시술 예약 정보</a:t>
+            </a:r>
+            <a:endParaRPr kumimoji="0" lang="ko-KR" altLang="en-US" sz="2700" b="0" i="0" u="none" strike="noStrike" kern="1200" cap="none" spc="0" normalizeH="0" baseline="0">
+              <a:solidFill>
+                <a:srgbClr val="ff0000"/>
+              </a:solidFill>
+              <a:latin typeface="1훈정글북 Regular"/>
+              <a:ea typeface="1훈정글북 Regular"/>
+            </a:endParaRPr>
+          </a:p>
+          <a:p>
+            <a:pPr marL="0" indent="0" defTabSz="914400" rtl="0" eaLnBrk="1" latinLnBrk="1" hangingPunct="1">
+              <a:lnSpc>
+                <a:spcPct val="50000"/>
+              </a:lnSpc>
+              <a:spcBef>
+                <a:spcPts val="1000"/>
+              </a:spcBef>
+              <a:spcAft>
+                <a:spcPts val="0"/>
+              </a:spcAft>
+              <a:buFont typeface="Arial"/>
+              <a:buNone/>
+              <a:defRPr/>
+            </a:pPr>
+            <a:endParaRPr kumimoji="0" lang="en-US" altLang="ko-KR" sz="1700" b="0" i="0" u="none" strike="noStrike" kern="1200" cap="none" spc="0" normalizeH="0" baseline="0">
+              <a:solidFill>
+                <a:schemeClr val="dk1"/>
+              </a:solidFill>
+              <a:latin typeface="1훈정글북 Regular"/>
+              <a:ea typeface="1훈정글북 Regular"/>
+            </a:endParaRPr>
+          </a:p>
+          <a:p>
+            <a:pPr marL="0" indent="0" defTabSz="914400" rtl="0" eaLnBrk="1" latinLnBrk="1" hangingPunct="1">
+              <a:spcBef>
+                <a:spcPts val="1000"/>
+              </a:spcBef>
+              <a:spcAft>
+                <a:spcPts val="0"/>
+              </a:spcAft>
+              <a:buFont typeface="Arial"/>
+              <a:buNone/>
+              <a:defRPr/>
+            </a:pPr>
+            <a:r>
+              <a:rPr kumimoji="0" lang="en-US" altLang="ko-KR" sz="1900" b="0" i="0" u="none" strike="noStrike" kern="1200" cap="none" spc="0" normalizeH="0" baseline="0">
+                <a:solidFill>
+                  <a:schemeClr val="dk1"/>
+                </a:solidFill>
+                <a:latin typeface="1훈정글북 Regular"/>
+                <a:ea typeface="1훈정글북 Regular"/>
+              </a:rPr>
+              <a:t>Create table rezInfo (</a:t>
+            </a:r>
+            <a:endParaRPr kumimoji="0" lang="en-US" altLang="ko-KR" sz="1900" b="0" i="0" u="none" strike="noStrike" kern="1200" cap="none" spc="0" normalizeH="0" baseline="0">
+              <a:solidFill>
+                <a:schemeClr val="dk1"/>
+              </a:solidFill>
+              <a:latin typeface="1훈정글북 Regular"/>
+              <a:ea typeface="1훈정글북 Regular"/>
+            </a:endParaRPr>
+          </a:p>
+          <a:p>
+            <a:pPr marL="0" indent="0" defTabSz="914400" rtl="0" eaLnBrk="1" latinLnBrk="1" hangingPunct="1">
+              <a:lnSpc>
+                <a:spcPct val="90000"/>
+              </a:lnSpc>
+              <a:spcBef>
+                <a:spcPts val="1000"/>
+              </a:spcBef>
+              <a:spcAft>
+                <a:spcPts val="0"/>
+              </a:spcAft>
+              <a:buFont typeface="Arial"/>
+              <a:buNone/>
+              <a:defRPr/>
+            </a:pPr>
+            <a:r>
+              <a:rPr kumimoji="0" lang="en-US" altLang="ko-KR" sz="1900" b="0" i="0" u="none" strike="noStrike" kern="1200" cap="none" spc="0" normalizeH="0" baseline="0">
+                <a:solidFill>
+                  <a:srgbClr val="ff0000"/>
+                </a:solidFill>
+                <a:latin typeface="1훈정글북 Regular"/>
+                <a:ea typeface="1훈정글북 Regular"/>
+              </a:rPr>
+              <a:t>	</a:t>
+            </a:r>
+            <a:r>
+              <a:rPr kumimoji="0" lang="en-US" altLang="ko-KR" sz="1900" b="0" i="0" u="none" strike="noStrike" kern="1200" cap="none" spc="0" normalizeH="0" baseline="0">
+                <a:solidFill>
+                  <a:schemeClr val="dk1"/>
+                </a:solidFill>
+                <a:latin typeface="1훈정글북 Regular"/>
+                <a:ea typeface="1훈정글북 Regular"/>
+              </a:rPr>
+              <a:t>rezNo		char(10)		primary key,			//</a:t>
+            </a:r>
+            <a:r>
+              <a:rPr kumimoji="0" lang="ko-KR" altLang="en-US" sz="1900" b="0" i="0" u="none" strike="noStrike" kern="1200" cap="none" spc="0" normalizeH="0" baseline="0">
+                <a:solidFill>
+                  <a:schemeClr val="dk1"/>
+                </a:solidFill>
+                <a:latin typeface="1훈정글북 Regular"/>
+                <a:ea typeface="1훈정글북 Regular"/>
+              </a:rPr>
+              <a:t> 예약 번호</a:t>
+            </a:r>
+            <a:endParaRPr kumimoji="0" lang="ko-KR" altLang="en-US" sz="1900" b="0" i="0" u="none" strike="noStrike" kern="1200" cap="none" spc="0" normalizeH="0" baseline="0">
+              <a:solidFill>
+                <a:schemeClr val="dk1"/>
+              </a:solidFill>
+              <a:latin typeface="1훈정글북 Regular"/>
+              <a:ea typeface="1훈정글북 Regular"/>
+            </a:endParaRPr>
+          </a:p>
+          <a:p>
+            <a:pPr marL="0" indent="0" defTabSz="914400" rtl="0" eaLnBrk="1" latinLnBrk="1" hangingPunct="1">
+              <a:lnSpc>
+                <a:spcPct val="90000"/>
+              </a:lnSpc>
+              <a:spcBef>
+                <a:spcPts val="1000"/>
+              </a:spcBef>
+              <a:spcAft>
+                <a:spcPts val="0"/>
+              </a:spcAft>
+              <a:buFont typeface="Arial"/>
+              <a:buNone/>
+              <a:defRPr/>
+            </a:pPr>
+            <a:r>
+              <a:rPr kumimoji="0" lang="en-US" altLang="ko-KR" sz="1900" b="0" i="0" u="none" strike="noStrike" kern="1200" cap="none" spc="0" normalizeH="0" baseline="0">
+                <a:solidFill>
+                  <a:schemeClr val="dk1"/>
+                </a:solidFill>
+                <a:latin typeface="1훈정글북 Regular"/>
+                <a:ea typeface="1훈정글북 Regular"/>
+              </a:rPr>
+              <a:t>	uId		char(10)	,					//</a:t>
+            </a:r>
+            <a:r>
+              <a:rPr kumimoji="0" lang="ko-KR" altLang="en-US" sz="1900" b="0" i="0" u="none" strike="noStrike" kern="1200" cap="none" spc="0" normalizeH="0" baseline="0">
+                <a:solidFill>
+                  <a:schemeClr val="dk1"/>
+                </a:solidFill>
+                <a:latin typeface="1훈정글북 Regular"/>
+                <a:ea typeface="1훈정글북 Regular"/>
+              </a:rPr>
+              <a:t> 예약자 </a:t>
+            </a:r>
+            <a:r>
+              <a:rPr kumimoji="0" lang="en-US" altLang="ko-KR" sz="1900" b="0" i="0" u="none" strike="noStrike" kern="1200" cap="none" spc="0" normalizeH="0" baseline="0">
+                <a:solidFill>
+                  <a:schemeClr val="dk1"/>
+                </a:solidFill>
+                <a:latin typeface="1훈정글북 Regular"/>
+                <a:ea typeface="1훈정글북 Regular"/>
+              </a:rPr>
+              <a:t>ID</a:t>
+            </a:r>
+            <a:endParaRPr kumimoji="0" lang="en-US" altLang="ko-KR" sz="1900" b="0" i="0" u="none" strike="noStrike" kern="1200" cap="none" spc="0" normalizeH="0" baseline="0">
+              <a:solidFill>
+                <a:schemeClr val="dk1"/>
+              </a:solidFill>
+              <a:latin typeface="1훈정글북 Regular"/>
+              <a:ea typeface="1훈정글북 Regular"/>
+            </a:endParaRPr>
+          </a:p>
+          <a:p>
+            <a:pPr marL="0" indent="0" defTabSz="914400" rtl="0" eaLnBrk="1" latinLnBrk="1" hangingPunct="1">
+              <a:lnSpc>
+                <a:spcPct val="90000"/>
+              </a:lnSpc>
+              <a:spcBef>
+                <a:spcPts val="1000"/>
+              </a:spcBef>
+              <a:spcAft>
+                <a:spcPts val="0"/>
+              </a:spcAft>
+              <a:buFont typeface="Arial"/>
+              <a:buNone/>
+              <a:defRPr/>
+            </a:pPr>
+            <a:r>
+              <a:rPr kumimoji="0" lang="en-US" altLang="ko-KR" sz="1900" b="0" i="0" u="none" strike="noStrike" kern="1200" cap="none" spc="0" normalizeH="0" baseline="0">
+                <a:solidFill>
+                  <a:schemeClr val="dk1"/>
+                </a:solidFill>
+                <a:latin typeface="1훈정글북 Regular"/>
+                <a:ea typeface="1훈정글북 Regular"/>
+              </a:rPr>
+              <a:t>	ordDate		char(30)	,					//</a:t>
+            </a:r>
+            <a:r>
+              <a:rPr kumimoji="0" lang="ko-KR" altLang="en-US" sz="1900" b="0" i="0" u="none" strike="noStrike" kern="1200" cap="none" spc="0" normalizeH="0" baseline="0">
+                <a:solidFill>
+                  <a:schemeClr val="dk1"/>
+                </a:solidFill>
+                <a:latin typeface="1훈정글북 Regular"/>
+                <a:ea typeface="1훈정글북 Regular"/>
+              </a:rPr>
+              <a:t> 예약일시</a:t>
+            </a:r>
+            <a:endParaRPr kumimoji="0" lang="ko-KR" altLang="en-US" sz="1900" b="0" i="0" u="none" strike="noStrike" kern="1200" cap="none" spc="0" normalizeH="0" baseline="0">
+              <a:solidFill>
+                <a:schemeClr val="dk1"/>
+              </a:solidFill>
+              <a:latin typeface="1훈정글북 Regular"/>
+              <a:ea typeface="1훈정글북 Regular"/>
+            </a:endParaRPr>
+          </a:p>
+          <a:p>
+            <a:pPr marL="0" indent="0" defTabSz="914400" rtl="0" eaLnBrk="1" latinLnBrk="1" hangingPunct="1">
+              <a:lnSpc>
+                <a:spcPct val="90000"/>
+              </a:lnSpc>
+              <a:spcBef>
+                <a:spcPts val="1000"/>
+              </a:spcBef>
+              <a:spcAft>
+                <a:spcPts val="0"/>
+              </a:spcAft>
+              <a:buFont typeface="Arial"/>
+              <a:buNone/>
+              <a:defRPr/>
+            </a:pPr>
+            <a:r>
+              <a:rPr kumimoji="0" lang="ko-KR" altLang="en-US" sz="1900" b="0" i="0" u="none" strike="noStrike" kern="1200" cap="none" spc="0" normalizeH="0" baseline="0">
+                <a:solidFill>
+                  <a:schemeClr val="dk1"/>
+                </a:solidFill>
+                <a:latin typeface="1훈정글북 Regular"/>
+                <a:ea typeface="1훈정글북 Regular"/>
+              </a:rPr>
+              <a:t>	</a:t>
+            </a:r>
+            <a:r>
+              <a:rPr kumimoji="0" lang="en-US" altLang="ko-KR" sz="1900" b="0" i="0" u="none" strike="noStrike" kern="1200" cap="none" spc="0" normalizeH="0" baseline="0">
+                <a:solidFill>
+                  <a:schemeClr val="dk1"/>
+                </a:solidFill>
+                <a:latin typeface="1훈정글북 Regular"/>
+                <a:ea typeface="1훈정글북 Regular"/>
+              </a:rPr>
+              <a:t>ordCustomer	char(30)	,					//</a:t>
+            </a:r>
+            <a:r>
+              <a:rPr kumimoji="0" lang="ko-KR" altLang="en-US" sz="1900" b="0" i="0" u="none" strike="noStrike" kern="1200" cap="none" spc="0" normalizeH="0" baseline="0">
+                <a:solidFill>
+                  <a:schemeClr val="dk1"/>
+                </a:solidFill>
+                <a:latin typeface="1훈정글북 Regular"/>
+                <a:ea typeface="1훈정글북 Regular"/>
+              </a:rPr>
+              <a:t> 예약 고객명</a:t>
+            </a:r>
+            <a:endParaRPr kumimoji="0" lang="ko-KR" altLang="en-US" sz="1900" b="0" i="0" u="none" strike="noStrike" kern="1200" cap="none" spc="0" normalizeH="0" baseline="0">
+              <a:solidFill>
+                <a:schemeClr val="dk1"/>
+              </a:solidFill>
+              <a:latin typeface="1훈정글북 Regular"/>
+              <a:ea typeface="1훈정글북 Regular"/>
+            </a:endParaRPr>
+          </a:p>
+          <a:p>
+            <a:pPr marL="0" indent="0" defTabSz="914400" rtl="0" eaLnBrk="1" latinLnBrk="1" hangingPunct="1">
+              <a:lnSpc>
+                <a:spcPct val="90000"/>
+              </a:lnSpc>
+              <a:spcBef>
+                <a:spcPts val="1000"/>
+              </a:spcBef>
+              <a:spcAft>
+                <a:spcPts val="0"/>
+              </a:spcAft>
+              <a:buFont typeface="Arial"/>
+              <a:buNone/>
+              <a:defRPr/>
+            </a:pPr>
+            <a:r>
+              <a:rPr kumimoji="0" lang="ko-KR" altLang="en-US" sz="1900" b="0" i="0" u="none" strike="noStrike" kern="1200" cap="none" spc="0" normalizeH="0" baseline="0">
+                <a:solidFill>
+                  <a:schemeClr val="dk1"/>
+                </a:solidFill>
+                <a:latin typeface="1훈정글북 Regular"/>
+                <a:ea typeface="1훈정글북 Regular"/>
+              </a:rPr>
+              <a:t>	</a:t>
+            </a:r>
+            <a:r>
+              <a:rPr kumimoji="0" lang="en-US" altLang="ko-KR" sz="1900" b="0" i="0" u="none" strike="noStrike" kern="1200" cap="none" spc="0" normalizeH="0" baseline="0">
+                <a:solidFill>
+                  <a:schemeClr val="dk1"/>
+                </a:solidFill>
+                <a:latin typeface="1훈정글북 Regular"/>
+                <a:ea typeface="1훈정글북 Regular"/>
+              </a:rPr>
+              <a:t>ordPhone	char(20),					// </a:t>
+            </a:r>
+            <a:r>
+              <a:rPr kumimoji="0" lang="ko-KR" altLang="en-US" sz="1900" b="0" i="0" u="none" strike="noStrike" kern="1200" cap="none" spc="0" normalizeH="0" baseline="0">
+                <a:solidFill>
+                  <a:schemeClr val="dk1"/>
+                </a:solidFill>
+                <a:latin typeface="1훈정글북 Regular"/>
+                <a:ea typeface="1훈정글북 Regular"/>
+              </a:rPr>
+              <a:t>예약자 휴대폰번호</a:t>
+            </a:r>
+            <a:endParaRPr kumimoji="0" lang="ko-KR" altLang="en-US" sz="1900" b="0" i="0" u="none" strike="noStrike" kern="1200" cap="none" spc="0" normalizeH="0" baseline="0">
+              <a:solidFill>
+                <a:schemeClr val="dk1"/>
+              </a:solidFill>
+              <a:latin typeface="1훈정글북 Regular"/>
+              <a:ea typeface="1훈정글북 Regular"/>
+            </a:endParaRPr>
+          </a:p>
+          <a:p>
+            <a:pPr marL="0" indent="0" defTabSz="914400" rtl="0" eaLnBrk="1" latinLnBrk="1" hangingPunct="1">
+              <a:lnSpc>
+                <a:spcPct val="90000"/>
+              </a:lnSpc>
+              <a:spcBef>
+                <a:spcPts val="1000"/>
+              </a:spcBef>
+              <a:spcAft>
+                <a:spcPts val="0"/>
+              </a:spcAft>
+              <a:buFont typeface="Arial"/>
+              <a:buNone/>
+              <a:defRPr/>
+            </a:pPr>
+            <a:r>
+              <a:rPr kumimoji="0" lang="ko-KR" altLang="en-US" sz="1900" b="0" i="0" u="none" strike="noStrike" kern="1200" cap="none" spc="0" normalizeH="0" baseline="0">
+                <a:solidFill>
+                  <a:schemeClr val="dk1"/>
+                </a:solidFill>
+                <a:latin typeface="1훈정글북 Regular"/>
+                <a:ea typeface="1훈정글북 Regular"/>
+              </a:rPr>
+              <a:t>	</a:t>
+            </a:r>
+            <a:r>
+              <a:rPr kumimoji="0" lang="en-US" altLang="ko-KR" sz="1900" b="0" i="0" u="none" strike="noStrike" kern="1200" cap="none" spc="0" normalizeH="0" baseline="0">
+                <a:solidFill>
+                  <a:schemeClr val="dk1"/>
+                </a:solidFill>
+                <a:latin typeface="1훈정글북 Regular"/>
+                <a:ea typeface="1훈정글북 Regular"/>
+              </a:rPr>
+              <a:t>ordPay		char(20),					// </a:t>
+            </a:r>
+            <a:r>
+              <a:rPr kumimoji="0" lang="ko-KR" altLang="en-US" sz="1900" b="0" i="0" u="none" strike="noStrike" kern="1200" cap="none" spc="0" normalizeH="0" baseline="0">
+                <a:solidFill>
+                  <a:schemeClr val="dk1"/>
+                </a:solidFill>
+                <a:latin typeface="1훈정글북 Regular"/>
+                <a:ea typeface="1훈정글북 Regular"/>
+              </a:rPr>
+              <a:t>전체시술총액</a:t>
+            </a:r>
+            <a:endParaRPr kumimoji="0" lang="ko-KR" altLang="en-US" sz="1900" b="0" i="0" u="none" strike="noStrike" kern="1200" cap="none" spc="0" normalizeH="0" baseline="0">
+              <a:solidFill>
+                <a:schemeClr val="dk1"/>
+              </a:solidFill>
+              <a:latin typeface="1훈정글북 Regular"/>
+              <a:ea typeface="1훈정글북 Regular"/>
+            </a:endParaRPr>
+          </a:p>
+          <a:p>
+            <a:pPr marL="0" indent="0" defTabSz="914400" rtl="0" eaLnBrk="1" latinLnBrk="1" hangingPunct="1">
+              <a:lnSpc>
+                <a:spcPct val="90000"/>
+              </a:lnSpc>
+              <a:spcBef>
+                <a:spcPts val="1000"/>
+              </a:spcBef>
+              <a:spcAft>
+                <a:spcPts val="0"/>
+              </a:spcAft>
+              <a:buFont typeface="Arial"/>
+              <a:buNone/>
+              <a:defRPr/>
+            </a:pPr>
+            <a:r>
+              <a:rPr kumimoji="0" lang="ko-KR" altLang="en-US" sz="1900" b="0" i="0" u="none" strike="noStrike" kern="1200" cap="none" spc="0" normalizeH="0" baseline="0">
+                <a:solidFill>
+                  <a:schemeClr val="dk1"/>
+                </a:solidFill>
+                <a:latin typeface="1훈정글북 Regular"/>
+                <a:ea typeface="1훈정글북 Regular"/>
+              </a:rPr>
+              <a:t>	</a:t>
+            </a:r>
+            <a:r>
+              <a:rPr kumimoji="0" lang="en-US" altLang="ko-KR" sz="1900" b="0" i="0" u="none" strike="noStrike" kern="1200" cap="none" spc="0" normalizeH="0" baseline="0">
+                <a:solidFill>
+                  <a:schemeClr val="dk1"/>
+                </a:solidFill>
+                <a:latin typeface="1훈정글북 Regular"/>
+                <a:ea typeface="1훈정글북 Regular"/>
+              </a:rPr>
+              <a:t>ordBank		char(10), 					// </a:t>
+            </a:r>
+            <a:r>
+              <a:rPr kumimoji="0" lang="ko-KR" altLang="en-US" sz="1900" b="0" i="0" u="none" strike="noStrike" kern="1200" cap="none" spc="0" normalizeH="0" baseline="0">
+                <a:solidFill>
+                  <a:schemeClr val="dk1"/>
+                </a:solidFill>
+                <a:latin typeface="1훈정글북 Regular"/>
+                <a:ea typeface="1훈정글북 Regular"/>
+              </a:rPr>
+              <a:t>결제은행명</a:t>
+            </a:r>
+            <a:endParaRPr kumimoji="0" lang="ko-KR" altLang="en-US" sz="1900" b="0" i="0" u="none" strike="noStrike" kern="1200" cap="none" spc="0" normalizeH="0" baseline="0">
+              <a:solidFill>
+                <a:schemeClr val="dk1"/>
+              </a:solidFill>
+              <a:latin typeface="1훈정글북 Regular"/>
+              <a:ea typeface="1훈정글북 Regular"/>
+            </a:endParaRPr>
+          </a:p>
+          <a:p>
+            <a:pPr marL="0" indent="0" defTabSz="914400" rtl="0" eaLnBrk="1" latinLnBrk="1" hangingPunct="1">
+              <a:lnSpc>
+                <a:spcPct val="90000"/>
+              </a:lnSpc>
+              <a:spcBef>
+                <a:spcPts val="1000"/>
+              </a:spcBef>
+              <a:spcAft>
+                <a:spcPts val="0"/>
+              </a:spcAft>
+              <a:buFont typeface="Arial"/>
+              <a:buNone/>
+              <a:defRPr/>
+            </a:pPr>
+            <a:r>
+              <a:rPr kumimoji="0" lang="ko-KR" altLang="en-US" sz="1900" b="0" i="0" u="none" strike="noStrike" kern="1200" cap="none" spc="0" normalizeH="0" baseline="0">
+                <a:solidFill>
+                  <a:schemeClr val="dk1"/>
+                </a:solidFill>
+                <a:latin typeface="1훈정글북 Regular"/>
+                <a:ea typeface="1훈정글북 Regular"/>
+              </a:rPr>
+              <a:t>	</a:t>
+            </a:r>
+            <a:r>
+              <a:rPr kumimoji="0" lang="en-US" altLang="ko-KR" sz="1900" b="0" i="0" u="none" strike="noStrike" kern="1200" cap="none" spc="0" normalizeH="0" baseline="0">
+                <a:solidFill>
+                  <a:schemeClr val="dk1"/>
+                </a:solidFill>
+                <a:latin typeface="1훈정글북 Regular"/>
+                <a:ea typeface="1훈정글북 Regular"/>
+              </a:rPr>
+              <a:t>ordCardNo	char(16),					//</a:t>
+            </a:r>
+            <a:r>
+              <a:rPr kumimoji="0" lang="ko-KR" altLang="en-US" sz="1900" b="0" i="0" u="none" strike="noStrike" kern="1200" cap="none" spc="0" normalizeH="0" baseline="0">
+                <a:solidFill>
+                  <a:schemeClr val="dk1"/>
+                </a:solidFill>
+                <a:latin typeface="1훈정글북 Regular"/>
+                <a:ea typeface="1훈정글북 Regular"/>
+              </a:rPr>
+              <a:t> 결제 카드번호</a:t>
+            </a:r>
+            <a:endParaRPr kumimoji="0" lang="ko-KR" altLang="en-US" sz="1900" b="0" i="0" u="none" strike="noStrike" kern="1200" cap="none" spc="0" normalizeH="0" baseline="0">
+              <a:solidFill>
+                <a:schemeClr val="dk1"/>
+              </a:solidFill>
+              <a:latin typeface="1훈정글북 Regular"/>
+              <a:ea typeface="1훈정글북 Regular"/>
+            </a:endParaRPr>
+          </a:p>
+          <a:p>
+            <a:pPr marL="0" indent="0" defTabSz="914400" rtl="0" eaLnBrk="1" latinLnBrk="1" hangingPunct="1">
+              <a:lnSpc>
+                <a:spcPct val="90000"/>
+              </a:lnSpc>
+              <a:spcBef>
+                <a:spcPts val="1000"/>
+              </a:spcBef>
+              <a:spcAft>
+                <a:spcPts val="0"/>
+              </a:spcAft>
+              <a:buFont typeface="Arial"/>
+              <a:buNone/>
+              <a:defRPr/>
+            </a:pPr>
+            <a:r>
+              <a:rPr kumimoji="0" lang="ko-KR" altLang="en-US" sz="1900" b="0" i="0" u="none" strike="noStrike" kern="1200" cap="none" spc="0" normalizeH="0" baseline="0">
+                <a:solidFill>
+                  <a:schemeClr val="dk1"/>
+                </a:solidFill>
+                <a:latin typeface="1훈정글북 Regular"/>
+                <a:ea typeface="1훈정글북 Regular"/>
+              </a:rPr>
+              <a:t>	</a:t>
+            </a:r>
+            <a:r>
+              <a:rPr kumimoji="0" lang="en-US" altLang="ko-KR" sz="1900" b="0" i="0" u="none" strike="noStrike" kern="1200" cap="none" spc="0" normalizeH="0" baseline="0">
+                <a:solidFill>
+                  <a:schemeClr val="dk1"/>
+                </a:solidFill>
+                <a:latin typeface="1훈정글북 Regular"/>
+                <a:ea typeface="1훈정글북 Regular"/>
+              </a:rPr>
+              <a:t>ordCardPass	char(10)					</a:t>
+            </a:r>
+            <a:r>
+              <a:rPr kumimoji="0" lang="ko-KR" altLang="en-US" sz="1900" b="0" i="0" u="none" strike="noStrike" kern="1200" cap="none" spc="0" normalizeH="0" baseline="0">
+                <a:solidFill>
+                  <a:schemeClr val="dk1"/>
+                </a:solidFill>
+                <a:latin typeface="1훈정글북 Regular"/>
+                <a:ea typeface="1훈정글북 Regular"/>
+              </a:rPr>
+              <a:t>	</a:t>
+            </a:r>
+            <a:r>
+              <a:rPr kumimoji="0" lang="en-US" altLang="ko-KR" sz="1900" b="0" i="0" u="none" strike="noStrike" kern="1200" cap="none" spc="0" normalizeH="0" baseline="0">
+                <a:solidFill>
+                  <a:schemeClr val="dk1"/>
+                </a:solidFill>
+                <a:latin typeface="1훈정글북 Regular"/>
+                <a:ea typeface="1훈정글북 Regular"/>
+              </a:rPr>
+              <a:t>// </a:t>
+            </a:r>
+            <a:r>
+              <a:rPr kumimoji="0" lang="ko-KR" altLang="en-US" sz="1900" b="0" i="0" u="none" strike="noStrike" kern="1200" cap="none" spc="0" normalizeH="0" baseline="0">
+                <a:solidFill>
+                  <a:schemeClr val="dk1"/>
+                </a:solidFill>
+                <a:latin typeface="1훈정글북 Regular"/>
+                <a:ea typeface="1훈정글북 Regular"/>
+              </a:rPr>
+              <a:t>결제카드비밀번호</a:t>
+            </a:r>
+            <a:endParaRPr kumimoji="0" lang="ko-KR" altLang="en-US" sz="1900" b="0" i="0" u="none" strike="noStrike" kern="1200" cap="none" spc="0" normalizeH="0" baseline="0">
+              <a:solidFill>
+                <a:schemeClr val="dk1"/>
+              </a:solidFill>
+              <a:latin typeface="1훈정글북 Regular"/>
+              <a:ea typeface="1훈정글북 Regular"/>
+            </a:endParaRPr>
+          </a:p>
+          <a:p>
+            <a:pPr marL="0" indent="0" defTabSz="914400" rtl="0" eaLnBrk="1" latinLnBrk="1" hangingPunct="1">
+              <a:lnSpc>
+                <a:spcPct val="90000"/>
+              </a:lnSpc>
+              <a:spcBef>
+                <a:spcPts val="1000"/>
+              </a:spcBef>
+              <a:spcAft>
+                <a:spcPts val="0"/>
+              </a:spcAft>
+              <a:buFont typeface="Arial"/>
+              <a:buNone/>
+              <a:defRPr/>
+            </a:pPr>
+            <a:r>
+              <a:rPr kumimoji="0" lang="en-US" altLang="ko-KR" sz="1900" b="0" i="0" u="none" strike="noStrike" kern="1200" cap="none" spc="0" normalizeH="0" baseline="0">
+                <a:solidFill>
+                  <a:schemeClr val="dk1"/>
+                </a:solidFill>
+                <a:latin typeface="1훈정글북 Regular"/>
+                <a:ea typeface="1훈정글북 Regular"/>
+              </a:rPr>
+              <a:t>);</a:t>
+            </a:r>
+            <a:endParaRPr kumimoji="0" lang="en-US" altLang="ko-KR" sz="1900" b="0" i="0" u="none" strike="noStrike" kern="1200" cap="none" spc="0" normalizeH="0" baseline="0">
+              <a:solidFill>
+                <a:schemeClr val="dk1"/>
+              </a:solidFill>
+              <a:latin typeface="1훈정글북 Regular"/>
+              <a:ea typeface="1훈정글북 Regular"/>
+            </a:endParaRPr>
+          </a:p>
+          <a:p>
+            <a:pPr marL="0" indent="0" defTabSz="914400" rtl="0" eaLnBrk="1" latinLnBrk="1" hangingPunct="1">
+              <a:lnSpc>
+                <a:spcPct val="90000"/>
+              </a:lnSpc>
+              <a:spcBef>
+                <a:spcPts val="1000"/>
+              </a:spcBef>
+              <a:spcAft>
+                <a:spcPts val="0"/>
+              </a:spcAft>
+              <a:buFont typeface="Arial"/>
+              <a:buNone/>
+              <a:defRPr/>
+            </a:pPr>
+            <a:endParaRPr kumimoji="0" lang="ko-KR" altLang="en-US" sz="1200" b="0" i="0" u="none" strike="noStrike" kern="1200" cap="none" spc="0" normalizeH="0" baseline="0">
+              <a:solidFill>
+                <a:schemeClr val="tx1"/>
+              </a:solidFill>
+              <a:latin typeface="1훈정글북 Regular"/>
+              <a:ea typeface="1훈정글북 Regular"/>
+            </a:endParaRPr>
+          </a:p>
+          <a:p>
+            <a:pPr marL="0" indent="0" defTabSz="914400" rtl="0" eaLnBrk="1" latinLnBrk="1" hangingPunct="1">
+              <a:lnSpc>
+                <a:spcPct val="90000"/>
+              </a:lnSpc>
+              <a:spcBef>
+                <a:spcPts val="1000"/>
+              </a:spcBef>
+              <a:spcAft>
+                <a:spcPts val="0"/>
+              </a:spcAft>
+              <a:buFont typeface="Arial"/>
+              <a:buNone/>
+              <a:defRPr/>
+            </a:pPr>
+            <a:endParaRPr kumimoji="0" lang="ko-KR" altLang="en-US" sz="1200" b="0" i="0" u="none" strike="noStrike" kern="1200" cap="none" spc="0" normalizeH="0" baseline="0">
+              <a:solidFill>
+                <a:schemeClr val="tx1"/>
+              </a:solidFill>
+              <a:latin typeface="1훈정글북 Regular"/>
+              <a:ea typeface="1훈정글북 Regular"/>
+            </a:endParaRPr>
+          </a:p>
+        </p:txBody>
+      </p:sp>
+    </p:spTree>
+  </p:cSld>
+  <p:clrMapOvr>
+    <a:masterClrMapping/>
+  </p:clrMapOvr>
+  <mc:AlternateContent xmlns:mc="http://schemas.openxmlformats.org/markup-compatibility/2006">
+    <mc:Choice xmlns:p14="http://schemas.microsoft.com/office/powerpoint/2010/main" Requires="p14">
+      <p:transition xmlns:mc="http://schemas.openxmlformats.org/markup-compatibility/2006" xmlns:p14="http://schemas.microsoft.com/office/powerpoint/2010/main" mc:Ignorable="p14" p14:dur="500"/>
+    </mc:Choice>
+    <mc:Fallback>
+      <p:transition/>
+    </mc:Fallback>
+  </mc:AlternateContent>
+</p:sld>
+</file>
+
+<file path=ppt/slides/slide35.xml><?xml version="1.0" encoding="utf-8"?>
+<p:sld xmlns:r="http://schemas.openxmlformats.org/officeDocument/2006/relationships" xmlns:c="http://schemas.openxmlformats.org/drawingml/2006/chart" xmlns:a="http://schemas.openxmlformats.org/drawingml/2006/main" xmlns:dgm="http://schemas.openxmlformats.org/drawingml/2006/diagram" xmlns:dsp="http://schemas.microsoft.com/office/drawing/2008/diagram" xmlns:p="http://schemas.openxmlformats.org/presentationml/2006/main">
+  <p:cSld>
+    <p:bg>
+      <p:bgPr shadeToTitle="0">
+        <a:gradFill>
+          <a:gsLst>
+            <a:gs pos="50000">
+              <a:srgbClr val="b3acb3"/>
+            </a:gs>
+            <a:gs pos="50000">
+              <a:srgbClr val="f8e9e8"/>
+            </a:gs>
+          </a:gsLst>
+          <a:lin ang="6600000" scaled="0"/>
+        </a:gradFill>
+      </p:bgPr>
+    </p:bg>
+    <p:spTree>
+      <p:nvGrpSpPr>
+        <p:cNvPr id="1" name=""/>
+        <p:cNvGrpSpPr/>
+        <p:nvPr/>
+      </p:nvGrpSpPr>
+      <p:grpSpPr>
+        <a:xfrm>
+          <a:off x="0" y="0"/>
+          <a:ext cx="0" cy="0"/>
+          <a:chOff x="0" y="0"/>
+          <a:chExt cx="0" cy="0"/>
+        </a:xfrm>
+      </p:grpSpPr>
+      <p:sp>
+        <p:nvSpPr>
+          <p:cNvPr id="3" name="직사각형 2"/>
+          <p:cNvSpPr/>
+          <p:nvPr/>
+        </p:nvSpPr>
+        <p:spPr>
+          <a:xfrm>
+            <a:off x="428625" y="419993"/>
+            <a:ext cx="11372850" cy="6018014"/>
+          </a:xfrm>
+          <a:prstGeom prst="rect">
+            <a:avLst/>
+          </a:prstGeom>
+          <a:solidFill>
+            <a:schemeClr val="bg1"/>
+          </a:solidFill>
+          <a:ln w="187325">
+            <a:gradFill>
+              <a:gsLst>
+                <a:gs pos="50000">
+                  <a:srgbClr val="efccca"/>
+                </a:gs>
+                <a:gs pos="50000">
+                  <a:schemeClr val="bg1">
+                    <a:lumMod val="85000"/>
+                  </a:schemeClr>
+                </a:gs>
+              </a:gsLst>
+              <a:lin ang="6600000" scaled="0"/>
+            </a:gradFill>
+          </a:ln>
+          <a:effectLst>
+            <a:outerShdw blurRad="431800" dist="241300" dir="5400000" sx="97000" sy="97000" algn="t" rotWithShape="0">
+              <a:prstClr val="black">
+                <a:alpha val="31000"/>
+              </a:prstClr>
+            </a:outerShdw>
+          </a:effectLst>
+        </p:spPr>
+        <p:style>
+          <a:lnRef idx="2">
+            <a:schemeClr val="accent1">
+              <a:shade val="50000"/>
+            </a:schemeClr>
+          </a:lnRef>
+          <a:fillRef idx="1">
+            <a:schemeClr val="accent1"/>
+          </a:fillRef>
+          <a:effectRef idx="0">
+            <a:schemeClr val="accent1"/>
+          </a:effectRef>
+          <a:fontRef idx="minor">
+            <a:schemeClr val="lt1"/>
+          </a:fontRef>
+        </p:style>
+        <p:txBody>
+          <a:bodyPr anchor="t"/>
+          <a:lstStyle/>
+          <a:p>
+            <a:pPr algn="ctr" latinLnBrk="0">
+              <a:lnSpc>
+                <a:spcPct val="150000"/>
+              </a:lnSpc>
+              <a:defRPr/>
+            </a:pPr>
+            <a:endParaRPr lang="ko-KR" altLang="en-US" sz="2800" b="1" i="1" kern="0">
+              <a:solidFill>
+                <a:prstClr val="black">
+                  <a:lumMod val="50000"/>
+                  <a:lumOff val="50000"/>
+                </a:prstClr>
+              </a:solidFill>
+            </a:endParaRPr>
+          </a:p>
+        </p:txBody>
+      </p:sp>
+      <p:sp>
+        <p:nvSpPr>
+          <p:cNvPr id="56" name="직사각형 55"/>
+          <p:cNvSpPr/>
+          <p:nvPr/>
+        </p:nvSpPr>
+        <p:spPr>
+          <a:xfrm>
+            <a:off x="653251" y="677277"/>
+            <a:ext cx="10885496" cy="720993"/>
+          </a:xfrm>
+          <a:prstGeom prst="rect">
+            <a:avLst/>
+          </a:prstGeom>
+        </p:spPr>
+        <p:txBody>
+          <a:bodyPr wrap="square">
+            <a:spAutoFit/>
+          </a:bodyPr>
+          <a:lstStyle/>
+          <a:p>
+            <a:pPr lvl="0">
+              <a:defRPr/>
+            </a:pPr>
+            <a:r>
+              <a:rPr lang="en-US" altLang="ko-KR" sz="4200" b="1" i="1">
+                <a:solidFill>
+                  <a:srgbClr val="ff9999"/>
+                </a:solidFill>
+              </a:rPr>
+              <a:t>DB</a:t>
+            </a:r>
+            <a:r>
+              <a:rPr lang="ko-KR" altLang="en-US" sz="4200" b="1" i="1">
+                <a:solidFill>
+                  <a:srgbClr val="ff9999"/>
+                </a:solidFill>
+              </a:rPr>
+              <a:t>구성 및 설명</a:t>
+            </a:r>
+            <a:endParaRPr lang="ko-KR" altLang="en-US" sz="4200" b="1" i="1">
+              <a:solidFill>
+                <a:srgbClr val="ff9999"/>
+              </a:solidFill>
+            </a:endParaRPr>
+          </a:p>
+        </p:txBody>
+      </p:sp>
+      <p:sp>
+        <p:nvSpPr>
+          <p:cNvPr id="75" name="부제목 2"/>
+          <p:cNvSpPr>
+            <a:spLocks noGrp="1"/>
+          </p:cNvSpPr>
+          <p:nvPr/>
+        </p:nvSpPr>
+        <p:spPr>
+          <a:xfrm>
+            <a:off x="613736" y="1634726"/>
+            <a:ext cx="10964527" cy="3701395"/>
+          </a:xfrm>
+          <a:prstGeom prst="rect">
+            <a:avLst/>
+          </a:prstGeom>
+        </p:spPr>
+        <p:txBody>
+          <a:bodyPr vert="horz" lIns="91440" tIns="45720" rIns="91440" bIns="45720">
+            <a:noAutofit/>
+          </a:bodyPr>
+          <a:lstStyle/>
+          <a:p>
+            <a:pPr marL="0" indent="0" defTabSz="914400" rtl="0" eaLnBrk="1" latinLnBrk="1" hangingPunct="1">
+              <a:lnSpc>
+                <a:spcPct val="90000"/>
+              </a:lnSpc>
+              <a:spcBef>
+                <a:spcPts val="1000"/>
+              </a:spcBef>
+              <a:spcAft>
+                <a:spcPts val="0"/>
+              </a:spcAft>
+              <a:buFont typeface="Arial"/>
+              <a:buNone/>
+              <a:defRPr/>
+            </a:pPr>
+            <a:r>
+              <a:rPr kumimoji="0" lang="en-US" altLang="ko-KR" sz="2700" b="0" i="0" u="none" strike="noStrike" kern="1200" cap="none" spc="0" normalizeH="0" baseline="0">
+                <a:solidFill>
+                  <a:srgbClr val="ff0000"/>
+                </a:solidFill>
+                <a:latin typeface="1훈정글북 Regular"/>
+                <a:ea typeface="1훈정글북 Regular"/>
+              </a:rPr>
+              <a:t>&lt;rezState </a:t>
+            </a:r>
+            <a:r>
+              <a:rPr kumimoji="0" lang="ko-KR" altLang="en-US" sz="2700" b="0" i="0" u="none" strike="noStrike" kern="1200" cap="none" spc="0" normalizeH="0" baseline="0">
+                <a:solidFill>
+                  <a:srgbClr val="ff0000"/>
+                </a:solidFill>
+                <a:latin typeface="1훈정글북 Regular"/>
+                <a:ea typeface="1훈정글북 Regular"/>
+              </a:rPr>
+              <a:t>테이블</a:t>
+            </a:r>
+            <a:r>
+              <a:rPr kumimoji="0" lang="en-US" altLang="ko-KR" sz="2700" b="0" i="0" u="none" strike="noStrike" kern="1200" cap="none" spc="0" normalizeH="0" baseline="0">
+                <a:solidFill>
+                  <a:srgbClr val="ff0000"/>
+                </a:solidFill>
+                <a:latin typeface="1훈정글북 Regular"/>
+                <a:ea typeface="1훈정글북 Regular"/>
+              </a:rPr>
+              <a:t>&gt;</a:t>
+            </a:r>
+            <a:r>
+              <a:rPr kumimoji="0" lang="ko-KR" altLang="en-US" sz="2700" b="0" i="0" u="none" strike="noStrike" kern="1200" cap="none" spc="0" normalizeH="0" baseline="0">
+                <a:solidFill>
+                  <a:srgbClr val="ff0000"/>
+                </a:solidFill>
+                <a:latin typeface="1훈정글북 Regular"/>
+                <a:ea typeface="1훈정글북 Regular"/>
+              </a:rPr>
+              <a:t> </a:t>
+            </a:r>
+            <a:r>
+              <a:rPr kumimoji="0" lang="en-US" altLang="ko-KR" sz="2700" b="0" i="0" u="none" strike="noStrike" kern="1200" cap="none" spc="0" normalizeH="0" baseline="0">
+                <a:solidFill>
+                  <a:srgbClr val="ff0000"/>
+                </a:solidFill>
+                <a:latin typeface="1훈정글북 Regular"/>
+                <a:ea typeface="1훈정글북 Regular"/>
+              </a:rPr>
+              <a:t>:</a:t>
+            </a:r>
+            <a:r>
+              <a:rPr kumimoji="0" lang="ko-KR" altLang="en-US" sz="2700" b="0" i="0" u="none" strike="noStrike" kern="1200" cap="none" spc="0" normalizeH="0" baseline="0">
+                <a:solidFill>
+                  <a:srgbClr val="ff0000"/>
+                </a:solidFill>
+                <a:latin typeface="1훈정글북 Regular"/>
+                <a:ea typeface="1훈정글북 Regular"/>
+              </a:rPr>
+              <a:t> 예약 현황</a:t>
+            </a:r>
+            <a:endParaRPr kumimoji="0" lang="ko-KR" altLang="en-US" sz="2700" b="0" i="0" u="none" strike="noStrike" kern="1200" cap="none" spc="0" normalizeH="0" baseline="0">
+              <a:solidFill>
+                <a:srgbClr val="ff0000"/>
+              </a:solidFill>
+              <a:latin typeface="1훈정글북 Regular"/>
+              <a:ea typeface="1훈정글북 Regular"/>
+            </a:endParaRPr>
+          </a:p>
+          <a:p>
+            <a:pPr marL="0" indent="0" defTabSz="914400" rtl="0" eaLnBrk="1" latinLnBrk="1" hangingPunct="1">
+              <a:lnSpc>
+                <a:spcPct val="50000"/>
+              </a:lnSpc>
+              <a:spcBef>
+                <a:spcPts val="1000"/>
+              </a:spcBef>
+              <a:spcAft>
+                <a:spcPts val="0"/>
+              </a:spcAft>
+              <a:buFont typeface="Arial"/>
+              <a:buNone/>
+              <a:defRPr/>
+            </a:pPr>
+            <a:endParaRPr kumimoji="0" lang="en-US" altLang="ko-KR" sz="1700" b="0" i="0" u="none" strike="noStrike" kern="1200" cap="none" spc="0" normalizeH="0" baseline="0">
+              <a:solidFill>
+                <a:schemeClr val="dk1"/>
+              </a:solidFill>
+              <a:latin typeface="1훈정글북 Regular"/>
+              <a:ea typeface="1훈정글북 Regular"/>
+            </a:endParaRPr>
+          </a:p>
+          <a:p>
+            <a:pPr marL="0" indent="0" defTabSz="914400" rtl="0" eaLnBrk="1" latinLnBrk="1" hangingPunct="1">
+              <a:spcBef>
+                <a:spcPts val="1000"/>
+              </a:spcBef>
+              <a:spcAft>
+                <a:spcPts val="0"/>
+              </a:spcAft>
+              <a:buFont typeface="Arial"/>
+              <a:buNone/>
+              <a:defRPr/>
+            </a:pPr>
+            <a:r>
+              <a:rPr kumimoji="0" lang="en-US" altLang="ko-KR" sz="2400" b="0" i="0" u="none" strike="noStrike" kern="1200" cap="none" spc="0" normalizeH="0" baseline="0">
+                <a:solidFill>
+                  <a:schemeClr val="dk1"/>
+                </a:solidFill>
+                <a:latin typeface="1훈정글북 Regular"/>
+                <a:ea typeface="1훈정글북 Regular"/>
+              </a:rPr>
+              <a:t>Create table rezState (</a:t>
+            </a:r>
+            <a:endParaRPr kumimoji="0" lang="en-US" altLang="ko-KR" sz="2400" b="0" i="0" u="none" strike="noStrike" kern="1200" cap="none" spc="0" normalizeH="0" baseline="0">
+              <a:solidFill>
+                <a:schemeClr val="dk1"/>
+              </a:solidFill>
+              <a:latin typeface="1훈정글북 Regular"/>
+              <a:ea typeface="1훈정글북 Regular"/>
+            </a:endParaRPr>
+          </a:p>
+          <a:p>
+            <a:pPr marL="0" indent="0" defTabSz="914400" rtl="0" eaLnBrk="1" latinLnBrk="1" hangingPunct="1">
+              <a:lnSpc>
+                <a:spcPct val="90000"/>
+              </a:lnSpc>
+              <a:spcBef>
+                <a:spcPts val="1000"/>
+              </a:spcBef>
+              <a:spcAft>
+                <a:spcPts val="0"/>
+              </a:spcAft>
+              <a:buFont typeface="Arial"/>
+              <a:buNone/>
+              <a:defRPr/>
+            </a:pPr>
+            <a:r>
+              <a:rPr kumimoji="0" lang="en-US" altLang="ko-KR" sz="2400" b="0" i="0" u="none" strike="noStrike" kern="1200" cap="none" spc="0" normalizeH="0" baseline="0">
+                <a:solidFill>
+                  <a:srgbClr val="ff0000"/>
+                </a:solidFill>
+                <a:latin typeface="1훈정글북 Regular"/>
+                <a:ea typeface="1훈정글북 Regular"/>
+              </a:rPr>
+              <a:t>	</a:t>
+            </a:r>
+            <a:r>
+              <a:rPr kumimoji="0" lang="en-US" altLang="ko-KR" sz="2400" b="0" i="0" u="none" strike="noStrike" kern="1200" cap="none" spc="0" normalizeH="0" baseline="0">
+                <a:solidFill>
+                  <a:schemeClr val="dk1"/>
+                </a:solidFill>
+                <a:latin typeface="1훈정글북 Regular"/>
+                <a:ea typeface="1훈정글북 Regular"/>
+              </a:rPr>
+              <a:t>rNo	</a:t>
+            </a:r>
+            <a:r>
+              <a:rPr kumimoji="0" lang="ko-KR" altLang="en-US" sz="2400" b="0" i="0" u="none" strike="noStrike" kern="1200" cap="none" spc="0" normalizeH="0" baseline="0">
+                <a:solidFill>
+                  <a:schemeClr val="dk1"/>
+                </a:solidFill>
+                <a:latin typeface="1훈정글북 Regular"/>
+                <a:ea typeface="1훈정글북 Regular"/>
+              </a:rPr>
+              <a:t>	</a:t>
+            </a:r>
+            <a:r>
+              <a:rPr kumimoji="0" lang="en-US" altLang="ko-KR" sz="2400" b="0" i="0" u="none" strike="noStrike" kern="1200" cap="none" spc="0" normalizeH="0" baseline="0">
+                <a:solidFill>
+                  <a:schemeClr val="dk1"/>
+                </a:solidFill>
+                <a:latin typeface="1훈정글북 Regular"/>
+                <a:ea typeface="1훈정글북 Regular"/>
+              </a:rPr>
+              <a:t>char(30),	</a:t>
+            </a:r>
+            <a:r>
+              <a:rPr kumimoji="0" lang="ko-KR" altLang="en-US" sz="2400" b="0" i="0" u="none" strike="noStrike" kern="1200" cap="none" spc="0" normalizeH="0" baseline="0">
+                <a:solidFill>
+                  <a:schemeClr val="dk1"/>
+                </a:solidFill>
+                <a:latin typeface="1훈정글북 Regular"/>
+                <a:ea typeface="1훈정글북 Regular"/>
+              </a:rPr>
+              <a:t>	</a:t>
+            </a:r>
+            <a:r>
+              <a:rPr kumimoji="0" lang="en-US" altLang="ko-KR" sz="2400" b="0" i="0" u="none" strike="noStrike" kern="1200" cap="none" spc="0" normalizeH="0" baseline="0">
+                <a:solidFill>
+                  <a:schemeClr val="dk1"/>
+                </a:solidFill>
+                <a:latin typeface="1훈정글북 Regular"/>
+                <a:ea typeface="1훈정글북 Regular"/>
+              </a:rPr>
+              <a:t>//</a:t>
+            </a:r>
+            <a:r>
+              <a:rPr kumimoji="0" lang="ko-KR" altLang="en-US" sz="2400" b="0" i="0" u="none" strike="noStrike" kern="1200" cap="none" spc="0" normalizeH="0" baseline="0">
+                <a:solidFill>
+                  <a:schemeClr val="dk1"/>
+                </a:solidFill>
+                <a:latin typeface="1훈정글북 Regular"/>
+                <a:ea typeface="1훈정글북 Regular"/>
+              </a:rPr>
+              <a:t>예약현황 번호</a:t>
+            </a:r>
+            <a:endParaRPr kumimoji="0" lang="ko-KR" altLang="en-US" sz="2400" b="0" i="0" u="none" strike="noStrike" kern="1200" cap="none" spc="0" normalizeH="0" baseline="0">
+              <a:solidFill>
+                <a:schemeClr val="dk1"/>
+              </a:solidFill>
+              <a:latin typeface="1훈정글북 Regular"/>
+              <a:ea typeface="1훈정글북 Regular"/>
+            </a:endParaRPr>
+          </a:p>
+          <a:p>
+            <a:pPr marL="0" indent="0" defTabSz="914400" rtl="0" eaLnBrk="1" latinLnBrk="1" hangingPunct="1">
+              <a:lnSpc>
+                <a:spcPct val="90000"/>
+              </a:lnSpc>
+              <a:spcBef>
+                <a:spcPts val="1000"/>
+              </a:spcBef>
+              <a:spcAft>
+                <a:spcPts val="0"/>
+              </a:spcAft>
+              <a:buFont typeface="Arial"/>
+              <a:buNone/>
+              <a:defRPr/>
+            </a:pPr>
+            <a:r>
+              <a:rPr kumimoji="0" lang="ko-KR" altLang="en-US" sz="2400" b="0" i="0" u="none" strike="noStrike" kern="1200" cap="none" spc="0" normalizeH="0" baseline="0">
+                <a:solidFill>
+                  <a:schemeClr val="dk1"/>
+                </a:solidFill>
+                <a:latin typeface="1훈정글북 Regular"/>
+                <a:ea typeface="1훈정글북 Regular"/>
+              </a:rPr>
+              <a:t>	</a:t>
+            </a:r>
+            <a:r>
+              <a:rPr kumimoji="0" lang="en-US" altLang="ko-KR" sz="2400" b="0" i="0" u="none" strike="noStrike" kern="1200" cap="none" spc="0" normalizeH="0" baseline="0">
+                <a:solidFill>
+                  <a:schemeClr val="dk1"/>
+                </a:solidFill>
+                <a:latin typeface="1훈정글북 Regular"/>
+                <a:ea typeface="1훈정글북 Regular"/>
+              </a:rPr>
+              <a:t>rName	char(30)		//</a:t>
+            </a:r>
+            <a:r>
+              <a:rPr kumimoji="0" lang="ko-KR" altLang="en-US" sz="2400" b="0" i="0" u="none" strike="noStrike" kern="1200" cap="none" spc="0" normalizeH="0" baseline="0">
+                <a:solidFill>
+                  <a:schemeClr val="dk1"/>
+                </a:solidFill>
+                <a:latin typeface="1훈정글북 Regular"/>
+                <a:ea typeface="1훈정글북 Regular"/>
+              </a:rPr>
+              <a:t>예약자 이름</a:t>
+            </a:r>
+            <a:endParaRPr kumimoji="0" lang="ko-KR" altLang="en-US" sz="2400" b="0" i="0" u="none" strike="noStrike" kern="1200" cap="none" spc="0" normalizeH="0" baseline="0">
+              <a:solidFill>
+                <a:schemeClr val="dk1"/>
+              </a:solidFill>
+              <a:latin typeface="1훈정글북 Regular"/>
+              <a:ea typeface="1훈정글북 Regular"/>
+            </a:endParaRPr>
+          </a:p>
+          <a:p>
+            <a:pPr marL="0" indent="0" defTabSz="914400" rtl="0" eaLnBrk="1" latinLnBrk="1" hangingPunct="1">
+              <a:lnSpc>
+                <a:spcPct val="90000"/>
+              </a:lnSpc>
+              <a:spcBef>
+                <a:spcPts val="1000"/>
+              </a:spcBef>
+              <a:spcAft>
+                <a:spcPts val="0"/>
+              </a:spcAft>
+              <a:buFont typeface="Arial"/>
+              <a:buNone/>
+              <a:defRPr/>
+            </a:pPr>
+            <a:r>
+              <a:rPr kumimoji="0" lang="en-US" altLang="ko-KR" sz="2400" b="0" i="0" u="none" strike="noStrike" kern="1200" cap="none" spc="0" normalizeH="0" baseline="0">
+                <a:solidFill>
+                  <a:schemeClr val="dk1"/>
+                </a:solidFill>
+                <a:latin typeface="1훈정글북 Regular"/>
+                <a:ea typeface="1훈정글북 Regular"/>
+              </a:rPr>
+              <a:t>);</a:t>
+            </a:r>
+            <a:endParaRPr kumimoji="0" lang="en-US" altLang="ko-KR" sz="2400" b="0" i="0" u="none" strike="noStrike" kern="1200" cap="none" spc="0" normalizeH="0" baseline="0">
+              <a:solidFill>
+                <a:schemeClr val="dk1"/>
+              </a:solidFill>
+              <a:latin typeface="1훈정글북 Regular"/>
+              <a:ea typeface="1훈정글북 Regular"/>
+            </a:endParaRPr>
+          </a:p>
+          <a:p>
+            <a:pPr marL="0" indent="0" defTabSz="914400" rtl="0" eaLnBrk="1" latinLnBrk="1" hangingPunct="1">
+              <a:lnSpc>
+                <a:spcPct val="90000"/>
+              </a:lnSpc>
+              <a:spcBef>
+                <a:spcPts val="1000"/>
+              </a:spcBef>
+              <a:spcAft>
+                <a:spcPts val="0"/>
+              </a:spcAft>
+              <a:buFont typeface="Arial"/>
+              <a:buNone/>
+              <a:defRPr/>
+            </a:pPr>
+            <a:endParaRPr kumimoji="0" lang="ko-KR" altLang="en-US" sz="2400" b="0" i="0" u="none" strike="noStrike" kern="1200" cap="none" spc="0" normalizeH="0" baseline="0">
+              <a:solidFill>
+                <a:schemeClr val="tx1"/>
+              </a:solidFill>
+              <a:latin typeface="1훈정글북 Regular"/>
+              <a:ea typeface="1훈정글북 Regular"/>
+            </a:endParaRPr>
+          </a:p>
+        </p:txBody>
+      </p:sp>
+    </p:spTree>
+  </p:cSld>
+  <p:clrMapOvr>
+    <a:masterClrMapping/>
+  </p:clrMapOvr>
+  <mc:AlternateContent xmlns:mc="http://schemas.openxmlformats.org/markup-compatibility/2006">
+    <mc:Choice xmlns:p14="http://schemas.microsoft.com/office/powerpoint/2010/main" Requires="p14">
+      <p:transition xmlns:mc="http://schemas.openxmlformats.org/markup-compatibility/2006" xmlns:p14="http://schemas.microsoft.com/office/powerpoint/2010/main" mc:Ignorable="p14" p14:dur="500"/>
+    </mc:Choice>
+    <mc:Fallback>
+      <p:transition/>
+    </mc:Fallback>
+  </mc:AlternateContent>
+</p:sld>
+</file>
+
+<file path=ppt/slides/slide36.xml><?xml version="1.0" encoding="utf-8"?>
+<p:sld xmlns:r="http://schemas.openxmlformats.org/officeDocument/2006/relationships" xmlns:c="http://schemas.openxmlformats.org/drawingml/2006/chart" xmlns:a="http://schemas.openxmlformats.org/drawingml/2006/main" xmlns:dgm="http://schemas.openxmlformats.org/drawingml/2006/diagram" xmlns:dsp="http://schemas.microsoft.com/office/drawing/2008/diagram" xmlns:p="http://schemas.openxmlformats.org/presentationml/2006/main">
+  <p:cSld>
+    <p:bg>
+      <p:bgPr shadeToTitle="0">
+        <a:gradFill>
+          <a:gsLst>
+            <a:gs pos="50000">
+              <a:srgbClr val="b3acb3"/>
+            </a:gs>
+            <a:gs pos="50000">
+              <a:srgbClr val="f8e9e8"/>
+            </a:gs>
+          </a:gsLst>
+          <a:lin ang="6600000" scaled="0"/>
+        </a:gradFill>
+      </p:bgPr>
+    </p:bg>
+    <p:spTree>
+      <p:nvGrpSpPr>
+        <p:cNvPr id="1" name=""/>
+        <p:cNvGrpSpPr/>
+        <p:nvPr/>
+      </p:nvGrpSpPr>
+      <p:grpSpPr>
+        <a:xfrm>
+          <a:off x="0" y="0"/>
+          <a:ext cx="0" cy="0"/>
+          <a:chOff x="0" y="0"/>
+          <a:chExt cx="0" cy="0"/>
+        </a:xfrm>
+      </p:grpSpPr>
+      <p:sp>
+        <p:nvSpPr>
+          <p:cNvPr id="3" name="직사각형 2"/>
+          <p:cNvSpPr/>
+          <p:nvPr/>
+        </p:nvSpPr>
+        <p:spPr>
+          <a:xfrm>
+            <a:off x="409575" y="419993"/>
+            <a:ext cx="11372850" cy="6018014"/>
+          </a:xfrm>
+          <a:prstGeom prst="rect">
+            <a:avLst/>
+          </a:prstGeom>
+          <a:solidFill>
+            <a:schemeClr val="bg1"/>
+          </a:solidFill>
+          <a:ln w="187325">
+            <a:gradFill>
+              <a:gsLst>
+                <a:gs pos="50000">
+                  <a:srgbClr val="efccca"/>
+                </a:gs>
+                <a:gs pos="50000">
+                  <a:schemeClr val="bg1">
+                    <a:lumMod val="85000"/>
+                  </a:schemeClr>
+                </a:gs>
+              </a:gsLst>
+              <a:lin ang="6600000" scaled="0"/>
+            </a:gradFill>
+          </a:ln>
+          <a:effectLst>
+            <a:outerShdw blurRad="431800" dist="241300" dir="5400000" sx="97000" sy="97000" algn="t" rotWithShape="0">
+              <a:prstClr val="black">
+                <a:alpha val="31000"/>
+              </a:prstClr>
+            </a:outerShdw>
+          </a:effectLst>
+        </p:spPr>
+        <p:style>
+          <a:lnRef idx="2">
+            <a:schemeClr val="accent1">
+              <a:shade val="50000"/>
+            </a:schemeClr>
+          </a:lnRef>
+          <a:fillRef idx="1">
+            <a:schemeClr val="accent1"/>
+          </a:fillRef>
+          <a:effectRef idx="0">
+            <a:schemeClr val="accent1"/>
+          </a:effectRef>
+          <a:fontRef idx="minor">
+            <a:schemeClr val="lt1"/>
+          </a:fontRef>
+        </p:style>
+        <p:txBody>
+          <a:bodyPr anchor="t"/>
+          <a:lstStyle/>
+          <a:p>
+            <a:pPr algn="ctr" latinLnBrk="0">
+              <a:lnSpc>
+                <a:spcPct val="150000"/>
+              </a:lnSpc>
+              <a:defRPr/>
+            </a:pPr>
+            <a:endParaRPr lang="ko-KR" altLang="en-US" sz="2800" b="1" i="1" kern="0">
+              <a:solidFill>
+                <a:prstClr val="black">
+                  <a:lumMod val="50000"/>
+                  <a:lumOff val="50000"/>
+                </a:prstClr>
+              </a:solidFill>
+            </a:endParaRPr>
+          </a:p>
+        </p:txBody>
+      </p:sp>
+      <p:sp>
+        <p:nvSpPr>
+          <p:cNvPr id="56" name="직사각형 55"/>
+          <p:cNvSpPr/>
+          <p:nvPr/>
+        </p:nvSpPr>
+        <p:spPr>
+          <a:xfrm>
+            <a:off x="653251" y="677277"/>
+            <a:ext cx="10885496" cy="720993"/>
+          </a:xfrm>
+          <a:prstGeom prst="rect">
+            <a:avLst/>
+          </a:prstGeom>
+        </p:spPr>
+        <p:txBody>
+          <a:bodyPr wrap="square">
+            <a:spAutoFit/>
+          </a:bodyPr>
+          <a:lstStyle/>
+          <a:p>
+            <a:pPr lvl="0">
+              <a:defRPr/>
+            </a:pPr>
+            <a:r>
+              <a:rPr lang="en-US" altLang="ko-KR" sz="4200" b="1" i="1">
+                <a:solidFill>
+                  <a:srgbClr val="ff9999"/>
+                </a:solidFill>
+              </a:rPr>
+              <a:t>DB</a:t>
+            </a:r>
+            <a:r>
+              <a:rPr lang="ko-KR" altLang="en-US" sz="4200" b="1" i="1">
+                <a:solidFill>
+                  <a:srgbClr val="ff9999"/>
+                </a:solidFill>
+              </a:rPr>
+              <a:t>구성 및 설명</a:t>
+            </a:r>
+            <a:endParaRPr lang="ko-KR" altLang="en-US" sz="4200" b="1" i="1">
+              <a:solidFill>
+                <a:srgbClr val="ff9999"/>
+              </a:solidFill>
+            </a:endParaRPr>
+          </a:p>
+        </p:txBody>
+      </p:sp>
+      <p:sp>
+        <p:nvSpPr>
+          <p:cNvPr id="75" name="부제목 2"/>
+          <p:cNvSpPr>
+            <a:spLocks noGrp="1"/>
+          </p:cNvSpPr>
+          <p:nvPr/>
+        </p:nvSpPr>
+        <p:spPr>
+          <a:xfrm>
+            <a:off x="613736" y="1414918"/>
+            <a:ext cx="10964527" cy="5767589"/>
+          </a:xfrm>
+          <a:prstGeom prst="rect">
+            <a:avLst/>
+          </a:prstGeom>
+        </p:spPr>
+        <p:txBody>
+          <a:bodyPr vert="horz" lIns="91440" tIns="45720" rIns="91440" bIns="45720">
+            <a:noAutofit/>
+          </a:bodyPr>
+          <a:lstStyle/>
+          <a:p>
+            <a:pPr marL="0" indent="0" defTabSz="914400" rtl="0" eaLnBrk="1" latinLnBrk="1" hangingPunct="1">
+              <a:lnSpc>
+                <a:spcPct val="90000"/>
+              </a:lnSpc>
+              <a:spcBef>
+                <a:spcPts val="1000"/>
+              </a:spcBef>
+              <a:spcAft>
+                <a:spcPts val="0"/>
+              </a:spcAft>
+              <a:buFont typeface="Arial"/>
+              <a:buNone/>
+              <a:defRPr/>
+            </a:pPr>
+            <a:r>
+              <a:rPr kumimoji="0" lang="en-US" altLang="ko-KR" sz="2700" b="0" i="0" u="none" strike="noStrike" kern="1200" cap="none" spc="0" normalizeH="0" baseline="0">
+                <a:solidFill>
+                  <a:srgbClr val="ff0000"/>
+                </a:solidFill>
+                <a:latin typeface="1훈정글북 Regular"/>
+                <a:ea typeface="1훈정글북 Regular"/>
+              </a:rPr>
+              <a:t>&lt;board </a:t>
+            </a:r>
+            <a:r>
+              <a:rPr kumimoji="0" lang="ko-KR" altLang="en-US" sz="2700" b="0" i="0" u="none" strike="noStrike" kern="1200" cap="none" spc="0" normalizeH="0" baseline="0">
+                <a:solidFill>
+                  <a:srgbClr val="ff0000"/>
+                </a:solidFill>
+                <a:latin typeface="1훈정글북 Regular"/>
+                <a:ea typeface="1훈정글북 Regular"/>
+              </a:rPr>
+              <a:t>테이블</a:t>
+            </a:r>
+            <a:r>
+              <a:rPr kumimoji="0" lang="en-US" altLang="ko-KR" sz="2700" b="0" i="0" u="none" strike="noStrike" kern="1200" cap="none" spc="0" normalizeH="0" baseline="0">
+                <a:solidFill>
+                  <a:srgbClr val="ff0000"/>
+                </a:solidFill>
+                <a:latin typeface="1훈정글북 Regular"/>
+                <a:ea typeface="1훈정글북 Regular"/>
+              </a:rPr>
+              <a:t>&gt;</a:t>
+            </a:r>
+            <a:r>
+              <a:rPr kumimoji="0" lang="ko-KR" altLang="en-US" sz="2700" b="0" i="0" u="none" strike="noStrike" kern="1200" cap="none" spc="0" normalizeH="0" baseline="0">
+                <a:solidFill>
+                  <a:srgbClr val="ff0000"/>
+                </a:solidFill>
+                <a:latin typeface="1훈정글북 Regular"/>
+                <a:ea typeface="1훈정글북 Regular"/>
+              </a:rPr>
+              <a:t> </a:t>
+            </a:r>
+            <a:r>
+              <a:rPr kumimoji="0" lang="en-US" altLang="ko-KR" sz="2700" b="0" i="0" u="none" strike="noStrike" kern="1200" cap="none" spc="0" normalizeH="0" baseline="0">
+                <a:solidFill>
+                  <a:srgbClr val="ff0000"/>
+                </a:solidFill>
+                <a:latin typeface="1훈정글북 Regular"/>
+                <a:ea typeface="1훈정글북 Regular"/>
+              </a:rPr>
+              <a:t>:</a:t>
+            </a:r>
+            <a:r>
+              <a:rPr kumimoji="0" lang="ko-KR" altLang="en-US" sz="2700" b="0" i="0" u="none" strike="noStrike" kern="1200" cap="none" spc="0" normalizeH="0" baseline="0">
+                <a:solidFill>
+                  <a:srgbClr val="ff0000"/>
+                </a:solidFill>
+                <a:latin typeface="1훈정글북 Regular"/>
+                <a:ea typeface="1훈정글북 Regular"/>
+              </a:rPr>
+              <a:t> 게시판</a:t>
+            </a:r>
+            <a:endParaRPr kumimoji="0" lang="ko-KR" altLang="en-US" sz="2700" b="0" i="0" u="none" strike="noStrike" kern="1200" cap="none" spc="0" normalizeH="0" baseline="0">
+              <a:solidFill>
+                <a:srgbClr val="ff0000"/>
+              </a:solidFill>
+              <a:latin typeface="1훈정글북 Regular"/>
+              <a:ea typeface="1훈정글북 Regular"/>
+            </a:endParaRPr>
+          </a:p>
+          <a:p>
+            <a:pPr marL="0" indent="0" defTabSz="914400" rtl="0" eaLnBrk="1" latinLnBrk="1" hangingPunct="1">
+              <a:spcBef>
+                <a:spcPts val="1000"/>
+              </a:spcBef>
+              <a:spcAft>
+                <a:spcPts val="0"/>
+              </a:spcAft>
+              <a:buFont typeface="Arial"/>
+              <a:buNone/>
+              <a:defRPr/>
+            </a:pPr>
+            <a:r>
+              <a:rPr kumimoji="0" lang="en-US" altLang="ko-KR" sz="1400" b="0" i="0" u="none" strike="noStrike" kern="1200" cap="none" spc="0" normalizeH="0" baseline="0">
+                <a:solidFill>
+                  <a:schemeClr val="dk1"/>
+                </a:solidFill>
+                <a:latin typeface="1훈정글북 Regular"/>
+                <a:ea typeface="1훈정글북 Regular"/>
+              </a:rPr>
+              <a:t>create table board (</a:t>
+            </a:r>
+            <a:endParaRPr kumimoji="0" lang="en-US" altLang="ko-KR" sz="1400" b="0" i="0" u="none" strike="noStrike" kern="1200" cap="none" spc="0" normalizeH="0" baseline="0">
+              <a:solidFill>
+                <a:schemeClr val="dk1"/>
+              </a:solidFill>
+              <a:latin typeface="1훈정글북 Regular"/>
+              <a:ea typeface="1훈정글북 Regular"/>
+            </a:endParaRPr>
+          </a:p>
+          <a:p>
+            <a:pPr marL="0" indent="0" defTabSz="914400" rtl="0" eaLnBrk="1" latinLnBrk="1" hangingPunct="1">
+              <a:spcBef>
+                <a:spcPts val="1000"/>
+              </a:spcBef>
+              <a:spcAft>
+                <a:spcPts val="0"/>
+              </a:spcAft>
+              <a:buFont typeface="Arial"/>
+              <a:buNone/>
+              <a:defRPr/>
+            </a:pPr>
+            <a:r>
+              <a:rPr kumimoji="0" lang="en-US" altLang="ko-KR" sz="1400" b="0" i="0" u="none" strike="noStrike" kern="1200" cap="none" spc="0" normalizeH="0" baseline="0">
+                <a:solidFill>
+                  <a:schemeClr val="dk1"/>
+                </a:solidFill>
+                <a:latin typeface="1훈정글북 Regular"/>
+                <a:ea typeface="1훈정글북 Regular"/>
+              </a:rPr>
+              <a:t>	idx		int		primary key,</a:t>
+            </a:r>
+            <a:endParaRPr kumimoji="0" lang="en-US" altLang="ko-KR" sz="1400" b="0" i="0" u="none" strike="noStrike" kern="1200" cap="none" spc="0" normalizeH="0" baseline="0">
+              <a:solidFill>
+                <a:schemeClr val="dk1"/>
+              </a:solidFill>
+              <a:latin typeface="1훈정글북 Regular"/>
+              <a:ea typeface="1훈정글북 Regular"/>
+            </a:endParaRPr>
+          </a:p>
+          <a:p>
+            <a:pPr marL="0" indent="0" defTabSz="914400" rtl="0" eaLnBrk="1" latinLnBrk="1" hangingPunct="1">
+              <a:spcBef>
+                <a:spcPts val="1000"/>
+              </a:spcBef>
+              <a:spcAft>
+                <a:spcPts val="0"/>
+              </a:spcAft>
+              <a:buFont typeface="Arial"/>
+              <a:buNone/>
+              <a:defRPr/>
+            </a:pPr>
+            <a:r>
+              <a:rPr kumimoji="0" lang="en-US" altLang="ko-KR" sz="1400" b="0" i="0" u="none" strike="noStrike" kern="1200" cap="none" spc="0" normalizeH="0" baseline="0">
+                <a:solidFill>
+                  <a:schemeClr val="dk1"/>
+                </a:solidFill>
+                <a:latin typeface="1훈정글북 Regular"/>
+                <a:ea typeface="1훈정글북 Regular"/>
+              </a:rPr>
+              <a:t>	no		int,</a:t>
+            </a:r>
+            <a:endParaRPr kumimoji="0" lang="en-US" altLang="ko-KR" sz="1400" b="0" i="0" u="none" strike="noStrike" kern="1200" cap="none" spc="0" normalizeH="0" baseline="0">
+              <a:solidFill>
+                <a:schemeClr val="dk1"/>
+              </a:solidFill>
+              <a:latin typeface="1훈정글북 Regular"/>
+              <a:ea typeface="1훈정글북 Regular"/>
+            </a:endParaRPr>
+          </a:p>
+          <a:p>
+            <a:pPr marL="0" indent="0" defTabSz="914400" rtl="0" eaLnBrk="1" latinLnBrk="1" hangingPunct="1">
+              <a:spcBef>
+                <a:spcPts val="1000"/>
+              </a:spcBef>
+              <a:spcAft>
+                <a:spcPts val="0"/>
+              </a:spcAft>
+              <a:buFont typeface="Arial"/>
+              <a:buNone/>
+              <a:defRPr/>
+            </a:pPr>
+            <a:r>
+              <a:rPr kumimoji="0" lang="en-US" altLang="ko-KR" sz="1400" b="0" i="0" u="none" strike="noStrike" kern="1200" cap="none" spc="0" normalizeH="0" baseline="0">
+                <a:solidFill>
+                  <a:schemeClr val="dk1"/>
+                </a:solidFill>
+                <a:latin typeface="1훈정글북 Regular"/>
+                <a:ea typeface="1훈정글북 Regular"/>
+              </a:rPr>
+              <a:t>	subject		char(50),</a:t>
+            </a:r>
+            <a:endParaRPr kumimoji="0" lang="en-US" altLang="ko-KR" sz="1400" b="0" i="0" u="none" strike="noStrike" kern="1200" cap="none" spc="0" normalizeH="0" baseline="0">
+              <a:solidFill>
+                <a:schemeClr val="dk1"/>
+              </a:solidFill>
+              <a:latin typeface="1훈정글북 Regular"/>
+              <a:ea typeface="1훈정글북 Regular"/>
+            </a:endParaRPr>
+          </a:p>
+          <a:p>
+            <a:pPr marL="0" indent="0" defTabSz="914400" rtl="0" eaLnBrk="1" latinLnBrk="1" hangingPunct="1">
+              <a:spcBef>
+                <a:spcPts val="1000"/>
+              </a:spcBef>
+              <a:spcAft>
+                <a:spcPts val="0"/>
+              </a:spcAft>
+              <a:buFont typeface="Arial"/>
+              <a:buNone/>
+              <a:defRPr/>
+            </a:pPr>
+            <a:r>
+              <a:rPr kumimoji="0" lang="en-US" altLang="ko-KR" sz="1400" b="0" i="0" u="none" strike="noStrike" kern="1200" cap="none" spc="0" normalizeH="0" baseline="0">
+                <a:solidFill>
+                  <a:schemeClr val="dk1"/>
+                </a:solidFill>
+                <a:latin typeface="1훈정글북 Regular"/>
+                <a:ea typeface="1훈정글북 Regular"/>
+              </a:rPr>
+              <a:t>	name		char(20),</a:t>
+            </a:r>
+            <a:endParaRPr kumimoji="0" lang="en-US" altLang="ko-KR" sz="1400" b="0" i="0" u="none" strike="noStrike" kern="1200" cap="none" spc="0" normalizeH="0" baseline="0">
+              <a:solidFill>
+                <a:schemeClr val="dk1"/>
+              </a:solidFill>
+              <a:latin typeface="1훈정글북 Regular"/>
+              <a:ea typeface="1훈정글북 Regular"/>
+            </a:endParaRPr>
+          </a:p>
+          <a:p>
+            <a:pPr marL="0" indent="0" defTabSz="914400" rtl="0" eaLnBrk="1" latinLnBrk="1" hangingPunct="1">
+              <a:spcBef>
+                <a:spcPts val="1000"/>
+              </a:spcBef>
+              <a:spcAft>
+                <a:spcPts val="0"/>
+              </a:spcAft>
+              <a:buFont typeface="Arial"/>
+              <a:buNone/>
+              <a:defRPr/>
+            </a:pPr>
+            <a:r>
+              <a:rPr kumimoji="0" lang="en-US" altLang="ko-KR" sz="1400" b="0" i="0" u="none" strike="noStrike" kern="1200" cap="none" spc="0" normalizeH="0" baseline="0">
+                <a:solidFill>
+                  <a:schemeClr val="dk1"/>
+                </a:solidFill>
+                <a:latin typeface="1훈정글북 Regular"/>
+                <a:ea typeface="1훈정글북 Regular"/>
+              </a:rPr>
+              <a:t>	email		char(30),</a:t>
+            </a:r>
+            <a:endParaRPr kumimoji="0" lang="en-US" altLang="ko-KR" sz="1400" b="0" i="0" u="none" strike="noStrike" kern="1200" cap="none" spc="0" normalizeH="0" baseline="0">
+              <a:solidFill>
+                <a:schemeClr val="dk1"/>
+              </a:solidFill>
+              <a:latin typeface="1훈정글북 Regular"/>
+              <a:ea typeface="1훈정글북 Regular"/>
+            </a:endParaRPr>
+          </a:p>
+          <a:p>
+            <a:pPr marL="0" indent="0" defTabSz="914400" rtl="0" eaLnBrk="1" latinLnBrk="1" hangingPunct="1">
+              <a:spcBef>
+                <a:spcPts val="1000"/>
+              </a:spcBef>
+              <a:spcAft>
+                <a:spcPts val="0"/>
+              </a:spcAft>
+              <a:buFont typeface="Arial"/>
+              <a:buNone/>
+              <a:defRPr/>
+            </a:pPr>
+            <a:r>
+              <a:rPr kumimoji="0" lang="en-US" altLang="ko-KR" sz="1400" b="0" i="0" u="none" strike="noStrike" kern="1200" cap="none" spc="0" normalizeH="0" baseline="0">
+                <a:solidFill>
+                  <a:schemeClr val="dk1"/>
+                </a:solidFill>
+                <a:latin typeface="1훈정글북 Regular"/>
+                <a:ea typeface="1훈정글북 Regular"/>
+              </a:rPr>
+              <a:t>	content		text,</a:t>
+            </a:r>
+            <a:endParaRPr kumimoji="0" lang="en-US" altLang="ko-KR" sz="1400" b="0" i="0" u="none" strike="noStrike" kern="1200" cap="none" spc="0" normalizeH="0" baseline="0">
+              <a:solidFill>
+                <a:schemeClr val="dk1"/>
+              </a:solidFill>
+              <a:latin typeface="1훈정글북 Regular"/>
+              <a:ea typeface="1훈정글북 Regular"/>
+            </a:endParaRPr>
+          </a:p>
+          <a:p>
+            <a:pPr marL="0" indent="0" defTabSz="914400" rtl="0" eaLnBrk="1" latinLnBrk="1" hangingPunct="1">
+              <a:spcBef>
+                <a:spcPts val="1000"/>
+              </a:spcBef>
+              <a:spcAft>
+                <a:spcPts val="0"/>
+              </a:spcAft>
+              <a:buFont typeface="Arial"/>
+              <a:buNone/>
+              <a:defRPr/>
+            </a:pPr>
+            <a:r>
+              <a:rPr kumimoji="0" lang="en-US" altLang="ko-KR" sz="1400" b="0" i="0" u="none" strike="noStrike" kern="1200" cap="none" spc="0" normalizeH="0" baseline="0">
+                <a:solidFill>
+                  <a:schemeClr val="dk1"/>
+                </a:solidFill>
+                <a:latin typeface="1훈정글북 Regular"/>
+                <a:ea typeface="1훈정글북 Regular"/>
+              </a:rPr>
+              <a:t>	ymd		char(30),</a:t>
+            </a:r>
+            <a:endParaRPr kumimoji="0" lang="en-US" altLang="ko-KR" sz="1400" b="0" i="0" u="none" strike="noStrike" kern="1200" cap="none" spc="0" normalizeH="0" baseline="0">
+              <a:solidFill>
+                <a:schemeClr val="dk1"/>
+              </a:solidFill>
+              <a:latin typeface="1훈정글북 Regular"/>
+              <a:ea typeface="1훈정글북 Regular"/>
+            </a:endParaRPr>
+          </a:p>
+          <a:p>
+            <a:pPr marL="0" indent="0" defTabSz="914400" rtl="0" eaLnBrk="1" latinLnBrk="1" hangingPunct="1">
+              <a:spcBef>
+                <a:spcPts val="1000"/>
+              </a:spcBef>
+              <a:spcAft>
+                <a:spcPts val="0"/>
+              </a:spcAft>
+              <a:buFont typeface="Arial"/>
+              <a:buNone/>
+              <a:defRPr/>
+            </a:pPr>
+            <a:r>
+              <a:rPr kumimoji="0" lang="en-US" altLang="ko-KR" sz="1400" b="0" i="0" u="none" strike="noStrike" kern="1200" cap="none" spc="0" normalizeH="0" baseline="0">
+                <a:solidFill>
+                  <a:schemeClr val="dk1"/>
+                </a:solidFill>
+                <a:latin typeface="1훈정글북 Regular"/>
+                <a:ea typeface="1훈정글북 Regular"/>
+              </a:rPr>
+              <a:t>	readcount	</a:t>
+            </a:r>
+            <a:r>
+              <a:rPr kumimoji="0" lang="ko-KR" altLang="en-US" sz="1400" b="0" i="0" u="none" strike="noStrike" kern="1200" cap="none" spc="0" normalizeH="0" baseline="0">
+                <a:solidFill>
+                  <a:schemeClr val="dk1"/>
+                </a:solidFill>
+                <a:latin typeface="1훈정글북 Regular"/>
+                <a:ea typeface="1훈정글북 Regular"/>
+              </a:rPr>
+              <a:t>	</a:t>
+            </a:r>
+            <a:r>
+              <a:rPr kumimoji="0" lang="en-US" altLang="ko-KR" sz="1400" b="0" i="0" u="none" strike="noStrike" kern="1200" cap="none" spc="0" normalizeH="0" baseline="0">
+                <a:solidFill>
+                  <a:schemeClr val="dk1"/>
+                </a:solidFill>
+                <a:latin typeface="1훈정글북 Regular"/>
+                <a:ea typeface="1훈정글북 Regular"/>
+              </a:rPr>
+              <a:t>int,</a:t>
+            </a:r>
+            <a:endParaRPr kumimoji="0" lang="en-US" altLang="ko-KR" sz="1400" b="0" i="0" u="none" strike="noStrike" kern="1200" cap="none" spc="0" normalizeH="0" baseline="0">
+              <a:solidFill>
+                <a:schemeClr val="dk1"/>
+              </a:solidFill>
+              <a:latin typeface="1훈정글북 Regular"/>
+              <a:ea typeface="1훈정글북 Regular"/>
+            </a:endParaRPr>
+          </a:p>
+          <a:p>
+            <a:pPr marL="0" indent="0" defTabSz="914400" rtl="0" eaLnBrk="1" latinLnBrk="1" hangingPunct="1">
+              <a:spcBef>
+                <a:spcPts val="1000"/>
+              </a:spcBef>
+              <a:spcAft>
+                <a:spcPts val="0"/>
+              </a:spcAft>
+              <a:buFont typeface="Arial"/>
+              <a:buNone/>
+              <a:defRPr/>
+            </a:pPr>
+            <a:r>
+              <a:rPr kumimoji="0" lang="en-US" altLang="ko-KR" sz="1400" b="0" i="0" u="none" strike="noStrike" kern="1200" cap="none" spc="0" normalizeH="0" baseline="0">
+                <a:solidFill>
+                  <a:schemeClr val="dk1"/>
+                </a:solidFill>
+                <a:latin typeface="1훈정글북 Regular"/>
+                <a:ea typeface="1훈정글북 Regular"/>
+              </a:rPr>
+              <a:t>	pwd		char(20),</a:t>
+            </a:r>
+            <a:endParaRPr kumimoji="0" lang="en-US" altLang="ko-KR" sz="1400" b="0" i="0" u="none" strike="noStrike" kern="1200" cap="none" spc="0" normalizeH="0" baseline="0">
+              <a:solidFill>
+                <a:schemeClr val="dk1"/>
+              </a:solidFill>
+              <a:latin typeface="1훈정글북 Regular"/>
+              <a:ea typeface="1훈정글북 Regular"/>
+            </a:endParaRPr>
+          </a:p>
+          <a:p>
+            <a:pPr marL="0" indent="0" defTabSz="914400" rtl="0" eaLnBrk="1" latinLnBrk="1" hangingPunct="1">
+              <a:spcBef>
+                <a:spcPts val="1000"/>
+              </a:spcBef>
+              <a:spcAft>
+                <a:spcPts val="0"/>
+              </a:spcAft>
+              <a:buFont typeface="Arial"/>
+              <a:buNone/>
+              <a:defRPr/>
+            </a:pPr>
+            <a:r>
+              <a:rPr kumimoji="0" lang="en-US" altLang="ko-KR" sz="1400" b="0" i="0" u="none" strike="noStrike" kern="1200" cap="none" spc="0" normalizeH="0" baseline="0">
+                <a:solidFill>
+                  <a:schemeClr val="dk1"/>
+                </a:solidFill>
+                <a:latin typeface="1훈정글북 Regular"/>
+                <a:ea typeface="1훈정글북 Regular"/>
+              </a:rPr>
+              <a:t>	masterid	</a:t>
+            </a:r>
+            <a:r>
+              <a:rPr kumimoji="0" lang="ko-KR" altLang="en-US" sz="1400" b="0" i="0" u="none" strike="noStrike" kern="1200" cap="none" spc="0" normalizeH="0" baseline="0">
+                <a:solidFill>
+                  <a:schemeClr val="dk1"/>
+                </a:solidFill>
+                <a:latin typeface="1훈정글북 Regular"/>
+                <a:ea typeface="1훈정글북 Regular"/>
+              </a:rPr>
+              <a:t>	</a:t>
+            </a:r>
+            <a:r>
+              <a:rPr kumimoji="0" lang="en-US" altLang="ko-KR" sz="1400" b="0" i="0" u="none" strike="noStrike" kern="1200" cap="none" spc="0" normalizeH="0" baseline="0">
+                <a:solidFill>
+                  <a:schemeClr val="dk1"/>
+                </a:solidFill>
+                <a:latin typeface="1훈정글북 Regular"/>
+                <a:ea typeface="1훈정글북 Regular"/>
+              </a:rPr>
+              <a:t>int,</a:t>
+            </a:r>
+            <a:endParaRPr kumimoji="0" lang="en-US" altLang="ko-KR" sz="1400" b="0" i="0" u="none" strike="noStrike" kern="1200" cap="none" spc="0" normalizeH="0" baseline="0">
+              <a:solidFill>
+                <a:schemeClr val="dk1"/>
+              </a:solidFill>
+              <a:latin typeface="1훈정글북 Regular"/>
+              <a:ea typeface="1훈정글북 Regular"/>
+            </a:endParaRPr>
+          </a:p>
+          <a:p>
+            <a:pPr marL="0" indent="0" defTabSz="914400" rtl="0" eaLnBrk="1" latinLnBrk="1" hangingPunct="1">
+              <a:spcBef>
+                <a:spcPts val="1000"/>
+              </a:spcBef>
+              <a:spcAft>
+                <a:spcPts val="0"/>
+              </a:spcAft>
+              <a:buFont typeface="Arial"/>
+              <a:buNone/>
+              <a:defRPr/>
+            </a:pPr>
+            <a:r>
+              <a:rPr kumimoji="0" lang="en-US" altLang="ko-KR" sz="1400" b="0" i="0" u="none" strike="noStrike" kern="1200" cap="none" spc="0" normalizeH="0" baseline="0">
+                <a:solidFill>
+                  <a:schemeClr val="dk1"/>
+                </a:solidFill>
+                <a:latin typeface="1훈정글북 Regular"/>
+                <a:ea typeface="1훈정글북 Regular"/>
+              </a:rPr>
+              <a:t>	replynum	</a:t>
+            </a:r>
+            <a:r>
+              <a:rPr kumimoji="0" lang="ko-KR" altLang="en-US" sz="1400" b="0" i="0" u="none" strike="noStrike" kern="1200" cap="none" spc="0" normalizeH="0" baseline="0">
+                <a:solidFill>
+                  <a:schemeClr val="dk1"/>
+                </a:solidFill>
+                <a:latin typeface="1훈정글북 Regular"/>
+                <a:ea typeface="1훈정글북 Regular"/>
+              </a:rPr>
+              <a:t>	</a:t>
+            </a:r>
+            <a:r>
+              <a:rPr kumimoji="0" lang="en-US" altLang="ko-KR" sz="1400" b="0" i="0" u="none" strike="noStrike" kern="1200" cap="none" spc="0" normalizeH="0" baseline="0">
+                <a:solidFill>
+                  <a:schemeClr val="dk1"/>
+                </a:solidFill>
+                <a:latin typeface="1훈정글북 Regular"/>
+                <a:ea typeface="1훈정글북 Regular"/>
+              </a:rPr>
+              <a:t>int,</a:t>
+            </a:r>
+            <a:endParaRPr kumimoji="0" lang="en-US" altLang="ko-KR" sz="1400" b="0" i="0" u="none" strike="noStrike" kern="1200" cap="none" spc="0" normalizeH="0" baseline="0">
+              <a:solidFill>
+                <a:schemeClr val="dk1"/>
+              </a:solidFill>
+              <a:latin typeface="1훈정글북 Regular"/>
+              <a:ea typeface="1훈정글북 Regular"/>
+            </a:endParaRPr>
+          </a:p>
+          <a:p>
+            <a:pPr marL="0" indent="0" defTabSz="914400" rtl="0" eaLnBrk="1" latinLnBrk="1" hangingPunct="1">
+              <a:spcBef>
+                <a:spcPts val="1000"/>
+              </a:spcBef>
+              <a:spcAft>
+                <a:spcPts val="0"/>
+              </a:spcAft>
+              <a:buFont typeface="Arial"/>
+              <a:buNone/>
+              <a:defRPr/>
+            </a:pPr>
+            <a:r>
+              <a:rPr kumimoji="0" lang="en-US" altLang="ko-KR" sz="1400" b="0" i="0" u="none" strike="noStrike" kern="1200" cap="none" spc="0" normalizeH="0" baseline="0">
+                <a:solidFill>
+                  <a:schemeClr val="dk1"/>
+                </a:solidFill>
+                <a:latin typeface="1훈정글북 Regular"/>
+                <a:ea typeface="1훈정글북 Regular"/>
+              </a:rPr>
+              <a:t>	step 		int</a:t>
+            </a:r>
+            <a:endParaRPr kumimoji="0" lang="en-US" altLang="ko-KR" sz="1400" b="0" i="0" u="none" strike="noStrike" kern="1200" cap="none" spc="0" normalizeH="0" baseline="0">
+              <a:solidFill>
+                <a:schemeClr val="dk1"/>
+              </a:solidFill>
+              <a:latin typeface="1훈정글북 Regular"/>
+              <a:ea typeface="1훈정글북 Regular"/>
+            </a:endParaRPr>
+          </a:p>
+          <a:p>
+            <a:pPr marL="0" indent="0" defTabSz="914400" rtl="0" eaLnBrk="1" latinLnBrk="1" hangingPunct="1">
+              <a:spcBef>
+                <a:spcPts val="1000"/>
+              </a:spcBef>
+              <a:spcAft>
+                <a:spcPts val="0"/>
+              </a:spcAft>
+              <a:buFont typeface="Arial"/>
+              <a:buNone/>
+              <a:defRPr/>
+            </a:pPr>
+            <a:r>
+              <a:rPr kumimoji="0" lang="en-US" altLang="ko-KR" sz="1400" b="0" i="0" u="none" strike="noStrike" kern="1200" cap="none" spc="0" normalizeH="0" baseline="0">
+                <a:solidFill>
+                  <a:schemeClr val="dk1"/>
+                </a:solidFill>
+                <a:latin typeface="1훈정글북 Regular"/>
+                <a:ea typeface="1훈정글북 Regular"/>
+              </a:rPr>
+              <a:t>);</a:t>
+            </a:r>
+            <a:endParaRPr kumimoji="0" lang="en-US" altLang="ko-KR" sz="1400" b="0" i="0" u="none" strike="noStrike" kern="1200" cap="none" spc="0" normalizeH="0" baseline="0">
+              <a:solidFill>
+                <a:schemeClr val="dk1"/>
+              </a:solidFill>
+              <a:latin typeface="1훈정글북 Regular"/>
+              <a:ea typeface="1훈정글북 Regular"/>
+            </a:endParaRPr>
+          </a:p>
+          <a:p>
+            <a:pPr marL="0" indent="0" defTabSz="914400" rtl="0" eaLnBrk="1" latinLnBrk="1" hangingPunct="1">
+              <a:lnSpc>
+                <a:spcPct val="90000"/>
+              </a:lnSpc>
+              <a:spcBef>
+                <a:spcPts val="1000"/>
+              </a:spcBef>
+              <a:spcAft>
+                <a:spcPts val="0"/>
+              </a:spcAft>
+              <a:buFont typeface="Arial"/>
+              <a:buNone/>
+              <a:defRPr/>
+            </a:pPr>
+            <a:endParaRPr kumimoji="0" lang="ko-KR" altLang="en-US" sz="1400" b="0" i="0" u="none" strike="noStrike" kern="1200" cap="none" spc="0" normalizeH="0" baseline="0">
+              <a:solidFill>
+                <a:schemeClr val="tx1"/>
+              </a:solidFill>
+              <a:latin typeface="1훈정글북 Regular"/>
+              <a:ea typeface="1훈정글북 Regular"/>
+            </a:endParaRPr>
+          </a:p>
+        </p:txBody>
+      </p:sp>
+    </p:spTree>
+  </p:cSld>
+  <p:clrMapOvr>
+    <a:masterClrMapping/>
+  </p:clrMapOvr>
+  <mc:AlternateContent xmlns:mc="http://schemas.openxmlformats.org/markup-compatibility/2006">
+    <mc:Choice xmlns:p14="http://schemas.microsoft.com/office/powerpoint/2010/main" Requires="p14">
+      <p:transition xmlns:mc="http://schemas.openxmlformats.org/markup-compatibility/2006" xmlns:p14="http://schemas.microsoft.com/office/powerpoint/2010/main" mc:Ignorable="p14" p14:dur="500"/>
+    </mc:Choice>
+    <mc:Fallback>
+      <p:transition/>
+    </mc:Fallback>
+  </mc:AlternateContent>
+</p:sld>
+</file>
+
+<file path=ppt/slides/slide37.xml><?xml version="1.0" encoding="utf-8"?>
 <p:sld xmlns:a="http://schemas.openxmlformats.org/drawingml/2006/main" xmlns:r="http://schemas.openxmlformats.org/officeDocument/2006/relationships" xmlns:p="http://schemas.openxmlformats.org/presentationml/2006/main">
   <p:cSld>
     <p:bg>
@@ -38940,7 +40295,7 @@
 </p:sld>
 </file>
 
-<file path=ppt/slides/slide34.xml><?xml version="1.0" encoding="utf-8"?>
+<file path=ppt/slides/slide38.xml><?xml version="1.0" encoding="utf-8"?>
 <p:sld xmlns:a="http://schemas.openxmlformats.org/drawingml/2006/main" xmlns:r="http://schemas.openxmlformats.org/officeDocument/2006/relationships" xmlns:p="http://schemas.openxmlformats.org/presentationml/2006/main">
   <p:cSld>
     <p:bg>
@@ -40657,7 +42012,7 @@
 </p:sld>
 </file>
 
-<file path=ppt/slides/slide35.xml><?xml version="1.0" encoding="utf-8"?>
+<file path=ppt/slides/slide39.xml><?xml version="1.0" encoding="utf-8"?>
 <p:sld xmlns:a="http://schemas.openxmlformats.org/drawingml/2006/main" xmlns:r="http://schemas.openxmlformats.org/officeDocument/2006/relationships" xmlns:p="http://schemas.openxmlformats.org/presentationml/2006/main">
   <p:cSld>
     <p:spTree>

--- a/졸작 기획서.pptx
+++ b/졸작 기획서.pptx
@@ -1,6 +1,6 @@
 
 <file path=ppt/presentation.xml><?xml version="1.0" encoding="utf-8"?>
-<p:presentation xmlns:r="http://schemas.openxmlformats.org/officeDocument/2006/relationships" xmlns:c="http://schemas.openxmlformats.org/drawingml/2006/chart" xmlns:a="http://schemas.openxmlformats.org/drawingml/2006/main" xmlns:dgm="http://schemas.openxmlformats.org/drawingml/2006/diagram" xmlns:dsp="http://schemas.microsoft.com/office/drawing/2008/diagram" xmlns:p="http://schemas.openxmlformats.org/presentationml/2006/main" saveSubsetFonts="1">
+<p:presentation xmlns:a="http://schemas.openxmlformats.org/drawingml/2006/main" xmlns:r="http://schemas.openxmlformats.org/officeDocument/2006/relationships" xmlns:p="http://schemas.openxmlformats.org/presentationml/2006/main" saveSubsetFonts="1">
   <p:sldMasterIdLst>
     <p:sldMasterId id="2147483770" r:id="rId1"/>
     <p:sldMasterId id="2147483771" r:id="rId2"/>
@@ -146,6 +146,11 @@
       </a:defRPr>
     </a:lvl9pPr>
   </p:defaultTextStyle>
+  <p:extLst>
+    <p:ext uri="{EFAFB233-063F-42B5-8137-9DF3F51BA10A}">
+      <p15:sldGuideLst xmlns:p15="http://schemas.microsoft.com/office/powerpoint/2012/main"/>
+    </p:ext>
+  </p:extLst>
 </p:presentation>
 </file>
 
@@ -550,7 +555,7 @@
                 </a:solidFill>
               </a:rPr>
               <a:pPr/>
-              <a:t>2022-01-23</a:t>
+              <a:t>2022-02-15</a:t>
             </a:fld>
             <a:endParaRPr lang="ko-KR" altLang="en-US" dirty="0">
               <a:solidFill>
@@ -750,7 +755,7 @@
                 </a:solidFill>
               </a:rPr>
               <a:pPr/>
-              <a:t>2022-01-23</a:t>
+              <a:t>2022-02-15</a:t>
             </a:fld>
             <a:endParaRPr lang="ko-KR" altLang="en-US" dirty="0">
               <a:solidFill>
@@ -960,7 +965,7 @@
                 </a:solidFill>
               </a:rPr>
               <a:pPr/>
-              <a:t>2022-01-23</a:t>
+              <a:t>2022-02-15</a:t>
             </a:fld>
             <a:endParaRPr lang="ko-KR" altLang="en-US" dirty="0">
               <a:solidFill>
@@ -1200,7 +1205,7 @@
                 </a:solidFill>
               </a:rPr>
               <a:pPr/>
-              <a:t>2022-01-23</a:t>
+              <a:t>2022-02-15</a:t>
             </a:fld>
             <a:endParaRPr lang="ko-KR" altLang="en-US">
               <a:solidFill>
@@ -1430,7 +1435,7 @@
                 </a:solidFill>
               </a:rPr>
               <a:pPr/>
-              <a:t>2022-01-23</a:t>
+              <a:t>2022-02-15</a:t>
             </a:fld>
             <a:endParaRPr lang="ko-KR" altLang="en-US">
               <a:solidFill>
@@ -1737,7 +1742,7 @@
                 </a:solidFill>
               </a:rPr>
               <a:pPr/>
-              <a:t>2022-01-23</a:t>
+              <a:t>2022-02-15</a:t>
             </a:fld>
             <a:endParaRPr lang="ko-KR" altLang="en-US">
               <a:solidFill>
@@ -2034,7 +2039,7 @@
                 </a:solidFill>
               </a:rPr>
               <a:pPr/>
-              <a:t>2022-01-23</a:t>
+              <a:t>2022-02-15</a:t>
             </a:fld>
             <a:endParaRPr lang="ko-KR" altLang="en-US">
               <a:solidFill>
@@ -2478,7 +2483,7 @@
                 </a:solidFill>
               </a:rPr>
               <a:pPr/>
-              <a:t>2022-01-23</a:t>
+              <a:t>2022-02-15</a:t>
             </a:fld>
             <a:endParaRPr lang="ko-KR" altLang="en-US">
               <a:solidFill>
@@ -2651,7 +2656,7 @@
                 </a:solidFill>
               </a:rPr>
               <a:pPr/>
-              <a:t>2022-01-23</a:t>
+              <a:t>2022-02-15</a:t>
             </a:fld>
             <a:endParaRPr lang="ko-KR" altLang="en-US">
               <a:solidFill>
@@ -2796,7 +2801,7 @@
                 </a:solidFill>
               </a:rPr>
               <a:pPr/>
-              <a:t>2022-01-23</a:t>
+              <a:t>2022-02-15</a:t>
             </a:fld>
             <a:endParaRPr lang="ko-KR" altLang="en-US">
               <a:solidFill>
@@ -3139,7 +3144,7 @@
                 </a:solidFill>
               </a:rPr>
               <a:pPr/>
-              <a:t>2022-01-23</a:t>
+              <a:t>2022-02-15</a:t>
             </a:fld>
             <a:endParaRPr lang="ko-KR" altLang="en-US">
               <a:solidFill>
@@ -3351,7 +3356,7 @@
                 </a:solidFill>
               </a:rPr>
               <a:pPr/>
-              <a:t>2022-01-23</a:t>
+              <a:t>2022-02-15</a:t>
             </a:fld>
             <a:endParaRPr lang="ko-KR" altLang="en-US" dirty="0">
               <a:solidFill>
@@ -3659,7 +3664,7 @@
                 </a:solidFill>
               </a:rPr>
               <a:pPr/>
-              <a:t>2022-01-23</a:t>
+              <a:t>2022-02-15</a:t>
             </a:fld>
             <a:endParaRPr lang="ko-KR" altLang="en-US">
               <a:solidFill>
@@ -3889,7 +3894,7 @@
                 </a:solidFill>
               </a:rPr>
               <a:pPr/>
-              <a:t>2022-01-23</a:t>
+              <a:t>2022-02-15</a:t>
             </a:fld>
             <a:endParaRPr lang="ko-KR" altLang="en-US">
               <a:solidFill>
@@ -4129,7 +4134,7 @@
                 </a:solidFill>
               </a:rPr>
               <a:pPr/>
-              <a:t>2022-01-23</a:t>
+              <a:t>2022-02-15</a:t>
             </a:fld>
             <a:endParaRPr lang="ko-KR" altLang="en-US">
               <a:solidFill>
@@ -4418,7 +4423,7 @@
                 </a:solidFill>
               </a:rPr>
               <a:pPr/>
-              <a:t>2022-01-23</a:t>
+              <a:t>2022-02-15</a:t>
             </a:fld>
             <a:endParaRPr lang="ko-KR" altLang="en-US" dirty="0">
               <a:solidFill>
@@ -4679,7 +4684,7 @@
                 </a:solidFill>
               </a:rPr>
               <a:pPr/>
-              <a:t>2022-01-23</a:t>
+              <a:t>2022-02-15</a:t>
             </a:fld>
             <a:endParaRPr lang="ko-KR" altLang="en-US" dirty="0">
               <a:solidFill>
@@ -5075,7 +5080,7 @@
                 </a:solidFill>
               </a:rPr>
               <a:pPr/>
-              <a:t>2022-01-23</a:t>
+              <a:t>2022-02-15</a:t>
             </a:fld>
             <a:endParaRPr lang="ko-KR" altLang="en-US" dirty="0">
               <a:solidFill>
@@ -5224,7 +5229,7 @@
                 </a:solidFill>
               </a:rPr>
               <a:pPr/>
-              <a:t>2022-01-23</a:t>
+              <a:t>2022-02-15</a:t>
             </a:fld>
             <a:endParaRPr lang="ko-KR" altLang="en-US" dirty="0">
               <a:solidFill>
@@ -5351,7 +5356,7 @@
                 </a:solidFill>
               </a:rPr>
               <a:pPr/>
-              <a:t>2022-01-23</a:t>
+              <a:t>2022-02-15</a:t>
             </a:fld>
             <a:endParaRPr lang="ko-KR" altLang="en-US" dirty="0">
               <a:solidFill>
@@ -5658,7 +5663,7 @@
                 </a:solidFill>
               </a:rPr>
               <a:pPr/>
-              <a:t>2022-01-23</a:t>
+              <a:t>2022-02-15</a:t>
             </a:fld>
             <a:endParaRPr lang="ko-KR" altLang="en-US" dirty="0">
               <a:solidFill>
@@ -5942,7 +5947,7 @@
                 </a:solidFill>
               </a:rPr>
               <a:pPr/>
-              <a:t>2022-01-23</a:t>
+              <a:t>2022-02-15</a:t>
             </a:fld>
             <a:endParaRPr lang="ko-KR" altLang="en-US" dirty="0">
               <a:solidFill>
@@ -6185,7 +6190,7 @@
                 </a:solidFill>
               </a:rPr>
               <a:pPr/>
-              <a:t>2022-01-23</a:t>
+              <a:t>2022-02-15</a:t>
             </a:fld>
             <a:endParaRPr lang="ko-KR" altLang="en-US" dirty="0">
               <a:solidFill>
@@ -6773,7 +6778,7 @@
                 </a:solidFill>
               </a:rPr>
               <a:pPr/>
-              <a:t>2022-01-23</a:t>
+              <a:t>2022-02-15</a:t>
             </a:fld>
             <a:endParaRPr lang="ko-KR" altLang="en-US">
               <a:solidFill>
@@ -7464,7 +7469,7 @@
     <mc:Choice Requires="p14">
       <p:transition/>
     </mc:Choice>
-    <mc:Fallback xmlns:dsp="http://schemas.microsoft.com/office/drawing/2008/diagram" xmlns:dgm="http://schemas.openxmlformats.org/drawingml/2006/diagram" xmlns:c="http://schemas.openxmlformats.org/drawingml/2006/chart" xmlns="">
+    <mc:Fallback xmlns="" xmlns:c="http://schemas.openxmlformats.org/drawingml/2006/chart" xmlns:dgm="http://schemas.openxmlformats.org/drawingml/2006/diagram" xmlns:dsp="http://schemas.microsoft.com/office/drawing/2008/diagram">
       <p:transition/>
     </mc:Fallback>
   </mc:AlternateContent>
@@ -7472,21 +7477,22 @@
 </file>
 
 <file path=ppt/slides/slide10.xml><?xml version="1.0" encoding="utf-8"?>
-<p:sld xmlns:r="http://schemas.openxmlformats.org/officeDocument/2006/relationships" xmlns:c="http://schemas.openxmlformats.org/drawingml/2006/chart" xmlns:a="http://schemas.openxmlformats.org/drawingml/2006/main" xmlns:dgm="http://schemas.openxmlformats.org/drawingml/2006/diagram" xmlns:dsp="http://schemas.microsoft.com/office/drawing/2008/diagram" xmlns:p="http://schemas.openxmlformats.org/presentationml/2006/main">
+<p:sld xmlns:a="http://schemas.openxmlformats.org/drawingml/2006/main" xmlns:r="http://schemas.openxmlformats.org/officeDocument/2006/relationships" xmlns:p="http://schemas.openxmlformats.org/presentationml/2006/main">
   <p:cSld>
     <p:bg>
-      <p:bgPr shadeToTitle="0">
+      <p:bgPr>
         <a:gradFill>
           <a:gsLst>
             <a:gs pos="50000">
-              <a:srgbClr val="b3acb3"/>
+              <a:srgbClr val="B3ACB3"/>
             </a:gs>
             <a:gs pos="50000">
-              <a:srgbClr val="f8e9e8"/>
+              <a:srgbClr val="F8E9E8"/>
             </a:gs>
           </a:gsLst>
           <a:lin ang="6600000" scaled="0"/>
         </a:gradFill>
+        <a:effectLst/>
       </p:bgPr>
     </p:bg>
     <p:spTree>
@@ -7524,7 +7530,7 @@
             <a:gradFill>
               <a:gsLst>
                 <a:gs pos="50000">
-                  <a:srgbClr val="efccca"/>
+                  <a:srgbClr val="EFCCCA"/>
                 </a:gs>
                 <a:gs pos="50000">
                   <a:schemeClr val="bg1">
@@ -7607,16 +7613,11 @@
             <a:r>
               <a:rPr lang="ko-KR" altLang="en-US" sz="4200" b="1" i="1">
                 <a:solidFill>
-                  <a:srgbClr val="ff9999"/>
+                  <a:srgbClr val="FF9999"/>
                 </a:solidFill>
               </a:rPr>
               <a:t>메인화면 레이아웃</a:t>
             </a:r>
-            <a:endParaRPr lang="ko-KR" altLang="en-US" sz="4200" b="1" i="1">
-              <a:solidFill>
-                <a:srgbClr val="ff9999"/>
-              </a:solidFill>
-            </a:endParaRPr>
           </a:p>
         </p:txBody>
       </p:sp>
@@ -7667,13 +7668,6 @@
               </a:rPr>
               <a:t>페이지 주제</a:t>
             </a:r>
-            <a:endParaRPr kumimoji="0" lang="ko-KR" altLang="en-US" sz="2000" b="0" i="0" u="none" strike="noStrike" kern="1200" cap="none" spc="0" normalizeH="0" baseline="0">
-              <a:solidFill>
-                <a:schemeClr val="tx1"/>
-              </a:solidFill>
-              <a:latin typeface="1훈정글북 Regular"/>
-              <a:ea typeface="1훈정글북 Regular"/>
-            </a:endParaRPr>
           </a:p>
           <a:p>
             <a:pPr marL="0" indent="0" defTabSz="914400" rtl="0" eaLnBrk="1" latinLnBrk="1" hangingPunct="1">
@@ -7921,13 +7915,6 @@
               </a:rPr>
               <a:t>화면 기능</a:t>
             </a:r>
-            <a:endParaRPr kumimoji="0" lang="ko-KR" altLang="en-US" sz="2600" b="0" i="0" u="none" strike="noStrike" kern="1200" cap="none" spc="0" normalizeH="0" baseline="0">
-              <a:solidFill>
-                <a:schemeClr val="tx1"/>
-              </a:solidFill>
-              <a:latin typeface="1훈정글북 Regular"/>
-              <a:ea typeface="1훈정글북 Regular"/>
-            </a:endParaRPr>
           </a:p>
           <a:p>
             <a:pPr marL="0" indent="0" defTabSz="914400" rtl="0" eaLnBrk="1" latinLnBrk="1" hangingPunct="1">
@@ -8070,13 +8057,6 @@
               </a:rPr>
               <a:t>메인페이지</a:t>
             </a:r>
-            <a:endParaRPr kumimoji="0" lang="ko-KR" altLang="en-US" sz="1945" b="0" i="0" u="none" strike="noStrike" kern="1200" cap="none" spc="0" normalizeH="0" baseline="0">
-              <a:solidFill>
-                <a:schemeClr val="tx1"/>
-              </a:solidFill>
-              <a:latin typeface="1훈정글북 Regular"/>
-              <a:ea typeface="1훈정글북 Regular"/>
-            </a:endParaRPr>
           </a:p>
           <a:p>
             <a:pPr marL="0" indent="0" defTabSz="914400" rtl="0" eaLnBrk="1" latinLnBrk="1" hangingPunct="1">
@@ -8239,13 +8219,6 @@
               </a:rPr>
               <a:t> 돋보기 호버시 검색어 입력하는 창 표시</a:t>
             </a:r>
-            <a:endParaRPr kumimoji="0" lang="ko-KR" altLang="en-US" b="0" i="0" u="none" strike="noStrike" kern="1200" cap="none" spc="0" normalizeH="0" baseline="0">
-              <a:solidFill>
-                <a:schemeClr val="tx1"/>
-              </a:solidFill>
-              <a:latin typeface="1훈정글북 Regular"/>
-              <a:ea typeface="1훈정글북 Regular"/>
-            </a:endParaRPr>
           </a:p>
           <a:p>
             <a:pPr marL="0" indent="0" defTabSz="914400" rtl="0" eaLnBrk="1" latinLnBrk="1" hangingPunct="1">
@@ -8292,13 +8265,6 @@
               </a:rPr>
               <a:t> 대메뉴 호버시 하위메뉴 표시</a:t>
             </a:r>
-            <a:endParaRPr kumimoji="0" lang="ko-KR" altLang="en-US" b="0" i="0" u="none" strike="noStrike" kern="1200" cap="none" spc="0" normalizeH="0" baseline="0">
-              <a:solidFill>
-                <a:schemeClr val="tx1"/>
-              </a:solidFill>
-              <a:latin typeface="1훈정글북 Regular"/>
-              <a:ea typeface="1훈정글북 Regular"/>
-            </a:endParaRPr>
           </a:p>
           <a:p>
             <a:pPr marL="0" indent="0" defTabSz="914400" rtl="0" eaLnBrk="1" latinLnBrk="1" hangingPunct="1">
@@ -8345,13 +8311,6 @@
               </a:rPr>
               <a:t> 슬라이더 형식</a:t>
             </a:r>
-            <a:endParaRPr kumimoji="0" lang="ko-KR" altLang="en-US" b="0" i="0" u="none" strike="noStrike" kern="1200" cap="none" spc="0" normalizeH="0" baseline="0">
-              <a:solidFill>
-                <a:schemeClr val="tx1"/>
-              </a:solidFill>
-              <a:latin typeface="1훈정글북 Regular"/>
-              <a:ea typeface="1훈정글북 Regular"/>
-            </a:endParaRPr>
           </a:p>
           <a:p>
             <a:pPr marL="0" indent="0" defTabSz="914400" rtl="0" eaLnBrk="1" latinLnBrk="1" hangingPunct="1">
@@ -8408,13 +8367,6 @@
               </a:rPr>
               <a:t> 이미지 호버시 이미지 확대 및 텍스트 강조 효과</a:t>
             </a:r>
-            <a:endParaRPr kumimoji="0" lang="ko-KR" altLang="en-US" b="0" i="0" u="none" strike="noStrike" kern="1200" cap="none" spc="0" normalizeH="0" baseline="0">
-              <a:solidFill>
-                <a:schemeClr val="tx1"/>
-              </a:solidFill>
-              <a:latin typeface="1훈정글북 Regular"/>
-              <a:ea typeface="1훈정글북 Regular"/>
-            </a:endParaRPr>
           </a:p>
           <a:p>
             <a:pPr marL="0" indent="0" defTabSz="914400" rtl="0" eaLnBrk="1" latinLnBrk="1" hangingPunct="1">
@@ -8471,13 +8423,6 @@
               </a:rPr>
               <a:t>클릭시 전후사진 페이지로 </a:t>
             </a:r>
-            <a:endParaRPr kumimoji="0" lang="ko-KR" altLang="en-US" b="0" i="0" u="none" strike="noStrike" kern="1200" cap="none" spc="0" normalizeH="0" baseline="0">
-              <a:solidFill>
-                <a:schemeClr val="tx1"/>
-              </a:solidFill>
-              <a:latin typeface="1훈정글북 Regular"/>
-              <a:ea typeface="1훈정글북 Regular"/>
-            </a:endParaRPr>
           </a:p>
           <a:p>
             <a:pPr marL="0" indent="0" defTabSz="914400" rtl="0" eaLnBrk="1" latinLnBrk="1" hangingPunct="1">
@@ -8524,13 +8469,6 @@
               </a:rPr>
               <a:t> 화살표 클릭시 이미지 전환</a:t>
             </a:r>
-            <a:endParaRPr kumimoji="0" lang="ko-KR" altLang="en-US" b="0" i="0" u="none" strike="noStrike" kern="1200" cap="none" spc="0" normalizeH="0" baseline="0">
-              <a:solidFill>
-                <a:schemeClr val="tx1"/>
-              </a:solidFill>
-              <a:latin typeface="1훈정글북 Regular"/>
-              <a:ea typeface="1훈정글북 Regular"/>
-            </a:endParaRPr>
           </a:p>
           <a:p>
             <a:pPr marL="0" indent="0" defTabSz="914400" rtl="0" eaLnBrk="1" latinLnBrk="1" hangingPunct="1">
@@ -8567,13 +8505,6 @@
               </a:rPr>
               <a:t>클릭시 해당 이벤트 페이지로 이동</a:t>
             </a:r>
-            <a:endParaRPr kumimoji="0" lang="ko-KR" altLang="en-US" b="0" i="0" u="none" strike="noStrike" kern="1200" cap="none" spc="0" normalizeH="0" baseline="0">
-              <a:solidFill>
-                <a:schemeClr val="tx1"/>
-              </a:solidFill>
-              <a:latin typeface="1훈정글북 Regular"/>
-              <a:ea typeface="1훈정글북 Regular"/>
-            </a:endParaRPr>
           </a:p>
           <a:p>
             <a:pPr marL="0" indent="0" defTabSz="914400" rtl="0" eaLnBrk="1" latinLnBrk="1" hangingPunct="1">
@@ -8620,13 +8551,6 @@
               </a:rPr>
               <a:t> 지도 삽입</a:t>
             </a:r>
-            <a:endParaRPr kumimoji="0" lang="ko-KR" altLang="en-US" b="0" i="0" u="none" strike="noStrike" kern="1200" cap="none" spc="0" normalizeH="0" baseline="0">
-              <a:solidFill>
-                <a:schemeClr val="tx1"/>
-              </a:solidFill>
-              <a:latin typeface="1훈정글북 Regular"/>
-              <a:ea typeface="1훈정글북 Regular"/>
-            </a:endParaRPr>
           </a:p>
           <a:p>
             <a:pPr marL="0" indent="0" defTabSz="914400" rtl="0" eaLnBrk="1" latinLnBrk="1" hangingPunct="1">
@@ -8771,7 +8695,7 @@
       </p:pic>
       <p:pic>
         <p:nvPicPr>
-          <p:cNvPr id="73" name=""/>
+          <p:cNvPr id="73" name="그림 72"/>
           <p:cNvPicPr>
             <a:picLocks noChangeAspect="1"/>
           </p:cNvPicPr>
@@ -8795,7 +8719,7 @@
       </p:pic>
       <p:pic>
         <p:nvPicPr>
-          <p:cNvPr id="74" name=""/>
+          <p:cNvPr id="74" name="그림 73"/>
           <p:cNvPicPr>
             <a:picLocks noChangeAspect="1"/>
           </p:cNvPicPr>
@@ -8822,11 +8746,11 @@
   <p:clrMapOvr>
     <a:masterClrMapping/>
   </p:clrMapOvr>
-  <mc:AlternateContent xmlns:mc="http://schemas.openxmlformats.org/markup-compatibility/2006">
-    <mc:Choice xmlns:p14="http://schemas.microsoft.com/office/powerpoint/2010/main" Requires="p14">
-      <p:transition xmlns:mc="http://schemas.openxmlformats.org/markup-compatibility/2006" xmlns:p14="http://schemas.microsoft.com/office/powerpoint/2010/main" mc:Ignorable="p14" p14:dur="500"/>
+  <mc:AlternateContent xmlns:mc="http://schemas.openxmlformats.org/markup-compatibility/2006" xmlns:p14="http://schemas.microsoft.com/office/powerpoint/2010/main">
+    <mc:Choice Requires="p14">
+      <p:transition/>
     </mc:Choice>
-    <mc:Fallback>
+    <mc:Fallback xmlns:dsp="http://schemas.microsoft.com/office/drawing/2008/diagram" xmlns:dgm="http://schemas.openxmlformats.org/drawingml/2006/diagram" xmlns:c="http://schemas.openxmlformats.org/drawingml/2006/chart" xmlns="">
       <p:transition/>
     </mc:Fallback>
   </mc:AlternateContent>
@@ -9851,7 +9775,7 @@
     <mc:Choice Requires="p14">
       <p:transition/>
     </mc:Choice>
-    <mc:Fallback xmlns:dsp="http://schemas.microsoft.com/office/drawing/2008/diagram" xmlns:dgm="http://schemas.openxmlformats.org/drawingml/2006/diagram" xmlns:c="http://schemas.openxmlformats.org/drawingml/2006/chart" xmlns="">
+    <mc:Fallback xmlns="" xmlns:c="http://schemas.openxmlformats.org/drawingml/2006/chart" xmlns:dgm="http://schemas.openxmlformats.org/drawingml/2006/diagram" xmlns:dsp="http://schemas.microsoft.com/office/drawing/2008/diagram">
       <p:transition/>
     </mc:Fallback>
   </mc:AlternateContent>
@@ -10870,7 +10794,7 @@
     <mc:Choice Requires="p14">
       <p:transition/>
     </mc:Choice>
-    <mc:Fallback xmlns:dsp="http://schemas.microsoft.com/office/drawing/2008/diagram" xmlns:dgm="http://schemas.openxmlformats.org/drawingml/2006/diagram" xmlns:c="http://schemas.openxmlformats.org/drawingml/2006/chart" xmlns="">
+    <mc:Fallback xmlns="" xmlns:c="http://schemas.openxmlformats.org/drawingml/2006/chart" xmlns:dgm="http://schemas.openxmlformats.org/drawingml/2006/diagram" xmlns:dsp="http://schemas.microsoft.com/office/drawing/2008/diagram">
       <p:transition/>
     </mc:Fallback>
   </mc:AlternateContent>
@@ -11892,7 +11816,7 @@
     <mc:Choice Requires="p14">
       <p:transition/>
     </mc:Choice>
-    <mc:Fallback xmlns:dsp="http://schemas.microsoft.com/office/drawing/2008/diagram" xmlns:dgm="http://schemas.openxmlformats.org/drawingml/2006/diagram" xmlns:c="http://schemas.openxmlformats.org/drawingml/2006/chart" xmlns="">
+    <mc:Fallback xmlns="" xmlns:c="http://schemas.openxmlformats.org/drawingml/2006/chart" xmlns:dgm="http://schemas.openxmlformats.org/drawingml/2006/diagram" xmlns:dsp="http://schemas.microsoft.com/office/drawing/2008/diagram">
       <p:transition/>
     </mc:Fallback>
   </mc:AlternateContent>
@@ -12891,7 +12815,7 @@
     <mc:Choice Requires="p14">
       <p:transition/>
     </mc:Choice>
-    <mc:Fallback xmlns:dsp="http://schemas.microsoft.com/office/drawing/2008/diagram" xmlns:dgm="http://schemas.openxmlformats.org/drawingml/2006/diagram" xmlns:c="http://schemas.openxmlformats.org/drawingml/2006/chart" xmlns="">
+    <mc:Fallback xmlns="" xmlns:c="http://schemas.openxmlformats.org/drawingml/2006/chart" xmlns:dgm="http://schemas.openxmlformats.org/drawingml/2006/diagram" xmlns:dsp="http://schemas.microsoft.com/office/drawing/2008/diagram">
       <p:transition/>
     </mc:Fallback>
   </mc:AlternateContent>
@@ -12899,21 +12823,22 @@
 </file>
 
 <file path=ppt/slides/slide15.xml><?xml version="1.0" encoding="utf-8"?>
-<p:sld xmlns:r="http://schemas.openxmlformats.org/officeDocument/2006/relationships" xmlns:c="http://schemas.openxmlformats.org/drawingml/2006/chart" xmlns:a="http://schemas.openxmlformats.org/drawingml/2006/main" xmlns:dgm="http://schemas.openxmlformats.org/drawingml/2006/diagram" xmlns:dsp="http://schemas.microsoft.com/office/drawing/2008/diagram" xmlns:p="http://schemas.openxmlformats.org/presentationml/2006/main">
+<p:sld xmlns:a="http://schemas.openxmlformats.org/drawingml/2006/main" xmlns:r="http://schemas.openxmlformats.org/officeDocument/2006/relationships" xmlns:p="http://schemas.openxmlformats.org/presentationml/2006/main">
   <p:cSld>
     <p:bg>
-      <p:bgPr shadeToTitle="0">
+      <p:bgPr>
         <a:gradFill>
           <a:gsLst>
             <a:gs pos="50000">
-              <a:srgbClr val="b3acb3"/>
+              <a:srgbClr val="B3ACB3"/>
             </a:gs>
             <a:gs pos="50000">
-              <a:srgbClr val="f8e9e8"/>
+              <a:srgbClr val="F8E9E8"/>
             </a:gs>
           </a:gsLst>
           <a:lin ang="6600000" scaled="0"/>
         </a:gradFill>
+        <a:effectLst/>
       </p:bgPr>
     </p:bg>
     <p:spTree>
@@ -12951,7 +12876,7 @@
             <a:gradFill>
               <a:gsLst>
                 <a:gs pos="50000">
-                  <a:srgbClr val="efccca"/>
+                  <a:srgbClr val="EFCCCA"/>
                 </a:gs>
                 <a:gs pos="50000">
                   <a:schemeClr val="bg1">
@@ -13034,16 +12959,11 @@
             <a:r>
               <a:rPr lang="ko-KR" altLang="en-US" sz="4200" b="1" i="1">
                 <a:solidFill>
-                  <a:srgbClr val="ff9999"/>
+                  <a:srgbClr val="FF9999"/>
                 </a:solidFill>
               </a:rPr>
               <a:t>주요 메뉴별 서브페이지 구성</a:t>
             </a:r>
-            <a:endParaRPr lang="ko-KR" altLang="en-US" sz="4200" b="1" i="1">
-              <a:solidFill>
-                <a:srgbClr val="ff9999"/>
-              </a:solidFill>
-            </a:endParaRPr>
           </a:p>
         </p:txBody>
       </p:sp>
@@ -13094,13 +13014,6 @@
               </a:rPr>
               <a:t>페이지 주제</a:t>
             </a:r>
-            <a:endParaRPr kumimoji="0" lang="ko-KR" altLang="en-US" sz="2000" b="0" i="0" u="none" strike="noStrike" kern="1200" cap="none" spc="0" normalizeH="0" baseline="0">
-              <a:solidFill>
-                <a:schemeClr val="tx1"/>
-              </a:solidFill>
-              <a:latin typeface="1훈정글북 Regular"/>
-              <a:ea typeface="1훈정글북 Regular"/>
-            </a:endParaRPr>
           </a:p>
           <a:p>
             <a:pPr marL="0" indent="0" defTabSz="914400" rtl="0" eaLnBrk="1" latinLnBrk="1" hangingPunct="1">
@@ -13348,13 +13261,6 @@
               </a:rPr>
               <a:t>화면 기능</a:t>
             </a:r>
-            <a:endParaRPr kumimoji="0" lang="ko-KR" altLang="en-US" sz="2600" b="0" i="0" u="none" strike="noStrike" kern="1200" cap="none" spc="0" normalizeH="0" baseline="0">
-              <a:solidFill>
-                <a:schemeClr val="tx1"/>
-              </a:solidFill>
-              <a:latin typeface="1훈정글북 Regular"/>
-              <a:ea typeface="1훈정글북 Regular"/>
-            </a:endParaRPr>
           </a:p>
           <a:p>
             <a:pPr marL="0" indent="0" defTabSz="914400" rtl="0" eaLnBrk="1" latinLnBrk="1" hangingPunct="1">
@@ -13517,13 +13423,6 @@
               </a:rPr>
               <a:t> 시술예약</a:t>
             </a:r>
-            <a:endParaRPr kumimoji="0" lang="ko-KR" altLang="en-US" sz="1945" b="0" i="0" u="none" strike="noStrike" kern="1200" cap="none" spc="0" normalizeH="0" baseline="0">
-              <a:solidFill>
-                <a:schemeClr val="tx1"/>
-              </a:solidFill>
-              <a:latin typeface="1훈정글북 Regular"/>
-              <a:ea typeface="1훈정글북 Regular"/>
-            </a:endParaRPr>
           </a:p>
           <a:p>
             <a:pPr marL="0" indent="0" defTabSz="914400" rtl="0" eaLnBrk="1" latinLnBrk="1" hangingPunct="1">
@@ -13706,13 +13605,6 @@
               </a:rPr>
               <a:t> 선택한 시술 표시 및 삭제 가능</a:t>
             </a:r>
-            <a:endParaRPr kumimoji="0" lang="ko-KR" altLang="en-US" b="0" i="0" u="none" strike="noStrike" kern="1200" cap="none" spc="0" normalizeH="0" baseline="0">
-              <a:solidFill>
-                <a:schemeClr val="tx1"/>
-              </a:solidFill>
-              <a:latin typeface="1훈정글북 Regular"/>
-              <a:ea typeface="1훈정글북 Regular"/>
-            </a:endParaRPr>
           </a:p>
           <a:p>
             <a:pPr marL="0" indent="0" defTabSz="914400" rtl="0" eaLnBrk="1" latinLnBrk="1" hangingPunct="1">
@@ -13779,13 +13671,6 @@
               </a:rPr>
               <a:t> 원하는 날짜와 시간 선택 가능</a:t>
             </a:r>
-            <a:endParaRPr kumimoji="0" lang="ko-KR" altLang="en-US" b="0" i="0" u="none" strike="noStrike" kern="1200" cap="none" spc="0" normalizeH="0" baseline="0">
-              <a:solidFill>
-                <a:schemeClr val="tx1"/>
-              </a:solidFill>
-              <a:latin typeface="1훈정글북 Regular"/>
-              <a:ea typeface="1훈정글북 Regular"/>
-            </a:endParaRPr>
           </a:p>
           <a:p>
             <a:pPr marL="0" indent="0" defTabSz="914400" rtl="0" eaLnBrk="1" latinLnBrk="1" hangingPunct="1">
@@ -13832,13 +13717,6 @@
               </a:rPr>
               <a:t> 고객 정보 입력 후 예약 가능</a:t>
             </a:r>
-            <a:endParaRPr kumimoji="0" lang="ko-KR" altLang="en-US" b="0" i="0" u="none" strike="noStrike" kern="1200" cap="none" spc="0" normalizeH="0" baseline="0">
-              <a:solidFill>
-                <a:schemeClr val="tx1"/>
-              </a:solidFill>
-              <a:latin typeface="1훈정글북 Regular"/>
-              <a:ea typeface="1훈정글북 Regular"/>
-            </a:endParaRPr>
           </a:p>
           <a:p>
             <a:pPr marL="0" indent="0" defTabSz="914400" rtl="0" eaLnBrk="1" latinLnBrk="1" hangingPunct="1">
@@ -14052,7 +13930,7 @@
       </p:pic>
       <p:pic>
         <p:nvPicPr>
-          <p:cNvPr id="74" name=""/>
+          <p:cNvPr id="74" name="그림 73"/>
           <p:cNvPicPr>
             <a:picLocks noChangeAspect="1"/>
           </p:cNvPicPr>
@@ -14079,11 +13957,11 @@
   <p:clrMapOvr>
     <a:masterClrMapping/>
   </p:clrMapOvr>
-  <mc:AlternateContent xmlns:mc="http://schemas.openxmlformats.org/markup-compatibility/2006">
-    <mc:Choice xmlns:p14="http://schemas.microsoft.com/office/powerpoint/2010/main" Requires="p14">
-      <p:transition xmlns:mc="http://schemas.openxmlformats.org/markup-compatibility/2006" xmlns:p14="http://schemas.microsoft.com/office/powerpoint/2010/main" mc:Ignorable="p14" p14:dur="500"/>
+  <mc:AlternateContent xmlns:mc="http://schemas.openxmlformats.org/markup-compatibility/2006" xmlns:p14="http://schemas.microsoft.com/office/powerpoint/2010/main">
+    <mc:Choice Requires="p14">
+      <p:transition/>
     </mc:Choice>
-    <mc:Fallback>
+    <mc:Fallback xmlns:dsp="http://schemas.microsoft.com/office/drawing/2008/diagram" xmlns:dgm="http://schemas.openxmlformats.org/drawingml/2006/diagram" xmlns:c="http://schemas.openxmlformats.org/drawingml/2006/chart" xmlns="">
       <p:transition/>
     </mc:Fallback>
   </mc:AlternateContent>
@@ -16212,7 +16090,7 @@
     <mc:Choice Requires="p14">
       <p:transition/>
     </mc:Choice>
-    <mc:Fallback xmlns:dsp="http://schemas.microsoft.com/office/drawing/2008/diagram" xmlns:dgm="http://schemas.openxmlformats.org/drawingml/2006/diagram" xmlns:c="http://schemas.openxmlformats.org/drawingml/2006/chart" xmlns="">
+    <mc:Fallback xmlns="" xmlns:c="http://schemas.openxmlformats.org/drawingml/2006/chart" xmlns:dgm="http://schemas.openxmlformats.org/drawingml/2006/diagram" xmlns:dsp="http://schemas.microsoft.com/office/drawing/2008/diagram">
       <p:transition/>
     </mc:Fallback>
   </mc:AlternateContent>
@@ -17125,7 +17003,7 @@
     <mc:Choice Requires="p14">
       <p:transition/>
     </mc:Choice>
-    <mc:Fallback xmlns:dsp="http://schemas.microsoft.com/office/drawing/2008/diagram" xmlns:dgm="http://schemas.openxmlformats.org/drawingml/2006/diagram" xmlns:c="http://schemas.openxmlformats.org/drawingml/2006/chart" xmlns="">
+    <mc:Fallback xmlns="" xmlns:c="http://schemas.openxmlformats.org/drawingml/2006/chart" xmlns:dgm="http://schemas.openxmlformats.org/drawingml/2006/diagram" xmlns:dsp="http://schemas.microsoft.com/office/drawing/2008/diagram">
       <p:transition/>
     </mc:Fallback>
   </mc:AlternateContent>
@@ -18130,7 +18008,7 @@
     <mc:Choice Requires="p14">
       <p:transition/>
     </mc:Choice>
-    <mc:Fallback xmlns:dsp="http://schemas.microsoft.com/office/drawing/2008/diagram" xmlns:dgm="http://schemas.openxmlformats.org/drawingml/2006/diagram" xmlns:c="http://schemas.openxmlformats.org/drawingml/2006/chart" xmlns="">
+    <mc:Fallback xmlns="" xmlns:c="http://schemas.openxmlformats.org/drawingml/2006/chart" xmlns:dgm="http://schemas.openxmlformats.org/drawingml/2006/diagram" xmlns:dsp="http://schemas.microsoft.com/office/drawing/2008/diagram">
       <p:transition/>
     </mc:Fallback>
   </mc:AlternateContent>
@@ -18605,7 +18483,7 @@
     <mc:Choice Requires="p14">
       <p:transition/>
     </mc:Choice>
-    <mc:Fallback xmlns:dsp="http://schemas.microsoft.com/office/drawing/2008/diagram" xmlns:dgm="http://schemas.openxmlformats.org/drawingml/2006/diagram" xmlns:c="http://schemas.openxmlformats.org/drawingml/2006/chart" xmlns="">
+    <mc:Fallback xmlns="" xmlns:c="http://schemas.openxmlformats.org/drawingml/2006/chart" xmlns:dgm="http://schemas.openxmlformats.org/drawingml/2006/diagram" xmlns:dsp="http://schemas.microsoft.com/office/drawing/2008/diagram">
       <p:transition/>
     </mc:Fallback>
   </mc:AlternateContent>
@@ -19743,7 +19621,7 @@
     <mc:Choice Requires="p14">
       <p:transition/>
     </mc:Choice>
-    <mc:Fallback xmlns:dsp="http://schemas.microsoft.com/office/drawing/2008/diagram" xmlns:dgm="http://schemas.openxmlformats.org/drawingml/2006/diagram" xmlns:c="http://schemas.openxmlformats.org/drawingml/2006/chart" xmlns="">
+    <mc:Fallback xmlns="" xmlns:c="http://schemas.openxmlformats.org/drawingml/2006/chart" xmlns:dgm="http://schemas.openxmlformats.org/drawingml/2006/diagram" xmlns:dsp="http://schemas.microsoft.com/office/drawing/2008/diagram">
       <p:transition/>
     </mc:Fallback>
   </mc:AlternateContent>
@@ -20673,7 +20551,7 @@
     <mc:Choice Requires="p14">
       <p:transition/>
     </mc:Choice>
-    <mc:Fallback xmlns:dsp="http://schemas.microsoft.com/office/drawing/2008/diagram" xmlns:dgm="http://schemas.openxmlformats.org/drawingml/2006/diagram" xmlns:c="http://schemas.openxmlformats.org/drawingml/2006/chart" xmlns="">
+    <mc:Fallback xmlns="" xmlns:c="http://schemas.openxmlformats.org/drawingml/2006/chart" xmlns:dgm="http://schemas.openxmlformats.org/drawingml/2006/diagram" xmlns:dsp="http://schemas.microsoft.com/office/drawing/2008/diagram">
       <p:transition/>
     </mc:Fallback>
   </mc:AlternateContent>
@@ -20681,21 +20559,22 @@
 </file>
 
 <file path=ppt/slides/slide22.xml><?xml version="1.0" encoding="utf-8"?>
-<p:sld xmlns:r="http://schemas.openxmlformats.org/officeDocument/2006/relationships" xmlns:c="http://schemas.openxmlformats.org/drawingml/2006/chart" xmlns:a="http://schemas.openxmlformats.org/drawingml/2006/main" xmlns:dgm="http://schemas.openxmlformats.org/drawingml/2006/diagram" xmlns:dsp="http://schemas.microsoft.com/office/drawing/2008/diagram" xmlns:p="http://schemas.openxmlformats.org/presentationml/2006/main">
+<p:sld xmlns:a="http://schemas.openxmlformats.org/drawingml/2006/main" xmlns:r="http://schemas.openxmlformats.org/officeDocument/2006/relationships" xmlns:p="http://schemas.openxmlformats.org/presentationml/2006/main">
   <p:cSld>
     <p:bg>
-      <p:bgPr shadeToTitle="0">
+      <p:bgPr>
         <a:gradFill>
           <a:gsLst>
             <a:gs pos="50000">
-              <a:srgbClr val="b3acb3"/>
+              <a:srgbClr val="B3ACB3"/>
             </a:gs>
             <a:gs pos="50000">
-              <a:srgbClr val="f8e9e8"/>
+              <a:srgbClr val="F8E9E8"/>
             </a:gs>
           </a:gsLst>
           <a:lin ang="6600000" scaled="0"/>
         </a:gradFill>
+        <a:effectLst/>
       </p:bgPr>
     </p:bg>
     <p:spTree>
@@ -20733,7 +20612,7 @@
             <a:gradFill>
               <a:gsLst>
                 <a:gs pos="50000">
-                  <a:srgbClr val="efccca"/>
+                  <a:srgbClr val="EFCCCA"/>
                 </a:gs>
                 <a:gs pos="50000">
                   <a:schemeClr val="bg1">
@@ -20816,16 +20695,11 @@
             <a:r>
               <a:rPr lang="ko-KR" altLang="en-US" sz="4200" b="1" i="1">
                 <a:solidFill>
-                  <a:srgbClr val="ff9999"/>
+                  <a:srgbClr val="FF9999"/>
                 </a:solidFill>
               </a:rPr>
               <a:t>주요 메뉴별 서브페이지 구성</a:t>
             </a:r>
-            <a:endParaRPr lang="ko-KR" altLang="en-US" sz="4200" b="1" i="1">
-              <a:solidFill>
-                <a:srgbClr val="ff9999"/>
-              </a:solidFill>
-            </a:endParaRPr>
           </a:p>
         </p:txBody>
       </p:sp>
@@ -20876,13 +20750,6 @@
               </a:rPr>
               <a:t>페이지 주제</a:t>
             </a:r>
-            <a:endParaRPr kumimoji="0" lang="ko-KR" altLang="en-US" sz="2000" b="0" i="0" u="none" strike="noStrike" kern="1200" cap="none" spc="0" normalizeH="0" baseline="0">
-              <a:solidFill>
-                <a:schemeClr val="tx1"/>
-              </a:solidFill>
-              <a:latin typeface="1훈정글북 Regular"/>
-              <a:ea typeface="1훈정글북 Regular"/>
-            </a:endParaRPr>
           </a:p>
           <a:p>
             <a:pPr marL="0" indent="0" defTabSz="914400" rtl="0" eaLnBrk="1" latinLnBrk="1" hangingPunct="1">
@@ -21130,13 +20997,6 @@
               </a:rPr>
               <a:t>화면 기능</a:t>
             </a:r>
-            <a:endParaRPr kumimoji="0" lang="ko-KR" altLang="en-US" sz="2600" b="0" i="0" u="none" strike="noStrike" kern="1200" cap="none" spc="0" normalizeH="0" baseline="0">
-              <a:solidFill>
-                <a:schemeClr val="tx1"/>
-              </a:solidFill>
-              <a:latin typeface="1훈정글북 Regular"/>
-              <a:ea typeface="1훈정글북 Regular"/>
-            </a:endParaRPr>
           </a:p>
           <a:p>
             <a:pPr marL="0" indent="0" defTabSz="914400" rtl="0" eaLnBrk="1" latinLnBrk="1" hangingPunct="1">
@@ -21319,13 +21179,6 @@
               </a:rPr>
               <a:t>비밀번호찾기 화면</a:t>
             </a:r>
-            <a:endParaRPr kumimoji="0" lang="ko-KR" altLang="en-US" sz="1945" b="0" i="0" u="none" strike="noStrike" kern="1200" cap="none" spc="0" normalizeH="0" baseline="0">
-              <a:solidFill>
-                <a:schemeClr val="tx1"/>
-              </a:solidFill>
-              <a:latin typeface="1훈정글북 Regular"/>
-              <a:ea typeface="1훈정글북 Regular"/>
-            </a:endParaRPr>
           </a:p>
           <a:p>
             <a:pPr marL="0" indent="0" defTabSz="914400" rtl="0" eaLnBrk="1" latinLnBrk="1" hangingPunct="1">
@@ -21508,13 +21361,6 @@
               </a:rPr>
               <a:t> 비밀번호 입력 후 로그인 버튼 클릭시 메인페이지로 이동</a:t>
             </a:r>
-            <a:endParaRPr kumimoji="0" lang="ko-KR" altLang="en-US" b="0" i="0" u="none" strike="noStrike" kern="1200" cap="none" spc="0" normalizeH="0" baseline="0">
-              <a:solidFill>
-                <a:schemeClr val="tx1"/>
-              </a:solidFill>
-              <a:latin typeface="1훈정글북 Regular"/>
-              <a:ea typeface="1훈정글북 Regular"/>
-            </a:endParaRPr>
           </a:p>
           <a:p>
             <a:pPr marL="0" indent="0" defTabSz="914400" rtl="0" eaLnBrk="1" latinLnBrk="1" hangingPunct="1">
@@ -21561,13 +21407,6 @@
               </a:rPr>
               <a:t> 회원가입 페이지로 이동</a:t>
             </a:r>
-            <a:endParaRPr kumimoji="0" lang="ko-KR" altLang="en-US" b="0" i="0" u="none" strike="noStrike" kern="1200" cap="none" spc="0" normalizeH="0" baseline="0">
-              <a:solidFill>
-                <a:schemeClr val="tx1"/>
-              </a:solidFill>
-              <a:latin typeface="1훈정글북 Regular"/>
-              <a:ea typeface="1훈정글북 Regular"/>
-            </a:endParaRPr>
           </a:p>
           <a:p>
             <a:pPr marL="0" indent="0" defTabSz="914400" rtl="0" eaLnBrk="1" latinLnBrk="1" hangingPunct="1">
@@ -21614,13 +21453,6 @@
               </a:rPr>
               <a:t> 비밀번호 찾기 기능 구현</a:t>
             </a:r>
-            <a:endParaRPr kumimoji="0" lang="ko-KR" altLang="en-US" b="0" i="0" u="none" strike="noStrike" kern="1200" cap="none" spc="0" normalizeH="0" baseline="0">
-              <a:solidFill>
-                <a:schemeClr val="tx1"/>
-              </a:solidFill>
-              <a:latin typeface="1훈정글북 Regular"/>
-              <a:ea typeface="1훈정글북 Regular"/>
-            </a:endParaRPr>
           </a:p>
           <a:p>
             <a:pPr marL="0" indent="0" defTabSz="914400" rtl="0" eaLnBrk="1" latinLnBrk="1" hangingPunct="1">
@@ -21718,7 +21550,7 @@
       </p:sp>
       <p:pic>
         <p:nvPicPr>
-          <p:cNvPr id="74" name=""/>
+          <p:cNvPr id="74" name="그림 73"/>
           <p:cNvPicPr>
             <a:picLocks noChangeAspect="1"/>
           </p:cNvPicPr>
@@ -21745,11 +21577,11 @@
   <p:clrMapOvr>
     <a:masterClrMapping/>
   </p:clrMapOvr>
-  <mc:AlternateContent xmlns:mc="http://schemas.openxmlformats.org/markup-compatibility/2006">
-    <mc:Choice xmlns:p14="http://schemas.microsoft.com/office/powerpoint/2010/main" Requires="p14">
-      <p:transition xmlns:mc="http://schemas.openxmlformats.org/markup-compatibility/2006" xmlns:p14="http://schemas.microsoft.com/office/powerpoint/2010/main" mc:Ignorable="p14" p14:dur="500"/>
+  <mc:AlternateContent xmlns:mc="http://schemas.openxmlformats.org/markup-compatibility/2006" xmlns:p14="http://schemas.microsoft.com/office/powerpoint/2010/main">
+    <mc:Choice Requires="p14">
+      <p:transition/>
     </mc:Choice>
-    <mc:Fallback>
+    <mc:Fallback xmlns:dsp="http://schemas.microsoft.com/office/drawing/2008/diagram" xmlns:dgm="http://schemas.openxmlformats.org/drawingml/2006/diagram" xmlns:c="http://schemas.openxmlformats.org/drawingml/2006/chart" xmlns="">
       <p:transition/>
     </mc:Fallback>
   </mc:AlternateContent>
@@ -21757,21 +21589,22 @@
 </file>
 
 <file path=ppt/slides/slide23.xml><?xml version="1.0" encoding="utf-8"?>
-<p:sld xmlns:r="http://schemas.openxmlformats.org/officeDocument/2006/relationships" xmlns:c="http://schemas.openxmlformats.org/drawingml/2006/chart" xmlns:a="http://schemas.openxmlformats.org/drawingml/2006/main" xmlns:dgm="http://schemas.openxmlformats.org/drawingml/2006/diagram" xmlns:dsp="http://schemas.microsoft.com/office/drawing/2008/diagram" xmlns:p="http://schemas.openxmlformats.org/presentationml/2006/main">
+<p:sld xmlns:a="http://schemas.openxmlformats.org/drawingml/2006/main" xmlns:r="http://schemas.openxmlformats.org/officeDocument/2006/relationships" xmlns:p="http://schemas.openxmlformats.org/presentationml/2006/main">
   <p:cSld>
     <p:bg>
-      <p:bgPr shadeToTitle="0">
+      <p:bgPr>
         <a:gradFill>
           <a:gsLst>
             <a:gs pos="50000">
-              <a:srgbClr val="b3acb3"/>
+              <a:srgbClr val="B3ACB3"/>
             </a:gs>
             <a:gs pos="50000">
-              <a:srgbClr val="f8e9e8"/>
+              <a:srgbClr val="F8E9E8"/>
             </a:gs>
           </a:gsLst>
           <a:lin ang="6600000" scaled="0"/>
         </a:gradFill>
+        <a:effectLst/>
       </p:bgPr>
     </p:bg>
     <p:spTree>
@@ -21809,7 +21642,7 @@
             <a:gradFill>
               <a:gsLst>
                 <a:gs pos="50000">
-                  <a:srgbClr val="efccca"/>
+                  <a:srgbClr val="EFCCCA"/>
                 </a:gs>
                 <a:gs pos="50000">
                   <a:schemeClr val="bg1">
@@ -21892,16 +21725,11 @@
             <a:r>
               <a:rPr lang="ko-KR" altLang="en-US" sz="4200" b="1" i="1">
                 <a:solidFill>
-                  <a:srgbClr val="ff9999"/>
+                  <a:srgbClr val="FF9999"/>
                 </a:solidFill>
               </a:rPr>
               <a:t>주요 메뉴별 서브페이지 구성</a:t>
             </a:r>
-            <a:endParaRPr lang="ko-KR" altLang="en-US" sz="4200" b="1" i="1">
-              <a:solidFill>
-                <a:srgbClr val="ff9999"/>
-              </a:solidFill>
-            </a:endParaRPr>
           </a:p>
         </p:txBody>
       </p:sp>
@@ -21952,13 +21780,6 @@
               </a:rPr>
               <a:t>페이지 주제</a:t>
             </a:r>
-            <a:endParaRPr kumimoji="0" lang="ko-KR" altLang="en-US" sz="2000" b="0" i="0" u="none" strike="noStrike" kern="1200" cap="none" spc="0" normalizeH="0" baseline="0">
-              <a:solidFill>
-                <a:schemeClr val="tx1"/>
-              </a:solidFill>
-              <a:latin typeface="1훈정글북 Regular"/>
-              <a:ea typeface="1훈정글북 Regular"/>
-            </a:endParaRPr>
           </a:p>
           <a:p>
             <a:pPr marL="0" indent="0" defTabSz="914400" rtl="0" eaLnBrk="1" latinLnBrk="1" hangingPunct="1">
@@ -22206,13 +22027,6 @@
               </a:rPr>
               <a:t>화면 기능</a:t>
             </a:r>
-            <a:endParaRPr kumimoji="0" lang="ko-KR" altLang="en-US" sz="2600" b="0" i="0" u="none" strike="noStrike" kern="1200" cap="none" spc="0" normalizeH="0" baseline="0">
-              <a:solidFill>
-                <a:schemeClr val="tx1"/>
-              </a:solidFill>
-              <a:latin typeface="1훈정글북 Regular"/>
-              <a:ea typeface="1훈정글북 Regular"/>
-            </a:endParaRPr>
           </a:p>
           <a:p>
             <a:pPr marL="0" indent="0" defTabSz="914400" rtl="0" eaLnBrk="1" latinLnBrk="1" hangingPunct="1">
@@ -22355,13 +22169,6 @@
               </a:rPr>
               <a:t>마이페이지</a:t>
             </a:r>
-            <a:endParaRPr kumimoji="0" lang="ko-KR" altLang="en-US" sz="1945" b="0" i="0" u="none" strike="noStrike" kern="1200" cap="none" spc="0" normalizeH="0" baseline="0">
-              <a:solidFill>
-                <a:schemeClr val="tx1"/>
-              </a:solidFill>
-              <a:latin typeface="1훈정글북 Regular"/>
-              <a:ea typeface="1훈정글북 Regular"/>
-            </a:endParaRPr>
           </a:p>
           <a:p>
             <a:pPr marL="0" indent="0" defTabSz="914400" rtl="0" eaLnBrk="1" latinLnBrk="1" hangingPunct="1">
@@ -22534,13 +22341,6 @@
               </a:rPr>
               <a:t> 내 문의 버튼 클릭 시 자신이 문의 했던 내용들을 한 눈에 볼 수 </a:t>
             </a:r>
-            <a:endParaRPr kumimoji="0" lang="ko-KR" altLang="en-US" b="0" i="0" u="none" strike="noStrike" kern="1200" cap="none" spc="0" normalizeH="0" baseline="0">
-              <a:solidFill>
-                <a:schemeClr val="tx1"/>
-              </a:solidFill>
-              <a:latin typeface="1훈정글북 Regular"/>
-              <a:ea typeface="1훈정글북 Regular"/>
-            </a:endParaRPr>
           </a:p>
           <a:p>
             <a:pPr marL="0" indent="0" defTabSz="914400" rtl="0" eaLnBrk="1" latinLnBrk="1" hangingPunct="1">
@@ -22592,7 +22392,7 @@
       </p:sp>
       <p:pic>
         <p:nvPicPr>
-          <p:cNvPr id="74" name=""/>
+          <p:cNvPr id="74" name="그림 73"/>
           <p:cNvPicPr>
             <a:picLocks noChangeAspect="1"/>
           </p:cNvPicPr>
@@ -22619,11 +22419,11 @@
   <p:clrMapOvr>
     <a:masterClrMapping/>
   </p:clrMapOvr>
-  <mc:AlternateContent xmlns:mc="http://schemas.openxmlformats.org/markup-compatibility/2006">
-    <mc:Choice xmlns:p14="http://schemas.microsoft.com/office/powerpoint/2010/main" Requires="p14">
-      <p:transition xmlns:mc="http://schemas.openxmlformats.org/markup-compatibility/2006" xmlns:p14="http://schemas.microsoft.com/office/powerpoint/2010/main" mc:Ignorable="p14" p14:dur="500"/>
+  <mc:AlternateContent xmlns:mc="http://schemas.openxmlformats.org/markup-compatibility/2006" xmlns:p14="http://schemas.microsoft.com/office/powerpoint/2010/main">
+    <mc:Choice Requires="p14">
+      <p:transition/>
     </mc:Choice>
-    <mc:Fallback>
+    <mc:Fallback xmlns:dsp="http://schemas.microsoft.com/office/drawing/2008/diagram" xmlns:dgm="http://schemas.openxmlformats.org/drawingml/2006/diagram" xmlns:c="http://schemas.openxmlformats.org/drawingml/2006/chart" xmlns="">
       <p:transition/>
     </mc:Fallback>
   </mc:AlternateContent>
@@ -22631,21 +22431,22 @@
 </file>
 
 <file path=ppt/slides/slide24.xml><?xml version="1.0" encoding="utf-8"?>
-<p:sld xmlns:r="http://schemas.openxmlformats.org/officeDocument/2006/relationships" xmlns:c="http://schemas.openxmlformats.org/drawingml/2006/chart" xmlns:a="http://schemas.openxmlformats.org/drawingml/2006/main" xmlns:dgm="http://schemas.openxmlformats.org/drawingml/2006/diagram" xmlns:dsp="http://schemas.microsoft.com/office/drawing/2008/diagram" xmlns:p="http://schemas.openxmlformats.org/presentationml/2006/main">
+<p:sld xmlns:a="http://schemas.openxmlformats.org/drawingml/2006/main" xmlns:r="http://schemas.openxmlformats.org/officeDocument/2006/relationships" xmlns:p="http://schemas.openxmlformats.org/presentationml/2006/main">
   <p:cSld>
     <p:bg>
-      <p:bgPr shadeToTitle="0">
+      <p:bgPr>
         <a:gradFill>
           <a:gsLst>
             <a:gs pos="50000">
-              <a:srgbClr val="b3acb3"/>
+              <a:srgbClr val="B3ACB3"/>
             </a:gs>
             <a:gs pos="50000">
-              <a:srgbClr val="f8e9e8"/>
+              <a:srgbClr val="F8E9E8"/>
             </a:gs>
           </a:gsLst>
           <a:lin ang="6600000" scaled="0"/>
         </a:gradFill>
+        <a:effectLst/>
       </p:bgPr>
     </p:bg>
     <p:spTree>
@@ -22683,7 +22484,7 @@
             <a:gradFill>
               <a:gsLst>
                 <a:gs pos="50000">
-                  <a:srgbClr val="efccca"/>
+                  <a:srgbClr val="EFCCCA"/>
                 </a:gs>
                 <a:gs pos="50000">
                   <a:schemeClr val="bg1">
@@ -22741,7 +22542,7 @@
       </p:sp>
       <p:pic>
         <p:nvPicPr>
-          <p:cNvPr id="76" name=""/>
+          <p:cNvPr id="76" name="그림 75"/>
           <p:cNvPicPr>
             <a:picLocks noChangeAspect="1"/>
           </p:cNvPicPr>
@@ -22790,16 +22591,11 @@
             <a:r>
               <a:rPr lang="ko-KR" altLang="en-US" sz="4200" b="1" i="1">
                 <a:solidFill>
-                  <a:srgbClr val="ff9999"/>
+                  <a:srgbClr val="FF9999"/>
                 </a:solidFill>
               </a:rPr>
               <a:t>사이트맵</a:t>
             </a:r>
-            <a:endParaRPr lang="ko-KR" altLang="en-US" sz="4200" b="1" i="1">
-              <a:solidFill>
-                <a:srgbClr val="ff9999"/>
-              </a:solidFill>
-            </a:endParaRPr>
           </a:p>
         </p:txBody>
       </p:sp>
@@ -22808,11 +22604,11 @@
   <p:clrMapOvr>
     <a:masterClrMapping/>
   </p:clrMapOvr>
-  <mc:AlternateContent xmlns:mc="http://schemas.openxmlformats.org/markup-compatibility/2006">
-    <mc:Choice xmlns:p14="http://schemas.microsoft.com/office/powerpoint/2010/main" Requires="p14">
-      <p:transition xmlns:mc="http://schemas.openxmlformats.org/markup-compatibility/2006" xmlns:p14="http://schemas.microsoft.com/office/powerpoint/2010/main" mc:Ignorable="p14" p14:dur="500"/>
+  <mc:AlternateContent xmlns:mc="http://schemas.openxmlformats.org/markup-compatibility/2006" xmlns:p14="http://schemas.microsoft.com/office/powerpoint/2010/main">
+    <mc:Choice Requires="p14">
+      <p:transition/>
     </mc:Choice>
-    <mc:Fallback>
+    <mc:Fallback xmlns:dsp="http://schemas.microsoft.com/office/drawing/2008/diagram" xmlns:dgm="http://schemas.openxmlformats.org/drawingml/2006/diagram" xmlns:c="http://schemas.openxmlformats.org/drawingml/2006/chart" xmlns="">
       <p:transition/>
     </mc:Fallback>
   </mc:AlternateContent>
@@ -22820,21 +22616,22 @@
 </file>
 
 <file path=ppt/slides/slide25.xml><?xml version="1.0" encoding="utf-8"?>
-<p:sld xmlns:r="http://schemas.openxmlformats.org/officeDocument/2006/relationships" xmlns:c="http://schemas.openxmlformats.org/drawingml/2006/chart" xmlns:a="http://schemas.openxmlformats.org/drawingml/2006/main" xmlns:dgm="http://schemas.openxmlformats.org/drawingml/2006/diagram" xmlns:dsp="http://schemas.microsoft.com/office/drawing/2008/diagram" xmlns:p="http://schemas.openxmlformats.org/presentationml/2006/main">
+<p:sld xmlns:a="http://schemas.openxmlformats.org/drawingml/2006/main" xmlns:r="http://schemas.openxmlformats.org/officeDocument/2006/relationships" xmlns:p="http://schemas.openxmlformats.org/presentationml/2006/main">
   <p:cSld>
     <p:bg>
-      <p:bgPr shadeToTitle="0">
+      <p:bgPr>
         <a:gradFill>
           <a:gsLst>
             <a:gs pos="50000">
-              <a:srgbClr val="b3acb3"/>
+              <a:srgbClr val="B3ACB3"/>
             </a:gs>
             <a:gs pos="50000">
-              <a:srgbClr val="f8e9e8"/>
+              <a:srgbClr val="F8E9E8"/>
             </a:gs>
           </a:gsLst>
           <a:lin ang="6600000" scaled="0"/>
         </a:gradFill>
+        <a:effectLst/>
       </p:bgPr>
     </p:bg>
     <p:spTree>
@@ -22872,7 +22669,7 @@
             <a:gradFill>
               <a:gsLst>
                 <a:gs pos="50000">
-                  <a:srgbClr val="efccca"/>
+                  <a:srgbClr val="EFCCCA"/>
                 </a:gs>
                 <a:gs pos="50000">
                   <a:schemeClr val="bg1">
@@ -22955,22 +22752,17 @@
             <a:r>
               <a:rPr lang="ko-KR" altLang="en-US" sz="4200" b="1" i="1">
                 <a:solidFill>
-                  <a:srgbClr val="ff9999"/>
+                  <a:srgbClr val="FF9999"/>
                 </a:solidFill>
               </a:rPr>
               <a:t>모든 메뉴별 소개 및 설명 </a:t>
             </a:r>
-            <a:endParaRPr lang="ko-KR" altLang="en-US" sz="4200" b="1" i="1">
-              <a:solidFill>
-                <a:srgbClr val="ff9999"/>
-              </a:solidFill>
-            </a:endParaRPr>
           </a:p>
         </p:txBody>
       </p:sp>
       <p:sp>
         <p:nvSpPr>
-          <p:cNvPr id="74" name=""/>
+          <p:cNvPr id="74" name="직사각형 73"/>
           <p:cNvSpPr/>
           <p:nvPr/>
         </p:nvSpPr>
@@ -22985,7 +22777,7 @@
           <a:noFill/>
           <a:ln w="25400">
             <a:solidFill>
-              <a:srgbClr val="fbbcd9"/>
+              <a:srgbClr val="FBBCD9"/>
             </a:solidFill>
           </a:ln>
         </p:spPr>
@@ -23007,6 +22799,7 @@
         </p:style>
         <p:txBody>
           <a:bodyPr anchor="ctr"/>
+          <a:lstStyle/>
           <a:p>
             <a:pPr algn="ctr">
               <a:defRPr/>
@@ -23062,13 +22855,6 @@
               </a:rPr>
               <a:t>마이페이지</a:t>
             </a:r>
-            <a:endParaRPr kumimoji="0" lang="ko-KR" altLang="en-US" sz="2000" b="0" i="0" u="none" strike="noStrike" kern="1200" cap="none" spc="0" normalizeH="0" baseline="0">
-              <a:solidFill>
-                <a:schemeClr val="tx1"/>
-              </a:solidFill>
-              <a:latin typeface="1훈정글북 Regular"/>
-              <a:ea typeface="1훈정글북 Regular"/>
-            </a:endParaRPr>
           </a:p>
           <a:p>
             <a:pPr marL="0" indent="0" defTabSz="914400" rtl="0" eaLnBrk="1" latinLnBrk="1" hangingPunct="1">
@@ -23231,13 +23017,6 @@
               </a:rPr>
               <a:t>자신의 정보를 확인하고 수정할 수 있으며 쿠폰과 적립금 확인이 가능한    페이지</a:t>
             </a:r>
-            <a:endParaRPr kumimoji="0" lang="ko-KR" altLang="en-US" sz="2000" b="0" i="0" u="none" strike="noStrike" kern="1200" cap="none" spc="0" normalizeH="0" baseline="0">
-              <a:solidFill>
-                <a:schemeClr val="tx1"/>
-              </a:solidFill>
-              <a:latin typeface="1훈정글북 Regular"/>
-              <a:ea typeface="1훈정글북 Regular"/>
-            </a:endParaRPr>
           </a:p>
           <a:p>
             <a:pPr marL="0" indent="0" defTabSz="914400" rtl="0" eaLnBrk="1" latinLnBrk="1" hangingPunct="1">
@@ -23312,7 +23091,7 @@
       </p:sp>
       <p:sp>
         <p:nvSpPr>
-          <p:cNvPr id="77" name=""/>
+          <p:cNvPr id="77" name="직사각형 76"/>
           <p:cNvSpPr/>
           <p:nvPr/>
         </p:nvSpPr>
@@ -23327,7 +23106,7 @@
           <a:noFill/>
           <a:ln w="25400">
             <a:solidFill>
-              <a:srgbClr val="fbbcd9"/>
+              <a:srgbClr val="FBBCD9"/>
             </a:solidFill>
           </a:ln>
         </p:spPr>
@@ -23405,13 +23184,6 @@
               </a:rPr>
               <a:t>회원가입</a:t>
             </a:r>
-            <a:endParaRPr kumimoji="0" lang="ko-KR" altLang="en-US" sz="2000" b="0" i="0" u="none" strike="noStrike" kern="1200" cap="none" spc="0" normalizeH="0" baseline="0">
-              <a:solidFill>
-                <a:schemeClr val="tx1"/>
-              </a:solidFill>
-              <a:latin typeface="1훈정글북 Regular"/>
-              <a:ea typeface="1훈정글북 Regular"/>
-            </a:endParaRPr>
           </a:p>
           <a:p>
             <a:pPr marL="0" indent="0" defTabSz="914400" rtl="0" eaLnBrk="1" latinLnBrk="1" hangingPunct="1">
@@ -23574,13 +23346,6 @@
               </a:rPr>
               <a:t>회원이 되기위해 작성하는 페이지</a:t>
             </a:r>
-            <a:endParaRPr kumimoji="0" lang="ko-KR" altLang="en-US" sz="2000" b="0" i="0" u="none" strike="noStrike" kern="1200" cap="none" spc="0" normalizeH="0" baseline="0">
-              <a:solidFill>
-                <a:schemeClr val="tx1"/>
-              </a:solidFill>
-              <a:latin typeface="1훈정글북 Regular"/>
-              <a:ea typeface="1훈정글북 Regular"/>
-            </a:endParaRPr>
           </a:p>
           <a:p>
             <a:pPr marL="0" indent="0" defTabSz="914400" rtl="0" eaLnBrk="1" latinLnBrk="1" hangingPunct="1">
@@ -23655,7 +23420,7 @@
       </p:sp>
       <p:sp>
         <p:nvSpPr>
-          <p:cNvPr id="82" name=""/>
+          <p:cNvPr id="82" name="직사각형 81"/>
           <p:cNvSpPr/>
           <p:nvPr/>
         </p:nvSpPr>
@@ -23670,7 +23435,7 @@
           <a:noFill/>
           <a:ln w="25400">
             <a:solidFill>
-              <a:srgbClr val="fbbcd9"/>
+              <a:srgbClr val="FBBCD9"/>
             </a:solidFill>
           </a:ln>
         </p:spPr>
@@ -23748,13 +23513,6 @@
               </a:rPr>
               <a:t>로그인</a:t>
             </a:r>
-            <a:endParaRPr kumimoji="0" lang="ko-KR" altLang="en-US" sz="2000" b="0" i="0" u="none" strike="noStrike" kern="1200" cap="none" spc="0" normalizeH="0" baseline="0">
-              <a:solidFill>
-                <a:schemeClr val="tx1"/>
-              </a:solidFill>
-              <a:latin typeface="1훈정글북 Regular"/>
-              <a:ea typeface="1훈정글북 Regular"/>
-            </a:endParaRPr>
           </a:p>
           <a:p>
             <a:pPr marL="0" indent="0" defTabSz="914400" rtl="0" eaLnBrk="1" latinLnBrk="1" hangingPunct="1">
@@ -23917,13 +23675,6 @@
               </a:rPr>
               <a:t>사이트를 이용하기 위해 입력하는 페이지</a:t>
             </a:r>
-            <a:endParaRPr kumimoji="0" lang="ko-KR" altLang="en-US" sz="2000" b="0" i="0" u="none" strike="noStrike" kern="1200" cap="none" spc="0" normalizeH="0" baseline="0">
-              <a:solidFill>
-                <a:schemeClr val="tx1"/>
-              </a:solidFill>
-              <a:latin typeface="1훈정글북 Regular"/>
-              <a:ea typeface="1훈정글북 Regular"/>
-            </a:endParaRPr>
           </a:p>
           <a:p>
             <a:pPr marL="0" indent="0" defTabSz="914400" rtl="0" eaLnBrk="1" latinLnBrk="1" hangingPunct="1">
@@ -23998,7 +23749,7 @@
       </p:sp>
       <p:sp>
         <p:nvSpPr>
-          <p:cNvPr id="85" name=""/>
+          <p:cNvPr id="85" name="직사각형 84"/>
           <p:cNvSpPr/>
           <p:nvPr/>
         </p:nvSpPr>
@@ -24013,7 +23764,7 @@
           <a:noFill/>
           <a:ln w="25400">
             <a:solidFill>
-              <a:srgbClr val="fbbcd9"/>
+              <a:srgbClr val="FBBCD9"/>
             </a:solidFill>
           </a:ln>
         </p:spPr>
@@ -24091,13 +23842,6 @@
               </a:rPr>
               <a:t>장바구니</a:t>
             </a:r>
-            <a:endParaRPr kumimoji="0" lang="ko-KR" altLang="en-US" sz="2000" b="0" i="0" u="none" strike="noStrike" kern="1200" cap="none" spc="0" normalizeH="0" baseline="0">
-              <a:solidFill>
-                <a:schemeClr val="tx1"/>
-              </a:solidFill>
-              <a:latin typeface="1훈정글북 Regular"/>
-              <a:ea typeface="1훈정글북 Regular"/>
-            </a:endParaRPr>
           </a:p>
           <a:p>
             <a:pPr marL="0" indent="0" defTabSz="914400" rtl="0" eaLnBrk="1" latinLnBrk="1" hangingPunct="1">
@@ -24321,11 +24065,11 @@
   <p:clrMapOvr>
     <a:masterClrMapping/>
   </p:clrMapOvr>
-  <mc:AlternateContent xmlns:mc="http://schemas.openxmlformats.org/markup-compatibility/2006">
-    <mc:Choice xmlns:p14="http://schemas.microsoft.com/office/powerpoint/2010/main" Requires="p14">
-      <p:transition xmlns:mc="http://schemas.openxmlformats.org/markup-compatibility/2006" xmlns:p14="http://schemas.microsoft.com/office/powerpoint/2010/main" mc:Ignorable="p14" p14:dur="500"/>
+  <mc:AlternateContent xmlns:mc="http://schemas.openxmlformats.org/markup-compatibility/2006" xmlns:p14="http://schemas.microsoft.com/office/powerpoint/2010/main">
+    <mc:Choice Requires="p14">
+      <p:transition/>
     </mc:Choice>
-    <mc:Fallback>
+    <mc:Fallback xmlns:dsp="http://schemas.microsoft.com/office/drawing/2008/diagram" xmlns:dgm="http://schemas.openxmlformats.org/drawingml/2006/diagram" xmlns:c="http://schemas.openxmlformats.org/drawingml/2006/chart" xmlns="">
       <p:transition/>
     </mc:Fallback>
   </mc:AlternateContent>
@@ -24333,21 +24077,22 @@
 </file>
 
 <file path=ppt/slides/slide26.xml><?xml version="1.0" encoding="utf-8"?>
-<p:sld xmlns:r="http://schemas.openxmlformats.org/officeDocument/2006/relationships" xmlns:c="http://schemas.openxmlformats.org/drawingml/2006/chart" xmlns:a="http://schemas.openxmlformats.org/drawingml/2006/main" xmlns:dgm="http://schemas.openxmlformats.org/drawingml/2006/diagram" xmlns:dsp="http://schemas.microsoft.com/office/drawing/2008/diagram" xmlns:p="http://schemas.openxmlformats.org/presentationml/2006/main">
+<p:sld xmlns:a="http://schemas.openxmlformats.org/drawingml/2006/main" xmlns:r="http://schemas.openxmlformats.org/officeDocument/2006/relationships" xmlns:p="http://schemas.openxmlformats.org/presentationml/2006/main">
   <p:cSld>
     <p:bg>
-      <p:bgPr shadeToTitle="0">
+      <p:bgPr>
         <a:gradFill>
           <a:gsLst>
             <a:gs pos="50000">
-              <a:srgbClr val="b3acb3"/>
+              <a:srgbClr val="B3ACB3"/>
             </a:gs>
             <a:gs pos="50000">
-              <a:srgbClr val="f8e9e8"/>
+              <a:srgbClr val="F8E9E8"/>
             </a:gs>
           </a:gsLst>
           <a:lin ang="6600000" scaled="0"/>
         </a:gradFill>
+        <a:effectLst/>
       </p:bgPr>
     </p:bg>
     <p:spTree>
@@ -24385,7 +24130,7 @@
             <a:gradFill>
               <a:gsLst>
                 <a:gs pos="50000">
-                  <a:srgbClr val="efccca"/>
+                  <a:srgbClr val="EFCCCA"/>
                 </a:gs>
                 <a:gs pos="50000">
                   <a:schemeClr val="bg1">
@@ -24468,22 +24213,17 @@
             <a:r>
               <a:rPr lang="ko-KR" altLang="en-US" sz="4200" b="1" i="1">
                 <a:solidFill>
-                  <a:srgbClr val="ff9999"/>
+                  <a:srgbClr val="FF9999"/>
                 </a:solidFill>
               </a:rPr>
               <a:t>모든 메뉴별 소개 및 설명 </a:t>
             </a:r>
-            <a:endParaRPr lang="ko-KR" altLang="en-US" sz="4200" b="1" i="1">
-              <a:solidFill>
-                <a:srgbClr val="ff9999"/>
-              </a:solidFill>
-            </a:endParaRPr>
           </a:p>
         </p:txBody>
       </p:sp>
       <p:sp>
         <p:nvSpPr>
-          <p:cNvPr id="74" name=""/>
+          <p:cNvPr id="74" name="직사각형 73"/>
           <p:cNvSpPr/>
           <p:nvPr/>
         </p:nvSpPr>
@@ -24520,6 +24260,7 @@
         </p:style>
         <p:txBody>
           <a:bodyPr anchor="ctr"/>
+          <a:lstStyle/>
           <a:p>
             <a:pPr algn="ctr">
               <a:defRPr/>
@@ -24585,13 +24326,6 @@
               </a:rPr>
               <a:t>?</a:t>
             </a:r>
-            <a:endParaRPr kumimoji="0" lang="en-US" altLang="ko-KR" sz="2000" b="0" i="0" u="none" strike="noStrike" kern="1200" cap="none" spc="0" normalizeH="0" baseline="0">
-              <a:solidFill>
-                <a:schemeClr val="tx1"/>
-              </a:solidFill>
-              <a:latin typeface="1훈정글북 Regular"/>
-              <a:ea typeface="1훈정글북 Regular"/>
-            </a:endParaRPr>
           </a:p>
           <a:p>
             <a:pPr marL="0" indent="0" defTabSz="914400" rtl="0" eaLnBrk="1" latinLnBrk="1" hangingPunct="1">
@@ -24764,13 +24498,6 @@
               </a:rPr>
               <a:t> 소개 페이지</a:t>
             </a:r>
-            <a:endParaRPr kumimoji="0" lang="ko-KR" altLang="en-US" sz="2000" b="0" i="0" u="none" strike="noStrike" kern="1200" cap="none" spc="0" normalizeH="0" baseline="0">
-              <a:solidFill>
-                <a:schemeClr val="tx1"/>
-              </a:solidFill>
-              <a:latin typeface="1훈정글북 Regular"/>
-              <a:ea typeface="1훈정글북 Regular"/>
-            </a:endParaRPr>
           </a:p>
           <a:p>
             <a:pPr marL="0" indent="0" defTabSz="914400" rtl="0" eaLnBrk="1" latinLnBrk="1" hangingPunct="1">
@@ -24845,7 +24572,7 @@
       </p:sp>
       <p:sp>
         <p:nvSpPr>
-          <p:cNvPr id="77" name=""/>
+          <p:cNvPr id="77" name="직사각형 76"/>
           <p:cNvSpPr/>
           <p:nvPr/>
         </p:nvSpPr>
@@ -24938,13 +24665,6 @@
               </a:rPr>
               <a:t>의료진 소개</a:t>
             </a:r>
-            <a:endParaRPr kumimoji="0" lang="ko-KR" altLang="en-US" sz="2000" b="0" i="0" u="none" strike="noStrike" kern="1200" cap="none" spc="0" normalizeH="0" baseline="0">
-              <a:solidFill>
-                <a:schemeClr val="tx1"/>
-              </a:solidFill>
-              <a:latin typeface="1훈정글북 Regular"/>
-              <a:ea typeface="1훈정글북 Regular"/>
-            </a:endParaRPr>
           </a:p>
           <a:p>
             <a:pPr marL="0" indent="0" defTabSz="914400" rtl="0" eaLnBrk="1" latinLnBrk="1" hangingPunct="1">
@@ -25127,13 +24847,6 @@
               </a:rPr>
               <a:t> 의 의료진들을 소개하는 페이지</a:t>
             </a:r>
-            <a:endParaRPr kumimoji="0" lang="ko-KR" altLang="en-US" sz="2000" b="0" i="0" u="none" strike="noStrike" kern="1200" cap="none" spc="0" normalizeH="0" baseline="0">
-              <a:solidFill>
-                <a:schemeClr val="tx1"/>
-              </a:solidFill>
-              <a:latin typeface="1훈정글북 Regular"/>
-              <a:ea typeface="1훈정글북 Regular"/>
-            </a:endParaRPr>
           </a:p>
           <a:p>
             <a:pPr marL="0" indent="0" defTabSz="914400" rtl="0" eaLnBrk="1" latinLnBrk="1" hangingPunct="1">
@@ -25208,7 +24921,7 @@
       </p:sp>
       <p:sp>
         <p:nvSpPr>
-          <p:cNvPr id="82" name=""/>
+          <p:cNvPr id="82" name="직사각형 81"/>
           <p:cNvSpPr/>
           <p:nvPr/>
         </p:nvSpPr>
@@ -25301,13 +25014,6 @@
               </a:rPr>
               <a:t>오시는 길</a:t>
             </a:r>
-            <a:endParaRPr kumimoji="0" lang="ko-KR" altLang="en-US" sz="2000" b="0" i="0" u="none" strike="noStrike" kern="1200" cap="none" spc="0" normalizeH="0" baseline="0">
-              <a:solidFill>
-                <a:schemeClr val="tx1"/>
-              </a:solidFill>
-              <a:latin typeface="1훈정글북 Regular"/>
-              <a:ea typeface="1훈정글북 Regular"/>
-            </a:endParaRPr>
           </a:p>
           <a:p>
             <a:pPr marL="0" indent="0" defTabSz="914400" rtl="0" eaLnBrk="1" latinLnBrk="1" hangingPunct="1">
@@ -25480,13 +25186,6 @@
               </a:rPr>
               <a:t>의 정확한 위치 설명과 실내 내부를 소개하는 페이지</a:t>
             </a:r>
-            <a:endParaRPr kumimoji="0" lang="ko-KR" altLang="en-US" sz="2000" b="0" i="0" u="none" strike="noStrike" kern="1200" cap="none" spc="0" normalizeH="0" baseline="0">
-              <a:solidFill>
-                <a:schemeClr val="tx1"/>
-              </a:solidFill>
-              <a:latin typeface="1훈정글북 Regular"/>
-              <a:ea typeface="1훈정글북 Regular"/>
-            </a:endParaRPr>
           </a:p>
           <a:p>
             <a:pPr marL="0" indent="0" defTabSz="914400" rtl="0" eaLnBrk="1" latinLnBrk="1" hangingPunct="1">
@@ -25606,13 +25305,6 @@
               </a:rPr>
               <a:t>회사소개</a:t>
             </a:r>
-            <a:endParaRPr kumimoji="0" lang="ko-KR" altLang="en-US" sz="4516" b="0" i="0" u="none" strike="noStrike" kern="1200" cap="none" spc="0" normalizeH="0" baseline="0">
-              <a:solidFill>
-                <a:schemeClr val="tx1"/>
-              </a:solidFill>
-              <a:latin typeface="1훈정글북 Regular"/>
-              <a:ea typeface="1훈정글북 Regular"/>
-            </a:endParaRPr>
           </a:p>
           <a:p>
             <a:pPr marL="0" indent="0" defTabSz="914400" rtl="0" eaLnBrk="1" latinLnBrk="1" hangingPunct="1">
@@ -25710,7 +25402,7 @@
       </p:sp>
       <p:sp>
         <p:nvSpPr>
-          <p:cNvPr id="86" name=""/>
+          <p:cNvPr id="86" name="직사각형 85"/>
           <p:cNvSpPr/>
           <p:nvPr/>
         </p:nvSpPr>
@@ -25725,7 +25417,7 @@
           <a:noFill/>
           <a:ln w="25400">
             <a:solidFill>
-              <a:srgbClr val="fbbcd9"/>
+              <a:srgbClr val="FBBCD9"/>
             </a:solidFill>
           </a:ln>
         </p:spPr>
@@ -25761,11 +25453,11 @@
   <p:clrMapOvr>
     <a:masterClrMapping/>
   </p:clrMapOvr>
-  <mc:AlternateContent xmlns:mc="http://schemas.openxmlformats.org/markup-compatibility/2006">
-    <mc:Choice xmlns:p14="http://schemas.microsoft.com/office/powerpoint/2010/main" Requires="p14">
-      <p:transition xmlns:mc="http://schemas.openxmlformats.org/markup-compatibility/2006" xmlns:p14="http://schemas.microsoft.com/office/powerpoint/2010/main" mc:Ignorable="p14" p14:dur="500"/>
+  <mc:AlternateContent xmlns:mc="http://schemas.openxmlformats.org/markup-compatibility/2006" xmlns:p14="http://schemas.microsoft.com/office/powerpoint/2010/main">
+    <mc:Choice Requires="p14">
+      <p:transition/>
     </mc:Choice>
-    <mc:Fallback>
+    <mc:Fallback xmlns:dsp="http://schemas.microsoft.com/office/drawing/2008/diagram" xmlns:dgm="http://schemas.openxmlformats.org/drawingml/2006/diagram" xmlns:c="http://schemas.openxmlformats.org/drawingml/2006/chart" xmlns="">
       <p:transition/>
     </mc:Fallback>
   </mc:AlternateContent>
@@ -25773,21 +25465,22 @@
 </file>
 
 <file path=ppt/slides/slide27.xml><?xml version="1.0" encoding="utf-8"?>
-<p:sld xmlns:r="http://schemas.openxmlformats.org/officeDocument/2006/relationships" xmlns:c="http://schemas.openxmlformats.org/drawingml/2006/chart" xmlns:a="http://schemas.openxmlformats.org/drawingml/2006/main" xmlns:dgm="http://schemas.openxmlformats.org/drawingml/2006/diagram" xmlns:dsp="http://schemas.microsoft.com/office/drawing/2008/diagram" xmlns:p="http://schemas.openxmlformats.org/presentationml/2006/main">
+<p:sld xmlns:a="http://schemas.openxmlformats.org/drawingml/2006/main" xmlns:r="http://schemas.openxmlformats.org/officeDocument/2006/relationships" xmlns:p="http://schemas.openxmlformats.org/presentationml/2006/main">
   <p:cSld>
     <p:bg>
-      <p:bgPr shadeToTitle="0">
+      <p:bgPr>
         <a:gradFill>
           <a:gsLst>
             <a:gs pos="50000">
-              <a:srgbClr val="b3acb3"/>
+              <a:srgbClr val="B3ACB3"/>
             </a:gs>
             <a:gs pos="50000">
-              <a:srgbClr val="f8e9e8"/>
+              <a:srgbClr val="F8E9E8"/>
             </a:gs>
           </a:gsLst>
           <a:lin ang="6600000" scaled="0"/>
         </a:gradFill>
+        <a:effectLst/>
       </p:bgPr>
     </p:bg>
     <p:spTree>
@@ -25825,7 +25518,7 @@
             <a:gradFill>
               <a:gsLst>
                 <a:gs pos="50000">
-                  <a:srgbClr val="efccca"/>
+                  <a:srgbClr val="EFCCCA"/>
                 </a:gs>
                 <a:gs pos="50000">
                   <a:schemeClr val="bg1">
@@ -25908,22 +25601,17 @@
             <a:r>
               <a:rPr lang="ko-KR" altLang="en-US" sz="4200" b="1" i="1">
                 <a:solidFill>
-                  <a:srgbClr val="ff9999"/>
+                  <a:srgbClr val="FF9999"/>
                 </a:solidFill>
               </a:rPr>
               <a:t>모든 메뉴별 소개 및 설명 </a:t>
             </a:r>
-            <a:endParaRPr lang="ko-KR" altLang="en-US" sz="4200" b="1" i="1">
-              <a:solidFill>
-                <a:srgbClr val="ff9999"/>
-              </a:solidFill>
-            </a:endParaRPr>
           </a:p>
         </p:txBody>
       </p:sp>
       <p:sp>
         <p:nvSpPr>
-          <p:cNvPr id="74" name=""/>
+          <p:cNvPr id="74" name="직사각형 73"/>
           <p:cNvSpPr/>
           <p:nvPr/>
         </p:nvSpPr>
@@ -25960,6 +25648,7 @@
         </p:style>
         <p:txBody>
           <a:bodyPr anchor="ctr"/>
+          <a:lstStyle/>
           <a:p>
             <a:pPr algn="ctr">
               <a:defRPr/>
@@ -26015,13 +25704,6 @@
               </a:rPr>
               <a:t>시술안내</a:t>
             </a:r>
-            <a:endParaRPr kumimoji="0" lang="ko-KR" altLang="en-US" sz="2000" b="0" i="0" u="none" strike="noStrike" kern="1200" cap="none" spc="0" normalizeH="0" baseline="0">
-              <a:solidFill>
-                <a:schemeClr val="tx1"/>
-              </a:solidFill>
-              <a:latin typeface="1훈정글북 Regular"/>
-              <a:ea typeface="1훈정글북 Regular"/>
-            </a:endParaRPr>
           </a:p>
           <a:p>
             <a:pPr marL="0" indent="0" defTabSz="914400" rtl="0" eaLnBrk="1" latinLnBrk="1" hangingPunct="1">
@@ -26109,7 +25791,7 @@
               <a:defRPr/>
             </a:pPr>
             <a:r>
-              <a:rPr kumimoji="0" lang="en-US" altLang="ko-KR" sz="2300" b="0" i="0" u="none" strike="noStrike" kern="1200" cap="none" spc="0" normalizeH="0" baseline="0">
+              <a:rPr kumimoji="0" lang="en-US" altLang="ko-KR" sz="2300" b="0" i="0" u="none" strike="noStrike" kern="1200" cap="none" spc="0" normalizeH="0" baseline="0" dirty="0">
                 <a:solidFill>
                   <a:schemeClr val="tx1"/>
                 </a:solidFill>
@@ -26119,7 +25801,7 @@
               <a:t>:</a:t>
             </a:r>
             <a:r>
-              <a:rPr kumimoji="0" lang="ko-KR" altLang="en-US" sz="2300" b="0" i="0" u="none" strike="noStrike" kern="1200" cap="none" spc="0" normalizeH="0" baseline="0">
+              <a:rPr kumimoji="0" lang="ko-KR" altLang="en-US" sz="2300" b="0" i="0" u="none" strike="noStrike" kern="1200" cap="none" spc="0" normalizeH="0" baseline="0" dirty="0">
                 <a:solidFill>
                   <a:schemeClr val="tx1"/>
                 </a:solidFill>
@@ -26129,16 +25811,36 @@
               <a:t> </a:t>
             </a:r>
             <a:r>
-              <a:rPr kumimoji="0" lang="ko-KR" altLang="en-US" sz="2000" b="0" i="0" u="none" strike="noStrike" kern="1200" cap="none" spc="0" normalizeH="0" baseline="0">
+              <a:rPr kumimoji="0" lang="ko-KR" altLang="en-US" sz="2000" b="0" i="0" u="none" strike="noStrike" kern="1200" cap="none" spc="0" normalizeH="0" baseline="0" dirty="0">
                 <a:solidFill>
                   <a:schemeClr val="tx1"/>
                 </a:solidFill>
                 <a:latin typeface="1훈정글북 Regular"/>
                 <a:ea typeface="1훈정글북 Regular"/>
               </a:rPr>
-              <a:t>시술을 카테고리별로 나눠서 원하는 항목을 클릭시 그 항목에 관련된 시술이 나열 되어 있는 페이지</a:t>
-            </a:r>
-            <a:endParaRPr kumimoji="0" lang="ko-KR" altLang="en-US" sz="2300" b="0" i="0" u="none" strike="noStrike" kern="1200" cap="none" spc="0" normalizeH="0" baseline="0">
+              <a:t>시술을 카테고리별로 나눠서 원하는 항목을 </a:t>
+            </a:r>
+            <a:r>
+              <a:rPr kumimoji="0" lang="ko-KR" altLang="en-US" sz="2000" b="0" i="0" u="none" strike="noStrike" kern="1200" cap="none" spc="0" normalizeH="0" baseline="0" dirty="0" err="1">
+                <a:solidFill>
+                  <a:schemeClr val="tx1"/>
+                </a:solidFill>
+                <a:latin typeface="1훈정글북 Regular"/>
+                <a:ea typeface="1훈정글북 Regular"/>
+              </a:rPr>
+              <a:t>클릭시</a:t>
+            </a:r>
+            <a:r>
+              <a:rPr kumimoji="0" lang="ko-KR" altLang="en-US" sz="2000" b="0" i="0" u="none" strike="noStrike" kern="1200" cap="none" spc="0" normalizeH="0" baseline="0" dirty="0">
+                <a:solidFill>
+                  <a:schemeClr val="tx1"/>
+                </a:solidFill>
+                <a:latin typeface="1훈정글북 Regular"/>
+                <a:ea typeface="1훈정글북 Regular"/>
+              </a:rPr>
+              <a:t> 그 항목에 관련된 시술이 나열 되어 있는 페이지</a:t>
+            </a:r>
+            <a:endParaRPr kumimoji="0" lang="ko-KR" altLang="en-US" sz="2300" b="0" i="0" u="none" strike="noStrike" kern="1200" cap="none" spc="0" normalizeH="0" baseline="0" dirty="0">
               <a:solidFill>
                 <a:schemeClr val="tx1"/>
               </a:solidFill>
@@ -26161,7 +25863,7 @@
               <a:buNone/>
               <a:defRPr/>
             </a:pPr>
-            <a:endParaRPr kumimoji="0" lang="ko-KR" altLang="en-US" sz="2600" b="0" i="0" u="none" strike="noStrike" kern="1200" cap="none" spc="0" normalizeH="0" baseline="0">
+            <a:endParaRPr kumimoji="0" lang="ko-KR" altLang="en-US" sz="2600" b="0" i="0" u="none" strike="noStrike" kern="1200" cap="none" spc="0" normalizeH="0" baseline="0" dirty="0">
               <a:solidFill>
                 <a:schemeClr val="tx1"/>
               </a:solidFill>
@@ -26184,7 +25886,7 @@
               <a:buNone/>
               <a:defRPr/>
             </a:pPr>
-            <a:endParaRPr kumimoji="0" lang="ko-KR" altLang="en-US" sz="2600" b="0" i="0" u="none" strike="noStrike" kern="1200" cap="none" spc="0" normalizeH="0" baseline="0">
+            <a:endParaRPr kumimoji="0" lang="ko-KR" altLang="en-US" sz="2600" b="0" i="0" u="none" strike="noStrike" kern="1200" cap="none" spc="0" normalizeH="0" baseline="0" dirty="0">
               <a:solidFill>
                 <a:schemeClr val="tx1"/>
               </a:solidFill>
@@ -26207,7 +25909,7 @@
               <a:buNone/>
               <a:defRPr/>
             </a:pPr>
-            <a:endParaRPr kumimoji="0" lang="ko-KR" altLang="en-US" sz="2600" b="0" i="0" u="none" strike="noStrike" kern="1200" cap="none" spc="0" normalizeH="0" baseline="0">
+            <a:endParaRPr kumimoji="0" lang="ko-KR" altLang="en-US" sz="2600" b="0" i="0" u="none" strike="noStrike" kern="1200" cap="none" spc="0" normalizeH="0" baseline="0" dirty="0">
               <a:solidFill>
                 <a:schemeClr val="tx1"/>
               </a:solidFill>
@@ -26255,7 +25957,7 @@
               <a:defRPr/>
             </a:pPr>
             <a:r>
-              <a:rPr kumimoji="0" lang="ko-KR" altLang="en-US" sz="4516" b="0" i="0" u="none" strike="noStrike" kern="1200" cap="none" spc="0" normalizeH="0" baseline="0">
+              <a:rPr kumimoji="0" lang="ko-KR" altLang="en-US" sz="4516" b="0" i="0" u="none" strike="noStrike" kern="1200" cap="none" spc="0" normalizeH="0" baseline="0" dirty="0">
                 <a:solidFill>
                   <a:schemeClr val="tx1"/>
                 </a:solidFill>
@@ -26264,7 +25966,23 @@
               </a:rPr>
               <a:t>시술안내</a:t>
             </a:r>
-            <a:endParaRPr kumimoji="0" lang="ko-KR" altLang="en-US" sz="4516" b="0" i="0" u="none" strike="noStrike" kern="1200" cap="none" spc="0" normalizeH="0" baseline="0">
+          </a:p>
+          <a:p>
+            <a:pPr marL="0" indent="0" defTabSz="914400" rtl="0" eaLnBrk="1" latinLnBrk="1" hangingPunct="1">
+              <a:lnSpc>
+                <a:spcPct val="90000"/>
+              </a:lnSpc>
+              <a:spcBef>
+                <a:spcPts val="1000"/>
+              </a:spcBef>
+              <a:spcAft>
+                <a:spcPts val="0"/>
+              </a:spcAft>
+              <a:buFont typeface="Arial"/>
+              <a:buNone/>
+              <a:defRPr/>
+            </a:pPr>
+            <a:endParaRPr kumimoji="0" lang="ko-KR" altLang="en-US" sz="2235" b="0" i="0" u="none" strike="noStrike" kern="1200" cap="none" spc="0" normalizeH="0" baseline="0" dirty="0">
               <a:solidFill>
                 <a:schemeClr val="tx1"/>
               </a:solidFill>
@@ -26287,7 +26005,7 @@
               <a:buNone/>
               <a:defRPr/>
             </a:pPr>
-            <a:endParaRPr kumimoji="0" lang="ko-KR" altLang="en-US" sz="2235" b="0" i="0" u="none" strike="noStrike" kern="1200" cap="none" spc="0" normalizeH="0" baseline="0">
+            <a:endParaRPr kumimoji="0" lang="ko-KR" altLang="en-US" sz="2600" b="0" i="0" u="none" strike="noStrike" kern="1200" cap="none" spc="0" normalizeH="0" baseline="0" dirty="0">
               <a:solidFill>
                 <a:schemeClr val="tx1"/>
               </a:solidFill>
@@ -26310,7 +26028,7 @@
               <a:buNone/>
               <a:defRPr/>
             </a:pPr>
-            <a:endParaRPr kumimoji="0" lang="ko-KR" altLang="en-US" sz="2600" b="0" i="0" u="none" strike="noStrike" kern="1200" cap="none" spc="0" normalizeH="0" baseline="0">
+            <a:endParaRPr kumimoji="0" lang="ko-KR" altLang="en-US" sz="2600" b="0" i="0" u="none" strike="noStrike" kern="1200" cap="none" spc="0" normalizeH="0" baseline="0" dirty="0">
               <a:solidFill>
                 <a:schemeClr val="tx1"/>
               </a:solidFill>
@@ -26333,30 +26051,7 @@
               <a:buNone/>
               <a:defRPr/>
             </a:pPr>
-            <a:endParaRPr kumimoji="0" lang="ko-KR" altLang="en-US" sz="2600" b="0" i="0" u="none" strike="noStrike" kern="1200" cap="none" spc="0" normalizeH="0" baseline="0">
-              <a:solidFill>
-                <a:schemeClr val="tx1"/>
-              </a:solidFill>
-              <a:latin typeface="1훈정글북 Regular"/>
-              <a:ea typeface="1훈정글북 Regular"/>
-            </a:endParaRPr>
-          </a:p>
-          <a:p>
-            <a:pPr marL="0" indent="0" defTabSz="914400" rtl="0" eaLnBrk="1" latinLnBrk="1" hangingPunct="1">
-              <a:lnSpc>
-                <a:spcPct val="90000"/>
-              </a:lnSpc>
-              <a:spcBef>
-                <a:spcPts val="1000"/>
-              </a:spcBef>
-              <a:spcAft>
-                <a:spcPts val="0"/>
-              </a:spcAft>
-              <a:buFont typeface="Arial"/>
-              <a:buNone/>
-              <a:defRPr/>
-            </a:pPr>
-            <a:endParaRPr kumimoji="0" lang="ko-KR" altLang="en-US" sz="2600" b="0" i="0" u="none" strike="noStrike" kern="1200" cap="none" spc="0" normalizeH="0" baseline="0">
+            <a:endParaRPr kumimoji="0" lang="ko-KR" altLang="en-US" sz="2600" b="0" i="0" u="none" strike="noStrike" kern="1200" cap="none" spc="0" normalizeH="0" baseline="0" dirty="0">
               <a:solidFill>
                 <a:schemeClr val="tx1"/>
               </a:solidFill>
@@ -26368,7 +26063,7 @@
       </p:sp>
       <p:sp>
         <p:nvSpPr>
-          <p:cNvPr id="86" name=""/>
+          <p:cNvPr id="86" name="직사각형 85"/>
           <p:cNvSpPr/>
           <p:nvPr/>
         </p:nvSpPr>
@@ -26383,7 +26078,7 @@
           <a:noFill/>
           <a:ln w="25400">
             <a:solidFill>
-              <a:srgbClr val="fbbcd9"/>
+              <a:srgbClr val="FBBCD9"/>
             </a:solidFill>
           </a:ln>
         </p:spPr>
@@ -26416,7 +26111,7 @@
       </p:sp>
       <p:sp>
         <p:nvSpPr>
-          <p:cNvPr id="93" name=""/>
+          <p:cNvPr id="93" name="직사각형 92"/>
           <p:cNvSpPr/>
           <p:nvPr/>
         </p:nvSpPr>
@@ -26878,11 +26573,11 @@
   <p:clrMapOvr>
     <a:masterClrMapping/>
   </p:clrMapOvr>
-  <mc:AlternateContent xmlns:mc="http://schemas.openxmlformats.org/markup-compatibility/2006">
-    <mc:Choice xmlns:p14="http://schemas.microsoft.com/office/powerpoint/2010/main" Requires="p14">
-      <p:transition xmlns:mc="http://schemas.openxmlformats.org/markup-compatibility/2006" xmlns:p14="http://schemas.microsoft.com/office/powerpoint/2010/main" mc:Ignorable="p14" p14:dur="500"/>
+  <mc:AlternateContent xmlns:mc="http://schemas.openxmlformats.org/markup-compatibility/2006" xmlns:p14="http://schemas.microsoft.com/office/powerpoint/2010/main">
+    <mc:Choice Requires="p14">
+      <p:transition/>
     </mc:Choice>
-    <mc:Fallback>
+    <mc:Fallback xmlns:dsp="http://schemas.microsoft.com/office/drawing/2008/diagram" xmlns:dgm="http://schemas.openxmlformats.org/drawingml/2006/diagram" xmlns:c="http://schemas.openxmlformats.org/drawingml/2006/chart" xmlns="">
       <p:transition/>
     </mc:Fallback>
   </mc:AlternateContent>
@@ -26890,21 +26585,22 @@
 </file>
 
 <file path=ppt/slides/slide28.xml><?xml version="1.0" encoding="utf-8"?>
-<p:sld xmlns:r="http://schemas.openxmlformats.org/officeDocument/2006/relationships" xmlns:c="http://schemas.openxmlformats.org/drawingml/2006/chart" xmlns:a="http://schemas.openxmlformats.org/drawingml/2006/main" xmlns:dgm="http://schemas.openxmlformats.org/drawingml/2006/diagram" xmlns:dsp="http://schemas.microsoft.com/office/drawing/2008/diagram" xmlns:p="http://schemas.openxmlformats.org/presentationml/2006/main">
+<p:sld xmlns:a="http://schemas.openxmlformats.org/drawingml/2006/main" xmlns:r="http://schemas.openxmlformats.org/officeDocument/2006/relationships" xmlns:p="http://schemas.openxmlformats.org/presentationml/2006/main">
   <p:cSld>
     <p:bg>
-      <p:bgPr shadeToTitle="0">
+      <p:bgPr>
         <a:gradFill>
           <a:gsLst>
             <a:gs pos="50000">
-              <a:srgbClr val="b3acb3"/>
+              <a:srgbClr val="B3ACB3"/>
             </a:gs>
             <a:gs pos="50000">
-              <a:srgbClr val="f8e9e8"/>
+              <a:srgbClr val="F8E9E8"/>
             </a:gs>
           </a:gsLst>
           <a:lin ang="6600000" scaled="0"/>
         </a:gradFill>
+        <a:effectLst/>
       </p:bgPr>
     </p:bg>
     <p:spTree>
@@ -26942,7 +26638,7 @@
             <a:gradFill>
               <a:gsLst>
                 <a:gs pos="50000">
-                  <a:srgbClr val="efccca"/>
+                  <a:srgbClr val="EFCCCA"/>
                 </a:gs>
                 <a:gs pos="50000">
                   <a:schemeClr val="bg1">
@@ -27025,22 +26721,17 @@
             <a:r>
               <a:rPr lang="ko-KR" altLang="en-US" sz="4200" b="1" i="1">
                 <a:solidFill>
-                  <a:srgbClr val="ff9999"/>
+                  <a:srgbClr val="FF9999"/>
                 </a:solidFill>
               </a:rPr>
               <a:t>모든 메뉴별 소개 및 설명 </a:t>
             </a:r>
-            <a:endParaRPr lang="ko-KR" altLang="en-US" sz="4200" b="1" i="1">
-              <a:solidFill>
-                <a:srgbClr val="ff9999"/>
-              </a:solidFill>
-            </a:endParaRPr>
           </a:p>
         </p:txBody>
       </p:sp>
       <p:sp>
         <p:nvSpPr>
-          <p:cNvPr id="74" name=""/>
+          <p:cNvPr id="74" name="직사각형 73"/>
           <p:cNvSpPr/>
           <p:nvPr/>
         </p:nvSpPr>
@@ -27077,6 +26768,7 @@
         </p:style>
         <p:txBody>
           <a:bodyPr anchor="ctr"/>
+          <a:lstStyle/>
           <a:p>
             <a:pPr algn="ctr">
               <a:defRPr/>
@@ -27268,13 +26960,6 @@
               </a:rPr>
               <a:t>선택한 시술을 원하는 날짜 시간을 선택하여 예약할 수 있는 페이지</a:t>
             </a:r>
-            <a:endParaRPr kumimoji="0" lang="ko-KR" altLang="en-US" sz="2000" b="0" i="0" u="none" strike="noStrike" kern="1200" cap="none" spc="0" normalizeH="0" baseline="0">
-              <a:solidFill>
-                <a:schemeClr val="tx1"/>
-              </a:solidFill>
-              <a:latin typeface="1훈정글북 Regular"/>
-              <a:ea typeface="1훈정글북 Regular"/>
-            </a:endParaRPr>
           </a:p>
           <a:p>
             <a:pPr marL="0" indent="0" defTabSz="914400" rtl="0" eaLnBrk="1" latinLnBrk="1" hangingPunct="1">
@@ -27394,13 +27079,6 @@
               </a:rPr>
               <a:t>시술예약</a:t>
             </a:r>
-            <a:endParaRPr kumimoji="0" lang="ko-KR" altLang="en-US" sz="4516" b="0" i="0" u="none" strike="noStrike" kern="1200" cap="none" spc="0" normalizeH="0" baseline="0">
-              <a:solidFill>
-                <a:schemeClr val="tx1"/>
-              </a:solidFill>
-              <a:latin typeface="1훈정글북 Regular"/>
-              <a:ea typeface="1훈정글북 Regular"/>
-            </a:endParaRPr>
           </a:p>
           <a:p>
             <a:pPr marL="0" indent="0" defTabSz="914400" rtl="0" eaLnBrk="1" latinLnBrk="1" hangingPunct="1">
@@ -27498,7 +27176,7 @@
       </p:sp>
       <p:sp>
         <p:nvSpPr>
-          <p:cNvPr id="86" name=""/>
+          <p:cNvPr id="86" name="직사각형 85"/>
           <p:cNvSpPr/>
           <p:nvPr/>
         </p:nvSpPr>
@@ -27513,7 +27191,7 @@
           <a:noFill/>
           <a:ln w="25400">
             <a:solidFill>
-              <a:srgbClr val="fbbcd9"/>
+              <a:srgbClr val="FBBCD9"/>
             </a:solidFill>
           </a:ln>
         </p:spPr>
@@ -27591,13 +27269,6 @@
               </a:rPr>
               <a:t>시술예약</a:t>
             </a:r>
-            <a:endParaRPr kumimoji="0" lang="ko-KR" altLang="en-US" sz="2000" b="0" i="0" u="none" strike="noStrike" kern="1200" cap="none" spc="0" normalizeH="0" baseline="0">
-              <a:solidFill>
-                <a:schemeClr val="tx1"/>
-              </a:solidFill>
-              <a:latin typeface="1훈정글북 Regular"/>
-              <a:ea typeface="1훈정글북 Regular"/>
-            </a:endParaRPr>
           </a:p>
           <a:p>
             <a:pPr marL="0" indent="0" defTabSz="914400" rtl="0" eaLnBrk="1" latinLnBrk="1" hangingPunct="1">
@@ -27695,7 +27366,7 @@
       </p:sp>
       <p:sp>
         <p:nvSpPr>
-          <p:cNvPr id="88" name=""/>
+          <p:cNvPr id="88" name="직사각형 87"/>
           <p:cNvSpPr/>
           <p:nvPr/>
         </p:nvSpPr>
@@ -27828,13 +27499,6 @@
               </a:rPr>
               <a:t>취소</a:t>
             </a:r>
-            <a:endParaRPr kumimoji="0" lang="ko-KR" altLang="en-US" sz="1500" b="0" i="0" u="none" strike="noStrike" kern="1200" cap="none" spc="0" normalizeH="0" baseline="0">
-              <a:solidFill>
-                <a:schemeClr val="tx1"/>
-              </a:solidFill>
-              <a:latin typeface="1훈정글북 Regular"/>
-              <a:ea typeface="1훈정글북 Regular"/>
-            </a:endParaRPr>
           </a:p>
           <a:p>
             <a:pPr marL="0" indent="0" defTabSz="914400" rtl="0" eaLnBrk="1" latinLnBrk="1" hangingPunct="1">
@@ -27984,13 +27648,6 @@
               </a:rPr>
               <a:t> 취소가 가능한 페이지</a:t>
             </a:r>
-            <a:endParaRPr kumimoji="0" lang="ko-KR" altLang="en-US" sz="2000" b="0" i="0" u="none" strike="noStrike" kern="1200" cap="none" spc="0" normalizeH="0" baseline="0">
-              <a:solidFill>
-                <a:schemeClr val="tx1"/>
-              </a:solidFill>
-              <a:latin typeface="1훈정글북 Regular"/>
-              <a:ea typeface="1훈정글북 Regular"/>
-            </a:endParaRPr>
           </a:p>
           <a:p>
             <a:pPr marL="0" indent="0" defTabSz="914400" rtl="0" eaLnBrk="1" latinLnBrk="1" hangingPunct="1">
@@ -28065,7 +27722,7 @@
       </p:sp>
       <p:sp>
         <p:nvSpPr>
-          <p:cNvPr id="91" name=""/>
+          <p:cNvPr id="91" name="직사각형 90"/>
           <p:cNvSpPr/>
           <p:nvPr/>
         </p:nvSpPr>
@@ -28294,13 +27951,6 @@
               </a:rPr>
               <a:t> 최근 본 시술들이 나열 되어 있는 페이지</a:t>
             </a:r>
-            <a:endParaRPr kumimoji="0" lang="ko-KR" altLang="en-US" sz="2000" b="0" i="0" u="none" strike="noStrike" kern="1200" cap="none" spc="0" normalizeH="0" baseline="0">
-              <a:solidFill>
-                <a:schemeClr val="tx1"/>
-              </a:solidFill>
-              <a:latin typeface="1훈정글북 Regular"/>
-              <a:ea typeface="1훈정글북 Regular"/>
-            </a:endParaRPr>
           </a:p>
           <a:p>
             <a:pPr marL="0" indent="0" defTabSz="914400" rtl="0" eaLnBrk="1" latinLnBrk="1" hangingPunct="1">
@@ -28378,11 +28028,11 @@
   <p:clrMapOvr>
     <a:masterClrMapping/>
   </p:clrMapOvr>
-  <mc:AlternateContent xmlns:mc="http://schemas.openxmlformats.org/markup-compatibility/2006">
-    <mc:Choice xmlns:p14="http://schemas.microsoft.com/office/powerpoint/2010/main" Requires="p14">
-      <p:transition xmlns:mc="http://schemas.openxmlformats.org/markup-compatibility/2006" xmlns:p14="http://schemas.microsoft.com/office/powerpoint/2010/main" mc:Ignorable="p14" p14:dur="500"/>
+  <mc:AlternateContent xmlns:mc="http://schemas.openxmlformats.org/markup-compatibility/2006" xmlns:p14="http://schemas.microsoft.com/office/powerpoint/2010/main">
+    <mc:Choice Requires="p14">
+      <p:transition/>
     </mc:Choice>
-    <mc:Fallback>
+    <mc:Fallback xmlns:dsp="http://schemas.microsoft.com/office/drawing/2008/diagram" xmlns:dgm="http://schemas.openxmlformats.org/drawingml/2006/diagram" xmlns:c="http://schemas.openxmlformats.org/drawingml/2006/chart" xmlns="">
       <p:transition/>
     </mc:Fallback>
   </mc:AlternateContent>
@@ -28390,21 +28040,22 @@
 </file>
 
 <file path=ppt/slides/slide29.xml><?xml version="1.0" encoding="utf-8"?>
-<p:sld xmlns:r="http://schemas.openxmlformats.org/officeDocument/2006/relationships" xmlns:c="http://schemas.openxmlformats.org/drawingml/2006/chart" xmlns:a="http://schemas.openxmlformats.org/drawingml/2006/main" xmlns:dgm="http://schemas.openxmlformats.org/drawingml/2006/diagram" xmlns:dsp="http://schemas.microsoft.com/office/drawing/2008/diagram" xmlns:p="http://schemas.openxmlformats.org/presentationml/2006/main">
+<p:sld xmlns:a="http://schemas.openxmlformats.org/drawingml/2006/main" xmlns:r="http://schemas.openxmlformats.org/officeDocument/2006/relationships" xmlns:p="http://schemas.openxmlformats.org/presentationml/2006/main">
   <p:cSld>
     <p:bg>
-      <p:bgPr shadeToTitle="0">
+      <p:bgPr>
         <a:gradFill>
           <a:gsLst>
             <a:gs pos="50000">
-              <a:srgbClr val="b3acb3"/>
+              <a:srgbClr val="B3ACB3"/>
             </a:gs>
             <a:gs pos="50000">
-              <a:srgbClr val="f8e9e8"/>
+              <a:srgbClr val="F8E9E8"/>
             </a:gs>
           </a:gsLst>
           <a:lin ang="6600000" scaled="0"/>
         </a:gradFill>
+        <a:effectLst/>
       </p:bgPr>
     </p:bg>
     <p:spTree>
@@ -28442,7 +28093,7 @@
             <a:gradFill>
               <a:gsLst>
                 <a:gs pos="50000">
-                  <a:srgbClr val="efccca"/>
+                  <a:srgbClr val="EFCCCA"/>
                 </a:gs>
                 <a:gs pos="50000">
                   <a:schemeClr val="bg1">
@@ -28525,22 +28176,17 @@
             <a:r>
               <a:rPr lang="ko-KR" altLang="en-US" sz="4200" b="1" i="1">
                 <a:solidFill>
-                  <a:srgbClr val="ff9999"/>
+                  <a:srgbClr val="FF9999"/>
                 </a:solidFill>
               </a:rPr>
               <a:t>모든 메뉴별 소개 및 설명 </a:t>
             </a:r>
-            <a:endParaRPr lang="ko-KR" altLang="en-US" sz="4200" b="1" i="1">
-              <a:solidFill>
-                <a:srgbClr val="ff9999"/>
-              </a:solidFill>
-            </a:endParaRPr>
           </a:p>
         </p:txBody>
       </p:sp>
       <p:sp>
         <p:nvSpPr>
-          <p:cNvPr id="74" name=""/>
+          <p:cNvPr id="74" name="직사각형 73"/>
           <p:cNvSpPr/>
           <p:nvPr/>
         </p:nvSpPr>
@@ -28577,6 +28223,7 @@
         </p:style>
         <p:txBody>
           <a:bodyPr anchor="ctr"/>
+          <a:lstStyle/>
           <a:p>
             <a:pPr algn="ctr">
               <a:defRPr/>
@@ -28758,13 +28405,6 @@
               </a:rPr>
               <a:t> 맞춤 테스트로 자신에게 필요한 시술이 무엇인지 추천해주는 </a:t>
             </a:r>
-            <a:endParaRPr kumimoji="0" lang="ko-KR" altLang="en-US" sz="2300" b="0" i="0" u="none" strike="noStrike" kern="1200" cap="none" spc="0" normalizeH="0" baseline="0">
-              <a:solidFill>
-                <a:schemeClr val="tx1"/>
-              </a:solidFill>
-              <a:latin typeface="1훈정글북 Regular"/>
-              <a:ea typeface="1훈정글북 Regular"/>
-            </a:endParaRPr>
           </a:p>
           <a:p>
             <a:pPr marL="0" indent="0" defTabSz="914400" rtl="0" eaLnBrk="1" latinLnBrk="1" hangingPunct="1">
@@ -28791,13 +28431,6 @@
               </a:rPr>
               <a:t>  페이지 </a:t>
             </a:r>
-            <a:endParaRPr kumimoji="0" lang="ko-KR" altLang="en-US" sz="2300" b="0" i="0" u="none" strike="noStrike" kern="1200" cap="none" spc="0" normalizeH="0" baseline="0">
-              <a:solidFill>
-                <a:schemeClr val="tx1"/>
-              </a:solidFill>
-              <a:latin typeface="1훈정글북 Regular"/>
-              <a:ea typeface="1훈정글북 Regular"/>
-            </a:endParaRPr>
           </a:p>
           <a:p>
             <a:pPr marL="0" indent="0" defTabSz="914400" rtl="0" eaLnBrk="1" latinLnBrk="1" hangingPunct="1">
@@ -28917,13 +28550,6 @@
               </a:rPr>
               <a:t>맞춤시술</a:t>
             </a:r>
-            <a:endParaRPr kumimoji="0" lang="ko-KR" altLang="en-US" sz="4516" b="0" i="0" u="none" strike="noStrike" kern="1200" cap="none" spc="0" normalizeH="0" baseline="0">
-              <a:solidFill>
-                <a:schemeClr val="tx1"/>
-              </a:solidFill>
-              <a:latin typeface="1훈정글북 Regular"/>
-              <a:ea typeface="1훈정글북 Regular"/>
-            </a:endParaRPr>
           </a:p>
           <a:p>
             <a:pPr marL="0" indent="0" defTabSz="914400" rtl="0" eaLnBrk="1" latinLnBrk="1" hangingPunct="1">
@@ -29021,7 +28647,7 @@
       </p:sp>
       <p:sp>
         <p:nvSpPr>
-          <p:cNvPr id="86" name=""/>
+          <p:cNvPr id="86" name="직사각형 85"/>
           <p:cNvSpPr/>
           <p:nvPr/>
         </p:nvSpPr>
@@ -29036,7 +28662,7 @@
           <a:noFill/>
           <a:ln w="25400">
             <a:solidFill>
-              <a:srgbClr val="fbbcd9"/>
+              <a:srgbClr val="FBBCD9"/>
             </a:solidFill>
           </a:ln>
         </p:spPr>
@@ -29114,13 +28740,6 @@
               </a:rPr>
               <a:t>맞춤시술</a:t>
             </a:r>
-            <a:endParaRPr kumimoji="0" lang="ko-KR" altLang="en-US" sz="2000" b="0" i="0" u="none" strike="noStrike" kern="1200" cap="none" spc="0" normalizeH="0" baseline="0">
-              <a:solidFill>
-                <a:schemeClr val="tx1"/>
-              </a:solidFill>
-              <a:latin typeface="1훈정글북 Regular"/>
-              <a:ea typeface="1훈정글북 Regular"/>
-            </a:endParaRPr>
           </a:p>
           <a:p>
             <a:pPr marL="0" indent="0" algn="ctr" defTabSz="914400" rtl="0" eaLnBrk="1" latinLnBrk="1" hangingPunct="1">
@@ -29221,11 +28840,11 @@
   <p:clrMapOvr>
     <a:masterClrMapping/>
   </p:clrMapOvr>
-  <mc:AlternateContent xmlns:mc="http://schemas.openxmlformats.org/markup-compatibility/2006">
-    <mc:Choice xmlns:p14="http://schemas.microsoft.com/office/powerpoint/2010/main" Requires="p14">
-      <p:transition xmlns:mc="http://schemas.openxmlformats.org/markup-compatibility/2006" xmlns:p14="http://schemas.microsoft.com/office/powerpoint/2010/main" mc:Ignorable="p14" p14:dur="500"/>
+  <mc:AlternateContent xmlns:mc="http://schemas.openxmlformats.org/markup-compatibility/2006" xmlns:p14="http://schemas.microsoft.com/office/powerpoint/2010/main">
+    <mc:Choice Requires="p14">
+      <p:transition/>
     </mc:Choice>
-    <mc:Fallback>
+    <mc:Fallback xmlns:dsp="http://schemas.microsoft.com/office/drawing/2008/diagram" xmlns:dgm="http://schemas.openxmlformats.org/drawingml/2006/diagram" xmlns:c="http://schemas.openxmlformats.org/drawingml/2006/chart" xmlns="">
       <p:transition/>
     </mc:Fallback>
   </mc:AlternateContent>
@@ -29233,21 +28852,22 @@
 </file>
 
 <file path=ppt/slides/slide3.xml><?xml version="1.0" encoding="utf-8"?>
-<p:sld xmlns:r="http://schemas.openxmlformats.org/officeDocument/2006/relationships" xmlns:c="http://schemas.openxmlformats.org/drawingml/2006/chart" xmlns:a="http://schemas.openxmlformats.org/drawingml/2006/main" xmlns:dgm="http://schemas.openxmlformats.org/drawingml/2006/diagram" xmlns:dsp="http://schemas.microsoft.com/office/drawing/2008/diagram" xmlns:p="http://schemas.openxmlformats.org/presentationml/2006/main">
+<p:sld xmlns:a="http://schemas.openxmlformats.org/drawingml/2006/main" xmlns:r="http://schemas.openxmlformats.org/officeDocument/2006/relationships" xmlns:p="http://schemas.openxmlformats.org/presentationml/2006/main">
   <p:cSld>
     <p:bg>
-      <p:bgPr shadeToTitle="0">
+      <p:bgPr>
         <a:gradFill>
           <a:gsLst>
             <a:gs pos="50000">
-              <a:srgbClr val="b3acb3"/>
+              <a:srgbClr val="B3ACB3"/>
             </a:gs>
             <a:gs pos="50000">
-              <a:srgbClr val="f8e9e8"/>
+              <a:srgbClr val="F8E9E8"/>
             </a:gs>
           </a:gsLst>
           <a:lin ang="6600000" scaled="0"/>
         </a:gradFill>
+        <a:effectLst/>
       </p:bgPr>
     </p:bg>
     <p:spTree>
@@ -29285,7 +28905,7 @@
             <a:gradFill>
               <a:gsLst>
                 <a:gs pos="50000">
-                  <a:srgbClr val="efccca"/>
+                  <a:srgbClr val="EFCCCA"/>
                 </a:gs>
                 <a:gs pos="50000">
                   <a:schemeClr val="bg1">
@@ -29368,7 +28988,7 @@
             <a:r>
               <a:rPr lang="en-US" altLang="ko-KR" sz="4200" b="1" i="1">
                 <a:solidFill>
-                  <a:srgbClr val="ff9999"/>
+                  <a:srgbClr val="FF9999"/>
                 </a:solidFill>
               </a:rPr>
               <a:t>The Care</a:t>
@@ -29376,16 +28996,11 @@
             <a:r>
               <a:rPr lang="ko-KR" altLang="en-US" sz="4200" b="1" i="1">
                 <a:solidFill>
-                  <a:srgbClr val="ff9999"/>
+                  <a:srgbClr val="FF9999"/>
                 </a:solidFill>
               </a:rPr>
               <a:t>의 목표</a:t>
             </a:r>
-            <a:endParaRPr lang="ko-KR" altLang="en-US" sz="4200" b="1" i="1">
-              <a:solidFill>
-                <a:srgbClr val="ff9999"/>
-              </a:solidFill>
-            </a:endParaRPr>
           </a:p>
         </p:txBody>
       </p:sp>
@@ -29456,13 +29071,6 @@
               </a:rPr>
               <a:t>등 본인의 콤플렉스를 비수술적 방법으로 </a:t>
             </a:r>
-            <a:endParaRPr kumimoji="0" lang="ko-KR" altLang="en-US" sz="2600" b="0" i="0" u="none" strike="noStrike" kern="1200" cap="none" spc="0" normalizeH="0" baseline="0">
-              <a:solidFill>
-                <a:schemeClr val="tx1"/>
-              </a:solidFill>
-              <a:latin typeface="1훈정글북 Regular"/>
-              <a:ea typeface="1훈정글북 Regular"/>
-            </a:endParaRPr>
           </a:p>
           <a:p>
             <a:pPr marL="0" indent="0" algn="ctr" defTabSz="914400" rtl="0" eaLnBrk="1" latinLnBrk="1" hangingPunct="1">
@@ -29489,13 +29097,6 @@
               </a:rPr>
               <a:t>자연스럽게 아름다워질 수 있도록</a:t>
             </a:r>
-            <a:endParaRPr kumimoji="0" lang="ko-KR" altLang="en-US" sz="2600" b="0" i="0" u="none" strike="noStrike" kern="1200" cap="none" spc="0" normalizeH="0" baseline="0">
-              <a:solidFill>
-                <a:schemeClr val="tx1"/>
-              </a:solidFill>
-              <a:latin typeface="1훈정글북 Regular"/>
-              <a:ea typeface="1훈정글북 Regular"/>
-            </a:endParaRPr>
           </a:p>
           <a:p>
             <a:pPr marL="0" indent="0" algn="ctr" defTabSz="914400" rtl="0" eaLnBrk="1" latinLnBrk="1" hangingPunct="1">
@@ -29522,13 +29123,6 @@
               </a:rPr>
               <a:t>시술 관련 정보를 제공하고 원하는 시술을 </a:t>
             </a:r>
-            <a:endParaRPr kumimoji="0" lang="ko-KR" altLang="en-US" sz="2600" b="0" i="0" u="none" strike="noStrike" kern="1200" cap="none" spc="0" normalizeH="0" baseline="0">
-              <a:solidFill>
-                <a:schemeClr val="tx1"/>
-              </a:solidFill>
-              <a:latin typeface="1훈정글북 Regular"/>
-              <a:ea typeface="1훈정글북 Regular"/>
-            </a:endParaRPr>
           </a:p>
           <a:p>
             <a:pPr marL="0" indent="0" algn="ctr" defTabSz="914400" rtl="0" eaLnBrk="1" latinLnBrk="1" hangingPunct="1">
@@ -29555,13 +29149,6 @@
               </a:rPr>
               <a:t>예약할 수 있는 웹사이트 </a:t>
             </a:r>
-            <a:endParaRPr kumimoji="0" lang="ko-KR" altLang="en-US" sz="2600" b="0" i="0" u="none" strike="noStrike" kern="1200" cap="none" spc="0" normalizeH="0" baseline="0">
-              <a:solidFill>
-                <a:schemeClr val="tx1"/>
-              </a:solidFill>
-              <a:latin typeface="1훈정글북 Regular"/>
-              <a:ea typeface="1훈정글북 Regular"/>
-            </a:endParaRPr>
           </a:p>
         </p:txBody>
       </p:sp>
@@ -29570,11 +29157,11 @@
   <p:clrMapOvr>
     <a:masterClrMapping/>
   </p:clrMapOvr>
-  <mc:AlternateContent xmlns:mc="http://schemas.openxmlformats.org/markup-compatibility/2006">
-    <mc:Choice xmlns:p14="http://schemas.microsoft.com/office/powerpoint/2010/main" Requires="p14">
-      <p:transition xmlns:mc="http://schemas.openxmlformats.org/markup-compatibility/2006" xmlns:p14="http://schemas.microsoft.com/office/powerpoint/2010/main" mc:Ignorable="p14" p14:dur="500"/>
+  <mc:AlternateContent xmlns:mc="http://schemas.openxmlformats.org/markup-compatibility/2006" xmlns:p14="http://schemas.microsoft.com/office/powerpoint/2010/main">
+    <mc:Choice Requires="p14">
+      <p:transition/>
     </mc:Choice>
-    <mc:Fallback>
+    <mc:Fallback xmlns:dsp="http://schemas.microsoft.com/office/drawing/2008/diagram" xmlns:dgm="http://schemas.openxmlformats.org/drawingml/2006/diagram" xmlns:c="http://schemas.openxmlformats.org/drawingml/2006/chart" xmlns="">
       <p:transition/>
     </mc:Fallback>
   </mc:AlternateContent>
@@ -29582,21 +29169,22 @@
 </file>
 
 <file path=ppt/slides/slide30.xml><?xml version="1.0" encoding="utf-8"?>
-<p:sld xmlns:r="http://schemas.openxmlformats.org/officeDocument/2006/relationships" xmlns:c="http://schemas.openxmlformats.org/drawingml/2006/chart" xmlns:a="http://schemas.openxmlformats.org/drawingml/2006/main" xmlns:dgm="http://schemas.openxmlformats.org/drawingml/2006/diagram" xmlns:dsp="http://schemas.microsoft.com/office/drawing/2008/diagram" xmlns:p="http://schemas.openxmlformats.org/presentationml/2006/main">
+<p:sld xmlns:a="http://schemas.openxmlformats.org/drawingml/2006/main" xmlns:r="http://schemas.openxmlformats.org/officeDocument/2006/relationships" xmlns:p="http://schemas.openxmlformats.org/presentationml/2006/main">
   <p:cSld>
     <p:bg>
-      <p:bgPr shadeToTitle="0">
+      <p:bgPr>
         <a:gradFill>
           <a:gsLst>
             <a:gs pos="50000">
-              <a:srgbClr val="b3acb3"/>
+              <a:srgbClr val="B3ACB3"/>
             </a:gs>
             <a:gs pos="50000">
-              <a:srgbClr val="f8e9e8"/>
+              <a:srgbClr val="F8E9E8"/>
             </a:gs>
           </a:gsLst>
           <a:lin ang="6600000" scaled="0"/>
         </a:gradFill>
+        <a:effectLst/>
       </p:bgPr>
     </p:bg>
     <p:spTree>
@@ -29634,7 +29222,7 @@
             <a:gradFill>
               <a:gsLst>
                 <a:gs pos="50000">
-                  <a:srgbClr val="efccca"/>
+                  <a:srgbClr val="EFCCCA"/>
                 </a:gs>
                 <a:gs pos="50000">
                   <a:schemeClr val="bg1">
@@ -29717,22 +29305,17 @@
             <a:r>
               <a:rPr lang="ko-KR" altLang="en-US" sz="4200" b="1" i="1">
                 <a:solidFill>
-                  <a:srgbClr val="ff9999"/>
+                  <a:srgbClr val="FF9999"/>
                 </a:solidFill>
               </a:rPr>
               <a:t>모든 메뉴별 소개 및 설명 </a:t>
             </a:r>
-            <a:endParaRPr lang="ko-KR" altLang="en-US" sz="4200" b="1" i="1">
-              <a:solidFill>
-                <a:srgbClr val="ff9999"/>
-              </a:solidFill>
-            </a:endParaRPr>
           </a:p>
         </p:txBody>
       </p:sp>
       <p:sp>
         <p:nvSpPr>
-          <p:cNvPr id="74" name=""/>
+          <p:cNvPr id="74" name="직사각형 73"/>
           <p:cNvSpPr/>
           <p:nvPr/>
         </p:nvSpPr>
@@ -29769,6 +29352,7 @@
         </p:style>
         <p:txBody>
           <a:bodyPr anchor="ctr"/>
+          <a:lstStyle/>
           <a:p>
             <a:pPr algn="ctr">
               <a:defRPr/>
@@ -29960,13 +29544,6 @@
               </a:rPr>
               <a:t>사이트를 이용하는 고객들에게 알리고자 하는 사항들을 보여주는 페이지</a:t>
             </a:r>
-            <a:endParaRPr kumimoji="0" lang="ko-KR" altLang="en-US" sz="2000" b="0" i="0" u="none" strike="noStrike" kern="1200" cap="none" spc="0" normalizeH="0" baseline="0">
-              <a:solidFill>
-                <a:schemeClr val="tx1"/>
-              </a:solidFill>
-              <a:latin typeface="1훈정글북 Regular"/>
-              <a:ea typeface="1훈정글북 Regular"/>
-            </a:endParaRPr>
           </a:p>
           <a:p>
             <a:pPr marL="0" indent="0" defTabSz="914400" rtl="0" eaLnBrk="1" latinLnBrk="1" hangingPunct="1">
@@ -30086,13 +29663,6 @@
               </a:rPr>
               <a:t>커뮤니티</a:t>
             </a:r>
-            <a:endParaRPr kumimoji="0" lang="ko-KR" altLang="en-US" sz="4516" b="0" i="0" u="none" strike="noStrike" kern="1200" cap="none" spc="0" normalizeH="0" baseline="0">
-              <a:solidFill>
-                <a:schemeClr val="tx1"/>
-              </a:solidFill>
-              <a:latin typeface="1훈정글북 Regular"/>
-              <a:ea typeface="1훈정글북 Regular"/>
-            </a:endParaRPr>
           </a:p>
           <a:p>
             <a:pPr marL="0" indent="0" defTabSz="914400" rtl="0" eaLnBrk="1" latinLnBrk="1" hangingPunct="1">
@@ -30190,7 +29760,7 @@
       </p:sp>
       <p:sp>
         <p:nvSpPr>
-          <p:cNvPr id="86" name=""/>
+          <p:cNvPr id="86" name="직사각형 85"/>
           <p:cNvSpPr/>
           <p:nvPr/>
         </p:nvSpPr>
@@ -30205,7 +29775,7 @@
           <a:noFill/>
           <a:ln w="25400">
             <a:solidFill>
-              <a:srgbClr val="fbbcd9"/>
+              <a:srgbClr val="FBBCD9"/>
             </a:solidFill>
           </a:ln>
         </p:spPr>
@@ -30283,13 +29853,6 @@
               </a:rPr>
               <a:t>공지사항</a:t>
             </a:r>
-            <a:endParaRPr kumimoji="0" lang="ko-KR" altLang="en-US" sz="2000" b="0" i="0" u="none" strike="noStrike" kern="1200" cap="none" spc="0" normalizeH="0" baseline="0">
-              <a:solidFill>
-                <a:schemeClr val="tx1"/>
-              </a:solidFill>
-              <a:latin typeface="1훈정글북 Regular"/>
-              <a:ea typeface="1훈정글북 Regular"/>
-            </a:endParaRPr>
           </a:p>
           <a:p>
             <a:pPr marL="0" indent="0" algn="ctr" defTabSz="914400" rtl="0" eaLnBrk="1" latinLnBrk="1" hangingPunct="1">
@@ -30387,7 +29950,7 @@
       </p:sp>
       <p:sp>
         <p:nvSpPr>
-          <p:cNvPr id="88" name=""/>
+          <p:cNvPr id="88" name="직사각형 87"/>
           <p:cNvSpPr/>
           <p:nvPr/>
         </p:nvSpPr>
@@ -30626,13 +30189,6 @@
               </a:rPr>
               <a:t> 고객이 문의를 남길 수 있고 남긴 문의의 답변을 확인할 수 있는 페이지 </a:t>
             </a:r>
-            <a:endParaRPr kumimoji="0" lang="ko-KR" altLang="en-US" sz="2000" b="0" i="0" u="none" strike="noStrike" kern="1200" cap="none" spc="0" normalizeH="0" baseline="0">
-              <a:solidFill>
-                <a:schemeClr val="tx1"/>
-              </a:solidFill>
-              <a:latin typeface="1훈정글북 Regular"/>
-              <a:ea typeface="1훈정글북 Regular"/>
-            </a:endParaRPr>
           </a:p>
           <a:p>
             <a:pPr marL="0" indent="0" defTabSz="914400" rtl="0" eaLnBrk="1" latinLnBrk="1" hangingPunct="1">
@@ -30707,7 +30263,7 @@
       </p:sp>
       <p:sp>
         <p:nvSpPr>
-          <p:cNvPr id="91" name=""/>
+          <p:cNvPr id="91" name="직사각형 90"/>
           <p:cNvSpPr/>
           <p:nvPr/>
         </p:nvSpPr>
@@ -30936,13 +30492,6 @@
               </a:rPr>
               <a:t> 이벤트를 확인 할 수 있는 페이지</a:t>
             </a:r>
-            <a:endParaRPr kumimoji="0" lang="ko-KR" altLang="en-US" sz="2000" b="0" i="0" u="none" strike="noStrike" kern="1200" cap="none" spc="0" normalizeH="0" baseline="0">
-              <a:solidFill>
-                <a:schemeClr val="tx1"/>
-              </a:solidFill>
-              <a:latin typeface="1훈정글북 Regular"/>
-              <a:ea typeface="1훈정글북 Regular"/>
-            </a:endParaRPr>
           </a:p>
           <a:p>
             <a:pPr marL="0" indent="0" defTabSz="914400" rtl="0" eaLnBrk="1" latinLnBrk="1" hangingPunct="1">
@@ -31020,11 +30569,11 @@
   <p:clrMapOvr>
     <a:masterClrMapping/>
   </p:clrMapOvr>
-  <mc:AlternateContent xmlns:mc="http://schemas.openxmlformats.org/markup-compatibility/2006">
-    <mc:Choice xmlns:p14="http://schemas.microsoft.com/office/powerpoint/2010/main" Requires="p14">
-      <p:transition xmlns:mc="http://schemas.openxmlformats.org/markup-compatibility/2006" xmlns:p14="http://schemas.microsoft.com/office/powerpoint/2010/main" mc:Ignorable="p14" p14:dur="500"/>
+  <mc:AlternateContent xmlns:mc="http://schemas.openxmlformats.org/markup-compatibility/2006" xmlns:p14="http://schemas.microsoft.com/office/powerpoint/2010/main">
+    <mc:Choice Requires="p14">
+      <p:transition/>
     </mc:Choice>
-    <mc:Fallback>
+    <mc:Fallback xmlns:dsp="http://schemas.microsoft.com/office/drawing/2008/diagram" xmlns:dgm="http://schemas.openxmlformats.org/drawingml/2006/diagram" xmlns:c="http://schemas.openxmlformats.org/drawingml/2006/chart" xmlns="">
       <p:transition/>
     </mc:Fallback>
   </mc:AlternateContent>
@@ -31032,21 +30581,22 @@
 </file>
 
 <file path=ppt/slides/slide31.xml><?xml version="1.0" encoding="utf-8"?>
-<p:sld xmlns:r="http://schemas.openxmlformats.org/officeDocument/2006/relationships" xmlns:c="http://schemas.openxmlformats.org/drawingml/2006/chart" xmlns:a="http://schemas.openxmlformats.org/drawingml/2006/main" xmlns:dgm="http://schemas.openxmlformats.org/drawingml/2006/diagram" xmlns:dsp="http://schemas.microsoft.com/office/drawing/2008/diagram" xmlns:p="http://schemas.openxmlformats.org/presentationml/2006/main">
+<p:sld xmlns:a="http://schemas.openxmlformats.org/drawingml/2006/main" xmlns:r="http://schemas.openxmlformats.org/officeDocument/2006/relationships" xmlns:p="http://schemas.openxmlformats.org/presentationml/2006/main">
   <p:cSld>
     <p:bg>
-      <p:bgPr shadeToTitle="0">
+      <p:bgPr>
         <a:gradFill>
           <a:gsLst>
             <a:gs pos="50000">
-              <a:srgbClr val="b3acb3"/>
+              <a:srgbClr val="B3ACB3"/>
             </a:gs>
             <a:gs pos="50000">
-              <a:srgbClr val="f8e9e8"/>
+              <a:srgbClr val="F8E9E8"/>
             </a:gs>
           </a:gsLst>
           <a:lin ang="6600000" scaled="0"/>
         </a:gradFill>
+        <a:effectLst/>
       </p:bgPr>
     </p:bg>
     <p:spTree>
@@ -31084,7 +30634,7 @@
             <a:gradFill>
               <a:gsLst>
                 <a:gs pos="50000">
-                  <a:srgbClr val="efccca"/>
+                  <a:srgbClr val="EFCCCA"/>
                 </a:gs>
                 <a:gs pos="50000">
                   <a:schemeClr val="bg1">
@@ -31167,7 +30717,7 @@
             <a:r>
               <a:rPr lang="en-US" altLang="ko-KR" sz="4200" b="1" i="1">
                 <a:solidFill>
-                  <a:srgbClr val="ff9999"/>
+                  <a:srgbClr val="FF9999"/>
                 </a:solidFill>
               </a:rPr>
               <a:t>DB</a:t>
@@ -31175,16 +30725,11 @@
             <a:r>
               <a:rPr lang="ko-KR" altLang="en-US" sz="4200" b="1" i="1">
                 <a:solidFill>
-                  <a:srgbClr val="ff9999"/>
+                  <a:srgbClr val="FF9999"/>
                 </a:solidFill>
               </a:rPr>
               <a:t>구성 및 설명</a:t>
             </a:r>
-            <a:endParaRPr lang="ko-KR" altLang="en-US" sz="4200" b="1" i="1">
-              <a:solidFill>
-                <a:srgbClr val="ff9999"/>
-              </a:solidFill>
-            </a:endParaRPr>
           </a:p>
         </p:txBody>
       </p:sp>
@@ -31226,9 +30771,9 @@
               <a:defRPr/>
             </a:pPr>
             <a:r>
-              <a:rPr kumimoji="0" lang="en-US" altLang="ko-KR" sz="2700" b="0" i="0" u="none" strike="noStrike" kern="1200" cap="none" spc="0" normalizeH="0" baseline="0">
-                <a:solidFill>
-                  <a:srgbClr val="ff0000"/>
+              <a:rPr kumimoji="0" lang="en-US" altLang="ko-KR" sz="2700" b="0" i="0" u="none" strike="noStrike" kern="1200" cap="none" spc="0" normalizeH="0" baseline="0" dirty="0">
+                <a:solidFill>
+                  <a:srgbClr val="FF0000"/>
                 </a:solidFill>
                 <a:latin typeface="1훈정글북 Regular"/>
                 <a:ea typeface="1훈정글북 Regular"/>
@@ -31236,9 +30781,9 @@
               <a:t>&lt;manager </a:t>
             </a:r>
             <a:r>
-              <a:rPr kumimoji="0" lang="ko-KR" altLang="en-US" sz="2700" b="0" i="0" u="none" strike="noStrike" kern="1200" cap="none" spc="0" normalizeH="0" baseline="0">
-                <a:solidFill>
-                  <a:srgbClr val="ff0000"/>
+              <a:rPr kumimoji="0" lang="ko-KR" altLang="en-US" sz="2700" b="0" i="0" u="none" strike="noStrike" kern="1200" cap="none" spc="0" normalizeH="0" baseline="0" dirty="0">
+                <a:solidFill>
+                  <a:srgbClr val="FF0000"/>
                 </a:solidFill>
                 <a:latin typeface="1훈정글북 Regular"/>
                 <a:ea typeface="1훈정글북 Regular"/>
@@ -31246,9 +30791,9 @@
               <a:t>테이블</a:t>
             </a:r>
             <a:r>
-              <a:rPr kumimoji="0" lang="en-US" altLang="ko-KR" sz="2700" b="0" i="0" u="none" strike="noStrike" kern="1200" cap="none" spc="0" normalizeH="0" baseline="0">
-                <a:solidFill>
-                  <a:srgbClr val="ff0000"/>
+              <a:rPr kumimoji="0" lang="en-US" altLang="ko-KR" sz="2700" b="0" i="0" u="none" strike="noStrike" kern="1200" cap="none" spc="0" normalizeH="0" baseline="0" dirty="0">
+                <a:solidFill>
+                  <a:srgbClr val="FF0000"/>
                 </a:solidFill>
                 <a:latin typeface="1훈정글북 Regular"/>
                 <a:ea typeface="1훈정글북 Regular"/>
@@ -31256,9 +30801,9 @@
               <a:t>&gt;</a:t>
             </a:r>
             <a:r>
-              <a:rPr kumimoji="0" lang="ko-KR" altLang="en-US" sz="2700" b="0" i="0" u="none" strike="noStrike" kern="1200" cap="none" spc="0" normalizeH="0" baseline="0">
-                <a:solidFill>
-                  <a:srgbClr val="ff0000"/>
+              <a:rPr kumimoji="0" lang="ko-KR" altLang="en-US" sz="2700" b="0" i="0" u="none" strike="noStrike" kern="1200" cap="none" spc="0" normalizeH="0" baseline="0" dirty="0">
+                <a:solidFill>
+                  <a:srgbClr val="FF0000"/>
                 </a:solidFill>
                 <a:latin typeface="1훈정글북 Regular"/>
                 <a:ea typeface="1훈정글북 Regular"/>
@@ -31266,9 +30811,9 @@
               <a:t> </a:t>
             </a:r>
             <a:r>
-              <a:rPr kumimoji="0" lang="en-US" altLang="ko-KR" sz="2700" b="0" i="0" u="none" strike="noStrike" kern="1200" cap="none" spc="0" normalizeH="0" baseline="0">
-                <a:solidFill>
-                  <a:srgbClr val="ff0000"/>
+              <a:rPr kumimoji="0" lang="en-US" altLang="ko-KR" sz="2700" b="0" i="0" u="none" strike="noStrike" kern="1200" cap="none" spc="0" normalizeH="0" baseline="0" dirty="0">
+                <a:solidFill>
+                  <a:srgbClr val="FF0000"/>
                 </a:solidFill>
                 <a:latin typeface="1훈정글북 Regular"/>
                 <a:ea typeface="1훈정글북 Regular"/>
@@ -31276,18 +30821,34 @@
               <a:t>:</a:t>
             </a:r>
             <a:r>
-              <a:rPr kumimoji="0" lang="ko-KR" altLang="en-US" sz="2700" b="0" i="0" u="none" strike="noStrike" kern="1200" cap="none" spc="0" normalizeH="0" baseline="0">
-                <a:solidFill>
-                  <a:srgbClr val="ff0000"/>
+              <a:rPr kumimoji="0" lang="ko-KR" altLang="en-US" sz="2700" b="0" i="0" u="none" strike="noStrike" kern="1200" cap="none" spc="0" normalizeH="0" baseline="0" dirty="0">
+                <a:solidFill>
+                  <a:srgbClr val="FF0000"/>
                 </a:solidFill>
                 <a:latin typeface="1훈정글북 Regular"/>
                 <a:ea typeface="1훈정글북 Regular"/>
               </a:rPr>
               <a:t> 관리자 아이디가 저장되어 있음</a:t>
             </a:r>
-            <a:endParaRPr kumimoji="0" lang="ko-KR" altLang="en-US" sz="2700" b="0" i="0" u="none" strike="noStrike" kern="1200" cap="none" spc="0" normalizeH="0" baseline="0">
-              <a:solidFill>
-                <a:srgbClr val="ff0000"/>
+          </a:p>
+          <a:p>
+            <a:pPr marL="0" indent="0" defTabSz="914400" rtl="0" eaLnBrk="1" latinLnBrk="1" hangingPunct="1">
+              <a:lnSpc>
+                <a:spcPct val="90000"/>
+              </a:lnSpc>
+              <a:spcBef>
+                <a:spcPts val="1000"/>
+              </a:spcBef>
+              <a:spcAft>
+                <a:spcPts val="0"/>
+              </a:spcAft>
+              <a:buFont typeface="Arial"/>
+              <a:buNone/>
+              <a:defRPr/>
+            </a:pPr>
+            <a:endParaRPr kumimoji="0" lang="ko-KR" altLang="en-US" sz="2700" b="0" i="0" u="none" strike="noStrike" kern="1200" cap="none" spc="0" normalizeH="0" baseline="0" dirty="0">
+              <a:solidFill>
+                <a:srgbClr val="FF0000"/>
               </a:solidFill>
               <a:latin typeface="1훈정글북 Regular"/>
               <a:ea typeface="1훈정글북 Regular"/>
@@ -31308,9 +30869,19 @@
               <a:buNone/>
               <a:defRPr/>
             </a:pPr>
-            <a:endParaRPr kumimoji="0" lang="ko-KR" altLang="en-US" sz="2700" b="0" i="0" u="none" strike="noStrike" kern="1200" cap="none" spc="0" normalizeH="0" baseline="0">
-              <a:solidFill>
-                <a:srgbClr val="ff0000"/>
+            <a:r>
+              <a:rPr kumimoji="0" lang="en-US" altLang="ko-KR" sz="2400" b="0" i="0" u="none" strike="noStrike" kern="1200" cap="none" spc="0" normalizeH="0" baseline="0" dirty="0">
+                <a:solidFill>
+                  <a:schemeClr val="dk1"/>
+                </a:solidFill>
+                <a:latin typeface="1훈정글북 Regular"/>
+                <a:ea typeface="1훈정글북 Regular"/>
+              </a:rPr>
+              <a:t>Create table manager(</a:t>
+            </a:r>
+            <a:endParaRPr kumimoji="0" lang="en-US" altLang="ko-KR" sz="2400" b="0" i="0" u="none" strike="noStrike" kern="1200" cap="none" spc="0" normalizeH="0" baseline="0" dirty="0">
+              <a:solidFill>
+                <a:srgbClr val="FF0000"/>
               </a:solidFill>
               <a:latin typeface="1훈정글북 Regular"/>
               <a:ea typeface="1훈정글북 Regular"/>
@@ -31332,18 +30903,156 @@
               <a:defRPr/>
             </a:pPr>
             <a:r>
-              <a:rPr kumimoji="0" lang="en-US" altLang="ko-KR" sz="2400" b="0" i="0" u="none" strike="noStrike" kern="1200" cap="none" spc="0" normalizeH="0" baseline="0">
+              <a:rPr kumimoji="0" lang="en-US" altLang="ko-KR" sz="2400" b="0" i="0" u="none" strike="noStrike" kern="1200" cap="none" spc="0" normalizeH="0" baseline="0" dirty="0">
+                <a:solidFill>
+                  <a:srgbClr val="FF0000"/>
+                </a:solidFill>
+                <a:latin typeface="1훈정글북 Regular"/>
+                <a:ea typeface="1훈정글북 Regular"/>
+              </a:rPr>
+              <a:t>	</a:t>
+            </a:r>
+            <a:r>
+              <a:rPr kumimoji="0" lang="en-US" altLang="ko-KR" sz="2400" b="0" i="0" u="none" strike="noStrike" kern="1200" cap="none" spc="0" normalizeH="0" baseline="0" dirty="0" err="1">
                 <a:solidFill>
                   <a:schemeClr val="dk1"/>
                 </a:solidFill>
                 <a:latin typeface="1훈정글북 Regular"/>
                 <a:ea typeface="1훈정글북 Regular"/>
               </a:rPr>
-              <a:t>Create table manager(</a:t>
-            </a:r>
-            <a:endParaRPr kumimoji="0" lang="en-US" altLang="ko-KR" sz="2400" b="0" i="0" u="none" strike="noStrike" kern="1200" cap="none" spc="0" normalizeH="0" baseline="0">
-              <a:solidFill>
-                <a:srgbClr val="ff0000"/>
+              <a:t>managerId</a:t>
+            </a:r>
+            <a:r>
+              <a:rPr kumimoji="0" lang="en-US" altLang="ko-KR" sz="2400" b="0" i="0" u="none" strike="noStrike" kern="1200" cap="none" spc="0" normalizeH="0" baseline="0" dirty="0">
+                <a:solidFill>
+                  <a:schemeClr val="dk1"/>
+                </a:solidFill>
+                <a:latin typeface="1훈정글북 Regular"/>
+                <a:ea typeface="1훈정글북 Regular"/>
+              </a:rPr>
+              <a:t>		char(10)	primary Key,	// </a:t>
+            </a:r>
+            <a:r>
+              <a:rPr kumimoji="0" lang="ko-KR" altLang="en-US" sz="2400" b="0" i="0" u="none" strike="noStrike" kern="1200" cap="none" spc="0" normalizeH="0" baseline="0" dirty="0">
+                <a:solidFill>
+                  <a:schemeClr val="dk1"/>
+                </a:solidFill>
+                <a:latin typeface="1훈정글북 Regular"/>
+                <a:ea typeface="1훈정글북 Regular"/>
+              </a:rPr>
+              <a:t>관리자 </a:t>
+            </a:r>
+            <a:r>
+              <a:rPr kumimoji="0" lang="en-US" altLang="ko-KR" sz="2400" b="0" i="0" u="none" strike="noStrike" kern="1200" cap="none" spc="0" normalizeH="0" baseline="0" dirty="0">
+                <a:solidFill>
+                  <a:schemeClr val="dk1"/>
+                </a:solidFill>
+                <a:latin typeface="1훈정글북 Regular"/>
+                <a:ea typeface="1훈정글북 Regular"/>
+              </a:rPr>
+              <a:t>ID</a:t>
+            </a:r>
+          </a:p>
+          <a:p>
+            <a:pPr marL="0" indent="0" defTabSz="914400" rtl="0" eaLnBrk="1" latinLnBrk="1" hangingPunct="1">
+              <a:lnSpc>
+                <a:spcPct val="90000"/>
+              </a:lnSpc>
+              <a:spcBef>
+                <a:spcPts val="1000"/>
+              </a:spcBef>
+              <a:spcAft>
+                <a:spcPts val="0"/>
+              </a:spcAft>
+              <a:buFont typeface="Arial"/>
+              <a:buNone/>
+              <a:defRPr/>
+            </a:pPr>
+            <a:r>
+              <a:rPr kumimoji="0" lang="en-US" altLang="ko-KR" sz="2400" b="0" i="0" u="none" strike="noStrike" kern="1200" cap="none" spc="0" normalizeH="0" baseline="0" dirty="0">
+                <a:solidFill>
+                  <a:schemeClr val="dk1"/>
+                </a:solidFill>
+                <a:latin typeface="1훈정글북 Regular"/>
+                <a:ea typeface="1훈정글북 Regular"/>
+              </a:rPr>
+              <a:t>	</a:t>
+            </a:r>
+            <a:r>
+              <a:rPr kumimoji="0" lang="en-US" altLang="ko-KR" sz="2400" b="0" i="0" u="none" strike="noStrike" kern="1200" cap="none" spc="0" normalizeH="0" baseline="0" dirty="0" err="1">
+                <a:solidFill>
+                  <a:schemeClr val="dk1"/>
+                </a:solidFill>
+                <a:latin typeface="1훈정글북 Regular"/>
+                <a:ea typeface="1훈정글북 Regular"/>
+              </a:rPr>
+              <a:t>managerPw</a:t>
+            </a:r>
+            <a:r>
+              <a:rPr kumimoji="0" lang="en-US" altLang="ko-KR" sz="2400" b="0" i="0" u="none" strike="noStrike" kern="1200" cap="none" spc="0" normalizeH="0" baseline="0" dirty="0">
+                <a:solidFill>
+                  <a:schemeClr val="dk1"/>
+                </a:solidFill>
+                <a:latin typeface="1훈정글북 Regular"/>
+                <a:ea typeface="1훈정글북 Regular"/>
+              </a:rPr>
+              <a:t>	char(10)				//</a:t>
+            </a:r>
+            <a:r>
+              <a:rPr kumimoji="0" lang="ko-KR" altLang="en-US" sz="2400" b="0" i="0" u="none" strike="noStrike" kern="1200" cap="none" spc="0" normalizeH="0" baseline="0" dirty="0">
+                <a:solidFill>
+                  <a:schemeClr val="dk1"/>
+                </a:solidFill>
+                <a:latin typeface="1훈정글북 Regular"/>
+                <a:ea typeface="1훈정글북 Regular"/>
+              </a:rPr>
+              <a:t> 관리자 비밀번호</a:t>
+            </a:r>
+          </a:p>
+          <a:p>
+            <a:pPr marL="0" indent="0" defTabSz="914400" rtl="0" eaLnBrk="1" latinLnBrk="1" hangingPunct="1">
+              <a:lnSpc>
+                <a:spcPct val="90000"/>
+              </a:lnSpc>
+              <a:spcBef>
+                <a:spcPts val="1000"/>
+              </a:spcBef>
+              <a:spcAft>
+                <a:spcPts val="0"/>
+              </a:spcAft>
+              <a:buFont typeface="Arial"/>
+              <a:buNone/>
+              <a:defRPr/>
+            </a:pPr>
+            <a:r>
+              <a:rPr kumimoji="0" lang="en-US" altLang="ko-KR" sz="2600" b="0" i="0" u="none" strike="noStrike" kern="1200" cap="none" spc="0" normalizeH="0" baseline="0" dirty="0">
+                <a:solidFill>
+                  <a:schemeClr val="tx1"/>
+                </a:solidFill>
+                <a:latin typeface="1훈정글북 Regular"/>
+                <a:ea typeface="1훈정글북 Regular"/>
+              </a:rPr>
+              <a:t>);</a:t>
+            </a:r>
+          </a:p>
+          <a:p>
+            <a:pPr marL="0" indent="0" defTabSz="914400" rtl="0" eaLnBrk="1" latinLnBrk="1" hangingPunct="1">
+              <a:lnSpc>
+                <a:spcPct val="90000"/>
+              </a:lnSpc>
+              <a:spcBef>
+                <a:spcPts val="1000"/>
+              </a:spcBef>
+              <a:spcAft>
+                <a:spcPts val="0"/>
+              </a:spcAft>
+              <a:buFont typeface="Arial"/>
+              <a:buNone/>
+              <a:defRPr/>
+            </a:pPr>
+            <a:endParaRPr kumimoji="0" lang="ko-KR" altLang="en-US" sz="2600" b="0" i="0" u="none" strike="noStrike" kern="1200" cap="none" spc="0" normalizeH="0" baseline="0" dirty="0">
+              <a:solidFill>
+                <a:schemeClr val="tx1"/>
               </a:solidFill>
               <a:latin typeface="1훈정글북 Regular"/>
               <a:ea typeface="1훈정글북 Regular"/>
@@ -31364,169 +31073,7 @@
               <a:buNone/>
               <a:defRPr/>
             </a:pPr>
-            <a:r>
-              <a:rPr kumimoji="0" lang="en-US" altLang="ko-KR" sz="2400" b="0" i="0" u="none" strike="noStrike" kern="1200" cap="none" spc="0" normalizeH="0" baseline="0">
-                <a:solidFill>
-                  <a:srgbClr val="ff0000"/>
-                </a:solidFill>
-                <a:latin typeface="1훈정글북 Regular"/>
-                <a:ea typeface="1훈정글북 Regular"/>
-              </a:rPr>
-              <a:t>	</a:t>
-            </a:r>
-            <a:r>
-              <a:rPr kumimoji="0" lang="en-US" altLang="ko-KR" sz="2400" b="0" i="0" u="none" strike="noStrike" kern="1200" cap="none" spc="0" normalizeH="0" baseline="0">
-                <a:solidFill>
-                  <a:schemeClr val="dk1"/>
-                </a:solidFill>
-                <a:latin typeface="1훈정글북 Regular"/>
-                <a:ea typeface="1훈정글북 Regular"/>
-              </a:rPr>
-              <a:t>managerId		char(10)	primary Key,	// </a:t>
-            </a:r>
-            <a:r>
-              <a:rPr kumimoji="0" lang="ko-KR" altLang="en-US" sz="2400" b="0" i="0" u="none" strike="noStrike" kern="1200" cap="none" spc="0" normalizeH="0" baseline="0">
-                <a:solidFill>
-                  <a:schemeClr val="dk1"/>
-                </a:solidFill>
-                <a:latin typeface="1훈정글북 Regular"/>
-                <a:ea typeface="1훈정글북 Regular"/>
-              </a:rPr>
-              <a:t>관리자 </a:t>
-            </a:r>
-            <a:r>
-              <a:rPr kumimoji="0" lang="en-US" altLang="ko-KR" sz="2400" b="0" i="0" u="none" strike="noStrike" kern="1200" cap="none" spc="0" normalizeH="0" baseline="0">
-                <a:solidFill>
-                  <a:schemeClr val="dk1"/>
-                </a:solidFill>
-                <a:latin typeface="1훈정글북 Regular"/>
-                <a:ea typeface="1훈정글북 Regular"/>
-              </a:rPr>
-              <a:t>ID</a:t>
-            </a:r>
-            <a:endParaRPr kumimoji="0" lang="en-US" altLang="ko-KR" sz="2400" b="0" i="0" u="none" strike="noStrike" kern="1200" cap="none" spc="0" normalizeH="0" baseline="0">
-              <a:solidFill>
-                <a:schemeClr val="dk1"/>
-              </a:solidFill>
-              <a:latin typeface="1훈정글북 Regular"/>
-              <a:ea typeface="1훈정글북 Regular"/>
-            </a:endParaRPr>
-          </a:p>
-          <a:p>
-            <a:pPr marL="0" indent="0" defTabSz="914400" rtl="0" eaLnBrk="1" latinLnBrk="1" hangingPunct="1">
-              <a:lnSpc>
-                <a:spcPct val="90000"/>
-              </a:lnSpc>
-              <a:spcBef>
-                <a:spcPts val="1000"/>
-              </a:spcBef>
-              <a:spcAft>
-                <a:spcPts val="0"/>
-              </a:spcAft>
-              <a:buFont typeface="Arial"/>
-              <a:buNone/>
-              <a:defRPr/>
-            </a:pPr>
-            <a:r>
-              <a:rPr kumimoji="0" lang="en-US" altLang="ko-KR" sz="2400" b="0" i="0" u="none" strike="noStrike" kern="1200" cap="none" spc="0" normalizeH="0" baseline="0">
-                <a:solidFill>
-                  <a:schemeClr val="dk1"/>
-                </a:solidFill>
-                <a:latin typeface="1훈정글북 Regular"/>
-                <a:ea typeface="1훈정글북 Regular"/>
-              </a:rPr>
-              <a:t>	managerPw	char(10)				//</a:t>
-            </a:r>
-            <a:r>
-              <a:rPr kumimoji="0" lang="ko-KR" altLang="en-US" sz="2400" b="0" i="0" u="none" strike="noStrike" kern="1200" cap="none" spc="0" normalizeH="0" baseline="0">
-                <a:solidFill>
-                  <a:schemeClr val="dk1"/>
-                </a:solidFill>
-                <a:latin typeface="1훈정글북 Regular"/>
-                <a:ea typeface="1훈정글북 Regular"/>
-              </a:rPr>
-              <a:t> 관리자 비밀번호</a:t>
-            </a:r>
-            <a:endParaRPr kumimoji="0" lang="ko-KR" altLang="en-US" sz="2400" b="0" i="0" u="none" strike="noStrike" kern="1200" cap="none" spc="0" normalizeH="0" baseline="0">
-              <a:solidFill>
-                <a:schemeClr val="dk1"/>
-              </a:solidFill>
-              <a:latin typeface="1훈정글북 Regular"/>
-              <a:ea typeface="1훈정글북 Regular"/>
-            </a:endParaRPr>
-          </a:p>
-          <a:p>
-            <a:pPr marL="0" indent="0" defTabSz="914400" rtl="0" eaLnBrk="1" latinLnBrk="1" hangingPunct="1">
-              <a:lnSpc>
-                <a:spcPct val="90000"/>
-              </a:lnSpc>
-              <a:spcBef>
-                <a:spcPts val="1000"/>
-              </a:spcBef>
-              <a:spcAft>
-                <a:spcPts val="0"/>
-              </a:spcAft>
-              <a:buFont typeface="Arial"/>
-              <a:buNone/>
-              <a:defRPr/>
-            </a:pPr>
-            <a:r>
-              <a:rPr kumimoji="0" lang="en-US" altLang="ko-KR" sz="2600" b="0" i="0" u="none" strike="noStrike" kern="1200" cap="none" spc="0" normalizeH="0" baseline="0">
-                <a:solidFill>
-                  <a:schemeClr val="tx1"/>
-                </a:solidFill>
-                <a:latin typeface="1훈정글북 Regular"/>
-                <a:ea typeface="1훈정글북 Regular"/>
-              </a:rPr>
-              <a:t>);</a:t>
-            </a:r>
-            <a:endParaRPr kumimoji="0" lang="en-US" altLang="ko-KR" sz="2600" b="0" i="0" u="none" strike="noStrike" kern="1200" cap="none" spc="0" normalizeH="0" baseline="0">
-              <a:solidFill>
-                <a:schemeClr val="tx1"/>
-              </a:solidFill>
-              <a:latin typeface="1훈정글북 Regular"/>
-              <a:ea typeface="1훈정글북 Regular"/>
-            </a:endParaRPr>
-          </a:p>
-          <a:p>
-            <a:pPr marL="0" indent="0" defTabSz="914400" rtl="0" eaLnBrk="1" latinLnBrk="1" hangingPunct="1">
-              <a:lnSpc>
-                <a:spcPct val="90000"/>
-              </a:lnSpc>
-              <a:spcBef>
-                <a:spcPts val="1000"/>
-              </a:spcBef>
-              <a:spcAft>
-                <a:spcPts val="0"/>
-              </a:spcAft>
-              <a:buFont typeface="Arial"/>
-              <a:buNone/>
-              <a:defRPr/>
-            </a:pPr>
-            <a:endParaRPr kumimoji="0" lang="ko-KR" altLang="en-US" sz="2600" b="0" i="0" u="none" strike="noStrike" kern="1200" cap="none" spc="0" normalizeH="0" baseline="0">
-              <a:solidFill>
-                <a:schemeClr val="tx1"/>
-              </a:solidFill>
-              <a:latin typeface="1훈정글북 Regular"/>
-              <a:ea typeface="1훈정글북 Regular"/>
-            </a:endParaRPr>
-          </a:p>
-          <a:p>
-            <a:pPr marL="0" indent="0" defTabSz="914400" rtl="0" eaLnBrk="1" latinLnBrk="1" hangingPunct="1">
-              <a:lnSpc>
-                <a:spcPct val="90000"/>
-              </a:lnSpc>
-              <a:spcBef>
-                <a:spcPts val="1000"/>
-              </a:spcBef>
-              <a:spcAft>
-                <a:spcPts val="0"/>
-              </a:spcAft>
-              <a:buFont typeface="Arial"/>
-              <a:buNone/>
-              <a:defRPr/>
-            </a:pPr>
-            <a:endParaRPr kumimoji="0" lang="ko-KR" altLang="en-US" sz="2600" b="0" i="0" u="none" strike="noStrike" kern="1200" cap="none" spc="0" normalizeH="0" baseline="0">
+            <a:endParaRPr kumimoji="0" lang="ko-KR" altLang="en-US" sz="2600" b="0" i="0" u="none" strike="noStrike" kern="1200" cap="none" spc="0" normalizeH="0" baseline="0" dirty="0">
               <a:solidFill>
                 <a:schemeClr val="tx1"/>
               </a:solidFill>
@@ -31655,7 +31202,7 @@
             </a:r>
             <a:endParaRPr kumimoji="0" lang="en-US" altLang="ko-KR" sz="2700" b="0" i="0" u="none" strike="noStrike" kern="1200" cap="none" spc="0" normalizeH="0" baseline="0">
               <a:solidFill>
-                <a:srgbClr val="ff0000"/>
+                <a:srgbClr val="FF0000"/>
               </a:solidFill>
               <a:latin typeface="1훈정글북 Regular"/>
               <a:ea typeface="1훈정글북 Regular"/>
@@ -31714,11 +31261,11 @@
   <p:clrMapOvr>
     <a:masterClrMapping/>
   </p:clrMapOvr>
-  <mc:AlternateContent xmlns:mc="http://schemas.openxmlformats.org/markup-compatibility/2006">
-    <mc:Choice xmlns:p14="http://schemas.microsoft.com/office/powerpoint/2010/main" Requires="p14">
-      <p:transition xmlns:mc="http://schemas.openxmlformats.org/markup-compatibility/2006" xmlns:p14="http://schemas.microsoft.com/office/powerpoint/2010/main" mc:Ignorable="p14" p14:dur="500"/>
+  <mc:AlternateContent xmlns:mc="http://schemas.openxmlformats.org/markup-compatibility/2006" xmlns:p14="http://schemas.microsoft.com/office/powerpoint/2010/main">
+    <mc:Choice Requires="p14">
+      <p:transition/>
     </mc:Choice>
-    <mc:Fallback>
+    <mc:Fallback xmlns:dsp="http://schemas.microsoft.com/office/drawing/2008/diagram" xmlns:dgm="http://schemas.openxmlformats.org/drawingml/2006/diagram" xmlns:c="http://schemas.openxmlformats.org/drawingml/2006/chart" xmlns="">
       <p:transition/>
     </mc:Fallback>
   </mc:AlternateContent>
@@ -31726,21 +31273,22 @@
 </file>
 
 <file path=ppt/slides/slide32.xml><?xml version="1.0" encoding="utf-8"?>
-<p:sld xmlns:r="http://schemas.openxmlformats.org/officeDocument/2006/relationships" xmlns:c="http://schemas.openxmlformats.org/drawingml/2006/chart" xmlns:a="http://schemas.openxmlformats.org/drawingml/2006/main" xmlns:dgm="http://schemas.openxmlformats.org/drawingml/2006/diagram" xmlns:dsp="http://schemas.microsoft.com/office/drawing/2008/diagram" xmlns:p="http://schemas.openxmlformats.org/presentationml/2006/main">
+<p:sld xmlns:a="http://schemas.openxmlformats.org/drawingml/2006/main" xmlns:r="http://schemas.openxmlformats.org/officeDocument/2006/relationships" xmlns:p="http://schemas.openxmlformats.org/presentationml/2006/main">
   <p:cSld>
     <p:bg>
-      <p:bgPr shadeToTitle="0">
+      <p:bgPr>
         <a:gradFill>
           <a:gsLst>
             <a:gs pos="50000">
-              <a:srgbClr val="b3acb3"/>
+              <a:srgbClr val="B3ACB3"/>
             </a:gs>
             <a:gs pos="50000">
-              <a:srgbClr val="f8e9e8"/>
+              <a:srgbClr val="F8E9E8"/>
             </a:gs>
           </a:gsLst>
           <a:lin ang="6600000" scaled="0"/>
         </a:gradFill>
+        <a:effectLst/>
       </p:bgPr>
     </p:bg>
     <p:spTree>
@@ -31778,7 +31326,7 @@
             <a:gradFill>
               <a:gsLst>
                 <a:gs pos="50000">
-                  <a:srgbClr val="efccca"/>
+                  <a:srgbClr val="EFCCCA"/>
                 </a:gs>
                 <a:gs pos="50000">
                   <a:schemeClr val="bg1">
@@ -31861,7 +31409,7 @@
             <a:r>
               <a:rPr lang="en-US" altLang="ko-KR" sz="4200" b="1" i="1">
                 <a:solidFill>
-                  <a:srgbClr val="ff9999"/>
+                  <a:srgbClr val="FF9999"/>
                 </a:solidFill>
               </a:rPr>
               <a:t>DB</a:t>
@@ -31869,16 +31417,11 @@
             <a:r>
               <a:rPr lang="ko-KR" altLang="en-US" sz="4200" b="1" i="1">
                 <a:solidFill>
-                  <a:srgbClr val="ff9999"/>
+                  <a:srgbClr val="FF9999"/>
                 </a:solidFill>
               </a:rPr>
               <a:t>구성 및 설명</a:t>
             </a:r>
-            <a:endParaRPr lang="ko-KR" altLang="en-US" sz="4200" b="1" i="1">
-              <a:solidFill>
-                <a:srgbClr val="ff9999"/>
-              </a:solidFill>
-            </a:endParaRPr>
           </a:p>
         </p:txBody>
       </p:sp>
@@ -31920,9 +31463,9 @@
               <a:defRPr/>
             </a:pPr>
             <a:r>
-              <a:rPr kumimoji="0" lang="en-US" altLang="ko-KR" sz="2700" b="0" i="0" u="none" strike="noStrike" kern="1200" cap="none" spc="0" normalizeH="0" baseline="0">
-                <a:solidFill>
-                  <a:srgbClr val="ff0000"/>
+              <a:rPr kumimoji="0" lang="en-US" altLang="ko-KR" sz="2700" b="0" i="0" u="none" strike="noStrike" kern="1200" cap="none" spc="0" normalizeH="0" baseline="0" dirty="0">
+                <a:solidFill>
+                  <a:srgbClr val="FF0000"/>
                 </a:solidFill>
                 <a:latin typeface="1훈정글북 Regular"/>
                 <a:ea typeface="1훈정글북 Regular"/>
@@ -31930,9 +31473,9 @@
               <a:t>&lt;user </a:t>
             </a:r>
             <a:r>
-              <a:rPr kumimoji="0" lang="ko-KR" altLang="en-US" sz="2700" b="0" i="0" u="none" strike="noStrike" kern="1200" cap="none" spc="0" normalizeH="0" baseline="0">
-                <a:solidFill>
-                  <a:srgbClr val="ff0000"/>
+              <a:rPr kumimoji="0" lang="ko-KR" altLang="en-US" sz="2700" b="0" i="0" u="none" strike="noStrike" kern="1200" cap="none" spc="0" normalizeH="0" baseline="0" dirty="0">
+                <a:solidFill>
+                  <a:srgbClr val="FF0000"/>
                 </a:solidFill>
                 <a:latin typeface="1훈정글북 Regular"/>
                 <a:ea typeface="1훈정글북 Regular"/>
@@ -31940,9 +31483,9 @@
               <a:t>테이블</a:t>
             </a:r>
             <a:r>
-              <a:rPr kumimoji="0" lang="en-US" altLang="ko-KR" sz="2700" b="0" i="0" u="none" strike="noStrike" kern="1200" cap="none" spc="0" normalizeH="0" baseline="0">
-                <a:solidFill>
-                  <a:srgbClr val="ff0000"/>
+              <a:rPr kumimoji="0" lang="en-US" altLang="ko-KR" sz="2700" b="0" i="0" u="none" strike="noStrike" kern="1200" cap="none" spc="0" normalizeH="0" baseline="0" dirty="0">
+                <a:solidFill>
+                  <a:srgbClr val="FF0000"/>
                 </a:solidFill>
                 <a:latin typeface="1훈정글북 Regular"/>
                 <a:ea typeface="1훈정글북 Regular"/>
@@ -31950,9 +31493,9 @@
               <a:t>&gt;</a:t>
             </a:r>
             <a:r>
-              <a:rPr kumimoji="0" lang="ko-KR" altLang="en-US" sz="2700" b="0" i="0" u="none" strike="noStrike" kern="1200" cap="none" spc="0" normalizeH="0" baseline="0">
-                <a:solidFill>
-                  <a:srgbClr val="ff0000"/>
+              <a:rPr kumimoji="0" lang="ko-KR" altLang="en-US" sz="2700" b="0" i="0" u="none" strike="noStrike" kern="1200" cap="none" spc="0" normalizeH="0" baseline="0" dirty="0">
+                <a:solidFill>
+                  <a:srgbClr val="FF0000"/>
                 </a:solidFill>
                 <a:latin typeface="1훈정글북 Regular"/>
                 <a:ea typeface="1훈정글북 Regular"/>
@@ -31960,9 +31503,9 @@
               <a:t> </a:t>
             </a:r>
             <a:r>
-              <a:rPr kumimoji="0" lang="en-US" altLang="ko-KR" sz="2700" b="0" i="0" u="none" strike="noStrike" kern="1200" cap="none" spc="0" normalizeH="0" baseline="0">
-                <a:solidFill>
-                  <a:srgbClr val="ff0000"/>
+              <a:rPr kumimoji="0" lang="en-US" altLang="ko-KR" sz="2700" b="0" i="0" u="none" strike="noStrike" kern="1200" cap="none" spc="0" normalizeH="0" baseline="0" dirty="0">
+                <a:solidFill>
+                  <a:srgbClr val="FF0000"/>
                 </a:solidFill>
                 <a:latin typeface="1훈정글북 Regular"/>
                 <a:ea typeface="1훈정글북 Regular"/>
@@ -31970,9 +31513,9 @@
               <a:t>:</a:t>
             </a:r>
             <a:r>
-              <a:rPr kumimoji="0" lang="ko-KR" altLang="en-US" sz="2700" b="0" i="0" u="none" strike="noStrike" kern="1200" cap="none" spc="0" normalizeH="0" baseline="0">
-                <a:solidFill>
-                  <a:srgbClr val="ff0000"/>
+              <a:rPr kumimoji="0" lang="ko-KR" altLang="en-US" sz="2700" b="0" i="0" u="none" strike="noStrike" kern="1200" cap="none" spc="0" normalizeH="0" baseline="0" dirty="0">
+                <a:solidFill>
+                  <a:srgbClr val="FF0000"/>
                 </a:solidFill>
                 <a:latin typeface="1훈정글북 Regular"/>
                 <a:ea typeface="1훈정글북 Regular"/>
@@ -31980,9 +31523,9 @@
               <a:t> 일반 사용자 아이디들을 저장</a:t>
             </a:r>
             <a:r>
-              <a:rPr kumimoji="0" lang="en-US" altLang="ko-KR" sz="2700" b="0" i="0" u="none" strike="noStrike" kern="1200" cap="none" spc="0" normalizeH="0" baseline="0">
-                <a:solidFill>
-                  <a:srgbClr val="ff0000"/>
+              <a:rPr kumimoji="0" lang="en-US" altLang="ko-KR" sz="2700" b="0" i="0" u="none" strike="noStrike" kern="1200" cap="none" spc="0" normalizeH="0" baseline="0" dirty="0">
+                <a:solidFill>
+                  <a:srgbClr val="FF0000"/>
                 </a:solidFill>
                 <a:latin typeface="1훈정글북 Regular"/>
                 <a:ea typeface="1훈정글북 Regular"/>
@@ -31990,18 +31533,34 @@
               <a:t>/</a:t>
             </a:r>
             <a:r>
-              <a:rPr kumimoji="0" lang="ko-KR" altLang="en-US" sz="2700" b="0" i="0" u="none" strike="noStrike" kern="1200" cap="none" spc="0" normalizeH="0" baseline="0">
-                <a:solidFill>
-                  <a:srgbClr val="ff0000"/>
+              <a:rPr kumimoji="0" lang="ko-KR" altLang="en-US" sz="2700" b="0" i="0" u="none" strike="noStrike" kern="1200" cap="none" spc="0" normalizeH="0" baseline="0" dirty="0">
+                <a:solidFill>
+                  <a:srgbClr val="FF0000"/>
                 </a:solidFill>
                 <a:latin typeface="1훈정글북 Regular"/>
                 <a:ea typeface="1훈정글북 Regular"/>
               </a:rPr>
               <a:t>관리</a:t>
             </a:r>
-            <a:endParaRPr kumimoji="0" lang="ko-KR" altLang="en-US" sz="2700" b="0" i="0" u="none" strike="noStrike" kern="1200" cap="none" spc="0" normalizeH="0" baseline="0">
-              <a:solidFill>
-                <a:srgbClr val="ff0000"/>
+          </a:p>
+          <a:p>
+            <a:pPr marL="0" indent="0" defTabSz="914400" rtl="0" eaLnBrk="1" latinLnBrk="1" hangingPunct="1">
+              <a:lnSpc>
+                <a:spcPct val="30000"/>
+              </a:lnSpc>
+              <a:spcBef>
+                <a:spcPts val="1000"/>
+              </a:spcBef>
+              <a:spcAft>
+                <a:spcPts val="0"/>
+              </a:spcAft>
+              <a:buFont typeface="Arial"/>
+              <a:buNone/>
+              <a:defRPr/>
+            </a:pPr>
+            <a:endParaRPr kumimoji="0" lang="en-US" altLang="ko-KR" sz="1700" b="0" i="0" u="none" strike="noStrike" kern="1200" cap="none" spc="0" normalizeH="0" baseline="0" dirty="0">
+              <a:solidFill>
+                <a:schemeClr val="dk1"/>
               </a:solidFill>
               <a:latin typeface="1훈정글북 Regular"/>
               <a:ea typeface="1훈정글북 Regular"/>
@@ -32022,7 +31581,845 @@
               <a:buNone/>
               <a:defRPr/>
             </a:pPr>
-            <a:endParaRPr kumimoji="0" lang="en-US" altLang="ko-KR" sz="1700" b="0" i="0" u="none" strike="noStrike" kern="1200" cap="none" spc="0" normalizeH="0" baseline="0">
+            <a:r>
+              <a:rPr kumimoji="0" lang="en-US" altLang="ko-KR" sz="1200" b="0" i="0" u="none" strike="noStrike" kern="1200" cap="none" spc="0" normalizeH="0" baseline="0" dirty="0">
+                <a:solidFill>
+                  <a:schemeClr val="dk1"/>
+                </a:solidFill>
+                <a:latin typeface="1훈정글북 Regular"/>
+                <a:ea typeface="1훈정글북 Regular"/>
+              </a:rPr>
+              <a:t>Create </a:t>
+            </a:r>
+            <a:r>
+              <a:rPr kumimoji="0" lang="en-US" altLang="ko-KR" sz="1200" b="0" i="0" u="none" strike="noStrike" kern="1200" cap="none" spc="0" normalizeH="0" baseline="0">
+                <a:solidFill>
+                  <a:schemeClr val="dk1"/>
+                </a:solidFill>
+                <a:latin typeface="1훈정글북 Regular"/>
+                <a:ea typeface="1훈정글북 Regular"/>
+              </a:rPr>
+              <a:t>table  user </a:t>
+            </a:r>
+            <a:r>
+              <a:rPr kumimoji="0" lang="en-US" altLang="ko-KR" sz="1200" b="0" i="0" u="none" strike="noStrike" kern="1200" cap="none" spc="0" normalizeH="0" baseline="0" dirty="0">
+                <a:solidFill>
+                  <a:schemeClr val="dk1"/>
+                </a:solidFill>
+                <a:latin typeface="1훈정글북 Regular"/>
+                <a:ea typeface="1훈정글북 Regular"/>
+              </a:rPr>
+              <a:t>(</a:t>
+            </a:r>
+          </a:p>
+          <a:p>
+            <a:pPr marL="0" indent="0" defTabSz="914400" rtl="0" eaLnBrk="1" latinLnBrk="1" hangingPunct="1">
+              <a:lnSpc>
+                <a:spcPct val="90000"/>
+              </a:lnSpc>
+              <a:spcBef>
+                <a:spcPts val="1000"/>
+              </a:spcBef>
+              <a:spcAft>
+                <a:spcPts val="0"/>
+              </a:spcAft>
+              <a:buFont typeface="Arial"/>
+              <a:buNone/>
+              <a:defRPr/>
+            </a:pPr>
+            <a:r>
+              <a:rPr kumimoji="0" lang="en-US" altLang="ko-KR" sz="1200" b="0" i="0" u="none" strike="noStrike" kern="1200" cap="none" spc="0" normalizeH="0" baseline="0" dirty="0">
+                <a:solidFill>
+                  <a:srgbClr val="FF0000"/>
+                </a:solidFill>
+                <a:latin typeface="1훈정글북 Regular"/>
+                <a:ea typeface="1훈정글북 Regular"/>
+              </a:rPr>
+              <a:t>	</a:t>
+            </a:r>
+            <a:r>
+              <a:rPr kumimoji="0" lang="en-US" altLang="ko-KR" sz="1200" b="0" i="0" u="none" strike="noStrike" kern="1200" cap="none" spc="0" normalizeH="0" baseline="0" dirty="0" err="1">
+                <a:solidFill>
+                  <a:schemeClr val="dk1"/>
+                </a:solidFill>
+                <a:latin typeface="1훈정글북 Regular"/>
+                <a:ea typeface="1훈정글북 Regular"/>
+              </a:rPr>
+              <a:t>uId</a:t>
+            </a:r>
+            <a:r>
+              <a:rPr kumimoji="0" lang="en-US" altLang="ko-KR" sz="1200" b="0" i="0" u="none" strike="noStrike" kern="1200" cap="none" spc="0" normalizeH="0" baseline="0" dirty="0">
+                <a:solidFill>
+                  <a:schemeClr val="dk1"/>
+                </a:solidFill>
+                <a:latin typeface="1훈정글북 Regular"/>
+                <a:ea typeface="1훈정글북 Regular"/>
+              </a:rPr>
+              <a:t>		char(10)	not null	primary Key,	</a:t>
+            </a:r>
+            <a:r>
+              <a:rPr kumimoji="0" lang="ko-KR" altLang="en-US" sz="1200" b="0" i="0" u="none" strike="noStrike" kern="1200" cap="none" spc="0" normalizeH="0" baseline="0" dirty="0">
+                <a:solidFill>
+                  <a:schemeClr val="dk1"/>
+                </a:solidFill>
+                <a:latin typeface="1훈정글북 Regular"/>
+                <a:ea typeface="1훈정글북 Regular"/>
+              </a:rPr>
+              <a:t>	</a:t>
+            </a:r>
+            <a:r>
+              <a:rPr kumimoji="0" lang="en-US" altLang="ko-KR" sz="1200" b="0" i="0" u="none" strike="noStrike" kern="1200" cap="none" spc="0" normalizeH="0" baseline="0" dirty="0">
+                <a:solidFill>
+                  <a:schemeClr val="dk1"/>
+                </a:solidFill>
+                <a:latin typeface="1훈정글북 Regular"/>
+                <a:ea typeface="1훈정글북 Regular"/>
+              </a:rPr>
+              <a:t>// </a:t>
+            </a:r>
+            <a:r>
+              <a:rPr kumimoji="0" lang="ko-KR" altLang="en-US" sz="1200" b="0" i="0" u="none" strike="noStrike" kern="1200" cap="none" spc="0" normalizeH="0" baseline="0" dirty="0">
+                <a:solidFill>
+                  <a:schemeClr val="dk1"/>
+                </a:solidFill>
+                <a:latin typeface="1훈정글북 Regular"/>
+                <a:ea typeface="1훈정글북 Regular"/>
+              </a:rPr>
+              <a:t>일반 사용자 </a:t>
+            </a:r>
+            <a:r>
+              <a:rPr kumimoji="0" lang="en-US" altLang="ko-KR" sz="1200" b="0" i="0" u="none" strike="noStrike" kern="1200" cap="none" spc="0" normalizeH="0" baseline="0" dirty="0">
+                <a:solidFill>
+                  <a:schemeClr val="dk1"/>
+                </a:solidFill>
+                <a:latin typeface="1훈정글북 Regular"/>
+                <a:ea typeface="1훈정글북 Regular"/>
+              </a:rPr>
+              <a:t>ID</a:t>
+            </a:r>
+          </a:p>
+          <a:p>
+            <a:pPr marL="0" indent="0" defTabSz="914400" rtl="0" eaLnBrk="1" latinLnBrk="1" hangingPunct="1">
+              <a:lnSpc>
+                <a:spcPct val="90000"/>
+              </a:lnSpc>
+              <a:spcBef>
+                <a:spcPts val="1000"/>
+              </a:spcBef>
+              <a:spcAft>
+                <a:spcPts val="0"/>
+              </a:spcAft>
+              <a:buFont typeface="Arial"/>
+              <a:buNone/>
+              <a:defRPr/>
+            </a:pPr>
+            <a:r>
+              <a:rPr kumimoji="0" lang="en-US" altLang="ko-KR" sz="1200" b="0" i="0" u="none" strike="noStrike" kern="1200" cap="none" spc="0" normalizeH="0" baseline="0" dirty="0">
+                <a:solidFill>
+                  <a:schemeClr val="dk1"/>
+                </a:solidFill>
+                <a:latin typeface="1훈정글북 Regular"/>
+                <a:ea typeface="1훈정글북 Regular"/>
+              </a:rPr>
+              <a:t>	</a:t>
+            </a:r>
+            <a:r>
+              <a:rPr kumimoji="0" lang="en-US" altLang="ko-KR" sz="1200" b="0" i="0" u="none" strike="noStrike" kern="1200" cap="none" spc="0" normalizeH="0" baseline="0" dirty="0" err="1">
+                <a:solidFill>
+                  <a:schemeClr val="dk1"/>
+                </a:solidFill>
+                <a:latin typeface="1훈정글북 Regular"/>
+                <a:ea typeface="1훈정글북 Regular"/>
+              </a:rPr>
+              <a:t>uPw</a:t>
+            </a:r>
+            <a:r>
+              <a:rPr kumimoji="0" lang="en-US" altLang="ko-KR" sz="1200" b="0" i="0" u="none" strike="noStrike" kern="1200" cap="none" spc="0" normalizeH="0" baseline="0" dirty="0">
+                <a:solidFill>
+                  <a:schemeClr val="dk1"/>
+                </a:solidFill>
+                <a:latin typeface="1훈정글북 Regular"/>
+                <a:ea typeface="1훈정글북 Regular"/>
+              </a:rPr>
+              <a:t>		char(15)	not null,			//</a:t>
+            </a:r>
+            <a:r>
+              <a:rPr kumimoji="0" lang="ko-KR" altLang="en-US" sz="1200" b="0" i="0" u="none" strike="noStrike" kern="1200" cap="none" spc="0" normalizeH="0" baseline="0" dirty="0">
+                <a:solidFill>
+                  <a:schemeClr val="dk1"/>
+                </a:solidFill>
+                <a:latin typeface="1훈정글북 Regular"/>
+                <a:ea typeface="1훈정글북 Regular"/>
+              </a:rPr>
+              <a:t> 비밀번호</a:t>
+            </a:r>
+          </a:p>
+          <a:p>
+            <a:pPr marL="0" indent="0" defTabSz="914400" rtl="0" eaLnBrk="1" latinLnBrk="1" hangingPunct="1">
+              <a:lnSpc>
+                <a:spcPct val="90000"/>
+              </a:lnSpc>
+              <a:spcBef>
+                <a:spcPts val="1000"/>
+              </a:spcBef>
+              <a:spcAft>
+                <a:spcPts val="0"/>
+              </a:spcAft>
+              <a:buFont typeface="Arial"/>
+              <a:buNone/>
+              <a:defRPr/>
+            </a:pPr>
+            <a:r>
+              <a:rPr kumimoji="0" lang="en-US" altLang="ko-KR" sz="1200" b="0" i="0" u="none" strike="noStrike" kern="1200" cap="none" spc="0" normalizeH="0" baseline="0" dirty="0">
+                <a:solidFill>
+                  <a:schemeClr val="dk1"/>
+                </a:solidFill>
+                <a:latin typeface="1훈정글북 Regular"/>
+                <a:ea typeface="1훈정글북 Regular"/>
+              </a:rPr>
+              <a:t>	</a:t>
+            </a:r>
+            <a:r>
+              <a:rPr kumimoji="0" lang="en-US" altLang="ko-KR" sz="1200" b="0" i="0" u="none" strike="noStrike" kern="1200" cap="none" spc="0" normalizeH="0" baseline="0" dirty="0" err="1">
+                <a:solidFill>
+                  <a:schemeClr val="dk1"/>
+                </a:solidFill>
+                <a:latin typeface="1훈정글북 Regular"/>
+                <a:ea typeface="1훈정글북 Regular"/>
+              </a:rPr>
+              <a:t>uName</a:t>
+            </a:r>
+            <a:r>
+              <a:rPr kumimoji="0" lang="en-US" altLang="ko-KR" sz="1200" b="0" i="0" u="none" strike="noStrike" kern="1200" cap="none" spc="0" normalizeH="0" baseline="0" dirty="0">
+                <a:solidFill>
+                  <a:schemeClr val="dk1"/>
+                </a:solidFill>
+                <a:latin typeface="1훈정글북 Regular"/>
+                <a:ea typeface="1훈정글북 Regular"/>
+              </a:rPr>
+              <a:t>		char(15)	not null,			// </a:t>
+            </a:r>
+            <a:r>
+              <a:rPr kumimoji="0" lang="ko-KR" altLang="en-US" sz="1200" b="0" i="0" u="none" strike="noStrike" kern="1200" cap="none" spc="0" normalizeH="0" baseline="0" dirty="0">
+                <a:solidFill>
+                  <a:schemeClr val="dk1"/>
+                </a:solidFill>
+                <a:latin typeface="1훈정글북 Regular"/>
+                <a:ea typeface="1훈정글북 Regular"/>
+              </a:rPr>
+              <a:t>사용자 이름</a:t>
+            </a:r>
+          </a:p>
+          <a:p>
+            <a:pPr marL="0" indent="0" defTabSz="914400" rtl="0" eaLnBrk="1" latinLnBrk="1" hangingPunct="1">
+              <a:lnSpc>
+                <a:spcPct val="90000"/>
+              </a:lnSpc>
+              <a:spcBef>
+                <a:spcPts val="1000"/>
+              </a:spcBef>
+              <a:spcAft>
+                <a:spcPts val="0"/>
+              </a:spcAft>
+              <a:buFont typeface="Arial"/>
+              <a:buNone/>
+              <a:defRPr/>
+            </a:pPr>
+            <a:r>
+              <a:rPr kumimoji="0" lang="ko-KR" altLang="en-US" sz="1200" b="0" i="0" u="none" strike="noStrike" kern="1200" cap="none" spc="0" normalizeH="0" baseline="0" dirty="0">
+                <a:solidFill>
+                  <a:schemeClr val="dk1"/>
+                </a:solidFill>
+                <a:latin typeface="1훈정글북 Regular"/>
+                <a:ea typeface="1훈정글북 Regular"/>
+              </a:rPr>
+              <a:t>	</a:t>
+            </a:r>
+            <a:r>
+              <a:rPr kumimoji="0" lang="en-US" altLang="ko-KR" sz="1200" b="0" i="0" u="none" strike="noStrike" kern="1200" cap="none" spc="0" normalizeH="0" baseline="0" dirty="0" err="1">
+                <a:solidFill>
+                  <a:schemeClr val="dk1"/>
+                </a:solidFill>
+                <a:latin typeface="1훈정글북 Regular"/>
+                <a:ea typeface="1훈정글북 Regular"/>
+              </a:rPr>
+              <a:t>uJoomin</a:t>
+            </a:r>
+            <a:r>
+              <a:rPr kumimoji="0" lang="en-US" altLang="ko-KR" sz="1200" b="0" i="0" u="none" strike="noStrike" kern="1200" cap="none" spc="0" normalizeH="0" baseline="0" dirty="0">
+                <a:solidFill>
+                  <a:schemeClr val="dk1"/>
+                </a:solidFill>
+                <a:latin typeface="1훈정글북 Regular"/>
+                <a:ea typeface="1훈정글북 Regular"/>
+              </a:rPr>
+              <a:t>	</a:t>
+            </a:r>
+            <a:r>
+              <a:rPr kumimoji="0" lang="ko-KR" altLang="en-US" sz="1200" b="0" i="0" u="none" strike="noStrike" kern="1200" cap="none" spc="0" normalizeH="0" baseline="0" dirty="0">
+                <a:solidFill>
+                  <a:schemeClr val="dk1"/>
+                </a:solidFill>
+                <a:latin typeface="1훈정글북 Regular"/>
+                <a:ea typeface="1훈정글북 Regular"/>
+              </a:rPr>
+              <a:t>	</a:t>
+            </a:r>
+            <a:r>
+              <a:rPr kumimoji="0" lang="en-US" altLang="ko-KR" sz="1200" b="0" i="0" u="none" strike="noStrike" kern="1200" cap="none" spc="0" normalizeH="0" baseline="0" dirty="0">
+                <a:solidFill>
+                  <a:schemeClr val="dk1"/>
+                </a:solidFill>
+                <a:latin typeface="1훈정글북 Regular"/>
+                <a:ea typeface="1훈정글북 Regular"/>
+              </a:rPr>
+              <a:t>char(13)	not null,			//</a:t>
+            </a:r>
+            <a:r>
+              <a:rPr kumimoji="0" lang="ko-KR" altLang="en-US" sz="1200" b="0" i="0" u="none" strike="noStrike" kern="1200" cap="none" spc="0" normalizeH="0" baseline="0" dirty="0">
+                <a:solidFill>
+                  <a:schemeClr val="dk1"/>
+                </a:solidFill>
+                <a:latin typeface="1훈정글북 Regular"/>
+                <a:ea typeface="1훈정글북 Regular"/>
+              </a:rPr>
+              <a:t> 주민등록번호</a:t>
+            </a:r>
+          </a:p>
+          <a:p>
+            <a:pPr marL="0" indent="0" defTabSz="914400" rtl="0" eaLnBrk="1" latinLnBrk="1" hangingPunct="1">
+              <a:lnSpc>
+                <a:spcPct val="90000"/>
+              </a:lnSpc>
+              <a:spcBef>
+                <a:spcPts val="1000"/>
+              </a:spcBef>
+              <a:spcAft>
+                <a:spcPts val="0"/>
+              </a:spcAft>
+              <a:buFont typeface="Arial"/>
+              <a:buNone/>
+              <a:defRPr/>
+            </a:pPr>
+            <a:r>
+              <a:rPr kumimoji="0" lang="ko-KR" altLang="en-US" sz="1200" b="0" i="0" u="none" strike="noStrike" kern="1200" cap="none" spc="0" normalizeH="0" baseline="0" dirty="0">
+                <a:solidFill>
+                  <a:schemeClr val="dk1"/>
+                </a:solidFill>
+                <a:latin typeface="1훈정글북 Regular"/>
+                <a:ea typeface="1훈정글북 Regular"/>
+              </a:rPr>
+              <a:t>	</a:t>
+            </a:r>
+            <a:r>
+              <a:rPr kumimoji="0" lang="en-US" altLang="ko-KR" sz="1200" b="0" i="0" u="none" strike="noStrike" kern="1200" cap="none" spc="0" normalizeH="0" baseline="0" dirty="0" err="1">
+                <a:solidFill>
+                  <a:schemeClr val="dk1"/>
+                </a:solidFill>
+                <a:latin typeface="1훈정글북 Regular"/>
+                <a:ea typeface="1훈정글북 Regular"/>
+              </a:rPr>
+              <a:t>uBirth</a:t>
+            </a:r>
+            <a:r>
+              <a:rPr kumimoji="0" lang="en-US" altLang="ko-KR" sz="1200" b="0" i="0" u="none" strike="noStrike" kern="1200" cap="none" spc="0" normalizeH="0" baseline="0" dirty="0">
+                <a:solidFill>
+                  <a:schemeClr val="dk1"/>
+                </a:solidFill>
+                <a:latin typeface="1훈정글북 Regular"/>
+                <a:ea typeface="1훈정글북 Regular"/>
+              </a:rPr>
+              <a:t>		datetime,				// </a:t>
+            </a:r>
+            <a:r>
+              <a:rPr kumimoji="0" lang="ko-KR" altLang="en-US" sz="1200" b="0" i="0" u="none" strike="noStrike" kern="1200" cap="none" spc="0" normalizeH="0" baseline="0" dirty="0">
+                <a:solidFill>
+                  <a:schemeClr val="dk1"/>
+                </a:solidFill>
+                <a:latin typeface="1훈정글북 Regular"/>
+                <a:ea typeface="1훈정글북 Regular"/>
+              </a:rPr>
+              <a:t>생년월일</a:t>
+            </a:r>
+          </a:p>
+          <a:p>
+            <a:pPr marL="0" indent="0" defTabSz="914400" rtl="0" eaLnBrk="1" latinLnBrk="1" hangingPunct="1">
+              <a:lnSpc>
+                <a:spcPct val="90000"/>
+              </a:lnSpc>
+              <a:spcBef>
+                <a:spcPts val="1000"/>
+              </a:spcBef>
+              <a:spcAft>
+                <a:spcPts val="0"/>
+              </a:spcAft>
+              <a:buFont typeface="Arial"/>
+              <a:buNone/>
+              <a:defRPr/>
+            </a:pPr>
+            <a:r>
+              <a:rPr kumimoji="0" lang="ko-KR" altLang="en-US" sz="1200" b="0" i="0" u="none" strike="noStrike" kern="1200" cap="none" spc="0" normalizeH="0" baseline="0" dirty="0">
+                <a:solidFill>
+                  <a:schemeClr val="dk1"/>
+                </a:solidFill>
+                <a:latin typeface="1훈정글북 Regular"/>
+                <a:ea typeface="1훈정글북 Regular"/>
+              </a:rPr>
+              <a:t>	</a:t>
+            </a:r>
+            <a:r>
+              <a:rPr kumimoji="0" lang="en-US" altLang="ko-KR" sz="1200" b="0" i="0" u="none" strike="noStrike" kern="1200" cap="none" spc="0" normalizeH="0" baseline="0" dirty="0" err="1">
+                <a:solidFill>
+                  <a:schemeClr val="dk1"/>
+                </a:solidFill>
+                <a:latin typeface="1훈정글북 Regular"/>
+                <a:ea typeface="1훈정글북 Regular"/>
+              </a:rPr>
+              <a:t>uSolar</a:t>
+            </a:r>
+            <a:r>
+              <a:rPr kumimoji="0" lang="en-US" altLang="ko-KR" sz="1200" b="0" i="0" u="none" strike="noStrike" kern="1200" cap="none" spc="0" normalizeH="0" baseline="0" dirty="0">
+                <a:solidFill>
+                  <a:schemeClr val="dk1"/>
+                </a:solidFill>
+                <a:latin typeface="1훈정글북 Regular"/>
+                <a:ea typeface="1훈정글북 Regular"/>
+              </a:rPr>
+              <a:t>		char(5),				//</a:t>
+            </a:r>
+            <a:r>
+              <a:rPr kumimoji="0" lang="ko-KR" altLang="en-US" sz="1200" b="0" i="0" u="none" strike="noStrike" kern="1200" cap="none" spc="0" normalizeH="0" baseline="0" dirty="0">
+                <a:solidFill>
+                  <a:schemeClr val="dk1"/>
+                </a:solidFill>
+                <a:latin typeface="1훈정글북 Regular"/>
+                <a:ea typeface="1훈정글북 Regular"/>
+              </a:rPr>
+              <a:t> 양력 </a:t>
+            </a:r>
+            <a:r>
+              <a:rPr kumimoji="0" lang="en-US" altLang="ko-KR" sz="1200" b="0" i="0" u="none" strike="noStrike" kern="1200" cap="none" spc="0" normalizeH="0" baseline="0" dirty="0">
+                <a:solidFill>
+                  <a:schemeClr val="dk1"/>
+                </a:solidFill>
+                <a:latin typeface="1훈정글북 Regular"/>
+                <a:ea typeface="1훈정글북 Regular"/>
+              </a:rPr>
+              <a:t>/</a:t>
+            </a:r>
+            <a:r>
+              <a:rPr kumimoji="0" lang="ko-KR" altLang="en-US" sz="1200" b="0" i="0" u="none" strike="noStrike" kern="1200" cap="none" spc="0" normalizeH="0" baseline="0" dirty="0">
+                <a:solidFill>
+                  <a:schemeClr val="dk1"/>
+                </a:solidFill>
+                <a:latin typeface="1훈정글북 Regular"/>
+                <a:ea typeface="1훈정글북 Regular"/>
+              </a:rPr>
+              <a:t> 음력여부</a:t>
+            </a:r>
+          </a:p>
+          <a:p>
+            <a:pPr marL="0" indent="0" defTabSz="914400" rtl="0" eaLnBrk="1" latinLnBrk="1" hangingPunct="1">
+              <a:lnSpc>
+                <a:spcPct val="90000"/>
+              </a:lnSpc>
+              <a:spcBef>
+                <a:spcPts val="1000"/>
+              </a:spcBef>
+              <a:spcAft>
+                <a:spcPts val="0"/>
+              </a:spcAft>
+              <a:buFont typeface="Arial"/>
+              <a:buNone/>
+              <a:defRPr/>
+            </a:pPr>
+            <a:r>
+              <a:rPr kumimoji="0" lang="ko-KR" altLang="en-US" sz="1200" b="0" i="0" u="none" strike="noStrike" kern="1200" cap="none" spc="0" normalizeH="0" baseline="0" dirty="0">
+                <a:solidFill>
+                  <a:schemeClr val="dk1"/>
+                </a:solidFill>
+                <a:latin typeface="1훈정글북 Regular"/>
+                <a:ea typeface="1훈정글북 Regular"/>
+              </a:rPr>
+              <a:t>	</a:t>
+            </a:r>
+            <a:r>
+              <a:rPr kumimoji="0" lang="en-US" altLang="ko-KR" sz="1200" b="0" i="0" u="none" strike="noStrike" kern="1200" cap="none" spc="0" normalizeH="0" baseline="0" dirty="0" err="1">
+                <a:solidFill>
+                  <a:schemeClr val="dk1"/>
+                </a:solidFill>
+                <a:latin typeface="1훈정글북 Regular"/>
+                <a:ea typeface="1훈정글북 Regular"/>
+              </a:rPr>
+              <a:t>uEmail</a:t>
+            </a:r>
+            <a:r>
+              <a:rPr kumimoji="0" lang="en-US" altLang="ko-KR" sz="1200" b="0" i="0" u="none" strike="noStrike" kern="1200" cap="none" spc="0" normalizeH="0" baseline="0" dirty="0">
+                <a:solidFill>
+                  <a:schemeClr val="dk1"/>
+                </a:solidFill>
+                <a:latin typeface="1훈정글북 Regular"/>
+                <a:ea typeface="1훈정글북 Regular"/>
+              </a:rPr>
+              <a:t>		char(30),				//</a:t>
+            </a:r>
+            <a:r>
+              <a:rPr kumimoji="0" lang="ko-KR" altLang="en-US" sz="1200" b="0" i="0" u="none" strike="noStrike" kern="1200" cap="none" spc="0" normalizeH="0" baseline="0" dirty="0">
+                <a:solidFill>
+                  <a:schemeClr val="dk1"/>
+                </a:solidFill>
+                <a:latin typeface="1훈정글북 Regular"/>
+                <a:ea typeface="1훈정글북 Regular"/>
+              </a:rPr>
+              <a:t> 이메일</a:t>
+            </a:r>
+          </a:p>
+          <a:p>
+            <a:pPr marL="0" indent="0" defTabSz="914400" rtl="0" eaLnBrk="1" latinLnBrk="1" hangingPunct="1">
+              <a:lnSpc>
+                <a:spcPct val="90000"/>
+              </a:lnSpc>
+              <a:spcBef>
+                <a:spcPts val="1000"/>
+              </a:spcBef>
+              <a:spcAft>
+                <a:spcPts val="0"/>
+              </a:spcAft>
+              <a:buFont typeface="Arial"/>
+              <a:buNone/>
+              <a:defRPr/>
+            </a:pPr>
+            <a:r>
+              <a:rPr kumimoji="0" lang="ko-KR" altLang="en-US" sz="1200" b="0" i="0" u="none" strike="noStrike" kern="1200" cap="none" spc="0" normalizeH="0" baseline="0" dirty="0">
+                <a:solidFill>
+                  <a:schemeClr val="dk1"/>
+                </a:solidFill>
+                <a:latin typeface="1훈정글북 Regular"/>
+                <a:ea typeface="1훈정글북 Regular"/>
+              </a:rPr>
+              <a:t>	</a:t>
+            </a:r>
+            <a:r>
+              <a:rPr kumimoji="0" lang="en-US" altLang="ko-KR" sz="1200" b="0" i="0" u="none" strike="noStrike" kern="1200" cap="none" spc="0" normalizeH="0" baseline="0" dirty="0" err="1">
+                <a:solidFill>
+                  <a:schemeClr val="dk1"/>
+                </a:solidFill>
+                <a:latin typeface="1훈정글북 Regular"/>
+                <a:ea typeface="1훈정글북 Regular"/>
+              </a:rPr>
+              <a:t>uPhone</a:t>
+            </a:r>
+            <a:r>
+              <a:rPr kumimoji="0" lang="en-US" altLang="ko-KR" sz="1200" b="0" i="0" u="none" strike="noStrike" kern="1200" cap="none" spc="0" normalizeH="0" baseline="0" dirty="0">
+                <a:solidFill>
+                  <a:schemeClr val="dk1"/>
+                </a:solidFill>
+                <a:latin typeface="1훈정글북 Regular"/>
+                <a:ea typeface="1훈정글북 Regular"/>
+              </a:rPr>
+              <a:t>		char(20),				//</a:t>
+            </a:r>
+            <a:r>
+              <a:rPr kumimoji="0" lang="ko-KR" altLang="en-US" sz="1200" b="0" i="0" u="none" strike="noStrike" kern="1200" cap="none" spc="0" normalizeH="0" baseline="0" dirty="0">
+                <a:solidFill>
+                  <a:schemeClr val="dk1"/>
+                </a:solidFill>
+                <a:latin typeface="1훈정글북 Regular"/>
+                <a:ea typeface="1훈정글북 Regular"/>
+              </a:rPr>
+              <a:t> 휴대폰번호</a:t>
+            </a:r>
+          </a:p>
+          <a:p>
+            <a:pPr marL="0" indent="0" defTabSz="914400" rtl="0" eaLnBrk="1" latinLnBrk="1" hangingPunct="1">
+              <a:lnSpc>
+                <a:spcPct val="90000"/>
+              </a:lnSpc>
+              <a:spcBef>
+                <a:spcPts val="1000"/>
+              </a:spcBef>
+              <a:spcAft>
+                <a:spcPts val="0"/>
+              </a:spcAft>
+              <a:buFont typeface="Arial"/>
+              <a:buNone/>
+              <a:defRPr/>
+            </a:pPr>
+            <a:r>
+              <a:rPr kumimoji="0" lang="ko-KR" altLang="en-US" sz="1200" b="0" i="0" u="none" strike="noStrike" kern="1200" cap="none" spc="0" normalizeH="0" baseline="0" dirty="0">
+                <a:solidFill>
+                  <a:schemeClr val="dk1"/>
+                </a:solidFill>
+                <a:latin typeface="1훈정글북 Regular"/>
+                <a:ea typeface="1훈정글북 Regular"/>
+              </a:rPr>
+              <a:t>	</a:t>
+            </a:r>
+            <a:r>
+              <a:rPr kumimoji="0" lang="en-US" altLang="ko-KR" sz="1200" b="0" i="0" u="none" strike="noStrike" kern="1200" cap="none" spc="0" normalizeH="0" baseline="0" dirty="0" err="1">
+                <a:solidFill>
+                  <a:schemeClr val="dk1"/>
+                </a:solidFill>
+                <a:latin typeface="1훈정글북 Regular"/>
+                <a:ea typeface="1훈정글북 Regular"/>
+              </a:rPr>
+              <a:t>uSex</a:t>
+            </a:r>
+            <a:r>
+              <a:rPr kumimoji="0" lang="en-US" altLang="ko-KR" sz="1200" b="0" i="0" u="none" strike="noStrike" kern="1200" cap="none" spc="0" normalizeH="0" baseline="0" dirty="0">
+                <a:solidFill>
+                  <a:schemeClr val="dk1"/>
+                </a:solidFill>
+                <a:latin typeface="1훈정글북 Regular"/>
+                <a:ea typeface="1훈정글북 Regular"/>
+              </a:rPr>
+              <a:t>		char(3),				//</a:t>
+            </a:r>
+            <a:r>
+              <a:rPr kumimoji="0" lang="ko-KR" altLang="en-US" sz="1200" b="0" i="0" u="none" strike="noStrike" kern="1200" cap="none" spc="0" normalizeH="0" baseline="0" dirty="0">
+                <a:solidFill>
+                  <a:schemeClr val="dk1"/>
+                </a:solidFill>
+                <a:latin typeface="1훈정글북 Regular"/>
+                <a:ea typeface="1훈정글북 Regular"/>
+              </a:rPr>
+              <a:t> 성별</a:t>
+            </a:r>
+          </a:p>
+          <a:p>
+            <a:pPr marL="0" indent="0" defTabSz="914400" rtl="0" eaLnBrk="1" latinLnBrk="1" hangingPunct="1">
+              <a:lnSpc>
+                <a:spcPct val="90000"/>
+              </a:lnSpc>
+              <a:spcBef>
+                <a:spcPts val="1000"/>
+              </a:spcBef>
+              <a:spcAft>
+                <a:spcPts val="0"/>
+              </a:spcAft>
+              <a:buFont typeface="Arial"/>
+              <a:buNone/>
+              <a:defRPr/>
+            </a:pPr>
+            <a:r>
+              <a:rPr kumimoji="0" lang="ko-KR" altLang="en-US" sz="1200" b="0" i="0" u="none" strike="noStrike" kern="1200" cap="none" spc="0" normalizeH="0" baseline="0" dirty="0">
+                <a:solidFill>
+                  <a:schemeClr val="dk1"/>
+                </a:solidFill>
+                <a:latin typeface="1훈정글북 Regular"/>
+                <a:ea typeface="1훈정글북 Regular"/>
+              </a:rPr>
+              <a:t>	</a:t>
+            </a:r>
+            <a:r>
+              <a:rPr kumimoji="0" lang="en-US" altLang="ko-KR" sz="1200" b="0" i="0" u="none" strike="noStrike" kern="1200" cap="none" spc="0" normalizeH="0" baseline="0" dirty="0" err="1">
+                <a:solidFill>
+                  <a:schemeClr val="dk1"/>
+                </a:solidFill>
+                <a:latin typeface="1훈정글북 Regular"/>
+                <a:ea typeface="1훈정글북 Regular"/>
+              </a:rPr>
+              <a:t>uZipcode</a:t>
+            </a:r>
+            <a:r>
+              <a:rPr kumimoji="0" lang="en-US" altLang="ko-KR" sz="1200" b="0" i="0" u="none" strike="noStrike" kern="1200" cap="none" spc="0" normalizeH="0" baseline="0" dirty="0">
+                <a:solidFill>
+                  <a:schemeClr val="dk1"/>
+                </a:solidFill>
+                <a:latin typeface="1훈정글북 Regular"/>
+                <a:ea typeface="1훈정글북 Regular"/>
+              </a:rPr>
+              <a:t>		char(10),				// </a:t>
+            </a:r>
+            <a:r>
+              <a:rPr kumimoji="0" lang="ko-KR" altLang="en-US" sz="1200" b="0" i="0" u="none" strike="noStrike" kern="1200" cap="none" spc="0" normalizeH="0" baseline="0" dirty="0">
+                <a:solidFill>
+                  <a:schemeClr val="dk1"/>
+                </a:solidFill>
+                <a:latin typeface="1훈정글북 Regular"/>
+                <a:ea typeface="1훈정글북 Regular"/>
+              </a:rPr>
+              <a:t>우편번호</a:t>
+            </a:r>
+          </a:p>
+          <a:p>
+            <a:pPr marL="0" indent="0" defTabSz="914400" rtl="0" eaLnBrk="1" latinLnBrk="1" hangingPunct="1">
+              <a:lnSpc>
+                <a:spcPct val="90000"/>
+              </a:lnSpc>
+              <a:spcBef>
+                <a:spcPts val="1000"/>
+              </a:spcBef>
+              <a:spcAft>
+                <a:spcPts val="0"/>
+              </a:spcAft>
+              <a:buFont typeface="Arial"/>
+              <a:buNone/>
+              <a:defRPr/>
+            </a:pPr>
+            <a:r>
+              <a:rPr kumimoji="0" lang="ko-KR" altLang="en-US" sz="1200" b="0" i="0" u="none" strike="noStrike" kern="1200" cap="none" spc="0" normalizeH="0" baseline="0" dirty="0">
+                <a:solidFill>
+                  <a:schemeClr val="dk1"/>
+                </a:solidFill>
+                <a:latin typeface="1훈정글북 Regular"/>
+                <a:ea typeface="1훈정글북 Regular"/>
+              </a:rPr>
+              <a:t>	</a:t>
+            </a:r>
+            <a:r>
+              <a:rPr kumimoji="0" lang="en-US" altLang="ko-KR" sz="1200" b="0" i="0" u="none" strike="noStrike" kern="1200" cap="none" spc="0" normalizeH="0" baseline="0" dirty="0">
+                <a:solidFill>
+                  <a:schemeClr val="dk1"/>
+                </a:solidFill>
+                <a:latin typeface="1훈정글북 Regular"/>
+                <a:ea typeface="1훈정글북 Regular"/>
+              </a:rPr>
+              <a:t>uAddress1	</a:t>
+            </a:r>
+            <a:r>
+              <a:rPr kumimoji="0" lang="ko-KR" altLang="en-US" sz="1200" b="0" i="0" u="none" strike="noStrike" kern="1200" cap="none" spc="0" normalizeH="0" baseline="0" dirty="0">
+                <a:solidFill>
+                  <a:schemeClr val="dk1"/>
+                </a:solidFill>
+                <a:latin typeface="1훈정글북 Regular"/>
+                <a:ea typeface="1훈정글북 Regular"/>
+              </a:rPr>
+              <a:t>	</a:t>
+            </a:r>
+            <a:r>
+              <a:rPr kumimoji="0" lang="en-US" altLang="ko-KR" sz="1200" b="0" i="0" u="none" strike="noStrike" kern="1200" cap="none" spc="0" normalizeH="0" baseline="0" dirty="0">
+                <a:solidFill>
+                  <a:schemeClr val="dk1"/>
+                </a:solidFill>
+                <a:latin typeface="1훈정글북 Regular"/>
+                <a:ea typeface="1훈정글북 Regular"/>
+              </a:rPr>
+              <a:t>char(30),				//</a:t>
+            </a:r>
+            <a:r>
+              <a:rPr kumimoji="0" lang="ko-KR" altLang="en-US" sz="1200" b="0" i="0" u="none" strike="noStrike" kern="1200" cap="none" spc="0" normalizeH="0" baseline="0" dirty="0">
+                <a:solidFill>
+                  <a:schemeClr val="dk1"/>
+                </a:solidFill>
+                <a:latin typeface="1훈정글북 Regular"/>
+                <a:ea typeface="1훈정글북 Regular"/>
+              </a:rPr>
+              <a:t> 주소</a:t>
+            </a:r>
+          </a:p>
+          <a:p>
+            <a:pPr marL="0" indent="0" defTabSz="914400" rtl="0" eaLnBrk="1" latinLnBrk="1" hangingPunct="1">
+              <a:lnSpc>
+                <a:spcPct val="90000"/>
+              </a:lnSpc>
+              <a:spcBef>
+                <a:spcPts val="1000"/>
+              </a:spcBef>
+              <a:spcAft>
+                <a:spcPts val="0"/>
+              </a:spcAft>
+              <a:buFont typeface="Arial"/>
+              <a:buNone/>
+              <a:defRPr/>
+            </a:pPr>
+            <a:r>
+              <a:rPr kumimoji="0" lang="ko-KR" altLang="en-US" sz="1200" b="0" i="0" u="none" strike="noStrike" kern="1200" cap="none" spc="0" normalizeH="0" baseline="0" dirty="0">
+                <a:solidFill>
+                  <a:schemeClr val="dk1"/>
+                </a:solidFill>
+                <a:latin typeface="1훈정글북 Regular"/>
+                <a:ea typeface="1훈정글북 Regular"/>
+              </a:rPr>
+              <a:t>	</a:t>
+            </a:r>
+            <a:r>
+              <a:rPr kumimoji="0" lang="en-US" altLang="ko-KR" sz="1200" b="0" i="0" u="none" strike="noStrike" kern="1200" cap="none" spc="0" normalizeH="0" baseline="0" dirty="0">
+                <a:solidFill>
+                  <a:schemeClr val="dk1"/>
+                </a:solidFill>
+                <a:latin typeface="1훈정글북 Regular"/>
+                <a:ea typeface="1훈정글북 Regular"/>
+              </a:rPr>
+              <a:t>uAddress2	</a:t>
+            </a:r>
+            <a:r>
+              <a:rPr kumimoji="0" lang="ko-KR" altLang="en-US" sz="1200" b="0" i="0" u="none" strike="noStrike" kern="1200" cap="none" spc="0" normalizeH="0" baseline="0" dirty="0">
+                <a:solidFill>
+                  <a:schemeClr val="dk1"/>
+                </a:solidFill>
+                <a:latin typeface="1훈정글북 Regular"/>
+                <a:ea typeface="1훈정글북 Regular"/>
+              </a:rPr>
+              <a:t>	</a:t>
+            </a:r>
+            <a:r>
+              <a:rPr kumimoji="0" lang="en-US" altLang="ko-KR" sz="1200" b="0" i="0" u="none" strike="noStrike" kern="1200" cap="none" spc="0" normalizeH="0" baseline="0" dirty="0">
+                <a:solidFill>
+                  <a:schemeClr val="dk1"/>
+                </a:solidFill>
+                <a:latin typeface="1훈정글북 Regular"/>
+                <a:ea typeface="1훈정글북 Regular"/>
+              </a:rPr>
+              <a:t>char(30),				//</a:t>
+            </a:r>
+            <a:r>
+              <a:rPr kumimoji="0" lang="ko-KR" altLang="en-US" sz="1200" b="0" i="0" u="none" strike="noStrike" kern="1200" cap="none" spc="0" normalizeH="0" baseline="0" dirty="0">
+                <a:solidFill>
+                  <a:schemeClr val="dk1"/>
+                </a:solidFill>
+                <a:latin typeface="1훈정글북 Regular"/>
+                <a:ea typeface="1훈정글북 Regular"/>
+              </a:rPr>
+              <a:t> 주소</a:t>
+            </a:r>
+          </a:p>
+          <a:p>
+            <a:pPr marL="0" indent="0" defTabSz="914400" rtl="0" eaLnBrk="1" latinLnBrk="1" hangingPunct="1">
+              <a:lnSpc>
+                <a:spcPct val="90000"/>
+              </a:lnSpc>
+              <a:spcBef>
+                <a:spcPts val="1000"/>
+              </a:spcBef>
+              <a:spcAft>
+                <a:spcPts val="0"/>
+              </a:spcAft>
+              <a:buFont typeface="Arial"/>
+              <a:buNone/>
+              <a:defRPr/>
+            </a:pPr>
+            <a:r>
+              <a:rPr kumimoji="0" lang="ko-KR" altLang="en-US" sz="1200" b="0" i="0" u="none" strike="noStrike" kern="1200" cap="none" spc="0" normalizeH="0" baseline="0" dirty="0">
+                <a:solidFill>
+                  <a:schemeClr val="dk1"/>
+                </a:solidFill>
+                <a:latin typeface="1훈정글북 Regular"/>
+                <a:ea typeface="1훈정글북 Regular"/>
+              </a:rPr>
+              <a:t>	</a:t>
+            </a:r>
+            <a:r>
+              <a:rPr kumimoji="0" lang="en-US" altLang="ko-KR" sz="1200" b="0" i="0" u="none" strike="noStrike" kern="1200" cap="none" spc="0" normalizeH="0" baseline="0" dirty="0">
+                <a:solidFill>
+                  <a:schemeClr val="dk1"/>
+                </a:solidFill>
+                <a:latin typeface="1훈정글북 Regular"/>
+                <a:ea typeface="1훈정글북 Regular"/>
+              </a:rPr>
+              <a:t>Coupon		char(10),				//</a:t>
+            </a:r>
+            <a:r>
+              <a:rPr kumimoji="0" lang="ko-KR" altLang="en-US" sz="1200" b="0" i="0" u="none" strike="noStrike" kern="1200" cap="none" spc="0" normalizeH="0" baseline="0" dirty="0">
+                <a:solidFill>
+                  <a:schemeClr val="dk1"/>
+                </a:solidFill>
+                <a:latin typeface="1훈정글북 Regular"/>
+                <a:ea typeface="1훈정글북 Regular"/>
+              </a:rPr>
+              <a:t> 쿠폰</a:t>
+            </a:r>
+            <a:endParaRPr kumimoji="0" lang="en-US" altLang="ko-KR" sz="1200" b="0" i="0" u="none" strike="noStrike" kern="1200" cap="none" spc="0" normalizeH="0" baseline="0" dirty="0">
               <a:solidFill>
                 <a:schemeClr val="dk1"/>
               </a:solidFill>
@@ -32033,29 +32430,49 @@
           <a:p>
             <a:pPr marL="0" indent="0" defTabSz="914400" rtl="0" eaLnBrk="1" latinLnBrk="1" hangingPunct="1">
               <a:lnSpc>
-                <a:spcPct val="30000"/>
-              </a:lnSpc>
-              <a:spcBef>
-                <a:spcPts val="1000"/>
-              </a:spcBef>
-              <a:spcAft>
-                <a:spcPts val="0"/>
-              </a:spcAft>
-              <a:buFont typeface="Arial"/>
-              <a:buNone/>
-              <a:defRPr/>
-            </a:pPr>
-            <a:r>
-              <a:rPr kumimoji="0" lang="en-US" altLang="ko-KR" sz="1200" b="0" i="0" u="none" strike="noStrike" kern="1200" cap="none" spc="0" normalizeH="0" baseline="0">
+                <a:spcPct val="90000"/>
+              </a:lnSpc>
+              <a:spcBef>
+                <a:spcPts val="1000"/>
+              </a:spcBef>
+              <a:spcAft>
+                <a:spcPts val="0"/>
+              </a:spcAft>
+              <a:buFont typeface="Arial"/>
+              <a:buNone/>
+              <a:defRPr/>
+            </a:pPr>
+            <a:r>
+              <a:rPr kumimoji="0" lang="ko-KR" altLang="en-US" sz="1200" b="0" i="0" u="none" strike="noStrike" kern="1200" cap="none" spc="0" normalizeH="0" baseline="0" dirty="0">
                 <a:solidFill>
                   <a:schemeClr val="dk1"/>
                 </a:solidFill>
                 <a:latin typeface="1훈정글북 Regular"/>
                 <a:ea typeface="1훈정글북 Regular"/>
               </a:rPr>
-              <a:t>Create table member (</a:t>
-            </a:r>
-            <a:endParaRPr kumimoji="0" lang="en-US" altLang="ko-KR" sz="1200" b="0" i="0" u="none" strike="noStrike" kern="1200" cap="none" spc="0" normalizeH="0" baseline="0">
+              <a:t>	</a:t>
+            </a:r>
+            <a:r>
+              <a:rPr kumimoji="0" lang="en-US" altLang="ko-KR" sz="1200" b="0" i="0" u="none" strike="noStrike" kern="1200" cap="none" spc="0" normalizeH="0" baseline="0" dirty="0">
+                <a:solidFill>
+                  <a:schemeClr val="dk1"/>
+                </a:solidFill>
+                <a:latin typeface="1훈정글북 Regular"/>
+                <a:ea typeface="1훈정글북 Regular"/>
+              </a:rPr>
+              <a:t>Point		int				//</a:t>
+            </a:r>
+            <a:r>
+              <a:rPr kumimoji="0" lang="ko-KR" altLang="en-US" sz="1200" b="0" i="0" u="none" strike="noStrike" kern="1200" cap="none" spc="0" normalizeH="0" baseline="0" dirty="0">
+                <a:solidFill>
+                  <a:schemeClr val="dk1"/>
+                </a:solidFill>
+                <a:latin typeface="1훈정글북 Regular"/>
+                <a:ea typeface="1훈정글북 Regular"/>
+              </a:rPr>
+              <a:t> 포인트</a:t>
+            </a:r>
+            <a:endParaRPr kumimoji="0" lang="en-US" altLang="ko-KR" sz="1200" b="0" i="0" u="none" strike="noStrike" kern="1200" cap="none" spc="0" normalizeH="0" baseline="0" dirty="0">
               <a:solidFill>
                 <a:schemeClr val="dk1"/>
               </a:solidFill>
@@ -32079,68 +32496,34 @@
               <a:defRPr/>
             </a:pPr>
             <a:r>
-              <a:rPr kumimoji="0" lang="en-US" altLang="ko-KR" sz="1200" b="0" i="0" u="none" strike="noStrike" kern="1200" cap="none" spc="0" normalizeH="0" baseline="0">
-                <a:solidFill>
-                  <a:srgbClr val="ff0000"/>
-                </a:solidFill>
-                <a:latin typeface="1훈정글북 Regular"/>
-                <a:ea typeface="1훈정글북 Regular"/>
-              </a:rPr>
-              <a:t>	</a:t>
-            </a:r>
-            <a:r>
-              <a:rPr kumimoji="0" lang="en-US" altLang="ko-KR" sz="1200" b="0" i="0" u="none" strike="noStrike" kern="1200" cap="none" spc="0" normalizeH="0" baseline="0">
+              <a:rPr kumimoji="0" lang="en-US" altLang="ko-KR" sz="1200" b="0" i="0" u="none" strike="noStrike" kern="1200" cap="none" spc="0" normalizeH="0" baseline="0" dirty="0">
                 <a:solidFill>
                   <a:schemeClr val="dk1"/>
                 </a:solidFill>
                 <a:latin typeface="1훈정글북 Regular"/>
                 <a:ea typeface="1훈정글북 Regular"/>
               </a:rPr>
-              <a:t>uId		char(10)	not null	primary Key,	</a:t>
-            </a:r>
-            <a:r>
-              <a:rPr kumimoji="0" lang="ko-KR" altLang="en-US" sz="1200" b="0" i="0" u="none" strike="noStrike" kern="1200" cap="none" spc="0" normalizeH="0" baseline="0">
-                <a:solidFill>
-                  <a:schemeClr val="dk1"/>
-                </a:solidFill>
-                <a:latin typeface="1훈정글북 Regular"/>
-                <a:ea typeface="1훈정글북 Regular"/>
-              </a:rPr>
-              <a:t>	</a:t>
-            </a:r>
-            <a:r>
-              <a:rPr kumimoji="0" lang="en-US" altLang="ko-KR" sz="1200" b="0" i="0" u="none" strike="noStrike" kern="1200" cap="none" spc="0" normalizeH="0" baseline="0">
-                <a:solidFill>
-                  <a:schemeClr val="dk1"/>
-                </a:solidFill>
-                <a:latin typeface="1훈정글북 Regular"/>
-                <a:ea typeface="1훈정글북 Regular"/>
-              </a:rPr>
-              <a:t>// </a:t>
-            </a:r>
-            <a:r>
-              <a:rPr kumimoji="0" lang="ko-KR" altLang="en-US" sz="1200" b="0" i="0" u="none" strike="noStrike" kern="1200" cap="none" spc="0" normalizeH="0" baseline="0">
-                <a:solidFill>
-                  <a:schemeClr val="dk1"/>
-                </a:solidFill>
-                <a:latin typeface="1훈정글북 Regular"/>
-                <a:ea typeface="1훈정글북 Regular"/>
-              </a:rPr>
-              <a:t>일반 사용자 </a:t>
-            </a:r>
-            <a:r>
-              <a:rPr kumimoji="0" lang="en-US" altLang="ko-KR" sz="1200" b="0" i="0" u="none" strike="noStrike" kern="1200" cap="none" spc="0" normalizeH="0" baseline="0">
-                <a:solidFill>
-                  <a:schemeClr val="dk1"/>
-                </a:solidFill>
-                <a:latin typeface="1훈정글북 Regular"/>
-                <a:ea typeface="1훈정글북 Regular"/>
-              </a:rPr>
-              <a:t>ID</a:t>
-            </a:r>
-            <a:endParaRPr kumimoji="0" lang="en-US" altLang="ko-KR" sz="1200" b="0" i="0" u="none" strike="noStrike" kern="1200" cap="none" spc="0" normalizeH="0" baseline="0">
-              <a:solidFill>
-                <a:schemeClr val="dk1"/>
+              <a:t>);		</a:t>
+            </a:r>
+          </a:p>
+          <a:p>
+            <a:pPr marL="0" indent="0" defTabSz="914400" rtl="0" eaLnBrk="1" latinLnBrk="1" hangingPunct="1">
+              <a:lnSpc>
+                <a:spcPct val="90000"/>
+              </a:lnSpc>
+              <a:spcBef>
+                <a:spcPts val="1000"/>
+              </a:spcBef>
+              <a:spcAft>
+                <a:spcPts val="0"/>
+              </a:spcAft>
+              <a:buFont typeface="Arial"/>
+              <a:buNone/>
+              <a:defRPr/>
+            </a:pPr>
+            <a:endParaRPr kumimoji="0" lang="ko-KR" altLang="en-US" sz="1200" b="0" i="0" u="none" strike="noStrike" kern="1200" cap="none" spc="0" normalizeH="0" baseline="0" dirty="0">
+              <a:solidFill>
+                <a:schemeClr val="tx1"/>
               </a:solidFill>
               <a:latin typeface="1훈정글북 Regular"/>
               <a:ea typeface="1훈정글북 Regular"/>
@@ -32161,29 +32544,9 @@
               <a:buNone/>
               <a:defRPr/>
             </a:pPr>
-            <a:r>
-              <a:rPr kumimoji="0" lang="en-US" altLang="ko-KR" sz="1200" b="0" i="0" u="none" strike="noStrike" kern="1200" cap="none" spc="0" normalizeH="0" baseline="0">
-                <a:solidFill>
-                  <a:schemeClr val="dk1"/>
-                </a:solidFill>
-                <a:latin typeface="1훈정글북 Regular"/>
-                <a:ea typeface="1훈정글북 Regular"/>
-              </a:rPr>
-              <a:t>	uPw		char(15)	not null,			//</a:t>
-            </a:r>
-            <a:r>
-              <a:rPr kumimoji="0" lang="ko-KR" altLang="en-US" sz="1200" b="0" i="0" u="none" strike="noStrike" kern="1200" cap="none" spc="0" normalizeH="0" baseline="0">
-                <a:solidFill>
-                  <a:schemeClr val="dk1"/>
-                </a:solidFill>
-                <a:latin typeface="1훈정글북 Regular"/>
-                <a:ea typeface="1훈정글북 Regular"/>
-              </a:rPr>
-              <a:t> 비밀번호</a:t>
-            </a:r>
-            <a:endParaRPr kumimoji="0" lang="ko-KR" altLang="en-US" sz="1200" b="0" i="0" u="none" strike="noStrike" kern="1200" cap="none" spc="0" normalizeH="0" baseline="0">
-              <a:solidFill>
-                <a:schemeClr val="dk1"/>
+            <a:endParaRPr kumimoji="0" lang="ko-KR" altLang="en-US" sz="1200" b="0" i="0" u="none" strike="noStrike" kern="1200" cap="none" spc="0" normalizeH="0" baseline="0" dirty="0">
+              <a:solidFill>
+                <a:schemeClr val="tx1"/>
               </a:solidFill>
               <a:latin typeface="1훈정글북 Regular"/>
               <a:ea typeface="1훈정글북 Regular"/>
@@ -32204,792 +32567,7 @@
               <a:buNone/>
               <a:defRPr/>
             </a:pPr>
-            <a:r>
-              <a:rPr kumimoji="0" lang="en-US" altLang="ko-KR" sz="1200" b="0" i="0" u="none" strike="noStrike" kern="1200" cap="none" spc="0" normalizeH="0" baseline="0">
-                <a:solidFill>
-                  <a:schemeClr val="dk1"/>
-                </a:solidFill>
-                <a:latin typeface="1훈정글북 Regular"/>
-                <a:ea typeface="1훈정글북 Regular"/>
-              </a:rPr>
-              <a:t>	uName		char(15)	not null,			// </a:t>
-            </a:r>
-            <a:r>
-              <a:rPr kumimoji="0" lang="ko-KR" altLang="en-US" sz="1200" b="0" i="0" u="none" strike="noStrike" kern="1200" cap="none" spc="0" normalizeH="0" baseline="0">
-                <a:solidFill>
-                  <a:schemeClr val="dk1"/>
-                </a:solidFill>
-                <a:latin typeface="1훈정글북 Regular"/>
-                <a:ea typeface="1훈정글북 Regular"/>
-              </a:rPr>
-              <a:t>사용자 이름</a:t>
-            </a:r>
-            <a:endParaRPr kumimoji="0" lang="ko-KR" altLang="en-US" sz="1200" b="0" i="0" u="none" strike="noStrike" kern="1200" cap="none" spc="0" normalizeH="0" baseline="0">
-              <a:solidFill>
-                <a:schemeClr val="dk1"/>
-              </a:solidFill>
-              <a:latin typeface="1훈정글북 Regular"/>
-              <a:ea typeface="1훈정글북 Regular"/>
-            </a:endParaRPr>
-          </a:p>
-          <a:p>
-            <a:pPr marL="0" indent="0" defTabSz="914400" rtl="0" eaLnBrk="1" latinLnBrk="1" hangingPunct="1">
-              <a:lnSpc>
-                <a:spcPct val="90000"/>
-              </a:lnSpc>
-              <a:spcBef>
-                <a:spcPts val="1000"/>
-              </a:spcBef>
-              <a:spcAft>
-                <a:spcPts val="0"/>
-              </a:spcAft>
-              <a:buFont typeface="Arial"/>
-              <a:buNone/>
-              <a:defRPr/>
-            </a:pPr>
-            <a:r>
-              <a:rPr kumimoji="0" lang="ko-KR" altLang="en-US" sz="1200" b="0" i="0" u="none" strike="noStrike" kern="1200" cap="none" spc="0" normalizeH="0" baseline="0">
-                <a:solidFill>
-                  <a:schemeClr val="dk1"/>
-                </a:solidFill>
-                <a:latin typeface="1훈정글북 Regular"/>
-                <a:ea typeface="1훈정글북 Regular"/>
-              </a:rPr>
-              <a:t>	</a:t>
-            </a:r>
-            <a:r>
-              <a:rPr kumimoji="0" lang="en-US" altLang="ko-KR" sz="1200" b="0" i="0" u="none" strike="noStrike" kern="1200" cap="none" spc="0" normalizeH="0" baseline="0">
-                <a:solidFill>
-                  <a:schemeClr val="dk1"/>
-                </a:solidFill>
-                <a:latin typeface="1훈정글북 Regular"/>
-                <a:ea typeface="1훈정글북 Regular"/>
-              </a:rPr>
-              <a:t>uJoomin	</a:t>
-            </a:r>
-            <a:r>
-              <a:rPr kumimoji="0" lang="ko-KR" altLang="en-US" sz="1200" b="0" i="0" u="none" strike="noStrike" kern="1200" cap="none" spc="0" normalizeH="0" baseline="0">
-                <a:solidFill>
-                  <a:schemeClr val="dk1"/>
-                </a:solidFill>
-                <a:latin typeface="1훈정글북 Regular"/>
-                <a:ea typeface="1훈정글북 Regular"/>
-              </a:rPr>
-              <a:t>	</a:t>
-            </a:r>
-            <a:r>
-              <a:rPr kumimoji="0" lang="en-US" altLang="ko-KR" sz="1200" b="0" i="0" u="none" strike="noStrike" kern="1200" cap="none" spc="0" normalizeH="0" baseline="0">
-                <a:solidFill>
-                  <a:schemeClr val="dk1"/>
-                </a:solidFill>
-                <a:latin typeface="1훈정글북 Regular"/>
-                <a:ea typeface="1훈정글북 Regular"/>
-              </a:rPr>
-              <a:t>char(13)	not null,			//</a:t>
-            </a:r>
-            <a:r>
-              <a:rPr kumimoji="0" lang="ko-KR" altLang="en-US" sz="1200" b="0" i="0" u="none" strike="noStrike" kern="1200" cap="none" spc="0" normalizeH="0" baseline="0">
-                <a:solidFill>
-                  <a:schemeClr val="dk1"/>
-                </a:solidFill>
-                <a:latin typeface="1훈정글북 Regular"/>
-                <a:ea typeface="1훈정글북 Regular"/>
-              </a:rPr>
-              <a:t> 주민등록번호</a:t>
-            </a:r>
-            <a:endParaRPr kumimoji="0" lang="ko-KR" altLang="en-US" sz="1200" b="0" i="0" u="none" strike="noStrike" kern="1200" cap="none" spc="0" normalizeH="0" baseline="0">
-              <a:solidFill>
-                <a:schemeClr val="dk1"/>
-              </a:solidFill>
-              <a:latin typeface="1훈정글북 Regular"/>
-              <a:ea typeface="1훈정글북 Regular"/>
-            </a:endParaRPr>
-          </a:p>
-          <a:p>
-            <a:pPr marL="0" indent="0" defTabSz="914400" rtl="0" eaLnBrk="1" latinLnBrk="1" hangingPunct="1">
-              <a:lnSpc>
-                <a:spcPct val="90000"/>
-              </a:lnSpc>
-              <a:spcBef>
-                <a:spcPts val="1000"/>
-              </a:spcBef>
-              <a:spcAft>
-                <a:spcPts val="0"/>
-              </a:spcAft>
-              <a:buFont typeface="Arial"/>
-              <a:buNone/>
-              <a:defRPr/>
-            </a:pPr>
-            <a:r>
-              <a:rPr kumimoji="0" lang="ko-KR" altLang="en-US" sz="1200" b="0" i="0" u="none" strike="noStrike" kern="1200" cap="none" spc="0" normalizeH="0" baseline="0">
-                <a:solidFill>
-                  <a:schemeClr val="dk1"/>
-                </a:solidFill>
-                <a:latin typeface="1훈정글북 Regular"/>
-                <a:ea typeface="1훈정글북 Regular"/>
-              </a:rPr>
-              <a:t>	</a:t>
-            </a:r>
-            <a:r>
-              <a:rPr kumimoji="0" lang="en-US" altLang="ko-KR" sz="1200" b="0" i="0" u="none" strike="noStrike" kern="1200" cap="none" spc="0" normalizeH="0" baseline="0">
-                <a:solidFill>
-                  <a:schemeClr val="dk1"/>
-                </a:solidFill>
-                <a:latin typeface="1훈정글북 Regular"/>
-                <a:ea typeface="1훈정글북 Regular"/>
-              </a:rPr>
-              <a:t>uBirth		datetime,				// </a:t>
-            </a:r>
-            <a:r>
-              <a:rPr kumimoji="0" lang="ko-KR" altLang="en-US" sz="1200" b="0" i="0" u="none" strike="noStrike" kern="1200" cap="none" spc="0" normalizeH="0" baseline="0">
-                <a:solidFill>
-                  <a:schemeClr val="dk1"/>
-                </a:solidFill>
-                <a:latin typeface="1훈정글북 Regular"/>
-                <a:ea typeface="1훈정글북 Regular"/>
-              </a:rPr>
-              <a:t>생년월일</a:t>
-            </a:r>
-            <a:endParaRPr kumimoji="0" lang="ko-KR" altLang="en-US" sz="1200" b="0" i="0" u="none" strike="noStrike" kern="1200" cap="none" spc="0" normalizeH="0" baseline="0">
-              <a:solidFill>
-                <a:schemeClr val="dk1"/>
-              </a:solidFill>
-              <a:latin typeface="1훈정글북 Regular"/>
-              <a:ea typeface="1훈정글북 Regular"/>
-            </a:endParaRPr>
-          </a:p>
-          <a:p>
-            <a:pPr marL="0" indent="0" defTabSz="914400" rtl="0" eaLnBrk="1" latinLnBrk="1" hangingPunct="1">
-              <a:lnSpc>
-                <a:spcPct val="90000"/>
-              </a:lnSpc>
-              <a:spcBef>
-                <a:spcPts val="1000"/>
-              </a:spcBef>
-              <a:spcAft>
-                <a:spcPts val="0"/>
-              </a:spcAft>
-              <a:buFont typeface="Arial"/>
-              <a:buNone/>
-              <a:defRPr/>
-            </a:pPr>
-            <a:r>
-              <a:rPr kumimoji="0" lang="ko-KR" altLang="en-US" sz="1200" b="0" i="0" u="none" strike="noStrike" kern="1200" cap="none" spc="0" normalizeH="0" baseline="0">
-                <a:solidFill>
-                  <a:schemeClr val="dk1"/>
-                </a:solidFill>
-                <a:latin typeface="1훈정글북 Regular"/>
-                <a:ea typeface="1훈정글북 Regular"/>
-              </a:rPr>
-              <a:t>	</a:t>
-            </a:r>
-            <a:r>
-              <a:rPr kumimoji="0" lang="en-US" altLang="ko-KR" sz="1200" b="0" i="0" u="none" strike="noStrike" kern="1200" cap="none" spc="0" normalizeH="0" baseline="0">
-                <a:solidFill>
-                  <a:schemeClr val="dk1"/>
-                </a:solidFill>
-                <a:latin typeface="1훈정글북 Regular"/>
-                <a:ea typeface="1훈정글북 Regular"/>
-              </a:rPr>
-              <a:t>uSolar		char(5),				//</a:t>
-            </a:r>
-            <a:r>
-              <a:rPr kumimoji="0" lang="ko-KR" altLang="en-US" sz="1200" b="0" i="0" u="none" strike="noStrike" kern="1200" cap="none" spc="0" normalizeH="0" baseline="0">
-                <a:solidFill>
-                  <a:schemeClr val="dk1"/>
-                </a:solidFill>
-                <a:latin typeface="1훈정글북 Regular"/>
-                <a:ea typeface="1훈정글북 Regular"/>
-              </a:rPr>
-              <a:t> 양력 </a:t>
-            </a:r>
-            <a:r>
-              <a:rPr kumimoji="0" lang="en-US" altLang="ko-KR" sz="1200" b="0" i="0" u="none" strike="noStrike" kern="1200" cap="none" spc="0" normalizeH="0" baseline="0">
-                <a:solidFill>
-                  <a:schemeClr val="dk1"/>
-                </a:solidFill>
-                <a:latin typeface="1훈정글북 Regular"/>
-                <a:ea typeface="1훈정글북 Regular"/>
-              </a:rPr>
-              <a:t>/</a:t>
-            </a:r>
-            <a:r>
-              <a:rPr kumimoji="0" lang="ko-KR" altLang="en-US" sz="1200" b="0" i="0" u="none" strike="noStrike" kern="1200" cap="none" spc="0" normalizeH="0" baseline="0">
-                <a:solidFill>
-                  <a:schemeClr val="dk1"/>
-                </a:solidFill>
-                <a:latin typeface="1훈정글북 Regular"/>
-                <a:ea typeface="1훈정글북 Regular"/>
-              </a:rPr>
-              <a:t> 음력여부</a:t>
-            </a:r>
-            <a:endParaRPr kumimoji="0" lang="ko-KR" altLang="en-US" sz="1200" b="0" i="0" u="none" strike="noStrike" kern="1200" cap="none" spc="0" normalizeH="0" baseline="0">
-              <a:solidFill>
-                <a:schemeClr val="dk1"/>
-              </a:solidFill>
-              <a:latin typeface="1훈정글북 Regular"/>
-              <a:ea typeface="1훈정글북 Regular"/>
-            </a:endParaRPr>
-          </a:p>
-          <a:p>
-            <a:pPr marL="0" indent="0" defTabSz="914400" rtl="0" eaLnBrk="1" latinLnBrk="1" hangingPunct="1">
-              <a:lnSpc>
-                <a:spcPct val="90000"/>
-              </a:lnSpc>
-              <a:spcBef>
-                <a:spcPts val="1000"/>
-              </a:spcBef>
-              <a:spcAft>
-                <a:spcPts val="0"/>
-              </a:spcAft>
-              <a:buFont typeface="Arial"/>
-              <a:buNone/>
-              <a:defRPr/>
-            </a:pPr>
-            <a:r>
-              <a:rPr kumimoji="0" lang="ko-KR" altLang="en-US" sz="1200" b="0" i="0" u="none" strike="noStrike" kern="1200" cap="none" spc="0" normalizeH="0" baseline="0">
-                <a:solidFill>
-                  <a:schemeClr val="dk1"/>
-                </a:solidFill>
-                <a:latin typeface="1훈정글북 Regular"/>
-                <a:ea typeface="1훈정글북 Regular"/>
-              </a:rPr>
-              <a:t>	</a:t>
-            </a:r>
-            <a:r>
-              <a:rPr kumimoji="0" lang="en-US" altLang="ko-KR" sz="1200" b="0" i="0" u="none" strike="noStrike" kern="1200" cap="none" spc="0" normalizeH="0" baseline="0">
-                <a:solidFill>
-                  <a:schemeClr val="dk1"/>
-                </a:solidFill>
-                <a:latin typeface="1훈정글북 Regular"/>
-                <a:ea typeface="1훈정글북 Regular"/>
-              </a:rPr>
-              <a:t>uEmail		char(30),				//</a:t>
-            </a:r>
-            <a:r>
-              <a:rPr kumimoji="0" lang="ko-KR" altLang="en-US" sz="1200" b="0" i="0" u="none" strike="noStrike" kern="1200" cap="none" spc="0" normalizeH="0" baseline="0">
-                <a:solidFill>
-                  <a:schemeClr val="dk1"/>
-                </a:solidFill>
-                <a:latin typeface="1훈정글북 Regular"/>
-                <a:ea typeface="1훈정글북 Regular"/>
-              </a:rPr>
-              <a:t> 이메일</a:t>
-            </a:r>
-            <a:endParaRPr kumimoji="0" lang="ko-KR" altLang="en-US" sz="1200" b="0" i="0" u="none" strike="noStrike" kern="1200" cap="none" spc="0" normalizeH="0" baseline="0">
-              <a:solidFill>
-                <a:schemeClr val="dk1"/>
-              </a:solidFill>
-              <a:latin typeface="1훈정글북 Regular"/>
-              <a:ea typeface="1훈정글북 Regular"/>
-            </a:endParaRPr>
-          </a:p>
-          <a:p>
-            <a:pPr marL="0" indent="0" defTabSz="914400" rtl="0" eaLnBrk="1" latinLnBrk="1" hangingPunct="1">
-              <a:lnSpc>
-                <a:spcPct val="90000"/>
-              </a:lnSpc>
-              <a:spcBef>
-                <a:spcPts val="1000"/>
-              </a:spcBef>
-              <a:spcAft>
-                <a:spcPts val="0"/>
-              </a:spcAft>
-              <a:buFont typeface="Arial"/>
-              <a:buNone/>
-              <a:defRPr/>
-            </a:pPr>
-            <a:r>
-              <a:rPr kumimoji="0" lang="ko-KR" altLang="en-US" sz="1200" b="0" i="0" u="none" strike="noStrike" kern="1200" cap="none" spc="0" normalizeH="0" baseline="0">
-                <a:solidFill>
-                  <a:schemeClr val="dk1"/>
-                </a:solidFill>
-                <a:latin typeface="1훈정글북 Regular"/>
-                <a:ea typeface="1훈정글북 Regular"/>
-              </a:rPr>
-              <a:t>	</a:t>
-            </a:r>
-            <a:r>
-              <a:rPr kumimoji="0" lang="en-US" altLang="ko-KR" sz="1200" b="0" i="0" u="none" strike="noStrike" kern="1200" cap="none" spc="0" normalizeH="0" baseline="0">
-                <a:solidFill>
-                  <a:schemeClr val="dk1"/>
-                </a:solidFill>
-                <a:latin typeface="1훈정글북 Regular"/>
-                <a:ea typeface="1훈정글북 Regular"/>
-              </a:rPr>
-              <a:t>uPhone		char(20),				//</a:t>
-            </a:r>
-            <a:r>
-              <a:rPr kumimoji="0" lang="ko-KR" altLang="en-US" sz="1200" b="0" i="0" u="none" strike="noStrike" kern="1200" cap="none" spc="0" normalizeH="0" baseline="0">
-                <a:solidFill>
-                  <a:schemeClr val="dk1"/>
-                </a:solidFill>
-                <a:latin typeface="1훈정글북 Regular"/>
-                <a:ea typeface="1훈정글북 Regular"/>
-              </a:rPr>
-              <a:t> 휴대폰번호</a:t>
-            </a:r>
-            <a:endParaRPr kumimoji="0" lang="ko-KR" altLang="en-US" sz="1200" b="0" i="0" u="none" strike="noStrike" kern="1200" cap="none" spc="0" normalizeH="0" baseline="0">
-              <a:solidFill>
-                <a:schemeClr val="dk1"/>
-              </a:solidFill>
-              <a:latin typeface="1훈정글북 Regular"/>
-              <a:ea typeface="1훈정글북 Regular"/>
-            </a:endParaRPr>
-          </a:p>
-          <a:p>
-            <a:pPr marL="0" indent="0" defTabSz="914400" rtl="0" eaLnBrk="1" latinLnBrk="1" hangingPunct="1">
-              <a:lnSpc>
-                <a:spcPct val="90000"/>
-              </a:lnSpc>
-              <a:spcBef>
-                <a:spcPts val="1000"/>
-              </a:spcBef>
-              <a:spcAft>
-                <a:spcPts val="0"/>
-              </a:spcAft>
-              <a:buFont typeface="Arial"/>
-              <a:buNone/>
-              <a:defRPr/>
-            </a:pPr>
-            <a:r>
-              <a:rPr kumimoji="0" lang="ko-KR" altLang="en-US" sz="1200" b="0" i="0" u="none" strike="noStrike" kern="1200" cap="none" spc="0" normalizeH="0" baseline="0">
-                <a:solidFill>
-                  <a:schemeClr val="dk1"/>
-                </a:solidFill>
-                <a:latin typeface="1훈정글북 Regular"/>
-                <a:ea typeface="1훈정글북 Regular"/>
-              </a:rPr>
-              <a:t>	</a:t>
-            </a:r>
-            <a:r>
-              <a:rPr kumimoji="0" lang="en-US" altLang="ko-KR" sz="1200" b="0" i="0" u="none" strike="noStrike" kern="1200" cap="none" spc="0" normalizeH="0" baseline="0">
-                <a:solidFill>
-                  <a:schemeClr val="dk1"/>
-                </a:solidFill>
-                <a:latin typeface="1훈정글북 Regular"/>
-                <a:ea typeface="1훈정글북 Regular"/>
-              </a:rPr>
-              <a:t>uSex		char(3),				//</a:t>
-            </a:r>
-            <a:r>
-              <a:rPr kumimoji="0" lang="ko-KR" altLang="en-US" sz="1200" b="0" i="0" u="none" strike="noStrike" kern="1200" cap="none" spc="0" normalizeH="0" baseline="0">
-                <a:solidFill>
-                  <a:schemeClr val="dk1"/>
-                </a:solidFill>
-                <a:latin typeface="1훈정글북 Regular"/>
-                <a:ea typeface="1훈정글북 Regular"/>
-              </a:rPr>
-              <a:t> 성별</a:t>
-            </a:r>
-            <a:endParaRPr kumimoji="0" lang="ko-KR" altLang="en-US" sz="1200" b="0" i="0" u="none" strike="noStrike" kern="1200" cap="none" spc="0" normalizeH="0" baseline="0">
-              <a:solidFill>
-                <a:schemeClr val="dk1"/>
-              </a:solidFill>
-              <a:latin typeface="1훈정글북 Regular"/>
-              <a:ea typeface="1훈정글북 Regular"/>
-            </a:endParaRPr>
-          </a:p>
-          <a:p>
-            <a:pPr marL="0" indent="0" defTabSz="914400" rtl="0" eaLnBrk="1" latinLnBrk="1" hangingPunct="1">
-              <a:lnSpc>
-                <a:spcPct val="90000"/>
-              </a:lnSpc>
-              <a:spcBef>
-                <a:spcPts val="1000"/>
-              </a:spcBef>
-              <a:spcAft>
-                <a:spcPts val="0"/>
-              </a:spcAft>
-              <a:buFont typeface="Arial"/>
-              <a:buNone/>
-              <a:defRPr/>
-            </a:pPr>
-            <a:r>
-              <a:rPr kumimoji="0" lang="ko-KR" altLang="en-US" sz="1200" b="0" i="0" u="none" strike="noStrike" kern="1200" cap="none" spc="0" normalizeH="0" baseline="0">
-                <a:solidFill>
-                  <a:schemeClr val="dk1"/>
-                </a:solidFill>
-                <a:latin typeface="1훈정글북 Regular"/>
-                <a:ea typeface="1훈정글북 Regular"/>
-              </a:rPr>
-              <a:t>	</a:t>
-            </a:r>
-            <a:r>
-              <a:rPr kumimoji="0" lang="en-US" altLang="ko-KR" sz="1200" b="0" i="0" u="none" strike="noStrike" kern="1200" cap="none" spc="0" normalizeH="0" baseline="0">
-                <a:solidFill>
-                  <a:schemeClr val="dk1"/>
-                </a:solidFill>
-                <a:latin typeface="1훈정글북 Regular"/>
-                <a:ea typeface="1훈정글북 Regular"/>
-              </a:rPr>
-              <a:t>uZipcode		char(10),				// </a:t>
-            </a:r>
-            <a:r>
-              <a:rPr kumimoji="0" lang="ko-KR" altLang="en-US" sz="1200" b="0" i="0" u="none" strike="noStrike" kern="1200" cap="none" spc="0" normalizeH="0" baseline="0">
-                <a:solidFill>
-                  <a:schemeClr val="dk1"/>
-                </a:solidFill>
-                <a:latin typeface="1훈정글북 Regular"/>
-                <a:ea typeface="1훈정글북 Regular"/>
-              </a:rPr>
-              <a:t>우편번호</a:t>
-            </a:r>
-            <a:endParaRPr kumimoji="0" lang="ko-KR" altLang="en-US" sz="1200" b="0" i="0" u="none" strike="noStrike" kern="1200" cap="none" spc="0" normalizeH="0" baseline="0">
-              <a:solidFill>
-                <a:schemeClr val="dk1"/>
-              </a:solidFill>
-              <a:latin typeface="1훈정글북 Regular"/>
-              <a:ea typeface="1훈정글북 Regular"/>
-            </a:endParaRPr>
-          </a:p>
-          <a:p>
-            <a:pPr marL="0" indent="0" defTabSz="914400" rtl="0" eaLnBrk="1" latinLnBrk="1" hangingPunct="1">
-              <a:lnSpc>
-                <a:spcPct val="90000"/>
-              </a:lnSpc>
-              <a:spcBef>
-                <a:spcPts val="1000"/>
-              </a:spcBef>
-              <a:spcAft>
-                <a:spcPts val="0"/>
-              </a:spcAft>
-              <a:buFont typeface="Arial"/>
-              <a:buNone/>
-              <a:defRPr/>
-            </a:pPr>
-            <a:r>
-              <a:rPr kumimoji="0" lang="ko-KR" altLang="en-US" sz="1200" b="0" i="0" u="none" strike="noStrike" kern="1200" cap="none" spc="0" normalizeH="0" baseline="0">
-                <a:solidFill>
-                  <a:schemeClr val="dk1"/>
-                </a:solidFill>
-                <a:latin typeface="1훈정글북 Regular"/>
-                <a:ea typeface="1훈정글북 Regular"/>
-              </a:rPr>
-              <a:t>	</a:t>
-            </a:r>
-            <a:r>
-              <a:rPr kumimoji="0" lang="en-US" altLang="ko-KR" sz="1200" b="0" i="0" u="none" strike="noStrike" kern="1200" cap="none" spc="0" normalizeH="0" baseline="0">
-                <a:solidFill>
-                  <a:schemeClr val="dk1"/>
-                </a:solidFill>
-                <a:latin typeface="1훈정글북 Regular"/>
-                <a:ea typeface="1훈정글북 Regular"/>
-              </a:rPr>
-              <a:t>uAddress1	</a:t>
-            </a:r>
-            <a:r>
-              <a:rPr kumimoji="0" lang="ko-KR" altLang="en-US" sz="1200" b="0" i="0" u="none" strike="noStrike" kern="1200" cap="none" spc="0" normalizeH="0" baseline="0">
-                <a:solidFill>
-                  <a:schemeClr val="dk1"/>
-                </a:solidFill>
-                <a:latin typeface="1훈정글북 Regular"/>
-                <a:ea typeface="1훈정글북 Regular"/>
-              </a:rPr>
-              <a:t>	</a:t>
-            </a:r>
-            <a:r>
-              <a:rPr kumimoji="0" lang="en-US" altLang="ko-KR" sz="1200" b="0" i="0" u="none" strike="noStrike" kern="1200" cap="none" spc="0" normalizeH="0" baseline="0">
-                <a:solidFill>
-                  <a:schemeClr val="dk1"/>
-                </a:solidFill>
-                <a:latin typeface="1훈정글북 Regular"/>
-                <a:ea typeface="1훈정글북 Regular"/>
-              </a:rPr>
-              <a:t>char(30),				//</a:t>
-            </a:r>
-            <a:r>
-              <a:rPr kumimoji="0" lang="ko-KR" altLang="en-US" sz="1200" b="0" i="0" u="none" strike="noStrike" kern="1200" cap="none" spc="0" normalizeH="0" baseline="0">
-                <a:solidFill>
-                  <a:schemeClr val="dk1"/>
-                </a:solidFill>
-                <a:latin typeface="1훈정글북 Regular"/>
-                <a:ea typeface="1훈정글북 Regular"/>
-              </a:rPr>
-              <a:t> 주소</a:t>
-            </a:r>
-            <a:endParaRPr kumimoji="0" lang="ko-KR" altLang="en-US" sz="1200" b="0" i="0" u="none" strike="noStrike" kern="1200" cap="none" spc="0" normalizeH="0" baseline="0">
-              <a:solidFill>
-                <a:schemeClr val="dk1"/>
-              </a:solidFill>
-              <a:latin typeface="1훈정글북 Regular"/>
-              <a:ea typeface="1훈정글북 Regular"/>
-            </a:endParaRPr>
-          </a:p>
-          <a:p>
-            <a:pPr marL="0" indent="0" defTabSz="914400" rtl="0" eaLnBrk="1" latinLnBrk="1" hangingPunct="1">
-              <a:lnSpc>
-                <a:spcPct val="90000"/>
-              </a:lnSpc>
-              <a:spcBef>
-                <a:spcPts val="1000"/>
-              </a:spcBef>
-              <a:spcAft>
-                <a:spcPts val="0"/>
-              </a:spcAft>
-              <a:buFont typeface="Arial"/>
-              <a:buNone/>
-              <a:defRPr/>
-            </a:pPr>
-            <a:r>
-              <a:rPr kumimoji="0" lang="ko-KR" altLang="en-US" sz="1200" b="0" i="0" u="none" strike="noStrike" kern="1200" cap="none" spc="0" normalizeH="0" baseline="0">
-                <a:solidFill>
-                  <a:schemeClr val="dk1"/>
-                </a:solidFill>
-                <a:latin typeface="1훈정글북 Regular"/>
-                <a:ea typeface="1훈정글북 Regular"/>
-              </a:rPr>
-              <a:t>	</a:t>
-            </a:r>
-            <a:r>
-              <a:rPr kumimoji="0" lang="en-US" altLang="ko-KR" sz="1200" b="0" i="0" u="none" strike="noStrike" kern="1200" cap="none" spc="0" normalizeH="0" baseline="0">
-                <a:solidFill>
-                  <a:schemeClr val="dk1"/>
-                </a:solidFill>
-                <a:latin typeface="1훈정글북 Regular"/>
-                <a:ea typeface="1훈정글북 Regular"/>
-              </a:rPr>
-              <a:t>uAddress2	</a:t>
-            </a:r>
-            <a:r>
-              <a:rPr kumimoji="0" lang="ko-KR" altLang="en-US" sz="1200" b="0" i="0" u="none" strike="noStrike" kern="1200" cap="none" spc="0" normalizeH="0" baseline="0">
-                <a:solidFill>
-                  <a:schemeClr val="dk1"/>
-                </a:solidFill>
-                <a:latin typeface="1훈정글북 Regular"/>
-                <a:ea typeface="1훈정글북 Regular"/>
-              </a:rPr>
-              <a:t>	</a:t>
-            </a:r>
-            <a:r>
-              <a:rPr kumimoji="0" lang="en-US" altLang="ko-KR" sz="1200" b="0" i="0" u="none" strike="noStrike" kern="1200" cap="none" spc="0" normalizeH="0" baseline="0">
-                <a:solidFill>
-                  <a:schemeClr val="dk1"/>
-                </a:solidFill>
-                <a:latin typeface="1훈정글북 Regular"/>
-                <a:ea typeface="1훈정글북 Regular"/>
-              </a:rPr>
-              <a:t>char(30),				//</a:t>
-            </a:r>
-            <a:r>
-              <a:rPr kumimoji="0" lang="ko-KR" altLang="en-US" sz="1200" b="0" i="0" u="none" strike="noStrike" kern="1200" cap="none" spc="0" normalizeH="0" baseline="0">
-                <a:solidFill>
-                  <a:schemeClr val="dk1"/>
-                </a:solidFill>
-                <a:latin typeface="1훈정글북 Regular"/>
-                <a:ea typeface="1훈정글북 Regular"/>
-              </a:rPr>
-              <a:t> 주소</a:t>
-            </a:r>
-            <a:endParaRPr kumimoji="0" lang="ko-KR" altLang="en-US" sz="1200" b="0" i="0" u="none" strike="noStrike" kern="1200" cap="none" spc="0" normalizeH="0" baseline="0">
-              <a:solidFill>
-                <a:schemeClr val="dk1"/>
-              </a:solidFill>
-              <a:latin typeface="1훈정글북 Regular"/>
-              <a:ea typeface="1훈정글북 Regular"/>
-            </a:endParaRPr>
-          </a:p>
-          <a:p>
-            <a:pPr marL="0" indent="0" defTabSz="914400" rtl="0" eaLnBrk="1" latinLnBrk="1" hangingPunct="1">
-              <a:lnSpc>
-                <a:spcPct val="90000"/>
-              </a:lnSpc>
-              <a:spcBef>
-                <a:spcPts val="1000"/>
-              </a:spcBef>
-              <a:spcAft>
-                <a:spcPts val="0"/>
-              </a:spcAft>
-              <a:buFont typeface="Arial"/>
-              <a:buNone/>
-              <a:defRPr/>
-            </a:pPr>
-            <a:r>
-              <a:rPr kumimoji="0" lang="ko-KR" altLang="en-US" sz="1200" b="0" i="0" u="none" strike="noStrike" kern="1200" cap="none" spc="0" normalizeH="0" baseline="0">
-                <a:solidFill>
-                  <a:schemeClr val="dk1"/>
-                </a:solidFill>
-                <a:latin typeface="1훈정글북 Regular"/>
-                <a:ea typeface="1훈정글북 Regular"/>
-              </a:rPr>
-              <a:t>	</a:t>
-            </a:r>
-            <a:r>
-              <a:rPr kumimoji="0" lang="en-US" altLang="ko-KR" sz="1200" b="0" i="0" u="none" strike="noStrike" kern="1200" cap="none" spc="0" normalizeH="0" baseline="0">
-                <a:solidFill>
-                  <a:schemeClr val="dk1"/>
-                </a:solidFill>
-                <a:latin typeface="1훈정글북 Regular"/>
-                <a:ea typeface="1훈정글북 Regular"/>
-              </a:rPr>
-              <a:t>Coupon		char(10),				//</a:t>
-            </a:r>
-            <a:r>
-              <a:rPr kumimoji="0" lang="ko-KR" altLang="en-US" sz="1200" b="0" i="0" u="none" strike="noStrike" kern="1200" cap="none" spc="0" normalizeH="0" baseline="0">
-                <a:solidFill>
-                  <a:schemeClr val="dk1"/>
-                </a:solidFill>
-                <a:latin typeface="1훈정글북 Regular"/>
-                <a:ea typeface="1훈정글북 Regular"/>
-              </a:rPr>
-              <a:t> 쿠폰</a:t>
-            </a:r>
-            <a:endParaRPr kumimoji="0" lang="en-US" altLang="ko-KR" sz="1200" b="0" i="0" u="none" strike="noStrike" kern="1200" cap="none" spc="0" normalizeH="0" baseline="0">
-              <a:solidFill>
-                <a:schemeClr val="dk1"/>
-              </a:solidFill>
-              <a:latin typeface="1훈정글북 Regular"/>
-              <a:ea typeface="1훈정글북 Regular"/>
-            </a:endParaRPr>
-          </a:p>
-          <a:p>
-            <a:pPr marL="0" indent="0" defTabSz="914400" rtl="0" eaLnBrk="1" latinLnBrk="1" hangingPunct="1">
-              <a:lnSpc>
-                <a:spcPct val="90000"/>
-              </a:lnSpc>
-              <a:spcBef>
-                <a:spcPts val="1000"/>
-              </a:spcBef>
-              <a:spcAft>
-                <a:spcPts val="0"/>
-              </a:spcAft>
-              <a:buFont typeface="Arial"/>
-              <a:buNone/>
-              <a:defRPr/>
-            </a:pPr>
-            <a:r>
-              <a:rPr kumimoji="0" lang="ko-KR" altLang="en-US" sz="1200" b="0" i="0" u="none" strike="noStrike" kern="1200" cap="none" spc="0" normalizeH="0" baseline="0">
-                <a:solidFill>
-                  <a:schemeClr val="dk1"/>
-                </a:solidFill>
-                <a:latin typeface="1훈정글북 Regular"/>
-                <a:ea typeface="1훈정글북 Regular"/>
-              </a:rPr>
-              <a:t>	</a:t>
-            </a:r>
-            <a:r>
-              <a:rPr kumimoji="0" lang="en-US" altLang="ko-KR" sz="1200" b="0" i="0" u="none" strike="noStrike" kern="1200" cap="none" spc="0" normalizeH="0" baseline="0">
-                <a:solidFill>
-                  <a:schemeClr val="dk1"/>
-                </a:solidFill>
-                <a:latin typeface="1훈정글북 Regular"/>
-                <a:ea typeface="1훈정글북 Regular"/>
-              </a:rPr>
-              <a:t>Point		int				//</a:t>
-            </a:r>
-            <a:r>
-              <a:rPr kumimoji="0" lang="ko-KR" altLang="en-US" sz="1200" b="0" i="0" u="none" strike="noStrike" kern="1200" cap="none" spc="0" normalizeH="0" baseline="0">
-                <a:solidFill>
-                  <a:schemeClr val="dk1"/>
-                </a:solidFill>
-                <a:latin typeface="1훈정글북 Regular"/>
-                <a:ea typeface="1훈정글북 Regular"/>
-              </a:rPr>
-              <a:t> 포인트</a:t>
-            </a:r>
-            <a:endParaRPr kumimoji="0" lang="en-US" altLang="ko-KR" sz="1200" b="0" i="0" u="none" strike="noStrike" kern="1200" cap="none" spc="0" normalizeH="0" baseline="0">
-              <a:solidFill>
-                <a:schemeClr val="dk1"/>
-              </a:solidFill>
-              <a:latin typeface="1훈정글북 Regular"/>
-              <a:ea typeface="1훈정글북 Regular"/>
-            </a:endParaRPr>
-          </a:p>
-          <a:p>
-            <a:pPr marL="0" indent="0" defTabSz="914400" rtl="0" eaLnBrk="1" latinLnBrk="1" hangingPunct="1">
-              <a:lnSpc>
-                <a:spcPct val="90000"/>
-              </a:lnSpc>
-              <a:spcBef>
-                <a:spcPts val="1000"/>
-              </a:spcBef>
-              <a:spcAft>
-                <a:spcPts val="0"/>
-              </a:spcAft>
-              <a:buFont typeface="Arial"/>
-              <a:buNone/>
-              <a:defRPr/>
-            </a:pPr>
-            <a:r>
-              <a:rPr kumimoji="0" lang="en-US" altLang="ko-KR" sz="1200" b="0" i="0" u="none" strike="noStrike" kern="1200" cap="none" spc="0" normalizeH="0" baseline="0">
-                <a:solidFill>
-                  <a:schemeClr val="dk1"/>
-                </a:solidFill>
-                <a:latin typeface="1훈정글북 Regular"/>
-                <a:ea typeface="1훈정글북 Regular"/>
-              </a:rPr>
-              <a:t>);		</a:t>
-            </a:r>
-            <a:endParaRPr kumimoji="0" lang="en-US" altLang="ko-KR" sz="1200" b="0" i="0" u="none" strike="noStrike" kern="1200" cap="none" spc="0" normalizeH="0" baseline="0">
-              <a:solidFill>
-                <a:schemeClr val="dk1"/>
-              </a:solidFill>
-              <a:latin typeface="1훈정글북 Regular"/>
-              <a:ea typeface="1훈정글북 Regular"/>
-            </a:endParaRPr>
-          </a:p>
-          <a:p>
-            <a:pPr marL="0" indent="0" defTabSz="914400" rtl="0" eaLnBrk="1" latinLnBrk="1" hangingPunct="1">
-              <a:lnSpc>
-                <a:spcPct val="90000"/>
-              </a:lnSpc>
-              <a:spcBef>
-                <a:spcPts val="1000"/>
-              </a:spcBef>
-              <a:spcAft>
-                <a:spcPts val="0"/>
-              </a:spcAft>
-              <a:buFont typeface="Arial"/>
-              <a:buNone/>
-              <a:defRPr/>
-            </a:pPr>
-            <a:endParaRPr kumimoji="0" lang="ko-KR" altLang="en-US" sz="1200" b="0" i="0" u="none" strike="noStrike" kern="1200" cap="none" spc="0" normalizeH="0" baseline="0">
-              <a:solidFill>
-                <a:schemeClr val="tx1"/>
-              </a:solidFill>
-              <a:latin typeface="1훈정글북 Regular"/>
-              <a:ea typeface="1훈정글북 Regular"/>
-            </a:endParaRPr>
-          </a:p>
-          <a:p>
-            <a:pPr marL="0" indent="0" defTabSz="914400" rtl="0" eaLnBrk="1" latinLnBrk="1" hangingPunct="1">
-              <a:lnSpc>
-                <a:spcPct val="90000"/>
-              </a:lnSpc>
-              <a:spcBef>
-                <a:spcPts val="1000"/>
-              </a:spcBef>
-              <a:spcAft>
-                <a:spcPts val="0"/>
-              </a:spcAft>
-              <a:buFont typeface="Arial"/>
-              <a:buNone/>
-              <a:defRPr/>
-            </a:pPr>
-            <a:endParaRPr kumimoji="0" lang="ko-KR" altLang="en-US" sz="1200" b="0" i="0" u="none" strike="noStrike" kern="1200" cap="none" spc="0" normalizeH="0" baseline="0">
-              <a:solidFill>
-                <a:schemeClr val="tx1"/>
-              </a:solidFill>
-              <a:latin typeface="1훈정글북 Regular"/>
-              <a:ea typeface="1훈정글북 Regular"/>
-            </a:endParaRPr>
-          </a:p>
-          <a:p>
-            <a:pPr marL="0" indent="0" defTabSz="914400" rtl="0" eaLnBrk="1" latinLnBrk="1" hangingPunct="1">
-              <a:lnSpc>
-                <a:spcPct val="90000"/>
-              </a:lnSpc>
-              <a:spcBef>
-                <a:spcPts val="1000"/>
-              </a:spcBef>
-              <a:spcAft>
-                <a:spcPts val="0"/>
-              </a:spcAft>
-              <a:buFont typeface="Arial"/>
-              <a:buNone/>
-              <a:defRPr/>
-            </a:pPr>
-            <a:endParaRPr kumimoji="0" lang="ko-KR" altLang="en-US" sz="1200" b="0" i="0" u="none" strike="noStrike" kern="1200" cap="none" spc="0" normalizeH="0" baseline="0">
+            <a:endParaRPr kumimoji="0" lang="ko-KR" altLang="en-US" sz="1200" b="0" i="0" u="none" strike="noStrike" kern="1200" cap="none" spc="0" normalizeH="0" baseline="0" dirty="0">
               <a:solidFill>
                 <a:schemeClr val="tx1"/>
               </a:solidFill>
@@ -33004,11 +32582,11 @@
   <p:clrMapOvr>
     <a:masterClrMapping/>
   </p:clrMapOvr>
-  <mc:AlternateContent xmlns:mc="http://schemas.openxmlformats.org/markup-compatibility/2006">
-    <mc:Choice xmlns:p14="http://schemas.microsoft.com/office/powerpoint/2010/main" Requires="p14">
-      <p:transition xmlns:mc="http://schemas.openxmlformats.org/markup-compatibility/2006" xmlns:p14="http://schemas.microsoft.com/office/powerpoint/2010/main" mc:Ignorable="p14" p14:dur="500"/>
+  <mc:AlternateContent xmlns:mc="http://schemas.openxmlformats.org/markup-compatibility/2006" xmlns:p14="http://schemas.microsoft.com/office/powerpoint/2010/main">
+    <mc:Choice Requires="p14">
+      <p:transition/>
     </mc:Choice>
-    <mc:Fallback>
+    <mc:Fallback xmlns:dsp="http://schemas.microsoft.com/office/drawing/2008/diagram" xmlns:dgm="http://schemas.openxmlformats.org/drawingml/2006/diagram" xmlns:c="http://schemas.openxmlformats.org/drawingml/2006/chart" xmlns="">
       <p:transition/>
     </mc:Fallback>
   </mc:AlternateContent>
@@ -33016,21 +32594,22 @@
 </file>
 
 <file path=ppt/slides/slide33.xml><?xml version="1.0" encoding="utf-8"?>
-<p:sld xmlns:r="http://schemas.openxmlformats.org/officeDocument/2006/relationships" xmlns:c="http://schemas.openxmlformats.org/drawingml/2006/chart" xmlns:a="http://schemas.openxmlformats.org/drawingml/2006/main" xmlns:dgm="http://schemas.openxmlformats.org/drawingml/2006/diagram" xmlns:dsp="http://schemas.microsoft.com/office/drawing/2008/diagram" xmlns:p="http://schemas.openxmlformats.org/presentationml/2006/main">
+<p:sld xmlns:a="http://schemas.openxmlformats.org/drawingml/2006/main" xmlns:r="http://schemas.openxmlformats.org/officeDocument/2006/relationships" xmlns:p="http://schemas.openxmlformats.org/presentationml/2006/main">
   <p:cSld>
     <p:bg>
-      <p:bgPr shadeToTitle="0">
+      <p:bgPr>
         <a:gradFill>
           <a:gsLst>
             <a:gs pos="50000">
-              <a:srgbClr val="b3acb3"/>
+              <a:srgbClr val="B3ACB3"/>
             </a:gs>
             <a:gs pos="50000">
-              <a:srgbClr val="f8e9e8"/>
+              <a:srgbClr val="F8E9E8"/>
             </a:gs>
           </a:gsLst>
           <a:lin ang="6600000" scaled="0"/>
         </a:gradFill>
+        <a:effectLst/>
       </p:bgPr>
     </p:bg>
     <p:spTree>
@@ -33068,7 +32647,7 @@
             <a:gradFill>
               <a:gsLst>
                 <a:gs pos="50000">
-                  <a:srgbClr val="efccca"/>
+                  <a:srgbClr val="EFCCCA"/>
                 </a:gs>
                 <a:gs pos="50000">
                   <a:schemeClr val="bg1">
@@ -33151,7 +32730,7 @@
             <a:r>
               <a:rPr lang="en-US" altLang="ko-KR" sz="4200" b="1" i="1">
                 <a:solidFill>
-                  <a:srgbClr val="ff9999"/>
+                  <a:srgbClr val="FF9999"/>
                 </a:solidFill>
               </a:rPr>
               <a:t>DB</a:t>
@@ -33159,16 +32738,11 @@
             <a:r>
               <a:rPr lang="ko-KR" altLang="en-US" sz="4200" b="1" i="1">
                 <a:solidFill>
-                  <a:srgbClr val="ff9999"/>
+                  <a:srgbClr val="FF9999"/>
                 </a:solidFill>
               </a:rPr>
               <a:t>구성 및 설명</a:t>
             </a:r>
-            <a:endParaRPr lang="ko-KR" altLang="en-US" sz="4200" b="1" i="1">
-              <a:solidFill>
-                <a:srgbClr val="ff9999"/>
-              </a:solidFill>
-            </a:endParaRPr>
           </a:p>
         </p:txBody>
       </p:sp>
@@ -33212,7 +32786,7 @@
             <a:r>
               <a:rPr kumimoji="0" lang="en-US" altLang="ko-KR" sz="2700" b="0" i="0" u="none" strike="noStrike" kern="1200" cap="none" spc="0" normalizeH="0" baseline="0">
                 <a:solidFill>
-                  <a:srgbClr val="ff0000"/>
+                  <a:srgbClr val="FF0000"/>
                 </a:solidFill>
                 <a:latin typeface="1훈정글북 Regular"/>
                 <a:ea typeface="1훈정글북 Regular"/>
@@ -33222,7 +32796,7 @@
             <a:r>
               <a:rPr kumimoji="0" lang="ko-KR" altLang="en-US" sz="2700" b="0" i="0" u="none" strike="noStrike" kern="1200" cap="none" spc="0" normalizeH="0" baseline="0">
                 <a:solidFill>
-                  <a:srgbClr val="ff0000"/>
+                  <a:srgbClr val="FF0000"/>
                 </a:solidFill>
                 <a:latin typeface="1훈정글북 Regular"/>
                 <a:ea typeface="1훈정글북 Regular"/>
@@ -33232,7 +32806,7 @@
             <a:r>
               <a:rPr kumimoji="0" lang="en-US" altLang="ko-KR" sz="2700" b="0" i="0" u="none" strike="noStrike" kern="1200" cap="none" spc="0" normalizeH="0" baseline="0">
                 <a:solidFill>
-                  <a:srgbClr val="ff0000"/>
+                  <a:srgbClr val="FF0000"/>
                 </a:solidFill>
                 <a:latin typeface="1훈정글북 Regular"/>
                 <a:ea typeface="1훈정글북 Regular"/>
@@ -33242,7 +32816,7 @@
             <a:r>
               <a:rPr kumimoji="0" lang="ko-KR" altLang="en-US" sz="2700" b="0" i="0" u="none" strike="noStrike" kern="1200" cap="none" spc="0" normalizeH="0" baseline="0">
                 <a:solidFill>
-                  <a:srgbClr val="ff0000"/>
+                  <a:srgbClr val="FF0000"/>
                 </a:solidFill>
                 <a:latin typeface="1훈정글북 Regular"/>
                 <a:ea typeface="1훈정글북 Regular"/>
@@ -33252,7 +32826,7 @@
             <a:r>
               <a:rPr kumimoji="0" lang="en-US" altLang="ko-KR" sz="2700" b="0" i="0" u="none" strike="noStrike" kern="1200" cap="none" spc="0" normalizeH="0" baseline="0">
                 <a:solidFill>
-                  <a:srgbClr val="ff0000"/>
+                  <a:srgbClr val="FF0000"/>
                 </a:solidFill>
                 <a:latin typeface="1훈정글북 Regular"/>
                 <a:ea typeface="1훈정글북 Regular"/>
@@ -33262,16 +32836,32 @@
             <a:r>
               <a:rPr kumimoji="0" lang="ko-KR" altLang="en-US" sz="2700" b="0" i="0" u="none" strike="noStrike" kern="1200" cap="none" spc="0" normalizeH="0" baseline="0">
                 <a:solidFill>
-                  <a:srgbClr val="ff0000"/>
+                  <a:srgbClr val="FF0000"/>
                 </a:solidFill>
                 <a:latin typeface="1훈정글북 Regular"/>
                 <a:ea typeface="1훈정글북 Regular"/>
               </a:rPr>
               <a:t> 우편번호</a:t>
             </a:r>
+          </a:p>
+          <a:p>
+            <a:pPr marL="0" indent="0" defTabSz="914400" rtl="0" eaLnBrk="1" latinLnBrk="1" hangingPunct="1">
+              <a:lnSpc>
+                <a:spcPct val="90000"/>
+              </a:lnSpc>
+              <a:spcBef>
+                <a:spcPts val="1000"/>
+              </a:spcBef>
+              <a:spcAft>
+                <a:spcPts val="0"/>
+              </a:spcAft>
+              <a:buFont typeface="Arial"/>
+              <a:buNone/>
+              <a:defRPr/>
+            </a:pPr>
             <a:endParaRPr kumimoji="0" lang="ko-KR" altLang="en-US" sz="2700" b="0" i="0" u="none" strike="noStrike" kern="1200" cap="none" spc="0" normalizeH="0" baseline="0">
               <a:solidFill>
-                <a:srgbClr val="ff0000"/>
+                <a:srgbClr val="FF0000"/>
               </a:solidFill>
               <a:latin typeface="1훈정글북 Regular"/>
               <a:ea typeface="1훈정글북 Regular"/>
@@ -33280,21 +32870,21 @@
           <a:p>
             <a:pPr marL="0" indent="0" defTabSz="914400" rtl="0" eaLnBrk="1" latinLnBrk="1" hangingPunct="1">
               <a:lnSpc>
-                <a:spcPct val="90000"/>
-              </a:lnSpc>
-              <a:spcBef>
-                <a:spcPts val="1000"/>
-              </a:spcBef>
-              <a:spcAft>
-                <a:spcPts val="0"/>
-              </a:spcAft>
-              <a:buFont typeface="Arial"/>
-              <a:buNone/>
-              <a:defRPr/>
-            </a:pPr>
-            <a:endParaRPr kumimoji="0" lang="ko-KR" altLang="en-US" sz="2700" b="0" i="0" u="none" strike="noStrike" kern="1200" cap="none" spc="0" normalizeH="0" baseline="0">
-              <a:solidFill>
-                <a:srgbClr val="ff0000"/>
+                <a:spcPct val="30000"/>
+              </a:lnSpc>
+              <a:spcBef>
+                <a:spcPts val="1000"/>
+              </a:spcBef>
+              <a:spcAft>
+                <a:spcPts val="0"/>
+              </a:spcAft>
+              <a:buFont typeface="Arial"/>
+              <a:buNone/>
+              <a:defRPr/>
+            </a:pPr>
+            <a:endParaRPr kumimoji="0" lang="en-US" altLang="ko-KR" sz="1700" b="0" i="0" u="none" strike="noStrike" kern="1200" cap="none" spc="0" normalizeH="0" baseline="0">
+              <a:solidFill>
+                <a:schemeClr val="dk1"/>
               </a:solidFill>
               <a:latin typeface="1훈정글북 Regular"/>
               <a:ea typeface="1훈정글북 Regular"/>
@@ -33315,29 +32905,6 @@
               <a:buNone/>
               <a:defRPr/>
             </a:pPr>
-            <a:endParaRPr kumimoji="0" lang="en-US" altLang="ko-KR" sz="1700" b="0" i="0" u="none" strike="noStrike" kern="1200" cap="none" spc="0" normalizeH="0" baseline="0">
-              <a:solidFill>
-                <a:schemeClr val="dk1"/>
-              </a:solidFill>
-              <a:latin typeface="1훈정글북 Regular"/>
-              <a:ea typeface="1훈정글북 Regular"/>
-            </a:endParaRPr>
-          </a:p>
-          <a:p>
-            <a:pPr marL="0" indent="0" defTabSz="914400" rtl="0" eaLnBrk="1" latinLnBrk="1" hangingPunct="1">
-              <a:lnSpc>
-                <a:spcPct val="30000"/>
-              </a:lnSpc>
-              <a:spcBef>
-                <a:spcPts val="1000"/>
-              </a:spcBef>
-              <a:spcAft>
-                <a:spcPts val="0"/>
-              </a:spcAft>
-              <a:buFont typeface="Arial"/>
-              <a:buNone/>
-              <a:defRPr/>
-            </a:pPr>
             <a:r>
               <a:rPr kumimoji="0" lang="en-US" altLang="ko-KR" sz="2400" b="0" i="0" u="none" strike="noStrike" kern="1200" cap="none" spc="0" normalizeH="0" baseline="0">
                 <a:solidFill>
@@ -33348,13 +32915,6 @@
               </a:rPr>
               <a:t>Create table cl_zipcodet(</a:t>
             </a:r>
-            <a:endParaRPr kumimoji="0" lang="en-US" altLang="ko-KR" sz="2400" b="0" i="0" u="none" strike="noStrike" kern="1200" cap="none" spc="0" normalizeH="0" baseline="0">
-              <a:solidFill>
-                <a:schemeClr val="dk1"/>
-              </a:solidFill>
-              <a:latin typeface="1훈정글북 Regular"/>
-              <a:ea typeface="1훈정글북 Regular"/>
-            </a:endParaRPr>
           </a:p>
           <a:p>
             <a:pPr marL="0" indent="0" defTabSz="914400" rtl="0" eaLnBrk="1" latinLnBrk="1" hangingPunct="1">
@@ -33374,7 +32934,7 @@
             <a:r>
               <a:rPr kumimoji="0" lang="en-US" altLang="ko-KR" sz="2400" b="0" i="0" u="none" strike="noStrike" kern="1200" cap="none" spc="0" normalizeH="0" baseline="0">
                 <a:solidFill>
-                  <a:srgbClr val="ff0000"/>
+                  <a:srgbClr val="FF0000"/>
                 </a:solidFill>
                 <a:latin typeface="1훈정글북 Regular"/>
                 <a:ea typeface="1훈정글북 Regular"/>
@@ -33391,13 +32951,6 @@
               </a:rPr>
               <a:t>zipcode	varchar(7)	not null,</a:t>
             </a:r>
-            <a:endParaRPr kumimoji="0" lang="en-US" altLang="ko-KR" sz="2400" b="0" i="0" u="none" strike="noStrike" kern="1200" cap="none" spc="0" normalizeH="0" baseline="0">
-              <a:solidFill>
-                <a:schemeClr val="dk1"/>
-              </a:solidFill>
-              <a:latin typeface="1훈정글북 Regular"/>
-              <a:ea typeface="1훈정글북 Regular"/>
-            </a:endParaRPr>
           </a:p>
           <a:p>
             <a:pPr marL="0" indent="0" defTabSz="914400" rtl="0" eaLnBrk="1" latinLnBrk="1" hangingPunct="1">
@@ -33424,13 +32977,6 @@
               </a:rPr>
               <a:t>	sido		varchar(4)	not null,</a:t>
             </a:r>
-            <a:endParaRPr kumimoji="0" lang="en-US" altLang="ko-KR" sz="2400" b="0" i="0" u="none" strike="noStrike" kern="1200" cap="none" spc="0" normalizeH="0" baseline="0">
-              <a:solidFill>
-                <a:schemeClr val="dk1"/>
-              </a:solidFill>
-              <a:latin typeface="1훈정글북 Regular"/>
-              <a:ea typeface="1훈정글북 Regular"/>
-            </a:endParaRPr>
           </a:p>
           <a:p>
             <a:pPr marL="0" indent="0" defTabSz="914400" rtl="0" eaLnBrk="1" latinLnBrk="1" hangingPunct="1">
@@ -33457,13 +33003,6 @@
               </a:rPr>
               <a:t>	gugun		varchar(13)	not null,</a:t>
             </a:r>
-            <a:endParaRPr kumimoji="0" lang="en-US" altLang="ko-KR" sz="2400" b="0" i="0" u="none" strike="noStrike" kern="1200" cap="none" spc="0" normalizeH="0" baseline="0">
-              <a:solidFill>
-                <a:schemeClr val="dk1"/>
-              </a:solidFill>
-              <a:latin typeface="1훈정글북 Regular"/>
-              <a:ea typeface="1훈정글북 Regular"/>
-            </a:endParaRPr>
           </a:p>
           <a:p>
             <a:pPr marL="0" indent="0" defTabSz="914400" rtl="0" eaLnBrk="1" latinLnBrk="1" hangingPunct="1">
@@ -33490,13 +33029,6 @@
               </a:rPr>
               <a:t>	dong		varchar(43)	not null,</a:t>
             </a:r>
-            <a:endParaRPr kumimoji="0" lang="en-US" altLang="ko-KR" sz="2400" b="0" i="0" u="none" strike="noStrike" kern="1200" cap="none" spc="0" normalizeH="0" baseline="0">
-              <a:solidFill>
-                <a:schemeClr val="dk1"/>
-              </a:solidFill>
-              <a:latin typeface="1훈정글북 Regular"/>
-              <a:ea typeface="1훈정글북 Regular"/>
-            </a:endParaRPr>
           </a:p>
           <a:p>
             <a:pPr marL="0" indent="0" defTabSz="914400" rtl="0" eaLnBrk="1" latinLnBrk="1" hangingPunct="1">
@@ -33523,13 +33055,6 @@
               </a:rPr>
               <a:t>	bunji		varchar(17)	not null,</a:t>
             </a:r>
-            <a:endParaRPr kumimoji="0" lang="en-US" altLang="ko-KR" sz="2400" b="0" i="0" u="none" strike="noStrike" kern="1200" cap="none" spc="0" normalizeH="0" baseline="0">
-              <a:solidFill>
-                <a:schemeClr val="dk1"/>
-              </a:solidFill>
-              <a:latin typeface="1훈정글북 Regular"/>
-              <a:ea typeface="1훈정글북 Regular"/>
-            </a:endParaRPr>
           </a:p>
           <a:p>
             <a:pPr marL="0" indent="0" defTabSz="914400" rtl="0" eaLnBrk="1" latinLnBrk="1" hangingPunct="1">
@@ -33556,13 +33081,6 @@
               </a:rPr>
               <a:t>	seq		varchar(5)	not null	primary key</a:t>
             </a:r>
-            <a:endParaRPr kumimoji="0" lang="en-US" altLang="ko-KR" sz="2400" b="0" i="0" u="none" strike="noStrike" kern="1200" cap="none" spc="0" normalizeH="0" baseline="0">
-              <a:solidFill>
-                <a:schemeClr val="dk1"/>
-              </a:solidFill>
-              <a:latin typeface="1훈정글북 Regular"/>
-              <a:ea typeface="1훈정글북 Regular"/>
-            </a:endParaRPr>
           </a:p>
           <a:p>
             <a:pPr marL="0" indent="0" defTabSz="914400" rtl="0" eaLnBrk="1" latinLnBrk="1" hangingPunct="1">
@@ -33589,13 +33107,6 @@
               </a:rPr>
               <a:t>);</a:t>
             </a:r>
-            <a:endParaRPr kumimoji="0" lang="en-US" altLang="ko-KR" sz="2400" b="0" i="0" u="none" strike="noStrike" kern="1200" cap="none" spc="0" normalizeH="0" baseline="0">
-              <a:solidFill>
-                <a:schemeClr val="dk1"/>
-              </a:solidFill>
-              <a:latin typeface="1훈정글북 Regular"/>
-              <a:ea typeface="1훈정글북 Regular"/>
-            </a:endParaRPr>
           </a:p>
           <a:p>
             <a:pPr marL="0" indent="0" defTabSz="914400" rtl="0" eaLnBrk="1" latinLnBrk="1" hangingPunct="1">
@@ -33650,11 +33161,11 @@
   <p:clrMapOvr>
     <a:masterClrMapping/>
   </p:clrMapOvr>
-  <mc:AlternateContent xmlns:mc="http://schemas.openxmlformats.org/markup-compatibility/2006">
-    <mc:Choice xmlns:p14="http://schemas.microsoft.com/office/powerpoint/2010/main" Requires="p14">
-      <p:transition xmlns:mc="http://schemas.openxmlformats.org/markup-compatibility/2006" xmlns:p14="http://schemas.microsoft.com/office/powerpoint/2010/main" mc:Ignorable="p14" p14:dur="500"/>
+  <mc:AlternateContent xmlns:mc="http://schemas.openxmlformats.org/markup-compatibility/2006" xmlns:p14="http://schemas.microsoft.com/office/powerpoint/2010/main">
+    <mc:Choice Requires="p14">
+      <p:transition/>
     </mc:Choice>
-    <mc:Fallback>
+    <mc:Fallback xmlns:dsp="http://schemas.microsoft.com/office/drawing/2008/diagram" xmlns:dgm="http://schemas.openxmlformats.org/drawingml/2006/diagram" xmlns:c="http://schemas.openxmlformats.org/drawingml/2006/chart" xmlns="">
       <p:transition/>
     </mc:Fallback>
   </mc:AlternateContent>
@@ -33662,21 +33173,22 @@
 </file>
 
 <file path=ppt/slides/slide34.xml><?xml version="1.0" encoding="utf-8"?>
-<p:sld xmlns:r="http://schemas.openxmlformats.org/officeDocument/2006/relationships" xmlns:c="http://schemas.openxmlformats.org/drawingml/2006/chart" xmlns:a="http://schemas.openxmlformats.org/drawingml/2006/main" xmlns:dgm="http://schemas.openxmlformats.org/drawingml/2006/diagram" xmlns:dsp="http://schemas.microsoft.com/office/drawing/2008/diagram" xmlns:p="http://schemas.openxmlformats.org/presentationml/2006/main">
+<p:sld xmlns:a="http://schemas.openxmlformats.org/drawingml/2006/main" xmlns:r="http://schemas.openxmlformats.org/officeDocument/2006/relationships" xmlns:p="http://schemas.openxmlformats.org/presentationml/2006/main">
   <p:cSld>
     <p:bg>
-      <p:bgPr shadeToTitle="0">
+      <p:bgPr>
         <a:gradFill>
           <a:gsLst>
             <a:gs pos="50000">
-              <a:srgbClr val="b3acb3"/>
+              <a:srgbClr val="B3ACB3"/>
             </a:gs>
             <a:gs pos="50000">
-              <a:srgbClr val="f8e9e8"/>
+              <a:srgbClr val="F8E9E8"/>
             </a:gs>
           </a:gsLst>
           <a:lin ang="6600000" scaled="0"/>
         </a:gradFill>
+        <a:effectLst/>
       </p:bgPr>
     </p:bg>
     <p:spTree>
@@ -33714,7 +33226,7 @@
             <a:gradFill>
               <a:gsLst>
                 <a:gs pos="50000">
-                  <a:srgbClr val="efccca"/>
+                  <a:srgbClr val="EFCCCA"/>
                 </a:gs>
                 <a:gs pos="50000">
                   <a:schemeClr val="bg1">
@@ -33797,7 +33309,7 @@
             <a:r>
               <a:rPr lang="en-US" altLang="ko-KR" sz="4200" b="1" i="1">
                 <a:solidFill>
-                  <a:srgbClr val="ff9999"/>
+                  <a:srgbClr val="FF9999"/>
                 </a:solidFill>
               </a:rPr>
               <a:t>DB</a:t>
@@ -33805,16 +33317,11 @@
             <a:r>
               <a:rPr lang="ko-KR" altLang="en-US" sz="4200" b="1" i="1">
                 <a:solidFill>
-                  <a:srgbClr val="ff9999"/>
+                  <a:srgbClr val="FF9999"/>
                 </a:solidFill>
               </a:rPr>
               <a:t>구성 및 설명</a:t>
             </a:r>
-            <a:endParaRPr lang="ko-KR" altLang="en-US" sz="4200" b="1" i="1">
-              <a:solidFill>
-                <a:srgbClr val="ff9999"/>
-              </a:solidFill>
-            </a:endParaRPr>
           </a:p>
         </p:txBody>
       </p:sp>
@@ -33858,7 +33365,7 @@
             <a:r>
               <a:rPr kumimoji="0" lang="en-US" altLang="ko-KR" sz="2700" b="0" i="0" u="none" strike="noStrike" kern="1200" cap="none" spc="0" normalizeH="0" baseline="0">
                 <a:solidFill>
-                  <a:srgbClr val="ff0000"/>
+                  <a:srgbClr val="FF0000"/>
                 </a:solidFill>
                 <a:latin typeface="1훈정글북 Regular"/>
                 <a:ea typeface="1훈정글북 Regular"/>
@@ -33868,7 +33375,7 @@
             <a:r>
               <a:rPr kumimoji="0" lang="ko-KR" altLang="en-US" sz="2700" b="0" i="0" u="none" strike="noStrike" kern="1200" cap="none" spc="0" normalizeH="0" baseline="0">
                 <a:solidFill>
-                  <a:srgbClr val="ff0000"/>
+                  <a:srgbClr val="FF0000"/>
                 </a:solidFill>
                 <a:latin typeface="1훈정글북 Regular"/>
                 <a:ea typeface="1훈정글북 Regular"/>
@@ -33878,7 +33385,7 @@
             <a:r>
               <a:rPr kumimoji="0" lang="en-US" altLang="ko-KR" sz="2700" b="0" i="0" u="none" strike="noStrike" kern="1200" cap="none" spc="0" normalizeH="0" baseline="0">
                 <a:solidFill>
-                  <a:srgbClr val="ff0000"/>
+                  <a:srgbClr val="FF0000"/>
                 </a:solidFill>
                 <a:latin typeface="1훈정글북 Regular"/>
                 <a:ea typeface="1훈정글북 Regular"/>
@@ -33888,7 +33395,7 @@
             <a:r>
               <a:rPr kumimoji="0" lang="ko-KR" altLang="en-US" sz="2700" b="0" i="0" u="none" strike="noStrike" kern="1200" cap="none" spc="0" normalizeH="0" baseline="0">
                 <a:solidFill>
-                  <a:srgbClr val="ff0000"/>
+                  <a:srgbClr val="FF0000"/>
                 </a:solidFill>
                 <a:latin typeface="1훈정글북 Regular"/>
                 <a:ea typeface="1훈정글북 Regular"/>
@@ -33898,7 +33405,7 @@
             <a:r>
               <a:rPr kumimoji="0" lang="en-US" altLang="ko-KR" sz="2700" b="0" i="0" u="none" strike="noStrike" kern="1200" cap="none" spc="0" normalizeH="0" baseline="0">
                 <a:solidFill>
-                  <a:srgbClr val="ff0000"/>
+                  <a:srgbClr val="FF0000"/>
                 </a:solidFill>
                 <a:latin typeface="1훈정글북 Regular"/>
                 <a:ea typeface="1훈정글북 Regular"/>
@@ -33908,16 +33415,32 @@
             <a:r>
               <a:rPr kumimoji="0" lang="ko-KR" altLang="en-US" sz="2700" b="0" i="0" u="none" strike="noStrike" kern="1200" cap="none" spc="0" normalizeH="0" baseline="0">
                 <a:solidFill>
-                  <a:srgbClr val="ff0000"/>
+                  <a:srgbClr val="FF0000"/>
                 </a:solidFill>
                 <a:latin typeface="1훈정글북 Regular"/>
                 <a:ea typeface="1훈정글북 Regular"/>
               </a:rPr>
               <a:t> 장바구니</a:t>
             </a:r>
+          </a:p>
+          <a:p>
+            <a:pPr marL="0" indent="0" defTabSz="914400" rtl="0" eaLnBrk="1" latinLnBrk="1" hangingPunct="1">
+              <a:lnSpc>
+                <a:spcPct val="90000"/>
+              </a:lnSpc>
+              <a:spcBef>
+                <a:spcPts val="1000"/>
+              </a:spcBef>
+              <a:spcAft>
+                <a:spcPts val="0"/>
+              </a:spcAft>
+              <a:buFont typeface="Arial"/>
+              <a:buNone/>
+              <a:defRPr/>
+            </a:pPr>
             <a:endParaRPr kumimoji="0" lang="ko-KR" altLang="en-US" sz="2700" b="0" i="0" u="none" strike="noStrike" kern="1200" cap="none" spc="0" normalizeH="0" baseline="0">
               <a:solidFill>
-                <a:srgbClr val="ff0000"/>
+                <a:srgbClr val="FF0000"/>
               </a:solidFill>
               <a:latin typeface="1훈정글북 Regular"/>
               <a:ea typeface="1훈정글북 Regular"/>
@@ -33926,21 +33449,21 @@
           <a:p>
             <a:pPr marL="0" indent="0" defTabSz="914400" rtl="0" eaLnBrk="1" latinLnBrk="1" hangingPunct="1">
               <a:lnSpc>
-                <a:spcPct val="90000"/>
-              </a:lnSpc>
-              <a:spcBef>
-                <a:spcPts val="1000"/>
-              </a:spcBef>
-              <a:spcAft>
-                <a:spcPts val="0"/>
-              </a:spcAft>
-              <a:buFont typeface="Arial"/>
-              <a:buNone/>
-              <a:defRPr/>
-            </a:pPr>
-            <a:endParaRPr kumimoji="0" lang="ko-KR" altLang="en-US" sz="2700" b="0" i="0" u="none" strike="noStrike" kern="1200" cap="none" spc="0" normalizeH="0" baseline="0">
-              <a:solidFill>
-                <a:srgbClr val="ff0000"/>
+                <a:spcPct val="30000"/>
+              </a:lnSpc>
+              <a:spcBef>
+                <a:spcPts val="1000"/>
+              </a:spcBef>
+              <a:spcAft>
+                <a:spcPts val="0"/>
+              </a:spcAft>
+              <a:buFont typeface="Arial"/>
+              <a:buNone/>
+              <a:defRPr/>
+            </a:pPr>
+            <a:endParaRPr kumimoji="0" lang="en-US" altLang="ko-KR" sz="1700" b="0" i="0" u="none" strike="noStrike" kern="1200" cap="none" spc="0" normalizeH="0" baseline="0">
+              <a:solidFill>
+                <a:schemeClr val="dk1"/>
               </a:solidFill>
               <a:latin typeface="1훈정글북 Regular"/>
               <a:ea typeface="1훈정글북 Regular"/>
@@ -33961,29 +33484,6 @@
               <a:buNone/>
               <a:defRPr/>
             </a:pPr>
-            <a:endParaRPr kumimoji="0" lang="en-US" altLang="ko-KR" sz="1700" b="0" i="0" u="none" strike="noStrike" kern="1200" cap="none" spc="0" normalizeH="0" baseline="0">
-              <a:solidFill>
-                <a:schemeClr val="dk1"/>
-              </a:solidFill>
-              <a:latin typeface="1훈정글북 Regular"/>
-              <a:ea typeface="1훈정글북 Regular"/>
-            </a:endParaRPr>
-          </a:p>
-          <a:p>
-            <a:pPr marL="0" indent="0" defTabSz="914400" rtl="0" eaLnBrk="1" latinLnBrk="1" hangingPunct="1">
-              <a:lnSpc>
-                <a:spcPct val="30000"/>
-              </a:lnSpc>
-              <a:spcBef>
-                <a:spcPts val="1000"/>
-              </a:spcBef>
-              <a:spcAft>
-                <a:spcPts val="0"/>
-              </a:spcAft>
-              <a:buFont typeface="Arial"/>
-              <a:buNone/>
-              <a:defRPr/>
-            </a:pPr>
             <a:r>
               <a:rPr kumimoji="0" lang="en-US" altLang="ko-KR" sz="2400" b="0" i="0" u="none" strike="noStrike" kern="1200" cap="none" spc="0" normalizeH="0" baseline="0">
                 <a:solidFill>
@@ -33994,13 +33494,6 @@
               </a:rPr>
               <a:t>Create table cart (</a:t>
             </a:r>
-            <a:endParaRPr kumimoji="0" lang="en-US" altLang="ko-KR" sz="2400" b="0" i="0" u="none" strike="noStrike" kern="1200" cap="none" spc="0" normalizeH="0" baseline="0">
-              <a:solidFill>
-                <a:schemeClr val="dk1"/>
-              </a:solidFill>
-              <a:latin typeface="1훈정글북 Regular"/>
-              <a:ea typeface="1훈정글북 Regular"/>
-            </a:endParaRPr>
           </a:p>
           <a:p>
             <a:pPr marL="0" indent="0" defTabSz="914400" rtl="0" eaLnBrk="1" latinLnBrk="1" hangingPunct="1">
@@ -34020,7 +33513,7 @@
             <a:r>
               <a:rPr kumimoji="0" lang="en-US" altLang="ko-KR" sz="2400" b="0" i="0" u="none" strike="noStrike" kern="1200" cap="none" spc="0" normalizeH="0" baseline="0">
                 <a:solidFill>
-                  <a:srgbClr val="ff0000"/>
+                  <a:srgbClr val="FF0000"/>
                 </a:solidFill>
                 <a:latin typeface="1훈정글북 Regular"/>
                 <a:ea typeface="1훈정글북 Regular"/>
@@ -34047,13 +33540,6 @@
               </a:rPr>
               <a:t>장바구니 번호</a:t>
             </a:r>
-            <a:endParaRPr kumimoji="0" lang="ko-KR" altLang="en-US" sz="2400" b="0" i="0" u="none" strike="noStrike" kern="1200" cap="none" spc="0" normalizeH="0" baseline="0">
-              <a:solidFill>
-                <a:schemeClr val="dk1"/>
-              </a:solidFill>
-              <a:latin typeface="1훈정글북 Regular"/>
-              <a:ea typeface="1훈정글북 Regular"/>
-            </a:endParaRPr>
           </a:p>
           <a:p>
             <a:pPr marL="0" indent="0" defTabSz="914400" rtl="0" eaLnBrk="1" latinLnBrk="1" hangingPunct="1">
@@ -34090,13 +33576,6 @@
               </a:rPr>
               <a:t> 상품 번호</a:t>
             </a:r>
-            <a:endParaRPr kumimoji="0" lang="ko-KR" altLang="en-US" sz="2400" b="0" i="0" u="none" strike="noStrike" kern="1200" cap="none" spc="0" normalizeH="0" baseline="0">
-              <a:solidFill>
-                <a:schemeClr val="dk1"/>
-              </a:solidFill>
-              <a:latin typeface="1훈정글북 Regular"/>
-              <a:ea typeface="1훈정글북 Regular"/>
-            </a:endParaRPr>
           </a:p>
           <a:p>
             <a:pPr marL="0" indent="0" defTabSz="914400" rtl="0" eaLnBrk="1" latinLnBrk="1" hangingPunct="1">
@@ -34133,13 +33612,6 @@
               </a:rPr>
               <a:t>주문 수량</a:t>
             </a:r>
-            <a:endParaRPr kumimoji="0" lang="ko-KR" altLang="en-US" sz="2400" b="0" i="0" u="none" strike="noStrike" kern="1200" cap="none" spc="0" normalizeH="0" baseline="0">
-              <a:solidFill>
-                <a:schemeClr val="dk1"/>
-              </a:solidFill>
-              <a:latin typeface="1훈정글북 Regular"/>
-              <a:ea typeface="1훈정글북 Regular"/>
-            </a:endParaRPr>
           </a:p>
           <a:p>
             <a:pPr marL="0" indent="0" defTabSz="914400" rtl="0" eaLnBrk="1" latinLnBrk="1" hangingPunct="1">
@@ -34166,13 +33638,6 @@
               </a:rPr>
               <a:t>);</a:t>
             </a:r>
-            <a:endParaRPr kumimoji="0" lang="en-US" altLang="ko-KR" sz="2400" b="0" i="0" u="none" strike="noStrike" kern="1200" cap="none" spc="0" normalizeH="0" baseline="0">
-              <a:solidFill>
-                <a:schemeClr val="dk1"/>
-              </a:solidFill>
-              <a:latin typeface="1훈정글북 Regular"/>
-              <a:ea typeface="1훈정글북 Regular"/>
-            </a:endParaRPr>
           </a:p>
           <a:p>
             <a:pPr marL="0" indent="0" defTabSz="914400" rtl="0" eaLnBrk="1" latinLnBrk="1" hangingPunct="1">
@@ -34260,11 +33725,11 @@
   <p:clrMapOvr>
     <a:masterClrMapping/>
   </p:clrMapOvr>
-  <mc:AlternateContent xmlns:mc="http://schemas.openxmlformats.org/markup-compatibility/2006">
-    <mc:Choice xmlns:p14="http://schemas.microsoft.com/office/powerpoint/2010/main" Requires="p14">
-      <p:transition xmlns:mc="http://schemas.openxmlformats.org/markup-compatibility/2006" xmlns:p14="http://schemas.microsoft.com/office/powerpoint/2010/main" mc:Ignorable="p14" p14:dur="500"/>
+  <mc:AlternateContent xmlns:mc="http://schemas.openxmlformats.org/markup-compatibility/2006" xmlns:p14="http://schemas.microsoft.com/office/powerpoint/2010/main">
+    <mc:Choice Requires="p14">
+      <p:transition/>
     </mc:Choice>
-    <mc:Fallback>
+    <mc:Fallback xmlns:dsp="http://schemas.microsoft.com/office/drawing/2008/diagram" xmlns:dgm="http://schemas.openxmlformats.org/drawingml/2006/diagram" xmlns:c="http://schemas.openxmlformats.org/drawingml/2006/chart" xmlns="">
       <p:transition/>
     </mc:Fallback>
   </mc:AlternateContent>
@@ -34272,21 +33737,22 @@
 </file>
 
 <file path=ppt/slides/slide35.xml><?xml version="1.0" encoding="utf-8"?>
-<p:sld xmlns:r="http://schemas.openxmlformats.org/officeDocument/2006/relationships" xmlns:c="http://schemas.openxmlformats.org/drawingml/2006/chart" xmlns:a="http://schemas.openxmlformats.org/drawingml/2006/main" xmlns:dgm="http://schemas.openxmlformats.org/drawingml/2006/diagram" xmlns:dsp="http://schemas.microsoft.com/office/drawing/2008/diagram" xmlns:p="http://schemas.openxmlformats.org/presentationml/2006/main">
+<p:sld xmlns:a="http://schemas.openxmlformats.org/drawingml/2006/main" xmlns:r="http://schemas.openxmlformats.org/officeDocument/2006/relationships" xmlns:p="http://schemas.openxmlformats.org/presentationml/2006/main">
   <p:cSld>
     <p:bg>
-      <p:bgPr shadeToTitle="0">
+      <p:bgPr>
         <a:gradFill>
           <a:gsLst>
             <a:gs pos="50000">
-              <a:srgbClr val="b3acb3"/>
+              <a:srgbClr val="B3ACB3"/>
             </a:gs>
             <a:gs pos="50000">
-              <a:srgbClr val="f8e9e8"/>
+              <a:srgbClr val="F8E9E8"/>
             </a:gs>
           </a:gsLst>
           <a:lin ang="6600000" scaled="0"/>
         </a:gradFill>
+        <a:effectLst/>
       </p:bgPr>
     </p:bg>
     <p:spTree>
@@ -34324,7 +33790,7 @@
             <a:gradFill>
               <a:gsLst>
                 <a:gs pos="50000">
-                  <a:srgbClr val="efccca"/>
+                  <a:srgbClr val="EFCCCA"/>
                 </a:gs>
                 <a:gs pos="50000">
                   <a:schemeClr val="bg1">
@@ -34407,7 +33873,7 @@
             <a:r>
               <a:rPr lang="en-US" altLang="ko-KR" sz="4200" b="1" i="1">
                 <a:solidFill>
-                  <a:srgbClr val="ff9999"/>
+                  <a:srgbClr val="FF9999"/>
                 </a:solidFill>
               </a:rPr>
               <a:t>DB</a:t>
@@ -34415,16 +33881,11 @@
             <a:r>
               <a:rPr lang="ko-KR" altLang="en-US" sz="4200" b="1" i="1">
                 <a:solidFill>
-                  <a:srgbClr val="ff9999"/>
+                  <a:srgbClr val="FF9999"/>
                 </a:solidFill>
               </a:rPr>
               <a:t>구성 및 설명</a:t>
             </a:r>
-            <a:endParaRPr lang="ko-KR" altLang="en-US" sz="4200" b="1" i="1">
-              <a:solidFill>
-                <a:srgbClr val="ff9999"/>
-              </a:solidFill>
-            </a:endParaRPr>
           </a:p>
         </p:txBody>
       </p:sp>
@@ -34468,7 +33929,7 @@
             <a:r>
               <a:rPr kumimoji="0" lang="en-US" altLang="ko-KR" sz="2700" b="0" i="0" u="none" strike="noStrike" kern="1200" cap="none" spc="0" normalizeH="0" baseline="0">
                 <a:solidFill>
-                  <a:srgbClr val="ff0000"/>
+                  <a:srgbClr val="FF0000"/>
                 </a:solidFill>
                 <a:latin typeface="1훈정글북 Regular"/>
                 <a:ea typeface="1훈정글북 Regular"/>
@@ -34478,7 +33939,7 @@
             <a:r>
               <a:rPr kumimoji="0" lang="ko-KR" altLang="en-US" sz="2700" b="0" i="0" u="none" strike="noStrike" kern="1200" cap="none" spc="0" normalizeH="0" baseline="0">
                 <a:solidFill>
-                  <a:srgbClr val="ff0000"/>
+                  <a:srgbClr val="FF0000"/>
                 </a:solidFill>
                 <a:latin typeface="1훈정글북 Regular"/>
                 <a:ea typeface="1훈정글북 Regular"/>
@@ -34488,7 +33949,7 @@
             <a:r>
               <a:rPr kumimoji="0" lang="en-US" altLang="ko-KR" sz="2700" b="0" i="0" u="none" strike="noStrike" kern="1200" cap="none" spc="0" normalizeH="0" baseline="0">
                 <a:solidFill>
-                  <a:srgbClr val="ff0000"/>
+                  <a:srgbClr val="FF0000"/>
                 </a:solidFill>
                 <a:latin typeface="1훈정글북 Regular"/>
                 <a:ea typeface="1훈정글북 Regular"/>
@@ -34498,7 +33959,7 @@
             <a:r>
               <a:rPr kumimoji="0" lang="ko-KR" altLang="en-US" sz="2700" b="0" i="0" u="none" strike="noStrike" kern="1200" cap="none" spc="0" normalizeH="0" baseline="0">
                 <a:solidFill>
-                  <a:srgbClr val="ff0000"/>
+                  <a:srgbClr val="FF0000"/>
                 </a:solidFill>
                 <a:latin typeface="1훈정글북 Regular"/>
                 <a:ea typeface="1훈정글북 Regular"/>
@@ -34508,7 +33969,7 @@
             <a:r>
               <a:rPr kumimoji="0" lang="en-US" altLang="ko-KR" sz="2700" b="0" i="0" u="none" strike="noStrike" kern="1200" cap="none" spc="0" normalizeH="0" baseline="0">
                 <a:solidFill>
-                  <a:srgbClr val="ff0000"/>
+                  <a:srgbClr val="FF0000"/>
                 </a:solidFill>
                 <a:latin typeface="1훈정글북 Regular"/>
                 <a:ea typeface="1훈정글북 Regular"/>
@@ -34518,16 +33979,32 @@
             <a:r>
               <a:rPr kumimoji="0" lang="ko-KR" altLang="en-US" sz="2700" b="0" i="0" u="none" strike="noStrike" kern="1200" cap="none" spc="0" normalizeH="0" baseline="0">
                 <a:solidFill>
-                  <a:srgbClr val="ff0000"/>
+                  <a:srgbClr val="FF0000"/>
                 </a:solidFill>
                 <a:latin typeface="1훈정글북 Regular"/>
                 <a:ea typeface="1훈정글북 Regular"/>
               </a:rPr>
               <a:t> 임시 장바구니</a:t>
             </a:r>
+          </a:p>
+          <a:p>
+            <a:pPr marL="0" indent="0" defTabSz="914400" rtl="0" eaLnBrk="1" latinLnBrk="1" hangingPunct="1">
+              <a:lnSpc>
+                <a:spcPct val="90000"/>
+              </a:lnSpc>
+              <a:spcBef>
+                <a:spcPts val="1000"/>
+              </a:spcBef>
+              <a:spcAft>
+                <a:spcPts val="0"/>
+              </a:spcAft>
+              <a:buFont typeface="Arial"/>
+              <a:buNone/>
+              <a:defRPr/>
+            </a:pPr>
             <a:endParaRPr kumimoji="0" lang="ko-KR" altLang="en-US" sz="2700" b="0" i="0" u="none" strike="noStrike" kern="1200" cap="none" spc="0" normalizeH="0" baseline="0">
               <a:solidFill>
-                <a:srgbClr val="ff0000"/>
+                <a:srgbClr val="FF0000"/>
               </a:solidFill>
               <a:latin typeface="1훈정글북 Regular"/>
               <a:ea typeface="1훈정글북 Regular"/>
@@ -34536,21 +34013,21 @@
           <a:p>
             <a:pPr marL="0" indent="0" defTabSz="914400" rtl="0" eaLnBrk="1" latinLnBrk="1" hangingPunct="1">
               <a:lnSpc>
-                <a:spcPct val="90000"/>
-              </a:lnSpc>
-              <a:spcBef>
-                <a:spcPts val="1000"/>
-              </a:spcBef>
-              <a:spcAft>
-                <a:spcPts val="0"/>
-              </a:spcAft>
-              <a:buFont typeface="Arial"/>
-              <a:buNone/>
-              <a:defRPr/>
-            </a:pPr>
-            <a:endParaRPr kumimoji="0" lang="ko-KR" altLang="en-US" sz="2700" b="0" i="0" u="none" strike="noStrike" kern="1200" cap="none" spc="0" normalizeH="0" baseline="0">
-              <a:solidFill>
-                <a:srgbClr val="ff0000"/>
+                <a:spcPct val="30000"/>
+              </a:lnSpc>
+              <a:spcBef>
+                <a:spcPts val="1000"/>
+              </a:spcBef>
+              <a:spcAft>
+                <a:spcPts val="0"/>
+              </a:spcAft>
+              <a:buFont typeface="Arial"/>
+              <a:buNone/>
+              <a:defRPr/>
+            </a:pPr>
+            <a:endParaRPr kumimoji="0" lang="en-US" altLang="ko-KR" sz="1700" b="0" i="0" u="none" strike="noStrike" kern="1200" cap="none" spc="0" normalizeH="0" baseline="0">
+              <a:solidFill>
+                <a:schemeClr val="dk1"/>
               </a:solidFill>
               <a:latin typeface="1훈정글북 Regular"/>
               <a:ea typeface="1훈정글북 Regular"/>
@@ -34571,29 +34048,6 @@
               <a:buNone/>
               <a:defRPr/>
             </a:pPr>
-            <a:endParaRPr kumimoji="0" lang="en-US" altLang="ko-KR" sz="1700" b="0" i="0" u="none" strike="noStrike" kern="1200" cap="none" spc="0" normalizeH="0" baseline="0">
-              <a:solidFill>
-                <a:schemeClr val="dk1"/>
-              </a:solidFill>
-              <a:latin typeface="1훈정글북 Regular"/>
-              <a:ea typeface="1훈정글북 Regular"/>
-            </a:endParaRPr>
-          </a:p>
-          <a:p>
-            <a:pPr marL="0" indent="0" defTabSz="914400" rtl="0" eaLnBrk="1" latinLnBrk="1" hangingPunct="1">
-              <a:lnSpc>
-                <a:spcPct val="30000"/>
-              </a:lnSpc>
-              <a:spcBef>
-                <a:spcPts val="1000"/>
-              </a:spcBef>
-              <a:spcAft>
-                <a:spcPts val="0"/>
-              </a:spcAft>
-              <a:buFont typeface="Arial"/>
-              <a:buNone/>
-              <a:defRPr/>
-            </a:pPr>
             <a:r>
               <a:rPr kumimoji="0" lang="en-US" altLang="ko-KR" sz="2400" b="0" i="0" u="none" strike="noStrike" kern="1200" cap="none" spc="0" normalizeH="0" baseline="0">
                 <a:solidFill>
@@ -34604,13 +34058,6 @@
               </a:rPr>
               <a:t>Create table tempcart (</a:t>
             </a:r>
-            <a:endParaRPr kumimoji="0" lang="en-US" altLang="ko-KR" sz="2400" b="0" i="0" u="none" strike="noStrike" kern="1200" cap="none" spc="0" normalizeH="0" baseline="0">
-              <a:solidFill>
-                <a:schemeClr val="dk1"/>
-              </a:solidFill>
-              <a:latin typeface="1훈정글북 Regular"/>
-              <a:ea typeface="1훈정글북 Regular"/>
-            </a:endParaRPr>
           </a:p>
           <a:p>
             <a:pPr marL="0" indent="0" defTabSz="914400" rtl="0" eaLnBrk="1" latinLnBrk="1" hangingPunct="1">
@@ -34630,7 +34077,7 @@
             <a:r>
               <a:rPr kumimoji="0" lang="en-US" altLang="ko-KR" sz="2400" b="0" i="0" u="none" strike="noStrike" kern="1200" cap="none" spc="0" normalizeH="0" baseline="0">
                 <a:solidFill>
-                  <a:srgbClr val="ff0000"/>
+                  <a:srgbClr val="FF0000"/>
                 </a:solidFill>
                 <a:latin typeface="1훈정글북 Regular"/>
                 <a:ea typeface="1훈정글북 Regular"/>
@@ -34657,13 +34104,6 @@
               </a:rPr>
               <a:t>장바구니 번호</a:t>
             </a:r>
-            <a:endParaRPr kumimoji="0" lang="ko-KR" altLang="en-US" sz="2400" b="0" i="0" u="none" strike="noStrike" kern="1200" cap="none" spc="0" normalizeH="0" baseline="0">
-              <a:solidFill>
-                <a:schemeClr val="dk1"/>
-              </a:solidFill>
-              <a:latin typeface="1훈정글북 Regular"/>
-              <a:ea typeface="1훈정글북 Regular"/>
-            </a:endParaRPr>
           </a:p>
           <a:p>
             <a:pPr marL="0" indent="0" defTabSz="914400" rtl="0" eaLnBrk="1" latinLnBrk="1" hangingPunct="1">
@@ -34700,13 +34140,6 @@
               </a:rPr>
               <a:t> 상품 번호</a:t>
             </a:r>
-            <a:endParaRPr kumimoji="0" lang="ko-KR" altLang="en-US" sz="2400" b="0" i="0" u="none" strike="noStrike" kern="1200" cap="none" spc="0" normalizeH="0" baseline="0">
-              <a:solidFill>
-                <a:schemeClr val="dk1"/>
-              </a:solidFill>
-              <a:latin typeface="1훈정글북 Regular"/>
-              <a:ea typeface="1훈정글북 Regular"/>
-            </a:endParaRPr>
           </a:p>
           <a:p>
             <a:pPr marL="0" indent="0" defTabSz="914400" rtl="0" eaLnBrk="1" latinLnBrk="1" hangingPunct="1">
@@ -34743,13 +34176,6 @@
               </a:rPr>
               <a:t>주문 수량</a:t>
             </a:r>
-            <a:endParaRPr kumimoji="0" lang="ko-KR" altLang="en-US" sz="2400" b="0" i="0" u="none" strike="noStrike" kern="1200" cap="none" spc="0" normalizeH="0" baseline="0">
-              <a:solidFill>
-                <a:schemeClr val="dk1"/>
-              </a:solidFill>
-              <a:latin typeface="1훈정글북 Regular"/>
-              <a:ea typeface="1훈정글북 Regular"/>
-            </a:endParaRPr>
           </a:p>
           <a:p>
             <a:pPr marL="0" indent="0" defTabSz="914400" rtl="0" eaLnBrk="1" latinLnBrk="1" hangingPunct="1">
@@ -34776,13 +34202,6 @@
               </a:rPr>
               <a:t>);</a:t>
             </a:r>
-            <a:endParaRPr kumimoji="0" lang="en-US" altLang="ko-KR" sz="2400" b="0" i="0" u="none" strike="noStrike" kern="1200" cap="none" spc="0" normalizeH="0" baseline="0">
-              <a:solidFill>
-                <a:schemeClr val="dk1"/>
-              </a:solidFill>
-              <a:latin typeface="1훈정글북 Regular"/>
-              <a:ea typeface="1훈정글북 Regular"/>
-            </a:endParaRPr>
           </a:p>
           <a:p>
             <a:pPr marL="0" indent="0" defTabSz="914400" rtl="0" eaLnBrk="1" latinLnBrk="1" hangingPunct="1">
@@ -34870,11 +34289,11 @@
   <p:clrMapOvr>
     <a:masterClrMapping/>
   </p:clrMapOvr>
-  <mc:AlternateContent xmlns:mc="http://schemas.openxmlformats.org/markup-compatibility/2006">
-    <mc:Choice xmlns:p14="http://schemas.microsoft.com/office/powerpoint/2010/main" Requires="p14">
-      <p:transition xmlns:mc="http://schemas.openxmlformats.org/markup-compatibility/2006" xmlns:p14="http://schemas.microsoft.com/office/powerpoint/2010/main" mc:Ignorable="p14" p14:dur="500"/>
+  <mc:AlternateContent xmlns:mc="http://schemas.openxmlformats.org/markup-compatibility/2006" xmlns:p14="http://schemas.microsoft.com/office/powerpoint/2010/main">
+    <mc:Choice Requires="p14">
+      <p:transition/>
     </mc:Choice>
-    <mc:Fallback>
+    <mc:Fallback xmlns:dsp="http://schemas.microsoft.com/office/drawing/2008/diagram" xmlns:dgm="http://schemas.openxmlformats.org/drawingml/2006/diagram" xmlns:c="http://schemas.openxmlformats.org/drawingml/2006/chart" xmlns="">
       <p:transition/>
     </mc:Fallback>
   </mc:AlternateContent>
@@ -34882,21 +34301,22 @@
 </file>
 
 <file path=ppt/slides/slide36.xml><?xml version="1.0" encoding="utf-8"?>
-<p:sld xmlns:r="http://schemas.openxmlformats.org/officeDocument/2006/relationships" xmlns:c="http://schemas.openxmlformats.org/drawingml/2006/chart" xmlns:a="http://schemas.openxmlformats.org/drawingml/2006/main" xmlns:dgm="http://schemas.openxmlformats.org/drawingml/2006/diagram" xmlns:dsp="http://schemas.microsoft.com/office/drawing/2008/diagram" xmlns:p="http://schemas.openxmlformats.org/presentationml/2006/main">
+<p:sld xmlns:a="http://schemas.openxmlformats.org/drawingml/2006/main" xmlns:r="http://schemas.openxmlformats.org/officeDocument/2006/relationships" xmlns:p="http://schemas.openxmlformats.org/presentationml/2006/main">
   <p:cSld>
     <p:bg>
-      <p:bgPr shadeToTitle="0">
+      <p:bgPr>
         <a:gradFill>
           <a:gsLst>
             <a:gs pos="50000">
-              <a:srgbClr val="b3acb3"/>
+              <a:srgbClr val="B3ACB3"/>
             </a:gs>
             <a:gs pos="50000">
-              <a:srgbClr val="f8e9e8"/>
+              <a:srgbClr val="F8E9E8"/>
             </a:gs>
           </a:gsLst>
           <a:lin ang="6600000" scaled="0"/>
         </a:gradFill>
+        <a:effectLst/>
       </p:bgPr>
     </p:bg>
     <p:spTree>
@@ -34934,7 +34354,7 @@
             <a:gradFill>
               <a:gsLst>
                 <a:gs pos="50000">
-                  <a:srgbClr val="efccca"/>
+                  <a:srgbClr val="EFCCCA"/>
                 </a:gs>
                 <a:gs pos="50000">
                   <a:schemeClr val="bg1">
@@ -35017,7 +34437,7 @@
             <a:r>
               <a:rPr lang="en-US" altLang="ko-KR" sz="4200" b="1" i="1">
                 <a:solidFill>
-                  <a:srgbClr val="ff9999"/>
+                  <a:srgbClr val="FF9999"/>
                 </a:solidFill>
               </a:rPr>
               <a:t>DB</a:t>
@@ -35025,16 +34445,11 @@
             <a:r>
               <a:rPr lang="ko-KR" altLang="en-US" sz="4200" b="1" i="1">
                 <a:solidFill>
-                  <a:srgbClr val="ff9999"/>
+                  <a:srgbClr val="FF9999"/>
                 </a:solidFill>
               </a:rPr>
               <a:t>구성 및 설명</a:t>
             </a:r>
-            <a:endParaRPr lang="ko-KR" altLang="en-US" sz="4200" b="1" i="1">
-              <a:solidFill>
-                <a:srgbClr val="ff9999"/>
-              </a:solidFill>
-            </a:endParaRPr>
           </a:p>
         </p:txBody>
       </p:sp>
@@ -35078,7 +34493,7 @@
             <a:r>
               <a:rPr kumimoji="0" lang="en-US" altLang="ko-KR" sz="2700" b="0" i="0" u="none" strike="noStrike" kern="1200" cap="none" spc="0" normalizeH="0" baseline="0">
                 <a:solidFill>
-                  <a:srgbClr val="ff0000"/>
+                  <a:srgbClr val="FF0000"/>
                 </a:solidFill>
                 <a:latin typeface="1훈정글북 Regular"/>
                 <a:ea typeface="1훈정글북 Regular"/>
@@ -35088,7 +34503,7 @@
             <a:r>
               <a:rPr kumimoji="0" lang="ko-KR" altLang="en-US" sz="2700" b="0" i="0" u="none" strike="noStrike" kern="1200" cap="none" spc="0" normalizeH="0" baseline="0">
                 <a:solidFill>
-                  <a:srgbClr val="ff0000"/>
+                  <a:srgbClr val="FF0000"/>
                 </a:solidFill>
                 <a:latin typeface="1훈정글북 Regular"/>
                 <a:ea typeface="1훈정글북 Regular"/>
@@ -35098,7 +34513,7 @@
             <a:r>
               <a:rPr kumimoji="0" lang="en-US" altLang="ko-KR" sz="2700" b="0" i="0" u="none" strike="noStrike" kern="1200" cap="none" spc="0" normalizeH="0" baseline="0">
                 <a:solidFill>
-                  <a:srgbClr val="ff0000"/>
+                  <a:srgbClr val="FF0000"/>
                 </a:solidFill>
                 <a:latin typeface="1훈정글북 Regular"/>
                 <a:ea typeface="1훈정글북 Regular"/>
@@ -35108,7 +34523,7 @@
             <a:r>
               <a:rPr kumimoji="0" lang="ko-KR" altLang="en-US" sz="2700" b="0" i="0" u="none" strike="noStrike" kern="1200" cap="none" spc="0" normalizeH="0" baseline="0">
                 <a:solidFill>
-                  <a:srgbClr val="ff0000"/>
+                  <a:srgbClr val="FF0000"/>
                 </a:solidFill>
                 <a:latin typeface="1훈정글북 Regular"/>
                 <a:ea typeface="1훈정글북 Regular"/>
@@ -35118,7 +34533,7 @@
             <a:r>
               <a:rPr kumimoji="0" lang="en-US" altLang="ko-KR" sz="2700" b="0" i="0" u="none" strike="noStrike" kern="1200" cap="none" spc="0" normalizeH="0" baseline="0">
                 <a:solidFill>
-                  <a:srgbClr val="ff0000"/>
+                  <a:srgbClr val="FF0000"/>
                 </a:solidFill>
                 <a:latin typeface="1훈정글북 Regular"/>
                 <a:ea typeface="1훈정글북 Regular"/>
@@ -35128,16 +34543,32 @@
             <a:r>
               <a:rPr kumimoji="0" lang="ko-KR" altLang="en-US" sz="2700" b="0" i="0" u="none" strike="noStrike" kern="1200" cap="none" spc="0" normalizeH="0" baseline="0">
                 <a:solidFill>
-                  <a:srgbClr val="ff0000"/>
+                  <a:srgbClr val="FF0000"/>
                 </a:solidFill>
                 <a:latin typeface="1훈정글북 Regular"/>
                 <a:ea typeface="1훈정글북 Regular"/>
               </a:rPr>
               <a:t> 모든 시술 정보 관리</a:t>
             </a:r>
+          </a:p>
+          <a:p>
+            <a:pPr marL="0" indent="0" defTabSz="914400" rtl="0" eaLnBrk="1" latinLnBrk="1" hangingPunct="1">
+              <a:lnSpc>
+                <a:spcPct val="90000"/>
+              </a:lnSpc>
+              <a:spcBef>
+                <a:spcPts val="1000"/>
+              </a:spcBef>
+              <a:spcAft>
+                <a:spcPts val="0"/>
+              </a:spcAft>
+              <a:buFont typeface="Arial"/>
+              <a:buNone/>
+              <a:defRPr/>
+            </a:pPr>
             <a:endParaRPr kumimoji="0" lang="ko-KR" altLang="en-US" sz="2700" b="0" i="0" u="none" strike="noStrike" kern="1200" cap="none" spc="0" normalizeH="0" baseline="0">
               <a:solidFill>
-                <a:srgbClr val="ff0000"/>
+                <a:srgbClr val="FF0000"/>
               </a:solidFill>
               <a:latin typeface="1훈정글북 Regular"/>
               <a:ea typeface="1훈정글북 Regular"/>
@@ -35146,21 +34577,21 @@
           <a:p>
             <a:pPr marL="0" indent="0" defTabSz="914400" rtl="0" eaLnBrk="1" latinLnBrk="1" hangingPunct="1">
               <a:lnSpc>
-                <a:spcPct val="90000"/>
-              </a:lnSpc>
-              <a:spcBef>
-                <a:spcPts val="1000"/>
-              </a:spcBef>
-              <a:spcAft>
-                <a:spcPts val="0"/>
-              </a:spcAft>
-              <a:buFont typeface="Arial"/>
-              <a:buNone/>
-              <a:defRPr/>
-            </a:pPr>
-            <a:endParaRPr kumimoji="0" lang="ko-KR" altLang="en-US" sz="2700" b="0" i="0" u="none" strike="noStrike" kern="1200" cap="none" spc="0" normalizeH="0" baseline="0">
-              <a:solidFill>
-                <a:srgbClr val="ff0000"/>
+                <a:spcPct val="30000"/>
+              </a:lnSpc>
+              <a:spcBef>
+                <a:spcPts val="1000"/>
+              </a:spcBef>
+              <a:spcAft>
+                <a:spcPts val="0"/>
+              </a:spcAft>
+              <a:buFont typeface="Arial"/>
+              <a:buNone/>
+              <a:defRPr/>
+            </a:pPr>
+            <a:endParaRPr kumimoji="0" lang="en-US" altLang="ko-KR" sz="1700" b="0" i="0" u="none" strike="noStrike" kern="1200" cap="none" spc="0" normalizeH="0" baseline="0">
+              <a:solidFill>
+                <a:schemeClr val="dk1"/>
               </a:solidFill>
               <a:latin typeface="1훈정글북 Regular"/>
               <a:ea typeface="1훈정글북 Regular"/>
@@ -35181,7 +34612,135 @@
               <a:buNone/>
               <a:defRPr/>
             </a:pPr>
-            <a:endParaRPr kumimoji="0" lang="en-US" altLang="ko-KR" sz="1700" b="0" i="0" u="none" strike="noStrike" kern="1200" cap="none" spc="0" normalizeH="0" baseline="0">
+            <a:r>
+              <a:rPr kumimoji="0" lang="en-US" altLang="ko-KR" sz="1900" b="0" i="0" u="none" strike="noStrike" kern="1200" cap="none" spc="0" normalizeH="0" baseline="0">
+                <a:solidFill>
+                  <a:schemeClr val="dk1"/>
+                </a:solidFill>
+                <a:latin typeface="1훈정글북 Regular"/>
+                <a:ea typeface="1훈정글북 Regular"/>
+              </a:rPr>
+              <a:t>Create table surgery (</a:t>
+            </a:r>
+          </a:p>
+          <a:p>
+            <a:pPr marL="0" indent="0" defTabSz="914400" rtl="0" eaLnBrk="1" latinLnBrk="1" hangingPunct="1">
+              <a:lnSpc>
+                <a:spcPct val="90000"/>
+              </a:lnSpc>
+              <a:spcBef>
+                <a:spcPts val="1000"/>
+              </a:spcBef>
+              <a:spcAft>
+                <a:spcPts val="0"/>
+              </a:spcAft>
+              <a:buFont typeface="Arial"/>
+              <a:buNone/>
+              <a:defRPr/>
+            </a:pPr>
+            <a:r>
+              <a:rPr kumimoji="0" lang="en-US" altLang="ko-KR" sz="1900" b="0" i="0" u="none" strike="noStrike" kern="1200" cap="none" spc="0" normalizeH="0" baseline="0">
+                <a:solidFill>
+                  <a:srgbClr val="FF0000"/>
+                </a:solidFill>
+                <a:latin typeface="1훈정글북 Regular"/>
+                <a:ea typeface="1훈정글북 Regular"/>
+              </a:rPr>
+              <a:t>	</a:t>
+            </a:r>
+            <a:r>
+              <a:rPr kumimoji="0" lang="en-US" altLang="ko-KR" sz="1900" b="0" i="0" u="none" strike="noStrike" kern="1200" cap="none" spc="0" normalizeH="0" baseline="0">
+                <a:solidFill>
+                  <a:schemeClr val="dk1"/>
+                </a:solidFill>
+                <a:latin typeface="1훈정글북 Regular"/>
+                <a:ea typeface="1훈정글북 Regular"/>
+              </a:rPr>
+              <a:t>ctgType		char(15),					//</a:t>
+            </a:r>
+            <a:r>
+              <a:rPr kumimoji="0" lang="ko-KR" altLang="en-US" sz="1900" b="0" i="0" u="none" strike="noStrike" kern="1200" cap="none" spc="0" normalizeH="0" baseline="0">
+                <a:solidFill>
+                  <a:schemeClr val="dk1"/>
+                </a:solidFill>
+                <a:latin typeface="1훈정글북 Regular"/>
+                <a:ea typeface="1훈정글북 Regular"/>
+              </a:rPr>
+              <a:t> 카테고리 타입</a:t>
+            </a:r>
+          </a:p>
+          <a:p>
+            <a:pPr marL="0" indent="0" defTabSz="914400" rtl="0" eaLnBrk="1" latinLnBrk="1" hangingPunct="1">
+              <a:lnSpc>
+                <a:spcPct val="90000"/>
+              </a:lnSpc>
+              <a:spcBef>
+                <a:spcPts val="1000"/>
+              </a:spcBef>
+              <a:spcAft>
+                <a:spcPts val="0"/>
+              </a:spcAft>
+              <a:buFont typeface="Arial"/>
+              <a:buNone/>
+              <a:defRPr/>
+            </a:pPr>
+            <a:r>
+              <a:rPr kumimoji="0" lang="en-US" altLang="ko-KR" sz="1900" b="0" i="0" u="none" strike="noStrike" kern="1200" cap="none" spc="0" normalizeH="0" baseline="0">
+                <a:solidFill>
+                  <a:schemeClr val="dk1"/>
+                </a:solidFill>
+                <a:latin typeface="1훈정글북 Regular"/>
+                <a:ea typeface="1훈정글북 Regular"/>
+              </a:rPr>
+              <a:t>	prdNo		char(10)		not null		primary key,	//</a:t>
+            </a:r>
+            <a:r>
+              <a:rPr kumimoji="0" lang="ko-KR" altLang="en-US" sz="1900" b="0" i="0" u="none" strike="noStrike" kern="1200" cap="none" spc="0" normalizeH="0" baseline="0">
+                <a:solidFill>
+                  <a:schemeClr val="dk1"/>
+                </a:solidFill>
+                <a:latin typeface="1훈정글북 Regular"/>
+                <a:ea typeface="1훈정글북 Regular"/>
+              </a:rPr>
+              <a:t> 시술 번호</a:t>
+            </a:r>
+          </a:p>
+          <a:p>
+            <a:pPr marL="0" indent="0" defTabSz="914400" rtl="0" eaLnBrk="1" latinLnBrk="1" hangingPunct="1">
+              <a:lnSpc>
+                <a:spcPct val="90000"/>
+              </a:lnSpc>
+              <a:spcBef>
+                <a:spcPts val="1000"/>
+              </a:spcBef>
+              <a:spcAft>
+                <a:spcPts val="0"/>
+              </a:spcAft>
+              <a:buFont typeface="Arial"/>
+              <a:buNone/>
+              <a:defRPr/>
+            </a:pPr>
+            <a:r>
+              <a:rPr kumimoji="0" lang="en-US" altLang="ko-KR" sz="1900" b="0" i="0" u="none" strike="noStrike" kern="1200" cap="none" spc="0" normalizeH="0" baseline="0">
+                <a:solidFill>
+                  <a:schemeClr val="dk1"/>
+                </a:solidFill>
+                <a:latin typeface="1훈정글북 Regular"/>
+                <a:ea typeface="1훈정글북 Regular"/>
+              </a:rPr>
+              <a:t>	prdName	char(20)		not null,				//</a:t>
+            </a:r>
+            <a:r>
+              <a:rPr kumimoji="0" lang="ko-KR" altLang="en-US" sz="1900" b="0" i="0" u="none" strike="noStrike" kern="1200" cap="none" spc="0" normalizeH="0" baseline="0">
+                <a:solidFill>
+                  <a:schemeClr val="dk1"/>
+                </a:solidFill>
+                <a:latin typeface="1훈정글북 Regular"/>
+                <a:ea typeface="1훈정글북 Regular"/>
+              </a:rPr>
+              <a:t> 시술 이름</a:t>
+            </a:r>
+            <a:endParaRPr kumimoji="0" lang="en-US" altLang="ko-KR" sz="1900" b="0" i="0" u="none" strike="noStrike" kern="1200" cap="none" spc="0" normalizeH="0" baseline="0">
               <a:solidFill>
                 <a:schemeClr val="dk1"/>
               </a:solidFill>
@@ -35192,7 +34751,7 @@
           <a:p>
             <a:pPr marL="0" indent="0" defTabSz="914400" rtl="0" eaLnBrk="1" latinLnBrk="1" hangingPunct="1">
               <a:lnSpc>
-                <a:spcPct val="30000"/>
+                <a:spcPct val="90000"/>
               </a:lnSpc>
               <a:spcBef>
                 <a:spcPts val="1000"/>
@@ -35212,41 +34771,80 @@
                 <a:latin typeface="1훈정글북 Regular"/>
                 <a:ea typeface="1훈정글북 Regular"/>
               </a:rPr>
-              <a:t>Create table surgery (</a:t>
-            </a:r>
-            <a:endParaRPr kumimoji="0" lang="en-US" altLang="ko-KR" sz="1900" b="0" i="0" u="none" strike="noStrike" kern="1200" cap="none" spc="0" normalizeH="0" baseline="0">
-              <a:solidFill>
-                <a:schemeClr val="dk1"/>
-              </a:solidFill>
-              <a:latin typeface="1훈정글북 Regular"/>
-              <a:ea typeface="1훈정글북 Regular"/>
-            </a:endParaRPr>
-          </a:p>
-          <a:p>
-            <a:pPr marL="0" indent="0" defTabSz="914400" rtl="0" eaLnBrk="1" latinLnBrk="1" hangingPunct="1">
-              <a:lnSpc>
-                <a:spcPct val="90000"/>
-              </a:lnSpc>
-              <a:spcBef>
-                <a:spcPts val="1000"/>
-              </a:spcBef>
-              <a:spcAft>
-                <a:spcPts val="0"/>
-              </a:spcAft>
-              <a:buFont typeface="Arial"/>
-              <a:buNone/>
-              <a:defRPr/>
-            </a:pPr>
+              <a:t>	prdPrice		int		not null,				//</a:t>
+            </a:r>
+            <a:r>
+              <a:rPr kumimoji="0" lang="ko-KR" altLang="en-US" sz="1900" b="0" i="0" u="none" strike="noStrike" kern="1200" cap="none" spc="0" normalizeH="0" baseline="0">
+                <a:solidFill>
+                  <a:schemeClr val="dk1"/>
+                </a:solidFill>
+                <a:latin typeface="1훈정글북 Regular"/>
+                <a:ea typeface="1훈정글북 Regular"/>
+              </a:rPr>
+              <a:t> 시술 가격</a:t>
+            </a:r>
+          </a:p>
+          <a:p>
+            <a:pPr marL="0" indent="0" defTabSz="914400" rtl="0" eaLnBrk="1" latinLnBrk="1" hangingPunct="1">
+              <a:lnSpc>
+                <a:spcPct val="90000"/>
+              </a:lnSpc>
+              <a:spcBef>
+                <a:spcPts val="1000"/>
+              </a:spcBef>
+              <a:spcAft>
+                <a:spcPts val="0"/>
+              </a:spcAft>
+              <a:buFont typeface="Arial"/>
+              <a:buNone/>
+              <a:defRPr/>
+            </a:pPr>
+            <a:r>
+              <a:rPr kumimoji="0" lang="ko-KR" altLang="en-US" sz="1900" b="0" i="0" u="none" strike="noStrike" kern="1200" cap="none" spc="0" normalizeH="0" baseline="0">
+                <a:solidFill>
+                  <a:schemeClr val="dk1"/>
+                </a:solidFill>
+                <a:latin typeface="1훈정글북 Regular"/>
+                <a:ea typeface="1훈정글북 Regular"/>
+              </a:rPr>
+              <a:t>	</a:t>
+            </a:r>
             <a:r>
               <a:rPr kumimoji="0" lang="en-US" altLang="ko-KR" sz="1900" b="0" i="0" u="none" strike="noStrike" kern="1200" cap="none" spc="0" normalizeH="0" baseline="0">
                 <a:solidFill>
-                  <a:srgbClr val="ff0000"/>
-                </a:solidFill>
-                <a:latin typeface="1훈정글북 Regular"/>
-                <a:ea typeface="1훈정글북 Regular"/>
-              </a:rPr>
-              <a:t>	</a:t>
-            </a:r>
+                  <a:schemeClr val="dk1"/>
+                </a:solidFill>
+                <a:latin typeface="1훈정글북 Regular"/>
+                <a:ea typeface="1훈정글북 Regular"/>
+              </a:rPr>
+              <a:t>prdMemo	char(100)					// </a:t>
+            </a:r>
+            <a:r>
+              <a:rPr kumimoji="0" lang="ko-KR" altLang="en-US" sz="1900" b="0" i="0" u="none" strike="noStrike" kern="1200" cap="none" spc="0" normalizeH="0" baseline="0">
+                <a:solidFill>
+                  <a:schemeClr val="dk1"/>
+                </a:solidFill>
+                <a:latin typeface="1훈정글북 Regular"/>
+                <a:ea typeface="1훈정글북 Regular"/>
+              </a:rPr>
+              <a:t>시술 설명</a:t>
+            </a:r>
+          </a:p>
+          <a:p>
+            <a:pPr marL="0" indent="0" defTabSz="914400" rtl="0" eaLnBrk="1" latinLnBrk="1" hangingPunct="1">
+              <a:lnSpc>
+                <a:spcPct val="90000"/>
+              </a:lnSpc>
+              <a:spcBef>
+                <a:spcPts val="1000"/>
+              </a:spcBef>
+              <a:spcAft>
+                <a:spcPts val="0"/>
+              </a:spcAft>
+              <a:buFont typeface="Arial"/>
+              <a:buNone/>
+              <a:defRPr/>
+            </a:pPr>
             <a:r>
               <a:rPr kumimoji="0" lang="en-US" altLang="ko-KR" sz="1900" b="0" i="0" u="none" strike="noStrike" kern="1200" cap="none" spc="0" normalizeH="0" baseline="0">
                 <a:solidFill>
@@ -35255,240 +34853,8 @@
                 <a:latin typeface="1훈정글북 Regular"/>
                 <a:ea typeface="1훈정글북 Regular"/>
               </a:rPr>
-              <a:t>ctgType		char(15),					//</a:t>
-            </a:r>
-            <a:r>
-              <a:rPr kumimoji="0" lang="ko-KR" altLang="en-US" sz="1900" b="0" i="0" u="none" strike="noStrike" kern="1200" cap="none" spc="0" normalizeH="0" baseline="0">
-                <a:solidFill>
-                  <a:schemeClr val="dk1"/>
-                </a:solidFill>
-                <a:latin typeface="1훈정글북 Regular"/>
-                <a:ea typeface="1훈정글북 Regular"/>
-              </a:rPr>
-              <a:t> 카테고리 타입</a:t>
-            </a:r>
-            <a:endParaRPr kumimoji="0" lang="ko-KR" altLang="en-US" sz="1900" b="0" i="0" u="none" strike="noStrike" kern="1200" cap="none" spc="0" normalizeH="0" baseline="0">
-              <a:solidFill>
-                <a:schemeClr val="dk1"/>
-              </a:solidFill>
-              <a:latin typeface="1훈정글북 Regular"/>
-              <a:ea typeface="1훈정글북 Regular"/>
-            </a:endParaRPr>
-          </a:p>
-          <a:p>
-            <a:pPr marL="0" indent="0" defTabSz="914400" rtl="0" eaLnBrk="1" latinLnBrk="1" hangingPunct="1">
-              <a:lnSpc>
-                <a:spcPct val="90000"/>
-              </a:lnSpc>
-              <a:spcBef>
-                <a:spcPts val="1000"/>
-              </a:spcBef>
-              <a:spcAft>
-                <a:spcPts val="0"/>
-              </a:spcAft>
-              <a:buFont typeface="Arial"/>
-              <a:buNone/>
-              <a:defRPr/>
-            </a:pPr>
-            <a:r>
-              <a:rPr kumimoji="0" lang="en-US" altLang="ko-KR" sz="1900" b="0" i="0" u="none" strike="noStrike" kern="1200" cap="none" spc="0" normalizeH="0" baseline="0">
-                <a:solidFill>
-                  <a:schemeClr val="dk1"/>
-                </a:solidFill>
-                <a:latin typeface="1훈정글북 Regular"/>
-                <a:ea typeface="1훈정글북 Regular"/>
-              </a:rPr>
-              <a:t>	prdNo		char(10)		not null		primary key,	//</a:t>
-            </a:r>
-            <a:r>
-              <a:rPr kumimoji="0" lang="ko-KR" altLang="en-US" sz="1900" b="0" i="0" u="none" strike="noStrike" kern="1200" cap="none" spc="0" normalizeH="0" baseline="0">
-                <a:solidFill>
-                  <a:schemeClr val="dk1"/>
-                </a:solidFill>
-                <a:latin typeface="1훈정글북 Regular"/>
-                <a:ea typeface="1훈정글북 Regular"/>
-              </a:rPr>
-              <a:t> 시술 번호</a:t>
-            </a:r>
-            <a:endParaRPr kumimoji="0" lang="ko-KR" altLang="en-US" sz="1900" b="0" i="0" u="none" strike="noStrike" kern="1200" cap="none" spc="0" normalizeH="0" baseline="0">
-              <a:solidFill>
-                <a:schemeClr val="dk1"/>
-              </a:solidFill>
-              <a:latin typeface="1훈정글북 Regular"/>
-              <a:ea typeface="1훈정글북 Regular"/>
-            </a:endParaRPr>
-          </a:p>
-          <a:p>
-            <a:pPr marL="0" indent="0" defTabSz="914400" rtl="0" eaLnBrk="1" latinLnBrk="1" hangingPunct="1">
-              <a:lnSpc>
-                <a:spcPct val="90000"/>
-              </a:lnSpc>
-              <a:spcBef>
-                <a:spcPts val="1000"/>
-              </a:spcBef>
-              <a:spcAft>
-                <a:spcPts val="0"/>
-              </a:spcAft>
-              <a:buFont typeface="Arial"/>
-              <a:buNone/>
-              <a:defRPr/>
-            </a:pPr>
-            <a:r>
-              <a:rPr kumimoji="0" lang="en-US" altLang="ko-KR" sz="1900" b="0" i="0" u="none" strike="noStrike" kern="1200" cap="none" spc="0" normalizeH="0" baseline="0">
-                <a:solidFill>
-                  <a:schemeClr val="dk1"/>
-                </a:solidFill>
-                <a:latin typeface="1훈정글북 Regular"/>
-                <a:ea typeface="1훈정글북 Regular"/>
-              </a:rPr>
-              <a:t>	prdName	char(20)		not null,				//</a:t>
-            </a:r>
-            <a:r>
-              <a:rPr kumimoji="0" lang="ko-KR" altLang="en-US" sz="1900" b="0" i="0" u="none" strike="noStrike" kern="1200" cap="none" spc="0" normalizeH="0" baseline="0">
-                <a:solidFill>
-                  <a:schemeClr val="dk1"/>
-                </a:solidFill>
-                <a:latin typeface="1훈정글북 Regular"/>
-                <a:ea typeface="1훈정글북 Regular"/>
-              </a:rPr>
-              <a:t> 시술 이름</a:t>
-            </a:r>
-            <a:endParaRPr kumimoji="0" lang="en-US" altLang="ko-KR" sz="1900" b="0" i="0" u="none" strike="noStrike" kern="1200" cap="none" spc="0" normalizeH="0" baseline="0">
-              <a:solidFill>
-                <a:schemeClr val="dk1"/>
-              </a:solidFill>
-              <a:latin typeface="1훈정글북 Regular"/>
-              <a:ea typeface="1훈정글북 Regular"/>
-            </a:endParaRPr>
-          </a:p>
-          <a:p>
-            <a:pPr marL="0" indent="0" defTabSz="914400" rtl="0" eaLnBrk="1" latinLnBrk="1" hangingPunct="1">
-              <a:lnSpc>
-                <a:spcPct val="90000"/>
-              </a:lnSpc>
-              <a:spcBef>
-                <a:spcPts val="1000"/>
-              </a:spcBef>
-              <a:spcAft>
-                <a:spcPts val="0"/>
-              </a:spcAft>
-              <a:buFont typeface="Arial"/>
-              <a:buNone/>
-              <a:defRPr/>
-            </a:pPr>
-            <a:r>
-              <a:rPr kumimoji="0" lang="en-US" altLang="ko-KR" sz="1900" b="0" i="0" u="none" strike="noStrike" kern="1200" cap="none" spc="0" normalizeH="0" baseline="0">
-                <a:solidFill>
-                  <a:schemeClr val="dk1"/>
-                </a:solidFill>
-                <a:latin typeface="1훈정글북 Regular"/>
-                <a:ea typeface="1훈정글북 Regular"/>
-              </a:rPr>
-              <a:t>	prdPrice		int		not null,				//</a:t>
-            </a:r>
-            <a:r>
-              <a:rPr kumimoji="0" lang="ko-KR" altLang="en-US" sz="1900" b="0" i="0" u="none" strike="noStrike" kern="1200" cap="none" spc="0" normalizeH="0" baseline="0">
-                <a:solidFill>
-                  <a:schemeClr val="dk1"/>
-                </a:solidFill>
-                <a:latin typeface="1훈정글북 Regular"/>
-                <a:ea typeface="1훈정글북 Regular"/>
-              </a:rPr>
-              <a:t> 시술 가격</a:t>
-            </a:r>
-            <a:endParaRPr kumimoji="0" lang="ko-KR" altLang="en-US" sz="1900" b="0" i="0" u="none" strike="noStrike" kern="1200" cap="none" spc="0" normalizeH="0" baseline="0">
-              <a:solidFill>
-                <a:schemeClr val="dk1"/>
-              </a:solidFill>
-              <a:latin typeface="1훈정글북 Regular"/>
-              <a:ea typeface="1훈정글북 Regular"/>
-            </a:endParaRPr>
-          </a:p>
-          <a:p>
-            <a:pPr marL="0" indent="0" defTabSz="914400" rtl="0" eaLnBrk="1" latinLnBrk="1" hangingPunct="1">
-              <a:lnSpc>
-                <a:spcPct val="90000"/>
-              </a:lnSpc>
-              <a:spcBef>
-                <a:spcPts val="1000"/>
-              </a:spcBef>
-              <a:spcAft>
-                <a:spcPts val="0"/>
-              </a:spcAft>
-              <a:buFont typeface="Arial"/>
-              <a:buNone/>
-              <a:defRPr/>
-            </a:pPr>
-            <a:r>
-              <a:rPr kumimoji="0" lang="ko-KR" altLang="en-US" sz="1900" b="0" i="0" u="none" strike="noStrike" kern="1200" cap="none" spc="0" normalizeH="0" baseline="0">
-                <a:solidFill>
-                  <a:schemeClr val="dk1"/>
-                </a:solidFill>
-                <a:latin typeface="1훈정글북 Regular"/>
-                <a:ea typeface="1훈정글북 Regular"/>
-              </a:rPr>
-              <a:t>	</a:t>
-            </a:r>
-            <a:r>
-              <a:rPr kumimoji="0" lang="en-US" altLang="ko-KR" sz="1900" b="0" i="0" u="none" strike="noStrike" kern="1200" cap="none" spc="0" normalizeH="0" baseline="0">
-                <a:solidFill>
-                  <a:schemeClr val="dk1"/>
-                </a:solidFill>
-                <a:latin typeface="1훈정글북 Regular"/>
-                <a:ea typeface="1훈정글북 Regular"/>
-              </a:rPr>
-              <a:t>prdMemo	char(100)					// </a:t>
-            </a:r>
-            <a:r>
-              <a:rPr kumimoji="0" lang="ko-KR" altLang="en-US" sz="1900" b="0" i="0" u="none" strike="noStrike" kern="1200" cap="none" spc="0" normalizeH="0" baseline="0">
-                <a:solidFill>
-                  <a:schemeClr val="dk1"/>
-                </a:solidFill>
-                <a:latin typeface="1훈정글북 Regular"/>
-                <a:ea typeface="1훈정글북 Regular"/>
-              </a:rPr>
-              <a:t>시술 설명</a:t>
-            </a:r>
-            <a:endParaRPr kumimoji="0" lang="ko-KR" altLang="en-US" sz="1900" b="0" i="0" u="none" strike="noStrike" kern="1200" cap="none" spc="0" normalizeH="0" baseline="0">
-              <a:solidFill>
-                <a:schemeClr val="dk1"/>
-              </a:solidFill>
-              <a:latin typeface="1훈정글북 Regular"/>
-              <a:ea typeface="1훈정글북 Regular"/>
-            </a:endParaRPr>
-          </a:p>
-          <a:p>
-            <a:pPr marL="0" indent="0" defTabSz="914400" rtl="0" eaLnBrk="1" latinLnBrk="1" hangingPunct="1">
-              <a:lnSpc>
-                <a:spcPct val="90000"/>
-              </a:lnSpc>
-              <a:spcBef>
-                <a:spcPts val="1000"/>
-              </a:spcBef>
-              <a:spcAft>
-                <a:spcPts val="0"/>
-              </a:spcAft>
-              <a:buFont typeface="Arial"/>
-              <a:buNone/>
-              <a:defRPr/>
-            </a:pPr>
-            <a:r>
-              <a:rPr kumimoji="0" lang="en-US" altLang="ko-KR" sz="1900" b="0" i="0" u="none" strike="noStrike" kern="1200" cap="none" spc="0" normalizeH="0" baseline="0">
-                <a:solidFill>
-                  <a:schemeClr val="dk1"/>
-                </a:solidFill>
-                <a:latin typeface="1훈정글북 Regular"/>
-                <a:ea typeface="1훈정글북 Regular"/>
-              </a:rPr>
               <a:t>);</a:t>
             </a:r>
-            <a:endParaRPr kumimoji="0" lang="en-US" altLang="ko-KR" sz="1900" b="0" i="0" u="none" strike="noStrike" kern="1200" cap="none" spc="0" normalizeH="0" baseline="0">
-              <a:solidFill>
-                <a:schemeClr val="dk1"/>
-              </a:solidFill>
-              <a:latin typeface="1훈정글북 Regular"/>
-              <a:ea typeface="1훈정글북 Regular"/>
-            </a:endParaRPr>
           </a:p>
           <a:p>
             <a:pPr marL="0" indent="0" defTabSz="914400" rtl="0" eaLnBrk="1" latinLnBrk="1" hangingPunct="1">
@@ -35543,11 +34909,11 @@
   <p:clrMapOvr>
     <a:masterClrMapping/>
   </p:clrMapOvr>
-  <mc:AlternateContent xmlns:mc="http://schemas.openxmlformats.org/markup-compatibility/2006">
-    <mc:Choice xmlns:p14="http://schemas.microsoft.com/office/powerpoint/2010/main" Requires="p14">
-      <p:transition xmlns:mc="http://schemas.openxmlformats.org/markup-compatibility/2006" xmlns:p14="http://schemas.microsoft.com/office/powerpoint/2010/main" mc:Ignorable="p14" p14:dur="500"/>
+  <mc:AlternateContent xmlns:mc="http://schemas.openxmlformats.org/markup-compatibility/2006" xmlns:p14="http://schemas.microsoft.com/office/powerpoint/2010/main">
+    <mc:Choice Requires="p14">
+      <p:transition/>
     </mc:Choice>
-    <mc:Fallback>
+    <mc:Fallback xmlns:dsp="http://schemas.microsoft.com/office/drawing/2008/diagram" xmlns:dgm="http://schemas.openxmlformats.org/drawingml/2006/diagram" xmlns:c="http://schemas.openxmlformats.org/drawingml/2006/chart" xmlns="">
       <p:transition/>
     </mc:Fallback>
   </mc:AlternateContent>
@@ -35555,21 +34921,22 @@
 </file>
 
 <file path=ppt/slides/slide37.xml><?xml version="1.0" encoding="utf-8"?>
-<p:sld xmlns:r="http://schemas.openxmlformats.org/officeDocument/2006/relationships" xmlns:c="http://schemas.openxmlformats.org/drawingml/2006/chart" xmlns:a="http://schemas.openxmlformats.org/drawingml/2006/main" xmlns:dgm="http://schemas.openxmlformats.org/drawingml/2006/diagram" xmlns:dsp="http://schemas.microsoft.com/office/drawing/2008/diagram" xmlns:p="http://schemas.openxmlformats.org/presentationml/2006/main">
+<p:sld xmlns:a="http://schemas.openxmlformats.org/drawingml/2006/main" xmlns:r="http://schemas.openxmlformats.org/officeDocument/2006/relationships" xmlns:p="http://schemas.openxmlformats.org/presentationml/2006/main">
   <p:cSld>
     <p:bg>
-      <p:bgPr shadeToTitle="0">
+      <p:bgPr>
         <a:gradFill>
           <a:gsLst>
             <a:gs pos="50000">
-              <a:srgbClr val="b3acb3"/>
+              <a:srgbClr val="B3ACB3"/>
             </a:gs>
             <a:gs pos="50000">
-              <a:srgbClr val="f8e9e8"/>
+              <a:srgbClr val="F8E9E8"/>
             </a:gs>
           </a:gsLst>
           <a:lin ang="6600000" scaled="0"/>
         </a:gradFill>
+        <a:effectLst/>
       </p:bgPr>
     </p:bg>
     <p:spTree>
@@ -35607,7 +34974,7 @@
             <a:gradFill>
               <a:gsLst>
                 <a:gs pos="50000">
-                  <a:srgbClr val="efccca"/>
+                  <a:srgbClr val="EFCCCA"/>
                 </a:gs>
                 <a:gs pos="50000">
                   <a:schemeClr val="bg1">
@@ -35690,7 +35057,7 @@
             <a:r>
               <a:rPr lang="en-US" altLang="ko-KR" sz="4200" b="1" i="1">
                 <a:solidFill>
-                  <a:srgbClr val="ff9999"/>
+                  <a:srgbClr val="FF9999"/>
                 </a:solidFill>
               </a:rPr>
               <a:t>DB</a:t>
@@ -35698,16 +35065,11 @@
             <a:r>
               <a:rPr lang="ko-KR" altLang="en-US" sz="4200" b="1" i="1">
                 <a:solidFill>
-                  <a:srgbClr val="ff9999"/>
+                  <a:srgbClr val="FF9999"/>
                 </a:solidFill>
               </a:rPr>
               <a:t>구성 및 설명</a:t>
             </a:r>
-            <a:endParaRPr lang="ko-KR" altLang="en-US" sz="4200" b="1" i="1">
-              <a:solidFill>
-                <a:srgbClr val="ff9999"/>
-              </a:solidFill>
-            </a:endParaRPr>
           </a:p>
         </p:txBody>
       </p:sp>
@@ -35751,7 +35113,7 @@
             <a:r>
               <a:rPr kumimoji="0" lang="en-US" altLang="ko-KR" sz="2700" b="0" i="0" u="none" strike="noStrike" kern="1200" cap="none" spc="0" normalizeH="0" baseline="0">
                 <a:solidFill>
-                  <a:srgbClr val="ff0000"/>
+                  <a:srgbClr val="FF0000"/>
                 </a:solidFill>
                 <a:latin typeface="1훈정글북 Regular"/>
                 <a:ea typeface="1훈정글북 Regular"/>
@@ -35761,7 +35123,7 @@
             <a:r>
               <a:rPr kumimoji="0" lang="ko-KR" altLang="en-US" sz="2700" b="0" i="0" u="none" strike="noStrike" kern="1200" cap="none" spc="0" normalizeH="0" baseline="0">
                 <a:solidFill>
-                  <a:srgbClr val="ff0000"/>
+                  <a:srgbClr val="FF0000"/>
                 </a:solidFill>
                 <a:latin typeface="1훈정글북 Regular"/>
                 <a:ea typeface="1훈정글북 Regular"/>
@@ -35771,7 +35133,7 @@
             <a:r>
               <a:rPr kumimoji="0" lang="en-US" altLang="ko-KR" sz="2700" b="0" i="0" u="none" strike="noStrike" kern="1200" cap="none" spc="0" normalizeH="0" baseline="0">
                 <a:solidFill>
-                  <a:srgbClr val="ff0000"/>
+                  <a:srgbClr val="FF0000"/>
                 </a:solidFill>
                 <a:latin typeface="1훈정글북 Regular"/>
                 <a:ea typeface="1훈정글북 Regular"/>
@@ -35781,7 +35143,7 @@
             <a:r>
               <a:rPr kumimoji="0" lang="ko-KR" altLang="en-US" sz="2700" b="0" i="0" u="none" strike="noStrike" kern="1200" cap="none" spc="0" normalizeH="0" baseline="0">
                 <a:solidFill>
-                  <a:srgbClr val="ff0000"/>
+                  <a:srgbClr val="FF0000"/>
                 </a:solidFill>
                 <a:latin typeface="1훈정글북 Regular"/>
                 <a:ea typeface="1훈정글북 Regular"/>
@@ -35791,7 +35153,7 @@
             <a:r>
               <a:rPr kumimoji="0" lang="en-US" altLang="ko-KR" sz="2700" b="0" i="0" u="none" strike="noStrike" kern="1200" cap="none" spc="0" normalizeH="0" baseline="0">
                 <a:solidFill>
-                  <a:srgbClr val="ff0000"/>
+                  <a:srgbClr val="FF0000"/>
                 </a:solidFill>
                 <a:latin typeface="1훈정글북 Regular"/>
                 <a:ea typeface="1훈정글북 Regular"/>
@@ -35801,16 +35163,32 @@
             <a:r>
               <a:rPr kumimoji="0" lang="ko-KR" altLang="en-US" sz="2700" b="0" i="0" u="none" strike="noStrike" kern="1200" cap="none" spc="0" normalizeH="0" baseline="0">
                 <a:solidFill>
-                  <a:srgbClr val="ff0000"/>
+                  <a:srgbClr val="FF0000"/>
                 </a:solidFill>
                 <a:latin typeface="1훈정글북 Regular"/>
                 <a:ea typeface="1훈정글북 Regular"/>
               </a:rPr>
               <a:t> 시술 예약 정보</a:t>
             </a:r>
-            <a:endParaRPr kumimoji="0" lang="ko-KR" altLang="en-US" sz="2700" b="0" i="0" u="none" strike="noStrike" kern="1200" cap="none" spc="0" normalizeH="0" baseline="0">
-              <a:solidFill>
-                <a:srgbClr val="ff0000"/>
+          </a:p>
+          <a:p>
+            <a:pPr marL="0" indent="0" defTabSz="914400" rtl="0" eaLnBrk="1" latinLnBrk="1" hangingPunct="1">
+              <a:lnSpc>
+                <a:spcPct val="50000"/>
+              </a:lnSpc>
+              <a:spcBef>
+                <a:spcPts val="1000"/>
+              </a:spcBef>
+              <a:spcAft>
+                <a:spcPts val="0"/>
+              </a:spcAft>
+              <a:buFont typeface="Arial"/>
+              <a:buNone/>
+              <a:defRPr/>
+            </a:pPr>
+            <a:endParaRPr kumimoji="0" lang="en-US" altLang="ko-KR" sz="1700" b="0" i="0" u="none" strike="noStrike" kern="1200" cap="none" spc="0" normalizeH="0" baseline="0">
+              <a:solidFill>
+                <a:schemeClr val="dk1"/>
               </a:solidFill>
               <a:latin typeface="1훈정글북 Regular"/>
               <a:ea typeface="1훈정글북 Regular"/>
@@ -35818,29 +35196,6 @@
           </a:p>
           <a:p>
             <a:pPr marL="0" indent="0" defTabSz="914400" rtl="0" eaLnBrk="1" latinLnBrk="1" hangingPunct="1">
-              <a:lnSpc>
-                <a:spcPct val="50000"/>
-              </a:lnSpc>
-              <a:spcBef>
-                <a:spcPts val="1000"/>
-              </a:spcBef>
-              <a:spcAft>
-                <a:spcPts val="0"/>
-              </a:spcAft>
-              <a:buFont typeface="Arial"/>
-              <a:buNone/>
-              <a:defRPr/>
-            </a:pPr>
-            <a:endParaRPr kumimoji="0" lang="en-US" altLang="ko-KR" sz="1700" b="0" i="0" u="none" strike="noStrike" kern="1200" cap="none" spc="0" normalizeH="0" baseline="0">
-              <a:solidFill>
-                <a:schemeClr val="dk1"/>
-              </a:solidFill>
-              <a:latin typeface="1훈정글북 Regular"/>
-              <a:ea typeface="1훈정글북 Regular"/>
-            </a:endParaRPr>
-          </a:p>
-          <a:p>
-            <a:pPr marL="0" indent="0" defTabSz="914400" rtl="0" eaLnBrk="1" latinLnBrk="1" hangingPunct="1">
               <a:spcBef>
                 <a:spcPts val="1000"/>
               </a:spcBef>
@@ -35861,13 +35216,6 @@
               </a:rPr>
               <a:t>Create table rezInfo (</a:t>
             </a:r>
-            <a:endParaRPr kumimoji="0" lang="en-US" altLang="ko-KR" sz="1900" b="0" i="0" u="none" strike="noStrike" kern="1200" cap="none" spc="0" normalizeH="0" baseline="0">
-              <a:solidFill>
-                <a:schemeClr val="dk1"/>
-              </a:solidFill>
-              <a:latin typeface="1훈정글북 Regular"/>
-              <a:ea typeface="1훈정글북 Regular"/>
-            </a:endParaRPr>
           </a:p>
           <a:p>
             <a:pPr marL="0" indent="0" defTabSz="914400" rtl="0" eaLnBrk="1" latinLnBrk="1" hangingPunct="1">
@@ -35887,7 +35235,7 @@
             <a:r>
               <a:rPr kumimoji="0" lang="en-US" altLang="ko-KR" sz="1900" b="0" i="0" u="none" strike="noStrike" kern="1200" cap="none" spc="0" normalizeH="0" baseline="0">
                 <a:solidFill>
-                  <a:srgbClr val="ff0000"/>
+                  <a:srgbClr val="FF0000"/>
                 </a:solidFill>
                 <a:latin typeface="1훈정글북 Regular"/>
                 <a:ea typeface="1훈정글북 Regular"/>
@@ -35914,13 +35262,6 @@
               </a:rPr>
               <a:t> 예약 번호</a:t>
             </a:r>
-            <a:endParaRPr kumimoji="0" lang="ko-KR" altLang="en-US" sz="1900" b="0" i="0" u="none" strike="noStrike" kern="1200" cap="none" spc="0" normalizeH="0" baseline="0">
-              <a:solidFill>
-                <a:schemeClr val="dk1"/>
-              </a:solidFill>
-              <a:latin typeface="1훈정글북 Regular"/>
-              <a:ea typeface="1훈정글북 Regular"/>
-            </a:endParaRPr>
           </a:p>
           <a:p>
             <a:pPr marL="0" indent="0" defTabSz="914400" rtl="0" eaLnBrk="1" latinLnBrk="1" hangingPunct="1">
@@ -35967,13 +35308,6 @@
               </a:rPr>
               <a:t>ID</a:t>
             </a:r>
-            <a:endParaRPr kumimoji="0" lang="en-US" altLang="ko-KR" sz="1900" b="0" i="0" u="none" strike="noStrike" kern="1200" cap="none" spc="0" normalizeH="0" baseline="0">
-              <a:solidFill>
-                <a:schemeClr val="dk1"/>
-              </a:solidFill>
-              <a:latin typeface="1훈정글북 Regular"/>
-              <a:ea typeface="1훈정글북 Regular"/>
-            </a:endParaRPr>
           </a:p>
           <a:p>
             <a:pPr marL="0" indent="0" defTabSz="914400" rtl="0" eaLnBrk="1" latinLnBrk="1" hangingPunct="1">
@@ -36010,13 +35344,6 @@
               </a:rPr>
               <a:t> 예약일시</a:t>
             </a:r>
-            <a:endParaRPr kumimoji="0" lang="ko-KR" altLang="en-US" sz="1900" b="0" i="0" u="none" strike="noStrike" kern="1200" cap="none" spc="0" normalizeH="0" baseline="0">
-              <a:solidFill>
-                <a:schemeClr val="dk1"/>
-              </a:solidFill>
-              <a:latin typeface="1훈정글북 Regular"/>
-              <a:ea typeface="1훈정글북 Regular"/>
-            </a:endParaRPr>
           </a:p>
           <a:p>
             <a:pPr marL="0" indent="0" defTabSz="914400" rtl="0" eaLnBrk="1" latinLnBrk="1" hangingPunct="1">
@@ -36063,13 +35390,6 @@
               </a:rPr>
               <a:t> 예약 고객명</a:t>
             </a:r>
-            <a:endParaRPr kumimoji="0" lang="ko-KR" altLang="en-US" sz="1900" b="0" i="0" u="none" strike="noStrike" kern="1200" cap="none" spc="0" normalizeH="0" baseline="0">
-              <a:solidFill>
-                <a:schemeClr val="dk1"/>
-              </a:solidFill>
-              <a:latin typeface="1훈정글북 Regular"/>
-              <a:ea typeface="1훈정글북 Regular"/>
-            </a:endParaRPr>
           </a:p>
           <a:p>
             <a:pPr marL="0" indent="0" defTabSz="914400" rtl="0" eaLnBrk="1" latinLnBrk="1" hangingPunct="1">
@@ -36116,13 +35436,6 @@
               </a:rPr>
               <a:t>예약자 휴대폰번호</a:t>
             </a:r>
-            <a:endParaRPr kumimoji="0" lang="ko-KR" altLang="en-US" sz="1900" b="0" i="0" u="none" strike="noStrike" kern="1200" cap="none" spc="0" normalizeH="0" baseline="0">
-              <a:solidFill>
-                <a:schemeClr val="dk1"/>
-              </a:solidFill>
-              <a:latin typeface="1훈정글북 Regular"/>
-              <a:ea typeface="1훈정글북 Regular"/>
-            </a:endParaRPr>
           </a:p>
           <a:p>
             <a:pPr marL="0" indent="0" defTabSz="914400" rtl="0" eaLnBrk="1" latinLnBrk="1" hangingPunct="1">
@@ -36169,13 +35482,6 @@
               </a:rPr>
               <a:t>전체시술총액</a:t>
             </a:r>
-            <a:endParaRPr kumimoji="0" lang="ko-KR" altLang="en-US" sz="1900" b="0" i="0" u="none" strike="noStrike" kern="1200" cap="none" spc="0" normalizeH="0" baseline="0">
-              <a:solidFill>
-                <a:schemeClr val="dk1"/>
-              </a:solidFill>
-              <a:latin typeface="1훈정글북 Regular"/>
-              <a:ea typeface="1훈정글북 Regular"/>
-            </a:endParaRPr>
           </a:p>
           <a:p>
             <a:pPr marL="0" indent="0" defTabSz="914400" rtl="0" eaLnBrk="1" latinLnBrk="1" hangingPunct="1">
@@ -36222,13 +35528,6 @@
               </a:rPr>
               <a:t>결제은행명</a:t>
             </a:r>
-            <a:endParaRPr kumimoji="0" lang="ko-KR" altLang="en-US" sz="1900" b="0" i="0" u="none" strike="noStrike" kern="1200" cap="none" spc="0" normalizeH="0" baseline="0">
-              <a:solidFill>
-                <a:schemeClr val="dk1"/>
-              </a:solidFill>
-              <a:latin typeface="1훈정글북 Regular"/>
-              <a:ea typeface="1훈정글북 Regular"/>
-            </a:endParaRPr>
           </a:p>
           <a:p>
             <a:pPr marL="0" indent="0" defTabSz="914400" rtl="0" eaLnBrk="1" latinLnBrk="1" hangingPunct="1">
@@ -36275,13 +35574,6 @@
               </a:rPr>
               <a:t> 결제 카드번호</a:t>
             </a:r>
-            <a:endParaRPr kumimoji="0" lang="ko-KR" altLang="en-US" sz="1900" b="0" i="0" u="none" strike="noStrike" kern="1200" cap="none" spc="0" normalizeH="0" baseline="0">
-              <a:solidFill>
-                <a:schemeClr val="dk1"/>
-              </a:solidFill>
-              <a:latin typeface="1훈정글북 Regular"/>
-              <a:ea typeface="1훈정글북 Regular"/>
-            </a:endParaRPr>
           </a:p>
           <a:p>
             <a:pPr marL="0" indent="0" defTabSz="914400" rtl="0" eaLnBrk="1" latinLnBrk="1" hangingPunct="1">
@@ -36348,13 +35640,6 @@
               </a:rPr>
               <a:t>결제카드비밀번호</a:t>
             </a:r>
-            <a:endParaRPr kumimoji="0" lang="ko-KR" altLang="en-US" sz="1900" b="0" i="0" u="none" strike="noStrike" kern="1200" cap="none" spc="0" normalizeH="0" baseline="0">
-              <a:solidFill>
-                <a:schemeClr val="dk1"/>
-              </a:solidFill>
-              <a:latin typeface="1훈정글북 Regular"/>
-              <a:ea typeface="1훈정글북 Regular"/>
-            </a:endParaRPr>
           </a:p>
           <a:p>
             <a:pPr marL="0" indent="0" defTabSz="914400" rtl="0" eaLnBrk="1" latinLnBrk="1" hangingPunct="1">
@@ -36381,13 +35666,6 @@
               </a:rPr>
               <a:t>);</a:t>
             </a:r>
-            <a:endParaRPr kumimoji="0" lang="en-US" altLang="ko-KR" sz="1900" b="0" i="0" u="none" strike="noStrike" kern="1200" cap="none" spc="0" normalizeH="0" baseline="0">
-              <a:solidFill>
-                <a:schemeClr val="dk1"/>
-              </a:solidFill>
-              <a:latin typeface="1훈정글북 Regular"/>
-              <a:ea typeface="1훈정글북 Regular"/>
-            </a:endParaRPr>
           </a:p>
           <a:p>
             <a:pPr marL="0" indent="0" defTabSz="914400" rtl="0" eaLnBrk="1" latinLnBrk="1" hangingPunct="1">
@@ -36442,11 +35720,11 @@
   <p:clrMapOvr>
     <a:masterClrMapping/>
   </p:clrMapOvr>
-  <mc:AlternateContent xmlns:mc="http://schemas.openxmlformats.org/markup-compatibility/2006">
-    <mc:Choice xmlns:p14="http://schemas.microsoft.com/office/powerpoint/2010/main" Requires="p14">
-      <p:transition xmlns:mc="http://schemas.openxmlformats.org/markup-compatibility/2006" xmlns:p14="http://schemas.microsoft.com/office/powerpoint/2010/main" mc:Ignorable="p14" p14:dur="500"/>
+  <mc:AlternateContent xmlns:mc="http://schemas.openxmlformats.org/markup-compatibility/2006" xmlns:p14="http://schemas.microsoft.com/office/powerpoint/2010/main">
+    <mc:Choice Requires="p14">
+      <p:transition/>
     </mc:Choice>
-    <mc:Fallback>
+    <mc:Fallback xmlns:dsp="http://schemas.microsoft.com/office/drawing/2008/diagram" xmlns:dgm="http://schemas.openxmlformats.org/drawingml/2006/diagram" xmlns:c="http://schemas.openxmlformats.org/drawingml/2006/chart" xmlns="">
       <p:transition/>
     </mc:Fallback>
   </mc:AlternateContent>
@@ -36454,21 +35732,22 @@
 </file>
 
 <file path=ppt/slides/slide38.xml><?xml version="1.0" encoding="utf-8"?>
-<p:sld xmlns:r="http://schemas.openxmlformats.org/officeDocument/2006/relationships" xmlns:c="http://schemas.openxmlformats.org/drawingml/2006/chart" xmlns:a="http://schemas.openxmlformats.org/drawingml/2006/main" xmlns:dgm="http://schemas.openxmlformats.org/drawingml/2006/diagram" xmlns:dsp="http://schemas.microsoft.com/office/drawing/2008/diagram" xmlns:p="http://schemas.openxmlformats.org/presentationml/2006/main">
+<p:sld xmlns:a="http://schemas.openxmlformats.org/drawingml/2006/main" xmlns:r="http://schemas.openxmlformats.org/officeDocument/2006/relationships" xmlns:p="http://schemas.openxmlformats.org/presentationml/2006/main">
   <p:cSld>
     <p:bg>
-      <p:bgPr shadeToTitle="0">
+      <p:bgPr>
         <a:gradFill>
           <a:gsLst>
             <a:gs pos="50000">
-              <a:srgbClr val="b3acb3"/>
+              <a:srgbClr val="B3ACB3"/>
             </a:gs>
             <a:gs pos="50000">
-              <a:srgbClr val="f8e9e8"/>
+              <a:srgbClr val="F8E9E8"/>
             </a:gs>
           </a:gsLst>
           <a:lin ang="6600000" scaled="0"/>
         </a:gradFill>
+        <a:effectLst/>
       </p:bgPr>
     </p:bg>
     <p:spTree>
@@ -36506,7 +35785,7 @@
             <a:gradFill>
               <a:gsLst>
                 <a:gs pos="50000">
-                  <a:srgbClr val="efccca"/>
+                  <a:srgbClr val="EFCCCA"/>
                 </a:gs>
                 <a:gs pos="50000">
                   <a:schemeClr val="bg1">
@@ -36589,7 +35868,7 @@
             <a:r>
               <a:rPr lang="en-US" altLang="ko-KR" sz="4200" b="1" i="1">
                 <a:solidFill>
-                  <a:srgbClr val="ff9999"/>
+                  <a:srgbClr val="FF9999"/>
                 </a:solidFill>
               </a:rPr>
               <a:t>DB</a:t>
@@ -36597,16 +35876,11 @@
             <a:r>
               <a:rPr lang="ko-KR" altLang="en-US" sz="4200" b="1" i="1">
                 <a:solidFill>
-                  <a:srgbClr val="ff9999"/>
+                  <a:srgbClr val="FF9999"/>
                 </a:solidFill>
               </a:rPr>
               <a:t>구성 및 설명</a:t>
             </a:r>
-            <a:endParaRPr lang="ko-KR" altLang="en-US" sz="4200" b="1" i="1">
-              <a:solidFill>
-                <a:srgbClr val="ff9999"/>
-              </a:solidFill>
-            </a:endParaRPr>
           </a:p>
         </p:txBody>
       </p:sp>
@@ -36650,7 +35924,7 @@
             <a:r>
               <a:rPr kumimoji="0" lang="en-US" altLang="ko-KR" sz="2700" b="0" i="0" u="none" strike="noStrike" kern="1200" cap="none" spc="0" normalizeH="0" baseline="0">
                 <a:solidFill>
-                  <a:srgbClr val="ff0000"/>
+                  <a:srgbClr val="FF0000"/>
                 </a:solidFill>
                 <a:latin typeface="1훈정글북 Regular"/>
                 <a:ea typeface="1훈정글북 Regular"/>
@@ -36660,7 +35934,7 @@
             <a:r>
               <a:rPr kumimoji="0" lang="ko-KR" altLang="en-US" sz="2700" b="0" i="0" u="none" strike="noStrike" kern="1200" cap="none" spc="0" normalizeH="0" baseline="0">
                 <a:solidFill>
-                  <a:srgbClr val="ff0000"/>
+                  <a:srgbClr val="FF0000"/>
                 </a:solidFill>
                 <a:latin typeface="1훈정글북 Regular"/>
                 <a:ea typeface="1훈정글북 Regular"/>
@@ -36670,7 +35944,7 @@
             <a:r>
               <a:rPr kumimoji="0" lang="en-US" altLang="ko-KR" sz="2700" b="0" i="0" u="none" strike="noStrike" kern="1200" cap="none" spc="0" normalizeH="0" baseline="0">
                 <a:solidFill>
-                  <a:srgbClr val="ff0000"/>
+                  <a:srgbClr val="FF0000"/>
                 </a:solidFill>
                 <a:latin typeface="1훈정글북 Regular"/>
                 <a:ea typeface="1훈정글북 Regular"/>
@@ -36680,7 +35954,7 @@
             <a:r>
               <a:rPr kumimoji="0" lang="ko-KR" altLang="en-US" sz="2700" b="0" i="0" u="none" strike="noStrike" kern="1200" cap="none" spc="0" normalizeH="0" baseline="0">
                 <a:solidFill>
-                  <a:srgbClr val="ff0000"/>
+                  <a:srgbClr val="FF0000"/>
                 </a:solidFill>
                 <a:latin typeface="1훈정글북 Regular"/>
                 <a:ea typeface="1훈정글북 Regular"/>
@@ -36690,7 +35964,7 @@
             <a:r>
               <a:rPr kumimoji="0" lang="en-US" altLang="ko-KR" sz="2700" b="0" i="0" u="none" strike="noStrike" kern="1200" cap="none" spc="0" normalizeH="0" baseline="0">
                 <a:solidFill>
-                  <a:srgbClr val="ff0000"/>
+                  <a:srgbClr val="FF0000"/>
                 </a:solidFill>
                 <a:latin typeface="1훈정글북 Regular"/>
                 <a:ea typeface="1훈정글북 Regular"/>
@@ -36700,16 +35974,32 @@
             <a:r>
               <a:rPr kumimoji="0" lang="ko-KR" altLang="en-US" sz="2700" b="0" i="0" u="none" strike="noStrike" kern="1200" cap="none" spc="0" normalizeH="0" baseline="0">
                 <a:solidFill>
-                  <a:srgbClr val="ff0000"/>
+                  <a:srgbClr val="FF0000"/>
                 </a:solidFill>
                 <a:latin typeface="1훈정글북 Regular"/>
                 <a:ea typeface="1훈정글북 Regular"/>
               </a:rPr>
               <a:t> 예약 현황</a:t>
             </a:r>
-            <a:endParaRPr kumimoji="0" lang="ko-KR" altLang="en-US" sz="2700" b="0" i="0" u="none" strike="noStrike" kern="1200" cap="none" spc="0" normalizeH="0" baseline="0">
-              <a:solidFill>
-                <a:srgbClr val="ff0000"/>
+          </a:p>
+          <a:p>
+            <a:pPr marL="0" indent="0" defTabSz="914400" rtl="0" eaLnBrk="1" latinLnBrk="1" hangingPunct="1">
+              <a:lnSpc>
+                <a:spcPct val="50000"/>
+              </a:lnSpc>
+              <a:spcBef>
+                <a:spcPts val="1000"/>
+              </a:spcBef>
+              <a:spcAft>
+                <a:spcPts val="0"/>
+              </a:spcAft>
+              <a:buFont typeface="Arial"/>
+              <a:buNone/>
+              <a:defRPr/>
+            </a:pPr>
+            <a:endParaRPr kumimoji="0" lang="en-US" altLang="ko-KR" sz="1700" b="0" i="0" u="none" strike="noStrike" kern="1200" cap="none" spc="0" normalizeH="0" baseline="0">
+              <a:solidFill>
+                <a:schemeClr val="dk1"/>
               </a:solidFill>
               <a:latin typeface="1훈정글북 Regular"/>
               <a:ea typeface="1훈정글북 Regular"/>
@@ -36717,29 +36007,6 @@
           </a:p>
           <a:p>
             <a:pPr marL="0" indent="0" defTabSz="914400" rtl="0" eaLnBrk="1" latinLnBrk="1" hangingPunct="1">
-              <a:lnSpc>
-                <a:spcPct val="50000"/>
-              </a:lnSpc>
-              <a:spcBef>
-                <a:spcPts val="1000"/>
-              </a:spcBef>
-              <a:spcAft>
-                <a:spcPts val="0"/>
-              </a:spcAft>
-              <a:buFont typeface="Arial"/>
-              <a:buNone/>
-              <a:defRPr/>
-            </a:pPr>
-            <a:endParaRPr kumimoji="0" lang="en-US" altLang="ko-KR" sz="1700" b="0" i="0" u="none" strike="noStrike" kern="1200" cap="none" spc="0" normalizeH="0" baseline="0">
-              <a:solidFill>
-                <a:schemeClr val="dk1"/>
-              </a:solidFill>
-              <a:latin typeface="1훈정글북 Regular"/>
-              <a:ea typeface="1훈정글북 Regular"/>
-            </a:endParaRPr>
-          </a:p>
-          <a:p>
-            <a:pPr marL="0" indent="0" defTabSz="914400" rtl="0" eaLnBrk="1" latinLnBrk="1" hangingPunct="1">
               <a:spcBef>
                 <a:spcPts val="1000"/>
               </a:spcBef>
@@ -36760,13 +36027,6 @@
               </a:rPr>
               <a:t>Create table rezState (</a:t>
             </a:r>
-            <a:endParaRPr kumimoji="0" lang="en-US" altLang="ko-KR" sz="2400" b="0" i="0" u="none" strike="noStrike" kern="1200" cap="none" spc="0" normalizeH="0" baseline="0">
-              <a:solidFill>
-                <a:schemeClr val="dk1"/>
-              </a:solidFill>
-              <a:latin typeface="1훈정글북 Regular"/>
-              <a:ea typeface="1훈정글북 Regular"/>
-            </a:endParaRPr>
           </a:p>
           <a:p>
             <a:pPr marL="0" indent="0" defTabSz="914400" rtl="0" eaLnBrk="1" latinLnBrk="1" hangingPunct="1">
@@ -36786,7 +36046,7 @@
             <a:r>
               <a:rPr kumimoji="0" lang="en-US" altLang="ko-KR" sz="2400" b="0" i="0" u="none" strike="noStrike" kern="1200" cap="none" spc="0" normalizeH="0" baseline="0">
                 <a:solidFill>
-                  <a:srgbClr val="ff0000"/>
+                  <a:srgbClr val="FF0000"/>
                 </a:solidFill>
                 <a:latin typeface="1훈정글북 Regular"/>
                 <a:ea typeface="1훈정글북 Regular"/>
@@ -36853,13 +36113,6 @@
               </a:rPr>
               <a:t>예약현황 번호</a:t>
             </a:r>
-            <a:endParaRPr kumimoji="0" lang="ko-KR" altLang="en-US" sz="2400" b="0" i="0" u="none" strike="noStrike" kern="1200" cap="none" spc="0" normalizeH="0" baseline="0">
-              <a:solidFill>
-                <a:schemeClr val="dk1"/>
-              </a:solidFill>
-              <a:latin typeface="1훈정글북 Regular"/>
-              <a:ea typeface="1훈정글북 Regular"/>
-            </a:endParaRPr>
           </a:p>
           <a:p>
             <a:pPr marL="0" indent="0" defTabSz="914400" rtl="0" eaLnBrk="1" latinLnBrk="1" hangingPunct="1">
@@ -36906,13 +36159,6 @@
               </a:rPr>
               <a:t>예약자 이름</a:t>
             </a:r>
-            <a:endParaRPr kumimoji="0" lang="ko-KR" altLang="en-US" sz="2400" b="0" i="0" u="none" strike="noStrike" kern="1200" cap="none" spc="0" normalizeH="0" baseline="0">
-              <a:solidFill>
-                <a:schemeClr val="dk1"/>
-              </a:solidFill>
-              <a:latin typeface="1훈정글북 Regular"/>
-              <a:ea typeface="1훈정글북 Regular"/>
-            </a:endParaRPr>
           </a:p>
           <a:p>
             <a:pPr marL="0" indent="0" defTabSz="914400" rtl="0" eaLnBrk="1" latinLnBrk="1" hangingPunct="1">
@@ -36939,13 +36185,6 @@
               </a:rPr>
               <a:t>);</a:t>
             </a:r>
-            <a:endParaRPr kumimoji="0" lang="en-US" altLang="ko-KR" sz="2400" b="0" i="0" u="none" strike="noStrike" kern="1200" cap="none" spc="0" normalizeH="0" baseline="0">
-              <a:solidFill>
-                <a:schemeClr val="dk1"/>
-              </a:solidFill>
-              <a:latin typeface="1훈정글북 Regular"/>
-              <a:ea typeface="1훈정글북 Regular"/>
-            </a:endParaRPr>
           </a:p>
           <a:p>
             <a:pPr marL="0" indent="0" defTabSz="914400" rtl="0" eaLnBrk="1" latinLnBrk="1" hangingPunct="1">
@@ -36977,11 +36216,11 @@
   <p:clrMapOvr>
     <a:masterClrMapping/>
   </p:clrMapOvr>
-  <mc:AlternateContent xmlns:mc="http://schemas.openxmlformats.org/markup-compatibility/2006">
-    <mc:Choice xmlns:p14="http://schemas.microsoft.com/office/powerpoint/2010/main" Requires="p14">
-      <p:transition xmlns:mc="http://schemas.openxmlformats.org/markup-compatibility/2006" xmlns:p14="http://schemas.microsoft.com/office/powerpoint/2010/main" mc:Ignorable="p14" p14:dur="500"/>
+  <mc:AlternateContent xmlns:mc="http://schemas.openxmlformats.org/markup-compatibility/2006" xmlns:p14="http://schemas.microsoft.com/office/powerpoint/2010/main">
+    <mc:Choice Requires="p14">
+      <p:transition/>
     </mc:Choice>
-    <mc:Fallback>
+    <mc:Fallback xmlns:dsp="http://schemas.microsoft.com/office/drawing/2008/diagram" xmlns:dgm="http://schemas.openxmlformats.org/drawingml/2006/diagram" xmlns:c="http://schemas.openxmlformats.org/drawingml/2006/chart" xmlns="">
       <p:transition/>
     </mc:Fallback>
   </mc:AlternateContent>
@@ -36989,21 +36228,22 @@
 </file>
 
 <file path=ppt/slides/slide39.xml><?xml version="1.0" encoding="utf-8"?>
-<p:sld xmlns:r="http://schemas.openxmlformats.org/officeDocument/2006/relationships" xmlns:c="http://schemas.openxmlformats.org/drawingml/2006/chart" xmlns:a="http://schemas.openxmlformats.org/drawingml/2006/main" xmlns:dgm="http://schemas.openxmlformats.org/drawingml/2006/diagram" xmlns:dsp="http://schemas.microsoft.com/office/drawing/2008/diagram" xmlns:p="http://schemas.openxmlformats.org/presentationml/2006/main">
+<p:sld xmlns:a="http://schemas.openxmlformats.org/drawingml/2006/main" xmlns:r="http://schemas.openxmlformats.org/officeDocument/2006/relationships" xmlns:p="http://schemas.openxmlformats.org/presentationml/2006/main">
   <p:cSld>
     <p:bg>
-      <p:bgPr shadeToTitle="0">
+      <p:bgPr>
         <a:gradFill>
           <a:gsLst>
             <a:gs pos="50000">
-              <a:srgbClr val="b3acb3"/>
+              <a:srgbClr val="B3ACB3"/>
             </a:gs>
             <a:gs pos="50000">
-              <a:srgbClr val="f8e9e8"/>
+              <a:srgbClr val="F8E9E8"/>
             </a:gs>
           </a:gsLst>
           <a:lin ang="6600000" scaled="0"/>
         </a:gradFill>
+        <a:effectLst/>
       </p:bgPr>
     </p:bg>
     <p:spTree>
@@ -37041,7 +36281,7 @@
             <a:gradFill>
               <a:gsLst>
                 <a:gs pos="50000">
-                  <a:srgbClr val="efccca"/>
+                  <a:srgbClr val="EFCCCA"/>
                 </a:gs>
                 <a:gs pos="50000">
                   <a:schemeClr val="bg1">
@@ -37124,7 +36364,7 @@
             <a:r>
               <a:rPr lang="en-US" altLang="ko-KR" sz="4200" b="1" i="1">
                 <a:solidFill>
-                  <a:srgbClr val="ff9999"/>
+                  <a:srgbClr val="FF9999"/>
                 </a:solidFill>
               </a:rPr>
               <a:t>DB</a:t>
@@ -37132,16 +36372,11 @@
             <a:r>
               <a:rPr lang="ko-KR" altLang="en-US" sz="4200" b="1" i="1">
                 <a:solidFill>
-                  <a:srgbClr val="ff9999"/>
+                  <a:srgbClr val="FF9999"/>
                 </a:solidFill>
               </a:rPr>
               <a:t>구성 및 설명</a:t>
             </a:r>
-            <a:endParaRPr lang="ko-KR" altLang="en-US" sz="4200" b="1" i="1">
-              <a:solidFill>
-                <a:srgbClr val="ff9999"/>
-              </a:solidFill>
-            </a:endParaRPr>
           </a:p>
         </p:txBody>
       </p:sp>
@@ -37185,7 +36420,7 @@
             <a:r>
               <a:rPr kumimoji="0" lang="en-US" altLang="ko-KR" sz="2700" b="0" i="0" u="none" strike="noStrike" kern="1200" cap="none" spc="0" normalizeH="0" baseline="0">
                 <a:solidFill>
-                  <a:srgbClr val="ff0000"/>
+                  <a:srgbClr val="FF0000"/>
                 </a:solidFill>
                 <a:latin typeface="1훈정글북 Regular"/>
                 <a:ea typeface="1훈정글북 Regular"/>
@@ -37195,7 +36430,7 @@
             <a:r>
               <a:rPr kumimoji="0" lang="ko-KR" altLang="en-US" sz="2700" b="0" i="0" u="none" strike="noStrike" kern="1200" cap="none" spc="0" normalizeH="0" baseline="0">
                 <a:solidFill>
-                  <a:srgbClr val="ff0000"/>
+                  <a:srgbClr val="FF0000"/>
                 </a:solidFill>
                 <a:latin typeface="1훈정글북 Regular"/>
                 <a:ea typeface="1훈정글북 Regular"/>
@@ -37205,7 +36440,7 @@
             <a:r>
               <a:rPr kumimoji="0" lang="en-US" altLang="ko-KR" sz="2700" b="0" i="0" u="none" strike="noStrike" kern="1200" cap="none" spc="0" normalizeH="0" baseline="0">
                 <a:solidFill>
-                  <a:srgbClr val="ff0000"/>
+                  <a:srgbClr val="FF0000"/>
                 </a:solidFill>
                 <a:latin typeface="1훈정글북 Regular"/>
                 <a:ea typeface="1훈정글북 Regular"/>
@@ -37215,7 +36450,7 @@
             <a:r>
               <a:rPr kumimoji="0" lang="ko-KR" altLang="en-US" sz="2700" b="0" i="0" u="none" strike="noStrike" kern="1200" cap="none" spc="0" normalizeH="0" baseline="0">
                 <a:solidFill>
-                  <a:srgbClr val="ff0000"/>
+                  <a:srgbClr val="FF0000"/>
                 </a:solidFill>
                 <a:latin typeface="1훈정글북 Regular"/>
                 <a:ea typeface="1훈정글북 Regular"/>
@@ -37225,7 +36460,7 @@
             <a:r>
               <a:rPr kumimoji="0" lang="en-US" altLang="ko-KR" sz="2700" b="0" i="0" u="none" strike="noStrike" kern="1200" cap="none" spc="0" normalizeH="0" baseline="0">
                 <a:solidFill>
-                  <a:srgbClr val="ff0000"/>
+                  <a:srgbClr val="FF0000"/>
                 </a:solidFill>
                 <a:latin typeface="1훈정글북 Regular"/>
                 <a:ea typeface="1훈정글북 Regular"/>
@@ -37235,20 +36470,13 @@
             <a:r>
               <a:rPr kumimoji="0" lang="ko-KR" altLang="en-US" sz="2700" b="0" i="0" u="none" strike="noStrike" kern="1200" cap="none" spc="0" normalizeH="0" baseline="0">
                 <a:solidFill>
-                  <a:srgbClr val="ff0000"/>
+                  <a:srgbClr val="FF0000"/>
                 </a:solidFill>
                 <a:latin typeface="1훈정글북 Regular"/>
                 <a:ea typeface="1훈정글북 Regular"/>
               </a:rPr>
               <a:t> 게시판</a:t>
             </a:r>
-            <a:endParaRPr kumimoji="0" lang="ko-KR" altLang="en-US" sz="2700" b="0" i="0" u="none" strike="noStrike" kern="1200" cap="none" spc="0" normalizeH="0" baseline="0">
-              <a:solidFill>
-                <a:srgbClr val="ff0000"/>
-              </a:solidFill>
-              <a:latin typeface="1훈정글북 Regular"/>
-              <a:ea typeface="1훈정글북 Regular"/>
-            </a:endParaRPr>
           </a:p>
           <a:p>
             <a:pPr marL="0" indent="0" defTabSz="914400" rtl="0" eaLnBrk="1" latinLnBrk="1" hangingPunct="1">
@@ -37272,13 +36500,6 @@
               </a:rPr>
               <a:t>create table board (</a:t>
             </a:r>
-            <a:endParaRPr kumimoji="0" lang="en-US" altLang="ko-KR" sz="1400" b="0" i="0" u="none" strike="noStrike" kern="1200" cap="none" spc="0" normalizeH="0" baseline="0">
-              <a:solidFill>
-                <a:schemeClr val="dk1"/>
-              </a:solidFill>
-              <a:latin typeface="1훈정글북 Regular"/>
-              <a:ea typeface="1훈정글북 Regular"/>
-            </a:endParaRPr>
           </a:p>
           <a:p>
             <a:pPr marL="0" indent="0" defTabSz="914400" rtl="0" eaLnBrk="1" latinLnBrk="1" hangingPunct="1">
@@ -37302,13 +36523,6 @@
               </a:rPr>
               <a:t>	idx		int		primary key,</a:t>
             </a:r>
-            <a:endParaRPr kumimoji="0" lang="en-US" altLang="ko-KR" sz="1400" b="0" i="0" u="none" strike="noStrike" kern="1200" cap="none" spc="0" normalizeH="0" baseline="0">
-              <a:solidFill>
-                <a:schemeClr val="dk1"/>
-              </a:solidFill>
-              <a:latin typeface="1훈정글북 Regular"/>
-              <a:ea typeface="1훈정글북 Regular"/>
-            </a:endParaRPr>
           </a:p>
           <a:p>
             <a:pPr marL="0" indent="0" defTabSz="914400" rtl="0" eaLnBrk="1" latinLnBrk="1" hangingPunct="1">
@@ -37332,13 +36546,6 @@
               </a:rPr>
               <a:t>	no		int,</a:t>
             </a:r>
-            <a:endParaRPr kumimoji="0" lang="en-US" altLang="ko-KR" sz="1400" b="0" i="0" u="none" strike="noStrike" kern="1200" cap="none" spc="0" normalizeH="0" baseline="0">
-              <a:solidFill>
-                <a:schemeClr val="dk1"/>
-              </a:solidFill>
-              <a:latin typeface="1훈정글북 Regular"/>
-              <a:ea typeface="1훈정글북 Regular"/>
-            </a:endParaRPr>
           </a:p>
           <a:p>
             <a:pPr marL="0" indent="0" defTabSz="914400" rtl="0" eaLnBrk="1" latinLnBrk="1" hangingPunct="1">
@@ -37362,13 +36569,6 @@
               </a:rPr>
               <a:t>	subject		char(50),</a:t>
             </a:r>
-            <a:endParaRPr kumimoji="0" lang="en-US" altLang="ko-KR" sz="1400" b="0" i="0" u="none" strike="noStrike" kern="1200" cap="none" spc="0" normalizeH="0" baseline="0">
-              <a:solidFill>
-                <a:schemeClr val="dk1"/>
-              </a:solidFill>
-              <a:latin typeface="1훈정글북 Regular"/>
-              <a:ea typeface="1훈정글북 Regular"/>
-            </a:endParaRPr>
           </a:p>
           <a:p>
             <a:pPr marL="0" indent="0" defTabSz="914400" rtl="0" eaLnBrk="1" latinLnBrk="1" hangingPunct="1">
@@ -37392,13 +36592,6 @@
               </a:rPr>
               <a:t>	name		char(20),</a:t>
             </a:r>
-            <a:endParaRPr kumimoji="0" lang="en-US" altLang="ko-KR" sz="1400" b="0" i="0" u="none" strike="noStrike" kern="1200" cap="none" spc="0" normalizeH="0" baseline="0">
-              <a:solidFill>
-                <a:schemeClr val="dk1"/>
-              </a:solidFill>
-              <a:latin typeface="1훈정글북 Regular"/>
-              <a:ea typeface="1훈정글북 Regular"/>
-            </a:endParaRPr>
           </a:p>
           <a:p>
             <a:pPr marL="0" indent="0" defTabSz="914400" rtl="0" eaLnBrk="1" latinLnBrk="1" hangingPunct="1">
@@ -37422,13 +36615,6 @@
               </a:rPr>
               <a:t>	email		char(30),</a:t>
             </a:r>
-            <a:endParaRPr kumimoji="0" lang="en-US" altLang="ko-KR" sz="1400" b="0" i="0" u="none" strike="noStrike" kern="1200" cap="none" spc="0" normalizeH="0" baseline="0">
-              <a:solidFill>
-                <a:schemeClr val="dk1"/>
-              </a:solidFill>
-              <a:latin typeface="1훈정글북 Regular"/>
-              <a:ea typeface="1훈정글북 Regular"/>
-            </a:endParaRPr>
           </a:p>
           <a:p>
             <a:pPr marL="0" indent="0" defTabSz="914400" rtl="0" eaLnBrk="1" latinLnBrk="1" hangingPunct="1">
@@ -37452,13 +36638,6 @@
               </a:rPr>
               <a:t>	content		text,</a:t>
             </a:r>
-            <a:endParaRPr kumimoji="0" lang="en-US" altLang="ko-KR" sz="1400" b="0" i="0" u="none" strike="noStrike" kern="1200" cap="none" spc="0" normalizeH="0" baseline="0">
-              <a:solidFill>
-                <a:schemeClr val="dk1"/>
-              </a:solidFill>
-              <a:latin typeface="1훈정글북 Regular"/>
-              <a:ea typeface="1훈정글북 Regular"/>
-            </a:endParaRPr>
           </a:p>
           <a:p>
             <a:pPr marL="0" indent="0" defTabSz="914400" rtl="0" eaLnBrk="1" latinLnBrk="1" hangingPunct="1">
@@ -37482,13 +36661,6 @@
               </a:rPr>
               <a:t>	ymd		char(30),</a:t>
             </a:r>
-            <a:endParaRPr kumimoji="0" lang="en-US" altLang="ko-KR" sz="1400" b="0" i="0" u="none" strike="noStrike" kern="1200" cap="none" spc="0" normalizeH="0" baseline="0">
-              <a:solidFill>
-                <a:schemeClr val="dk1"/>
-              </a:solidFill>
-              <a:latin typeface="1훈정글북 Regular"/>
-              <a:ea typeface="1훈정글북 Regular"/>
-            </a:endParaRPr>
           </a:p>
           <a:p>
             <a:pPr marL="0" indent="0" defTabSz="914400" rtl="0" eaLnBrk="1" latinLnBrk="1" hangingPunct="1">
@@ -37532,13 +36704,6 @@
               </a:rPr>
               <a:t>int,</a:t>
             </a:r>
-            <a:endParaRPr kumimoji="0" lang="en-US" altLang="ko-KR" sz="1400" b="0" i="0" u="none" strike="noStrike" kern="1200" cap="none" spc="0" normalizeH="0" baseline="0">
-              <a:solidFill>
-                <a:schemeClr val="dk1"/>
-              </a:solidFill>
-              <a:latin typeface="1훈정글북 Regular"/>
-              <a:ea typeface="1훈정글북 Regular"/>
-            </a:endParaRPr>
           </a:p>
           <a:p>
             <a:pPr marL="0" indent="0" defTabSz="914400" rtl="0" eaLnBrk="1" latinLnBrk="1" hangingPunct="1">
@@ -37562,13 +36727,6 @@
               </a:rPr>
               <a:t>	pwd		char(20),</a:t>
             </a:r>
-            <a:endParaRPr kumimoji="0" lang="en-US" altLang="ko-KR" sz="1400" b="0" i="0" u="none" strike="noStrike" kern="1200" cap="none" spc="0" normalizeH="0" baseline="0">
-              <a:solidFill>
-                <a:schemeClr val="dk1"/>
-              </a:solidFill>
-              <a:latin typeface="1훈정글북 Regular"/>
-              <a:ea typeface="1훈정글북 Regular"/>
-            </a:endParaRPr>
           </a:p>
           <a:p>
             <a:pPr marL="0" indent="0" defTabSz="914400" rtl="0" eaLnBrk="1" latinLnBrk="1" hangingPunct="1">
@@ -37612,13 +36770,6 @@
               </a:rPr>
               <a:t>int,</a:t>
             </a:r>
-            <a:endParaRPr kumimoji="0" lang="en-US" altLang="ko-KR" sz="1400" b="0" i="0" u="none" strike="noStrike" kern="1200" cap="none" spc="0" normalizeH="0" baseline="0">
-              <a:solidFill>
-                <a:schemeClr val="dk1"/>
-              </a:solidFill>
-              <a:latin typeface="1훈정글북 Regular"/>
-              <a:ea typeface="1훈정글북 Regular"/>
-            </a:endParaRPr>
           </a:p>
           <a:p>
             <a:pPr marL="0" indent="0" defTabSz="914400" rtl="0" eaLnBrk="1" latinLnBrk="1" hangingPunct="1">
@@ -37662,13 +36813,6 @@
               </a:rPr>
               <a:t>int,</a:t>
             </a:r>
-            <a:endParaRPr kumimoji="0" lang="en-US" altLang="ko-KR" sz="1400" b="0" i="0" u="none" strike="noStrike" kern="1200" cap="none" spc="0" normalizeH="0" baseline="0">
-              <a:solidFill>
-                <a:schemeClr val="dk1"/>
-              </a:solidFill>
-              <a:latin typeface="1훈정글북 Regular"/>
-              <a:ea typeface="1훈정글북 Regular"/>
-            </a:endParaRPr>
           </a:p>
           <a:p>
             <a:pPr marL="0" indent="0" defTabSz="914400" rtl="0" eaLnBrk="1" latinLnBrk="1" hangingPunct="1">
@@ -37692,13 +36836,6 @@
               </a:rPr>
               <a:t>	step 		int</a:t>
             </a:r>
-            <a:endParaRPr kumimoji="0" lang="en-US" altLang="ko-KR" sz="1400" b="0" i="0" u="none" strike="noStrike" kern="1200" cap="none" spc="0" normalizeH="0" baseline="0">
-              <a:solidFill>
-                <a:schemeClr val="dk1"/>
-              </a:solidFill>
-              <a:latin typeface="1훈정글북 Regular"/>
-              <a:ea typeface="1훈정글북 Regular"/>
-            </a:endParaRPr>
           </a:p>
           <a:p>
             <a:pPr marL="0" indent="0" defTabSz="914400" rtl="0" eaLnBrk="1" latinLnBrk="1" hangingPunct="1">
@@ -37722,13 +36859,6 @@
               </a:rPr>
               <a:t>);</a:t>
             </a:r>
-            <a:endParaRPr kumimoji="0" lang="en-US" altLang="ko-KR" sz="1400" b="0" i="0" u="none" strike="noStrike" kern="1200" cap="none" spc="0" normalizeH="0" baseline="0">
-              <a:solidFill>
-                <a:schemeClr val="dk1"/>
-              </a:solidFill>
-              <a:latin typeface="1훈정글북 Regular"/>
-              <a:ea typeface="1훈정글북 Regular"/>
-            </a:endParaRPr>
           </a:p>
           <a:p>
             <a:pPr marL="0" indent="0" defTabSz="914400" rtl="0" eaLnBrk="1" latinLnBrk="1" hangingPunct="1">
@@ -37760,11 +36890,11 @@
   <p:clrMapOvr>
     <a:masterClrMapping/>
   </p:clrMapOvr>
-  <mc:AlternateContent xmlns:mc="http://schemas.openxmlformats.org/markup-compatibility/2006">
-    <mc:Choice xmlns:p14="http://schemas.microsoft.com/office/powerpoint/2010/main" Requires="p14">
-      <p:transition xmlns:mc="http://schemas.openxmlformats.org/markup-compatibility/2006" xmlns:p14="http://schemas.microsoft.com/office/powerpoint/2010/main" mc:Ignorable="p14" p14:dur="500"/>
+  <mc:AlternateContent xmlns:mc="http://schemas.openxmlformats.org/markup-compatibility/2006" xmlns:p14="http://schemas.microsoft.com/office/powerpoint/2010/main">
+    <mc:Choice Requires="p14">
+      <p:transition/>
     </mc:Choice>
-    <mc:Fallback>
+    <mc:Fallback xmlns:dsp="http://schemas.microsoft.com/office/drawing/2008/diagram" xmlns:dgm="http://schemas.openxmlformats.org/drawingml/2006/diagram" xmlns:c="http://schemas.openxmlformats.org/drawingml/2006/chart" xmlns="">
       <p:transition/>
     </mc:Fallback>
   </mc:AlternateContent>
@@ -39061,7 +38191,7 @@
     <mc:Choice Requires="p14">
       <p:transition/>
     </mc:Choice>
-    <mc:Fallback xmlns:dsp="http://schemas.microsoft.com/office/drawing/2008/diagram" xmlns:dgm="http://schemas.openxmlformats.org/drawingml/2006/diagram" xmlns:c="http://schemas.openxmlformats.org/drawingml/2006/chart" xmlns="">
+    <mc:Fallback xmlns="" xmlns:c="http://schemas.openxmlformats.org/drawingml/2006/chart" xmlns:dgm="http://schemas.openxmlformats.org/drawingml/2006/diagram" xmlns:dsp="http://schemas.microsoft.com/office/drawing/2008/diagram">
       <p:transition/>
     </mc:Fallback>
   </mc:AlternateContent>
@@ -49526,7 +48656,7 @@
     <mc:Choice Requires="p14">
       <p:transition/>
     </mc:Choice>
-    <mc:Fallback xmlns:dsp="http://schemas.microsoft.com/office/drawing/2008/diagram" xmlns:dgm="http://schemas.openxmlformats.org/drawingml/2006/diagram" xmlns:c="http://schemas.openxmlformats.org/drawingml/2006/chart" xmlns="">
+    <mc:Fallback xmlns="" xmlns:c="http://schemas.openxmlformats.org/drawingml/2006/chart" xmlns:dgm="http://schemas.openxmlformats.org/drawingml/2006/diagram" xmlns:dsp="http://schemas.microsoft.com/office/drawing/2008/diagram">
       <p:transition/>
     </mc:Fallback>
   </mc:AlternateContent>
@@ -50754,7 +49884,7 @@
     <mc:Choice Requires="p14">
       <p:transition/>
     </mc:Choice>
-    <mc:Fallback xmlns:dsp="http://schemas.microsoft.com/office/drawing/2008/diagram" xmlns:dgm="http://schemas.openxmlformats.org/drawingml/2006/diagram" xmlns:c="http://schemas.openxmlformats.org/drawingml/2006/chart" xmlns="">
+    <mc:Fallback xmlns="" xmlns:c="http://schemas.openxmlformats.org/drawingml/2006/chart" xmlns:dgm="http://schemas.openxmlformats.org/drawingml/2006/diagram" xmlns:dsp="http://schemas.microsoft.com/office/drawing/2008/diagram">
       <p:transition/>
     </mc:Fallback>
   </mc:AlternateContent>
@@ -51966,7 +51096,7 @@
     <mc:Choice Requires="p14">
       <p:transition/>
     </mc:Choice>
-    <mc:Fallback xmlns:dsp="http://schemas.microsoft.com/office/drawing/2008/diagram" xmlns:dgm="http://schemas.openxmlformats.org/drawingml/2006/diagram" xmlns:c="http://schemas.openxmlformats.org/drawingml/2006/chart" xmlns="">
+    <mc:Fallback xmlns="" xmlns:c="http://schemas.openxmlformats.org/drawingml/2006/chart" xmlns:dgm="http://schemas.openxmlformats.org/drawingml/2006/diagram" xmlns:dsp="http://schemas.microsoft.com/office/drawing/2008/diagram">
       <p:transition/>
     </mc:Fallback>
   </mc:AlternateContent>
@@ -51974,21 +51104,22 @@
 </file>
 
 <file path=ppt/slides/slide7.xml><?xml version="1.0" encoding="utf-8"?>
-<p:sld xmlns:r="http://schemas.openxmlformats.org/officeDocument/2006/relationships" xmlns:c="http://schemas.openxmlformats.org/drawingml/2006/chart" xmlns:a="http://schemas.openxmlformats.org/drawingml/2006/main" xmlns:dgm="http://schemas.openxmlformats.org/drawingml/2006/diagram" xmlns:dsp="http://schemas.microsoft.com/office/drawing/2008/diagram" xmlns:p="http://schemas.openxmlformats.org/presentationml/2006/main">
+<p:sld xmlns:a="http://schemas.openxmlformats.org/drawingml/2006/main" xmlns:r="http://schemas.openxmlformats.org/officeDocument/2006/relationships" xmlns:p="http://schemas.openxmlformats.org/presentationml/2006/main">
   <p:cSld>
     <p:bg>
-      <p:bgPr shadeToTitle="0">
+      <p:bgPr>
         <a:gradFill>
           <a:gsLst>
             <a:gs pos="50000">
-              <a:srgbClr val="b3acb3"/>
+              <a:srgbClr val="B3ACB3"/>
             </a:gs>
             <a:gs pos="50000">
-              <a:srgbClr val="f8e9e8"/>
+              <a:srgbClr val="F8E9E8"/>
             </a:gs>
           </a:gsLst>
           <a:lin ang="6600000" scaled="0"/>
         </a:gradFill>
+        <a:effectLst/>
       </p:bgPr>
     </p:bg>
     <p:spTree>
@@ -52026,7 +51157,7 @@
             <a:gradFill>
               <a:gsLst>
                 <a:gs pos="50000">
-                  <a:srgbClr val="efccca"/>
+                  <a:srgbClr val="EFCCCA"/>
                 </a:gs>
                 <a:gs pos="50000">
                   <a:schemeClr val="bg1">
@@ -52109,16 +51240,11 @@
             <a:r>
               <a:rPr lang="ko-KR" altLang="en-US" sz="4200" b="1" i="1">
                 <a:solidFill>
-                  <a:srgbClr val="ff9999"/>
+                  <a:srgbClr val="FF9999"/>
                 </a:solidFill>
               </a:rPr>
               <a:t>벤치마킹 사이트 분석 및 비교</a:t>
             </a:r>
-            <a:endParaRPr lang="ko-KR" altLang="en-US" sz="4200" b="1" i="1">
-              <a:solidFill>
-                <a:srgbClr val="ff9999"/>
-              </a:solidFill>
-            </a:endParaRPr>
           </a:p>
         </p:txBody>
       </p:sp>
@@ -52169,13 +51295,6 @@
               </a:rPr>
               <a:t>미앤미</a:t>
             </a:r>
-            <a:endParaRPr kumimoji="0" lang="ko-KR" altLang="en-US" sz="2600" b="0" i="0" u="none" strike="noStrike" kern="1200" cap="none" spc="0" normalizeH="0" baseline="0">
-              <a:solidFill>
-                <a:schemeClr val="tx1"/>
-              </a:solidFill>
-              <a:latin typeface="1훈정글북 Regular"/>
-              <a:ea typeface="1훈정글북 Regular"/>
-            </a:endParaRPr>
           </a:p>
           <a:p>
             <a:pPr marL="0" indent="0" defTabSz="914400" rtl="0" eaLnBrk="1" latinLnBrk="1" hangingPunct="1">
@@ -52298,7 +51417,7 @@
           </a:prstGeom>
           <a:ln>
             <a:solidFill>
-              <a:srgbClr val="b3acb3"/>
+              <a:srgbClr val="B3ACB3"/>
             </a:solidFill>
           </a:ln>
         </p:spPr>
@@ -52333,7 +51452,7 @@
           </a:prstGeom>
           <a:ln>
             <a:solidFill>
-              <a:srgbClr val="b3acb3"/>
+              <a:srgbClr val="B3ACB3"/>
             </a:solidFill>
           </a:ln>
         </p:spPr>
@@ -52399,13 +51518,6 @@
               </a:rPr>
               <a:t>특징</a:t>
             </a:r>
-            <a:endParaRPr kumimoji="0" lang="ko-KR" altLang="en-US" sz="2200" b="0" i="0" u="none" strike="noStrike" kern="1200" cap="none" spc="0" normalizeH="0" baseline="0">
-              <a:solidFill>
-                <a:schemeClr val="tx1"/>
-              </a:solidFill>
-              <a:latin typeface="1훈정글북 Regular"/>
-              <a:ea typeface="1훈정글북 Regular"/>
-            </a:endParaRPr>
           </a:p>
           <a:p>
             <a:pPr marL="0" indent="0" algn="ctr" defTabSz="914400" rtl="0" eaLnBrk="1" latinLnBrk="1" hangingPunct="1">
@@ -52578,13 +51690,6 @@
               </a:rPr>
               <a:t>.</a:t>
             </a:r>
-            <a:endParaRPr kumimoji="0" lang="en-US" altLang="ko-KR" sz="1700" b="0" i="0" u="none" strike="noStrike" kern="1200" cap="none" spc="0" normalizeH="0" baseline="0">
-              <a:solidFill>
-                <a:schemeClr val="tx1"/>
-              </a:solidFill>
-              <a:latin typeface="1훈정글북 Regular"/>
-              <a:ea typeface="1훈정글북 Regular"/>
-            </a:endParaRPr>
           </a:p>
         </p:txBody>
       </p:sp>
@@ -52635,13 +51740,6 @@
               </a:rPr>
               <a:t>장단점</a:t>
             </a:r>
-            <a:endParaRPr kumimoji="0" lang="ko-KR" altLang="en-US" sz="2200" b="0" i="0" u="none" strike="noStrike" kern="1200" cap="none" spc="0" normalizeH="0" baseline="0">
-              <a:solidFill>
-                <a:schemeClr val="tx1"/>
-              </a:solidFill>
-              <a:latin typeface="1훈정글북 Regular"/>
-              <a:ea typeface="1훈정글북 Regular"/>
-            </a:endParaRPr>
           </a:p>
           <a:p>
             <a:pPr marL="0" indent="0" algn="ctr" defTabSz="914400" rtl="0" eaLnBrk="1" latinLnBrk="1" hangingPunct="1">
@@ -52794,13 +51892,6 @@
               </a:rPr>
               <a:t>.</a:t>
             </a:r>
-            <a:endParaRPr kumimoji="0" lang="en-US" altLang="ko-KR" sz="1700" b="0" i="0" u="none" strike="noStrike" kern="1200" cap="none" spc="0" normalizeH="0" baseline="0">
-              <a:solidFill>
-                <a:schemeClr val="tx1"/>
-              </a:solidFill>
-              <a:latin typeface="1훈정글북 Regular"/>
-              <a:ea typeface="1훈정글북 Regular"/>
-            </a:endParaRPr>
           </a:p>
         </p:txBody>
       </p:sp>
@@ -52861,13 +51952,6 @@
               </a:rPr>
               <a:t>.</a:t>
             </a:r>
-            <a:endParaRPr kumimoji="0" lang="en-US" altLang="ko-KR" sz="1700" b="0" i="0" u="none" strike="noStrike" kern="1200" cap="none" spc="0" normalizeH="0" baseline="0">
-              <a:solidFill>
-                <a:schemeClr val="tx1"/>
-              </a:solidFill>
-              <a:latin typeface="1훈정글북 Regular"/>
-              <a:ea typeface="1훈정글북 Regular"/>
-            </a:endParaRPr>
           </a:p>
         </p:txBody>
       </p:sp>
@@ -52918,13 +52002,6 @@
               </a:rPr>
               <a:t>차별화</a:t>
             </a:r>
-            <a:endParaRPr kumimoji="0" lang="ko-KR" altLang="en-US" sz="2200" b="0" i="0" u="none" strike="noStrike" kern="1200" cap="none" spc="0" normalizeH="0" baseline="0">
-              <a:solidFill>
-                <a:schemeClr val="tx1"/>
-              </a:solidFill>
-              <a:latin typeface="1훈정글북 Regular"/>
-              <a:ea typeface="1훈정글북 Regular"/>
-            </a:endParaRPr>
           </a:p>
           <a:p>
             <a:pPr marL="0" indent="0" algn="ctr" defTabSz="914400" rtl="0" eaLnBrk="1" latinLnBrk="1" hangingPunct="1">
@@ -53111,13 +52188,6 @@
               </a:rPr>
               <a:t>로 시술효과를 보여줘 </a:t>
             </a:r>
-            <a:endParaRPr kumimoji="0" lang="ko-KR" altLang="en-US" sz="1700" b="0" i="0" u="none" strike="noStrike" kern="1200" cap="none" spc="0" normalizeH="0" baseline="0">
-              <a:solidFill>
-                <a:schemeClr val="tx1"/>
-              </a:solidFill>
-              <a:latin typeface="1훈정글북 Regular"/>
-              <a:ea typeface="1훈정글북 Regular"/>
-            </a:endParaRPr>
           </a:p>
           <a:p>
             <a:pPr marL="0" indent="0" defTabSz="914400" rtl="0" eaLnBrk="1" latinLnBrk="1" hangingPunct="1">
@@ -53154,13 +52224,6 @@
               </a:rPr>
               <a:t>.</a:t>
             </a:r>
-            <a:endParaRPr kumimoji="0" lang="en-US" altLang="ko-KR" sz="1700" b="0" i="0" u="none" strike="noStrike" kern="1200" cap="none" spc="0" normalizeH="0" baseline="0">
-              <a:solidFill>
-                <a:schemeClr val="tx1"/>
-              </a:solidFill>
-              <a:latin typeface="1훈정글북 Regular"/>
-              <a:ea typeface="1훈정글북 Regular"/>
-            </a:endParaRPr>
           </a:p>
         </p:txBody>
       </p:sp>
@@ -53211,13 +52274,6 @@
               </a:rPr>
               <a:t>상세페이지에 부위나 용량을 선택할 수</a:t>
             </a:r>
-            <a:endParaRPr kumimoji="0" lang="ko-KR" altLang="en-US" sz="1700" b="0" i="0" u="none" strike="noStrike" kern="1200" cap="none" spc="0" normalizeH="0" baseline="0">
-              <a:solidFill>
-                <a:schemeClr val="tx1"/>
-              </a:solidFill>
-              <a:latin typeface="1훈정글북 Regular"/>
-              <a:ea typeface="1훈정글북 Regular"/>
-            </a:endParaRPr>
           </a:p>
           <a:p>
             <a:pPr marL="0" indent="0" defTabSz="914400" rtl="0" eaLnBrk="1" latinLnBrk="1" hangingPunct="1">
@@ -53254,13 +52310,6 @@
               </a:rPr>
               <a:t>.</a:t>
             </a:r>
-            <a:endParaRPr kumimoji="0" lang="en-US" altLang="ko-KR" sz="1700" b="0" i="0" u="none" strike="noStrike" kern="1200" cap="none" spc="0" normalizeH="0" baseline="0">
-              <a:solidFill>
-                <a:schemeClr val="tx1"/>
-              </a:solidFill>
-              <a:latin typeface="1훈정글북 Regular"/>
-              <a:ea typeface="1훈정글북 Regular"/>
-            </a:endParaRPr>
           </a:p>
         </p:txBody>
       </p:sp>
@@ -53311,13 +52360,6 @@
               </a:rPr>
               <a:t>각 시술별로 특징과 과정을 상세페이지에</a:t>
             </a:r>
-            <a:endParaRPr kumimoji="0" lang="ko-KR" altLang="en-US" sz="1700" b="0" i="0" u="none" strike="noStrike" kern="1200" cap="none" spc="0" normalizeH="0" baseline="0">
-              <a:solidFill>
-                <a:schemeClr val="tx1"/>
-              </a:solidFill>
-              <a:latin typeface="1훈정글북 Regular"/>
-              <a:ea typeface="1훈정글북 Regular"/>
-            </a:endParaRPr>
           </a:p>
           <a:p>
             <a:pPr marL="0" indent="0" defTabSz="914400" rtl="0" eaLnBrk="1" latinLnBrk="1" hangingPunct="1">
@@ -53354,13 +52396,6 @@
               </a:rPr>
               <a:t>.</a:t>
             </a:r>
-            <a:endParaRPr kumimoji="0" lang="en-US" altLang="ko-KR" sz="1700" b="0" i="0" u="none" strike="noStrike" kern="1200" cap="none" spc="0" normalizeH="0" baseline="0">
-              <a:solidFill>
-                <a:schemeClr val="tx1"/>
-              </a:solidFill>
-              <a:latin typeface="1훈정글북 Regular"/>
-              <a:ea typeface="1훈정글북 Regular"/>
-            </a:endParaRPr>
           </a:p>
         </p:txBody>
       </p:sp>
@@ -53369,11 +52404,11 @@
   <p:clrMapOvr>
     <a:masterClrMapping/>
   </p:clrMapOvr>
-  <mc:AlternateContent xmlns:mc="http://schemas.openxmlformats.org/markup-compatibility/2006">
-    <mc:Choice xmlns:p14="http://schemas.microsoft.com/office/powerpoint/2010/main" Requires="p14">
-      <p:transition xmlns:mc="http://schemas.openxmlformats.org/markup-compatibility/2006" xmlns:p14="http://schemas.microsoft.com/office/powerpoint/2010/main" mc:Ignorable="p14" p14:dur="500"/>
+  <mc:AlternateContent xmlns:mc="http://schemas.openxmlformats.org/markup-compatibility/2006" xmlns:p14="http://schemas.microsoft.com/office/powerpoint/2010/main">
+    <mc:Choice Requires="p14">
+      <p:transition/>
     </mc:Choice>
-    <mc:Fallback>
+    <mc:Fallback xmlns:dsp="http://schemas.microsoft.com/office/drawing/2008/diagram" xmlns:dgm="http://schemas.openxmlformats.org/drawingml/2006/diagram" xmlns:c="http://schemas.openxmlformats.org/drawingml/2006/chart" xmlns="">
       <p:transition/>
     </mc:Fallback>
   </mc:AlternateContent>
@@ -54512,7 +53547,7 @@
     <mc:Choice Requires="p14">
       <p:transition/>
     </mc:Choice>
-    <mc:Fallback xmlns:dsp="http://schemas.microsoft.com/office/drawing/2008/diagram" xmlns:dgm="http://schemas.openxmlformats.org/drawingml/2006/diagram" xmlns:c="http://schemas.openxmlformats.org/drawingml/2006/chart" xmlns="">
+    <mc:Fallback xmlns="" xmlns:c="http://schemas.openxmlformats.org/drawingml/2006/chart" xmlns:dgm="http://schemas.openxmlformats.org/drawingml/2006/diagram" xmlns:dsp="http://schemas.microsoft.com/office/drawing/2008/diagram">
       <p:transition/>
     </mc:Fallback>
   </mc:AlternateContent>
@@ -55680,7 +54715,7 @@
     <mc:Choice Requires="p14">
       <p:transition/>
     </mc:Choice>
-    <mc:Fallback xmlns:dsp="http://schemas.microsoft.com/office/drawing/2008/diagram" xmlns:dgm="http://schemas.openxmlformats.org/drawingml/2006/diagram" xmlns:c="http://schemas.openxmlformats.org/drawingml/2006/chart" xmlns="">
+    <mc:Fallback xmlns="" xmlns:c="http://schemas.openxmlformats.org/drawingml/2006/chart" xmlns:dgm="http://schemas.openxmlformats.org/drawingml/2006/diagram" xmlns:dsp="http://schemas.microsoft.com/office/drawing/2008/diagram">
       <p:transition/>
     </mc:Fallback>
   </mc:AlternateContent>
@@ -55688,49 +54723,49 @@
 </file>
 
 <file path=ppt/theme/theme1.xml><?xml version="1.0" encoding="utf-8"?>
-<a:theme xmlns:r="http://schemas.openxmlformats.org/officeDocument/2006/relationships" xmlns:c="http://schemas.openxmlformats.org/drawingml/2006/chart" xmlns:dgm="http://schemas.openxmlformats.org/drawingml/2006/diagram" xmlns:dsp="http://schemas.microsoft.com/office/drawing/2008/diagram" xmlns:a="http://schemas.openxmlformats.org/drawingml/2006/main" xmlns:pic="http://schemas.openxmlformats.org/drawingml/2006/picture" xmlns:wp="http://schemas.openxmlformats.org/drawingml/2006/wordprocessingDrawing" xmlns:xdr="http://schemas.openxmlformats.org/drawingml/2006/spreadsheetDrawing" xmlns:p="http://schemas.openxmlformats.org/presentationml/2006/main" name="7_Office 테마">
+<a:theme xmlns:a="http://schemas.openxmlformats.org/drawingml/2006/main" name="7_Office 테마">
   <a:themeElements>
     <a:clrScheme name="Office">
       <a:dk1>
         <a:sysClr val="windowText" lastClr="000000"/>
       </a:dk1>
       <a:lt1>
-        <a:sysClr val="window" lastClr="ffffff"/>
+        <a:sysClr val="window" lastClr="FFFFFF"/>
       </a:lt1>
       <a:dk2>
-        <a:srgbClr val="44546a"/>
+        <a:srgbClr val="44546A"/>
       </a:dk2>
       <a:lt2>
-        <a:srgbClr val="e7e6e6"/>
+        <a:srgbClr val="E7E6E6"/>
       </a:lt2>
       <a:accent1>
-        <a:srgbClr val="5b9bd5"/>
+        <a:srgbClr val="5B9BD5"/>
       </a:accent1>
       <a:accent2>
-        <a:srgbClr val="ed7d31"/>
+        <a:srgbClr val="ED7D31"/>
       </a:accent2>
       <a:accent3>
-        <a:srgbClr val="a5a5a5"/>
+        <a:srgbClr val="A5A5A5"/>
       </a:accent3>
       <a:accent4>
-        <a:srgbClr val="ffc000"/>
+        <a:srgbClr val="FFC000"/>
       </a:accent4>
       <a:accent5>
-        <a:srgbClr val="4472c4"/>
+        <a:srgbClr val="4472C4"/>
       </a:accent5>
       <a:accent6>
-        <a:srgbClr val="70ad47"/>
+        <a:srgbClr val="70AD47"/>
       </a:accent6>
       <a:hlink>
-        <a:srgbClr val="0563c1"/>
+        <a:srgbClr val="0563C1"/>
       </a:hlink>
       <a:folHlink>
-        <a:srgbClr val="954f72"/>
+        <a:srgbClr val="954F72"/>
       </a:folHlink>
     </a:clrScheme>
     <a:fontScheme name="Office">
       <a:majorFont>
-        <a:latin typeface="맑은 고딕" panose="2147483647"/>
+        <a:latin typeface="맑은 고딕" panose="21474836470000000000"/>
         <a:ea typeface=""/>
         <a:cs typeface=""/>
         <a:font script="Jpan" typeface="MS PGothic"/>
@@ -55765,7 +54800,7 @@
         <a:font script="Geor" typeface="Sylfaen"/>
       </a:majorFont>
       <a:minorFont>
-        <a:latin typeface="맑은 고딕" panose="2147483647"/>
+        <a:latin typeface="맑은 고딕" panose="21474836470000000000"/>
         <a:ea typeface=""/>
         <a:cs typeface=""/>
         <a:font script="Jpan" typeface="MS PGothic"/>
@@ -55938,53 +54973,55 @@
       </a:bgFillStyleLst>
     </a:fmtScheme>
   </a:themeElements>
+  <a:objectDefaults/>
+  <a:extraClrSchemeLst/>
 </a:theme>
 </file>
 
 <file path=ppt/theme/theme2.xml><?xml version="1.0" encoding="utf-8"?>
-<a:theme xmlns:r="http://schemas.openxmlformats.org/officeDocument/2006/relationships" xmlns:c="http://schemas.openxmlformats.org/drawingml/2006/chart" xmlns:dgm="http://schemas.openxmlformats.org/drawingml/2006/diagram" xmlns:dsp="http://schemas.microsoft.com/office/drawing/2008/diagram" xmlns:a="http://schemas.openxmlformats.org/drawingml/2006/main" xmlns:pic="http://schemas.openxmlformats.org/drawingml/2006/picture" xmlns:wp="http://schemas.openxmlformats.org/drawingml/2006/wordprocessingDrawing" xmlns:xdr="http://schemas.openxmlformats.org/drawingml/2006/spreadsheetDrawing" xmlns:p="http://schemas.openxmlformats.org/presentationml/2006/main" name="18_Office 테마">
+<a:theme xmlns:a="http://schemas.openxmlformats.org/drawingml/2006/main" name="18_Office 테마">
   <a:themeElements>
     <a:clrScheme name="Office">
       <a:dk1>
         <a:sysClr val="windowText" lastClr="000000"/>
       </a:dk1>
       <a:lt1>
-        <a:sysClr val="window" lastClr="ffffff"/>
+        <a:sysClr val="window" lastClr="FFFFFF"/>
       </a:lt1>
       <a:dk2>
-        <a:srgbClr val="44546a"/>
+        <a:srgbClr val="44546A"/>
       </a:dk2>
       <a:lt2>
-        <a:srgbClr val="e7e6e6"/>
+        <a:srgbClr val="E7E6E6"/>
       </a:lt2>
       <a:accent1>
-        <a:srgbClr val="4472c4"/>
+        <a:srgbClr val="4472C4"/>
       </a:accent1>
       <a:accent2>
-        <a:srgbClr val="ed7d31"/>
+        <a:srgbClr val="ED7D31"/>
       </a:accent2>
       <a:accent3>
-        <a:srgbClr val="a5a5a5"/>
+        <a:srgbClr val="A5A5A5"/>
       </a:accent3>
       <a:accent4>
-        <a:srgbClr val="ffc000"/>
+        <a:srgbClr val="FFC000"/>
       </a:accent4>
       <a:accent5>
-        <a:srgbClr val="5b9bd5"/>
+        <a:srgbClr val="5B9BD5"/>
       </a:accent5>
       <a:accent6>
-        <a:srgbClr val="70ad47"/>
+        <a:srgbClr val="70AD47"/>
       </a:accent6>
       <a:hlink>
-        <a:srgbClr val="0563c1"/>
+        <a:srgbClr val="0563C1"/>
       </a:hlink>
       <a:folHlink>
-        <a:srgbClr val="954f72"/>
+        <a:srgbClr val="954F72"/>
       </a:folHlink>
     </a:clrScheme>
     <a:fontScheme name="Office">
       <a:majorFont>
-        <a:latin typeface="맑은 고딕" panose="2147483647"/>
+        <a:latin typeface="맑은 고딕" panose="21474836470000000000"/>
         <a:ea typeface=""/>
         <a:cs typeface=""/>
         <a:font script="Jpan" typeface="Yu Gothic Light"/>
@@ -56036,7 +55073,7 @@
         <a:font script="Tfng" typeface="Ebrima"/>
       </a:majorFont>
       <a:minorFont>
-        <a:latin typeface="맑은 고딕" panose="2147483647"/>
+        <a:latin typeface="맑은 고딕" panose="21474836470000000000"/>
         <a:ea typeface=""/>
         <a:cs typeface=""/>
         <a:font script="Jpan" typeface="Yu Gothic"/>
@@ -56226,5 +55263,7 @@
       </a:bgFillStyleLst>
     </a:fmtScheme>
   </a:themeElements>
+  <a:objectDefaults/>
+  <a:extraClrSchemeLst/>
 </a:theme>
 </file>
--- a/졸작 기획서.pptx
+++ b/졸작 기획서.pptx
@@ -2,8 +2,8 @@
 <file path=ppt/presentation.xml><?xml version="1.0" encoding="utf-8"?>
 <p:presentation xmlns:r="http://schemas.openxmlformats.org/officeDocument/2006/relationships" xmlns:c="http://schemas.openxmlformats.org/drawingml/2006/chart" xmlns:a="http://schemas.openxmlformats.org/drawingml/2006/main" xmlns:dgm="http://schemas.openxmlformats.org/drawingml/2006/diagram" xmlns:dsp="http://schemas.microsoft.com/office/drawing/2008/diagram" xmlns:p="http://schemas.openxmlformats.org/presentationml/2006/main" saveSubsetFonts="1">
   <p:sldMasterIdLst>
-    <p:sldMasterId id="2147483716" r:id="rId1"/>
-    <p:sldMasterId id="2147483717" r:id="rId2"/>
+    <p:sldMasterId id="2147483686" r:id="rId1"/>
+    <p:sldMasterId id="2147483687" r:id="rId2"/>
   </p:sldMasterIdLst>
   <p:sldIdLst>
     <p:sldId id="256" r:id="rId3"/>
@@ -7463,8 +7463,8 @@
         </p:nvSpPr>
         <p:spPr>
           <a:xfrm>
-            <a:off x="852488" y="1797406"/>
-            <a:ext cx="5429248" cy="1036636"/>
+            <a:off x="2597674" y="2567058"/>
+            <a:ext cx="6996653" cy="1723884"/>
           </a:xfrm>
           <a:prstGeom prst="rect">
             <a:avLst/>
@@ -7472,35 +7472,134 @@
         </p:spPr>
         <p:txBody>
           <a:bodyPr vert="horz" lIns="91440" tIns="45720" rIns="91440" bIns="45720">
-            <a:normAutofit fontScale="70000" lnSpcReduction="20000"/>
+            <a:noAutofit/>
           </a:bodyPr>
           <a:lstStyle/>
           <a:p>
-            <a:pPr marL="0" indent="0" defTabSz="914400" rtl="0" eaLnBrk="1" latinLnBrk="1" hangingPunct="1">
-              <a:lnSpc>
-                <a:spcPct val="140000"/>
-              </a:lnSpc>
-              <a:spcBef>
-                <a:spcPts val="1000"/>
-              </a:spcBef>
-              <a:spcAft>
-                <a:spcPts val="0"/>
-              </a:spcAft>
-              <a:buFont typeface="Arial"/>
-              <a:buNone/>
-              <a:defRPr/>
-            </a:pPr>
-            <a:r>
-              <a:rPr kumimoji="0" lang="ko-KR" altLang="en-US" sz="2600" b="0" i="0" u="none" strike="noStrike" kern="1200" cap="none" spc="0" normalizeH="0" baseline="0">
+            <a:pPr marL="0" indent="0" algn="ctr" defTabSz="914400" rtl="0" eaLnBrk="1" latinLnBrk="1" hangingPunct="1">
+              <a:lnSpc>
+                <a:spcPct val="90000"/>
+              </a:lnSpc>
+              <a:spcBef>
+                <a:spcPts val="1000"/>
+              </a:spcBef>
+              <a:spcAft>
+                <a:spcPts val="0"/>
+              </a:spcAft>
+              <a:buFont typeface="Arial"/>
+              <a:buNone/>
+              <a:defRPr/>
+            </a:pPr>
+            <a:r>
+              <a:rPr kumimoji="0" lang="ko-KR" altLang="en-US" sz="2200" b="0" i="0" u="none" strike="noStrike" kern="1200" cap="none" spc="0" normalizeH="0" baseline="0">
                 <a:solidFill>
                   <a:schemeClr val="tx1"/>
                 </a:solidFill>
                 <a:latin typeface="1훈정글북 Regular"/>
                 <a:ea typeface="1훈정글북 Regular"/>
               </a:rPr>
-              <a:t>피부과에 있는 많은 시술을 하나하나 찾아 봐야 하는 어려움을 해결하기 위한 맞춤 진단 서비스 제공 </a:t>
-            </a:r>
-            <a:endParaRPr kumimoji="0" lang="ko-KR" altLang="en-US" sz="2600" b="0" i="0" u="none" strike="noStrike" kern="1200" cap="none" spc="0" normalizeH="0" baseline="0">
+              <a:t>타 피부과는 원하는 부위에 맞는 시술을 찾기 위해 </a:t>
+            </a:r>
+            <a:endParaRPr kumimoji="0" lang="ko-KR" altLang="en-US" sz="2200" b="0" i="0" u="none" strike="noStrike" kern="1200" cap="none" spc="0" normalizeH="0" baseline="0">
+              <a:solidFill>
+                <a:schemeClr val="tx1"/>
+              </a:solidFill>
+              <a:latin typeface="1훈정글북 Regular"/>
+              <a:ea typeface="1훈정글북 Regular"/>
+            </a:endParaRPr>
+          </a:p>
+          <a:p>
+            <a:pPr marL="0" indent="0" algn="ctr" defTabSz="914400" rtl="0" eaLnBrk="1" latinLnBrk="1" hangingPunct="1">
+              <a:lnSpc>
+                <a:spcPct val="90000"/>
+              </a:lnSpc>
+              <a:spcBef>
+                <a:spcPts val="1000"/>
+              </a:spcBef>
+              <a:spcAft>
+                <a:spcPts val="0"/>
+              </a:spcAft>
+              <a:buFont typeface="Arial"/>
+              <a:buNone/>
+              <a:defRPr/>
+            </a:pPr>
+            <a:r>
+              <a:rPr kumimoji="0" lang="ko-KR" altLang="en-US" sz="2200" b="0" i="0" u="none" strike="noStrike" kern="1200" cap="none" spc="0" normalizeH="0" baseline="0">
+                <a:solidFill>
+                  <a:schemeClr val="tx1"/>
+                </a:solidFill>
+                <a:latin typeface="1훈정글북 Regular"/>
+                <a:ea typeface="1훈정글북 Regular"/>
+              </a:rPr>
+              <a:t>여러 다른 시술들을 알아봐야하는 불편함이 있다.</a:t>
+            </a:r>
+            <a:endParaRPr kumimoji="0" lang="ko-KR" altLang="en-US" sz="2200" b="0" i="0" u="none" strike="noStrike" kern="1200" cap="none" spc="0" normalizeH="0" baseline="0">
+              <a:solidFill>
+                <a:schemeClr val="tx1"/>
+              </a:solidFill>
+              <a:latin typeface="1훈정글북 Regular"/>
+              <a:ea typeface="1훈정글북 Regular"/>
+            </a:endParaRPr>
+          </a:p>
+          <a:p>
+            <a:pPr marL="0" indent="0" algn="ctr" defTabSz="914400" rtl="0" eaLnBrk="1" latinLnBrk="1" hangingPunct="1">
+              <a:lnSpc>
+                <a:spcPct val="90000"/>
+              </a:lnSpc>
+              <a:spcBef>
+                <a:spcPts val="1000"/>
+              </a:spcBef>
+              <a:spcAft>
+                <a:spcPts val="0"/>
+              </a:spcAft>
+              <a:buFont typeface="Arial"/>
+              <a:buNone/>
+              <a:defRPr/>
+            </a:pPr>
+            <a:r>
+              <a:rPr kumimoji="0" lang="ko-KR" altLang="en-US" sz="2200" b="0" i="0" u="none" strike="noStrike" kern="1200" cap="none" spc="0" normalizeH="0" baseline="0">
+                <a:solidFill>
+                  <a:schemeClr val="tx1"/>
+                </a:solidFill>
+                <a:latin typeface="1훈정글북 Regular"/>
+                <a:ea typeface="1훈정글북 Regular"/>
+              </a:rPr>
+              <a:t>이를 해결하기 위해 원하는 부위의 효과를 선택하여</a:t>
+            </a:r>
+            <a:endParaRPr kumimoji="0" lang="ko-KR" altLang="en-US" sz="2200" b="0" i="0" u="none" strike="noStrike" kern="1200" cap="none" spc="0" normalizeH="0" baseline="0">
+              <a:solidFill>
+                <a:schemeClr val="tx1"/>
+              </a:solidFill>
+              <a:latin typeface="1훈정글북 Regular"/>
+              <a:ea typeface="1훈정글북 Regular"/>
+            </a:endParaRPr>
+          </a:p>
+          <a:p>
+            <a:pPr marL="0" indent="0" algn="ctr" defTabSz="914400" rtl="0" eaLnBrk="1" latinLnBrk="1" hangingPunct="1">
+              <a:lnSpc>
+                <a:spcPct val="90000"/>
+              </a:lnSpc>
+              <a:spcBef>
+                <a:spcPts val="1000"/>
+              </a:spcBef>
+              <a:spcAft>
+                <a:spcPts val="0"/>
+              </a:spcAft>
+              <a:buFont typeface="Arial"/>
+              <a:buNone/>
+              <a:defRPr/>
+            </a:pPr>
+            <a:r>
+              <a:rPr kumimoji="0" lang="ko-KR" altLang="en-US" sz="2200" b="0" i="0" u="none" strike="noStrike" kern="1200" cap="none" spc="0" normalizeH="0" baseline="0">
+                <a:solidFill>
+                  <a:schemeClr val="tx1"/>
+                </a:solidFill>
+                <a:latin typeface="1훈정글북 Regular"/>
+                <a:ea typeface="1훈정글북 Regular"/>
+              </a:rPr>
+              <a:t>개개인에게 맞는 시술을 추천하는 서비스를 제공한다.</a:t>
+            </a:r>
+            <a:endParaRPr kumimoji="0" lang="ko-KR" altLang="en-US" sz="2200" b="0" i="0" u="none" strike="noStrike" kern="1200" cap="none" spc="0" normalizeH="0" baseline="0">
               <a:solidFill>
                 <a:schemeClr val="tx1"/>
               </a:solidFill>
@@ -7520,7 +7619,7 @@
         </p:nvSpPr>
         <p:spPr>
           <a:xfrm>
-            <a:off x="871538" y="2910682"/>
+            <a:off x="967565" y="6858000"/>
             <a:ext cx="10256869" cy="1969697"/>
           </a:xfrm>
           <a:prstGeom prst="rect">
@@ -39686,7 +39785,7 @@
         </p:nvSpPr>
         <p:spPr>
           <a:xfrm>
-            <a:off x="409575" y="419992"/>
+            <a:off x="409575" y="419993"/>
             <a:ext cx="11372850" cy="6018014"/>
           </a:xfrm>
           <a:prstGeom prst="rect">
@@ -39763,8 +39862,8 @@
         </p:nvSpPr>
         <p:spPr>
           <a:xfrm>
-            <a:off x="2823427" y="4696569"/>
-            <a:ext cx="6545145" cy="1099334"/>
+            <a:off x="1864899" y="2613672"/>
+            <a:ext cx="8462202" cy="1920131"/>
           </a:xfrm>
           <a:prstGeom prst="rect">
             <a:avLst/>
@@ -39776,43 +39875,14 @@
           </a:bodyPr>
           <a:lstStyle/>
           <a:p>
-            <a:pPr>
-              <a:lnSpc>
-                <a:spcPct val="150000"/>
-              </a:lnSpc>
-              <a:defRPr/>
-            </a:pPr>
-            <a:r>
-              <a:rPr lang="en-US" altLang="ko-KR" sz="2000" b="1">
-                <a:solidFill>
-                  <a:srgbClr val="ff9999"/>
-                </a:solidFill>
-              </a:rPr>
-              <a:t>10-20</a:t>
-            </a:r>
-            <a:r>
-              <a:rPr lang="ko-KR" altLang="en-US" sz="2000" b="1">
-                <a:solidFill>
-                  <a:srgbClr val="ff9999"/>
-                </a:solidFill>
-              </a:rPr>
-              <a:t>대 여성</a:t>
-            </a:r>
-            <a:endParaRPr lang="ko-KR" altLang="en-US" sz="2000" b="1">
-              <a:solidFill>
-                <a:srgbClr val="ff9999"/>
-              </a:solidFill>
-            </a:endParaRPr>
-          </a:p>
-          <a:p>
-            <a:pPr>
-              <a:lnSpc>
-                <a:spcPct val="150000"/>
-              </a:lnSpc>
-              <a:defRPr/>
-            </a:pPr>
-            <a:r>
-              <a:rPr lang="ko-KR" altLang="en-US" sz="1200">
+            <a:pPr algn="ctr">
+              <a:lnSpc>
+                <a:spcPct val="130000"/>
+              </a:lnSpc>
+              <a:defRPr/>
+            </a:pPr>
+            <a:r>
+              <a:rPr lang="ko-KR" altLang="en-US" sz="2000">
                 <a:solidFill>
                   <a:prstClr val="black">
                     <a:lumMod val="75000"/>
@@ -39820,10 +39890,18 @@
                   </a:prstClr>
                 </a:solidFill>
               </a:rPr>
-              <a:t>피부에 고민이 많은 </a:t>
-            </a:r>
-            <a:r>
-              <a:rPr lang="en-US" altLang="ko-KR" sz="1200">
+              <a:t>피부 고민이 많은 </a:t>
+            </a:r>
+            <a:r>
+              <a:rPr lang="ko-KR" altLang="en-US" sz="2300" b="1">
+                <a:solidFill>
+                  <a:srgbClr val="ff9999"/>
+                </a:solidFill>
+              </a:rPr>
+              <a:t>10대</a:t>
+            </a:r>
+            <a:r>
+              <a:rPr lang="ko-KR" altLang="en-US" sz="2000">
                 <a:solidFill>
                   <a:prstClr val="black">
                     <a:lumMod val="75000"/>
@@ -39831,10 +39909,18 @@
                   </a:prstClr>
                 </a:solidFill>
               </a:rPr>
-              <a:t>10</a:t>
-            </a:r>
-            <a:r>
-              <a:rPr lang="ko-KR" altLang="en-US" sz="1200">
+              <a:t>와 수분, 피부재생력을 유지하고 싶은 </a:t>
+            </a:r>
+            <a:r>
+              <a:rPr lang="ko-KR" altLang="en-US" sz="2300" b="1">
+                <a:solidFill>
+                  <a:srgbClr val="ff9999"/>
+                </a:solidFill>
+              </a:rPr>
+              <a:t>20대</a:t>
+            </a:r>
+            <a:r>
+              <a:rPr lang="ko-KR" altLang="en-US" sz="2000">
                 <a:solidFill>
                   <a:prstClr val="black">
                     <a:lumMod val="75000"/>
@@ -39842,10 +39928,26 @@
                   </a:prstClr>
                 </a:solidFill>
               </a:rPr>
-              <a:t>대와 수분</a:t>
-            </a:r>
-            <a:r>
-              <a:rPr lang="en-US" altLang="ko-KR" sz="1200">
+              <a:t>의</a:t>
+            </a:r>
+            <a:endParaRPr lang="ko-KR" altLang="en-US" sz="2000">
+              <a:solidFill>
+                <a:prstClr val="black">
+                  <a:lumMod val="75000"/>
+                  <a:lumOff val="25000"/>
+                </a:prstClr>
+              </a:solidFill>
+            </a:endParaRPr>
+          </a:p>
+          <a:p>
+            <a:pPr algn="ctr">
+              <a:lnSpc>
+                <a:spcPct val="130000"/>
+              </a:lnSpc>
+              <a:defRPr/>
+            </a:pPr>
+            <a:r>
+              <a:rPr lang="ko-KR" altLang="en-US" sz="2000">
                 <a:solidFill>
                   <a:prstClr val="black">
                     <a:lumMod val="75000"/>
@@ -39853,10 +39955,18 @@
                   </a:prstClr>
                 </a:solidFill>
               </a:rPr>
-              <a:t>,</a:t>
-            </a:r>
-            <a:r>
-              <a:rPr lang="ko-KR" altLang="en-US" sz="1200">
+              <a:t> </a:t>
+            </a:r>
+            <a:r>
+              <a:rPr lang="ko-KR" altLang="en-US" sz="2300" b="1">
+                <a:solidFill>
+                  <a:srgbClr val="ff9999"/>
+                </a:solidFill>
+              </a:rPr>
+              <a:t>남녀</a:t>
+            </a:r>
+            <a:r>
+              <a:rPr lang="ko-KR" altLang="en-US" sz="2000">
                 <a:solidFill>
                   <a:prstClr val="black">
                     <a:lumMod val="75000"/>
@@ -39864,10 +39974,26 @@
                   </a:prstClr>
                 </a:solidFill>
               </a:rPr>
-              <a:t> 피부 재생력을 유지하고 싶은 </a:t>
-            </a:r>
-            <a:r>
-              <a:rPr lang="en-US" altLang="ko-KR" sz="1200">
+              <a:t> 모두가 주타겟층이며 가격 부담을 줄이기 위해 </a:t>
+            </a:r>
+            <a:endParaRPr lang="ko-KR" altLang="en-US" sz="2000">
+              <a:solidFill>
+                <a:prstClr val="black">
+                  <a:lumMod val="75000"/>
+                  <a:lumOff val="25000"/>
+                </a:prstClr>
+              </a:solidFill>
+            </a:endParaRPr>
+          </a:p>
+          <a:p>
+            <a:pPr algn="ctr">
+              <a:lnSpc>
+                <a:spcPct val="150000"/>
+              </a:lnSpc>
+              <a:defRPr/>
+            </a:pPr>
+            <a:r>
+              <a:rPr lang="ko-KR" altLang="en-US" sz="2000">
                 <a:solidFill>
                   <a:prstClr val="black">
                     <a:lumMod val="75000"/>
@@ -39875,10 +40001,26 @@
                   </a:prstClr>
                 </a:solidFill>
               </a:rPr>
-              <a:t>20</a:t>
-            </a:r>
-            <a:r>
-              <a:rPr lang="ko-KR" altLang="en-US" sz="1200">
+              <a:t>저가와 중저가의 가격으로만 이루었다. </a:t>
+            </a:r>
+            <a:endParaRPr lang="ko-KR" altLang="en-US" sz="2000">
+              <a:solidFill>
+                <a:prstClr val="black">
+                  <a:lumMod val="75000"/>
+                  <a:lumOff val="25000"/>
+                </a:prstClr>
+              </a:solidFill>
+            </a:endParaRPr>
+          </a:p>
+          <a:p>
+            <a:pPr algn="ctr">
+              <a:lnSpc>
+                <a:spcPct val="150000"/>
+              </a:lnSpc>
+              <a:defRPr/>
+            </a:pPr>
+            <a:r>
+              <a:rPr lang="ko-KR" altLang="en-US" sz="2000">
                 <a:solidFill>
                   <a:prstClr val="black">
                     <a:lumMod val="75000"/>
@@ -39886,58 +40028,9 @@
                   </a:prstClr>
                 </a:solidFill>
               </a:rPr>
-              <a:t>대를 주타겟층으로 잡았다</a:t>
-            </a:r>
-            <a:r>
-              <a:rPr lang="en-US" altLang="ko-KR" sz="1200">
-                <a:solidFill>
-                  <a:prstClr val="black">
-                    <a:lumMod val="75000"/>
-                    <a:lumOff val="25000"/>
-                  </a:prstClr>
-                </a:solidFill>
-              </a:rPr>
-              <a:t>.</a:t>
-            </a:r>
-            <a:r>
-              <a:rPr lang="ko-KR" altLang="en-US" sz="1200">
-                <a:solidFill>
-                  <a:prstClr val="black">
-                    <a:lumMod val="75000"/>
-                    <a:lumOff val="25000"/>
-                  </a:prstClr>
-                </a:solidFill>
-              </a:rPr>
-              <a:t> </a:t>
-            </a:r>
-            <a:endParaRPr lang="ko-KR" altLang="en-US" sz="1200">
-              <a:solidFill>
-                <a:prstClr val="black">
-                  <a:lumMod val="75000"/>
-                  <a:lumOff val="25000"/>
-                </a:prstClr>
-              </a:solidFill>
-            </a:endParaRPr>
-          </a:p>
-          <a:p>
-            <a:pPr>
-              <a:lnSpc>
-                <a:spcPct val="150000"/>
-              </a:lnSpc>
-              <a:defRPr/>
-            </a:pPr>
-            <a:r>
-              <a:rPr lang="ko-KR" altLang="en-US" sz="1200">
-                <a:solidFill>
-                  <a:prstClr val="black">
-                    <a:lumMod val="75000"/>
-                    <a:lumOff val="25000"/>
-                  </a:prstClr>
-                </a:solidFill>
-              </a:rPr>
-              <a:t>어쩌고 저쩌고</a:t>
-            </a:r>
-            <a:endParaRPr lang="ko-KR" altLang="en-US" sz="1200">
+              <a:t>브랜드 이미지 또한 귀엽고 순수한 이미지로 방향을 잡았다.</a:t>
+            </a:r>
+            <a:endParaRPr lang="ko-KR" altLang="en-US" sz="2000">
               <a:solidFill>
                 <a:prstClr val="black">
                   <a:lumMod val="75000"/>

--- a/졸작 기획서.pptx
+++ b/졸작 기획서.pptx
@@ -2,8 +2,8 @@
 <file path=ppt/presentation.xml><?xml version="1.0" encoding="utf-8"?>
 <p:presentation xmlns:r="http://schemas.openxmlformats.org/officeDocument/2006/relationships" xmlns:c="http://schemas.openxmlformats.org/drawingml/2006/chart" xmlns:a="http://schemas.openxmlformats.org/drawingml/2006/main" xmlns:dgm="http://schemas.openxmlformats.org/drawingml/2006/diagram" xmlns:dsp="http://schemas.microsoft.com/office/drawing/2008/diagram" xmlns:p="http://schemas.openxmlformats.org/presentationml/2006/main" saveSubsetFonts="1">
   <p:sldMasterIdLst>
-    <p:sldMasterId id="2147483702" r:id="rId1"/>
-    <p:sldMasterId id="2147483703" r:id="rId2"/>
+    <p:sldMasterId id="2147483712" r:id="rId1"/>
+    <p:sldMasterId id="2147483713" r:id="rId2"/>
   </p:sldMasterIdLst>
   <p:sldIdLst>
     <p:sldId id="256" r:id="rId3"/>
@@ -45,6 +45,7 @@
     <p:sldId id="292" r:id="rId39"/>
     <p:sldId id="293" r:id="rId40"/>
     <p:sldId id="294" r:id="rId41"/>
+    <p:sldId id="295" r:id="rId42"/>
   </p:sldIdLst>
   <p:sldSz cx="12192000" cy="6858000"/>
   <p:notesSz cx="6858000" cy="9144000"/>
@@ -17616,8 +17617,8 @@
         </p:nvSpPr>
         <p:spPr>
           <a:xfrm>
-            <a:off x="733424" y="1439862"/>
-            <a:ext cx="10467973" cy="5139638"/>
+            <a:off x="733424" y="1718362"/>
+            <a:ext cx="10467973" cy="4603173"/>
           </a:xfrm>
           <a:prstGeom prst="rect">
             <a:avLst/>
@@ -18032,39 +18033,6 @@
                 <a:ea typeface="1훈정글북 Regular"/>
               </a:rPr>
               <a:t>팀원별 주요 역할</a:t>
-            </a:r>
-            <a:endParaRPr kumimoji="0" lang="ko-KR" altLang="en-US" sz="2300" b="0" i="0" u="none" strike="noStrike" kern="1200" cap="none" spc="0" normalizeH="0" baseline="0">
-              <a:solidFill>
-                <a:schemeClr val="tx1"/>
-              </a:solidFill>
-              <a:latin typeface="1훈정글북 Regular"/>
-              <a:ea typeface="1훈정글북 Regular"/>
-            </a:endParaRPr>
-          </a:p>
-          <a:p>
-            <a:pPr marL="228600" indent="-228600" algn="l" defTabSz="914400" rtl="0" eaLnBrk="1" latinLnBrk="1" hangingPunct="1">
-              <a:lnSpc>
-                <a:spcPct val="90000"/>
-              </a:lnSpc>
-              <a:spcBef>
-                <a:spcPts val="1000"/>
-              </a:spcBef>
-              <a:spcAft>
-                <a:spcPts val="0"/>
-              </a:spcAft>
-              <a:buFont typeface="Arial"/>
-              <a:buChar char="•"/>
-              <a:defRPr/>
-            </a:pPr>
-            <a:r>
-              <a:rPr kumimoji="0" lang="ko-KR" altLang="en-US" sz="2300" b="0" i="0" u="none" strike="noStrike" kern="1200" cap="none" spc="0" normalizeH="0" baseline="0">
-                <a:solidFill>
-                  <a:schemeClr val="tx1"/>
-                </a:solidFill>
-                <a:latin typeface="1훈정글북 Regular"/>
-                <a:ea typeface="1훈정글북 Regular"/>
-              </a:rPr>
-              <a:t>웹사이트 구축을 위한 세부 추진일정표</a:t>
             </a:r>
             <a:endParaRPr kumimoji="0" lang="ko-KR" altLang="en-US" sz="2300" b="0" i="0" u="none" strike="noStrike" kern="1200" cap="none" spc="0" normalizeH="0" baseline="0">
               <a:solidFill>
@@ -36180,6 +36148,650 @@
           </a:prstGeom>
         </p:spPr>
       </p:pic>
+    </p:spTree>
+  </p:cSld>
+  <p:clrMapOvr>
+    <a:masterClrMapping/>
+  </p:clrMapOvr>
+  <mc:AlternateContent xmlns:mc="http://schemas.openxmlformats.org/markup-compatibility/2006">
+    <mc:Choice xmlns:p14="http://schemas.microsoft.com/office/powerpoint/2010/main" Requires="p14">
+      <p:transition xmlns:mc="http://schemas.openxmlformats.org/markup-compatibility/2006" xmlns:p14="http://schemas.microsoft.com/office/powerpoint/2010/main" mc:Ignorable="p14" p14:dur="500"/>
+    </mc:Choice>
+    <mc:Fallback>
+      <p:transition/>
+    </mc:Fallback>
+  </mc:AlternateContent>
+</p:sld>
+</file>
+
+<file path=ppt/slides/slide40.xml><?xml version="1.0" encoding="utf-8"?>
+<p:sld xmlns:r="http://schemas.openxmlformats.org/officeDocument/2006/relationships" xmlns:c="http://schemas.openxmlformats.org/drawingml/2006/chart" xmlns:a="http://schemas.openxmlformats.org/drawingml/2006/main" xmlns:dgm="http://schemas.openxmlformats.org/drawingml/2006/diagram" xmlns:dsp="http://schemas.microsoft.com/office/drawing/2008/diagram" xmlns:p="http://schemas.openxmlformats.org/presentationml/2006/main">
+  <p:cSld>
+    <p:bg>
+      <p:bgPr shadeToTitle="0">
+        <a:gradFill>
+          <a:gsLst>
+            <a:gs pos="50000">
+              <a:srgbClr val="b3acb3"/>
+            </a:gs>
+            <a:gs pos="50000">
+              <a:srgbClr val="f8e9e8"/>
+            </a:gs>
+          </a:gsLst>
+          <a:lin ang="6600000" scaled="0"/>
+        </a:gradFill>
+      </p:bgPr>
+    </p:bg>
+    <p:spTree>
+      <p:nvGrpSpPr>
+        <p:cNvPr id="1" name=""/>
+        <p:cNvGrpSpPr/>
+        <p:nvPr/>
+      </p:nvGrpSpPr>
+      <p:grpSpPr>
+        <a:xfrm>
+          <a:off x="0" y="0"/>
+          <a:ext cx="0" cy="0"/>
+          <a:chOff x="0" y="0"/>
+          <a:chExt cx="0" cy="0"/>
+        </a:xfrm>
+      </p:grpSpPr>
+      <p:sp>
+        <p:nvSpPr>
+          <p:cNvPr id="3" name="직사각형 2"/>
+          <p:cNvSpPr/>
+          <p:nvPr/>
+        </p:nvSpPr>
+        <p:spPr>
+          <a:xfrm>
+            <a:off x="409575" y="419993"/>
+            <a:ext cx="11372850" cy="6018014"/>
+          </a:xfrm>
+          <a:prstGeom prst="rect">
+            <a:avLst/>
+          </a:prstGeom>
+          <a:solidFill>
+            <a:schemeClr val="bg1"/>
+          </a:solidFill>
+          <a:ln w="187325">
+            <a:gradFill>
+              <a:gsLst>
+                <a:gs pos="50000">
+                  <a:srgbClr val="efccca"/>
+                </a:gs>
+                <a:gs pos="50000">
+                  <a:schemeClr val="bg1">
+                    <a:lumMod val="85000"/>
+                  </a:schemeClr>
+                </a:gs>
+              </a:gsLst>
+              <a:lin ang="6600000" scaled="0"/>
+            </a:gradFill>
+          </a:ln>
+          <a:effectLst>
+            <a:outerShdw blurRad="431800" dist="241300" dir="5400000" sx="97000" sy="97000" algn="t" rotWithShape="0">
+              <a:prstClr val="black">
+                <a:alpha val="31000"/>
+              </a:prstClr>
+            </a:outerShdw>
+          </a:effectLst>
+        </p:spPr>
+        <p:style>
+          <a:lnRef idx="2">
+            <a:schemeClr val="accent1">
+              <a:shade val="50000"/>
+            </a:schemeClr>
+          </a:lnRef>
+          <a:fillRef idx="1">
+            <a:schemeClr val="accent1"/>
+          </a:fillRef>
+          <a:effectRef idx="0">
+            <a:schemeClr val="accent1"/>
+          </a:effectRef>
+          <a:fontRef idx="minor">
+            <a:schemeClr val="lt1"/>
+          </a:fontRef>
+        </p:style>
+        <p:txBody>
+          <a:bodyPr anchor="t"/>
+          <a:lstStyle/>
+          <a:p>
+            <a:pPr algn="ctr" latinLnBrk="0">
+              <a:lnSpc>
+                <a:spcPct val="150000"/>
+              </a:lnSpc>
+              <a:defRPr/>
+            </a:pPr>
+            <a:endParaRPr lang="ko-KR" altLang="en-US" sz="2800" b="1" i="1" kern="0">
+              <a:solidFill>
+                <a:prstClr val="black">
+                  <a:lumMod val="50000"/>
+                  <a:lumOff val="50000"/>
+                </a:prstClr>
+              </a:solidFill>
+            </a:endParaRPr>
+          </a:p>
+        </p:txBody>
+      </p:sp>
+      <p:sp>
+        <p:nvSpPr>
+          <p:cNvPr id="56" name="직사각형 55"/>
+          <p:cNvSpPr/>
+          <p:nvPr/>
+        </p:nvSpPr>
+        <p:spPr>
+          <a:xfrm>
+            <a:off x="653251" y="677277"/>
+            <a:ext cx="10885496" cy="720993"/>
+          </a:xfrm>
+          <a:prstGeom prst="rect">
+            <a:avLst/>
+          </a:prstGeom>
+        </p:spPr>
+        <p:txBody>
+          <a:bodyPr wrap="square">
+            <a:spAutoFit/>
+          </a:bodyPr>
+          <a:lstStyle/>
+          <a:p>
+            <a:pPr lvl="0">
+              <a:defRPr/>
+            </a:pPr>
+            <a:r>
+              <a:rPr lang="ko-KR" altLang="en-US" sz="4200" b="1" i="1">
+                <a:solidFill>
+                  <a:srgbClr val="ff9999"/>
+                </a:solidFill>
+              </a:rPr>
+              <a:t>팀원별 주요 역할</a:t>
+            </a:r>
+            <a:endParaRPr lang="ko-KR" altLang="en-US" sz="4200" b="1" i="1">
+              <a:solidFill>
+                <a:srgbClr val="ff9999"/>
+              </a:solidFill>
+            </a:endParaRPr>
+          </a:p>
+        </p:txBody>
+      </p:sp>
+      <p:sp>
+        <p:nvSpPr>
+          <p:cNvPr id="75" name="부제목 2"/>
+          <p:cNvSpPr>
+            <a:spLocks noGrp="1"/>
+          </p:cNvSpPr>
+          <p:nvPr/>
+        </p:nvSpPr>
+        <p:spPr>
+          <a:xfrm>
+            <a:off x="613736" y="1414918"/>
+            <a:ext cx="10964527" cy="5767589"/>
+          </a:xfrm>
+          <a:prstGeom prst="rect">
+            <a:avLst/>
+          </a:prstGeom>
+        </p:spPr>
+        <p:txBody>
+          <a:bodyPr vert="horz" lIns="91440" tIns="45720" rIns="91440" bIns="45720">
+            <a:noAutofit/>
+          </a:bodyPr>
+          <a:lstStyle/>
+          <a:p>
+            <a:pPr marL="0" indent="0" defTabSz="914400" rtl="0" eaLnBrk="1" latinLnBrk="1" hangingPunct="1">
+              <a:lnSpc>
+                <a:spcPct val="90000"/>
+              </a:lnSpc>
+              <a:spcBef>
+                <a:spcPts val="1000"/>
+              </a:spcBef>
+              <a:spcAft>
+                <a:spcPts val="0"/>
+              </a:spcAft>
+              <a:buFont typeface="Arial"/>
+              <a:buNone/>
+              <a:defRPr/>
+            </a:pPr>
+            <a:endParaRPr kumimoji="0" lang="ko-KR" altLang="en-US" sz="2700" b="0" i="0" u="none" strike="noStrike" kern="1200" cap="none" spc="0" normalizeH="0" baseline="0">
+              <a:solidFill>
+                <a:srgbClr val="ff0000"/>
+              </a:solidFill>
+              <a:latin typeface="1훈정글북 Regular"/>
+              <a:ea typeface="1훈정글북 Regular"/>
+            </a:endParaRPr>
+          </a:p>
+        </p:txBody>
+      </p:sp>
+      <p:pic>
+        <p:nvPicPr>
+          <p:cNvPr id="77" name=""/>
+          <p:cNvPicPr>
+            <a:picLocks noChangeAspect="1"/>
+          </p:cNvPicPr>
+          <p:nvPr/>
+        </p:nvPicPr>
+        <p:blipFill rotWithShape="1">
+          <a:blip r:embed="rId2"/>
+          <a:stretch>
+            <a:fillRect/>
+          </a:stretch>
+        </p:blipFill>
+        <p:spPr>
+          <a:xfrm>
+            <a:off x="1790262" y="2112141"/>
+            <a:ext cx="1878286" cy="1878286"/>
+          </a:xfrm>
+          <a:prstGeom prst="rect">
+            <a:avLst/>
+          </a:prstGeom>
+        </p:spPr>
+      </p:pic>
+      <p:pic>
+        <p:nvPicPr>
+          <p:cNvPr id="78" name=""/>
+          <p:cNvPicPr>
+            <a:picLocks noChangeAspect="1"/>
+          </p:cNvPicPr>
+          <p:nvPr/>
+        </p:nvPicPr>
+        <p:blipFill rotWithShape="1">
+          <a:blip r:embed="rId3"/>
+          <a:stretch>
+            <a:fillRect/>
+          </a:stretch>
+        </p:blipFill>
+        <p:spPr>
+          <a:xfrm>
+            <a:off x="5156857" y="2133165"/>
+            <a:ext cx="1878286" cy="1878286"/>
+          </a:xfrm>
+          <a:prstGeom prst="rect">
+            <a:avLst/>
+          </a:prstGeom>
+        </p:spPr>
+      </p:pic>
+      <p:pic>
+        <p:nvPicPr>
+          <p:cNvPr id="79" name=""/>
+          <p:cNvPicPr>
+            <a:picLocks noChangeAspect="1"/>
+          </p:cNvPicPr>
+          <p:nvPr/>
+        </p:nvPicPr>
+        <p:blipFill rotWithShape="1">
+          <a:blip r:embed="rId4"/>
+          <a:stretch>
+            <a:fillRect/>
+          </a:stretch>
+        </p:blipFill>
+        <p:spPr>
+          <a:xfrm>
+            <a:off x="8539874" y="2155059"/>
+            <a:ext cx="1878286" cy="1878286"/>
+          </a:xfrm>
+          <a:prstGeom prst="rect">
+            <a:avLst/>
+          </a:prstGeom>
+        </p:spPr>
+      </p:pic>
+      <p:sp>
+        <p:nvSpPr>
+          <p:cNvPr id="80" name="직사각형 6"/>
+          <p:cNvSpPr/>
+          <p:nvPr/>
+        </p:nvSpPr>
+        <p:spPr>
+          <a:xfrm>
+            <a:off x="1649910" y="3940887"/>
+            <a:ext cx="2087251" cy="676833"/>
+          </a:xfrm>
+          <a:prstGeom prst="rect">
+            <a:avLst/>
+          </a:prstGeom>
+        </p:spPr>
+        <p:txBody>
+          <a:bodyPr wrap="square">
+            <a:spAutoFit/>
+          </a:bodyPr>
+          <a:lstStyle/>
+          <a:p>
+            <a:pPr algn="ctr" latinLnBrk="0">
+              <a:lnSpc>
+                <a:spcPct val="150000"/>
+              </a:lnSpc>
+              <a:defRPr/>
+            </a:pPr>
+            <a:r>
+              <a:rPr lang="en-US" altLang="ko-KR" sz="1300" kern="0">
+                <a:solidFill>
+                  <a:prstClr val="black">
+                    <a:lumMod val="50000"/>
+                    <a:lumOff val="50000"/>
+                  </a:prstClr>
+                </a:solidFill>
+              </a:rPr>
+              <a:t>19100297 </a:t>
+            </a:r>
+            <a:r>
+              <a:rPr lang="ko-KR" altLang="en-US" sz="1300" kern="0">
+                <a:solidFill>
+                  <a:prstClr val="black">
+                    <a:lumMod val="50000"/>
+                    <a:lumOff val="50000"/>
+                  </a:prstClr>
+                </a:solidFill>
+              </a:rPr>
+              <a:t>김가율 </a:t>
+            </a:r>
+            <a:r>
+              <a:rPr lang="en-US" altLang="ko-KR" sz="1300" kern="0">
+                <a:solidFill>
+                  <a:prstClr val="black">
+                    <a:lumMod val="50000"/>
+                    <a:lumOff val="50000"/>
+                  </a:prstClr>
+                </a:solidFill>
+              </a:rPr>
+              <a:t>(</a:t>
+            </a:r>
+            <a:r>
+              <a:rPr lang="ko-KR" altLang="en-US" sz="1300" kern="0">
+                <a:solidFill>
+                  <a:prstClr val="black">
+                    <a:lumMod val="50000"/>
+                    <a:lumOff val="50000"/>
+                  </a:prstClr>
+                </a:solidFill>
+              </a:rPr>
+              <a:t>팀장</a:t>
+            </a:r>
+            <a:r>
+              <a:rPr lang="en-US" altLang="ko-KR" sz="1300" kern="0">
+                <a:solidFill>
+                  <a:prstClr val="black">
+                    <a:lumMod val="50000"/>
+                    <a:lumOff val="50000"/>
+                  </a:prstClr>
+                </a:solidFill>
+              </a:rPr>
+              <a:t>)</a:t>
+            </a:r>
+            <a:endParaRPr lang="en-US" altLang="ko-KR" sz="1300" kern="0">
+              <a:solidFill>
+                <a:prstClr val="black">
+                  <a:lumMod val="50000"/>
+                  <a:lumOff val="50000"/>
+                </a:prstClr>
+              </a:solidFill>
+            </a:endParaRPr>
+          </a:p>
+          <a:p>
+            <a:pPr algn="ctr" latinLnBrk="0">
+              <a:lnSpc>
+                <a:spcPct val="150000"/>
+              </a:lnSpc>
+              <a:defRPr/>
+            </a:pPr>
+            <a:r>
+              <a:rPr lang="ko-KR" altLang="en-US" sz="1300" kern="0">
+                <a:solidFill>
+                  <a:prstClr val="black">
+                    <a:lumMod val="50000"/>
+                    <a:lumOff val="50000"/>
+                  </a:prstClr>
+                </a:solidFill>
+              </a:rPr>
+              <a:t>웹개발</a:t>
+            </a:r>
+            <a:r>
+              <a:rPr lang="en-US" altLang="ko-KR" sz="1300" kern="0">
+                <a:solidFill>
+                  <a:prstClr val="black">
+                    <a:lumMod val="50000"/>
+                    <a:lumOff val="50000"/>
+                  </a:prstClr>
+                </a:solidFill>
+              </a:rPr>
+              <a:t>,</a:t>
+            </a:r>
+            <a:r>
+              <a:rPr lang="ko-KR" altLang="en-US" sz="1300" kern="0">
+                <a:solidFill>
+                  <a:prstClr val="black">
+                    <a:lumMod val="50000"/>
+                    <a:lumOff val="50000"/>
+                  </a:prstClr>
+                </a:solidFill>
+              </a:rPr>
+              <a:t> 기획</a:t>
+            </a:r>
+            <a:endParaRPr lang="ko-KR" altLang="en-US" sz="1300" kern="0">
+              <a:solidFill>
+                <a:prstClr val="black">
+                  <a:lumMod val="50000"/>
+                  <a:lumOff val="50000"/>
+                </a:prstClr>
+              </a:solidFill>
+            </a:endParaRPr>
+          </a:p>
+        </p:txBody>
+      </p:sp>
+      <p:sp>
+        <p:nvSpPr>
+          <p:cNvPr id="82" name="직사각형 6"/>
+          <p:cNvSpPr/>
+          <p:nvPr/>
+        </p:nvSpPr>
+        <p:spPr>
+          <a:xfrm>
+            <a:off x="5052374" y="3929062"/>
+            <a:ext cx="2087251" cy="681103"/>
+          </a:xfrm>
+          <a:prstGeom prst="rect">
+            <a:avLst/>
+          </a:prstGeom>
+        </p:spPr>
+        <p:txBody>
+          <a:bodyPr wrap="square">
+            <a:spAutoFit/>
+          </a:bodyPr>
+          <a:lstStyle/>
+          <a:p>
+            <a:pPr algn="ctr" latinLnBrk="0">
+              <a:lnSpc>
+                <a:spcPct val="150000"/>
+              </a:lnSpc>
+              <a:defRPr/>
+            </a:pPr>
+            <a:r>
+              <a:rPr lang="en-US" altLang="ko-KR" sz="1300" kern="0">
+                <a:solidFill>
+                  <a:prstClr val="black">
+                    <a:lumMod val="50000"/>
+                    <a:lumOff val="50000"/>
+                  </a:prstClr>
+                </a:solidFill>
+              </a:rPr>
+              <a:t>19100324 </a:t>
+            </a:r>
+            <a:r>
+              <a:rPr lang="ko-KR" altLang="en-US" sz="1300" kern="0">
+                <a:solidFill>
+                  <a:prstClr val="black">
+                    <a:lumMod val="50000"/>
+                    <a:lumOff val="50000"/>
+                  </a:prstClr>
+                </a:solidFill>
+              </a:rPr>
+              <a:t>봉하늘</a:t>
+            </a:r>
+            <a:endParaRPr lang="ko-KR" altLang="en-US" sz="1300" kern="0">
+              <a:solidFill>
+                <a:prstClr val="black">
+                  <a:lumMod val="50000"/>
+                  <a:lumOff val="50000"/>
+                </a:prstClr>
+              </a:solidFill>
+            </a:endParaRPr>
+          </a:p>
+          <a:p>
+            <a:pPr algn="ctr" latinLnBrk="0">
+              <a:lnSpc>
+                <a:spcPct val="150000"/>
+              </a:lnSpc>
+              <a:defRPr/>
+            </a:pPr>
+            <a:r>
+              <a:rPr lang="ko-KR" altLang="en-US" sz="1300" kern="0">
+                <a:solidFill>
+                  <a:prstClr val="black">
+                    <a:lumMod val="50000"/>
+                    <a:lumOff val="50000"/>
+                  </a:prstClr>
+                </a:solidFill>
+              </a:rPr>
+              <a:t>웹개발</a:t>
+            </a:r>
+            <a:r>
+              <a:rPr lang="en-US" altLang="ko-KR" sz="1300" kern="0">
+                <a:solidFill>
+                  <a:prstClr val="black">
+                    <a:lumMod val="50000"/>
+                    <a:lumOff val="50000"/>
+                  </a:prstClr>
+                </a:solidFill>
+              </a:rPr>
+              <a:t>,</a:t>
+            </a:r>
+            <a:r>
+              <a:rPr lang="ko-KR" altLang="en-US" sz="1300" kern="0">
+                <a:solidFill>
+                  <a:prstClr val="black">
+                    <a:lumMod val="50000"/>
+                    <a:lumOff val="50000"/>
+                  </a:prstClr>
+                </a:solidFill>
+              </a:rPr>
+              <a:t> 기획</a:t>
+            </a:r>
+            <a:endParaRPr lang="ko-KR" altLang="en-US" sz="1300" kern="0">
+              <a:solidFill>
+                <a:prstClr val="black">
+                  <a:lumMod val="50000"/>
+                  <a:lumOff val="50000"/>
+                </a:prstClr>
+              </a:solidFill>
+            </a:endParaRPr>
+          </a:p>
+        </p:txBody>
+      </p:sp>
+      <p:sp>
+        <p:nvSpPr>
+          <p:cNvPr id="83" name="직사각형 6"/>
+          <p:cNvSpPr/>
+          <p:nvPr/>
+        </p:nvSpPr>
+        <p:spPr>
+          <a:xfrm>
+            <a:off x="8446339" y="3961031"/>
+            <a:ext cx="2087251" cy="681103"/>
+          </a:xfrm>
+          <a:prstGeom prst="rect">
+            <a:avLst/>
+          </a:prstGeom>
+        </p:spPr>
+        <p:txBody>
+          <a:bodyPr wrap="square">
+            <a:spAutoFit/>
+          </a:bodyPr>
+          <a:lstStyle/>
+          <a:p>
+            <a:pPr algn="ctr" latinLnBrk="0">
+              <a:lnSpc>
+                <a:spcPct val="150000"/>
+              </a:lnSpc>
+              <a:defRPr/>
+            </a:pPr>
+            <a:r>
+              <a:rPr lang="en-US" altLang="ko-KR" sz="1300" kern="0">
+                <a:solidFill>
+                  <a:prstClr val="black">
+                    <a:lumMod val="50000"/>
+                    <a:lumOff val="50000"/>
+                  </a:prstClr>
+                </a:solidFill>
+              </a:rPr>
+              <a:t>19100355 </a:t>
+            </a:r>
+            <a:r>
+              <a:rPr lang="ko-KR" altLang="en-US" sz="1300" kern="0">
+                <a:solidFill>
+                  <a:prstClr val="black">
+                    <a:lumMod val="50000"/>
+                    <a:lumOff val="50000"/>
+                  </a:prstClr>
+                </a:solidFill>
+              </a:rPr>
+              <a:t>조혜은</a:t>
+            </a:r>
+            <a:endParaRPr lang="ko-KR" altLang="en-US" sz="1300" kern="0">
+              <a:solidFill>
+                <a:prstClr val="black">
+                  <a:lumMod val="50000"/>
+                  <a:lumOff val="50000"/>
+                </a:prstClr>
+              </a:solidFill>
+            </a:endParaRPr>
+          </a:p>
+          <a:p>
+            <a:pPr algn="ctr" latinLnBrk="0">
+              <a:lnSpc>
+                <a:spcPct val="150000"/>
+              </a:lnSpc>
+              <a:defRPr/>
+            </a:pPr>
+            <a:r>
+              <a:rPr lang="ko-KR" altLang="en-US" sz="1300" kern="0">
+                <a:solidFill>
+                  <a:prstClr val="black">
+                    <a:lumMod val="50000"/>
+                    <a:lumOff val="50000"/>
+                  </a:prstClr>
+                </a:solidFill>
+              </a:rPr>
+              <a:t>웹디자인</a:t>
+            </a:r>
+            <a:r>
+              <a:rPr lang="en-US" altLang="ko-KR" sz="1300" kern="0">
+                <a:solidFill>
+                  <a:prstClr val="black">
+                    <a:lumMod val="50000"/>
+                    <a:lumOff val="50000"/>
+                  </a:prstClr>
+                </a:solidFill>
+              </a:rPr>
+              <a:t>,</a:t>
+            </a:r>
+            <a:r>
+              <a:rPr lang="ko-KR" altLang="en-US" sz="1300" kern="0">
+                <a:solidFill>
+                  <a:prstClr val="black">
+                    <a:lumMod val="50000"/>
+                    <a:lumOff val="50000"/>
+                  </a:prstClr>
+                </a:solidFill>
+              </a:rPr>
+              <a:t> 기획</a:t>
+            </a:r>
+            <a:endParaRPr lang="ko-KR" altLang="en-US" sz="1300" kern="0">
+              <a:solidFill>
+                <a:prstClr val="black">
+                  <a:lumMod val="50000"/>
+                  <a:lumOff val="50000"/>
+                </a:prstClr>
+              </a:solidFill>
+            </a:endParaRPr>
+          </a:p>
+        </p:txBody>
+      </p:sp>
     </p:spTree>
   </p:cSld>
   <p:clrMapOvr>

--- a/졸작 기획서.pptx
+++ b/졸작 기획서.pptx
@@ -2,8 +2,8 @@
 <file path=ppt/presentation.xml><?xml version="1.0" encoding="utf-8"?>
 <p:presentation xmlns:r="http://schemas.openxmlformats.org/officeDocument/2006/relationships" xmlns:c="http://schemas.openxmlformats.org/drawingml/2006/chart" xmlns:a="http://schemas.openxmlformats.org/drawingml/2006/main" xmlns:dgm="http://schemas.openxmlformats.org/drawingml/2006/diagram" xmlns:dsp="http://schemas.microsoft.com/office/drawing/2008/diagram" xmlns:p="http://schemas.openxmlformats.org/presentationml/2006/main" saveSubsetFonts="1">
   <p:sldMasterIdLst>
-    <p:sldMasterId id="2147483774" r:id="rId1"/>
-    <p:sldMasterId id="2147483775" r:id="rId2"/>
+    <p:sldMasterId id="2147483694" r:id="rId1"/>
+    <p:sldMasterId id="2147483695" r:id="rId2"/>
   </p:sldMasterIdLst>
   <p:notesMasterIdLst>
     <p:notesMasterId r:id="rId3"/>
@@ -246,7 +246,7 @@
               <a:pPr lvl="0">
                 <a:defRPr/>
               </a:pPr>
-              <a:t>2022-03-10</a:t>
+              <a:t>2022-03-14</a:t>
             </a:fld>
             <a:endParaRPr lang="ko-KR" altLang="en-US"/>
           </a:p>
@@ -18200,7 +18200,7 @@
         </p:nvSpPr>
         <p:spPr>
           <a:xfrm>
-            <a:off x="733424" y="1718362"/>
+            <a:off x="733424" y="1583665"/>
             <a:ext cx="10467973" cy="4603173"/>
           </a:xfrm>
           <a:prstGeom prst="rect">
@@ -29957,8 +29957,8 @@
         </p:nvSpPr>
         <p:spPr>
           <a:xfrm>
-            <a:off x="761999" y="2549881"/>
-            <a:ext cx="10744199" cy="2760661"/>
+            <a:off x="723900" y="2563308"/>
+            <a:ext cx="10744199" cy="2385431"/>
           </a:xfrm>
           <a:prstGeom prst="rect">
             <a:avLst/>
@@ -29971,9 +29971,6 @@
           <a:lstStyle/>
           <a:p>
             <a:pPr marL="0" indent="0" algn="ctr" defTabSz="914400" rtl="0" eaLnBrk="1" latinLnBrk="1" hangingPunct="1">
-              <a:lnSpc>
-                <a:spcPct val="90000"/>
-              </a:lnSpc>
               <a:spcBef>
                 <a:spcPts val="1000"/>
               </a:spcBef>
@@ -29987,24 +29984,174 @@
             <a:r>
               <a:rPr kumimoji="0" lang="ko-KR" altLang="en-US" sz="2600" b="0" i="0" u="none" strike="noStrike" kern="1200" cap="none" spc="0" normalizeH="0" baseline="0">
                 <a:solidFill>
+                  <a:schemeClr val="dk1"/>
+                </a:solidFill>
+                <a:latin typeface="1훈정글북 Regular"/>
+                <a:ea typeface="1훈정글북 Regular"/>
+              </a:rPr>
+              <a:t>시술 관련 </a:t>
+            </a:r>
+            <a:r>
+              <a:rPr kumimoji="0" lang="ko-KR" altLang="en-US" sz="2600" b="1" i="0" u="none" strike="noStrike" kern="1200" cap="none" spc="0" normalizeH="0" baseline="0">
+                <a:solidFill>
+                  <a:srgbClr val="ff9999"/>
+                </a:solidFill>
+                <a:latin typeface="1훈정글북 Regular"/>
+                <a:ea typeface="1훈정글북 Regular"/>
+              </a:rPr>
+              <a:t>정보를 제공</a:t>
+            </a:r>
+            <a:r>
+              <a:rPr kumimoji="0" lang="ko-KR" altLang="en-US" sz="2600" b="0" i="0" u="none" strike="noStrike" kern="1200" cap="none" spc="0" normalizeH="0" baseline="0">
+                <a:solidFill>
                   <a:schemeClr val="tx1"/>
                 </a:solidFill>
                 <a:latin typeface="1훈정글북 Regular"/>
                 <a:ea typeface="1훈정글북 Regular"/>
               </a:rPr>
-              <a:t>피부나 체형</a:t>
-            </a:r>
-            <a:r>
-              <a:rPr kumimoji="0" lang="en-US" altLang="ko-KR" sz="2600" b="0" i="0" u="none" strike="noStrike" kern="1200" cap="none" spc="0" normalizeH="0" baseline="0">
+              <a:t>하고</a:t>
+            </a:r>
+            <a:endParaRPr kumimoji="0" lang="ko-KR" altLang="en-US" sz="2600" b="0" i="0" u="none" strike="noStrike" kern="1200" cap="none" spc="0" normalizeH="0" baseline="0">
+              <a:solidFill>
+                <a:schemeClr val="tx1"/>
+              </a:solidFill>
+              <a:latin typeface="1훈정글북 Regular"/>
+              <a:ea typeface="1훈정글북 Regular"/>
+            </a:endParaRPr>
+          </a:p>
+          <a:p>
+            <a:pPr marL="0" indent="0" algn="ctr" defTabSz="914400" rtl="0" eaLnBrk="1" latinLnBrk="1" hangingPunct="1">
+              <a:spcBef>
+                <a:spcPts val="1000"/>
+              </a:spcBef>
+              <a:spcAft>
+                <a:spcPts val="0"/>
+              </a:spcAft>
+              <a:buFont typeface="Arial"/>
+              <a:buNone/>
+              <a:defRPr/>
+            </a:pPr>
+            <a:r>
+              <a:rPr xmlns:mc="http://schemas.openxmlformats.org/markup-compatibility/2006" xmlns:hp="http://schemas.haansoft.com/office/presentation/8.0" kumimoji="0" lang="ko-KR" altLang="en-US" sz="2600" b="1" i="0" u="none" strike="noStrike" kern="1200" cap="none" spc="0" normalizeH="0" baseline="0" mc:Ignorable="hp" hp:hslEmbossed="0">
+                <a:solidFill>
+                  <a:srgbClr val="ff9999"/>
+                </a:solidFill>
+                <a:latin typeface="1훈정글북 Regular"/>
+                <a:ea typeface="1훈정글북 Regular"/>
+              </a:rPr>
+              <a:t>테스트</a:t>
+            </a:r>
+            <a:r>
+              <a:rPr xmlns:mc="http://schemas.openxmlformats.org/markup-compatibility/2006" xmlns:hp="http://schemas.haansoft.com/office/presentation/8.0" kumimoji="0" lang="ko-KR" altLang="en-US" sz="2600" b="0" i="0" u="none" strike="noStrike" kern="1200" cap="none" spc="0" normalizeH="0" baseline="0" mc:Ignorable="hp" hp:hslEmbossed="0">
+                <a:solidFill>
+                  <a:srgbClr val="000000"/>
+                </a:solidFill>
+                <a:latin typeface="1훈정글북 Regular"/>
+                <a:ea typeface="1훈정글북 Regular"/>
+              </a:rPr>
+              <a:t>를 통해 </a:t>
+            </a:r>
+            <a:r>
+              <a:rPr kumimoji="0" lang="ko-KR" altLang="en-US" sz="2600" b="0" i="0" u="none" strike="noStrike" kern="1200" cap="none" spc="0" normalizeH="0" baseline="0">
                 <a:solidFill>
                   <a:schemeClr val="tx1"/>
                 </a:solidFill>
                 <a:latin typeface="1훈정글북 Regular"/>
                 <a:ea typeface="1훈정글북 Regular"/>
               </a:rPr>
+              <a:t>자신의 </a:t>
+            </a:r>
+            <a:r>
+              <a:rPr kumimoji="0" lang="ko-KR" altLang="en-US" sz="2600" b="0" i="0" u="none" strike="noStrike" kern="1200" cap="none" spc="0" normalizeH="0" baseline="0">
+                <a:solidFill>
+                  <a:schemeClr val="dk1"/>
+                </a:solidFill>
+                <a:latin typeface="1훈정글북 Regular"/>
+                <a:ea typeface="1훈정글북 Regular"/>
+              </a:rPr>
+              <a:t>피부타입과 </a:t>
+            </a:r>
+            <a:endParaRPr kumimoji="0" lang="ko-KR" altLang="en-US" sz="2600" b="0" i="0" u="none" strike="noStrike" kern="1200" cap="none" spc="0" normalizeH="0" baseline="0">
+              <a:solidFill>
+                <a:schemeClr val="dk1"/>
+              </a:solidFill>
+              <a:latin typeface="1훈정글북 Regular"/>
+              <a:ea typeface="1훈정글북 Regular"/>
+            </a:endParaRPr>
+          </a:p>
+          <a:p>
+            <a:pPr marL="0" indent="0" algn="ctr" defTabSz="914400" rtl="0" eaLnBrk="1" latinLnBrk="1" hangingPunct="1">
+              <a:spcBef>
+                <a:spcPts val="1000"/>
+              </a:spcBef>
+              <a:spcAft>
+                <a:spcPts val="0"/>
+              </a:spcAft>
+              <a:buFont typeface="Arial"/>
+              <a:buNone/>
+              <a:defRPr/>
+            </a:pPr>
+            <a:r>
+              <a:rPr kumimoji="0" lang="ko-KR" altLang="en-US" sz="2600" b="0" i="0" u="none" strike="noStrike" kern="1200" cap="none" spc="0" normalizeH="0" baseline="0">
+                <a:solidFill>
+                  <a:schemeClr val="dk1"/>
+                </a:solidFill>
+                <a:latin typeface="1훈정글북 Regular"/>
+                <a:ea typeface="1훈정글북 Regular"/>
+              </a:rPr>
+              <a:t>그에 따른 관리법을 추천 받을 수 있으며</a:t>
+            </a:r>
+            <a:endParaRPr kumimoji="0" lang="ko-KR" altLang="en-US" sz="2600" b="0" i="0" u="none" strike="noStrike" kern="1200" cap="none" spc="0" normalizeH="0" baseline="0">
+              <a:solidFill>
+                <a:schemeClr val="dk1"/>
+              </a:solidFill>
+              <a:latin typeface="1훈정글북 Regular"/>
+              <a:ea typeface="1훈정글북 Regular"/>
+            </a:endParaRPr>
+          </a:p>
+          <a:p>
+            <a:pPr marL="0" indent="0" algn="ctr" defTabSz="914400" rtl="0" eaLnBrk="1" latinLnBrk="1" hangingPunct="1">
+              <a:spcBef>
+                <a:spcPts val="1000"/>
+              </a:spcBef>
+              <a:spcAft>
+                <a:spcPts val="0"/>
+              </a:spcAft>
+              <a:buFont typeface="Arial"/>
+              <a:buNone/>
+              <a:defRPr/>
+            </a:pPr>
+            <a:r>
+              <a:rPr kumimoji="0" lang="ko-KR" altLang="en-US" sz="2600" b="0" i="0" u="none" strike="noStrike" kern="1200" cap="none" spc="0" normalizeH="0" baseline="0">
+                <a:solidFill>
+                  <a:schemeClr val="dk1"/>
+                </a:solidFill>
+                <a:latin typeface="1훈정글북 Regular"/>
+                <a:ea typeface="1훈정글북 Regular"/>
+              </a:rPr>
+              <a:t> 원하는 시술을</a:t>
+            </a:r>
+            <a:r>
+              <a:rPr kumimoji="0" lang="ko-KR" altLang="en-US" sz="2600" b="0" i="0" u="none" strike="noStrike" kern="1200" cap="none" spc="0" normalizeH="0" baseline="0">
+                <a:solidFill>
+                  <a:srgbClr val="ff9999"/>
+                </a:solidFill>
+                <a:latin typeface="1훈정글북 Regular"/>
+                <a:ea typeface="1훈정글북 Regular"/>
+              </a:rPr>
               <a:t> </a:t>
             </a:r>
             <a:r>
+              <a:rPr kumimoji="0" lang="ko-KR" altLang="en-US" sz="2600" b="1" i="0" u="none" strike="noStrike" kern="1200" cap="none" spc="0" normalizeH="0" baseline="0">
+                <a:solidFill>
+                  <a:srgbClr val="ff9999"/>
+                </a:solidFill>
+                <a:latin typeface="1훈정글북 Regular"/>
+                <a:ea typeface="1훈정글북 Regular"/>
+              </a:rPr>
+              <a:t>예약</a:t>
+            </a:r>
+            <a:r>
               <a:rPr kumimoji="0" lang="ko-KR" altLang="en-US" sz="2600" b="0" i="0" u="none" strike="noStrike" kern="1200" cap="none" spc="0" normalizeH="0" baseline="0">
                 <a:solidFill>
                   <a:schemeClr val="tx1"/>
@@ -30012,182 +30159,7 @@
                 <a:latin typeface="1훈정글북 Regular"/>
                 <a:ea typeface="1훈정글북 Regular"/>
               </a:rPr>
-              <a:t>등 본인의 콤플렉스를 비수술적인 방법으로 </a:t>
-            </a:r>
-            <a:endParaRPr kumimoji="0" lang="ko-KR" altLang="en-US" sz="2600" b="0" i="0" u="none" strike="noStrike" kern="1200" cap="none" spc="0" normalizeH="0" baseline="0">
-              <a:solidFill>
-                <a:schemeClr val="tx1"/>
-              </a:solidFill>
-              <a:latin typeface="1훈정글북 Regular"/>
-              <a:ea typeface="1훈정글북 Regular"/>
-            </a:endParaRPr>
-          </a:p>
-          <a:p>
-            <a:pPr marL="0" indent="0" algn="ctr" defTabSz="914400" rtl="0" eaLnBrk="1" latinLnBrk="1" hangingPunct="1">
-              <a:lnSpc>
-                <a:spcPct val="90000"/>
-              </a:lnSpc>
-              <a:spcBef>
-                <a:spcPts val="1000"/>
-              </a:spcBef>
-              <a:spcAft>
-                <a:spcPts val="0"/>
-              </a:spcAft>
-              <a:buFont typeface="Arial"/>
-              <a:buNone/>
-              <a:defRPr/>
-            </a:pPr>
-            <a:r>
-              <a:rPr kumimoji="0" lang="ko-KR" altLang="en-US" sz="2600" b="0" i="0" u="none" strike="noStrike" kern="1200" cap="none" spc="0" normalizeH="0" baseline="0">
-                <a:solidFill>
-                  <a:schemeClr val="tx1"/>
-                </a:solidFill>
-                <a:latin typeface="1훈정글북 Regular"/>
-                <a:ea typeface="1훈정글북 Regular"/>
-              </a:rPr>
-              <a:t>자연스럽게 아름다워질 수 있도록</a:t>
-            </a:r>
-            <a:endParaRPr kumimoji="0" lang="ko-KR" altLang="en-US" sz="2600" b="0" i="0" u="none" strike="noStrike" kern="1200" cap="none" spc="0" normalizeH="0" baseline="0">
-              <a:solidFill>
-                <a:schemeClr val="tx1"/>
-              </a:solidFill>
-              <a:latin typeface="1훈정글북 Regular"/>
-              <a:ea typeface="1훈정글북 Regular"/>
-            </a:endParaRPr>
-          </a:p>
-          <a:p>
-            <a:pPr marL="0" indent="0" algn="ctr" defTabSz="914400" rtl="0" eaLnBrk="1" latinLnBrk="1" hangingPunct="1">
-              <a:lnSpc>
-                <a:spcPct val="90000"/>
-              </a:lnSpc>
-              <a:spcBef>
-                <a:spcPts val="1000"/>
-              </a:spcBef>
-              <a:spcAft>
-                <a:spcPts val="0"/>
-              </a:spcAft>
-              <a:buFont typeface="Arial"/>
-              <a:buNone/>
-              <a:defRPr/>
-            </a:pPr>
-            <a:r>
-              <a:rPr kumimoji="0" lang="ko-KR" altLang="en-US" sz="2600" b="0" i="0" u="none" strike="noStrike" kern="1200" cap="none" spc="0" normalizeH="0" baseline="0">
-                <a:solidFill>
-                  <a:schemeClr val="tx1"/>
-                </a:solidFill>
-                <a:latin typeface="1훈정글북 Regular"/>
-                <a:ea typeface="1훈정글북 Regular"/>
-              </a:rPr>
-              <a:t>시술 관련 정보를 제공하고</a:t>
-            </a:r>
-            <a:endParaRPr kumimoji="0" lang="ko-KR" altLang="en-US" sz="2600" b="0" i="0" u="none" strike="noStrike" kern="1200" cap="none" spc="0" normalizeH="0" baseline="0">
-              <a:solidFill>
-                <a:schemeClr val="tx1"/>
-              </a:solidFill>
-              <a:latin typeface="1훈정글북 Regular"/>
-              <a:ea typeface="1훈정글북 Regular"/>
-            </a:endParaRPr>
-          </a:p>
-          <a:p>
-            <a:pPr marL="0" indent="0" algn="ctr" defTabSz="914400" rtl="0" eaLnBrk="1" latinLnBrk="1" hangingPunct="1">
-              <a:lnSpc>
-                <a:spcPct val="90000"/>
-              </a:lnSpc>
-              <a:spcBef>
-                <a:spcPts val="1000"/>
-              </a:spcBef>
-              <a:spcAft>
-                <a:spcPts val="0"/>
-              </a:spcAft>
-              <a:buFont typeface="Arial"/>
-              <a:buNone/>
-              <a:defRPr/>
-            </a:pPr>
-            <a:r>
-              <a:rPr xmlns:mc="http://schemas.openxmlformats.org/markup-compatibility/2006" xmlns:hp="http://schemas.haansoft.com/office/presentation/8.0" kumimoji="0" lang="ko-KR" altLang="en-US" sz="2600" b="0" i="0" u="none" strike="noStrike" kern="1200" cap="none" spc="0" normalizeH="0" baseline="0" mc:Ignorable="hp" hp:hslEmbossed="0">
-                <a:solidFill>
-                  <a:srgbClr val="000000"/>
-                </a:solidFill>
-                <a:latin typeface="1훈정글북 Regular"/>
-                <a:ea typeface="1훈정글북 Regular"/>
-              </a:rPr>
-              <a:t>테스트를 통해 </a:t>
-            </a:r>
-            <a:r>
-              <a:rPr kumimoji="0" lang="ko-KR" altLang="en-US" sz="2600" b="0" i="0" u="none" strike="noStrike" kern="1200" cap="none" spc="0" normalizeH="0" baseline="0">
-                <a:solidFill>
-                  <a:schemeClr val="tx1"/>
-                </a:solidFill>
-                <a:latin typeface="1훈정글북 Regular"/>
-                <a:ea typeface="1훈정글북 Regular"/>
-              </a:rPr>
-              <a:t>자신의 피부타입과 </a:t>
-            </a:r>
-            <a:endParaRPr kumimoji="0" lang="ko-KR" altLang="en-US" sz="2600" b="0" i="0" u="none" strike="noStrike" kern="1200" cap="none" spc="0" normalizeH="0" baseline="0">
-              <a:solidFill>
-                <a:schemeClr val="tx1"/>
-              </a:solidFill>
-              <a:latin typeface="1훈정글북 Regular"/>
-              <a:ea typeface="1훈정글북 Regular"/>
-            </a:endParaRPr>
-          </a:p>
-          <a:p>
-            <a:pPr marL="0" indent="0" algn="ctr" defTabSz="914400" rtl="0" eaLnBrk="1" latinLnBrk="1" hangingPunct="1">
-              <a:lnSpc>
-                <a:spcPct val="90000"/>
-              </a:lnSpc>
-              <a:spcBef>
-                <a:spcPts val="1000"/>
-              </a:spcBef>
-              <a:spcAft>
-                <a:spcPts val="0"/>
-              </a:spcAft>
-              <a:buFont typeface="Arial"/>
-              <a:buNone/>
-              <a:defRPr/>
-            </a:pPr>
-            <a:r>
-              <a:rPr kumimoji="0" lang="ko-KR" altLang="en-US" sz="2600" b="0" i="0" u="none" strike="noStrike" kern="1200" cap="none" spc="0" normalizeH="0" baseline="0">
-                <a:solidFill>
-                  <a:schemeClr val="tx1"/>
-                </a:solidFill>
-                <a:latin typeface="1훈정글북 Regular"/>
-                <a:ea typeface="1훈정글북 Regular"/>
-              </a:rPr>
-              <a:t>그에 따른 관리법을 추천 받을 수 있으며</a:t>
-            </a:r>
-            <a:endParaRPr kumimoji="0" lang="ko-KR" altLang="en-US" sz="2600" b="0" i="0" u="none" strike="noStrike" kern="1200" cap="none" spc="0" normalizeH="0" baseline="0">
-              <a:solidFill>
-                <a:schemeClr val="tx1"/>
-              </a:solidFill>
-              <a:latin typeface="1훈정글북 Regular"/>
-              <a:ea typeface="1훈정글북 Regular"/>
-            </a:endParaRPr>
-          </a:p>
-          <a:p>
-            <a:pPr marL="0" indent="0" algn="ctr" defTabSz="914400" rtl="0" eaLnBrk="1" latinLnBrk="1" hangingPunct="1">
-              <a:lnSpc>
-                <a:spcPct val="90000"/>
-              </a:lnSpc>
-              <a:spcBef>
-                <a:spcPts val="1000"/>
-              </a:spcBef>
-              <a:spcAft>
-                <a:spcPts val="0"/>
-              </a:spcAft>
-              <a:buFont typeface="Arial"/>
-              <a:buNone/>
-              <a:defRPr/>
-            </a:pPr>
-            <a:r>
-              <a:rPr kumimoji="0" lang="ko-KR" altLang="en-US" sz="2600" b="0" i="0" u="none" strike="noStrike" kern="1200" cap="none" spc="0" normalizeH="0" baseline="0">
-                <a:solidFill>
-                  <a:schemeClr val="tx1"/>
-                </a:solidFill>
-                <a:latin typeface="1훈정글북 Regular"/>
-                <a:ea typeface="1훈정글북 Regular"/>
-              </a:rPr>
-              <a:t> 원하는 시술을 예약할 수 있는 웹사이트 </a:t>
+              <a:t>할 수 있는 웹사이트 </a:t>
             </a:r>
             <a:endParaRPr kumimoji="0" lang="ko-KR" altLang="en-US" sz="2600" b="0" i="0" u="none" strike="noStrike" kern="1200" cap="none" spc="0" normalizeH="0" baseline="0">
               <a:solidFill>
@@ -39585,7 +39557,7 @@
         </p:nvCxnSpPr>
         <p:spPr>
           <a:xfrm>
-            <a:off x="6321040" y="3074729"/>
+            <a:off x="6292176" y="3305638"/>
             <a:ext cx="4244315" cy="0"/>
           </a:xfrm>
           <a:prstGeom prst="line">
@@ -39772,7 +39744,7 @@
         <p:spPr>
           <a:xfrm>
             <a:off x="6298285" y="2516515"/>
-            <a:ext cx="5730493" cy="413571"/>
+            <a:ext cx="5730493" cy="480919"/>
           </a:xfrm>
           <a:prstGeom prst="rect">
             <a:avLst/>
@@ -39785,9 +39757,6 @@
           <a:lstStyle/>
           <a:p>
             <a:pPr marL="0" indent="0" defTabSz="914400" rtl="0" eaLnBrk="1" latinLnBrk="1" hangingPunct="1">
-              <a:lnSpc>
-                <a:spcPct val="50000"/>
-              </a:lnSpc>
               <a:spcBef>
                 <a:spcPts val="1000"/>
               </a:spcBef>
@@ -39828,9 +39797,6 @@
           </a:p>
           <a:p>
             <a:pPr marL="0" indent="0" defTabSz="914400" rtl="0" eaLnBrk="1" latinLnBrk="1" hangingPunct="1">
-              <a:lnSpc>
-                <a:spcPct val="50000"/>
-              </a:lnSpc>
               <a:spcBef>
                 <a:spcPts val="1000"/>
               </a:spcBef>
@@ -39849,7 +39815,7 @@
                 <a:latin typeface="1훈정글북 Regular"/>
                 <a:ea typeface="1훈정글북 Regular"/>
               </a:rPr>
-              <a:t>다양한 시술들이 있다</a:t>
+              <a:t>카테고리별 시술들이 잘 분류되어있다</a:t>
             </a:r>
             <a:r>
               <a:rPr kumimoji="0" lang="en-US" altLang="ko-KR" sz="1700" b="0" i="0" u="none" strike="noStrike" kern="1200" cap="none" spc="0" normalizeH="0" baseline="0">
@@ -39927,7 +39893,7 @@
         </p:nvSpPr>
         <p:spPr>
           <a:xfrm>
-            <a:off x="6292151" y="3181730"/>
+            <a:off x="6292151" y="3429000"/>
             <a:ext cx="1177332" cy="494539"/>
           </a:xfrm>
           <a:prstGeom prst="rect">
@@ -40076,7 +40042,7 @@
         </p:nvSpPr>
         <p:spPr>
           <a:xfrm>
-            <a:off x="6300734" y="3671150"/>
+            <a:off x="6291112" y="3882816"/>
             <a:ext cx="4777990" cy="554105"/>
           </a:xfrm>
           <a:prstGeom prst="rect">
@@ -40176,7 +40142,7 @@
         </p:nvSpPr>
         <p:spPr>
           <a:xfrm>
-            <a:off x="6324701" y="4350870"/>
+            <a:off x="6315079" y="4504809"/>
             <a:ext cx="4484914" cy="554105"/>
           </a:xfrm>
           <a:prstGeom prst="rect">
@@ -40300,7 +40266,7 @@
         </p:nvSpPr>
         <p:spPr>
           <a:xfrm>
-            <a:off x="6312455" y="4945920"/>
+            <a:off x="6302833" y="5157586"/>
             <a:ext cx="4149970" cy="302896"/>
           </a:xfrm>
           <a:prstGeom prst="rect">
@@ -40413,7 +40379,7 @@
         </p:nvSpPr>
         <p:spPr>
           <a:xfrm>
-            <a:off x="428625" y="419993"/>
+            <a:off x="409575" y="419993"/>
             <a:ext cx="11372850" cy="6018014"/>
           </a:xfrm>
           <a:prstGeom prst="rect">
@@ -40667,7 +40633,7 @@
         </p:nvCxnSpPr>
         <p:spPr>
           <a:xfrm>
-            <a:off x="6321040" y="3663147"/>
+            <a:off x="6321040" y="3583131"/>
             <a:ext cx="4244315" cy="0"/>
           </a:xfrm>
           <a:prstGeom prst="line">
@@ -40704,7 +40670,7 @@
         </p:nvSpPr>
         <p:spPr>
           <a:xfrm>
-            <a:off x="6275822" y="2539604"/>
+            <a:off x="6275822" y="2122942"/>
             <a:ext cx="936590" cy="494539"/>
           </a:xfrm>
           <a:prstGeom prst="rect">
@@ -40742,75 +40708,6 @@
               <a:t>특징</a:t>
             </a:r>
             <a:endParaRPr kumimoji="0" lang="ko-KR" altLang="en-US" sz="2200" b="0" i="0" u="none" strike="noStrike" kern="1200" cap="none" spc="0" normalizeH="0" baseline="0">
-              <a:solidFill>
-                <a:schemeClr val="tx1"/>
-              </a:solidFill>
-              <a:latin typeface="1훈정글북 Regular"/>
-              <a:ea typeface="1훈정글북 Regular"/>
-            </a:endParaRPr>
-          </a:p>
-          <a:p>
-            <a:pPr marL="0" indent="0" algn="ctr" defTabSz="914400" rtl="0" eaLnBrk="1" latinLnBrk="1" hangingPunct="1">
-              <a:lnSpc>
-                <a:spcPct val="90000"/>
-              </a:lnSpc>
-              <a:spcBef>
-                <a:spcPts val="1000"/>
-              </a:spcBef>
-              <a:spcAft>
-                <a:spcPts val="0"/>
-              </a:spcAft>
-              <a:buFont typeface="Arial"/>
-              <a:buNone/>
-              <a:defRPr/>
-            </a:pPr>
-            <a:endParaRPr kumimoji="0" lang="ko-KR" altLang="en-US" sz="2200" b="0" i="0" u="none" strike="noStrike" kern="1200" cap="none" spc="0" normalizeH="0" baseline="0">
-              <a:solidFill>
-                <a:schemeClr val="tx1"/>
-              </a:solidFill>
-              <a:latin typeface="1훈정글북 Regular"/>
-              <a:ea typeface="1훈정글북 Regular"/>
-            </a:endParaRPr>
-          </a:p>
-          <a:p>
-            <a:pPr marL="0" indent="0" algn="ctr" defTabSz="914400" rtl="0" eaLnBrk="1" latinLnBrk="1" hangingPunct="1">
-              <a:lnSpc>
-                <a:spcPct val="90000"/>
-              </a:lnSpc>
-              <a:spcBef>
-                <a:spcPts val="1000"/>
-              </a:spcBef>
-              <a:spcAft>
-                <a:spcPts val="0"/>
-              </a:spcAft>
-              <a:buFont typeface="Arial"/>
-              <a:buNone/>
-              <a:defRPr/>
-            </a:pPr>
-            <a:endParaRPr kumimoji="0" lang="ko-KR" altLang="en-US" sz="2200" b="0" i="0" u="none" strike="noStrike" kern="1200" cap="none" spc="0" normalizeH="0" baseline="0">
-              <a:solidFill>
-                <a:schemeClr val="tx1"/>
-              </a:solidFill>
-              <a:latin typeface="1훈정글북 Regular"/>
-              <a:ea typeface="1훈정글북 Regular"/>
-            </a:endParaRPr>
-          </a:p>
-          <a:p>
-            <a:pPr marL="0" indent="0" algn="ctr" defTabSz="914400" rtl="0" eaLnBrk="1" latinLnBrk="1" hangingPunct="1">
-              <a:lnSpc>
-                <a:spcPct val="90000"/>
-              </a:lnSpc>
-              <a:spcBef>
-                <a:spcPts val="1000"/>
-              </a:spcBef>
-              <a:spcAft>
-                <a:spcPts val="0"/>
-              </a:spcAft>
-              <a:buFont typeface="Arial"/>
-              <a:buNone/>
-              <a:defRPr/>
-            </a:pPr>
-            <a:endParaRPr kumimoji="0" lang="en-US" altLang="ko-KR" sz="2200" b="0" i="0" u="none" strike="noStrike" kern="1200" cap="none" spc="0" normalizeH="0" baseline="0">
               <a:solidFill>
                 <a:schemeClr val="tx1"/>
               </a:solidFill>
@@ -40853,8 +40750,8 @@
         </p:nvSpPr>
         <p:spPr>
           <a:xfrm>
-            <a:off x="6287337" y="3056676"/>
-            <a:ext cx="5730493" cy="744647"/>
+            <a:off x="6287337" y="2640014"/>
+            <a:ext cx="5730493" cy="510258"/>
           </a:xfrm>
           <a:prstGeom prst="rect">
             <a:avLst/>
@@ -40963,7 +40860,7 @@
         </p:nvSpPr>
         <p:spPr>
           <a:xfrm>
-            <a:off x="6292151" y="3752963"/>
+            <a:off x="6292151" y="3682472"/>
             <a:ext cx="1177332" cy="494539"/>
           </a:xfrm>
           <a:prstGeom prst="rect">
@@ -41112,7 +41009,7 @@
         </p:nvSpPr>
         <p:spPr>
           <a:xfrm>
-            <a:off x="6300733" y="4199877"/>
+            <a:off x="6300733" y="4129386"/>
             <a:ext cx="3854064" cy="477077"/>
           </a:xfrm>
           <a:prstGeom prst="rect">
@@ -41212,7 +41109,7 @@
         </p:nvSpPr>
         <p:spPr>
           <a:xfrm>
-            <a:off x="6315176" y="4786888"/>
+            <a:off x="6315176" y="4716398"/>
             <a:ext cx="4484914" cy="411230"/>
           </a:xfrm>
           <a:prstGeom prst="rect">
@@ -41293,6 +41190,83 @@
           </a:prstGeom>
         </p:spPr>
       </p:pic>
+      <p:sp>
+        <p:nvSpPr>
+          <p:cNvPr id="90" name="부제목 2"/>
+          <p:cNvSpPr>
+            <a:spLocks noGrp="1"/>
+          </p:cNvSpPr>
+          <p:nvPr/>
+        </p:nvSpPr>
+        <p:spPr>
+          <a:xfrm>
+            <a:off x="6295419" y="3226210"/>
+            <a:ext cx="5730493" cy="202790"/>
+          </a:xfrm>
+          <a:prstGeom prst="rect">
+            <a:avLst/>
+          </a:prstGeom>
+        </p:spPr>
+        <p:txBody>
+          <a:bodyPr vert="horz" lIns="91440" tIns="45720" rIns="91440" bIns="45720">
+            <a:noAutofit/>
+          </a:bodyPr>
+          <a:lstStyle/>
+          <a:p>
+            <a:pPr marL="0" indent="0" defTabSz="914400" rtl="0" eaLnBrk="1" latinLnBrk="1" hangingPunct="1">
+              <a:lnSpc>
+                <a:spcPct val="50000"/>
+              </a:lnSpc>
+              <a:spcBef>
+                <a:spcPts val="1000"/>
+              </a:spcBef>
+              <a:spcAft>
+                <a:spcPts val="0"/>
+              </a:spcAft>
+              <a:buFont typeface="Arial"/>
+              <a:buNone/>
+              <a:defRPr/>
+            </a:pPr>
+            <a:r>
+              <a:rPr kumimoji="0" lang="ko-KR" altLang="en-US" sz="1700" b="0" i="0" u="none" strike="noStrike" kern="1200" cap="none" spc="0" normalizeH="0" baseline="0">
+                <a:solidFill>
+                  <a:schemeClr val="tx1"/>
+                </a:solidFill>
+                <a:latin typeface="1훈정글북 Regular"/>
+                <a:ea typeface="1훈정글북 Regular"/>
+              </a:rPr>
+              <a:t>다양한 언어들로 사이트를 볼 수 있다</a:t>
+            </a:r>
+            <a:r>
+              <a:rPr kumimoji="0" lang="en-US" altLang="ko-KR" sz="1700" b="0" i="0" u="none" strike="noStrike" kern="1200" cap="none" spc="0" normalizeH="0" baseline="0">
+                <a:solidFill>
+                  <a:schemeClr val="tx1"/>
+                </a:solidFill>
+                <a:latin typeface="1훈정글북 Regular"/>
+                <a:ea typeface="1훈정글북 Regular"/>
+              </a:rPr>
+              <a:t>.</a:t>
+            </a:r>
+            <a:r>
+              <a:rPr kumimoji="0" lang="ko-KR" altLang="en-US" sz="1700" b="0" i="0" u="none" strike="noStrike" kern="1200" cap="none" spc="0" normalizeH="0" baseline="0">
+                <a:solidFill>
+                  <a:schemeClr val="tx1"/>
+                </a:solidFill>
+                <a:latin typeface="1훈정글북 Regular"/>
+                <a:ea typeface="1훈정글북 Regular"/>
+              </a:rPr>
+              <a:t> </a:t>
+            </a:r>
+            <a:endParaRPr kumimoji="0" lang="ko-KR" altLang="en-US" sz="1700" b="0" i="0" u="none" strike="noStrike" kern="1200" cap="none" spc="0" normalizeH="0" baseline="0">
+              <a:solidFill>
+                <a:schemeClr val="tx1"/>
+              </a:solidFill>
+              <a:latin typeface="1훈정글북 Regular"/>
+              <a:ea typeface="1훈정글북 Regular"/>
+            </a:endParaRPr>
+          </a:p>
+        </p:txBody>
+      </p:sp>
     </p:spTree>
   </p:cSld>
   <p:clrMapOvr>
@@ -41640,7 +41614,7 @@
         </p:nvSpPr>
         <p:spPr>
           <a:xfrm>
-            <a:off x="6313922" y="2539604"/>
+            <a:off x="6313922" y="2167281"/>
             <a:ext cx="936590" cy="494539"/>
           </a:xfrm>
           <a:prstGeom prst="rect">
@@ -41789,8 +41763,8 @@
         </p:nvSpPr>
         <p:spPr>
           <a:xfrm>
-            <a:off x="6315912" y="3056676"/>
-            <a:ext cx="3882642" cy="744647"/>
+            <a:off x="6315912" y="2684353"/>
+            <a:ext cx="3882642" cy="465631"/>
           </a:xfrm>
           <a:prstGeom prst="rect">
             <a:avLst/>
@@ -42217,6 +42191,63 @@
           </a:prstGeom>
         </p:spPr>
       </p:pic>
+      <p:sp>
+        <p:nvSpPr>
+          <p:cNvPr id="92" name="부제목 2"/>
+          <p:cNvSpPr>
+            <a:spLocks noGrp="1"/>
+          </p:cNvSpPr>
+          <p:nvPr/>
+        </p:nvSpPr>
+        <p:spPr>
+          <a:xfrm>
+            <a:off x="6324090" y="3230068"/>
+            <a:ext cx="3882642" cy="350177"/>
+          </a:xfrm>
+          <a:prstGeom prst="rect">
+            <a:avLst/>
+          </a:prstGeom>
+        </p:spPr>
+        <p:txBody>
+          <a:bodyPr vert="horz" lIns="91440" tIns="45720" rIns="91440" bIns="45720">
+            <a:noAutofit/>
+          </a:bodyPr>
+          <a:lstStyle/>
+          <a:p>
+            <a:pPr marL="0" indent="0" defTabSz="914400" rtl="0" eaLnBrk="1" latinLnBrk="1" hangingPunct="1">
+              <a:lnSpc>
+                <a:spcPct val="50000"/>
+              </a:lnSpc>
+              <a:spcBef>
+                <a:spcPts val="1000"/>
+              </a:spcBef>
+              <a:spcAft>
+                <a:spcPts val="0"/>
+              </a:spcAft>
+              <a:buFont typeface="Arial"/>
+              <a:buNone/>
+              <a:defRPr/>
+            </a:pPr>
+            <a:r>
+              <a:rPr kumimoji="0" lang="ko-KR" altLang="en-US" sz="1700" b="0" i="0" u="none" strike="noStrike" kern="1200" cap="none" spc="0" normalizeH="0" baseline="0">
+                <a:solidFill>
+                  <a:schemeClr val="tx1"/>
+                </a:solidFill>
+                <a:latin typeface="1훈정글북 Regular"/>
+                <a:ea typeface="1훈정글북 Regular"/>
+              </a:rPr>
+              <a:t>상세페이지에 사용되는 기구의 소</a:t>
+            </a:r>
+            <a:endParaRPr kumimoji="0" lang="ko-KR" altLang="en-US" sz="1700" b="0" i="0" u="none" strike="noStrike" kern="1200" cap="none" spc="0" normalizeH="0" baseline="0">
+              <a:solidFill>
+                <a:schemeClr val="tx1"/>
+              </a:solidFill>
+              <a:latin typeface="1훈정글북 Regular"/>
+              <a:ea typeface="1훈정글북 Regular"/>
+            </a:endParaRPr>
+          </a:p>
+        </p:txBody>
+      </p:sp>
     </p:spTree>
   </p:cSld>
   <p:clrMapOvr>
